--- a/learnings.pptx
+++ b/learnings.pptx
@@ -6,8 +6,8 @@
   </p:sldMasterIdLst>
   <p:sldIdLst>
     <p:sldId id="256" r:id="rId2"/>
-    <p:sldId id="260" r:id="rId3"/>
-    <p:sldId id="261" r:id="rId4"/>
+    <p:sldId id="261" r:id="rId3"/>
+    <p:sldId id="260" r:id="rId4"/>
   </p:sldIdLst>
   <p:sldSz cx="12192000" cy="6858000"/>
   <p:notesSz cx="6858000" cy="9144000"/>
@@ -2461,7 +2461,7 @@
           <a:p>
             <a:fld id="{3C04E684-10F4-4CC3-A0B9-F03AA7BE37CF}" type="datetimeFigureOut">
               <a:rPr lang="en-US" smtClean="0"/>
-              <a:t>4/28/2020</a:t>
+              <a:t>6/4/2020</a:t>
             </a:fld>
             <a:endParaRPr lang="en-US"/>
           </a:p>
@@ -4951,7 +4951,7 @@
           <a:p>
             <a:fld id="{3C04E684-10F4-4CC3-A0B9-F03AA7BE37CF}" type="datetimeFigureOut">
               <a:rPr lang="en-US" smtClean="0"/>
-              <a:t>4/28/2020</a:t>
+              <a:t>6/4/2020</a:t>
             </a:fld>
             <a:endParaRPr lang="en-US"/>
           </a:p>
@@ -5149,7 +5149,7 @@
           <a:p>
             <a:fld id="{3C04E684-10F4-4CC3-A0B9-F03AA7BE37CF}" type="datetimeFigureOut">
               <a:rPr lang="en-US" smtClean="0"/>
-              <a:t>4/28/2020</a:t>
+              <a:t>6/4/2020</a:t>
             </a:fld>
             <a:endParaRPr lang="en-US"/>
           </a:p>
@@ -5357,7 +5357,7 @@
           <a:p>
             <a:fld id="{3C04E684-10F4-4CC3-A0B9-F03AA7BE37CF}" type="datetimeFigureOut">
               <a:rPr lang="en-US" smtClean="0"/>
-              <a:t>4/28/2020</a:t>
+              <a:t>6/4/2020</a:t>
             </a:fld>
             <a:endParaRPr lang="en-US"/>
           </a:p>
@@ -6094,7 +6094,7 @@
           <a:p>
             <a:fld id="{3C04E684-10F4-4CC3-A0B9-F03AA7BE37CF}" type="datetimeFigureOut">
               <a:rPr lang="en-US" smtClean="0"/>
-              <a:t>4/28/2020</a:t>
+              <a:t>6/4/2020</a:t>
             </a:fld>
             <a:endParaRPr lang="en-US"/>
           </a:p>
@@ -6736,7 +6736,7 @@
           <a:p>
             <a:fld id="{3C04E684-10F4-4CC3-A0B9-F03AA7BE37CF}" type="datetimeFigureOut">
               <a:rPr lang="en-US" smtClean="0"/>
-              <a:t>4/28/2020</a:t>
+              <a:t>6/4/2020</a:t>
             </a:fld>
             <a:endParaRPr lang="en-US"/>
           </a:p>
@@ -7536,7 +7536,7 @@
           <a:p>
             <a:fld id="{3C04E684-10F4-4CC3-A0B9-F03AA7BE37CF}" type="datetimeFigureOut">
               <a:rPr lang="en-US" smtClean="0"/>
-              <a:t>4/28/2020</a:t>
+              <a:t>6/4/2020</a:t>
             </a:fld>
             <a:endParaRPr lang="en-US"/>
           </a:p>
@@ -8487,7 +8487,7 @@
           <a:p>
             <a:fld id="{3C04E684-10F4-4CC3-A0B9-F03AA7BE37CF}" type="datetimeFigureOut">
               <a:rPr lang="en-US" smtClean="0"/>
-              <a:t>4/28/2020</a:t>
+              <a:t>6/4/2020</a:t>
             </a:fld>
             <a:endParaRPr lang="en-US"/>
           </a:p>
@@ -10836,7 +10836,7 @@
           <a:p>
             <a:fld id="{3C04E684-10F4-4CC3-A0B9-F03AA7BE37CF}" type="datetimeFigureOut">
               <a:rPr lang="en-US" smtClean="0"/>
-              <a:t>4/28/2020</a:t>
+              <a:t>6/4/2020</a:t>
             </a:fld>
             <a:endParaRPr lang="en-US"/>
           </a:p>
@@ -10949,7 +10949,7 @@
           <a:p>
             <a:fld id="{3C04E684-10F4-4CC3-A0B9-F03AA7BE37CF}" type="datetimeFigureOut">
               <a:rPr lang="en-US" smtClean="0"/>
-              <a:t>4/28/2020</a:t>
+              <a:t>6/4/2020</a:t>
             </a:fld>
             <a:endParaRPr lang="en-US"/>
           </a:p>
@@ -11456,7 +11456,7 @@
           <a:p>
             <a:fld id="{3C04E684-10F4-4CC3-A0B9-F03AA7BE37CF}" type="datetimeFigureOut">
               <a:rPr lang="en-US" smtClean="0"/>
-              <a:t>4/28/2020</a:t>
+              <a:t>6/4/2020</a:t>
             </a:fld>
             <a:endParaRPr lang="en-US"/>
           </a:p>
@@ -12759,7 +12759,7 @@
           <a:p>
             <a:fld id="{3C04E684-10F4-4CC3-A0B9-F03AA7BE37CF}" type="datetimeFigureOut">
               <a:rPr lang="en-US" smtClean="0"/>
-              <a:t>4/28/2020</a:t>
+              <a:t>6/4/2020</a:t>
             </a:fld>
             <a:endParaRPr lang="en-US"/>
           </a:p>
@@ -13006,7 +13006,7 @@
           <a:p>
             <a:fld id="{3C04E684-10F4-4CC3-A0B9-F03AA7BE37CF}" type="datetimeFigureOut">
               <a:rPr lang="en-US" smtClean="0"/>
-              <a:t>4/28/2020</a:t>
+              <a:t>6/4/2020</a:t>
             </a:fld>
             <a:endParaRPr lang="en-US"/>
           </a:p>
@@ -14066,10 +14066,66 @@
           <a:chExt cx="0" cy="0"/>
         </a:xfrm>
       </p:grpSpPr>
+      <p:sp>
+        <p:nvSpPr>
+          <p:cNvPr id="2" name="TextBox 1">
+            <a:extLst>
+              <a:ext uri="{FF2B5EF4-FFF2-40B4-BE49-F238E27FC236}">
+                <a16:creationId xmlns:a16="http://schemas.microsoft.com/office/drawing/2014/main" id="{978DB6DD-EE45-4090-B3E8-DD5F9898BC3A}"/>
+              </a:ext>
+            </a:extLst>
+          </p:cNvPr>
+          <p:cNvSpPr txBox="1"/>
+          <p:nvPr/>
+        </p:nvSpPr>
+        <p:spPr>
+          <a:xfrm>
+            <a:off x="1065402" y="2374084"/>
+            <a:ext cx="9009776" cy="2308324"/>
+          </a:xfrm>
+          <a:prstGeom prst="rect">
+            <a:avLst/>
+          </a:prstGeom>
+          <a:noFill/>
+        </p:spPr>
+        <p:txBody>
+          <a:bodyPr wrap="square" rtlCol="0">
+            <a:spAutoFit/>
+          </a:bodyPr>
+          <a:lstStyle/>
+          <a:p>
+            <a:r>
+              <a:rPr lang="en-IN" dirty="0"/>
+              <a:t>When using Visual studio 2019 for developing application using QT. Simply install QT opensource on your machine, Select MSVC 2017 64 in various options in QT installation. Once that is selected you can complete setup of QT. </a:t>
+            </a:r>
+          </a:p>
+          <a:p>
+            <a:endParaRPr lang="en-IN" dirty="0"/>
+          </a:p>
+          <a:p>
+            <a:r>
+              <a:rPr lang="en-IN" dirty="0"/>
+              <a:t>Then Open Tools options and add a kit for visual studio.</a:t>
+            </a:r>
+          </a:p>
+          <a:p>
+            <a:endParaRPr lang="en-IN" dirty="0"/>
+          </a:p>
+          <a:p>
+            <a:r>
+              <a:rPr lang="en-IN" dirty="0"/>
+              <a:t>Select settings as per following page. </a:t>
+            </a:r>
+          </a:p>
+          <a:p>
+            <a:endParaRPr lang="en-IN" dirty="0"/>
+          </a:p>
+        </p:txBody>
+      </p:sp>
     </p:spTree>
     <p:extLst>
       <p:ext uri="{BB962C8B-B14F-4D97-AF65-F5344CB8AC3E}">
-        <p14:creationId xmlns:p14="http://schemas.microsoft.com/office/powerpoint/2010/main" val="2077088263"/>
+        <p14:creationId xmlns:p14="http://schemas.microsoft.com/office/powerpoint/2010/main" val="3270717687"/>
       </p:ext>
     </p:extLst>
   </p:cSld>
@@ -14096,10 +14152,46 @@
           <a:chExt cx="0" cy="0"/>
         </a:xfrm>
       </p:grpSpPr>
+      <p:pic>
+        <p:nvPicPr>
+          <p:cNvPr id="3" name="Picture 2" descr="A screenshot of a computer screen&#10;&#10;Description automatically generated">
+            <a:extLst>
+              <a:ext uri="{FF2B5EF4-FFF2-40B4-BE49-F238E27FC236}">
+                <a16:creationId xmlns:a16="http://schemas.microsoft.com/office/drawing/2014/main" id="{4C31656B-E111-4E13-9160-1EF14F683A72}"/>
+              </a:ext>
+            </a:extLst>
+          </p:cNvPr>
+          <p:cNvPicPr>
+            <a:picLocks noChangeAspect="1"/>
+          </p:cNvPicPr>
+          <p:nvPr/>
+        </p:nvPicPr>
+        <p:blipFill>
+          <a:blip r:embed="rId2">
+            <a:extLst>
+              <a:ext uri="{28A0092B-C50C-407E-A947-70E740481C1C}">
+                <a14:useLocalDpi xmlns:a14="http://schemas.microsoft.com/office/drawing/2010/main" val="0"/>
+              </a:ext>
+            </a:extLst>
+          </a:blip>
+          <a:stretch>
+            <a:fillRect/>
+          </a:stretch>
+        </p:blipFill>
+        <p:spPr>
+          <a:xfrm>
+            <a:off x="881062" y="642937"/>
+            <a:ext cx="10429875" cy="5572125"/>
+          </a:xfrm>
+          <a:prstGeom prst="rect">
+            <a:avLst/>
+          </a:prstGeom>
+        </p:spPr>
+      </p:pic>
     </p:spTree>
     <p:extLst>
       <p:ext uri="{BB962C8B-B14F-4D97-AF65-F5344CB8AC3E}">
-        <p14:creationId xmlns:p14="http://schemas.microsoft.com/office/powerpoint/2010/main" val="3270717687"/>
+        <p14:creationId xmlns:p14="http://schemas.microsoft.com/office/powerpoint/2010/main" val="2077088263"/>
       </p:ext>
     </p:extLst>
   </p:cSld>

--- a/learnings.pptx
+++ b/learnings.pptx
@@ -8,6 +8,8 @@
     <p:sldId id="256" r:id="rId2"/>
     <p:sldId id="261" r:id="rId3"/>
     <p:sldId id="260" r:id="rId4"/>
+    <p:sldId id="262" r:id="rId5"/>
+    <p:sldId id="263" r:id="rId6"/>
   </p:sldIdLst>
   <p:sldSz cx="12192000" cy="6858000"/>
   <p:notesSz cx="6858000" cy="9144000"/>
@@ -2461,7 +2463,7 @@
           <a:p>
             <a:fld id="{3C04E684-10F4-4CC3-A0B9-F03AA7BE37CF}" type="datetimeFigureOut">
               <a:rPr lang="en-US" smtClean="0"/>
-              <a:t>6/4/2020</a:t>
+              <a:t>6/12/2020</a:t>
             </a:fld>
             <a:endParaRPr lang="en-US"/>
           </a:p>
@@ -4951,7 +4953,7 @@
           <a:p>
             <a:fld id="{3C04E684-10F4-4CC3-A0B9-F03AA7BE37CF}" type="datetimeFigureOut">
               <a:rPr lang="en-US" smtClean="0"/>
-              <a:t>6/4/2020</a:t>
+              <a:t>6/12/2020</a:t>
             </a:fld>
             <a:endParaRPr lang="en-US"/>
           </a:p>
@@ -5149,7 +5151,7 @@
           <a:p>
             <a:fld id="{3C04E684-10F4-4CC3-A0B9-F03AA7BE37CF}" type="datetimeFigureOut">
               <a:rPr lang="en-US" smtClean="0"/>
-              <a:t>6/4/2020</a:t>
+              <a:t>6/12/2020</a:t>
             </a:fld>
             <a:endParaRPr lang="en-US"/>
           </a:p>
@@ -5357,7 +5359,7 @@
           <a:p>
             <a:fld id="{3C04E684-10F4-4CC3-A0B9-F03AA7BE37CF}" type="datetimeFigureOut">
               <a:rPr lang="en-US" smtClean="0"/>
-              <a:t>6/4/2020</a:t>
+              <a:t>6/12/2020</a:t>
             </a:fld>
             <a:endParaRPr lang="en-US"/>
           </a:p>
@@ -6094,7 +6096,7 @@
           <a:p>
             <a:fld id="{3C04E684-10F4-4CC3-A0B9-F03AA7BE37CF}" type="datetimeFigureOut">
               <a:rPr lang="en-US" smtClean="0"/>
-              <a:t>6/4/2020</a:t>
+              <a:t>6/12/2020</a:t>
             </a:fld>
             <a:endParaRPr lang="en-US"/>
           </a:p>
@@ -6736,7 +6738,7 @@
           <a:p>
             <a:fld id="{3C04E684-10F4-4CC3-A0B9-F03AA7BE37CF}" type="datetimeFigureOut">
               <a:rPr lang="en-US" smtClean="0"/>
-              <a:t>6/4/2020</a:t>
+              <a:t>6/12/2020</a:t>
             </a:fld>
             <a:endParaRPr lang="en-US"/>
           </a:p>
@@ -7536,7 +7538,7 @@
           <a:p>
             <a:fld id="{3C04E684-10F4-4CC3-A0B9-F03AA7BE37CF}" type="datetimeFigureOut">
               <a:rPr lang="en-US" smtClean="0"/>
-              <a:t>6/4/2020</a:t>
+              <a:t>6/12/2020</a:t>
             </a:fld>
             <a:endParaRPr lang="en-US"/>
           </a:p>
@@ -8487,7 +8489,7 @@
           <a:p>
             <a:fld id="{3C04E684-10F4-4CC3-A0B9-F03AA7BE37CF}" type="datetimeFigureOut">
               <a:rPr lang="en-US" smtClean="0"/>
-              <a:t>6/4/2020</a:t>
+              <a:t>6/12/2020</a:t>
             </a:fld>
             <a:endParaRPr lang="en-US"/>
           </a:p>
@@ -10836,7 +10838,7 @@
           <a:p>
             <a:fld id="{3C04E684-10F4-4CC3-A0B9-F03AA7BE37CF}" type="datetimeFigureOut">
               <a:rPr lang="en-US" smtClean="0"/>
-              <a:t>6/4/2020</a:t>
+              <a:t>6/12/2020</a:t>
             </a:fld>
             <a:endParaRPr lang="en-US"/>
           </a:p>
@@ -10949,7 +10951,7 @@
           <a:p>
             <a:fld id="{3C04E684-10F4-4CC3-A0B9-F03AA7BE37CF}" type="datetimeFigureOut">
               <a:rPr lang="en-US" smtClean="0"/>
-              <a:t>6/4/2020</a:t>
+              <a:t>6/12/2020</a:t>
             </a:fld>
             <a:endParaRPr lang="en-US"/>
           </a:p>
@@ -11456,7 +11458,7 @@
           <a:p>
             <a:fld id="{3C04E684-10F4-4CC3-A0B9-F03AA7BE37CF}" type="datetimeFigureOut">
               <a:rPr lang="en-US" smtClean="0"/>
-              <a:t>6/4/2020</a:t>
+              <a:t>6/12/2020</a:t>
             </a:fld>
             <a:endParaRPr lang="en-US"/>
           </a:p>
@@ -12759,7 +12761,7 @@
           <a:p>
             <a:fld id="{3C04E684-10F4-4CC3-A0B9-F03AA7BE37CF}" type="datetimeFigureOut">
               <a:rPr lang="en-US" smtClean="0"/>
-              <a:t>6/4/2020</a:t>
+              <a:t>6/12/2020</a:t>
             </a:fld>
             <a:endParaRPr lang="en-US"/>
           </a:p>
@@ -13006,7 +13008,7 @@
           <a:p>
             <a:fld id="{3C04E684-10F4-4CC3-A0B9-F03AA7BE37CF}" type="datetimeFigureOut">
               <a:rPr lang="en-US" smtClean="0"/>
-              <a:t>6/4/2020</a:t>
+              <a:t>6/12/2020</a:t>
             </a:fld>
             <a:endParaRPr lang="en-US"/>
           </a:p>
@@ -14201,6 +14203,441 @@
 </p:sld>
 </file>
 
+<file path=ppt/slides/slide4.xml><?xml version="1.0" encoding="utf-8"?>
+<p:sld xmlns:a="http://schemas.openxmlformats.org/drawingml/2006/main" xmlns:r="http://schemas.openxmlformats.org/officeDocument/2006/relationships" xmlns:p="http://schemas.openxmlformats.org/presentationml/2006/main">
+  <p:cSld>
+    <p:spTree>
+      <p:nvGrpSpPr>
+        <p:cNvPr id="1" name=""/>
+        <p:cNvGrpSpPr/>
+        <p:nvPr/>
+      </p:nvGrpSpPr>
+      <p:grpSpPr>
+        <a:xfrm>
+          <a:off x="0" y="0"/>
+          <a:ext cx="0" cy="0"/>
+          <a:chOff x="0" y="0"/>
+          <a:chExt cx="0" cy="0"/>
+        </a:xfrm>
+      </p:grpSpPr>
+      <p:sp>
+        <p:nvSpPr>
+          <p:cNvPr id="2" name="Title 1">
+            <a:extLst>
+              <a:ext uri="{FF2B5EF4-FFF2-40B4-BE49-F238E27FC236}">
+                <a16:creationId xmlns:a16="http://schemas.microsoft.com/office/drawing/2014/main" id="{FD259E58-EE47-45FF-A0D5-41669FB04738}"/>
+              </a:ext>
+            </a:extLst>
+          </p:cNvPr>
+          <p:cNvSpPr>
+            <a:spLocks noGrp="1"/>
+          </p:cNvSpPr>
+          <p:nvPr>
+            <p:ph type="title"/>
+          </p:nvPr>
+        </p:nvSpPr>
+        <p:spPr/>
+        <p:txBody>
+          <a:bodyPr/>
+          <a:lstStyle/>
+          <a:p>
+            <a:r>
+              <a:rPr lang="en-IN" b="1" i="0" dirty="0" err="1">
+                <a:latin typeface="Arial" panose="020B0604020202020204" pitchFamily="34" charset="0"/>
+                <a:cs typeface="Arial" panose="020B0604020202020204" pitchFamily="34" charset="0"/>
+              </a:rPr>
+              <a:t>qDebug</a:t>
+            </a:r>
+            <a:r>
+              <a:rPr lang="en-IN" b="1" i="0" dirty="0">
+                <a:latin typeface="Arial" panose="020B0604020202020204" pitchFamily="34" charset="0"/>
+                <a:cs typeface="Arial" panose="020B0604020202020204" pitchFamily="34" charset="0"/>
+              </a:rPr>
+              <a:t>() vs std::</a:t>
+            </a:r>
+            <a:r>
+              <a:rPr lang="en-IN" b="1" i="0" dirty="0" err="1">
+                <a:latin typeface="Arial" panose="020B0604020202020204" pitchFamily="34" charset="0"/>
+                <a:cs typeface="Arial" panose="020B0604020202020204" pitchFamily="34" charset="0"/>
+              </a:rPr>
+              <a:t>cout</a:t>
+            </a:r>
+            <a:r>
+              <a:rPr lang="en-IN" b="1" i="0" dirty="0">
+                <a:latin typeface="Arial" panose="020B0604020202020204" pitchFamily="34" charset="0"/>
+                <a:cs typeface="Arial" panose="020B0604020202020204" pitchFamily="34" charset="0"/>
+              </a:rPr>
+              <a:t>&lt;&lt;</a:t>
+            </a:r>
+          </a:p>
+        </p:txBody>
+      </p:sp>
+      <p:sp>
+        <p:nvSpPr>
+          <p:cNvPr id="3" name="Content Placeholder 2">
+            <a:extLst>
+              <a:ext uri="{FF2B5EF4-FFF2-40B4-BE49-F238E27FC236}">
+                <a16:creationId xmlns:a16="http://schemas.microsoft.com/office/drawing/2014/main" id="{DC1B3BA7-EC9D-4A7B-B7D7-3BC6CD7C894A}"/>
+              </a:ext>
+            </a:extLst>
+          </p:cNvPr>
+          <p:cNvSpPr>
+            <a:spLocks noGrp="1"/>
+          </p:cNvSpPr>
+          <p:nvPr>
+            <p:ph idx="1"/>
+          </p:nvPr>
+        </p:nvSpPr>
+        <p:spPr/>
+        <p:txBody>
+          <a:bodyPr>
+            <a:normAutofit/>
+          </a:bodyPr>
+          <a:lstStyle/>
+          <a:p>
+            <a:r>
+              <a:rPr lang="en-IN" sz="2000" dirty="0"/>
+              <a:t>In Qt project we often use </a:t>
+            </a:r>
+            <a:r>
+              <a:rPr lang="en-IN" sz="2000" dirty="0" err="1"/>
+              <a:t>qDebug</a:t>
+            </a:r>
+            <a:r>
+              <a:rPr lang="en-IN" sz="2000" dirty="0"/>
+              <a:t>() and rightly so.</a:t>
+            </a:r>
+          </a:p>
+          <a:p>
+            <a:r>
+              <a:rPr lang="en-IN" sz="2000" dirty="0"/>
+              <a:t>Std::</a:t>
+            </a:r>
+            <a:r>
+              <a:rPr lang="en-IN" sz="2000" dirty="0" err="1"/>
+              <a:t>cout</a:t>
+            </a:r>
+            <a:r>
+              <a:rPr lang="en-IN" sz="2000" dirty="0"/>
+              <a:t> &lt;&lt; “message” will send message to output stream but will not actually print on monitor. </a:t>
+            </a:r>
+          </a:p>
+          <a:p>
+            <a:r>
+              <a:rPr lang="en-IN" sz="2000" dirty="0"/>
+              <a:t>Std::</a:t>
+            </a:r>
+            <a:r>
+              <a:rPr lang="en-IN" sz="2000" dirty="0" err="1"/>
+              <a:t>cout</a:t>
+            </a:r>
+            <a:r>
+              <a:rPr lang="en-IN" sz="2000" dirty="0"/>
+              <a:t> &lt;&lt; std::flush is required to print message immediately. Otherwise you will see all messages printed at the end of program. </a:t>
+            </a:r>
+          </a:p>
+          <a:p>
+            <a:r>
+              <a:rPr lang="en-IN" sz="2000" dirty="0" err="1"/>
+              <a:t>qDebug</a:t>
+            </a:r>
+            <a:r>
+              <a:rPr lang="en-IN" sz="2000" dirty="0"/>
+              <a:t>() on the other hand will output immediately and will also add newline feed. </a:t>
+            </a:r>
+          </a:p>
+        </p:txBody>
+      </p:sp>
+    </p:spTree>
+    <p:extLst>
+      <p:ext uri="{BB962C8B-B14F-4D97-AF65-F5344CB8AC3E}">
+        <p14:creationId xmlns:p14="http://schemas.microsoft.com/office/powerpoint/2010/main" val="864763492"/>
+      </p:ext>
+    </p:extLst>
+  </p:cSld>
+  <p:clrMapOvr>
+    <a:masterClrMapping/>
+  </p:clrMapOvr>
+</p:sld>
+</file>
+
+<file path=ppt/slides/slide5.xml><?xml version="1.0" encoding="utf-8"?>
+<p:sld xmlns:a="http://schemas.openxmlformats.org/drawingml/2006/main" xmlns:r="http://schemas.openxmlformats.org/officeDocument/2006/relationships" xmlns:p="http://schemas.openxmlformats.org/presentationml/2006/main">
+  <p:cSld>
+    <p:spTree>
+      <p:nvGrpSpPr>
+        <p:cNvPr id="1" name=""/>
+        <p:cNvGrpSpPr/>
+        <p:nvPr/>
+      </p:nvGrpSpPr>
+      <p:grpSpPr>
+        <a:xfrm>
+          <a:off x="0" y="0"/>
+          <a:ext cx="0" cy="0"/>
+          <a:chOff x="0" y="0"/>
+          <a:chExt cx="0" cy="0"/>
+        </a:xfrm>
+      </p:grpSpPr>
+      <p:sp>
+        <p:nvSpPr>
+          <p:cNvPr id="2" name="Title 1">
+            <a:extLst>
+              <a:ext uri="{FF2B5EF4-FFF2-40B4-BE49-F238E27FC236}">
+                <a16:creationId xmlns:a16="http://schemas.microsoft.com/office/drawing/2014/main" id="{95962035-B2A2-4F02-8201-0213DC3C60DE}"/>
+              </a:ext>
+            </a:extLst>
+          </p:cNvPr>
+          <p:cNvSpPr>
+            <a:spLocks noGrp="1"/>
+          </p:cNvSpPr>
+          <p:nvPr>
+            <p:ph type="title"/>
+          </p:nvPr>
+        </p:nvSpPr>
+        <p:spPr/>
+        <p:txBody>
+          <a:bodyPr/>
+          <a:lstStyle/>
+          <a:p>
+            <a:r>
+              <a:rPr lang="en-IN" b="1" i="0" dirty="0">
+                <a:latin typeface="Arial" panose="020B0604020202020204" pitchFamily="34" charset="0"/>
+                <a:cs typeface="Arial" panose="020B0604020202020204" pitchFamily="34" charset="0"/>
+              </a:rPr>
+              <a:t>Connect using macros vs method address</a:t>
+            </a:r>
+          </a:p>
+        </p:txBody>
+      </p:sp>
+      <p:sp>
+        <p:nvSpPr>
+          <p:cNvPr id="3" name="Content Placeholder 2">
+            <a:extLst>
+              <a:ext uri="{FF2B5EF4-FFF2-40B4-BE49-F238E27FC236}">
+                <a16:creationId xmlns:a16="http://schemas.microsoft.com/office/drawing/2014/main" id="{A03726B3-AC83-4A41-8982-D1B76636B662}"/>
+              </a:ext>
+            </a:extLst>
+          </p:cNvPr>
+          <p:cNvSpPr>
+            <a:spLocks noGrp="1"/>
+          </p:cNvSpPr>
+          <p:nvPr>
+            <p:ph idx="1"/>
+          </p:nvPr>
+        </p:nvSpPr>
+        <p:spPr>
+          <a:xfrm>
+            <a:off x="302004" y="1690687"/>
+            <a:ext cx="11501306" cy="4970171"/>
+          </a:xfrm>
+        </p:spPr>
+        <p:txBody>
+          <a:bodyPr>
+            <a:normAutofit fontScale="62500" lnSpcReduction="20000"/>
+          </a:bodyPr>
+          <a:lstStyle/>
+          <a:p>
+            <a:r>
+              <a:rPr lang="en-IN" dirty="0"/>
+              <a:t> Following are 2 methods to connect signals to slots in QT. </a:t>
+            </a:r>
+          </a:p>
+          <a:p>
+            <a:pPr marL="0" indent="0">
+              <a:buNone/>
+            </a:pPr>
+            <a:r>
+              <a:rPr lang="en-IN" sz="2000" b="1" dirty="0"/>
+              <a:t>connect(</a:t>
+            </a:r>
+            <a:r>
+              <a:rPr lang="en-IN" sz="2000" b="1" dirty="0" err="1"/>
+              <a:t>this,&amp;Student</a:t>
+            </a:r>
+            <a:r>
+              <a:rPr lang="en-IN" sz="2000" b="1" dirty="0"/>
+              <a:t>::</a:t>
+            </a:r>
+            <a:r>
+              <a:rPr lang="en-IN" sz="2000" b="1" dirty="0" err="1"/>
+              <a:t>mySignal,this,&amp;Student</a:t>
+            </a:r>
+            <a:r>
+              <a:rPr lang="en-IN" sz="2000" b="1" dirty="0"/>
+              <a:t>::</a:t>
+            </a:r>
+            <a:r>
+              <a:rPr lang="en-IN" sz="2000" b="1" dirty="0" err="1"/>
+              <a:t>mySlot</a:t>
+            </a:r>
+            <a:r>
+              <a:rPr lang="en-IN" sz="2000" b="1" dirty="0"/>
+              <a:t>);  // new method</a:t>
+            </a:r>
+          </a:p>
+          <a:p>
+            <a:pPr marL="0" indent="0">
+              <a:buNone/>
+            </a:pPr>
+            <a:r>
+              <a:rPr lang="en-IN" sz="2000" b="1" dirty="0"/>
+              <a:t>connect(</a:t>
+            </a:r>
+            <a:r>
+              <a:rPr lang="en-IN" sz="2000" b="1" dirty="0" err="1"/>
+              <a:t>this,SIGNAL</a:t>
+            </a:r>
+            <a:r>
+              <a:rPr lang="en-IN" sz="2000" b="1" dirty="0"/>
+              <a:t>(</a:t>
+            </a:r>
+            <a:r>
+              <a:rPr lang="en-IN" sz="2000" b="1" dirty="0" err="1"/>
+              <a:t>mySignal</a:t>
+            </a:r>
+            <a:r>
+              <a:rPr lang="en-IN" sz="2000" b="1" dirty="0"/>
+              <a:t>()),</a:t>
+            </a:r>
+            <a:r>
+              <a:rPr lang="en-IN" sz="2000" b="1" dirty="0" err="1"/>
+              <a:t>this,SLOT</a:t>
+            </a:r>
+            <a:r>
+              <a:rPr lang="en-IN" sz="2000" b="1" dirty="0"/>
+              <a:t>(</a:t>
+            </a:r>
+            <a:r>
+              <a:rPr lang="en-IN" sz="2000" b="1" dirty="0" err="1"/>
+              <a:t>mySlot</a:t>
+            </a:r>
+            <a:r>
+              <a:rPr lang="en-IN" sz="2000" b="1" dirty="0"/>
+              <a:t>()));   // Old method   IMP: Read </a:t>
+            </a:r>
+            <a:r>
+              <a:rPr lang="en-IN" sz="2000" dirty="0">
+                <a:hlinkClick r:id="rId2"/>
+              </a:rPr>
+              <a:t>https://wiki.qt.io/New_Signal_Slot_Syntax</a:t>
+            </a:r>
+            <a:endParaRPr lang="en-IN" sz="2000" b="1" dirty="0"/>
+          </a:p>
+          <a:p>
+            <a:pPr marL="0" indent="0">
+              <a:buNone/>
+            </a:pPr>
+            <a:endParaRPr lang="en-IN" sz="2000" dirty="0"/>
+          </a:p>
+          <a:p>
+            <a:r>
+              <a:rPr lang="en-IN" b="1" dirty="0"/>
+              <a:t>Pros</a:t>
+            </a:r>
+          </a:p>
+          <a:p>
+            <a:r>
+              <a:rPr lang="en-IN" dirty="0"/>
+              <a:t>Compile time check of the existence of the signals and slot, of the types, or if the Q_OBJECT is missing.</a:t>
+            </a:r>
+          </a:p>
+          <a:p>
+            <a:r>
+              <a:rPr lang="en-IN" dirty="0"/>
+              <a:t>Argument can be by typedefs or with different namespace specifier, and it works.</a:t>
+            </a:r>
+          </a:p>
+          <a:p>
+            <a:r>
+              <a:rPr lang="en-IN" dirty="0"/>
+              <a:t>Possibility to automatically cast the types if there is implicit conversion (e.g. from </a:t>
+            </a:r>
+            <a:r>
+              <a:rPr lang="en-IN" dirty="0" err="1"/>
+              <a:t>QString</a:t>
+            </a:r>
+            <a:r>
+              <a:rPr lang="en-IN" dirty="0"/>
+              <a:t> to </a:t>
+            </a:r>
+            <a:r>
+              <a:rPr lang="en-IN" dirty="0" err="1"/>
+              <a:t>QVariant</a:t>
+            </a:r>
+            <a:r>
+              <a:rPr lang="en-IN" dirty="0"/>
+              <a:t>)</a:t>
+            </a:r>
+          </a:p>
+          <a:p>
+            <a:r>
+              <a:rPr lang="en-IN" dirty="0"/>
+              <a:t>It is possible to connect to any member function of </a:t>
+            </a:r>
+            <a:r>
+              <a:rPr lang="en-IN" dirty="0" err="1"/>
+              <a:t>QObject</a:t>
+            </a:r>
+            <a:r>
+              <a:rPr lang="en-IN" dirty="0"/>
+              <a:t>, not only slots.</a:t>
+            </a:r>
+          </a:p>
+          <a:p>
+            <a:r>
+              <a:rPr lang="en-IN" b="1" dirty="0"/>
+              <a:t>Cons</a:t>
+            </a:r>
+          </a:p>
+          <a:p>
+            <a:r>
+              <a:rPr lang="en-IN" dirty="0"/>
+              <a:t>More complicated syntax? (you need to specify the type of your object)</a:t>
+            </a:r>
+          </a:p>
+          <a:p>
+            <a:r>
+              <a:rPr lang="en-IN" dirty="0"/>
+              <a:t>Very complicated syntax in cases of overloads? (see </a:t>
+            </a:r>
+            <a:r>
+              <a:rPr lang="en-IN" dirty="0">
+                <a:hlinkClick r:id="rId3"/>
+              </a:rPr>
+              <a:t>below</a:t>
+            </a:r>
+            <a:r>
+              <a:rPr lang="en-IN" dirty="0"/>
+              <a:t>)</a:t>
+            </a:r>
+          </a:p>
+          <a:p>
+            <a:r>
+              <a:rPr lang="en-IN" dirty="0"/>
+              <a:t>Default arguments in slot is not supported anymore.</a:t>
+            </a:r>
+          </a:p>
+          <a:p>
+            <a:pPr marL="0" indent="0">
+              <a:buNone/>
+            </a:pPr>
+            <a:endParaRPr lang="en-IN" sz="2000" dirty="0"/>
+          </a:p>
+        </p:txBody>
+      </p:sp>
+    </p:spTree>
+    <p:extLst>
+      <p:ext uri="{BB962C8B-B14F-4D97-AF65-F5344CB8AC3E}">
+        <p14:creationId xmlns:p14="http://schemas.microsoft.com/office/powerpoint/2010/main" val="3415287469"/>
+      </p:ext>
+    </p:extLst>
+  </p:cSld>
+  <p:clrMapOvr>
+    <a:masterClrMapping/>
+  </p:clrMapOvr>
+</p:sld>
+</file>
+
 <file path=ppt/theme/theme1.xml><?xml version="1.0" encoding="utf-8"?>
 <a:theme xmlns:a="http://schemas.openxmlformats.org/drawingml/2006/main" name="BrushVTI">
   <a:themeElements>

--- a/learnings.pptx
+++ b/learnings.pptx
@@ -7,9 +7,20 @@
   <p:sldIdLst>
     <p:sldId id="256" r:id="rId2"/>
     <p:sldId id="261" r:id="rId3"/>
-    <p:sldId id="260" r:id="rId4"/>
-    <p:sldId id="262" r:id="rId5"/>
-    <p:sldId id="263" r:id="rId6"/>
+    <p:sldId id="262" r:id="rId4"/>
+    <p:sldId id="263" r:id="rId5"/>
+    <p:sldId id="264" r:id="rId6"/>
+    <p:sldId id="265" r:id="rId7"/>
+    <p:sldId id="266" r:id="rId8"/>
+    <p:sldId id="267" r:id="rId9"/>
+    <p:sldId id="268" r:id="rId10"/>
+    <p:sldId id="269" r:id="rId11"/>
+    <p:sldId id="272" r:id="rId12"/>
+    <p:sldId id="273" r:id="rId13"/>
+    <p:sldId id="274" r:id="rId14"/>
+    <p:sldId id="275" r:id="rId15"/>
+    <p:sldId id="276" r:id="rId16"/>
+    <p:sldId id="271" r:id="rId17"/>
   </p:sldIdLst>
   <p:sldSz cx="12192000" cy="6858000"/>
   <p:notesSz cx="6858000" cy="9144000"/>
@@ -2463,7 +2474,7 @@
           <a:p>
             <a:fld id="{3C04E684-10F4-4CC3-A0B9-F03AA7BE37CF}" type="datetimeFigureOut">
               <a:rPr lang="en-US" smtClean="0"/>
-              <a:t>6/12/2020</a:t>
+              <a:t>6/23/2020</a:t>
             </a:fld>
             <a:endParaRPr lang="en-US"/>
           </a:p>
@@ -4953,7 +4964,7 @@
           <a:p>
             <a:fld id="{3C04E684-10F4-4CC3-A0B9-F03AA7BE37CF}" type="datetimeFigureOut">
               <a:rPr lang="en-US" smtClean="0"/>
-              <a:t>6/12/2020</a:t>
+              <a:t>6/23/2020</a:t>
             </a:fld>
             <a:endParaRPr lang="en-US"/>
           </a:p>
@@ -5151,7 +5162,7 @@
           <a:p>
             <a:fld id="{3C04E684-10F4-4CC3-A0B9-F03AA7BE37CF}" type="datetimeFigureOut">
               <a:rPr lang="en-US" smtClean="0"/>
-              <a:t>6/12/2020</a:t>
+              <a:t>6/23/2020</a:t>
             </a:fld>
             <a:endParaRPr lang="en-US"/>
           </a:p>
@@ -5359,7 +5370,7 @@
           <a:p>
             <a:fld id="{3C04E684-10F4-4CC3-A0B9-F03AA7BE37CF}" type="datetimeFigureOut">
               <a:rPr lang="en-US" smtClean="0"/>
-              <a:t>6/12/2020</a:t>
+              <a:t>6/23/2020</a:t>
             </a:fld>
             <a:endParaRPr lang="en-US"/>
           </a:p>
@@ -6096,7 +6107,7 @@
           <a:p>
             <a:fld id="{3C04E684-10F4-4CC3-A0B9-F03AA7BE37CF}" type="datetimeFigureOut">
               <a:rPr lang="en-US" smtClean="0"/>
-              <a:t>6/12/2020</a:t>
+              <a:t>6/23/2020</a:t>
             </a:fld>
             <a:endParaRPr lang="en-US"/>
           </a:p>
@@ -6738,7 +6749,7 @@
           <a:p>
             <a:fld id="{3C04E684-10F4-4CC3-A0B9-F03AA7BE37CF}" type="datetimeFigureOut">
               <a:rPr lang="en-US" smtClean="0"/>
-              <a:t>6/12/2020</a:t>
+              <a:t>6/23/2020</a:t>
             </a:fld>
             <a:endParaRPr lang="en-US"/>
           </a:p>
@@ -7538,7 +7549,7 @@
           <a:p>
             <a:fld id="{3C04E684-10F4-4CC3-A0B9-F03AA7BE37CF}" type="datetimeFigureOut">
               <a:rPr lang="en-US" smtClean="0"/>
-              <a:t>6/12/2020</a:t>
+              <a:t>6/23/2020</a:t>
             </a:fld>
             <a:endParaRPr lang="en-US"/>
           </a:p>
@@ -8489,7 +8500,7 @@
           <a:p>
             <a:fld id="{3C04E684-10F4-4CC3-A0B9-F03AA7BE37CF}" type="datetimeFigureOut">
               <a:rPr lang="en-US" smtClean="0"/>
-              <a:t>6/12/2020</a:t>
+              <a:t>6/23/2020</a:t>
             </a:fld>
             <a:endParaRPr lang="en-US"/>
           </a:p>
@@ -10838,7 +10849,7 @@
           <a:p>
             <a:fld id="{3C04E684-10F4-4CC3-A0B9-F03AA7BE37CF}" type="datetimeFigureOut">
               <a:rPr lang="en-US" smtClean="0"/>
-              <a:t>6/12/2020</a:t>
+              <a:t>6/23/2020</a:t>
             </a:fld>
             <a:endParaRPr lang="en-US"/>
           </a:p>
@@ -10951,7 +10962,7 @@
           <a:p>
             <a:fld id="{3C04E684-10F4-4CC3-A0B9-F03AA7BE37CF}" type="datetimeFigureOut">
               <a:rPr lang="en-US" smtClean="0"/>
-              <a:t>6/12/2020</a:t>
+              <a:t>6/23/2020</a:t>
             </a:fld>
             <a:endParaRPr lang="en-US"/>
           </a:p>
@@ -11458,7 +11469,7 @@
           <a:p>
             <a:fld id="{3C04E684-10F4-4CC3-A0B9-F03AA7BE37CF}" type="datetimeFigureOut">
               <a:rPr lang="en-US" smtClean="0"/>
-              <a:t>6/12/2020</a:t>
+              <a:t>6/23/2020</a:t>
             </a:fld>
             <a:endParaRPr lang="en-US"/>
           </a:p>
@@ -12761,7 +12772,7 @@
           <a:p>
             <a:fld id="{3C04E684-10F4-4CC3-A0B9-F03AA7BE37CF}" type="datetimeFigureOut">
               <a:rPr lang="en-US" smtClean="0"/>
-              <a:t>6/12/2020</a:t>
+              <a:t>6/23/2020</a:t>
             </a:fld>
             <a:endParaRPr lang="en-US"/>
           </a:p>
@@ -13008,7 +13019,7 @@
           <a:p>
             <a:fld id="{3C04E684-10F4-4CC3-A0B9-F03AA7BE37CF}" type="datetimeFigureOut">
               <a:rPr lang="en-US" smtClean="0"/>
-              <a:t>6/12/2020</a:t>
+              <a:t>6/23/2020</a:t>
             </a:fld>
             <a:endParaRPr lang="en-US"/>
           </a:p>
@@ -14051,6 +14062,451 @@
 </p:sld>
 </file>
 
+<file path=ppt/slides/slide10.xml><?xml version="1.0" encoding="utf-8"?>
+<p:sld xmlns:a="http://schemas.openxmlformats.org/drawingml/2006/main" xmlns:r="http://schemas.openxmlformats.org/officeDocument/2006/relationships" xmlns:p="http://schemas.openxmlformats.org/presentationml/2006/main">
+  <p:cSld>
+    <p:spTree>
+      <p:nvGrpSpPr>
+        <p:cNvPr id="1" name=""/>
+        <p:cNvGrpSpPr/>
+        <p:nvPr/>
+      </p:nvGrpSpPr>
+      <p:grpSpPr>
+        <a:xfrm>
+          <a:off x="0" y="0"/>
+          <a:ext cx="0" cy="0"/>
+          <a:chOff x="0" y="0"/>
+          <a:chExt cx="0" cy="0"/>
+        </a:xfrm>
+      </p:grpSpPr>
+      <p:sp>
+        <p:nvSpPr>
+          <p:cNvPr id="4" name="Rectangle 3">
+            <a:extLst>
+              <a:ext uri="{FF2B5EF4-FFF2-40B4-BE49-F238E27FC236}">
+                <a16:creationId xmlns:a16="http://schemas.microsoft.com/office/drawing/2014/main" id="{FF5C1717-0F60-4846-AE1F-2C67779BC68A}"/>
+              </a:ext>
+            </a:extLst>
+          </p:cNvPr>
+          <p:cNvSpPr/>
+          <p:nvPr/>
+        </p:nvSpPr>
+        <p:spPr>
+          <a:xfrm>
+            <a:off x="159391" y="1443841"/>
+            <a:ext cx="11610363" cy="4524315"/>
+          </a:xfrm>
+          <a:prstGeom prst="rect">
+            <a:avLst/>
+          </a:prstGeom>
+        </p:spPr>
+        <p:txBody>
+          <a:bodyPr wrap="square">
+            <a:spAutoFit/>
+          </a:bodyPr>
+          <a:lstStyle/>
+          <a:p>
+            <a:r>
+              <a:rPr lang="en-IN" dirty="0">
+                <a:latin typeface="Rockwell" panose="02060603020205020403" pitchFamily="18" charset="0"/>
+              </a:rPr>
+              <a:t>10) Your objects must be alive:</a:t>
+            </a:r>
+          </a:p>
+          <a:p>
+            <a:r>
+              <a:rPr lang="en-IN" dirty="0">
+                <a:latin typeface="Rockwell" panose="02060603020205020403" pitchFamily="18" charset="0"/>
+              </a:rPr>
+              <a:t>As soon as either the sender object or the receiver object is destroyed, Qt automatically discards the connection. If the signal isn't emitted: Does the sender object still exist? If the slot isn't called: Does the receiver object still exist?</a:t>
+            </a:r>
+          </a:p>
+          <a:p>
+            <a:r>
+              <a:rPr lang="en-IN" dirty="0">
+                <a:latin typeface="Rockwell" panose="02060603020205020403" pitchFamily="18" charset="0"/>
+              </a:rPr>
+              <a:t>To check the lifetime of both objects use a debugger break point or some </a:t>
+            </a:r>
+            <a:r>
+              <a:rPr lang="en-IN" dirty="0" err="1">
+                <a:latin typeface="Rockwell" panose="02060603020205020403" pitchFamily="18" charset="0"/>
+              </a:rPr>
+              <a:t>qDebug</a:t>
+            </a:r>
+            <a:r>
+              <a:rPr lang="en-IN" dirty="0">
+                <a:latin typeface="Rockwell" panose="02060603020205020403" pitchFamily="18" charset="0"/>
+              </a:rPr>
+              <a:t>() output in the constructors/destructors.</a:t>
+            </a:r>
+          </a:p>
+          <a:p>
+            <a:endParaRPr lang="en-IN" dirty="0">
+              <a:latin typeface="Rockwell" panose="02060603020205020403" pitchFamily="18" charset="0"/>
+            </a:endParaRPr>
+          </a:p>
+          <a:p>
+            <a:r>
+              <a:rPr lang="en-IN" dirty="0">
+                <a:latin typeface="Rockwell" panose="02060603020205020403" pitchFamily="18" charset="0"/>
+              </a:rPr>
+              <a:t>11) It still does not work:</a:t>
+            </a:r>
+          </a:p>
+          <a:p>
+            <a:r>
+              <a:rPr lang="en-IN" dirty="0">
+                <a:latin typeface="Rockwell" panose="02060603020205020403" pitchFamily="18" charset="0"/>
+              </a:rPr>
+              <a:t>To do a very quick and dirty check of your connection emit the signal by your self using some dummy arguments and see if it is called:</a:t>
+            </a:r>
+          </a:p>
+          <a:p>
+            <a:endParaRPr lang="en-IN" dirty="0">
+              <a:latin typeface="Rockwell" panose="02060603020205020403" pitchFamily="18" charset="0"/>
+            </a:endParaRPr>
+          </a:p>
+          <a:p>
+            <a:r>
+              <a:rPr lang="en-IN" dirty="0">
+                <a:latin typeface="Rockwell" panose="02060603020205020403" pitchFamily="18" charset="0"/>
+              </a:rPr>
+              <a:t>connect(that, SIGNAL(</a:t>
+            </a:r>
+            <a:r>
+              <a:rPr lang="en-IN" dirty="0" err="1">
+                <a:latin typeface="Rockwell" panose="02060603020205020403" pitchFamily="18" charset="0"/>
+              </a:rPr>
+              <a:t>mySignal</a:t>
+            </a:r>
+            <a:r>
+              <a:rPr lang="en-IN" dirty="0">
+                <a:latin typeface="Rockwell" panose="02060603020205020403" pitchFamily="18" charset="0"/>
+              </a:rPr>
+              <a:t>(int)), this, SLOT(</a:t>
+            </a:r>
+            <a:r>
+              <a:rPr lang="en-IN" dirty="0" err="1">
+                <a:latin typeface="Rockwell" panose="02060603020205020403" pitchFamily="18" charset="0"/>
+              </a:rPr>
+              <a:t>mySlot</a:t>
+            </a:r>
+            <a:r>
+              <a:rPr lang="en-IN" dirty="0">
+                <a:latin typeface="Rockwell" panose="02060603020205020403" pitchFamily="18" charset="0"/>
+              </a:rPr>
+              <a:t>(int)));</a:t>
+            </a:r>
+          </a:p>
+          <a:p>
+            <a:r>
+              <a:rPr lang="en-IN" dirty="0">
+                <a:latin typeface="Rockwell" panose="02060603020205020403" pitchFamily="18" charset="0"/>
+              </a:rPr>
+              <a:t>emit that-&gt;</a:t>
+            </a:r>
+            <a:r>
+              <a:rPr lang="en-IN" dirty="0" err="1">
+                <a:latin typeface="Rockwell" panose="02060603020205020403" pitchFamily="18" charset="0"/>
+              </a:rPr>
+              <a:t>mySignal</a:t>
+            </a:r>
+            <a:r>
+              <a:rPr lang="en-IN" dirty="0">
+                <a:latin typeface="Rockwell" panose="02060603020205020403" pitchFamily="18" charset="0"/>
+              </a:rPr>
+              <a:t>(0); // Ugly, don't forget to remove it immediately</a:t>
+            </a:r>
+          </a:p>
+          <a:p>
+            <a:r>
+              <a:rPr lang="en-IN" dirty="0">
+                <a:latin typeface="Rockwell" panose="02060603020205020403" pitchFamily="18" charset="0"/>
+              </a:rPr>
+              <a:t>Finally of course it is possible that the signal simply is not emitted. If you followed the above rules, probably something is wrong in your program's logic. Read the documentation. Use the debugger. And if there is now other way, ask at </a:t>
+            </a:r>
+            <a:r>
+              <a:rPr lang="en-IN" dirty="0" err="1">
+                <a:latin typeface="Rockwell" panose="02060603020205020403" pitchFamily="18" charset="0"/>
+              </a:rPr>
+              <a:t>stackoverflow</a:t>
+            </a:r>
+            <a:r>
+              <a:rPr lang="en-IN" dirty="0">
+                <a:latin typeface="Rockwell" panose="02060603020205020403" pitchFamily="18" charset="0"/>
+              </a:rPr>
+              <a:t>.</a:t>
+            </a:r>
+          </a:p>
+        </p:txBody>
+      </p:sp>
+    </p:spTree>
+    <p:extLst>
+      <p:ext uri="{BB962C8B-B14F-4D97-AF65-F5344CB8AC3E}">
+        <p14:creationId xmlns:p14="http://schemas.microsoft.com/office/powerpoint/2010/main" val="2082363713"/>
+      </p:ext>
+    </p:extLst>
+  </p:cSld>
+  <p:clrMapOvr>
+    <a:masterClrMapping/>
+  </p:clrMapOvr>
+</p:sld>
+</file>
+
+<file path=ppt/slides/slide11.xml><?xml version="1.0" encoding="utf-8"?>
+<p:sld xmlns:a="http://schemas.openxmlformats.org/drawingml/2006/main" xmlns:r="http://schemas.openxmlformats.org/officeDocument/2006/relationships" xmlns:p="http://schemas.openxmlformats.org/presentationml/2006/main">
+  <p:cSld>
+    <p:spTree>
+      <p:nvGrpSpPr>
+        <p:cNvPr id="1" name=""/>
+        <p:cNvGrpSpPr/>
+        <p:nvPr/>
+      </p:nvGrpSpPr>
+      <p:grpSpPr>
+        <a:xfrm>
+          <a:off x="0" y="0"/>
+          <a:ext cx="0" cy="0"/>
+          <a:chOff x="0" y="0"/>
+          <a:chExt cx="0" cy="0"/>
+        </a:xfrm>
+      </p:grpSpPr>
+      <p:pic>
+        <p:nvPicPr>
+          <p:cNvPr id="2" name="Picture 1">
+            <a:extLst>
+              <a:ext uri="{FF2B5EF4-FFF2-40B4-BE49-F238E27FC236}">
+                <a16:creationId xmlns:a16="http://schemas.microsoft.com/office/drawing/2014/main" id="{CB3978AC-32A6-497D-934D-7B3EF83E0120}"/>
+              </a:ext>
+            </a:extLst>
+          </p:cNvPr>
+          <p:cNvPicPr>
+            <a:picLocks noChangeAspect="1"/>
+          </p:cNvPicPr>
+          <p:nvPr/>
+        </p:nvPicPr>
+        <p:blipFill>
+          <a:blip r:embed="rId2"/>
+          <a:stretch>
+            <a:fillRect/>
+          </a:stretch>
+        </p:blipFill>
+        <p:spPr>
+          <a:xfrm>
+            <a:off x="2850697" y="2257230"/>
+            <a:ext cx="6229350" cy="4191000"/>
+          </a:xfrm>
+          <a:prstGeom prst="rect">
+            <a:avLst/>
+          </a:prstGeom>
+        </p:spPr>
+      </p:pic>
+      <p:sp>
+        <p:nvSpPr>
+          <p:cNvPr id="3" name="TextBox 2">
+            <a:extLst>
+              <a:ext uri="{FF2B5EF4-FFF2-40B4-BE49-F238E27FC236}">
+                <a16:creationId xmlns:a16="http://schemas.microsoft.com/office/drawing/2014/main" id="{91B18C1E-403F-4A94-A1A6-7E77C8EEFE41}"/>
+              </a:ext>
+            </a:extLst>
+          </p:cNvPr>
+          <p:cNvSpPr txBox="1"/>
+          <p:nvPr/>
+        </p:nvSpPr>
+        <p:spPr>
+          <a:xfrm>
+            <a:off x="2080727" y="774441"/>
+            <a:ext cx="8070979" cy="923330"/>
+          </a:xfrm>
+          <a:prstGeom prst="rect">
+            <a:avLst/>
+          </a:prstGeom>
+          <a:noFill/>
+        </p:spPr>
+        <p:txBody>
+          <a:bodyPr wrap="square" rtlCol="0">
+            <a:spAutoFit/>
+          </a:bodyPr>
+          <a:lstStyle/>
+          <a:p>
+            <a:r>
+              <a:rPr lang="en-IN" dirty="0"/>
+              <a:t>When using Visual studio, if clicking on methods, class names doesn’t take you to their definition, then check plugin dialog and uncheck, </a:t>
+            </a:r>
+            <a:r>
+              <a:rPr lang="en-IN" dirty="0" err="1"/>
+              <a:t>ClangCodeModel</a:t>
+            </a:r>
+            <a:r>
+              <a:rPr lang="en-IN" dirty="0"/>
+              <a:t>.</a:t>
+            </a:r>
+          </a:p>
+        </p:txBody>
+      </p:sp>
+    </p:spTree>
+    <p:extLst>
+      <p:ext uri="{BB962C8B-B14F-4D97-AF65-F5344CB8AC3E}">
+        <p14:creationId xmlns:p14="http://schemas.microsoft.com/office/powerpoint/2010/main" val="3161590364"/>
+      </p:ext>
+    </p:extLst>
+  </p:cSld>
+  <p:clrMapOvr>
+    <a:masterClrMapping/>
+  </p:clrMapOvr>
+</p:sld>
+</file>
+
+<file path=ppt/slides/slide12.xml><?xml version="1.0" encoding="utf-8"?>
+<p:sld xmlns:a="http://schemas.openxmlformats.org/drawingml/2006/main" xmlns:r="http://schemas.openxmlformats.org/officeDocument/2006/relationships" xmlns:p="http://schemas.openxmlformats.org/presentationml/2006/main">
+  <p:cSld>
+    <p:spTree>
+      <p:nvGrpSpPr>
+        <p:cNvPr id="1" name=""/>
+        <p:cNvGrpSpPr/>
+        <p:nvPr/>
+      </p:nvGrpSpPr>
+      <p:grpSpPr>
+        <a:xfrm>
+          <a:off x="0" y="0"/>
+          <a:ext cx="0" cy="0"/>
+          <a:chOff x="0" y="0"/>
+          <a:chExt cx="0" cy="0"/>
+        </a:xfrm>
+      </p:grpSpPr>
+    </p:spTree>
+    <p:extLst>
+      <p:ext uri="{BB962C8B-B14F-4D97-AF65-F5344CB8AC3E}">
+        <p14:creationId xmlns:p14="http://schemas.microsoft.com/office/powerpoint/2010/main" val="1235774754"/>
+      </p:ext>
+    </p:extLst>
+  </p:cSld>
+  <p:clrMapOvr>
+    <a:masterClrMapping/>
+  </p:clrMapOvr>
+</p:sld>
+</file>
+
+<file path=ppt/slides/slide13.xml><?xml version="1.0" encoding="utf-8"?>
+<p:sld xmlns:a="http://schemas.openxmlformats.org/drawingml/2006/main" xmlns:r="http://schemas.openxmlformats.org/officeDocument/2006/relationships" xmlns:p="http://schemas.openxmlformats.org/presentationml/2006/main">
+  <p:cSld>
+    <p:spTree>
+      <p:nvGrpSpPr>
+        <p:cNvPr id="1" name=""/>
+        <p:cNvGrpSpPr/>
+        <p:nvPr/>
+      </p:nvGrpSpPr>
+      <p:grpSpPr>
+        <a:xfrm>
+          <a:off x="0" y="0"/>
+          <a:ext cx="0" cy="0"/>
+          <a:chOff x="0" y="0"/>
+          <a:chExt cx="0" cy="0"/>
+        </a:xfrm>
+      </p:grpSpPr>
+    </p:spTree>
+    <p:extLst>
+      <p:ext uri="{BB962C8B-B14F-4D97-AF65-F5344CB8AC3E}">
+        <p14:creationId xmlns:p14="http://schemas.microsoft.com/office/powerpoint/2010/main" val="690705862"/>
+      </p:ext>
+    </p:extLst>
+  </p:cSld>
+  <p:clrMapOvr>
+    <a:masterClrMapping/>
+  </p:clrMapOvr>
+</p:sld>
+</file>
+
+<file path=ppt/slides/slide14.xml><?xml version="1.0" encoding="utf-8"?>
+<p:sld xmlns:a="http://schemas.openxmlformats.org/drawingml/2006/main" xmlns:r="http://schemas.openxmlformats.org/officeDocument/2006/relationships" xmlns:p="http://schemas.openxmlformats.org/presentationml/2006/main">
+  <p:cSld>
+    <p:spTree>
+      <p:nvGrpSpPr>
+        <p:cNvPr id="1" name=""/>
+        <p:cNvGrpSpPr/>
+        <p:nvPr/>
+      </p:nvGrpSpPr>
+      <p:grpSpPr>
+        <a:xfrm>
+          <a:off x="0" y="0"/>
+          <a:ext cx="0" cy="0"/>
+          <a:chOff x="0" y="0"/>
+          <a:chExt cx="0" cy="0"/>
+        </a:xfrm>
+      </p:grpSpPr>
+    </p:spTree>
+    <p:extLst>
+      <p:ext uri="{BB962C8B-B14F-4D97-AF65-F5344CB8AC3E}">
+        <p14:creationId xmlns:p14="http://schemas.microsoft.com/office/powerpoint/2010/main" val="2821703672"/>
+      </p:ext>
+    </p:extLst>
+  </p:cSld>
+  <p:clrMapOvr>
+    <a:masterClrMapping/>
+  </p:clrMapOvr>
+</p:sld>
+</file>
+
+<file path=ppt/slides/slide15.xml><?xml version="1.0" encoding="utf-8"?>
+<p:sld xmlns:a="http://schemas.openxmlformats.org/drawingml/2006/main" xmlns:r="http://schemas.openxmlformats.org/officeDocument/2006/relationships" xmlns:p="http://schemas.openxmlformats.org/presentationml/2006/main">
+  <p:cSld>
+    <p:spTree>
+      <p:nvGrpSpPr>
+        <p:cNvPr id="1" name=""/>
+        <p:cNvGrpSpPr/>
+        <p:nvPr/>
+      </p:nvGrpSpPr>
+      <p:grpSpPr>
+        <a:xfrm>
+          <a:off x="0" y="0"/>
+          <a:ext cx="0" cy="0"/>
+          <a:chOff x="0" y="0"/>
+          <a:chExt cx="0" cy="0"/>
+        </a:xfrm>
+      </p:grpSpPr>
+    </p:spTree>
+    <p:extLst>
+      <p:ext uri="{BB962C8B-B14F-4D97-AF65-F5344CB8AC3E}">
+        <p14:creationId xmlns:p14="http://schemas.microsoft.com/office/powerpoint/2010/main" val="55459623"/>
+      </p:ext>
+    </p:extLst>
+  </p:cSld>
+  <p:clrMapOvr>
+    <a:masterClrMapping/>
+  </p:clrMapOvr>
+</p:sld>
+</file>
+
+<file path=ppt/slides/slide16.xml><?xml version="1.0" encoding="utf-8"?>
+<p:sld xmlns:a="http://schemas.openxmlformats.org/drawingml/2006/main" xmlns:r="http://schemas.openxmlformats.org/officeDocument/2006/relationships" xmlns:p="http://schemas.openxmlformats.org/presentationml/2006/main">
+  <p:cSld>
+    <p:spTree>
+      <p:nvGrpSpPr>
+        <p:cNvPr id="1" name=""/>
+        <p:cNvGrpSpPr/>
+        <p:nvPr/>
+      </p:nvGrpSpPr>
+      <p:grpSpPr>
+        <a:xfrm>
+          <a:off x="0" y="0"/>
+          <a:ext cx="0" cy="0"/>
+          <a:chOff x="0" y="0"/>
+          <a:chExt cx="0" cy="0"/>
+        </a:xfrm>
+      </p:grpSpPr>
+    </p:spTree>
+    <p:extLst>
+      <p:ext uri="{BB962C8B-B14F-4D97-AF65-F5344CB8AC3E}">
+        <p14:creationId xmlns:p14="http://schemas.microsoft.com/office/powerpoint/2010/main" val="3454369584"/>
+      </p:ext>
+    </p:extLst>
+  </p:cSld>
+  <p:clrMapOvr>
+    <a:masterClrMapping/>
+  </p:clrMapOvr>
+</p:sld>
+</file>
+
 <file path=ppt/slides/slide2.xml><?xml version="1.0" encoding="utf-8"?>
 <p:sld xmlns:a="http://schemas.openxmlformats.org/drawingml/2006/main" xmlns:r="http://schemas.openxmlformats.org/officeDocument/2006/relationships" xmlns:p="http://schemas.openxmlformats.org/presentationml/2006/main">
   <p:cSld>
@@ -14082,8 +14538,8 @@
         </p:nvSpPr>
         <p:spPr>
           <a:xfrm>
-            <a:off x="1065402" y="2374084"/>
-            <a:ext cx="9009776" cy="2308324"/>
+            <a:off x="376438" y="901902"/>
+            <a:ext cx="11815561" cy="1323439"/>
           </a:xfrm>
           <a:prstGeom prst="rect">
             <a:avLst/>
@@ -14097,69 +14553,76 @@
           <a:lstStyle/>
           <a:p>
             <a:r>
-              <a:rPr lang="en-IN" dirty="0"/>
+              <a:rPr lang="en-IN" sz="1600" dirty="0">
+                <a:latin typeface="Rockwell" panose="02060603020205020403" pitchFamily="18" charset="0"/>
+              </a:rPr>
               <a:t>When using Visual studio 2019 for developing application using QT. Simply install QT opensource on your machine, Select MSVC 2017 64 in various options in QT installation. Once that is selected you can complete setup of QT. </a:t>
             </a:r>
           </a:p>
           <a:p>
-            <a:endParaRPr lang="en-IN" dirty="0"/>
-          </a:p>
-          <a:p>
-            <a:r>
-              <a:rPr lang="en-IN" dirty="0"/>
+            <a:r>
+              <a:rPr lang="en-IN" sz="1600" dirty="0">
+                <a:latin typeface="Rockwell" panose="02060603020205020403" pitchFamily="18" charset="0"/>
+              </a:rPr>
               <a:t>Then Open Tools options and add a kit for visual studio.</a:t>
             </a:r>
           </a:p>
           <a:p>
-            <a:endParaRPr lang="en-IN" dirty="0"/>
-          </a:p>
-          <a:p>
-            <a:r>
-              <a:rPr lang="en-IN" dirty="0"/>
+            <a:r>
+              <a:rPr lang="en-IN" sz="1600" dirty="0">
+                <a:latin typeface="Rockwell" panose="02060603020205020403" pitchFamily="18" charset="0"/>
+              </a:rPr>
               <a:t>Select settings as per following page. </a:t>
             </a:r>
           </a:p>
           <a:p>
-            <a:endParaRPr lang="en-IN" dirty="0"/>
+            <a:endParaRPr lang="en-IN" sz="1600" dirty="0">
+              <a:latin typeface="Rockwell" panose="02060603020205020403" pitchFamily="18" charset="0"/>
+            </a:endParaRPr>
           </a:p>
         </p:txBody>
       </p:sp>
-    </p:spTree>
-    <p:extLst>
-      <p:ext uri="{BB962C8B-B14F-4D97-AF65-F5344CB8AC3E}">
-        <p14:creationId xmlns:p14="http://schemas.microsoft.com/office/powerpoint/2010/main" val="3270717687"/>
-      </p:ext>
-    </p:extLst>
-  </p:cSld>
-  <p:clrMapOvr>
-    <a:masterClrMapping/>
-  </p:clrMapOvr>
-</p:sld>
-</file>
-
-<file path=ppt/slides/slide3.xml><?xml version="1.0" encoding="utf-8"?>
-<p:sld xmlns:a="http://schemas.openxmlformats.org/drawingml/2006/main" xmlns:r="http://schemas.openxmlformats.org/officeDocument/2006/relationships" xmlns:p="http://schemas.openxmlformats.org/presentationml/2006/main">
-  <p:cSld>
-    <p:spTree>
-      <p:nvGrpSpPr>
-        <p:cNvPr id="1" name=""/>
-        <p:cNvGrpSpPr/>
-        <p:nvPr/>
-      </p:nvGrpSpPr>
-      <p:grpSpPr>
-        <a:xfrm>
-          <a:off x="0" y="0"/>
-          <a:ext cx="0" cy="0"/>
-          <a:chOff x="0" y="0"/>
-          <a:chExt cx="0" cy="0"/>
-        </a:xfrm>
-      </p:grpSpPr>
+      <p:sp>
+        <p:nvSpPr>
+          <p:cNvPr id="3" name="TextBox 2">
+            <a:extLst>
+              <a:ext uri="{FF2B5EF4-FFF2-40B4-BE49-F238E27FC236}">
+                <a16:creationId xmlns:a16="http://schemas.microsoft.com/office/drawing/2014/main" id="{5EC6B74A-28EF-48B6-AD5A-4FE46C9DEF9B}"/>
+              </a:ext>
+            </a:extLst>
+          </p:cNvPr>
+          <p:cNvSpPr txBox="1"/>
+          <p:nvPr/>
+        </p:nvSpPr>
+        <p:spPr>
+          <a:xfrm>
+            <a:off x="1363638" y="259716"/>
+            <a:ext cx="7046753" cy="461665"/>
+          </a:xfrm>
+          <a:prstGeom prst="rect">
+            <a:avLst/>
+          </a:prstGeom>
+          <a:noFill/>
+        </p:spPr>
+        <p:txBody>
+          <a:bodyPr wrap="square" rtlCol="0">
+            <a:spAutoFit/>
+          </a:bodyPr>
+          <a:lstStyle/>
+          <a:p>
+            <a:r>
+              <a:rPr lang="en-IN" sz="2400" b="1" dirty="0"/>
+              <a:t>Visual Studio 2019 with Qt Creator as compiler</a:t>
+            </a:r>
+          </a:p>
+        </p:txBody>
+      </p:sp>
       <p:pic>
         <p:nvPicPr>
-          <p:cNvPr id="3" name="Picture 2" descr="A screenshot of a computer screen&#10;&#10;Description automatically generated">
+          <p:cNvPr id="4" name="Picture 3" descr="A screenshot of a computer screen&#10;&#10;Description automatically generated">
             <a:extLst>
               <a:ext uri="{FF2B5EF4-FFF2-40B4-BE49-F238E27FC236}">
-                <a16:creationId xmlns:a16="http://schemas.microsoft.com/office/drawing/2014/main" id="{4C31656B-E111-4E13-9160-1EF14F683A72}"/>
+                <a16:creationId xmlns:a16="http://schemas.microsoft.com/office/drawing/2014/main" id="{58349DD6-64F2-48E5-B30B-29565D414BFE}"/>
               </a:ext>
             </a:extLst>
           </p:cNvPr>
@@ -14182,8 +14645,8 @@
         </p:blipFill>
         <p:spPr>
           <a:xfrm>
-            <a:off x="881062" y="642937"/>
-            <a:ext cx="10429875" cy="5572125"/>
+            <a:off x="376438" y="1959695"/>
+            <a:ext cx="8870197" cy="4738873"/>
           </a:xfrm>
           <a:prstGeom prst="rect">
             <a:avLst/>
@@ -14193,7 +14656,7 @@
     </p:spTree>
     <p:extLst>
       <p:ext uri="{BB962C8B-B14F-4D97-AF65-F5344CB8AC3E}">
-        <p14:creationId xmlns:p14="http://schemas.microsoft.com/office/powerpoint/2010/main" val="2077088263"/>
+        <p14:creationId xmlns:p14="http://schemas.microsoft.com/office/powerpoint/2010/main" val="3270717687"/>
       </p:ext>
     </p:extLst>
   </p:cSld>
@@ -14203,7 +14666,7 @@
 </p:sld>
 </file>
 
-<file path=ppt/slides/slide4.xml><?xml version="1.0" encoding="utf-8"?>
+<file path=ppt/slides/slide3.xml><?xml version="1.0" encoding="utf-8"?>
 <p:sld xmlns:a="http://schemas.openxmlformats.org/drawingml/2006/main" xmlns:r="http://schemas.openxmlformats.org/officeDocument/2006/relationships" xmlns:p="http://schemas.openxmlformats.org/presentationml/2006/main">
   <p:cSld>
     <p:spTree>
@@ -14296,54 +14759,88 @@
           <a:lstStyle/>
           <a:p>
             <a:r>
-              <a:rPr lang="en-IN" sz="2000" dirty="0"/>
+              <a:rPr lang="en-IN" sz="1800" dirty="0">
+                <a:latin typeface="Rockwell" panose="02060603020205020403" pitchFamily="18" charset="0"/>
+              </a:rPr>
               <a:t>In Qt project we often use </a:t>
             </a:r>
             <a:r>
-              <a:rPr lang="en-IN" sz="2000" dirty="0" err="1"/>
+              <a:rPr lang="en-IN" sz="1800" dirty="0" err="1">
+                <a:latin typeface="Rockwell" panose="02060603020205020403" pitchFamily="18" charset="0"/>
+              </a:rPr>
               <a:t>qDebug</a:t>
             </a:r>
             <a:r>
-              <a:rPr lang="en-IN" sz="2000" dirty="0"/>
+              <a:rPr lang="en-IN" sz="1800" dirty="0">
+                <a:latin typeface="Rockwell" panose="02060603020205020403" pitchFamily="18" charset="0"/>
+              </a:rPr>
               <a:t>() and rightly so.</a:t>
             </a:r>
           </a:p>
           <a:p>
             <a:r>
-              <a:rPr lang="en-IN" sz="2000" dirty="0"/>
+              <a:rPr lang="en-IN" sz="1800" dirty="0">
+                <a:latin typeface="Rockwell" panose="02060603020205020403" pitchFamily="18" charset="0"/>
+              </a:rPr>
               <a:t>Std::</a:t>
             </a:r>
             <a:r>
-              <a:rPr lang="en-IN" sz="2000" dirty="0" err="1"/>
+              <a:rPr lang="en-IN" sz="1800" dirty="0" err="1">
+                <a:latin typeface="Rockwell" panose="02060603020205020403" pitchFamily="18" charset="0"/>
+              </a:rPr>
               <a:t>cout</a:t>
             </a:r>
             <a:r>
-              <a:rPr lang="en-IN" sz="2000" dirty="0"/>
+              <a:rPr lang="en-IN" sz="1800" dirty="0">
+                <a:latin typeface="Rockwell" panose="02060603020205020403" pitchFamily="18" charset="0"/>
+              </a:rPr>
               <a:t> &lt;&lt; “message” will send message to output stream but will not actually print on monitor. </a:t>
             </a:r>
           </a:p>
           <a:p>
             <a:r>
-              <a:rPr lang="en-IN" sz="2000" dirty="0"/>
+              <a:rPr lang="en-IN" sz="1800" dirty="0">
+                <a:latin typeface="Rockwell" panose="02060603020205020403" pitchFamily="18" charset="0"/>
+              </a:rPr>
               <a:t>Std::</a:t>
             </a:r>
             <a:r>
-              <a:rPr lang="en-IN" sz="2000" dirty="0" err="1"/>
+              <a:rPr lang="en-IN" sz="1800" dirty="0" err="1">
+                <a:latin typeface="Rockwell" panose="02060603020205020403" pitchFamily="18" charset="0"/>
+              </a:rPr>
               <a:t>cout</a:t>
             </a:r>
             <a:r>
-              <a:rPr lang="en-IN" sz="2000" dirty="0"/>
+              <a:rPr lang="en-IN" sz="1800" dirty="0">
+                <a:latin typeface="Rockwell" panose="02060603020205020403" pitchFamily="18" charset="0"/>
+              </a:rPr>
               <a:t> &lt;&lt; std::flush is required to print message immediately. Otherwise you will see all messages printed at the end of program. </a:t>
             </a:r>
           </a:p>
           <a:p>
             <a:r>
-              <a:rPr lang="en-IN" sz="2000" dirty="0" err="1"/>
+              <a:rPr lang="en-IN" sz="1800" dirty="0" err="1">
+                <a:latin typeface="Rockwell" panose="02060603020205020403" pitchFamily="18" charset="0"/>
+              </a:rPr>
               <a:t>qDebug</a:t>
             </a:r>
             <a:r>
-              <a:rPr lang="en-IN" sz="2000" dirty="0"/>
-              <a:t>() on the other hand will output immediately and will also add newline feed. </a:t>
+              <a:rPr lang="en-IN" sz="1800" dirty="0">
+                <a:latin typeface="Rockwell" panose="02060603020205020403" pitchFamily="18" charset="0"/>
+              </a:rPr>
+              <a:t>() on the other hand </a:t>
+            </a:r>
+            <a:r>
+              <a:rPr lang="en-IN" sz="1600" dirty="0">
+                <a:latin typeface="Rockwell" panose="02060603020205020403" pitchFamily="18" charset="0"/>
+              </a:rPr>
+              <a:t>will</a:t>
+            </a:r>
+            <a:r>
+              <a:rPr lang="en-IN" sz="1800" dirty="0">
+                <a:latin typeface="Rockwell" panose="02060603020205020403" pitchFamily="18" charset="0"/>
+              </a:rPr>
+              <a:t> output immediately and will also add newline feed. </a:t>
             </a:r>
           </a:p>
         </p:txBody>
@@ -14361,7 +14858,7 @@
 </p:sld>
 </file>
 
-<file path=ppt/slides/slide5.xml><?xml version="1.0" encoding="utf-8"?>
+<file path=ppt/slides/slide4.xml><?xml version="1.0" encoding="utf-8"?>
 <p:sld xmlns:a="http://schemas.openxmlformats.org/drawingml/2006/main" xmlns:r="http://schemas.openxmlformats.org/officeDocument/2006/relationships" xmlns:p="http://schemas.openxmlformats.org/presentationml/2006/main">
   <p:cSld>
     <p:spTree>
@@ -14396,13 +14893,16 @@
         </p:nvSpPr>
         <p:spPr/>
         <p:txBody>
-          <a:bodyPr/>
+          <a:bodyPr>
+            <a:normAutofit/>
+          </a:bodyPr>
           <a:lstStyle/>
           <a:p>
             <a:r>
-              <a:rPr lang="en-IN" b="1" i="0" dirty="0">
-                <a:latin typeface="Arial" panose="020B0604020202020204" pitchFamily="34" charset="0"/>
-                <a:cs typeface="Arial" panose="020B0604020202020204" pitchFamily="34" charset="0"/>
+              <a:rPr lang="en-IN" sz="3600" dirty="0">
+                <a:latin typeface="Rockwell" panose="02060603020205020403" pitchFamily="18" charset="0"/>
+                <a:ea typeface="+mn-ea"/>
+                <a:cs typeface="+mn-cs"/>
               </a:rPr>
               <a:t>Connect using macros vs method address</a:t>
             </a:r>
@@ -14433,13 +14933,19 @@
         </p:spPr>
         <p:txBody>
           <a:bodyPr>
-            <a:normAutofit fontScale="62500" lnSpcReduction="20000"/>
+            <a:normAutofit fontScale="70000" lnSpcReduction="20000"/>
           </a:bodyPr>
           <a:lstStyle/>
           <a:p>
             <a:r>
               <a:rPr lang="en-IN" dirty="0"/>
-              <a:t> Following are 2 methods to connect signals to slots in QT. </a:t>
+              <a:t> </a:t>
+            </a:r>
+            <a:r>
+              <a:rPr lang="en-IN" sz="2600" dirty="0">
+                <a:latin typeface="Rockwell" panose="02060603020205020403" pitchFamily="18" charset="0"/>
+              </a:rPr>
+              <a:t>Following are 2 methods to connect signals to slots in QT. </a:t>
             </a:r>
           </a:p>
           <a:p>
@@ -14447,31 +14953,45 @@
               <a:buNone/>
             </a:pPr>
             <a:r>
-              <a:rPr lang="en-IN" sz="2000" b="1" dirty="0"/>
+              <a:rPr lang="en-IN" sz="2600" dirty="0">
+                <a:latin typeface="Rockwell" panose="02060603020205020403" pitchFamily="18" charset="0"/>
+              </a:rPr>
               <a:t>connect(</a:t>
             </a:r>
             <a:r>
-              <a:rPr lang="en-IN" sz="2000" b="1" dirty="0" err="1"/>
+              <a:rPr lang="en-IN" sz="2600" dirty="0" err="1">
+                <a:latin typeface="Rockwell" panose="02060603020205020403" pitchFamily="18" charset="0"/>
+              </a:rPr>
               <a:t>this,&amp;Student</a:t>
             </a:r>
             <a:r>
-              <a:rPr lang="en-IN" sz="2000" b="1" dirty="0"/>
+              <a:rPr lang="en-IN" sz="2600" dirty="0">
+                <a:latin typeface="Rockwell" panose="02060603020205020403" pitchFamily="18" charset="0"/>
+              </a:rPr>
               <a:t>::</a:t>
             </a:r>
             <a:r>
-              <a:rPr lang="en-IN" sz="2000" b="1" dirty="0" err="1"/>
+              <a:rPr lang="en-IN" sz="2600" dirty="0" err="1">
+                <a:latin typeface="Rockwell" panose="02060603020205020403" pitchFamily="18" charset="0"/>
+              </a:rPr>
               <a:t>mySignal,this,&amp;Student</a:t>
             </a:r>
             <a:r>
-              <a:rPr lang="en-IN" sz="2000" b="1" dirty="0"/>
+              <a:rPr lang="en-IN" sz="2600" dirty="0">
+                <a:latin typeface="Rockwell" panose="02060603020205020403" pitchFamily="18" charset="0"/>
+              </a:rPr>
               <a:t>::</a:t>
             </a:r>
             <a:r>
-              <a:rPr lang="en-IN" sz="2000" b="1" dirty="0" err="1"/>
+              <a:rPr lang="en-IN" sz="2600" dirty="0" err="1">
+                <a:latin typeface="Rockwell" panose="02060603020205020403" pitchFamily="18" charset="0"/>
+              </a:rPr>
               <a:t>mySlot</a:t>
             </a:r>
             <a:r>
-              <a:rPr lang="en-IN" sz="2000" b="1" dirty="0"/>
+              <a:rPr lang="en-IN" sz="2600" dirty="0">
+                <a:latin typeface="Rockwell" panose="02060603020205020403" pitchFamily="18" charset="0"/>
+              </a:rPr>
               <a:t>);  // new method</a:t>
             </a:r>
           </a:p>
@@ -14480,140 +15000,226 @@
               <a:buNone/>
             </a:pPr>
             <a:r>
-              <a:rPr lang="en-IN" sz="2000" b="1" dirty="0"/>
+              <a:rPr lang="en-IN" sz="2600" dirty="0">
+                <a:latin typeface="Rockwell" panose="02060603020205020403" pitchFamily="18" charset="0"/>
+              </a:rPr>
               <a:t>connect(</a:t>
             </a:r>
             <a:r>
-              <a:rPr lang="en-IN" sz="2000" b="1" dirty="0" err="1"/>
+              <a:rPr lang="en-IN" sz="2600" dirty="0" err="1">
+                <a:latin typeface="Rockwell" panose="02060603020205020403" pitchFamily="18" charset="0"/>
+              </a:rPr>
               <a:t>this,SIGNAL</a:t>
             </a:r>
             <a:r>
-              <a:rPr lang="en-IN" sz="2000" b="1" dirty="0"/>
+              <a:rPr lang="en-IN" sz="2600" dirty="0">
+                <a:latin typeface="Rockwell" panose="02060603020205020403" pitchFamily="18" charset="0"/>
+              </a:rPr>
               <a:t>(</a:t>
             </a:r>
             <a:r>
-              <a:rPr lang="en-IN" sz="2000" b="1" dirty="0" err="1"/>
+              <a:rPr lang="en-IN" sz="2600" dirty="0" err="1">
+                <a:latin typeface="Rockwell" panose="02060603020205020403" pitchFamily="18" charset="0"/>
+              </a:rPr>
               <a:t>mySignal</a:t>
             </a:r>
             <a:r>
-              <a:rPr lang="en-IN" sz="2000" b="1" dirty="0"/>
+              <a:rPr lang="en-IN" sz="2600" dirty="0">
+                <a:latin typeface="Rockwell" panose="02060603020205020403" pitchFamily="18" charset="0"/>
+              </a:rPr>
               <a:t>()),</a:t>
             </a:r>
             <a:r>
-              <a:rPr lang="en-IN" sz="2000" b="1" dirty="0" err="1"/>
+              <a:rPr lang="en-IN" sz="2600" dirty="0" err="1">
+                <a:latin typeface="Rockwell" panose="02060603020205020403" pitchFamily="18" charset="0"/>
+              </a:rPr>
               <a:t>this,SLOT</a:t>
             </a:r>
             <a:r>
-              <a:rPr lang="en-IN" sz="2000" b="1" dirty="0"/>
+              <a:rPr lang="en-IN" sz="2600" dirty="0">
+                <a:latin typeface="Rockwell" panose="02060603020205020403" pitchFamily="18" charset="0"/>
+              </a:rPr>
               <a:t>(</a:t>
             </a:r>
             <a:r>
-              <a:rPr lang="en-IN" sz="2000" b="1" dirty="0" err="1"/>
+              <a:rPr lang="en-IN" sz="2600" dirty="0" err="1">
+                <a:latin typeface="Rockwell" panose="02060603020205020403" pitchFamily="18" charset="0"/>
+              </a:rPr>
               <a:t>mySlot</a:t>
             </a:r>
             <a:r>
-              <a:rPr lang="en-IN" sz="2000" b="1" dirty="0"/>
+              <a:rPr lang="en-IN" sz="2600" dirty="0">
+                <a:latin typeface="Rockwell" panose="02060603020205020403" pitchFamily="18" charset="0"/>
+              </a:rPr>
               <a:t>()));   // Old method   IMP: Read </a:t>
             </a:r>
             <a:r>
-              <a:rPr lang="en-IN" sz="2000" dirty="0">
-                <a:hlinkClick r:id="rId2"/>
+              <a:rPr lang="en-IN" sz="2600" dirty="0">
+                <a:latin typeface="Rockwell" panose="02060603020205020403" pitchFamily="18" charset="0"/>
+                <a:hlinkClick r:id="rId2">
+                  <a:extLst>
+                    <a:ext uri="{A12FA001-AC4F-418D-AE19-62706E023703}">
+                      <ahyp:hlinkClr xmlns:ahyp="http://schemas.microsoft.com/office/drawing/2018/hyperlinkcolor" val="tx"/>
+                    </a:ext>
+                  </a:extLst>
+                </a:hlinkClick>
               </a:rPr>
               <a:t>https://wiki.qt.io/New_Signal_Slot_Syntax</a:t>
             </a:r>
-            <a:endParaRPr lang="en-IN" sz="2000" b="1" dirty="0"/>
+            <a:endParaRPr lang="en-IN" sz="2600" dirty="0">
+              <a:latin typeface="Rockwell" panose="02060603020205020403" pitchFamily="18" charset="0"/>
+            </a:endParaRPr>
           </a:p>
           <a:p>
             <a:pPr marL="0" indent="0">
               <a:buNone/>
             </a:pPr>
-            <a:endParaRPr lang="en-IN" sz="2000" dirty="0"/>
-          </a:p>
-          <a:p>
-            <a:r>
-              <a:rPr lang="en-IN" b="1" dirty="0"/>
+            <a:endParaRPr lang="en-IN" sz="2300" dirty="0">
+              <a:latin typeface="Rockwell" panose="02060603020205020403" pitchFamily="18" charset="0"/>
+            </a:endParaRPr>
+          </a:p>
+          <a:p>
+            <a:pPr marL="0" indent="0">
+              <a:buNone/>
+            </a:pPr>
+            <a:r>
+              <a:rPr lang="en-IN" sz="2300" b="1" dirty="0">
+                <a:latin typeface="Rockwell" panose="02060603020205020403" pitchFamily="18" charset="0"/>
+              </a:rPr>
               <a:t>Pros</a:t>
             </a:r>
           </a:p>
           <a:p>
             <a:r>
-              <a:rPr lang="en-IN" dirty="0"/>
-              <a:t>Compile time check of the existence of the signals and slot, of the types, or if the Q_OBJECT is missing.</a:t>
-            </a:r>
-          </a:p>
-          <a:p>
-            <a:r>
-              <a:rPr lang="en-IN" dirty="0"/>
+              <a:rPr lang="en-IN" sz="2600" dirty="0">
+                <a:latin typeface="Rockwell" panose="02060603020205020403" pitchFamily="18" charset="0"/>
+              </a:rPr>
+              <a:t>Compile time check </a:t>
+            </a:r>
+            <a:r>
+              <a:rPr lang="en-IN" sz="2300" dirty="0">
+                <a:latin typeface="Rockwell" panose="02060603020205020403" pitchFamily="18" charset="0"/>
+              </a:rPr>
+              <a:t>of</a:t>
+            </a:r>
+            <a:r>
+              <a:rPr lang="en-IN" sz="2600" dirty="0">
+                <a:latin typeface="Rockwell" panose="02060603020205020403" pitchFamily="18" charset="0"/>
+              </a:rPr>
+              <a:t> the existence of the signals and slot, of the types, or if the Q_OBJECT is missing.</a:t>
+            </a:r>
+          </a:p>
+          <a:p>
+            <a:r>
+              <a:rPr lang="en-IN" sz="2600" dirty="0">
+                <a:latin typeface="Rockwell" panose="02060603020205020403" pitchFamily="18" charset="0"/>
+              </a:rPr>
               <a:t>Argument can be by typedefs or with different namespace specifier, and it works.</a:t>
             </a:r>
           </a:p>
           <a:p>
             <a:r>
-              <a:rPr lang="en-IN" dirty="0"/>
+              <a:rPr lang="en-IN" sz="2600" dirty="0">
+                <a:latin typeface="Rockwell" panose="02060603020205020403" pitchFamily="18" charset="0"/>
+              </a:rPr>
               <a:t>Possibility to automatically cast the types if there is implicit conversion (e.g. from </a:t>
             </a:r>
             <a:r>
-              <a:rPr lang="en-IN" dirty="0" err="1"/>
+              <a:rPr lang="en-IN" sz="2600" dirty="0" err="1">
+                <a:latin typeface="Rockwell" panose="02060603020205020403" pitchFamily="18" charset="0"/>
+              </a:rPr>
               <a:t>QString</a:t>
             </a:r>
             <a:r>
-              <a:rPr lang="en-IN" dirty="0"/>
+              <a:rPr lang="en-IN" sz="2600" dirty="0">
+                <a:latin typeface="Rockwell" panose="02060603020205020403" pitchFamily="18" charset="0"/>
+              </a:rPr>
               <a:t> to </a:t>
             </a:r>
             <a:r>
-              <a:rPr lang="en-IN" dirty="0" err="1"/>
+              <a:rPr lang="en-IN" sz="2600" dirty="0" err="1">
+                <a:latin typeface="Rockwell" panose="02060603020205020403" pitchFamily="18" charset="0"/>
+              </a:rPr>
               <a:t>QVariant</a:t>
             </a:r>
             <a:r>
-              <a:rPr lang="en-IN" dirty="0"/>
+              <a:rPr lang="en-IN" sz="2600" dirty="0">
+                <a:latin typeface="Rockwell" panose="02060603020205020403" pitchFamily="18" charset="0"/>
+              </a:rPr>
               <a:t>)</a:t>
             </a:r>
           </a:p>
           <a:p>
             <a:r>
-              <a:rPr lang="en-IN" dirty="0"/>
+              <a:rPr lang="en-IN" sz="2600" dirty="0">
+                <a:latin typeface="Rockwell" panose="02060603020205020403" pitchFamily="18" charset="0"/>
+              </a:rPr>
               <a:t>It is possible to connect to any member function of </a:t>
             </a:r>
             <a:r>
-              <a:rPr lang="en-IN" dirty="0" err="1"/>
+              <a:rPr lang="en-IN" sz="2600" dirty="0" err="1">
+                <a:latin typeface="Rockwell" panose="02060603020205020403" pitchFamily="18" charset="0"/>
+              </a:rPr>
               <a:t>QObject</a:t>
             </a:r>
             <a:r>
-              <a:rPr lang="en-IN" dirty="0"/>
+              <a:rPr lang="en-IN" sz="2600" dirty="0">
+                <a:latin typeface="Rockwell" panose="02060603020205020403" pitchFamily="18" charset="0"/>
+              </a:rPr>
               <a:t>, not only slots.</a:t>
             </a:r>
           </a:p>
           <a:p>
-            <a:r>
-              <a:rPr lang="en-IN" b="1" dirty="0"/>
+            <a:pPr marL="0" indent="0">
+              <a:buNone/>
+            </a:pPr>
+            <a:r>
+              <a:rPr lang="en-IN" sz="2300" b="1" dirty="0">
+                <a:latin typeface="Rockwell" panose="02060603020205020403" pitchFamily="18" charset="0"/>
+              </a:rPr>
               <a:t>Cons</a:t>
             </a:r>
           </a:p>
           <a:p>
             <a:r>
-              <a:rPr lang="en-IN" dirty="0"/>
+              <a:rPr lang="en-IN" sz="2600" dirty="0">
+                <a:latin typeface="Rockwell" panose="02060603020205020403" pitchFamily="18" charset="0"/>
+              </a:rPr>
               <a:t>More complicated syntax? (you need to specify the type of your object)</a:t>
             </a:r>
           </a:p>
           <a:p>
             <a:r>
-              <a:rPr lang="en-IN" dirty="0"/>
+              <a:rPr lang="en-IN" sz="2600" dirty="0">
+                <a:latin typeface="Rockwell" panose="02060603020205020403" pitchFamily="18" charset="0"/>
+              </a:rPr>
               <a:t>Very complicated syntax in cases of overloads? (see </a:t>
             </a:r>
             <a:r>
-              <a:rPr lang="en-IN" dirty="0">
-                <a:hlinkClick r:id="rId3"/>
+              <a:rPr lang="en-IN" sz="2600" dirty="0">
+                <a:latin typeface="Rockwell" panose="02060603020205020403" pitchFamily="18" charset="0"/>
+                <a:hlinkClick r:id="rId3">
+                  <a:extLst>
+                    <a:ext uri="{A12FA001-AC4F-418D-AE19-62706E023703}">
+                      <ahyp:hlinkClr xmlns:ahyp="http://schemas.microsoft.com/office/drawing/2018/hyperlinkcolor" val="tx"/>
+                    </a:ext>
+                  </a:extLst>
+                </a:hlinkClick>
               </a:rPr>
               <a:t>below</a:t>
             </a:r>
             <a:r>
-              <a:rPr lang="en-IN" dirty="0"/>
+              <a:rPr lang="en-IN" sz="2600" dirty="0">
+                <a:latin typeface="Rockwell" panose="02060603020205020403" pitchFamily="18" charset="0"/>
+              </a:rPr>
               <a:t>)</a:t>
             </a:r>
           </a:p>
           <a:p>
             <a:r>
-              <a:rPr lang="en-IN" dirty="0"/>
+              <a:rPr lang="en-IN" sz="2600" dirty="0">
+                <a:latin typeface="Rockwell" panose="02060603020205020403" pitchFamily="18" charset="0"/>
+              </a:rPr>
               <a:t>Default arguments in slot is not supported anymore.</a:t>
             </a:r>
           </a:p>
@@ -14629,6 +15235,1456 @@
     <p:extLst>
       <p:ext uri="{BB962C8B-B14F-4D97-AF65-F5344CB8AC3E}">
         <p14:creationId xmlns:p14="http://schemas.microsoft.com/office/powerpoint/2010/main" val="3415287469"/>
+      </p:ext>
+    </p:extLst>
+  </p:cSld>
+  <p:clrMapOvr>
+    <a:masterClrMapping/>
+  </p:clrMapOvr>
+</p:sld>
+</file>
+
+<file path=ppt/slides/slide5.xml><?xml version="1.0" encoding="utf-8"?>
+<p:sld xmlns:a="http://schemas.openxmlformats.org/drawingml/2006/main" xmlns:r="http://schemas.openxmlformats.org/officeDocument/2006/relationships" xmlns:p="http://schemas.openxmlformats.org/presentationml/2006/main">
+  <p:cSld>
+    <p:spTree>
+      <p:nvGrpSpPr>
+        <p:cNvPr id="1" name=""/>
+        <p:cNvGrpSpPr/>
+        <p:nvPr/>
+      </p:nvGrpSpPr>
+      <p:grpSpPr>
+        <a:xfrm>
+          <a:off x="0" y="0"/>
+          <a:ext cx="0" cy="0"/>
+          <a:chOff x="0" y="0"/>
+          <a:chExt cx="0" cy="0"/>
+        </a:xfrm>
+      </p:grpSpPr>
+      <p:sp>
+        <p:nvSpPr>
+          <p:cNvPr id="2" name="Title 1">
+            <a:extLst>
+              <a:ext uri="{FF2B5EF4-FFF2-40B4-BE49-F238E27FC236}">
+                <a16:creationId xmlns:a16="http://schemas.microsoft.com/office/drawing/2014/main" id="{DE8E5CAF-E025-4D29-A1D4-89649CE51431}"/>
+              </a:ext>
+            </a:extLst>
+          </p:cNvPr>
+          <p:cNvSpPr>
+            <a:spLocks noGrp="1"/>
+          </p:cNvSpPr>
+          <p:nvPr>
+            <p:ph type="title"/>
+          </p:nvPr>
+        </p:nvSpPr>
+        <p:spPr/>
+        <p:txBody>
+          <a:bodyPr>
+            <a:normAutofit/>
+          </a:bodyPr>
+          <a:lstStyle/>
+          <a:p>
+            <a:r>
+              <a:rPr lang="en-IN" sz="2400" dirty="0">
+                <a:latin typeface="Rockwell" panose="02060603020205020403" pitchFamily="18" charset="0"/>
+                <a:ea typeface="+mn-ea"/>
+                <a:cs typeface="+mn-cs"/>
+              </a:rPr>
+              <a:t>How to check if connection is successful</a:t>
+            </a:r>
+          </a:p>
+        </p:txBody>
+      </p:sp>
+      <p:sp>
+        <p:nvSpPr>
+          <p:cNvPr id="3" name="Content Placeholder 2">
+            <a:extLst>
+              <a:ext uri="{FF2B5EF4-FFF2-40B4-BE49-F238E27FC236}">
+                <a16:creationId xmlns:a16="http://schemas.microsoft.com/office/drawing/2014/main" id="{5C3B214A-91F0-4814-B967-3F1D78DC6229}"/>
+              </a:ext>
+            </a:extLst>
+          </p:cNvPr>
+          <p:cNvSpPr>
+            <a:spLocks noGrp="1"/>
+          </p:cNvSpPr>
+          <p:nvPr>
+            <p:ph idx="1"/>
+          </p:nvPr>
+        </p:nvSpPr>
+        <p:spPr/>
+        <p:txBody>
+          <a:bodyPr/>
+          <a:lstStyle/>
+          <a:p>
+            <a:r>
+              <a:rPr lang="en-IN" sz="1600" dirty="0">
+                <a:latin typeface="Rockwell" panose="02060603020205020403" pitchFamily="18" charset="0"/>
+              </a:rPr>
+              <a:t>Connect(</a:t>
+            </a:r>
+            <a:r>
+              <a:rPr lang="en-IN" sz="1600" dirty="0" err="1">
+                <a:latin typeface="Rockwell" panose="02060603020205020403" pitchFamily="18" charset="0"/>
+              </a:rPr>
+              <a:t>sender,signal,receiver,slot</a:t>
+            </a:r>
+            <a:r>
+              <a:rPr lang="en-IN" sz="1600" dirty="0">
+                <a:latin typeface="Rockwell" panose="02060603020205020403" pitchFamily="18" charset="0"/>
+              </a:rPr>
+              <a:t>) is successful or not ?</a:t>
+            </a:r>
+          </a:p>
+          <a:p>
+            <a:endParaRPr lang="en-IN" sz="1600" dirty="0">
+              <a:latin typeface="Rockwell" panose="02060603020205020403" pitchFamily="18" charset="0"/>
+            </a:endParaRPr>
+          </a:p>
+          <a:p>
+            <a:r>
+              <a:rPr lang="en-IN" sz="1600" dirty="0">
+                <a:latin typeface="Rockwell" panose="02060603020205020403" pitchFamily="18" charset="0"/>
+              </a:rPr>
+              <a:t>Use </a:t>
+            </a:r>
+            <a:r>
+              <a:rPr lang="en-IN" sz="1600" dirty="0" err="1">
+                <a:latin typeface="Rockwell" panose="02060603020205020403" pitchFamily="18" charset="0"/>
+              </a:rPr>
+              <a:t>qDebug</a:t>
+            </a:r>
+            <a:r>
+              <a:rPr lang="en-IN" sz="1600" dirty="0">
+                <a:latin typeface="Rockwell" panose="02060603020205020403" pitchFamily="18" charset="0"/>
+              </a:rPr>
+              <a:t>() &lt;&lt; connect() to print. If connection is successful it will print true.</a:t>
+            </a:r>
+          </a:p>
+        </p:txBody>
+      </p:sp>
+    </p:spTree>
+    <p:extLst>
+      <p:ext uri="{BB962C8B-B14F-4D97-AF65-F5344CB8AC3E}">
+        <p14:creationId xmlns:p14="http://schemas.microsoft.com/office/powerpoint/2010/main" val="1350822550"/>
+      </p:ext>
+    </p:extLst>
+  </p:cSld>
+  <p:clrMapOvr>
+    <a:masterClrMapping/>
+  </p:clrMapOvr>
+</p:sld>
+</file>
+
+<file path=ppt/slides/slide6.xml><?xml version="1.0" encoding="utf-8"?>
+<p:sld xmlns:a="http://schemas.openxmlformats.org/drawingml/2006/main" xmlns:r="http://schemas.openxmlformats.org/officeDocument/2006/relationships" xmlns:p="http://schemas.openxmlformats.org/presentationml/2006/main">
+  <p:cSld>
+    <p:spTree>
+      <p:nvGrpSpPr>
+        <p:cNvPr id="1" name=""/>
+        <p:cNvGrpSpPr/>
+        <p:nvPr/>
+      </p:nvGrpSpPr>
+      <p:grpSpPr>
+        <a:xfrm>
+          <a:off x="0" y="0"/>
+          <a:ext cx="0" cy="0"/>
+          <a:chOff x="0" y="0"/>
+          <a:chExt cx="0" cy="0"/>
+        </a:xfrm>
+      </p:grpSpPr>
+      <p:sp>
+        <p:nvSpPr>
+          <p:cNvPr id="4" name="Rectangle 3">
+            <a:extLst>
+              <a:ext uri="{FF2B5EF4-FFF2-40B4-BE49-F238E27FC236}">
+                <a16:creationId xmlns:a16="http://schemas.microsoft.com/office/drawing/2014/main" id="{99376E7A-7EDF-4E33-B73D-3C81426D2206}"/>
+              </a:ext>
+            </a:extLst>
+          </p:cNvPr>
+          <p:cNvSpPr/>
+          <p:nvPr/>
+        </p:nvSpPr>
+        <p:spPr>
+          <a:xfrm>
+            <a:off x="206928" y="1014218"/>
+            <a:ext cx="11778143" cy="5355312"/>
+          </a:xfrm>
+          <a:prstGeom prst="rect">
+            <a:avLst/>
+          </a:prstGeom>
+        </p:spPr>
+        <p:txBody>
+          <a:bodyPr wrap="square">
+            <a:spAutoFit/>
+          </a:bodyPr>
+          <a:lstStyle/>
+          <a:p>
+            <a:r>
+              <a:rPr lang="en-IN" dirty="0">
+                <a:latin typeface="Rockwell" panose="02060603020205020403" pitchFamily="18" charset="0"/>
+              </a:rPr>
+              <a:t>There are some rules that make life with signals and slots easier and cover the most common reason for defective connections. If I forgot something please tell me.</a:t>
+            </a:r>
+          </a:p>
+          <a:p>
+            <a:endParaRPr lang="en-IN" dirty="0">
+              <a:latin typeface="Rockwell" panose="02060603020205020403" pitchFamily="18" charset="0"/>
+            </a:endParaRPr>
+          </a:p>
+          <a:p>
+            <a:r>
+              <a:rPr lang="en-IN" dirty="0">
+                <a:latin typeface="Rockwell" panose="02060603020205020403" pitchFamily="18" charset="0"/>
+              </a:rPr>
+              <a:t>1) Check the debug console output:</a:t>
+            </a:r>
+          </a:p>
+          <a:p>
+            <a:r>
+              <a:rPr lang="en-IN" dirty="0">
+                <a:latin typeface="Rockwell" panose="02060603020205020403" pitchFamily="18" charset="0"/>
+              </a:rPr>
+              <a:t>When execution errors occur, the debug output can show you the reason.</a:t>
+            </a:r>
+          </a:p>
+          <a:p>
+            <a:endParaRPr lang="en-IN" dirty="0">
+              <a:latin typeface="Rockwell" panose="02060603020205020403" pitchFamily="18" charset="0"/>
+            </a:endParaRPr>
+          </a:p>
+          <a:p>
+            <a:r>
+              <a:rPr lang="en-IN" dirty="0">
+                <a:latin typeface="Rockwell" panose="02060603020205020403" pitchFamily="18" charset="0"/>
+              </a:rPr>
+              <a:t>2) Use the full signature of signal and slot:</a:t>
+            </a:r>
+          </a:p>
+          <a:p>
+            <a:r>
+              <a:rPr lang="en-IN" dirty="0">
+                <a:latin typeface="Rockwell" panose="02060603020205020403" pitchFamily="18" charset="0"/>
+              </a:rPr>
+              <a:t>Instead of connect(that, SIGNAL(</a:t>
+            </a:r>
+            <a:r>
+              <a:rPr lang="en-IN" dirty="0" err="1">
+                <a:latin typeface="Rockwell" panose="02060603020205020403" pitchFamily="18" charset="0"/>
+              </a:rPr>
+              <a:t>mySignal</a:t>
+            </a:r>
+            <a:r>
+              <a:rPr lang="en-IN" dirty="0">
+                <a:latin typeface="Rockwell" panose="02060603020205020403" pitchFamily="18" charset="0"/>
+              </a:rPr>
+              <a:t>), this, SLOT(</a:t>
+            </a:r>
+            <a:r>
+              <a:rPr lang="en-IN" dirty="0" err="1">
+                <a:latin typeface="Rockwell" panose="02060603020205020403" pitchFamily="18" charset="0"/>
+              </a:rPr>
+              <a:t>mySlot</a:t>
+            </a:r>
+            <a:r>
+              <a:rPr lang="en-IN" dirty="0">
+                <a:latin typeface="Rockwell" panose="02060603020205020403" pitchFamily="18" charset="0"/>
+              </a:rPr>
+              <a:t>));</a:t>
+            </a:r>
+          </a:p>
+          <a:p>
+            <a:r>
+              <a:rPr lang="en-IN" dirty="0">
+                <a:latin typeface="Rockwell" panose="02060603020205020403" pitchFamily="18" charset="0"/>
+              </a:rPr>
+              <a:t>Write connect(that, SIGNAL(</a:t>
+            </a:r>
+            <a:r>
+              <a:rPr lang="en-IN" dirty="0" err="1">
+                <a:latin typeface="Rockwell" panose="02060603020205020403" pitchFamily="18" charset="0"/>
+              </a:rPr>
+              <a:t>mySignal</a:t>
+            </a:r>
+            <a:r>
+              <a:rPr lang="en-IN" dirty="0">
+                <a:latin typeface="Rockwell" panose="02060603020205020403" pitchFamily="18" charset="0"/>
+              </a:rPr>
+              <a:t>(int)), this, SLOT(</a:t>
+            </a:r>
+            <a:r>
+              <a:rPr lang="en-IN" dirty="0" err="1">
+                <a:latin typeface="Rockwell" panose="02060603020205020403" pitchFamily="18" charset="0"/>
+              </a:rPr>
+              <a:t>mySlot</a:t>
+            </a:r>
+            <a:r>
+              <a:rPr lang="en-IN" dirty="0">
+                <a:latin typeface="Rockwell" panose="02060603020205020403" pitchFamily="18" charset="0"/>
+              </a:rPr>
+              <a:t>(int)));</a:t>
+            </a:r>
+          </a:p>
+          <a:p>
+            <a:r>
+              <a:rPr lang="en-IN" dirty="0">
+                <a:latin typeface="Rockwell" panose="02060603020205020403" pitchFamily="18" charset="0"/>
+              </a:rPr>
+              <a:t>and check your spelling and capitalization.</a:t>
+            </a:r>
+          </a:p>
+          <a:p>
+            <a:endParaRPr lang="en-IN" dirty="0">
+              <a:latin typeface="Rockwell" panose="02060603020205020403" pitchFamily="18" charset="0"/>
+            </a:endParaRPr>
+          </a:p>
+          <a:p>
+            <a:r>
+              <a:rPr lang="en-IN" dirty="0">
+                <a:latin typeface="Rockwell" panose="02060603020205020403" pitchFamily="18" charset="0"/>
+              </a:rPr>
+              <a:t>3) Use existing overloads:</a:t>
+            </a:r>
+          </a:p>
+          <a:p>
+            <a:r>
+              <a:rPr lang="en-IN" dirty="0">
+                <a:latin typeface="Rockwell" panose="02060603020205020403" pitchFamily="18" charset="0"/>
+              </a:rPr>
+              <a:t>Carefully check if you are using the desired overloads of signal and slot and if the overloads you used actually exist.</a:t>
+            </a:r>
+          </a:p>
+          <a:p>
+            <a:endParaRPr lang="en-IN" dirty="0">
+              <a:latin typeface="Rockwell" panose="02060603020205020403" pitchFamily="18" charset="0"/>
+            </a:endParaRPr>
+          </a:p>
+          <a:p>
+            <a:r>
+              <a:rPr lang="en-IN" dirty="0">
+                <a:latin typeface="Rockwell" panose="02060603020205020403" pitchFamily="18" charset="0"/>
+              </a:rPr>
+              <a:t>4) Your signal and slot must be compatible:</a:t>
+            </a:r>
+          </a:p>
+          <a:p>
+            <a:r>
+              <a:rPr lang="en-IN" dirty="0">
+                <a:latin typeface="Rockwell" panose="02060603020205020403" pitchFamily="18" charset="0"/>
+              </a:rPr>
+              <a:t>This especially means the parameters must be of the same type (references are tolerated) and have the same order. Compile-time syntax also needs the same number of parameters. Old runtime syntax allows connecting signals to slots with less parameters.</a:t>
+            </a:r>
+          </a:p>
+        </p:txBody>
+      </p:sp>
+      <p:sp>
+        <p:nvSpPr>
+          <p:cNvPr id="5" name="TextBox 4">
+            <a:extLst>
+              <a:ext uri="{FF2B5EF4-FFF2-40B4-BE49-F238E27FC236}">
+                <a16:creationId xmlns:a16="http://schemas.microsoft.com/office/drawing/2014/main" id="{00BAD9A8-8EC6-4E72-923C-57EC4155D6CC}"/>
+              </a:ext>
+            </a:extLst>
+          </p:cNvPr>
+          <p:cNvSpPr txBox="1"/>
+          <p:nvPr/>
+        </p:nvSpPr>
+        <p:spPr>
+          <a:xfrm>
+            <a:off x="587229" y="192947"/>
+            <a:ext cx="6149131" cy="523220"/>
+          </a:xfrm>
+          <a:prstGeom prst="rect">
+            <a:avLst/>
+          </a:prstGeom>
+          <a:noFill/>
+        </p:spPr>
+        <p:txBody>
+          <a:bodyPr wrap="square" rtlCol="0">
+            <a:spAutoFit/>
+          </a:bodyPr>
+          <a:lstStyle/>
+          <a:p>
+            <a:r>
+              <a:rPr lang="en-IN" sz="2800" b="1" dirty="0"/>
+              <a:t>QT SIGNALS AND SLOTS </a:t>
+            </a:r>
+          </a:p>
+        </p:txBody>
+      </p:sp>
+    </p:spTree>
+    <p:extLst>
+      <p:ext uri="{BB962C8B-B14F-4D97-AF65-F5344CB8AC3E}">
+        <p14:creationId xmlns:p14="http://schemas.microsoft.com/office/powerpoint/2010/main" val="520703350"/>
+      </p:ext>
+    </p:extLst>
+  </p:cSld>
+  <p:clrMapOvr>
+    <a:masterClrMapping/>
+  </p:clrMapOvr>
+</p:sld>
+</file>
+
+<file path=ppt/slides/slide7.xml><?xml version="1.0" encoding="utf-8"?>
+<p:sld xmlns:a="http://schemas.openxmlformats.org/drawingml/2006/main" xmlns:r="http://schemas.openxmlformats.org/officeDocument/2006/relationships" xmlns:p="http://schemas.openxmlformats.org/presentationml/2006/main">
+  <p:cSld>
+    <p:spTree>
+      <p:nvGrpSpPr>
+        <p:cNvPr id="1" name=""/>
+        <p:cNvGrpSpPr/>
+        <p:nvPr/>
+      </p:nvGrpSpPr>
+      <p:grpSpPr>
+        <a:xfrm>
+          <a:off x="0" y="0"/>
+          <a:ext cx="0" cy="0"/>
+          <a:chOff x="0" y="0"/>
+          <a:chExt cx="0" cy="0"/>
+        </a:xfrm>
+      </p:grpSpPr>
+      <p:sp>
+        <p:nvSpPr>
+          <p:cNvPr id="4" name="Rectangle 3">
+            <a:extLst>
+              <a:ext uri="{FF2B5EF4-FFF2-40B4-BE49-F238E27FC236}">
+                <a16:creationId xmlns:a16="http://schemas.microsoft.com/office/drawing/2014/main" id="{347AE07E-A412-4C52-A637-57CC0641FCE8}"/>
+              </a:ext>
+            </a:extLst>
+          </p:cNvPr>
+          <p:cNvSpPr/>
+          <p:nvPr/>
+        </p:nvSpPr>
+        <p:spPr>
+          <a:xfrm>
+            <a:off x="138418" y="720766"/>
+            <a:ext cx="11915163" cy="5909310"/>
+          </a:xfrm>
+          <a:prstGeom prst="rect">
+            <a:avLst/>
+          </a:prstGeom>
+        </p:spPr>
+        <p:txBody>
+          <a:bodyPr wrap="square">
+            <a:spAutoFit/>
+          </a:bodyPr>
+          <a:lstStyle/>
+          <a:p>
+            <a:r>
+              <a:rPr lang="en-IN" dirty="0">
+                <a:latin typeface="Rockwell" panose="02060603020205020403" pitchFamily="18" charset="0"/>
+              </a:rPr>
+              <a:t>5) Always check return value of connect method (programmers should never ignore return values):</a:t>
+            </a:r>
+          </a:p>
+          <a:p>
+            <a:r>
+              <a:rPr lang="en-IN" dirty="0">
+                <a:latin typeface="Rockwell" panose="02060603020205020403" pitchFamily="18" charset="0"/>
+              </a:rPr>
+              <a:t>Instead of</a:t>
+            </a:r>
+          </a:p>
+          <a:p>
+            <a:r>
+              <a:rPr lang="en-IN" dirty="0">
+                <a:latin typeface="Rockwell" panose="02060603020205020403" pitchFamily="18" charset="0"/>
+              </a:rPr>
+              <a:t>connect(that, SIGNAL(</a:t>
+            </a:r>
+            <a:r>
+              <a:rPr lang="en-IN" dirty="0" err="1">
+                <a:latin typeface="Rockwell" panose="02060603020205020403" pitchFamily="18" charset="0"/>
+              </a:rPr>
+              <a:t>mySignal</a:t>
+            </a:r>
+            <a:r>
+              <a:rPr lang="en-IN" dirty="0">
+                <a:latin typeface="Rockwell" panose="02060603020205020403" pitchFamily="18" charset="0"/>
+              </a:rPr>
+              <a:t>(int)), this, SLOT(</a:t>
+            </a:r>
+            <a:r>
+              <a:rPr lang="en-IN" dirty="0" err="1">
+                <a:latin typeface="Rockwell" panose="02060603020205020403" pitchFamily="18" charset="0"/>
+              </a:rPr>
+              <a:t>mySlot</a:t>
+            </a:r>
+            <a:r>
+              <a:rPr lang="en-IN" dirty="0">
+                <a:latin typeface="Rockwell" panose="02060603020205020403" pitchFamily="18" charset="0"/>
+              </a:rPr>
+              <a:t>(int)));</a:t>
+            </a:r>
+          </a:p>
+          <a:p>
+            <a:r>
+              <a:rPr lang="en-IN" dirty="0">
+                <a:latin typeface="Rockwell" panose="02060603020205020403" pitchFamily="18" charset="0"/>
+              </a:rPr>
+              <a:t>always use something like</a:t>
+            </a:r>
+          </a:p>
+          <a:p>
+            <a:r>
+              <a:rPr lang="en-IN" dirty="0">
+                <a:latin typeface="Rockwell" panose="02060603020205020403" pitchFamily="18" charset="0"/>
+              </a:rPr>
+              <a:t>bool success = connect(that, SIGNAL(</a:t>
+            </a:r>
+            <a:r>
+              <a:rPr lang="en-IN" dirty="0" err="1">
+                <a:latin typeface="Rockwell" panose="02060603020205020403" pitchFamily="18" charset="0"/>
+              </a:rPr>
+              <a:t>mySignal</a:t>
+            </a:r>
+            <a:r>
+              <a:rPr lang="en-IN" dirty="0">
+                <a:latin typeface="Rockwell" panose="02060603020205020403" pitchFamily="18" charset="0"/>
+              </a:rPr>
+              <a:t>(int)), this, SLOT(</a:t>
+            </a:r>
+            <a:r>
+              <a:rPr lang="en-IN" dirty="0" err="1">
+                <a:latin typeface="Rockwell" panose="02060603020205020403" pitchFamily="18" charset="0"/>
+              </a:rPr>
+              <a:t>mySlot</a:t>
+            </a:r>
+            <a:r>
+              <a:rPr lang="en-IN" dirty="0">
+                <a:latin typeface="Rockwell" panose="02060603020205020403" pitchFamily="18" charset="0"/>
+              </a:rPr>
+              <a:t>(int)));</a:t>
+            </a:r>
+          </a:p>
+          <a:p>
+            <a:r>
+              <a:rPr lang="en-IN" dirty="0">
+                <a:latin typeface="Rockwell" panose="02060603020205020403" pitchFamily="18" charset="0"/>
+              </a:rPr>
+              <a:t>Q_ASSERT(success);</a:t>
+            </a:r>
+          </a:p>
+          <a:p>
+            <a:endParaRPr lang="en-IN" dirty="0">
+              <a:latin typeface="Rockwell" panose="02060603020205020403" pitchFamily="18" charset="0"/>
+            </a:endParaRPr>
+          </a:p>
+          <a:p>
+            <a:r>
+              <a:rPr lang="en-IN" dirty="0">
+                <a:latin typeface="Rockwell" panose="02060603020205020403" pitchFamily="18" charset="0"/>
+              </a:rPr>
+              <a:t>Or if you like throw an exception or implement full error handling. You may also use a macro like that:</a:t>
+            </a:r>
+          </a:p>
+          <a:p>
+            <a:r>
+              <a:rPr lang="en-IN" dirty="0">
+                <a:latin typeface="Rockwell" panose="02060603020205020403" pitchFamily="18" charset="0"/>
+              </a:rPr>
+              <a:t>#ifndef QT_NO_DEBUG</a:t>
+            </a:r>
+          </a:p>
+          <a:p>
+            <a:r>
+              <a:rPr lang="en-IN" dirty="0">
+                <a:latin typeface="Rockwell" panose="02060603020205020403" pitchFamily="18" charset="0"/>
+              </a:rPr>
+              <a:t>#define CHECK_TRUE(instruction) Q_ASSERT(instruction)</a:t>
+            </a:r>
+          </a:p>
+          <a:p>
+            <a:r>
+              <a:rPr lang="en-IN" dirty="0">
+                <a:latin typeface="Rockwell" panose="02060603020205020403" pitchFamily="18" charset="0"/>
+              </a:rPr>
+              <a:t>#else</a:t>
+            </a:r>
+          </a:p>
+          <a:p>
+            <a:r>
+              <a:rPr lang="en-IN" dirty="0">
+                <a:latin typeface="Rockwell" panose="02060603020205020403" pitchFamily="18" charset="0"/>
+              </a:rPr>
+              <a:t>#define CHECK_TRUE(instruction) (instruction)</a:t>
+            </a:r>
+          </a:p>
+          <a:p>
+            <a:r>
+              <a:rPr lang="en-IN" dirty="0">
+                <a:latin typeface="Rockwell" panose="02060603020205020403" pitchFamily="18" charset="0"/>
+              </a:rPr>
+              <a:t>#endif </a:t>
+            </a:r>
+          </a:p>
+          <a:p>
+            <a:r>
+              <a:rPr lang="en-IN" dirty="0">
+                <a:latin typeface="Rockwell" panose="02060603020205020403" pitchFamily="18" charset="0"/>
+              </a:rPr>
+              <a:t>CHECK_TRUE(connect(that, SIGNAL(</a:t>
+            </a:r>
+            <a:r>
+              <a:rPr lang="en-IN" dirty="0" err="1">
+                <a:latin typeface="Rockwell" panose="02060603020205020403" pitchFamily="18" charset="0"/>
+              </a:rPr>
+              <a:t>mySignal</a:t>
+            </a:r>
+            <a:r>
+              <a:rPr lang="en-IN" dirty="0">
+                <a:latin typeface="Rockwell" panose="02060603020205020403" pitchFamily="18" charset="0"/>
+              </a:rPr>
+              <a:t>(int)), this, SLOT(</a:t>
+            </a:r>
+            <a:r>
+              <a:rPr lang="en-IN" dirty="0" err="1">
+                <a:latin typeface="Rockwell" panose="02060603020205020403" pitchFamily="18" charset="0"/>
+              </a:rPr>
+              <a:t>mySlot</a:t>
+            </a:r>
+            <a:r>
+              <a:rPr lang="en-IN" dirty="0">
+                <a:latin typeface="Rockwell" panose="02060603020205020403" pitchFamily="18" charset="0"/>
+              </a:rPr>
+              <a:t>(int))));</a:t>
+            </a:r>
+          </a:p>
+          <a:p>
+            <a:endParaRPr lang="en-IN" dirty="0">
+              <a:latin typeface="Rockwell" panose="02060603020205020403" pitchFamily="18" charset="0"/>
+            </a:endParaRPr>
+          </a:p>
+          <a:p>
+            <a:r>
+              <a:rPr lang="en-IN" dirty="0">
+                <a:latin typeface="Rockwell" panose="02060603020205020403" pitchFamily="18" charset="0"/>
+              </a:rPr>
+              <a:t>6) You need an event loop for queued connections:</a:t>
+            </a:r>
+          </a:p>
+          <a:p>
+            <a:r>
+              <a:rPr lang="en-IN" dirty="0">
+                <a:latin typeface="Rockwell" panose="02060603020205020403" pitchFamily="18" charset="0"/>
+              </a:rPr>
+              <a:t>I.e. when ever you connect signals/slots of two objects owned by different threads (so called queued connections) you need to call exec(); in the slot's thread!</a:t>
+            </a:r>
+          </a:p>
+          <a:p>
+            <a:endParaRPr lang="en-IN" dirty="0">
+              <a:latin typeface="Rockwell" panose="02060603020205020403" pitchFamily="18" charset="0"/>
+            </a:endParaRPr>
+          </a:p>
+          <a:p>
+            <a:r>
+              <a:rPr lang="en-IN" dirty="0">
+                <a:latin typeface="Rockwell" panose="02060603020205020403" pitchFamily="18" charset="0"/>
+              </a:rPr>
+              <a:t>The event loop also needs to be actually served. Whenever the slot's thread is stuck in some kind of busy loop, queued connections are NOT executed!</a:t>
+            </a:r>
+          </a:p>
+        </p:txBody>
+      </p:sp>
+    </p:spTree>
+    <p:extLst>
+      <p:ext uri="{BB962C8B-B14F-4D97-AF65-F5344CB8AC3E}">
+        <p14:creationId xmlns:p14="http://schemas.microsoft.com/office/powerpoint/2010/main" val="2577759105"/>
+      </p:ext>
+    </p:extLst>
+  </p:cSld>
+  <p:clrMapOvr>
+    <a:masterClrMapping/>
+  </p:clrMapOvr>
+</p:sld>
+</file>
+
+<file path=ppt/slides/slide8.xml><?xml version="1.0" encoding="utf-8"?>
+<p:sld xmlns:a="http://schemas.openxmlformats.org/drawingml/2006/main" xmlns:r="http://schemas.openxmlformats.org/officeDocument/2006/relationships" xmlns:p="http://schemas.openxmlformats.org/presentationml/2006/main">
+  <p:cSld>
+    <p:spTree>
+      <p:nvGrpSpPr>
+        <p:cNvPr id="1" name=""/>
+        <p:cNvGrpSpPr/>
+        <p:nvPr/>
+      </p:nvGrpSpPr>
+      <p:grpSpPr>
+        <a:xfrm>
+          <a:off x="0" y="0"/>
+          <a:ext cx="0" cy="0"/>
+          <a:chOff x="0" y="0"/>
+          <a:chExt cx="0" cy="0"/>
+        </a:xfrm>
+      </p:grpSpPr>
+      <p:sp>
+        <p:nvSpPr>
+          <p:cNvPr id="4" name="Rectangle 3">
+            <a:extLst>
+              <a:ext uri="{FF2B5EF4-FFF2-40B4-BE49-F238E27FC236}">
+                <a16:creationId xmlns:a16="http://schemas.microsoft.com/office/drawing/2014/main" id="{71FF2B44-298D-426D-A890-D996E80E7DE8}"/>
+              </a:ext>
+            </a:extLst>
+          </p:cNvPr>
+          <p:cNvSpPr/>
+          <p:nvPr/>
+        </p:nvSpPr>
+        <p:spPr>
+          <a:xfrm>
+            <a:off x="55927" y="553673"/>
+            <a:ext cx="12080146" cy="5632311"/>
+          </a:xfrm>
+          <a:prstGeom prst="rect">
+            <a:avLst/>
+          </a:prstGeom>
+        </p:spPr>
+        <p:txBody>
+          <a:bodyPr wrap="square">
+            <a:spAutoFit/>
+          </a:bodyPr>
+          <a:lstStyle/>
+          <a:p>
+            <a:r>
+              <a:rPr lang="en-IN" dirty="0">
+                <a:latin typeface="Rockwell" panose="02060603020205020403" pitchFamily="18" charset="0"/>
+              </a:rPr>
+              <a:t>7) You need register custom types for queued connections:</a:t>
+            </a:r>
+          </a:p>
+          <a:p>
+            <a:endParaRPr lang="en-IN" dirty="0">
+              <a:latin typeface="Rockwell" panose="02060603020205020403" pitchFamily="18" charset="0"/>
+            </a:endParaRPr>
+          </a:p>
+          <a:p>
+            <a:r>
+              <a:rPr lang="en-IN" dirty="0">
+                <a:latin typeface="Rockwell" panose="02060603020205020403" pitchFamily="18" charset="0"/>
+              </a:rPr>
+              <a:t>So when using custom types in queued connections you must register them for this purpose.</a:t>
+            </a:r>
+          </a:p>
+          <a:p>
+            <a:r>
+              <a:rPr lang="en-IN" dirty="0">
+                <a:latin typeface="Rockwell" panose="02060603020205020403" pitchFamily="18" charset="0"/>
+              </a:rPr>
+              <a:t>First declare the type using the following macro:</a:t>
+            </a:r>
+          </a:p>
+          <a:p>
+            <a:r>
+              <a:rPr lang="en-IN" dirty="0">
+                <a:latin typeface="Rockwell" panose="02060603020205020403" pitchFamily="18" charset="0"/>
+              </a:rPr>
+              <a:t>Q_DECLARE_METATYPE(</a:t>
+            </a:r>
+            <a:r>
+              <a:rPr lang="en-IN" dirty="0" err="1">
+                <a:latin typeface="Rockwell" panose="02060603020205020403" pitchFamily="18" charset="0"/>
+              </a:rPr>
+              <a:t>MyType</a:t>
+            </a:r>
+            <a:r>
+              <a:rPr lang="en-IN" dirty="0">
+                <a:latin typeface="Rockwell" panose="02060603020205020403" pitchFamily="18" charset="0"/>
+              </a:rPr>
+              <a:t>)</a:t>
+            </a:r>
+          </a:p>
+          <a:p>
+            <a:r>
+              <a:rPr lang="en-IN" dirty="0">
+                <a:latin typeface="Rockwell" panose="02060603020205020403" pitchFamily="18" charset="0"/>
+              </a:rPr>
+              <a:t>Then use one of the following calls:</a:t>
+            </a:r>
+          </a:p>
+          <a:p>
+            <a:r>
+              <a:rPr lang="en-IN" dirty="0" err="1">
+                <a:latin typeface="Rockwell" panose="02060603020205020403" pitchFamily="18" charset="0"/>
+              </a:rPr>
+              <a:t>qRegisterMetaType</a:t>
+            </a:r>
+            <a:r>
+              <a:rPr lang="en-IN" dirty="0">
+                <a:latin typeface="Rockwell" panose="02060603020205020403" pitchFamily="18" charset="0"/>
+              </a:rPr>
+              <a:t>&lt;</a:t>
+            </a:r>
+            <a:r>
+              <a:rPr lang="en-IN" dirty="0" err="1">
+                <a:latin typeface="Rockwell" panose="02060603020205020403" pitchFamily="18" charset="0"/>
+              </a:rPr>
+              <a:t>MyTypedefType</a:t>
+            </a:r>
+            <a:r>
+              <a:rPr lang="en-IN" dirty="0">
+                <a:latin typeface="Rockwell" panose="02060603020205020403" pitchFamily="18" charset="0"/>
+              </a:rPr>
+              <a:t>&gt;("</a:t>
+            </a:r>
+            <a:r>
+              <a:rPr lang="en-IN" dirty="0" err="1">
+                <a:latin typeface="Rockwell" panose="02060603020205020403" pitchFamily="18" charset="0"/>
+              </a:rPr>
+              <a:t>MyTypedefType</a:t>
+            </a:r>
+            <a:r>
+              <a:rPr lang="en-IN" dirty="0">
+                <a:latin typeface="Rockwell" panose="02060603020205020403" pitchFamily="18" charset="0"/>
+              </a:rPr>
+              <a:t>"); // For typedef defined types</a:t>
+            </a:r>
+          </a:p>
+          <a:p>
+            <a:r>
+              <a:rPr lang="en-IN" dirty="0" err="1">
+                <a:latin typeface="Rockwell" panose="02060603020205020403" pitchFamily="18" charset="0"/>
+              </a:rPr>
+              <a:t>qRegisterMetaType</a:t>
+            </a:r>
+            <a:r>
+              <a:rPr lang="en-IN" dirty="0">
+                <a:latin typeface="Rockwell" panose="02060603020205020403" pitchFamily="18" charset="0"/>
+              </a:rPr>
+              <a:t>&lt;</a:t>
+            </a:r>
+            <a:r>
+              <a:rPr lang="en-IN" dirty="0" err="1">
+                <a:latin typeface="Rockwell" panose="02060603020205020403" pitchFamily="18" charset="0"/>
+              </a:rPr>
+              <a:t>MyType</a:t>
+            </a:r>
+            <a:r>
+              <a:rPr lang="en-IN" dirty="0">
+                <a:latin typeface="Rockwell" panose="02060603020205020403" pitchFamily="18" charset="0"/>
+              </a:rPr>
+              <a:t>&gt;(); // For other types</a:t>
+            </a:r>
+          </a:p>
+          <a:p>
+            <a:endParaRPr lang="en-IN" dirty="0">
+              <a:latin typeface="Rockwell" panose="02060603020205020403" pitchFamily="18" charset="0"/>
+            </a:endParaRPr>
+          </a:p>
+          <a:p>
+            <a:r>
+              <a:rPr lang="en-IN" dirty="0">
+                <a:latin typeface="Rockwell" panose="02060603020205020403" pitchFamily="18" charset="0"/>
+              </a:rPr>
+              <a:t>8) Prefer new compile time syntax over old run-time checked syntax:</a:t>
+            </a:r>
+          </a:p>
+          <a:p>
+            <a:r>
+              <a:rPr lang="en-IN" dirty="0">
+                <a:latin typeface="Rockwell" panose="02060603020205020403" pitchFamily="18" charset="0"/>
+              </a:rPr>
+              <a:t>Instead of</a:t>
+            </a:r>
+          </a:p>
+          <a:p>
+            <a:r>
+              <a:rPr lang="en-IN" dirty="0">
+                <a:latin typeface="Rockwell" panose="02060603020205020403" pitchFamily="18" charset="0"/>
+              </a:rPr>
+              <a:t>connect(that, SIGNAL(</a:t>
+            </a:r>
+            <a:r>
+              <a:rPr lang="en-IN" dirty="0" err="1">
+                <a:latin typeface="Rockwell" panose="02060603020205020403" pitchFamily="18" charset="0"/>
+              </a:rPr>
+              <a:t>mySignal</a:t>
+            </a:r>
+            <a:r>
+              <a:rPr lang="en-IN" dirty="0">
+                <a:latin typeface="Rockwell" panose="02060603020205020403" pitchFamily="18" charset="0"/>
+              </a:rPr>
+              <a:t>(int)), this, SLOT(</a:t>
+            </a:r>
+            <a:r>
+              <a:rPr lang="en-IN" dirty="0" err="1">
+                <a:latin typeface="Rockwell" panose="02060603020205020403" pitchFamily="18" charset="0"/>
+              </a:rPr>
+              <a:t>mySlot</a:t>
+            </a:r>
+            <a:r>
+              <a:rPr lang="en-IN" dirty="0">
+                <a:latin typeface="Rockwell" panose="02060603020205020403" pitchFamily="18" charset="0"/>
+              </a:rPr>
+              <a:t>(int)));</a:t>
+            </a:r>
+          </a:p>
+          <a:p>
+            <a:r>
+              <a:rPr lang="en-IN" dirty="0">
+                <a:latin typeface="Rockwell" panose="02060603020205020403" pitchFamily="18" charset="0"/>
+              </a:rPr>
+              <a:t>use this syntax</a:t>
+            </a:r>
+          </a:p>
+          <a:p>
+            <a:r>
+              <a:rPr lang="en-IN" dirty="0">
+                <a:latin typeface="Rockwell" panose="02060603020205020403" pitchFamily="18" charset="0"/>
+              </a:rPr>
+              <a:t>connect(that, &amp;</a:t>
+            </a:r>
+            <a:r>
+              <a:rPr lang="en-IN" dirty="0" err="1">
+                <a:latin typeface="Rockwell" panose="02060603020205020403" pitchFamily="18" charset="0"/>
+              </a:rPr>
+              <a:t>ThatObject</a:t>
+            </a:r>
+            <a:r>
+              <a:rPr lang="en-IN" dirty="0">
+                <a:latin typeface="Rockwell" panose="02060603020205020403" pitchFamily="18" charset="0"/>
+              </a:rPr>
+              <a:t>::</a:t>
+            </a:r>
+            <a:r>
+              <a:rPr lang="en-IN" dirty="0" err="1">
+                <a:latin typeface="Rockwell" panose="02060603020205020403" pitchFamily="18" charset="0"/>
+              </a:rPr>
+              <a:t>mySignal</a:t>
+            </a:r>
+            <a:r>
+              <a:rPr lang="en-IN" dirty="0">
+                <a:latin typeface="Rockwell" panose="02060603020205020403" pitchFamily="18" charset="0"/>
+              </a:rPr>
+              <a:t>, this, &amp;</a:t>
+            </a:r>
+            <a:r>
+              <a:rPr lang="en-IN" dirty="0" err="1">
+                <a:latin typeface="Rockwell" panose="02060603020205020403" pitchFamily="18" charset="0"/>
+              </a:rPr>
+              <a:t>ThisObject</a:t>
+            </a:r>
+            <a:r>
+              <a:rPr lang="en-IN" dirty="0">
+                <a:latin typeface="Rockwell" panose="02060603020205020403" pitchFamily="18" charset="0"/>
+              </a:rPr>
+              <a:t>::</a:t>
+            </a:r>
+            <a:r>
+              <a:rPr lang="en-IN" dirty="0" err="1">
+                <a:latin typeface="Rockwell" panose="02060603020205020403" pitchFamily="18" charset="0"/>
+              </a:rPr>
+              <a:t>mySlot</a:t>
+            </a:r>
+            <a:r>
+              <a:rPr lang="en-IN" dirty="0">
+                <a:latin typeface="Rockwell" panose="02060603020205020403" pitchFamily="18" charset="0"/>
+              </a:rPr>
+              <a:t>));</a:t>
+            </a:r>
+          </a:p>
+          <a:p>
+            <a:r>
+              <a:rPr lang="en-IN" dirty="0">
+                <a:latin typeface="Rockwell" panose="02060603020205020403" pitchFamily="18" charset="0"/>
+              </a:rPr>
+              <a:t>which checks signal and slot during compile time and even does not need the destination being an actual slot.</a:t>
+            </a:r>
+          </a:p>
+          <a:p>
+            <a:r>
+              <a:rPr lang="en-IN" dirty="0">
+                <a:latin typeface="Rockwell" panose="02060603020205020403" pitchFamily="18" charset="0"/>
+              </a:rPr>
+              <a:t>If your signal is overloaded use the following syntax:</a:t>
+            </a:r>
+          </a:p>
+          <a:p>
+            <a:r>
+              <a:rPr lang="en-IN" dirty="0">
+                <a:latin typeface="Rockwell" panose="02060603020205020403" pitchFamily="18" charset="0"/>
+              </a:rPr>
+              <a:t>connect(that, </a:t>
+            </a:r>
+            <a:r>
+              <a:rPr lang="en-IN" dirty="0" err="1">
+                <a:latin typeface="Rockwell" panose="02060603020205020403" pitchFamily="18" charset="0"/>
+              </a:rPr>
+              <a:t>static_cast</a:t>
+            </a:r>
+            <a:r>
+              <a:rPr lang="en-IN" dirty="0">
+                <a:latin typeface="Rockwell" panose="02060603020205020403" pitchFamily="18" charset="0"/>
+              </a:rPr>
+              <a:t>&lt;void (</a:t>
+            </a:r>
+            <a:r>
+              <a:rPr lang="en-IN" dirty="0" err="1">
+                <a:latin typeface="Rockwell" panose="02060603020205020403" pitchFamily="18" charset="0"/>
+              </a:rPr>
+              <a:t>ThatObject</a:t>
+            </a:r>
+            <a:r>
+              <a:rPr lang="en-IN" dirty="0">
+                <a:latin typeface="Rockwell" panose="02060603020205020403" pitchFamily="18" charset="0"/>
+              </a:rPr>
+              <a:t>::*)(int)&gt; &amp;</a:t>
+            </a:r>
+            <a:r>
+              <a:rPr lang="en-IN" dirty="0" err="1">
+                <a:latin typeface="Rockwell" panose="02060603020205020403" pitchFamily="18" charset="0"/>
+              </a:rPr>
+              <a:t>ThatObject</a:t>
+            </a:r>
+            <a:r>
+              <a:rPr lang="en-IN" dirty="0">
+                <a:latin typeface="Rockwell" panose="02060603020205020403" pitchFamily="18" charset="0"/>
+              </a:rPr>
+              <a:t>::</a:t>
+            </a:r>
+            <a:r>
+              <a:rPr lang="en-IN" dirty="0" err="1">
+                <a:latin typeface="Rockwell" panose="02060603020205020403" pitchFamily="18" charset="0"/>
+              </a:rPr>
+              <a:t>mySignal</a:t>
+            </a:r>
+            <a:r>
+              <a:rPr lang="en-IN" dirty="0">
+                <a:latin typeface="Rockwell" panose="02060603020205020403" pitchFamily="18" charset="0"/>
+              </a:rPr>
+              <a:t>), this, &amp;</a:t>
+            </a:r>
+            <a:r>
+              <a:rPr lang="en-IN" dirty="0" err="1">
+                <a:latin typeface="Rockwell" panose="02060603020205020403" pitchFamily="18" charset="0"/>
+              </a:rPr>
+              <a:t>ThisObject</a:t>
+            </a:r>
+            <a:r>
+              <a:rPr lang="en-IN" dirty="0">
+                <a:latin typeface="Rockwell" panose="02060603020205020403" pitchFamily="18" charset="0"/>
+              </a:rPr>
+              <a:t>::</a:t>
+            </a:r>
+            <a:r>
+              <a:rPr lang="en-IN" dirty="0" err="1">
+                <a:latin typeface="Rockwell" panose="02060603020205020403" pitchFamily="18" charset="0"/>
+              </a:rPr>
+              <a:t>mySlot</a:t>
+            </a:r>
+            <a:r>
+              <a:rPr lang="en-IN" dirty="0">
+                <a:latin typeface="Rockwell" panose="02060603020205020403" pitchFamily="18" charset="0"/>
+              </a:rPr>
+              <a:t>); // &lt;Qt5.7</a:t>
+            </a:r>
+          </a:p>
+          <a:p>
+            <a:r>
+              <a:rPr lang="en-IN" dirty="0">
+                <a:latin typeface="Rockwell" panose="02060603020205020403" pitchFamily="18" charset="0"/>
+              </a:rPr>
+              <a:t>connect(that, </a:t>
+            </a:r>
+            <a:r>
+              <a:rPr lang="en-IN" dirty="0" err="1">
+                <a:latin typeface="Rockwell" panose="02060603020205020403" pitchFamily="18" charset="0"/>
+              </a:rPr>
+              <a:t>qOverload</a:t>
+            </a:r>
+            <a:r>
+              <a:rPr lang="en-IN" dirty="0">
+                <a:latin typeface="Rockwell" panose="02060603020205020403" pitchFamily="18" charset="0"/>
+              </a:rPr>
+              <a:t>&lt;int&gt;::of(&amp;</a:t>
+            </a:r>
+            <a:r>
+              <a:rPr lang="en-IN" dirty="0" err="1">
+                <a:latin typeface="Rockwell" panose="02060603020205020403" pitchFamily="18" charset="0"/>
+              </a:rPr>
+              <a:t>ThatObject</a:t>
+            </a:r>
+            <a:r>
+              <a:rPr lang="en-IN" dirty="0">
+                <a:latin typeface="Rockwell" panose="02060603020205020403" pitchFamily="18" charset="0"/>
+              </a:rPr>
+              <a:t>::</a:t>
+            </a:r>
+            <a:r>
+              <a:rPr lang="en-IN" dirty="0" err="1">
+                <a:latin typeface="Rockwell" panose="02060603020205020403" pitchFamily="18" charset="0"/>
+              </a:rPr>
+              <a:t>mySignal</a:t>
+            </a:r>
+            <a:r>
+              <a:rPr lang="en-IN" dirty="0">
+                <a:latin typeface="Rockwell" panose="02060603020205020403" pitchFamily="18" charset="0"/>
+              </a:rPr>
+              <a:t>), this, &amp;</a:t>
+            </a:r>
+            <a:r>
+              <a:rPr lang="en-IN" dirty="0" err="1">
+                <a:latin typeface="Rockwell" panose="02060603020205020403" pitchFamily="18" charset="0"/>
+              </a:rPr>
+              <a:t>ThisObject</a:t>
+            </a:r>
+            <a:r>
+              <a:rPr lang="en-IN" dirty="0">
+                <a:latin typeface="Rockwell" panose="02060603020205020403" pitchFamily="18" charset="0"/>
+              </a:rPr>
+              <a:t>::</a:t>
+            </a:r>
+            <a:r>
+              <a:rPr lang="en-IN" dirty="0" err="1">
+                <a:latin typeface="Rockwell" panose="02060603020205020403" pitchFamily="18" charset="0"/>
+              </a:rPr>
+              <a:t>mySlot</a:t>
+            </a:r>
+            <a:r>
+              <a:rPr lang="en-IN" dirty="0">
+                <a:latin typeface="Rockwell" panose="02060603020205020403" pitchFamily="18" charset="0"/>
+              </a:rPr>
+              <a:t>); // &gt;=Qt5.7 &amp; C++11</a:t>
+            </a:r>
+          </a:p>
+          <a:p>
+            <a:r>
+              <a:rPr lang="en-IN" dirty="0">
+                <a:latin typeface="Rockwell" panose="02060603020205020403" pitchFamily="18" charset="0"/>
+              </a:rPr>
+              <a:t>connect(that, </a:t>
+            </a:r>
+            <a:r>
+              <a:rPr lang="en-IN" dirty="0" err="1">
+                <a:latin typeface="Rockwell" panose="02060603020205020403" pitchFamily="18" charset="0"/>
+              </a:rPr>
+              <a:t>qOverload</a:t>
+            </a:r>
+            <a:r>
+              <a:rPr lang="en-IN" dirty="0">
+                <a:latin typeface="Rockwell" panose="02060603020205020403" pitchFamily="18" charset="0"/>
+              </a:rPr>
+              <a:t>&lt;int&gt;(&amp;</a:t>
+            </a:r>
+            <a:r>
+              <a:rPr lang="en-IN" dirty="0" err="1">
+                <a:latin typeface="Rockwell" panose="02060603020205020403" pitchFamily="18" charset="0"/>
+              </a:rPr>
+              <a:t>ThatObject</a:t>
+            </a:r>
+            <a:r>
+              <a:rPr lang="en-IN" dirty="0">
+                <a:latin typeface="Rockwell" panose="02060603020205020403" pitchFamily="18" charset="0"/>
+              </a:rPr>
+              <a:t>::</a:t>
+            </a:r>
+            <a:r>
+              <a:rPr lang="en-IN" dirty="0" err="1">
+                <a:latin typeface="Rockwell" panose="02060603020205020403" pitchFamily="18" charset="0"/>
+              </a:rPr>
+              <a:t>mySignal</a:t>
+            </a:r>
+            <a:r>
+              <a:rPr lang="en-IN" dirty="0">
+                <a:latin typeface="Rockwell" panose="02060603020205020403" pitchFamily="18" charset="0"/>
+              </a:rPr>
+              <a:t>), this, &amp;</a:t>
+            </a:r>
+            <a:r>
+              <a:rPr lang="en-IN" dirty="0" err="1">
+                <a:latin typeface="Rockwell" panose="02060603020205020403" pitchFamily="18" charset="0"/>
+              </a:rPr>
+              <a:t>ThisObject</a:t>
+            </a:r>
+            <a:r>
+              <a:rPr lang="en-IN" dirty="0">
+                <a:latin typeface="Rockwell" panose="02060603020205020403" pitchFamily="18" charset="0"/>
+              </a:rPr>
+              <a:t>::</a:t>
+            </a:r>
+            <a:r>
+              <a:rPr lang="en-IN" dirty="0" err="1">
+                <a:latin typeface="Rockwell" panose="02060603020205020403" pitchFamily="18" charset="0"/>
+              </a:rPr>
+              <a:t>mySlot</a:t>
+            </a:r>
+            <a:r>
+              <a:rPr lang="en-IN" dirty="0">
+                <a:latin typeface="Rockwell" panose="02060603020205020403" pitchFamily="18" charset="0"/>
+              </a:rPr>
+              <a:t>); // &gt;=Qt5.7 &amp; C++14</a:t>
+            </a:r>
+          </a:p>
+          <a:p>
+            <a:r>
+              <a:rPr lang="en-IN" dirty="0">
+                <a:latin typeface="Rockwell" panose="02060603020205020403" pitchFamily="18" charset="0"/>
+              </a:rPr>
+              <a:t>Also do not mix </a:t>
+            </a:r>
+            <a:r>
+              <a:rPr lang="en-IN" dirty="0" err="1">
+                <a:latin typeface="Rockwell" panose="02060603020205020403" pitchFamily="18" charset="0"/>
+              </a:rPr>
+              <a:t>const</a:t>
+            </a:r>
+            <a:r>
+              <a:rPr lang="en-IN" dirty="0">
+                <a:latin typeface="Rockwell" panose="02060603020205020403" pitchFamily="18" charset="0"/>
+              </a:rPr>
+              <a:t>/non-</a:t>
+            </a:r>
+            <a:r>
+              <a:rPr lang="en-IN" dirty="0" err="1">
+                <a:latin typeface="Rockwell" panose="02060603020205020403" pitchFamily="18" charset="0"/>
+              </a:rPr>
+              <a:t>const</a:t>
+            </a:r>
+            <a:r>
+              <a:rPr lang="en-IN" dirty="0">
+                <a:latin typeface="Rockwell" panose="02060603020205020403" pitchFamily="18" charset="0"/>
+              </a:rPr>
+              <a:t> signals/slots for that syntax (normally signals and slots will be non-</a:t>
+            </a:r>
+            <a:r>
+              <a:rPr lang="en-IN" dirty="0" err="1">
+                <a:latin typeface="Rockwell" panose="02060603020205020403" pitchFamily="18" charset="0"/>
+              </a:rPr>
+              <a:t>const</a:t>
+            </a:r>
+            <a:r>
+              <a:rPr lang="en-IN" dirty="0">
+                <a:latin typeface="Rockwell" panose="02060603020205020403" pitchFamily="18" charset="0"/>
+              </a:rPr>
+              <a:t>).</a:t>
+            </a:r>
+          </a:p>
+        </p:txBody>
+      </p:sp>
+    </p:spTree>
+    <p:extLst>
+      <p:ext uri="{BB962C8B-B14F-4D97-AF65-F5344CB8AC3E}">
+        <p14:creationId xmlns:p14="http://schemas.microsoft.com/office/powerpoint/2010/main" val="1873787322"/>
+      </p:ext>
+    </p:extLst>
+  </p:cSld>
+  <p:clrMapOvr>
+    <a:masterClrMapping/>
+  </p:clrMapOvr>
+</p:sld>
+</file>
+
+<file path=ppt/slides/slide9.xml><?xml version="1.0" encoding="utf-8"?>
+<p:sld xmlns:a="http://schemas.openxmlformats.org/drawingml/2006/main" xmlns:r="http://schemas.openxmlformats.org/officeDocument/2006/relationships" xmlns:p="http://schemas.openxmlformats.org/presentationml/2006/main">
+  <p:cSld>
+    <p:spTree>
+      <p:nvGrpSpPr>
+        <p:cNvPr id="1" name=""/>
+        <p:cNvGrpSpPr/>
+        <p:nvPr/>
+      </p:nvGrpSpPr>
+      <p:grpSpPr>
+        <a:xfrm>
+          <a:off x="0" y="0"/>
+          <a:ext cx="0" cy="0"/>
+          <a:chOff x="0" y="0"/>
+          <a:chExt cx="0" cy="0"/>
+        </a:xfrm>
+      </p:grpSpPr>
+      <p:sp>
+        <p:nvSpPr>
+          <p:cNvPr id="4" name="Rectangle 3">
+            <a:extLst>
+              <a:ext uri="{FF2B5EF4-FFF2-40B4-BE49-F238E27FC236}">
+                <a16:creationId xmlns:a16="http://schemas.microsoft.com/office/drawing/2014/main" id="{F7A50E8C-E7C5-4E70-B959-E6823C11F0F8}"/>
+              </a:ext>
+            </a:extLst>
+          </p:cNvPr>
+          <p:cNvSpPr/>
+          <p:nvPr/>
+        </p:nvSpPr>
+        <p:spPr>
+          <a:xfrm>
+            <a:off x="223706" y="765366"/>
+            <a:ext cx="11744587" cy="4801314"/>
+          </a:xfrm>
+          <a:prstGeom prst="rect">
+            <a:avLst/>
+          </a:prstGeom>
+        </p:spPr>
+        <p:txBody>
+          <a:bodyPr wrap="square">
+            <a:spAutoFit/>
+          </a:bodyPr>
+          <a:lstStyle/>
+          <a:p>
+            <a:r>
+              <a:rPr lang="en-IN" dirty="0">
+                <a:latin typeface="Rockwell" panose="02060603020205020403" pitchFamily="18" charset="0"/>
+              </a:rPr>
+              <a:t>9) Your classes need a Q_OBJECT macro:</a:t>
+            </a:r>
+          </a:p>
+          <a:p>
+            <a:r>
+              <a:rPr lang="en-IN" dirty="0">
+                <a:latin typeface="Rockwell" panose="02060603020205020403" pitchFamily="18" charset="0"/>
+              </a:rPr>
+              <a:t>In classes where you are using "signals" and "slots" specifications you need to add a Q_OBJECT macro like this:</a:t>
+            </a:r>
+          </a:p>
+          <a:p>
+            <a:r>
+              <a:rPr lang="en-IN" dirty="0">
+                <a:latin typeface="Rockwell" panose="02060603020205020403" pitchFamily="18" charset="0"/>
+              </a:rPr>
+              <a:t>class </a:t>
+            </a:r>
+            <a:r>
+              <a:rPr lang="en-IN" dirty="0" err="1">
+                <a:latin typeface="Rockwell" panose="02060603020205020403" pitchFamily="18" charset="0"/>
+              </a:rPr>
+              <a:t>SomeClass</a:t>
+            </a:r>
+            <a:endParaRPr lang="en-IN" dirty="0">
+              <a:latin typeface="Rockwell" panose="02060603020205020403" pitchFamily="18" charset="0"/>
+            </a:endParaRPr>
+          </a:p>
+          <a:p>
+            <a:r>
+              <a:rPr lang="en-IN" dirty="0">
+                <a:latin typeface="Rockwell" panose="02060603020205020403" pitchFamily="18" charset="0"/>
+              </a:rPr>
+              <a:t>{</a:t>
+            </a:r>
+          </a:p>
+          <a:p>
+            <a:r>
+              <a:rPr lang="en-IN" dirty="0">
+                <a:latin typeface="Rockwell" panose="02060603020205020403" pitchFamily="18" charset="0"/>
+              </a:rPr>
+              <a:t>   Q_OBJECT</a:t>
+            </a:r>
+          </a:p>
+          <a:p>
+            <a:r>
+              <a:rPr lang="en-IN" dirty="0">
+                <a:latin typeface="Rockwell" panose="02060603020205020403" pitchFamily="18" charset="0"/>
+              </a:rPr>
+              <a:t>signals:</a:t>
+            </a:r>
+          </a:p>
+          <a:p>
+            <a:r>
+              <a:rPr lang="en-IN" dirty="0">
+                <a:latin typeface="Rockwell" panose="02060603020205020403" pitchFamily="18" charset="0"/>
+              </a:rPr>
+              <a:t>   void </a:t>
+            </a:r>
+            <a:r>
+              <a:rPr lang="en-IN" dirty="0" err="1">
+                <a:latin typeface="Rockwell" panose="02060603020205020403" pitchFamily="18" charset="0"/>
+              </a:rPr>
+              <a:t>MySignal</a:t>
+            </a:r>
+            <a:r>
+              <a:rPr lang="en-IN" dirty="0">
+                <a:latin typeface="Rockwell" panose="02060603020205020403" pitchFamily="18" charset="0"/>
+              </a:rPr>
+              <a:t>(int x);</a:t>
+            </a:r>
+          </a:p>
+          <a:p>
+            <a:r>
+              <a:rPr lang="en-IN" dirty="0">
+                <a:latin typeface="Rockwell" panose="02060603020205020403" pitchFamily="18" charset="0"/>
+              </a:rPr>
+              <a:t>};</a:t>
+            </a:r>
+          </a:p>
+          <a:p>
+            <a:r>
+              <a:rPr lang="en-IN" dirty="0">
+                <a:latin typeface="Rockwell" panose="02060603020205020403" pitchFamily="18" charset="0"/>
+              </a:rPr>
+              <a:t>class </a:t>
+            </a:r>
+            <a:r>
+              <a:rPr lang="en-IN" dirty="0" err="1">
+                <a:latin typeface="Rockwell" panose="02060603020205020403" pitchFamily="18" charset="0"/>
+              </a:rPr>
+              <a:t>SomeMoreClass</a:t>
+            </a:r>
+            <a:endParaRPr lang="en-IN" dirty="0">
+              <a:latin typeface="Rockwell" panose="02060603020205020403" pitchFamily="18" charset="0"/>
+            </a:endParaRPr>
+          </a:p>
+          <a:p>
+            <a:r>
+              <a:rPr lang="en-IN" dirty="0">
+                <a:latin typeface="Rockwell" panose="02060603020205020403" pitchFamily="18" charset="0"/>
+              </a:rPr>
+              <a:t>{</a:t>
+            </a:r>
+          </a:p>
+          <a:p>
+            <a:r>
+              <a:rPr lang="en-IN" dirty="0">
+                <a:latin typeface="Rockwell" panose="02060603020205020403" pitchFamily="18" charset="0"/>
+              </a:rPr>
+              <a:t>   Q_OBJECT</a:t>
+            </a:r>
+          </a:p>
+          <a:p>
+            <a:r>
+              <a:rPr lang="en-IN" dirty="0">
+                <a:latin typeface="Rockwell" panose="02060603020205020403" pitchFamily="18" charset="0"/>
+              </a:rPr>
+              <a:t>public slots:</a:t>
+            </a:r>
+          </a:p>
+          <a:p>
+            <a:r>
+              <a:rPr lang="en-IN" dirty="0">
+                <a:latin typeface="Rockwell" panose="02060603020205020403" pitchFamily="18" charset="0"/>
+              </a:rPr>
+              <a:t>   void </a:t>
+            </a:r>
+            <a:r>
+              <a:rPr lang="en-IN" dirty="0" err="1">
+                <a:latin typeface="Rockwell" panose="02060603020205020403" pitchFamily="18" charset="0"/>
+              </a:rPr>
+              <a:t>MySlot</a:t>
+            </a:r>
+            <a:r>
+              <a:rPr lang="en-IN" dirty="0">
+                <a:latin typeface="Rockwell" panose="02060603020205020403" pitchFamily="18" charset="0"/>
+              </a:rPr>
+              <a:t>(int x);</a:t>
+            </a:r>
+          </a:p>
+          <a:p>
+            <a:r>
+              <a:rPr lang="en-IN" dirty="0">
+                <a:latin typeface="Rockwell" panose="02060603020205020403" pitchFamily="18" charset="0"/>
+              </a:rPr>
+              <a:t>};</a:t>
+            </a:r>
+          </a:p>
+          <a:p>
+            <a:r>
+              <a:rPr lang="en-IN" dirty="0">
+                <a:latin typeface="Rockwell" panose="02060603020205020403" pitchFamily="18" charset="0"/>
+              </a:rPr>
+              <a:t>This macro adds necessary meta information to the class.</a:t>
+            </a:r>
+          </a:p>
+          <a:p>
+            <a:endParaRPr lang="en-IN" dirty="0">
+              <a:latin typeface="Rockwell" panose="02060603020205020403" pitchFamily="18" charset="0"/>
+            </a:endParaRPr>
+          </a:p>
+        </p:txBody>
+      </p:sp>
+    </p:spTree>
+    <p:extLst>
+      <p:ext uri="{BB962C8B-B14F-4D97-AF65-F5344CB8AC3E}">
+        <p14:creationId xmlns:p14="http://schemas.microsoft.com/office/powerpoint/2010/main" val="3327822942"/>
       </p:ext>
     </p:extLst>
   </p:cSld>

--- a/learnings.pptx
+++ b/learnings.pptx
@@ -10,17 +10,16 @@
     <p:sldId id="262" r:id="rId4"/>
     <p:sldId id="263" r:id="rId5"/>
     <p:sldId id="264" r:id="rId6"/>
-    <p:sldId id="265" r:id="rId7"/>
-    <p:sldId id="266" r:id="rId8"/>
-    <p:sldId id="267" r:id="rId9"/>
-    <p:sldId id="268" r:id="rId10"/>
-    <p:sldId id="269" r:id="rId11"/>
-    <p:sldId id="272" r:id="rId12"/>
-    <p:sldId id="273" r:id="rId13"/>
-    <p:sldId id="274" r:id="rId14"/>
-    <p:sldId id="275" r:id="rId15"/>
-    <p:sldId id="276" r:id="rId16"/>
-    <p:sldId id="271" r:id="rId17"/>
+    <p:sldId id="266" r:id="rId7"/>
+    <p:sldId id="267" r:id="rId8"/>
+    <p:sldId id="268" r:id="rId9"/>
+    <p:sldId id="269" r:id="rId10"/>
+    <p:sldId id="272" r:id="rId11"/>
+    <p:sldId id="273" r:id="rId12"/>
+    <p:sldId id="274" r:id="rId13"/>
+    <p:sldId id="275" r:id="rId14"/>
+    <p:sldId id="276" r:id="rId15"/>
+    <p:sldId id="271" r:id="rId16"/>
   </p:sldIdLst>
   <p:sldSz cx="12192000" cy="6858000"/>
   <p:notesSz cx="6858000" cy="9144000"/>
@@ -2474,7 +2473,7 @@
           <a:p>
             <a:fld id="{3C04E684-10F4-4CC3-A0B9-F03AA7BE37CF}" type="datetimeFigureOut">
               <a:rPr lang="en-US" smtClean="0"/>
-              <a:t>6/23/2020</a:t>
+              <a:t>6/24/2020</a:t>
             </a:fld>
             <a:endParaRPr lang="en-US"/>
           </a:p>
@@ -4964,7 +4963,7 @@
           <a:p>
             <a:fld id="{3C04E684-10F4-4CC3-A0B9-F03AA7BE37CF}" type="datetimeFigureOut">
               <a:rPr lang="en-US" smtClean="0"/>
-              <a:t>6/23/2020</a:t>
+              <a:t>6/24/2020</a:t>
             </a:fld>
             <a:endParaRPr lang="en-US"/>
           </a:p>
@@ -5162,7 +5161,7 @@
           <a:p>
             <a:fld id="{3C04E684-10F4-4CC3-A0B9-F03AA7BE37CF}" type="datetimeFigureOut">
               <a:rPr lang="en-US" smtClean="0"/>
-              <a:t>6/23/2020</a:t>
+              <a:t>6/24/2020</a:t>
             </a:fld>
             <a:endParaRPr lang="en-US"/>
           </a:p>
@@ -5370,7 +5369,7 @@
           <a:p>
             <a:fld id="{3C04E684-10F4-4CC3-A0B9-F03AA7BE37CF}" type="datetimeFigureOut">
               <a:rPr lang="en-US" smtClean="0"/>
-              <a:t>6/23/2020</a:t>
+              <a:t>6/24/2020</a:t>
             </a:fld>
             <a:endParaRPr lang="en-US"/>
           </a:p>
@@ -6107,7 +6106,7 @@
           <a:p>
             <a:fld id="{3C04E684-10F4-4CC3-A0B9-F03AA7BE37CF}" type="datetimeFigureOut">
               <a:rPr lang="en-US" smtClean="0"/>
-              <a:t>6/23/2020</a:t>
+              <a:t>6/24/2020</a:t>
             </a:fld>
             <a:endParaRPr lang="en-US"/>
           </a:p>
@@ -6749,7 +6748,7 @@
           <a:p>
             <a:fld id="{3C04E684-10F4-4CC3-A0B9-F03AA7BE37CF}" type="datetimeFigureOut">
               <a:rPr lang="en-US" smtClean="0"/>
-              <a:t>6/23/2020</a:t>
+              <a:t>6/24/2020</a:t>
             </a:fld>
             <a:endParaRPr lang="en-US"/>
           </a:p>
@@ -7549,7 +7548,7 @@
           <a:p>
             <a:fld id="{3C04E684-10F4-4CC3-A0B9-F03AA7BE37CF}" type="datetimeFigureOut">
               <a:rPr lang="en-US" smtClean="0"/>
-              <a:t>6/23/2020</a:t>
+              <a:t>6/24/2020</a:t>
             </a:fld>
             <a:endParaRPr lang="en-US"/>
           </a:p>
@@ -8500,7 +8499,7 @@
           <a:p>
             <a:fld id="{3C04E684-10F4-4CC3-A0B9-F03AA7BE37CF}" type="datetimeFigureOut">
               <a:rPr lang="en-US" smtClean="0"/>
-              <a:t>6/23/2020</a:t>
+              <a:t>6/24/2020</a:t>
             </a:fld>
             <a:endParaRPr lang="en-US"/>
           </a:p>
@@ -10849,7 +10848,7 @@
           <a:p>
             <a:fld id="{3C04E684-10F4-4CC3-A0B9-F03AA7BE37CF}" type="datetimeFigureOut">
               <a:rPr lang="en-US" smtClean="0"/>
-              <a:t>6/23/2020</a:t>
+              <a:t>6/24/2020</a:t>
             </a:fld>
             <a:endParaRPr lang="en-US"/>
           </a:p>
@@ -10962,7 +10961,7 @@
           <a:p>
             <a:fld id="{3C04E684-10F4-4CC3-A0B9-F03AA7BE37CF}" type="datetimeFigureOut">
               <a:rPr lang="en-US" smtClean="0"/>
-              <a:t>6/23/2020</a:t>
+              <a:t>6/24/2020</a:t>
             </a:fld>
             <a:endParaRPr lang="en-US"/>
           </a:p>
@@ -11469,7 +11468,7 @@
           <a:p>
             <a:fld id="{3C04E684-10F4-4CC3-A0B9-F03AA7BE37CF}" type="datetimeFigureOut">
               <a:rPr lang="en-US" smtClean="0"/>
-              <a:t>6/23/2020</a:t>
+              <a:t>6/24/2020</a:t>
             </a:fld>
             <a:endParaRPr lang="en-US"/>
           </a:p>
@@ -12772,7 +12771,7 @@
           <a:p>
             <a:fld id="{3C04E684-10F4-4CC3-A0B9-F03AA7BE37CF}" type="datetimeFigureOut">
               <a:rPr lang="en-US" smtClean="0"/>
-              <a:t>6/23/2020</a:t>
+              <a:t>6/24/2020</a:t>
             </a:fld>
             <a:endParaRPr lang="en-US"/>
           </a:p>
@@ -13019,7 +13018,7 @@
           <a:p>
             <a:fld id="{3C04E684-10F4-4CC3-A0B9-F03AA7BE37CF}" type="datetimeFigureOut">
               <a:rPr lang="en-US" smtClean="0"/>
-              <a:t>6/23/2020</a:t>
+              <a:t>6/24/2020</a:t>
             </a:fld>
             <a:endParaRPr lang="en-US"/>
           </a:p>
@@ -14079,198 +14078,6 @@
           <a:chExt cx="0" cy="0"/>
         </a:xfrm>
       </p:grpSpPr>
-      <p:sp>
-        <p:nvSpPr>
-          <p:cNvPr id="4" name="Rectangle 3">
-            <a:extLst>
-              <a:ext uri="{FF2B5EF4-FFF2-40B4-BE49-F238E27FC236}">
-                <a16:creationId xmlns:a16="http://schemas.microsoft.com/office/drawing/2014/main" id="{FF5C1717-0F60-4846-AE1F-2C67779BC68A}"/>
-              </a:ext>
-            </a:extLst>
-          </p:cNvPr>
-          <p:cNvSpPr/>
-          <p:nvPr/>
-        </p:nvSpPr>
-        <p:spPr>
-          <a:xfrm>
-            <a:off x="159391" y="1443841"/>
-            <a:ext cx="11610363" cy="4524315"/>
-          </a:xfrm>
-          <a:prstGeom prst="rect">
-            <a:avLst/>
-          </a:prstGeom>
-        </p:spPr>
-        <p:txBody>
-          <a:bodyPr wrap="square">
-            <a:spAutoFit/>
-          </a:bodyPr>
-          <a:lstStyle/>
-          <a:p>
-            <a:r>
-              <a:rPr lang="en-IN" dirty="0">
-                <a:latin typeface="Rockwell" panose="02060603020205020403" pitchFamily="18" charset="0"/>
-              </a:rPr>
-              <a:t>10) Your objects must be alive:</a:t>
-            </a:r>
-          </a:p>
-          <a:p>
-            <a:r>
-              <a:rPr lang="en-IN" dirty="0">
-                <a:latin typeface="Rockwell" panose="02060603020205020403" pitchFamily="18" charset="0"/>
-              </a:rPr>
-              <a:t>As soon as either the sender object or the receiver object is destroyed, Qt automatically discards the connection. If the signal isn't emitted: Does the sender object still exist? If the slot isn't called: Does the receiver object still exist?</a:t>
-            </a:r>
-          </a:p>
-          <a:p>
-            <a:r>
-              <a:rPr lang="en-IN" dirty="0">
-                <a:latin typeface="Rockwell" panose="02060603020205020403" pitchFamily="18" charset="0"/>
-              </a:rPr>
-              <a:t>To check the lifetime of both objects use a debugger break point or some </a:t>
-            </a:r>
-            <a:r>
-              <a:rPr lang="en-IN" dirty="0" err="1">
-                <a:latin typeface="Rockwell" panose="02060603020205020403" pitchFamily="18" charset="0"/>
-              </a:rPr>
-              <a:t>qDebug</a:t>
-            </a:r>
-            <a:r>
-              <a:rPr lang="en-IN" dirty="0">
-                <a:latin typeface="Rockwell" panose="02060603020205020403" pitchFamily="18" charset="0"/>
-              </a:rPr>
-              <a:t>() output in the constructors/destructors.</a:t>
-            </a:r>
-          </a:p>
-          <a:p>
-            <a:endParaRPr lang="en-IN" dirty="0">
-              <a:latin typeface="Rockwell" panose="02060603020205020403" pitchFamily="18" charset="0"/>
-            </a:endParaRPr>
-          </a:p>
-          <a:p>
-            <a:r>
-              <a:rPr lang="en-IN" dirty="0">
-                <a:latin typeface="Rockwell" panose="02060603020205020403" pitchFamily="18" charset="0"/>
-              </a:rPr>
-              <a:t>11) It still does not work:</a:t>
-            </a:r>
-          </a:p>
-          <a:p>
-            <a:r>
-              <a:rPr lang="en-IN" dirty="0">
-                <a:latin typeface="Rockwell" panose="02060603020205020403" pitchFamily="18" charset="0"/>
-              </a:rPr>
-              <a:t>To do a very quick and dirty check of your connection emit the signal by your self using some dummy arguments and see if it is called:</a:t>
-            </a:r>
-          </a:p>
-          <a:p>
-            <a:endParaRPr lang="en-IN" dirty="0">
-              <a:latin typeface="Rockwell" panose="02060603020205020403" pitchFamily="18" charset="0"/>
-            </a:endParaRPr>
-          </a:p>
-          <a:p>
-            <a:r>
-              <a:rPr lang="en-IN" dirty="0">
-                <a:latin typeface="Rockwell" panose="02060603020205020403" pitchFamily="18" charset="0"/>
-              </a:rPr>
-              <a:t>connect(that, SIGNAL(</a:t>
-            </a:r>
-            <a:r>
-              <a:rPr lang="en-IN" dirty="0" err="1">
-                <a:latin typeface="Rockwell" panose="02060603020205020403" pitchFamily="18" charset="0"/>
-              </a:rPr>
-              <a:t>mySignal</a:t>
-            </a:r>
-            <a:r>
-              <a:rPr lang="en-IN" dirty="0">
-                <a:latin typeface="Rockwell" panose="02060603020205020403" pitchFamily="18" charset="0"/>
-              </a:rPr>
-              <a:t>(int)), this, SLOT(</a:t>
-            </a:r>
-            <a:r>
-              <a:rPr lang="en-IN" dirty="0" err="1">
-                <a:latin typeface="Rockwell" panose="02060603020205020403" pitchFamily="18" charset="0"/>
-              </a:rPr>
-              <a:t>mySlot</a:t>
-            </a:r>
-            <a:r>
-              <a:rPr lang="en-IN" dirty="0">
-                <a:latin typeface="Rockwell" panose="02060603020205020403" pitchFamily="18" charset="0"/>
-              </a:rPr>
-              <a:t>(int)));</a:t>
-            </a:r>
-          </a:p>
-          <a:p>
-            <a:r>
-              <a:rPr lang="en-IN" dirty="0">
-                <a:latin typeface="Rockwell" panose="02060603020205020403" pitchFamily="18" charset="0"/>
-              </a:rPr>
-              <a:t>emit that-&gt;</a:t>
-            </a:r>
-            <a:r>
-              <a:rPr lang="en-IN" dirty="0" err="1">
-                <a:latin typeface="Rockwell" panose="02060603020205020403" pitchFamily="18" charset="0"/>
-              </a:rPr>
-              <a:t>mySignal</a:t>
-            </a:r>
-            <a:r>
-              <a:rPr lang="en-IN" dirty="0">
-                <a:latin typeface="Rockwell" panose="02060603020205020403" pitchFamily="18" charset="0"/>
-              </a:rPr>
-              <a:t>(0); // Ugly, don't forget to remove it immediately</a:t>
-            </a:r>
-          </a:p>
-          <a:p>
-            <a:r>
-              <a:rPr lang="en-IN" dirty="0">
-                <a:latin typeface="Rockwell" panose="02060603020205020403" pitchFamily="18" charset="0"/>
-              </a:rPr>
-              <a:t>Finally of course it is possible that the signal simply is not emitted. If you followed the above rules, probably something is wrong in your program's logic. Read the documentation. Use the debugger. And if there is now other way, ask at </a:t>
-            </a:r>
-            <a:r>
-              <a:rPr lang="en-IN" dirty="0" err="1">
-                <a:latin typeface="Rockwell" panose="02060603020205020403" pitchFamily="18" charset="0"/>
-              </a:rPr>
-              <a:t>stackoverflow</a:t>
-            </a:r>
-            <a:r>
-              <a:rPr lang="en-IN" dirty="0">
-                <a:latin typeface="Rockwell" panose="02060603020205020403" pitchFamily="18" charset="0"/>
-              </a:rPr>
-              <a:t>.</a:t>
-            </a:r>
-          </a:p>
-        </p:txBody>
-      </p:sp>
-    </p:spTree>
-    <p:extLst>
-      <p:ext uri="{BB962C8B-B14F-4D97-AF65-F5344CB8AC3E}">
-        <p14:creationId xmlns:p14="http://schemas.microsoft.com/office/powerpoint/2010/main" val="2082363713"/>
-      </p:ext>
-    </p:extLst>
-  </p:cSld>
-  <p:clrMapOvr>
-    <a:masterClrMapping/>
-  </p:clrMapOvr>
-</p:sld>
-</file>
-
-<file path=ppt/slides/slide11.xml><?xml version="1.0" encoding="utf-8"?>
-<p:sld xmlns:a="http://schemas.openxmlformats.org/drawingml/2006/main" xmlns:r="http://schemas.openxmlformats.org/officeDocument/2006/relationships" xmlns:p="http://schemas.openxmlformats.org/presentationml/2006/main">
-  <p:cSld>
-    <p:spTree>
-      <p:nvGrpSpPr>
-        <p:cNvPr id="1" name=""/>
-        <p:cNvGrpSpPr/>
-        <p:nvPr/>
-      </p:nvGrpSpPr>
-      <p:grpSpPr>
-        <a:xfrm>
-          <a:off x="0" y="0"/>
-          <a:ext cx="0" cy="0"/>
-          <a:chOff x="0" y="0"/>
-          <a:chExt cx="0" cy="0"/>
-        </a:xfrm>
-      </p:grpSpPr>
       <p:pic>
         <p:nvPicPr>
           <p:cNvPr id="2" name="Picture 1">
@@ -14357,6 +14164,806 @@
 </p:sld>
 </file>
 
+<file path=ppt/slides/slide11.xml><?xml version="1.0" encoding="utf-8"?>
+<p:sld xmlns:a="http://schemas.openxmlformats.org/drawingml/2006/main" xmlns:r="http://schemas.openxmlformats.org/officeDocument/2006/relationships" xmlns:p="http://schemas.openxmlformats.org/presentationml/2006/main">
+  <p:cSld>
+    <p:spTree>
+      <p:nvGrpSpPr>
+        <p:cNvPr id="1" name=""/>
+        <p:cNvGrpSpPr/>
+        <p:nvPr/>
+      </p:nvGrpSpPr>
+      <p:grpSpPr>
+        <a:xfrm>
+          <a:off x="0" y="0"/>
+          <a:ext cx="0" cy="0"/>
+          <a:chOff x="0" y="0"/>
+          <a:chExt cx="0" cy="0"/>
+        </a:xfrm>
+      </p:grpSpPr>
+      <p:sp>
+        <p:nvSpPr>
+          <p:cNvPr id="2" name="Rectangle 1">
+            <a:extLst>
+              <a:ext uri="{FF2B5EF4-FFF2-40B4-BE49-F238E27FC236}">
+                <a16:creationId xmlns:a16="http://schemas.microsoft.com/office/drawing/2014/main" id="{E2EE99ED-ABE2-4428-85F3-7675082CF6E4}"/>
+              </a:ext>
+            </a:extLst>
+          </p:cNvPr>
+          <p:cNvSpPr/>
+          <p:nvPr/>
+        </p:nvSpPr>
+        <p:spPr>
+          <a:xfrm>
+            <a:off x="335560" y="63912"/>
+            <a:ext cx="11434194" cy="5563767"/>
+          </a:xfrm>
+          <a:prstGeom prst="rect">
+            <a:avLst/>
+          </a:prstGeom>
+        </p:spPr>
+        <p:txBody>
+          <a:bodyPr wrap="square">
+            <a:spAutoFit/>
+          </a:bodyPr>
+          <a:lstStyle/>
+          <a:p>
+            <a:pPr>
+              <a:lnSpc>
+                <a:spcPct val="107000"/>
+              </a:lnSpc>
+              <a:spcBef>
+                <a:spcPts val="2250"/>
+              </a:spcBef>
+              <a:spcAft>
+                <a:spcPts val="0"/>
+              </a:spcAft>
+            </a:pPr>
+            <a:r>
+              <a:rPr lang="en-IN" sz="3600" kern="1800" spc="-10" dirty="0">
+                <a:solidFill>
+                  <a:srgbClr val="333333"/>
+                </a:solidFill>
+                <a:latin typeface="Rockwell" panose="02060603020205020403" pitchFamily="18" charset="0"/>
+                <a:ea typeface="Times New Roman" panose="02020603050405020304" pitchFamily="18" charset="0"/>
+                <a:cs typeface="Times New Roman" panose="02020603050405020304" pitchFamily="18" charset="0"/>
+              </a:rPr>
+              <a:t>QML Guidelines:</a:t>
+            </a:r>
+          </a:p>
+          <a:p>
+            <a:pPr>
+              <a:lnSpc>
+                <a:spcPct val="107000"/>
+              </a:lnSpc>
+              <a:spcBef>
+                <a:spcPts val="2250"/>
+              </a:spcBef>
+              <a:spcAft>
+                <a:spcPts val="0"/>
+              </a:spcAft>
+            </a:pPr>
+            <a:endParaRPr lang="en-IN" sz="2000" dirty="0">
+              <a:latin typeface="Rockwell" panose="02060603020205020403" pitchFamily="18" charset="0"/>
+              <a:ea typeface="Calibri" panose="020F0502020204030204" pitchFamily="34" charset="0"/>
+              <a:cs typeface="Times New Roman" panose="02020603050405020304" pitchFamily="18" charset="0"/>
+            </a:endParaRPr>
+          </a:p>
+          <a:p>
+            <a:pPr marL="342900" lvl="0" indent="-342900">
+              <a:lnSpc>
+                <a:spcPct val="107000"/>
+              </a:lnSpc>
+              <a:spcAft>
+                <a:spcPts val="800"/>
+              </a:spcAft>
+              <a:buSzPts val="1000"/>
+              <a:buFont typeface="Wingdings" panose="05000000000000000000" pitchFamily="2" charset="2"/>
+              <a:buChar char="q"/>
+              <a:tabLst>
+                <a:tab pos="457200" algn="l"/>
+              </a:tabLst>
+            </a:pPr>
+            <a:r>
+              <a:rPr lang="en-IN" dirty="0">
+                <a:solidFill>
+                  <a:srgbClr val="404244"/>
+                </a:solidFill>
+                <a:latin typeface="Rockwell" panose="02060603020205020403" pitchFamily="18" charset="0"/>
+                <a:ea typeface="Times New Roman" panose="02020603050405020304" pitchFamily="18" charset="0"/>
+                <a:cs typeface="Times New Roman" panose="02020603050405020304" pitchFamily="18" charset="0"/>
+              </a:rPr>
+              <a:t>Keep binding expressions as simple as possible.</a:t>
+            </a:r>
+            <a:r>
+              <a:rPr lang="en-IN" dirty="0">
+                <a:solidFill>
+                  <a:srgbClr val="172B4D"/>
+                </a:solidFill>
+                <a:latin typeface="Rockwell" panose="02060603020205020403" pitchFamily="18" charset="0"/>
+                <a:ea typeface="Times New Roman" panose="02020603050405020304" pitchFamily="18" charset="0"/>
+                <a:cs typeface="Times New Roman" panose="02020603050405020304" pitchFamily="18" charset="0"/>
+              </a:rPr>
+              <a:t> Avoid updating bound property when it's not necessary (triggering </a:t>
+            </a:r>
+            <a:r>
+              <a:rPr lang="en-IN" dirty="0">
+                <a:solidFill>
+                  <a:srgbClr val="404244"/>
+                </a:solidFill>
+                <a:latin typeface="Rockwell" panose="02060603020205020403" pitchFamily="18" charset="0"/>
+                <a:ea typeface="Times New Roman" panose="02020603050405020304" pitchFamily="18" charset="0"/>
+                <a:cs typeface="Times New Roman" panose="02020603050405020304" pitchFamily="18" charset="0"/>
+              </a:rPr>
+              <a:t>re-evaluation of binding expressions</a:t>
+            </a:r>
+            <a:r>
+              <a:rPr lang="en-IN" dirty="0">
+                <a:solidFill>
+                  <a:srgbClr val="172B4D"/>
+                </a:solidFill>
+                <a:latin typeface="Rockwell" panose="02060603020205020403" pitchFamily="18" charset="0"/>
+                <a:ea typeface="Times New Roman" panose="02020603050405020304" pitchFamily="18" charset="0"/>
+                <a:cs typeface="Times New Roman" panose="02020603050405020304" pitchFamily="18" charset="0"/>
+              </a:rPr>
+              <a:t>). See </a:t>
+            </a:r>
+            <a:r>
+              <a:rPr lang="en-IN" dirty="0">
+                <a:solidFill>
+                  <a:srgbClr val="503C47"/>
+                </a:solidFill>
+                <a:latin typeface="Rockwell" panose="02060603020205020403" pitchFamily="18" charset="0"/>
+                <a:ea typeface="Times New Roman" panose="02020603050405020304" pitchFamily="18" charset="0"/>
+                <a:cs typeface="Times New Roman" panose="02020603050405020304" pitchFamily="18" charset="0"/>
+                <a:hlinkClick r:id="rId2"/>
+              </a:rPr>
+              <a:t>Property bindings</a:t>
+            </a:r>
+            <a:r>
+              <a:rPr lang="en-IN" dirty="0">
+                <a:solidFill>
+                  <a:srgbClr val="172B4D"/>
+                </a:solidFill>
+                <a:latin typeface="Rockwell" panose="02060603020205020403" pitchFamily="18" charset="0"/>
+                <a:ea typeface="Times New Roman" panose="02020603050405020304" pitchFamily="18" charset="0"/>
+                <a:cs typeface="Times New Roman" panose="02020603050405020304" pitchFamily="18" charset="0"/>
+              </a:rPr>
+              <a:t> for more details.</a:t>
+            </a:r>
+            <a:endParaRPr lang="en-IN" sz="2000" dirty="0">
+              <a:latin typeface="Rockwell" panose="02060603020205020403" pitchFamily="18" charset="0"/>
+              <a:ea typeface="Calibri" panose="020F0502020204030204" pitchFamily="34" charset="0"/>
+              <a:cs typeface="Times New Roman" panose="02020603050405020304" pitchFamily="18" charset="0"/>
+            </a:endParaRPr>
+          </a:p>
+          <a:p>
+            <a:pPr marL="342900" lvl="0" indent="-342900">
+              <a:lnSpc>
+                <a:spcPct val="107000"/>
+              </a:lnSpc>
+              <a:spcAft>
+                <a:spcPts val="800"/>
+              </a:spcAft>
+              <a:buSzPts val="1000"/>
+              <a:buFont typeface="Wingdings" panose="05000000000000000000" pitchFamily="2" charset="2"/>
+              <a:buChar char="q"/>
+              <a:tabLst>
+                <a:tab pos="457200" algn="l"/>
+              </a:tabLst>
+            </a:pPr>
+            <a:r>
+              <a:rPr lang="en-IN" dirty="0">
+                <a:solidFill>
+                  <a:srgbClr val="172B4D"/>
+                </a:solidFill>
+                <a:latin typeface="Rockwell" panose="02060603020205020403" pitchFamily="18" charset="0"/>
+                <a:ea typeface="Times New Roman" panose="02020603050405020304" pitchFamily="18" charset="0"/>
+                <a:cs typeface="Times New Roman" panose="02020603050405020304" pitchFamily="18" charset="0"/>
+              </a:rPr>
+              <a:t>Prefer using concrete types instead of var. See </a:t>
+            </a:r>
+            <a:r>
+              <a:rPr lang="en-IN" dirty="0">
+                <a:solidFill>
+                  <a:srgbClr val="503C47"/>
+                </a:solidFill>
+                <a:latin typeface="Rockwell" panose="02060603020205020403" pitchFamily="18" charset="0"/>
+                <a:ea typeface="Times New Roman" panose="02020603050405020304" pitchFamily="18" charset="0"/>
+                <a:cs typeface="Times New Roman" panose="02020603050405020304" pitchFamily="18" charset="0"/>
+                <a:hlinkClick r:id="rId3"/>
+              </a:rPr>
+              <a:t>Using var vs concrete types</a:t>
+            </a:r>
+            <a:r>
+              <a:rPr lang="en-IN" dirty="0">
+                <a:solidFill>
+                  <a:srgbClr val="172B4D"/>
+                </a:solidFill>
+                <a:latin typeface="Rockwell" panose="02060603020205020403" pitchFamily="18" charset="0"/>
+                <a:ea typeface="Times New Roman" panose="02020603050405020304" pitchFamily="18" charset="0"/>
+                <a:cs typeface="Times New Roman" panose="02020603050405020304" pitchFamily="18" charset="0"/>
+              </a:rPr>
+              <a:t> for details.</a:t>
+            </a:r>
+            <a:endParaRPr lang="en-IN" sz="2000" dirty="0">
+              <a:latin typeface="Rockwell" panose="02060603020205020403" pitchFamily="18" charset="0"/>
+              <a:ea typeface="Calibri" panose="020F0502020204030204" pitchFamily="34" charset="0"/>
+              <a:cs typeface="Times New Roman" panose="02020603050405020304" pitchFamily="18" charset="0"/>
+            </a:endParaRPr>
+          </a:p>
+          <a:p>
+            <a:pPr marL="342900" lvl="0" indent="-342900">
+              <a:lnSpc>
+                <a:spcPct val="107000"/>
+              </a:lnSpc>
+              <a:spcAft>
+                <a:spcPts val="800"/>
+              </a:spcAft>
+              <a:buSzPts val="1000"/>
+              <a:buFont typeface="Wingdings" panose="05000000000000000000" pitchFamily="2" charset="2"/>
+              <a:buChar char="q"/>
+              <a:tabLst>
+                <a:tab pos="457200" algn="l"/>
+              </a:tabLst>
+            </a:pPr>
+            <a:r>
+              <a:rPr lang="en-IN" dirty="0">
+                <a:solidFill>
+                  <a:srgbClr val="172B4D"/>
+                </a:solidFill>
+                <a:latin typeface="Rockwell" panose="02060603020205020403" pitchFamily="18" charset="0"/>
+                <a:ea typeface="Times New Roman" panose="02020603050405020304" pitchFamily="18" charset="0"/>
+                <a:cs typeface="Times New Roman" panose="02020603050405020304" pitchFamily="18" charset="0"/>
+              </a:rPr>
+              <a:t>Avoid using massive JavaScript functions in </a:t>
+            </a:r>
+            <a:r>
+              <a:rPr lang="en-IN" dirty="0" err="1">
+                <a:solidFill>
+                  <a:srgbClr val="172B4D"/>
+                </a:solidFill>
+                <a:latin typeface="Rockwell" panose="02060603020205020403" pitchFamily="18" charset="0"/>
+                <a:ea typeface="Times New Roman" panose="02020603050405020304" pitchFamily="18" charset="0"/>
+                <a:cs typeface="Times New Roman" panose="02020603050405020304" pitchFamily="18" charset="0"/>
+              </a:rPr>
+              <a:t>qml</a:t>
+            </a:r>
+            <a:r>
+              <a:rPr lang="en-IN" dirty="0">
+                <a:solidFill>
+                  <a:srgbClr val="172B4D"/>
+                </a:solidFill>
+                <a:latin typeface="Rockwell" panose="02060603020205020403" pitchFamily="18" charset="0"/>
+                <a:ea typeface="Times New Roman" panose="02020603050405020304" pitchFamily="18" charset="0"/>
+                <a:cs typeface="Times New Roman" panose="02020603050405020304" pitchFamily="18" charset="0"/>
+              </a:rPr>
+              <a:t>. See </a:t>
+            </a:r>
+            <a:r>
+              <a:rPr lang="en-IN" dirty="0">
+                <a:solidFill>
+                  <a:srgbClr val="503C47"/>
+                </a:solidFill>
+                <a:latin typeface="Rockwell" panose="02060603020205020403" pitchFamily="18" charset="0"/>
+                <a:ea typeface="Times New Roman" panose="02020603050405020304" pitchFamily="18" charset="0"/>
+                <a:cs typeface="Times New Roman" panose="02020603050405020304" pitchFamily="18" charset="0"/>
+                <a:hlinkClick r:id="rId4"/>
+              </a:rPr>
+              <a:t>JavaScript code</a:t>
+            </a:r>
+            <a:r>
+              <a:rPr lang="en-IN" dirty="0">
+                <a:solidFill>
+                  <a:srgbClr val="172B4D"/>
+                </a:solidFill>
+                <a:latin typeface="Rockwell" panose="02060603020205020403" pitchFamily="18" charset="0"/>
+                <a:ea typeface="Times New Roman" panose="02020603050405020304" pitchFamily="18" charset="0"/>
+                <a:cs typeface="Times New Roman" panose="02020603050405020304" pitchFamily="18" charset="0"/>
+              </a:rPr>
+              <a:t> </a:t>
+            </a:r>
+            <a:r>
+              <a:rPr lang="en-IN" dirty="0" err="1">
+                <a:solidFill>
+                  <a:srgbClr val="172B4D"/>
+                </a:solidFill>
+                <a:latin typeface="Rockwell" panose="02060603020205020403" pitchFamily="18" charset="0"/>
+                <a:ea typeface="Times New Roman" panose="02020603050405020304" pitchFamily="18" charset="0"/>
+                <a:cs typeface="Times New Roman" panose="02020603050405020304" pitchFamily="18" charset="0"/>
+              </a:rPr>
+              <a:t>fro</a:t>
+            </a:r>
+            <a:r>
+              <a:rPr lang="en-IN" dirty="0">
+                <a:solidFill>
+                  <a:srgbClr val="172B4D"/>
+                </a:solidFill>
+                <a:latin typeface="Rockwell" panose="02060603020205020403" pitchFamily="18" charset="0"/>
+                <a:ea typeface="Times New Roman" panose="02020603050405020304" pitchFamily="18" charset="0"/>
+                <a:cs typeface="Times New Roman" panose="02020603050405020304" pitchFamily="18" charset="0"/>
+              </a:rPr>
+              <a:t> details.</a:t>
+            </a:r>
+            <a:endParaRPr lang="en-IN" sz="2000" dirty="0">
+              <a:latin typeface="Rockwell" panose="02060603020205020403" pitchFamily="18" charset="0"/>
+              <a:ea typeface="Calibri" panose="020F0502020204030204" pitchFamily="34" charset="0"/>
+              <a:cs typeface="Times New Roman" panose="02020603050405020304" pitchFamily="18" charset="0"/>
+            </a:endParaRPr>
+          </a:p>
+          <a:p>
+            <a:pPr marL="342900" lvl="0" indent="-342900">
+              <a:lnSpc>
+                <a:spcPct val="107000"/>
+              </a:lnSpc>
+              <a:spcAft>
+                <a:spcPts val="800"/>
+              </a:spcAft>
+              <a:buSzPts val="1000"/>
+              <a:buFont typeface="Wingdings" panose="05000000000000000000" pitchFamily="2" charset="2"/>
+              <a:buChar char="q"/>
+              <a:tabLst>
+                <a:tab pos="457200" algn="l"/>
+              </a:tabLst>
+            </a:pPr>
+            <a:r>
+              <a:rPr lang="en-IN" dirty="0">
+                <a:solidFill>
+                  <a:srgbClr val="172B4D"/>
+                </a:solidFill>
+                <a:latin typeface="Rockwell" panose="02060603020205020403" pitchFamily="18" charset="0"/>
+                <a:ea typeface="Times New Roman" panose="02020603050405020304" pitchFamily="18" charset="0"/>
+                <a:cs typeface="Times New Roman" panose="02020603050405020304" pitchFamily="18" charset="0"/>
+              </a:rPr>
+              <a:t>Prefer using simple Row, Column types instead if </a:t>
+            </a:r>
+            <a:r>
+              <a:rPr lang="en-IN" dirty="0" err="1">
+                <a:solidFill>
+                  <a:srgbClr val="172B4D"/>
+                </a:solidFill>
+                <a:latin typeface="Rockwell" panose="02060603020205020403" pitchFamily="18" charset="0"/>
+                <a:ea typeface="Times New Roman" panose="02020603050405020304" pitchFamily="18" charset="0"/>
+                <a:cs typeface="Times New Roman" panose="02020603050405020304" pitchFamily="18" charset="0"/>
+              </a:rPr>
+              <a:t>RowLayout</a:t>
+            </a:r>
+            <a:r>
+              <a:rPr lang="en-IN" dirty="0">
+                <a:solidFill>
+                  <a:srgbClr val="172B4D"/>
+                </a:solidFill>
+                <a:latin typeface="Rockwell" panose="02060603020205020403" pitchFamily="18" charset="0"/>
+                <a:ea typeface="Times New Roman" panose="02020603050405020304" pitchFamily="18" charset="0"/>
+                <a:cs typeface="Times New Roman" panose="02020603050405020304" pitchFamily="18" charset="0"/>
+              </a:rPr>
+              <a:t>, </a:t>
+            </a:r>
+            <a:r>
+              <a:rPr lang="en-IN" dirty="0" err="1">
+                <a:solidFill>
+                  <a:srgbClr val="172B4D"/>
+                </a:solidFill>
+                <a:latin typeface="Rockwell" panose="02060603020205020403" pitchFamily="18" charset="0"/>
+                <a:ea typeface="Times New Roman" panose="02020603050405020304" pitchFamily="18" charset="0"/>
+                <a:cs typeface="Times New Roman" panose="02020603050405020304" pitchFamily="18" charset="0"/>
+              </a:rPr>
+              <a:t>ColumLayout</a:t>
+            </a:r>
+            <a:r>
+              <a:rPr lang="en-IN" dirty="0">
+                <a:solidFill>
+                  <a:srgbClr val="172B4D"/>
+                </a:solidFill>
+                <a:latin typeface="Rockwell" panose="02060603020205020403" pitchFamily="18" charset="0"/>
+                <a:ea typeface="Times New Roman" panose="02020603050405020304" pitchFamily="18" charset="0"/>
+                <a:cs typeface="Times New Roman" panose="02020603050405020304" pitchFamily="18" charset="0"/>
+              </a:rPr>
+              <a:t>. If usage of Layout type is unavoidable read </a:t>
+            </a:r>
+            <a:r>
+              <a:rPr lang="en-IN" dirty="0">
+                <a:solidFill>
+                  <a:srgbClr val="503C47"/>
+                </a:solidFill>
+                <a:latin typeface="Rockwell" panose="02060603020205020403" pitchFamily="18" charset="0"/>
+                <a:ea typeface="Times New Roman" panose="02020603050405020304" pitchFamily="18" charset="0"/>
+                <a:cs typeface="Times New Roman" panose="02020603050405020304" pitchFamily="18" charset="0"/>
+                <a:hlinkClick r:id="rId5"/>
+              </a:rPr>
+              <a:t>Layouts</a:t>
+            </a:r>
+            <a:r>
+              <a:rPr lang="en-IN" dirty="0">
+                <a:solidFill>
+                  <a:srgbClr val="172B4D"/>
+                </a:solidFill>
+                <a:latin typeface="Rockwell" panose="02060603020205020403" pitchFamily="18" charset="0"/>
+                <a:ea typeface="Times New Roman" panose="02020603050405020304" pitchFamily="18" charset="0"/>
+                <a:cs typeface="Times New Roman" panose="02020603050405020304" pitchFamily="18" charset="0"/>
+              </a:rPr>
+              <a:t> and </a:t>
+            </a:r>
+            <a:r>
+              <a:rPr lang="en-IN" dirty="0">
+                <a:solidFill>
+                  <a:srgbClr val="503C47"/>
+                </a:solidFill>
+                <a:latin typeface="Rockwell" panose="02060603020205020403" pitchFamily="18" charset="0"/>
+                <a:ea typeface="Times New Roman" panose="02020603050405020304" pitchFamily="18" charset="0"/>
+                <a:cs typeface="Times New Roman" panose="02020603050405020304" pitchFamily="18" charset="0"/>
+                <a:hlinkClick r:id="rId6"/>
+              </a:rPr>
+              <a:t>Qt Quick Layouts overview</a:t>
+            </a:r>
+            <a:endParaRPr lang="en-IN" sz="2000" dirty="0">
+              <a:latin typeface="Rockwell" panose="02060603020205020403" pitchFamily="18" charset="0"/>
+              <a:ea typeface="Calibri" panose="020F0502020204030204" pitchFamily="34" charset="0"/>
+              <a:cs typeface="Times New Roman" panose="02020603050405020304" pitchFamily="18" charset="0"/>
+            </a:endParaRPr>
+          </a:p>
+          <a:p>
+            <a:pPr marL="342900" lvl="0" indent="-342900">
+              <a:lnSpc>
+                <a:spcPct val="107000"/>
+              </a:lnSpc>
+              <a:spcAft>
+                <a:spcPts val="800"/>
+              </a:spcAft>
+              <a:buSzPts val="1000"/>
+              <a:buFont typeface="Wingdings" panose="05000000000000000000" pitchFamily="2" charset="2"/>
+              <a:buChar char="q"/>
+              <a:tabLst>
+                <a:tab pos="457200" algn="l"/>
+              </a:tabLst>
+            </a:pPr>
+            <a:r>
+              <a:rPr lang="en-IN" dirty="0">
+                <a:solidFill>
+                  <a:srgbClr val="172B4D"/>
+                </a:solidFill>
+                <a:latin typeface="Rockwell" panose="02060603020205020403" pitchFamily="18" charset="0"/>
+                <a:ea typeface="Times New Roman" panose="02020603050405020304" pitchFamily="18" charset="0"/>
+                <a:cs typeface="Times New Roman" panose="02020603050405020304" pitchFamily="18" charset="0"/>
+              </a:rPr>
+              <a:t>Use Loader for lazy instantiation. See </a:t>
+            </a:r>
+            <a:r>
+              <a:rPr lang="en-IN" dirty="0">
+                <a:solidFill>
+                  <a:srgbClr val="503C47"/>
+                </a:solidFill>
+                <a:latin typeface="Rockwell" panose="02060603020205020403" pitchFamily="18" charset="0"/>
+                <a:ea typeface="Times New Roman" panose="02020603050405020304" pitchFamily="18" charset="0"/>
+                <a:cs typeface="Times New Roman" panose="02020603050405020304" pitchFamily="18" charset="0"/>
+                <a:hlinkClick r:id="rId7"/>
+              </a:rPr>
+              <a:t>Loader</a:t>
+            </a:r>
+            <a:r>
+              <a:rPr lang="en-IN" dirty="0">
+                <a:solidFill>
+                  <a:srgbClr val="172B4D"/>
+                </a:solidFill>
+                <a:latin typeface="Rockwell" panose="02060603020205020403" pitchFamily="18" charset="0"/>
+                <a:ea typeface="Times New Roman" panose="02020603050405020304" pitchFamily="18" charset="0"/>
+                <a:cs typeface="Times New Roman" panose="02020603050405020304" pitchFamily="18" charset="0"/>
+              </a:rPr>
+              <a:t> for details.</a:t>
+            </a:r>
+            <a:endParaRPr lang="en-IN" sz="2000" dirty="0">
+              <a:latin typeface="Rockwell" panose="02060603020205020403" pitchFamily="18" charset="0"/>
+              <a:ea typeface="Calibri" panose="020F0502020204030204" pitchFamily="34" charset="0"/>
+              <a:cs typeface="Times New Roman" panose="02020603050405020304" pitchFamily="18" charset="0"/>
+            </a:endParaRPr>
+          </a:p>
+          <a:p>
+            <a:pPr marL="342900" lvl="0" indent="-342900">
+              <a:lnSpc>
+                <a:spcPct val="107000"/>
+              </a:lnSpc>
+              <a:spcAft>
+                <a:spcPts val="800"/>
+              </a:spcAft>
+              <a:buSzPts val="1000"/>
+              <a:buFont typeface="Wingdings" panose="05000000000000000000" pitchFamily="2" charset="2"/>
+              <a:buChar char="q"/>
+              <a:tabLst>
+                <a:tab pos="457200" algn="l"/>
+              </a:tabLst>
+            </a:pPr>
+            <a:r>
+              <a:rPr lang="en-IN" dirty="0">
+                <a:solidFill>
+                  <a:srgbClr val="172B4D"/>
+                </a:solidFill>
+                <a:latin typeface="Rockwell" panose="02060603020205020403" pitchFamily="18" charset="0"/>
+                <a:ea typeface="Times New Roman" panose="02020603050405020304" pitchFamily="18" charset="0"/>
+                <a:cs typeface="Times New Roman" panose="02020603050405020304" pitchFamily="18" charset="0"/>
+              </a:rPr>
+              <a:t>Almost all </a:t>
+            </a:r>
+            <a:r>
+              <a:rPr lang="en-IN" dirty="0" err="1">
+                <a:solidFill>
+                  <a:srgbClr val="172B4D"/>
+                </a:solidFill>
+                <a:latin typeface="Rockwell" panose="02060603020205020403" pitchFamily="18" charset="0"/>
+                <a:ea typeface="Times New Roman" panose="02020603050405020304" pitchFamily="18" charset="0"/>
+                <a:cs typeface="Times New Roman" panose="02020603050405020304" pitchFamily="18" charset="0"/>
+              </a:rPr>
+              <a:t>qml</a:t>
+            </a:r>
+            <a:r>
+              <a:rPr lang="en-IN" dirty="0">
+                <a:solidFill>
+                  <a:srgbClr val="172B4D"/>
+                </a:solidFill>
+                <a:latin typeface="Rockwell" panose="02060603020205020403" pitchFamily="18" charset="0"/>
+                <a:ea typeface="Times New Roman" panose="02020603050405020304" pitchFamily="18" charset="0"/>
+                <a:cs typeface="Times New Roman" panose="02020603050405020304" pitchFamily="18" charset="0"/>
+              </a:rPr>
+              <a:t> views should have data models. See </a:t>
+            </a:r>
+            <a:r>
+              <a:rPr lang="en-IN" dirty="0">
+                <a:solidFill>
+                  <a:srgbClr val="503C47"/>
+                </a:solidFill>
+                <a:latin typeface="Rockwell" panose="02060603020205020403" pitchFamily="18" charset="0"/>
+                <a:ea typeface="Times New Roman" panose="02020603050405020304" pitchFamily="18" charset="0"/>
+                <a:cs typeface="Times New Roman" panose="02020603050405020304" pitchFamily="18" charset="0"/>
+                <a:hlinkClick r:id="rId8"/>
+              </a:rPr>
+              <a:t>Data Models</a:t>
+            </a:r>
+            <a:r>
+              <a:rPr lang="en-IN" dirty="0">
+                <a:solidFill>
+                  <a:srgbClr val="172B4D"/>
+                </a:solidFill>
+                <a:latin typeface="Rockwell" panose="02060603020205020403" pitchFamily="18" charset="0"/>
+                <a:ea typeface="Times New Roman" panose="02020603050405020304" pitchFamily="18" charset="0"/>
+                <a:cs typeface="Times New Roman" panose="02020603050405020304" pitchFamily="18" charset="0"/>
+              </a:rPr>
+              <a:t>, </a:t>
+            </a:r>
+            <a:r>
+              <a:rPr lang="en-IN" dirty="0" err="1">
+                <a:solidFill>
+                  <a:srgbClr val="503C47"/>
+                </a:solidFill>
+                <a:latin typeface="Rockwell" panose="02060603020205020403" pitchFamily="18" charset="0"/>
+                <a:ea typeface="Times New Roman" panose="02020603050405020304" pitchFamily="18" charset="0"/>
+                <a:cs typeface="Times New Roman" panose="02020603050405020304" pitchFamily="18" charset="0"/>
+                <a:hlinkClick r:id="rId9"/>
+              </a:rPr>
+              <a:t>QAbstractItemModel</a:t>
+            </a:r>
+            <a:r>
+              <a:rPr lang="en-IN" dirty="0">
+                <a:solidFill>
+                  <a:srgbClr val="503C47"/>
+                </a:solidFill>
+                <a:latin typeface="Rockwell" panose="02060603020205020403" pitchFamily="18" charset="0"/>
+                <a:ea typeface="Times New Roman" panose="02020603050405020304" pitchFamily="18" charset="0"/>
+                <a:cs typeface="Times New Roman" panose="02020603050405020304" pitchFamily="18" charset="0"/>
+                <a:hlinkClick r:id="rId9"/>
+              </a:rPr>
+              <a:t> subclass</a:t>
+            </a:r>
+            <a:r>
+              <a:rPr lang="en-IN" dirty="0">
+                <a:solidFill>
+                  <a:srgbClr val="172B4D"/>
+                </a:solidFill>
+                <a:latin typeface="Rockwell" panose="02060603020205020403" pitchFamily="18" charset="0"/>
+                <a:ea typeface="Times New Roman" panose="02020603050405020304" pitchFamily="18" charset="0"/>
+                <a:cs typeface="Times New Roman" panose="02020603050405020304" pitchFamily="18" charset="0"/>
+              </a:rPr>
+              <a:t> and </a:t>
+            </a:r>
+            <a:r>
+              <a:rPr lang="en-IN" dirty="0" err="1">
+                <a:solidFill>
+                  <a:srgbClr val="503C47"/>
+                </a:solidFill>
+                <a:latin typeface="Rockwell" panose="02060603020205020403" pitchFamily="18" charset="0"/>
+                <a:ea typeface="Times New Roman" panose="02020603050405020304" pitchFamily="18" charset="0"/>
+                <a:cs typeface="Times New Roman" panose="02020603050405020304" pitchFamily="18" charset="0"/>
+                <a:hlinkClick r:id="rId10"/>
+              </a:rPr>
+              <a:t>qml</a:t>
+            </a:r>
+            <a:r>
+              <a:rPr lang="en-IN" dirty="0">
+                <a:solidFill>
+                  <a:srgbClr val="503C47"/>
+                </a:solidFill>
+                <a:latin typeface="Rockwell" panose="02060603020205020403" pitchFamily="18" charset="0"/>
+                <a:ea typeface="Times New Roman" panose="02020603050405020304" pitchFamily="18" charset="0"/>
+                <a:cs typeface="Times New Roman" panose="02020603050405020304" pitchFamily="18" charset="0"/>
+                <a:hlinkClick r:id="rId10"/>
+              </a:rPr>
+              <a:t> </a:t>
+            </a:r>
+            <a:r>
+              <a:rPr lang="en-IN" dirty="0" err="1">
+                <a:solidFill>
+                  <a:srgbClr val="503C47"/>
+                </a:solidFill>
+                <a:latin typeface="Rockwell" panose="02060603020205020403" pitchFamily="18" charset="0"/>
+                <a:ea typeface="Times New Roman" panose="02020603050405020304" pitchFamily="18" charset="0"/>
+                <a:cs typeface="Times New Roman" panose="02020603050405020304" pitchFamily="18" charset="0"/>
+                <a:hlinkClick r:id="rId10"/>
+              </a:rPr>
+              <a:t>ListModel</a:t>
+            </a:r>
+            <a:endParaRPr lang="en-IN" sz="2000" dirty="0">
+              <a:latin typeface="Rockwell" panose="02060603020205020403" pitchFamily="18" charset="0"/>
+              <a:ea typeface="Calibri" panose="020F0502020204030204" pitchFamily="34" charset="0"/>
+              <a:cs typeface="Times New Roman" panose="02020603050405020304" pitchFamily="18" charset="0"/>
+            </a:endParaRPr>
+          </a:p>
+          <a:p>
+            <a:pPr marL="342900" lvl="0" indent="-342900">
+              <a:lnSpc>
+                <a:spcPct val="107000"/>
+              </a:lnSpc>
+              <a:spcAft>
+                <a:spcPts val="800"/>
+              </a:spcAft>
+              <a:buSzPts val="1000"/>
+              <a:buFont typeface="Wingdings" panose="05000000000000000000" pitchFamily="2" charset="2"/>
+              <a:buChar char="q"/>
+              <a:tabLst>
+                <a:tab pos="457200" algn="l"/>
+              </a:tabLst>
+            </a:pPr>
+            <a:r>
+              <a:rPr lang="en-IN" dirty="0">
+                <a:solidFill>
+                  <a:srgbClr val="172B4D"/>
+                </a:solidFill>
+                <a:latin typeface="Rockwell" panose="02060603020205020403" pitchFamily="18" charset="0"/>
+                <a:ea typeface="Times New Roman" panose="02020603050405020304" pitchFamily="18" charset="0"/>
+                <a:cs typeface="Times New Roman" panose="02020603050405020304" pitchFamily="18" charset="0"/>
+              </a:rPr>
+              <a:t>Don't use </a:t>
+            </a:r>
+            <a:r>
+              <a:rPr lang="en-IN" dirty="0" err="1">
+                <a:solidFill>
+                  <a:srgbClr val="503C47"/>
+                </a:solidFill>
+                <a:latin typeface="Rockwell" panose="02060603020205020403" pitchFamily="18" charset="0"/>
+                <a:ea typeface="Times New Roman" panose="02020603050405020304" pitchFamily="18" charset="0"/>
+                <a:cs typeface="Times New Roman" panose="02020603050405020304" pitchFamily="18" charset="0"/>
+                <a:hlinkClick r:id="rId11"/>
+              </a:rPr>
+              <a:t>Qt.createComponent</a:t>
+            </a:r>
+            <a:r>
+              <a:rPr lang="en-IN" dirty="0">
+                <a:solidFill>
+                  <a:srgbClr val="503C47"/>
+                </a:solidFill>
+                <a:latin typeface="Rockwell" panose="02060603020205020403" pitchFamily="18" charset="0"/>
+                <a:ea typeface="Times New Roman" panose="02020603050405020304" pitchFamily="18" charset="0"/>
+                <a:cs typeface="Times New Roman" panose="02020603050405020304" pitchFamily="18" charset="0"/>
+                <a:hlinkClick r:id="rId11"/>
+              </a:rPr>
+              <a:t>()</a:t>
+            </a:r>
+            <a:r>
+              <a:rPr lang="en-IN" dirty="0">
+                <a:solidFill>
+                  <a:srgbClr val="172B4D"/>
+                </a:solidFill>
+                <a:latin typeface="Rockwell" panose="02060603020205020403" pitchFamily="18" charset="0"/>
+                <a:ea typeface="Times New Roman" panose="02020603050405020304" pitchFamily="18" charset="0"/>
+                <a:cs typeface="Times New Roman" panose="02020603050405020304" pitchFamily="18" charset="0"/>
+              </a:rPr>
+              <a:t> and </a:t>
+            </a:r>
+            <a:r>
+              <a:rPr lang="en-IN" dirty="0" err="1">
+                <a:solidFill>
+                  <a:srgbClr val="503C47"/>
+                </a:solidFill>
+                <a:latin typeface="Rockwell" panose="02060603020205020403" pitchFamily="18" charset="0"/>
+                <a:ea typeface="Times New Roman" panose="02020603050405020304" pitchFamily="18" charset="0"/>
+                <a:cs typeface="Times New Roman" panose="02020603050405020304" pitchFamily="18" charset="0"/>
+                <a:hlinkClick r:id="rId12"/>
+              </a:rPr>
+              <a:t>Qt.createQmlObject</a:t>
+            </a:r>
+            <a:r>
+              <a:rPr lang="en-IN" dirty="0">
+                <a:solidFill>
+                  <a:srgbClr val="503C47"/>
+                </a:solidFill>
+                <a:latin typeface="Rockwell" panose="02060603020205020403" pitchFamily="18" charset="0"/>
+                <a:ea typeface="Times New Roman" panose="02020603050405020304" pitchFamily="18" charset="0"/>
+                <a:cs typeface="Times New Roman" panose="02020603050405020304" pitchFamily="18" charset="0"/>
+                <a:hlinkClick r:id="rId12"/>
+              </a:rPr>
+              <a:t>()</a:t>
+            </a:r>
+            <a:r>
+              <a:rPr lang="en-IN" dirty="0">
+                <a:solidFill>
+                  <a:srgbClr val="172B4D"/>
+                </a:solidFill>
+                <a:latin typeface="Rockwell" panose="02060603020205020403" pitchFamily="18" charset="0"/>
+                <a:ea typeface="Times New Roman" panose="02020603050405020304" pitchFamily="18" charset="0"/>
+                <a:cs typeface="Times New Roman" panose="02020603050405020304" pitchFamily="18" charset="0"/>
+              </a:rPr>
+              <a:t>. Everything that is described here: </a:t>
+            </a:r>
+            <a:r>
+              <a:rPr lang="en-IN" dirty="0">
+                <a:solidFill>
+                  <a:srgbClr val="503C47"/>
+                </a:solidFill>
+                <a:latin typeface="Rockwell" panose="02060603020205020403" pitchFamily="18" charset="0"/>
+                <a:ea typeface="Times New Roman" panose="02020603050405020304" pitchFamily="18" charset="0"/>
+                <a:cs typeface="Times New Roman" panose="02020603050405020304" pitchFamily="18" charset="0"/>
+                <a:hlinkClick r:id="rId13"/>
+              </a:rPr>
+              <a:t>Dynamic object creation</a:t>
+            </a:r>
+            <a:r>
+              <a:rPr lang="en-IN" dirty="0">
+                <a:solidFill>
+                  <a:srgbClr val="172B4D"/>
+                </a:solidFill>
+                <a:latin typeface="Rockwell" panose="02060603020205020403" pitchFamily="18" charset="0"/>
+                <a:ea typeface="Times New Roman" panose="02020603050405020304" pitchFamily="18" charset="0"/>
+                <a:cs typeface="Times New Roman" panose="02020603050405020304" pitchFamily="18" charset="0"/>
+              </a:rPr>
+              <a:t> should be avoided.</a:t>
+            </a:r>
+          </a:p>
+          <a:p>
+            <a:pPr>
+              <a:lnSpc>
+                <a:spcPct val="107000"/>
+              </a:lnSpc>
+              <a:spcAft>
+                <a:spcPts val="800"/>
+              </a:spcAft>
+            </a:pPr>
+            <a:r>
+              <a:rPr lang="en-IN" sz="2000" dirty="0">
+                <a:latin typeface="Rockwell" panose="02060603020205020403" pitchFamily="18" charset="0"/>
+                <a:ea typeface="Calibri" panose="020F0502020204030204" pitchFamily="34" charset="0"/>
+                <a:cs typeface="Times New Roman" panose="02020603050405020304" pitchFamily="18" charset="0"/>
+              </a:rPr>
+              <a:t> </a:t>
+            </a:r>
+            <a:endParaRPr lang="en-IN" sz="2000" dirty="0">
+              <a:effectLst/>
+              <a:latin typeface="Rockwell" panose="02060603020205020403" pitchFamily="18" charset="0"/>
+              <a:ea typeface="Calibri" panose="020F0502020204030204" pitchFamily="34" charset="0"/>
+              <a:cs typeface="Times New Roman" panose="02020603050405020304" pitchFamily="18" charset="0"/>
+            </a:endParaRPr>
+          </a:p>
+        </p:txBody>
+      </p:sp>
+    </p:spTree>
+    <p:extLst>
+      <p:ext uri="{BB962C8B-B14F-4D97-AF65-F5344CB8AC3E}">
+        <p14:creationId xmlns:p14="http://schemas.microsoft.com/office/powerpoint/2010/main" val="1235774754"/>
+      </p:ext>
+    </p:extLst>
+  </p:cSld>
+  <p:clrMapOvr>
+    <a:masterClrMapping/>
+  </p:clrMapOvr>
+</p:sld>
+</file>
+
 <file path=ppt/slides/slide12.xml><?xml version="1.0" encoding="utf-8"?>
 <p:sld xmlns:a="http://schemas.openxmlformats.org/drawingml/2006/main" xmlns:r="http://schemas.openxmlformats.org/officeDocument/2006/relationships" xmlns:p="http://schemas.openxmlformats.org/presentationml/2006/main">
   <p:cSld>
@@ -14374,10 +14981,508 @@
           <a:chExt cx="0" cy="0"/>
         </a:xfrm>
       </p:grpSpPr>
+      <p:sp>
+        <p:nvSpPr>
+          <p:cNvPr id="2" name="Rectangle 1">
+            <a:extLst>
+              <a:ext uri="{FF2B5EF4-FFF2-40B4-BE49-F238E27FC236}">
+                <a16:creationId xmlns:a16="http://schemas.microsoft.com/office/drawing/2014/main" id="{9AF73E2D-028F-4561-BF89-CFA8377C78AE}"/>
+              </a:ext>
+            </a:extLst>
+          </p:cNvPr>
+          <p:cNvSpPr/>
+          <p:nvPr/>
+        </p:nvSpPr>
+        <p:spPr>
+          <a:xfrm>
+            <a:off x="657137" y="1063474"/>
+            <a:ext cx="10936447" cy="5382756"/>
+          </a:xfrm>
+          <a:prstGeom prst="rect">
+            <a:avLst/>
+          </a:prstGeom>
+        </p:spPr>
+        <p:txBody>
+          <a:bodyPr wrap="square">
+            <a:spAutoFit/>
+          </a:bodyPr>
+          <a:lstStyle/>
+          <a:p>
+            <a:pPr marL="342900" lvl="0" indent="-342900">
+              <a:lnSpc>
+                <a:spcPct val="107000"/>
+              </a:lnSpc>
+              <a:spcAft>
+                <a:spcPts val="800"/>
+              </a:spcAft>
+              <a:buSzPts val="1000"/>
+              <a:buFont typeface="Wingdings" panose="05000000000000000000" pitchFamily="2" charset="2"/>
+              <a:buChar char=""/>
+              <a:tabLst>
+                <a:tab pos="457200" algn="l"/>
+              </a:tabLst>
+            </a:pPr>
+            <a:endParaRPr lang="en-IN" sz="2000" dirty="0">
+              <a:latin typeface="Rockwell" panose="02060603020205020403" pitchFamily="18" charset="0"/>
+              <a:ea typeface="Calibri" panose="020F0502020204030204" pitchFamily="34" charset="0"/>
+              <a:cs typeface="Times New Roman" panose="02020603050405020304" pitchFamily="18" charset="0"/>
+            </a:endParaRPr>
+          </a:p>
+          <a:p>
+            <a:pPr marL="342900" lvl="0" indent="-342900">
+              <a:lnSpc>
+                <a:spcPct val="107000"/>
+              </a:lnSpc>
+              <a:spcAft>
+                <a:spcPts val="800"/>
+              </a:spcAft>
+              <a:buSzPts val="1000"/>
+              <a:buFont typeface="Wingdings" panose="05000000000000000000" pitchFamily="2" charset="2"/>
+              <a:buChar char="q"/>
+              <a:tabLst>
+                <a:tab pos="457200" algn="l"/>
+              </a:tabLst>
+            </a:pPr>
+            <a:r>
+              <a:rPr lang="en-IN" dirty="0">
+                <a:solidFill>
+                  <a:srgbClr val="172B4D"/>
+                </a:solidFill>
+                <a:latin typeface="Rockwell" panose="02060603020205020403" pitchFamily="18" charset="0"/>
+                <a:ea typeface="Times New Roman" panose="02020603050405020304" pitchFamily="18" charset="0"/>
+                <a:cs typeface="Times New Roman" panose="02020603050405020304" pitchFamily="18" charset="0"/>
+              </a:rPr>
+              <a:t>Keep QML object attributes in the same order: </a:t>
+            </a:r>
+            <a:r>
+              <a:rPr lang="en-IN" dirty="0">
+                <a:solidFill>
+                  <a:srgbClr val="503C47"/>
+                </a:solidFill>
+                <a:latin typeface="Rockwell" panose="02060603020205020403" pitchFamily="18" charset="0"/>
+                <a:ea typeface="Times New Roman" panose="02020603050405020304" pitchFamily="18" charset="0"/>
+                <a:cs typeface="Times New Roman" panose="02020603050405020304" pitchFamily="18" charset="0"/>
+                <a:hlinkClick r:id="rId2"/>
+              </a:rPr>
+              <a:t>https://doc.qt.io/qt-5.11/qml-codingconventions.html#qml-object-declarations</a:t>
+            </a:r>
+            <a:endParaRPr lang="en-IN" sz="2000" dirty="0">
+              <a:latin typeface="Rockwell" panose="02060603020205020403" pitchFamily="18" charset="0"/>
+              <a:ea typeface="Calibri" panose="020F0502020204030204" pitchFamily="34" charset="0"/>
+              <a:cs typeface="Times New Roman" panose="02020603050405020304" pitchFamily="18" charset="0"/>
+            </a:endParaRPr>
+          </a:p>
+          <a:p>
+            <a:pPr marL="342900" lvl="0" indent="-342900">
+              <a:lnSpc>
+                <a:spcPct val="107000"/>
+              </a:lnSpc>
+              <a:spcAft>
+                <a:spcPts val="800"/>
+              </a:spcAft>
+              <a:buSzPts val="1000"/>
+              <a:buFont typeface="Wingdings" panose="05000000000000000000" pitchFamily="2" charset="2"/>
+              <a:buChar char="q"/>
+              <a:tabLst>
+                <a:tab pos="457200" algn="l"/>
+              </a:tabLst>
+            </a:pPr>
+            <a:r>
+              <a:rPr lang="en-IN" dirty="0">
+                <a:solidFill>
+                  <a:srgbClr val="172B4D"/>
+                </a:solidFill>
+                <a:latin typeface="Rockwell" panose="02060603020205020403" pitchFamily="18" charset="0"/>
+                <a:ea typeface="Times New Roman" panose="02020603050405020304" pitchFamily="18" charset="0"/>
+                <a:cs typeface="Times New Roman" panose="02020603050405020304" pitchFamily="18" charset="0"/>
+              </a:rPr>
+              <a:t>Qt </a:t>
+            </a:r>
+            <a:r>
+              <a:rPr lang="en-IN" dirty="0" err="1">
+                <a:solidFill>
+                  <a:srgbClr val="172B4D"/>
+                </a:solidFill>
+                <a:latin typeface="Rockwell" panose="02060603020205020403" pitchFamily="18" charset="0"/>
+                <a:ea typeface="Times New Roman" panose="02020603050405020304" pitchFamily="18" charset="0"/>
+                <a:cs typeface="Times New Roman" panose="02020603050405020304" pitchFamily="18" charset="0"/>
+              </a:rPr>
+              <a:t>qml</a:t>
+            </a:r>
+            <a:r>
+              <a:rPr lang="en-IN" dirty="0">
+                <a:solidFill>
+                  <a:srgbClr val="172B4D"/>
+                </a:solidFill>
+                <a:latin typeface="Rockwell" panose="02060603020205020403" pitchFamily="18" charset="0"/>
+                <a:ea typeface="Times New Roman" panose="02020603050405020304" pitchFamily="18" charset="0"/>
+                <a:cs typeface="Times New Roman" panose="02020603050405020304" pitchFamily="18" charset="0"/>
+              </a:rPr>
+              <a:t> documentation to read:</a:t>
+            </a:r>
+            <a:endParaRPr lang="en-IN" sz="2000" dirty="0">
+              <a:latin typeface="Rockwell" panose="02060603020205020403" pitchFamily="18" charset="0"/>
+              <a:ea typeface="Calibri" panose="020F0502020204030204" pitchFamily="34" charset="0"/>
+              <a:cs typeface="Times New Roman" panose="02020603050405020304" pitchFamily="18" charset="0"/>
+            </a:endParaRPr>
+          </a:p>
+          <a:p>
+            <a:pPr marL="742950" lvl="1" indent="-285750">
+              <a:lnSpc>
+                <a:spcPct val="107000"/>
+              </a:lnSpc>
+              <a:spcAft>
+                <a:spcPts val="800"/>
+              </a:spcAft>
+              <a:buSzPts val="1000"/>
+              <a:buFont typeface="Wingdings" panose="05000000000000000000" pitchFamily="2" charset="2"/>
+              <a:buChar char="q"/>
+              <a:tabLst>
+                <a:tab pos="914400" algn="l"/>
+              </a:tabLst>
+            </a:pPr>
+            <a:r>
+              <a:rPr lang="en-IN" dirty="0">
+                <a:solidFill>
+                  <a:srgbClr val="503C47"/>
+                </a:solidFill>
+                <a:latin typeface="Rockwell" panose="02060603020205020403" pitchFamily="18" charset="0"/>
+                <a:ea typeface="Times New Roman" panose="02020603050405020304" pitchFamily="18" charset="0"/>
+                <a:cs typeface="Times New Roman" panose="02020603050405020304" pitchFamily="18" charset="0"/>
+                <a:hlinkClick r:id="rId3"/>
+              </a:rPr>
+              <a:t>Qt Quick Best Practices</a:t>
+            </a:r>
+            <a:endParaRPr lang="en-IN" sz="2000" dirty="0">
+              <a:latin typeface="Rockwell" panose="02060603020205020403" pitchFamily="18" charset="0"/>
+              <a:ea typeface="Calibri" panose="020F0502020204030204" pitchFamily="34" charset="0"/>
+              <a:cs typeface="Times New Roman" panose="02020603050405020304" pitchFamily="18" charset="0"/>
+            </a:endParaRPr>
+          </a:p>
+          <a:p>
+            <a:pPr marL="742950" lvl="1" indent="-285750">
+              <a:lnSpc>
+                <a:spcPct val="107000"/>
+              </a:lnSpc>
+              <a:spcAft>
+                <a:spcPts val="800"/>
+              </a:spcAft>
+              <a:buSzPts val="1000"/>
+              <a:buFont typeface="Wingdings" panose="05000000000000000000" pitchFamily="2" charset="2"/>
+              <a:buChar char="q"/>
+              <a:tabLst>
+                <a:tab pos="914400" algn="l"/>
+              </a:tabLst>
+            </a:pPr>
+            <a:r>
+              <a:rPr lang="en-IN" dirty="0">
+                <a:solidFill>
+                  <a:srgbClr val="503C47"/>
+                </a:solidFill>
+                <a:latin typeface="Rockwell" panose="02060603020205020403" pitchFamily="18" charset="0"/>
+                <a:ea typeface="Times New Roman" panose="02020603050405020304" pitchFamily="18" charset="0"/>
+                <a:cs typeface="Times New Roman" panose="02020603050405020304" pitchFamily="18" charset="0"/>
+                <a:hlinkClick r:id="rId4"/>
+              </a:rPr>
+              <a:t>Performance Considerations And Suggestions</a:t>
+            </a:r>
+            <a:endParaRPr lang="en-IN" sz="2000" dirty="0">
+              <a:latin typeface="Rockwell" panose="02060603020205020403" pitchFamily="18" charset="0"/>
+              <a:ea typeface="Calibri" panose="020F0502020204030204" pitchFamily="34" charset="0"/>
+              <a:cs typeface="Times New Roman" panose="02020603050405020304" pitchFamily="18" charset="0"/>
+            </a:endParaRPr>
+          </a:p>
+          <a:p>
+            <a:pPr marL="742950" lvl="1" indent="-285750">
+              <a:lnSpc>
+                <a:spcPct val="107000"/>
+              </a:lnSpc>
+              <a:spcAft>
+                <a:spcPts val="800"/>
+              </a:spcAft>
+              <a:buSzPts val="1000"/>
+              <a:buFont typeface="Wingdings" panose="05000000000000000000" pitchFamily="2" charset="2"/>
+              <a:buChar char="q"/>
+              <a:tabLst>
+                <a:tab pos="914400" algn="l"/>
+              </a:tabLst>
+            </a:pPr>
+            <a:r>
+              <a:rPr lang="en-IN" dirty="0">
+                <a:solidFill>
+                  <a:srgbClr val="503C47"/>
+                </a:solidFill>
+                <a:latin typeface="Rockwell" panose="02060603020205020403" pitchFamily="18" charset="0"/>
+                <a:ea typeface="Times New Roman" panose="02020603050405020304" pitchFamily="18" charset="0"/>
+                <a:cs typeface="Times New Roman" panose="02020603050405020304" pitchFamily="18" charset="0"/>
+                <a:hlinkClick r:id="rId5"/>
+              </a:rPr>
+              <a:t>Integration QML and C++</a:t>
+            </a:r>
+            <a:endParaRPr lang="en-IN" sz="2000" dirty="0">
+              <a:latin typeface="Rockwell" panose="02060603020205020403" pitchFamily="18" charset="0"/>
+              <a:ea typeface="Calibri" panose="020F0502020204030204" pitchFamily="34" charset="0"/>
+              <a:cs typeface="Times New Roman" panose="02020603050405020304" pitchFamily="18" charset="0"/>
+            </a:endParaRPr>
+          </a:p>
+          <a:p>
+            <a:pPr marL="742950" lvl="1" indent="-285750">
+              <a:lnSpc>
+                <a:spcPct val="107000"/>
+              </a:lnSpc>
+              <a:spcAft>
+                <a:spcPts val="800"/>
+              </a:spcAft>
+              <a:buSzPts val="1000"/>
+              <a:buFont typeface="Wingdings" panose="05000000000000000000" pitchFamily="2" charset="2"/>
+              <a:buChar char="q"/>
+              <a:tabLst>
+                <a:tab pos="914400" algn="l"/>
+              </a:tabLst>
+            </a:pPr>
+            <a:r>
+              <a:rPr lang="en-IN" dirty="0">
+                <a:solidFill>
+                  <a:srgbClr val="503C47"/>
+                </a:solidFill>
+                <a:latin typeface="Rockwell" panose="02060603020205020403" pitchFamily="18" charset="0"/>
+                <a:ea typeface="Times New Roman" panose="02020603050405020304" pitchFamily="18" charset="0"/>
+                <a:cs typeface="Times New Roman" panose="02020603050405020304" pitchFamily="18" charset="0"/>
+                <a:hlinkClick r:id="rId6"/>
+              </a:rPr>
+              <a:t>Overview - QML and C++ Integration</a:t>
+            </a:r>
+            <a:endParaRPr lang="en-IN" sz="2000" dirty="0">
+              <a:latin typeface="Rockwell" panose="02060603020205020403" pitchFamily="18" charset="0"/>
+              <a:ea typeface="Calibri" panose="020F0502020204030204" pitchFamily="34" charset="0"/>
+              <a:cs typeface="Times New Roman" panose="02020603050405020304" pitchFamily="18" charset="0"/>
+            </a:endParaRPr>
+          </a:p>
+          <a:p>
+            <a:pPr marL="742950" lvl="1" indent="-285750">
+              <a:lnSpc>
+                <a:spcPct val="107000"/>
+              </a:lnSpc>
+              <a:spcAft>
+                <a:spcPts val="800"/>
+              </a:spcAft>
+              <a:buSzPts val="1000"/>
+              <a:buFont typeface="Wingdings" panose="05000000000000000000" pitchFamily="2" charset="2"/>
+              <a:buChar char="q"/>
+              <a:tabLst>
+                <a:tab pos="914400" algn="l"/>
+              </a:tabLst>
+            </a:pPr>
+            <a:r>
+              <a:rPr lang="en-IN" dirty="0">
+                <a:solidFill>
+                  <a:srgbClr val="503C47"/>
+                </a:solidFill>
+                <a:latin typeface="Rockwell" panose="02060603020205020403" pitchFamily="18" charset="0"/>
+                <a:ea typeface="Times New Roman" panose="02020603050405020304" pitchFamily="18" charset="0"/>
+                <a:cs typeface="Times New Roman" panose="02020603050405020304" pitchFamily="18" charset="0"/>
+                <a:hlinkClick r:id="rId7"/>
+              </a:rPr>
+              <a:t>Exposing Attributes of C++ Types to QML</a:t>
+            </a:r>
+            <a:endParaRPr lang="en-IN" sz="2000" dirty="0">
+              <a:latin typeface="Rockwell" panose="02060603020205020403" pitchFamily="18" charset="0"/>
+              <a:ea typeface="Calibri" panose="020F0502020204030204" pitchFamily="34" charset="0"/>
+              <a:cs typeface="Times New Roman" panose="02020603050405020304" pitchFamily="18" charset="0"/>
+            </a:endParaRPr>
+          </a:p>
+          <a:p>
+            <a:pPr marL="742950" lvl="1" indent="-285750">
+              <a:lnSpc>
+                <a:spcPct val="107000"/>
+              </a:lnSpc>
+              <a:spcAft>
+                <a:spcPts val="800"/>
+              </a:spcAft>
+              <a:buSzPts val="1000"/>
+              <a:buFont typeface="Wingdings" panose="05000000000000000000" pitchFamily="2" charset="2"/>
+              <a:buChar char="q"/>
+              <a:tabLst>
+                <a:tab pos="914400" algn="l"/>
+              </a:tabLst>
+            </a:pPr>
+            <a:r>
+              <a:rPr lang="en-IN" dirty="0">
+                <a:solidFill>
+                  <a:srgbClr val="503C47"/>
+                </a:solidFill>
+                <a:latin typeface="Rockwell" panose="02060603020205020403" pitchFamily="18" charset="0"/>
+                <a:ea typeface="Times New Roman" panose="02020603050405020304" pitchFamily="18" charset="0"/>
+                <a:cs typeface="Times New Roman" panose="02020603050405020304" pitchFamily="18" charset="0"/>
+                <a:hlinkClick r:id="rId8"/>
+              </a:rPr>
+              <a:t>Writing QML Extensions with C++</a:t>
+            </a:r>
+            <a:endParaRPr lang="en-IN" sz="2000" dirty="0">
+              <a:latin typeface="Rockwell" panose="02060603020205020403" pitchFamily="18" charset="0"/>
+              <a:ea typeface="Calibri" panose="020F0502020204030204" pitchFamily="34" charset="0"/>
+              <a:cs typeface="Times New Roman" panose="02020603050405020304" pitchFamily="18" charset="0"/>
+            </a:endParaRPr>
+          </a:p>
+          <a:p>
+            <a:pPr marL="742950" lvl="1" indent="-285750">
+              <a:lnSpc>
+                <a:spcPct val="107000"/>
+              </a:lnSpc>
+              <a:spcAft>
+                <a:spcPts val="800"/>
+              </a:spcAft>
+              <a:buSzPts val="1000"/>
+              <a:buFont typeface="Wingdings" panose="05000000000000000000" pitchFamily="2" charset="2"/>
+              <a:buChar char="q"/>
+              <a:tabLst>
+                <a:tab pos="914400" algn="l"/>
+              </a:tabLst>
+            </a:pPr>
+            <a:r>
+              <a:rPr lang="en-IN" dirty="0">
+                <a:solidFill>
+                  <a:srgbClr val="503C47"/>
+                </a:solidFill>
+                <a:latin typeface="Rockwell" panose="02060603020205020403" pitchFamily="18" charset="0"/>
+                <a:ea typeface="Times New Roman" panose="02020603050405020304" pitchFamily="18" charset="0"/>
+                <a:cs typeface="Times New Roman" panose="02020603050405020304" pitchFamily="18" charset="0"/>
+                <a:hlinkClick r:id="rId9"/>
+              </a:rPr>
+              <a:t>Data Type Conversion Between QML and C++</a:t>
+            </a:r>
+            <a:endParaRPr lang="en-IN" sz="2000" dirty="0">
+              <a:latin typeface="Rockwell" panose="02060603020205020403" pitchFamily="18" charset="0"/>
+              <a:ea typeface="Calibri" panose="020F0502020204030204" pitchFamily="34" charset="0"/>
+              <a:cs typeface="Times New Roman" panose="02020603050405020304" pitchFamily="18" charset="0"/>
+            </a:endParaRPr>
+          </a:p>
+          <a:p>
+            <a:pPr marL="342900" lvl="0" indent="-342900">
+              <a:lnSpc>
+                <a:spcPct val="107000"/>
+              </a:lnSpc>
+              <a:spcAft>
+                <a:spcPts val="800"/>
+              </a:spcAft>
+              <a:buSzPts val="1000"/>
+              <a:buFont typeface="Wingdings" panose="05000000000000000000" pitchFamily="2" charset="2"/>
+              <a:buChar char="q"/>
+              <a:tabLst>
+                <a:tab pos="457200" algn="l"/>
+              </a:tabLst>
+            </a:pPr>
+            <a:r>
+              <a:rPr lang="en-IN" dirty="0">
+                <a:solidFill>
+                  <a:srgbClr val="172B4D"/>
+                </a:solidFill>
+                <a:latin typeface="Rockwell" panose="02060603020205020403" pitchFamily="18" charset="0"/>
+                <a:ea typeface="Times New Roman" panose="02020603050405020304" pitchFamily="18" charset="0"/>
+                <a:cs typeface="Times New Roman" panose="02020603050405020304" pitchFamily="18" charset="0"/>
+              </a:rPr>
+              <a:t>Open question 1: </a:t>
+            </a:r>
+            <a:r>
+              <a:rPr lang="en-IN" dirty="0" err="1">
+                <a:solidFill>
+                  <a:srgbClr val="172B4D"/>
+                </a:solidFill>
+                <a:latin typeface="Rockwell" panose="02060603020205020403" pitchFamily="18" charset="0"/>
+                <a:ea typeface="Times New Roman" panose="02020603050405020304" pitchFamily="18" charset="0"/>
+                <a:cs typeface="Times New Roman" panose="02020603050405020304" pitchFamily="18" charset="0"/>
+              </a:rPr>
+              <a:t>qml</a:t>
+            </a:r>
+            <a:r>
+              <a:rPr lang="en-IN" dirty="0">
+                <a:solidFill>
+                  <a:srgbClr val="172B4D"/>
+                </a:solidFill>
+                <a:latin typeface="Rockwell" panose="02060603020205020403" pitchFamily="18" charset="0"/>
+                <a:ea typeface="Times New Roman" panose="02020603050405020304" pitchFamily="18" charset="0"/>
+                <a:cs typeface="Times New Roman" panose="02020603050405020304" pitchFamily="18" charset="0"/>
+              </a:rPr>
+              <a:t> </a:t>
+            </a:r>
+            <a:r>
+              <a:rPr lang="en-IN" dirty="0" err="1">
+                <a:solidFill>
+                  <a:srgbClr val="503C47"/>
+                </a:solidFill>
+                <a:latin typeface="Rockwell" panose="02060603020205020403" pitchFamily="18" charset="0"/>
+                <a:ea typeface="Times New Roman" panose="02020603050405020304" pitchFamily="18" charset="0"/>
+                <a:cs typeface="Times New Roman" panose="02020603050405020304" pitchFamily="18" charset="0"/>
+                <a:hlinkClick r:id="rId10"/>
+              </a:rPr>
+              <a:t>Instantiator</a:t>
+            </a:r>
+            <a:r>
+              <a:rPr lang="en-IN" dirty="0">
+                <a:solidFill>
+                  <a:srgbClr val="172B4D"/>
+                </a:solidFill>
+                <a:latin typeface="Rockwell" panose="02060603020205020403" pitchFamily="18" charset="0"/>
+                <a:ea typeface="Times New Roman" panose="02020603050405020304" pitchFamily="18" charset="0"/>
+                <a:cs typeface="Times New Roman" panose="02020603050405020304" pitchFamily="18" charset="0"/>
+              </a:rPr>
+              <a:t> vs Repeater vs Loader ???</a:t>
+            </a:r>
+            <a:endParaRPr lang="en-IN" sz="2000" dirty="0">
+              <a:latin typeface="Rockwell" panose="02060603020205020403" pitchFamily="18" charset="0"/>
+              <a:ea typeface="Calibri" panose="020F0502020204030204" pitchFamily="34" charset="0"/>
+              <a:cs typeface="Times New Roman" panose="02020603050405020304" pitchFamily="18" charset="0"/>
+            </a:endParaRPr>
+          </a:p>
+          <a:p>
+            <a:pPr marL="742950" lvl="1" indent="-285750">
+              <a:lnSpc>
+                <a:spcPct val="107000"/>
+              </a:lnSpc>
+              <a:spcAft>
+                <a:spcPts val="800"/>
+              </a:spcAft>
+              <a:buSzPts val="1000"/>
+              <a:buFont typeface="Wingdings" panose="05000000000000000000" pitchFamily="2" charset="2"/>
+              <a:buChar char="q"/>
+              <a:tabLst>
+                <a:tab pos="914400" algn="l"/>
+              </a:tabLst>
+            </a:pPr>
+            <a:r>
+              <a:rPr lang="en-IN" dirty="0" err="1">
+                <a:solidFill>
+                  <a:srgbClr val="172B4D"/>
+                </a:solidFill>
+                <a:latin typeface="Rockwell" panose="02060603020205020403" pitchFamily="18" charset="0"/>
+                <a:ea typeface="Times New Roman" panose="02020603050405020304" pitchFamily="18" charset="0"/>
+                <a:cs typeface="Times New Roman" panose="02020603050405020304" pitchFamily="18" charset="0"/>
+              </a:rPr>
+              <a:t>Instantiator</a:t>
+            </a:r>
+            <a:r>
+              <a:rPr lang="en-IN" dirty="0">
+                <a:solidFill>
+                  <a:srgbClr val="172B4D"/>
+                </a:solidFill>
+                <a:latin typeface="Rockwell" panose="02060603020205020403" pitchFamily="18" charset="0"/>
+                <a:ea typeface="Times New Roman" panose="02020603050405020304" pitchFamily="18" charset="0"/>
+                <a:cs typeface="Times New Roman" panose="02020603050405020304" pitchFamily="18" charset="0"/>
+              </a:rPr>
+              <a:t> is a combination of Repeater and Loader. It's useful when you have a model that you use to create many objects dynamically. Also supports asynchronous loading.</a:t>
+            </a:r>
+            <a:endParaRPr lang="en-IN" sz="2000" dirty="0">
+              <a:latin typeface="Rockwell" panose="02060603020205020403" pitchFamily="18" charset="0"/>
+              <a:ea typeface="Calibri" panose="020F0502020204030204" pitchFamily="34" charset="0"/>
+              <a:cs typeface="Times New Roman" panose="02020603050405020304" pitchFamily="18" charset="0"/>
+            </a:endParaRPr>
+          </a:p>
+        </p:txBody>
+      </p:sp>
     </p:spTree>
     <p:extLst>
       <p:ext uri="{BB962C8B-B14F-4D97-AF65-F5344CB8AC3E}">
-        <p14:creationId xmlns:p14="http://schemas.microsoft.com/office/powerpoint/2010/main" val="1235774754"/>
+        <p14:creationId xmlns:p14="http://schemas.microsoft.com/office/powerpoint/2010/main" val="690705862"/>
       </p:ext>
     </p:extLst>
   </p:cSld>
@@ -14404,10 +15509,46 @@
           <a:chExt cx="0" cy="0"/>
         </a:xfrm>
       </p:grpSpPr>
+      <p:pic>
+        <p:nvPicPr>
+          <p:cNvPr id="5" name="Picture 4" descr="A screenshot of a computer screen&#10;&#10;Description automatically generated">
+            <a:extLst>
+              <a:ext uri="{FF2B5EF4-FFF2-40B4-BE49-F238E27FC236}">
+                <a16:creationId xmlns:a16="http://schemas.microsoft.com/office/drawing/2014/main" id="{226D2659-7454-4577-8C5B-7D50EA347DB6}"/>
+              </a:ext>
+            </a:extLst>
+          </p:cNvPr>
+          <p:cNvPicPr>
+            <a:picLocks noChangeAspect="1"/>
+          </p:cNvPicPr>
+          <p:nvPr/>
+        </p:nvPicPr>
+        <p:blipFill>
+          <a:blip r:embed="rId2">
+            <a:extLst>
+              <a:ext uri="{28A0092B-C50C-407E-A947-70E740481C1C}">
+                <a14:useLocalDpi xmlns:a14="http://schemas.microsoft.com/office/drawing/2010/main" val="0"/>
+              </a:ext>
+            </a:extLst>
+          </a:blip>
+          <a:stretch>
+            <a:fillRect/>
+          </a:stretch>
+        </p:blipFill>
+        <p:spPr>
+          <a:xfrm>
+            <a:off x="0" y="0"/>
+            <a:ext cx="12192000" cy="6858000"/>
+          </a:xfrm>
+          <a:prstGeom prst="rect">
+            <a:avLst/>
+          </a:prstGeom>
+        </p:spPr>
+      </p:pic>
     </p:spTree>
     <p:extLst>
       <p:ext uri="{BB962C8B-B14F-4D97-AF65-F5344CB8AC3E}">
-        <p14:creationId xmlns:p14="http://schemas.microsoft.com/office/powerpoint/2010/main" val="690705862"/>
+        <p14:creationId xmlns:p14="http://schemas.microsoft.com/office/powerpoint/2010/main" val="2821703672"/>
       </p:ext>
     </p:extLst>
   </p:cSld>
@@ -14434,36 +15575,121 @@
           <a:chExt cx="0" cy="0"/>
         </a:xfrm>
       </p:grpSpPr>
-    </p:spTree>
-    <p:extLst>
-      <p:ext uri="{BB962C8B-B14F-4D97-AF65-F5344CB8AC3E}">
-        <p14:creationId xmlns:p14="http://schemas.microsoft.com/office/powerpoint/2010/main" val="2821703672"/>
-      </p:ext>
-    </p:extLst>
-  </p:cSld>
-  <p:clrMapOvr>
-    <a:masterClrMapping/>
-  </p:clrMapOvr>
-</p:sld>
-</file>
-
-<file path=ppt/slides/slide15.xml><?xml version="1.0" encoding="utf-8"?>
-<p:sld xmlns:a="http://schemas.openxmlformats.org/drawingml/2006/main" xmlns:r="http://schemas.openxmlformats.org/officeDocument/2006/relationships" xmlns:p="http://schemas.openxmlformats.org/presentationml/2006/main">
-  <p:cSld>
-    <p:spTree>
-      <p:nvGrpSpPr>
-        <p:cNvPr id="1" name=""/>
-        <p:cNvGrpSpPr/>
-        <p:nvPr/>
-      </p:nvGrpSpPr>
-      <p:grpSpPr>
-        <a:xfrm>
-          <a:off x="0" y="0"/>
-          <a:ext cx="0" cy="0"/>
-          <a:chOff x="0" y="0"/>
-          <a:chExt cx="0" cy="0"/>
-        </a:xfrm>
-      </p:grpSpPr>
+      <p:sp>
+        <p:nvSpPr>
+          <p:cNvPr id="5" name="Rectangle: Rounded Corners 4">
+            <a:extLst>
+              <a:ext uri="{FF2B5EF4-FFF2-40B4-BE49-F238E27FC236}">
+                <a16:creationId xmlns:a16="http://schemas.microsoft.com/office/drawing/2014/main" id="{DBC49B5D-D199-4A8D-9F97-87EB6B8A3CE1}"/>
+              </a:ext>
+            </a:extLst>
+          </p:cNvPr>
+          <p:cNvSpPr/>
+          <p:nvPr/>
+        </p:nvSpPr>
+        <p:spPr>
+          <a:xfrm>
+            <a:off x="1392571" y="2684477"/>
+            <a:ext cx="10008067" cy="2155971"/>
+          </a:xfrm>
+          <a:prstGeom prst="roundRect">
+            <a:avLst/>
+          </a:prstGeom>
+        </p:spPr>
+        <p:style>
+          <a:lnRef idx="2">
+            <a:schemeClr val="accent1">
+              <a:shade val="50000"/>
+            </a:schemeClr>
+          </a:lnRef>
+          <a:fillRef idx="1">
+            <a:schemeClr val="accent1"/>
+          </a:fillRef>
+          <a:effectRef idx="0">
+            <a:schemeClr val="accent1"/>
+          </a:effectRef>
+          <a:fontRef idx="minor">
+            <a:schemeClr val="lt1"/>
+          </a:fontRef>
+        </p:style>
+        <p:txBody>
+          <a:bodyPr rtlCol="0" anchor="ctr"/>
+          <a:lstStyle/>
+          <a:p>
+            <a:r>
+              <a:rPr lang="en-IN"/>
+              <a:t>QElapsedTimer timer;</a:t>
+            </a:r>
+          </a:p>
+          <a:p>
+            <a:r>
+              <a:rPr lang="en-IN"/>
+              <a:t>timer.start();</a:t>
+            </a:r>
+          </a:p>
+          <a:p>
+            <a:r>
+              <a:rPr lang="en-IN"/>
+              <a:t>slowOperation();  // we want to measure the time of this slowOperation()</a:t>
+            </a:r>
+          </a:p>
+          <a:p>
+            <a:r>
+              <a:rPr lang="en-IN"/>
+              <a:t>qDebug() &lt;&lt; timer.elapsed();</a:t>
+            </a:r>
+          </a:p>
+        </p:txBody>
+      </p:sp>
+      <p:sp>
+        <p:nvSpPr>
+          <p:cNvPr id="6" name="Rectangle: Rounded Corners 5">
+            <a:extLst>
+              <a:ext uri="{FF2B5EF4-FFF2-40B4-BE49-F238E27FC236}">
+                <a16:creationId xmlns:a16="http://schemas.microsoft.com/office/drawing/2014/main" id="{ADE8898B-C848-49C9-A47B-338A16385CE0}"/>
+              </a:ext>
+            </a:extLst>
+          </p:cNvPr>
+          <p:cNvSpPr/>
+          <p:nvPr/>
+        </p:nvSpPr>
+        <p:spPr>
+          <a:xfrm>
+            <a:off x="3078759" y="671119"/>
+            <a:ext cx="8053431" cy="671120"/>
+          </a:xfrm>
+          <a:prstGeom prst="roundRect">
+            <a:avLst/>
+          </a:prstGeom>
+        </p:spPr>
+        <p:style>
+          <a:lnRef idx="2">
+            <a:schemeClr val="accent1">
+              <a:shade val="50000"/>
+            </a:schemeClr>
+          </a:lnRef>
+          <a:fillRef idx="1">
+            <a:schemeClr val="accent1"/>
+          </a:fillRef>
+          <a:effectRef idx="0">
+            <a:schemeClr val="accent1"/>
+          </a:effectRef>
+          <a:fontRef idx="minor">
+            <a:schemeClr val="lt1"/>
+          </a:fontRef>
+        </p:style>
+        <p:txBody>
+          <a:bodyPr rtlCol="0" anchor="ctr"/>
+          <a:lstStyle/>
+          <a:p>
+            <a:pPr algn="ctr"/>
+            <a:r>
+              <a:rPr lang="en-IN" dirty="0"/>
+              <a:t>HOW To check time required to execute function</a:t>
+            </a:r>
+          </a:p>
+        </p:txBody>
+      </p:sp>
     </p:spTree>
     <p:extLst>
       <p:ext uri="{BB962C8B-B14F-4D97-AF65-F5344CB8AC3E}">
@@ -14477,7 +15703,7 @@
 </p:sld>
 </file>
 
-<file path=ppt/slides/slide16.xml><?xml version="1.0" encoding="utf-8"?>
+<file path=ppt/slides/slide15.xml><?xml version="1.0" encoding="utf-8"?>
 <p:sld xmlns:a="http://schemas.openxmlformats.org/drawingml/2006/main" xmlns:r="http://schemas.openxmlformats.org/officeDocument/2006/relationships" xmlns:p="http://schemas.openxmlformats.org/presentationml/2006/main">
   <p:cSld>
     <p:spTree>
@@ -15397,255 +16623,6 @@
           <p:cNvPr id="4" name="Rectangle 3">
             <a:extLst>
               <a:ext uri="{FF2B5EF4-FFF2-40B4-BE49-F238E27FC236}">
-                <a16:creationId xmlns:a16="http://schemas.microsoft.com/office/drawing/2014/main" id="{99376E7A-7EDF-4E33-B73D-3C81426D2206}"/>
-              </a:ext>
-            </a:extLst>
-          </p:cNvPr>
-          <p:cNvSpPr/>
-          <p:nvPr/>
-        </p:nvSpPr>
-        <p:spPr>
-          <a:xfrm>
-            <a:off x="206928" y="1014218"/>
-            <a:ext cx="11778143" cy="5355312"/>
-          </a:xfrm>
-          <a:prstGeom prst="rect">
-            <a:avLst/>
-          </a:prstGeom>
-        </p:spPr>
-        <p:txBody>
-          <a:bodyPr wrap="square">
-            <a:spAutoFit/>
-          </a:bodyPr>
-          <a:lstStyle/>
-          <a:p>
-            <a:r>
-              <a:rPr lang="en-IN" dirty="0">
-                <a:latin typeface="Rockwell" panose="02060603020205020403" pitchFamily="18" charset="0"/>
-              </a:rPr>
-              <a:t>There are some rules that make life with signals and slots easier and cover the most common reason for defective connections. If I forgot something please tell me.</a:t>
-            </a:r>
-          </a:p>
-          <a:p>
-            <a:endParaRPr lang="en-IN" dirty="0">
-              <a:latin typeface="Rockwell" panose="02060603020205020403" pitchFamily="18" charset="0"/>
-            </a:endParaRPr>
-          </a:p>
-          <a:p>
-            <a:r>
-              <a:rPr lang="en-IN" dirty="0">
-                <a:latin typeface="Rockwell" panose="02060603020205020403" pitchFamily="18" charset="0"/>
-              </a:rPr>
-              <a:t>1) Check the debug console output:</a:t>
-            </a:r>
-          </a:p>
-          <a:p>
-            <a:r>
-              <a:rPr lang="en-IN" dirty="0">
-                <a:latin typeface="Rockwell" panose="02060603020205020403" pitchFamily="18" charset="0"/>
-              </a:rPr>
-              <a:t>When execution errors occur, the debug output can show you the reason.</a:t>
-            </a:r>
-          </a:p>
-          <a:p>
-            <a:endParaRPr lang="en-IN" dirty="0">
-              <a:latin typeface="Rockwell" panose="02060603020205020403" pitchFamily="18" charset="0"/>
-            </a:endParaRPr>
-          </a:p>
-          <a:p>
-            <a:r>
-              <a:rPr lang="en-IN" dirty="0">
-                <a:latin typeface="Rockwell" panose="02060603020205020403" pitchFamily="18" charset="0"/>
-              </a:rPr>
-              <a:t>2) Use the full signature of signal and slot:</a:t>
-            </a:r>
-          </a:p>
-          <a:p>
-            <a:r>
-              <a:rPr lang="en-IN" dirty="0">
-                <a:latin typeface="Rockwell" panose="02060603020205020403" pitchFamily="18" charset="0"/>
-              </a:rPr>
-              <a:t>Instead of connect(that, SIGNAL(</a:t>
-            </a:r>
-            <a:r>
-              <a:rPr lang="en-IN" dirty="0" err="1">
-                <a:latin typeface="Rockwell" panose="02060603020205020403" pitchFamily="18" charset="0"/>
-              </a:rPr>
-              <a:t>mySignal</a:t>
-            </a:r>
-            <a:r>
-              <a:rPr lang="en-IN" dirty="0">
-                <a:latin typeface="Rockwell" panose="02060603020205020403" pitchFamily="18" charset="0"/>
-              </a:rPr>
-              <a:t>), this, SLOT(</a:t>
-            </a:r>
-            <a:r>
-              <a:rPr lang="en-IN" dirty="0" err="1">
-                <a:latin typeface="Rockwell" panose="02060603020205020403" pitchFamily="18" charset="0"/>
-              </a:rPr>
-              <a:t>mySlot</a:t>
-            </a:r>
-            <a:r>
-              <a:rPr lang="en-IN" dirty="0">
-                <a:latin typeface="Rockwell" panose="02060603020205020403" pitchFamily="18" charset="0"/>
-              </a:rPr>
-              <a:t>));</a:t>
-            </a:r>
-          </a:p>
-          <a:p>
-            <a:r>
-              <a:rPr lang="en-IN" dirty="0">
-                <a:latin typeface="Rockwell" panose="02060603020205020403" pitchFamily="18" charset="0"/>
-              </a:rPr>
-              <a:t>Write connect(that, SIGNAL(</a:t>
-            </a:r>
-            <a:r>
-              <a:rPr lang="en-IN" dirty="0" err="1">
-                <a:latin typeface="Rockwell" panose="02060603020205020403" pitchFamily="18" charset="0"/>
-              </a:rPr>
-              <a:t>mySignal</a:t>
-            </a:r>
-            <a:r>
-              <a:rPr lang="en-IN" dirty="0">
-                <a:latin typeface="Rockwell" panose="02060603020205020403" pitchFamily="18" charset="0"/>
-              </a:rPr>
-              <a:t>(int)), this, SLOT(</a:t>
-            </a:r>
-            <a:r>
-              <a:rPr lang="en-IN" dirty="0" err="1">
-                <a:latin typeface="Rockwell" panose="02060603020205020403" pitchFamily="18" charset="0"/>
-              </a:rPr>
-              <a:t>mySlot</a:t>
-            </a:r>
-            <a:r>
-              <a:rPr lang="en-IN" dirty="0">
-                <a:latin typeface="Rockwell" panose="02060603020205020403" pitchFamily="18" charset="0"/>
-              </a:rPr>
-              <a:t>(int)));</a:t>
-            </a:r>
-          </a:p>
-          <a:p>
-            <a:r>
-              <a:rPr lang="en-IN" dirty="0">
-                <a:latin typeface="Rockwell" panose="02060603020205020403" pitchFamily="18" charset="0"/>
-              </a:rPr>
-              <a:t>and check your spelling and capitalization.</a:t>
-            </a:r>
-          </a:p>
-          <a:p>
-            <a:endParaRPr lang="en-IN" dirty="0">
-              <a:latin typeface="Rockwell" panose="02060603020205020403" pitchFamily="18" charset="0"/>
-            </a:endParaRPr>
-          </a:p>
-          <a:p>
-            <a:r>
-              <a:rPr lang="en-IN" dirty="0">
-                <a:latin typeface="Rockwell" panose="02060603020205020403" pitchFamily="18" charset="0"/>
-              </a:rPr>
-              <a:t>3) Use existing overloads:</a:t>
-            </a:r>
-          </a:p>
-          <a:p>
-            <a:r>
-              <a:rPr lang="en-IN" dirty="0">
-                <a:latin typeface="Rockwell" panose="02060603020205020403" pitchFamily="18" charset="0"/>
-              </a:rPr>
-              <a:t>Carefully check if you are using the desired overloads of signal and slot and if the overloads you used actually exist.</a:t>
-            </a:r>
-          </a:p>
-          <a:p>
-            <a:endParaRPr lang="en-IN" dirty="0">
-              <a:latin typeface="Rockwell" panose="02060603020205020403" pitchFamily="18" charset="0"/>
-            </a:endParaRPr>
-          </a:p>
-          <a:p>
-            <a:r>
-              <a:rPr lang="en-IN" dirty="0">
-                <a:latin typeface="Rockwell" panose="02060603020205020403" pitchFamily="18" charset="0"/>
-              </a:rPr>
-              <a:t>4) Your signal and slot must be compatible:</a:t>
-            </a:r>
-          </a:p>
-          <a:p>
-            <a:r>
-              <a:rPr lang="en-IN" dirty="0">
-                <a:latin typeface="Rockwell" panose="02060603020205020403" pitchFamily="18" charset="0"/>
-              </a:rPr>
-              <a:t>This especially means the parameters must be of the same type (references are tolerated) and have the same order. Compile-time syntax also needs the same number of parameters. Old runtime syntax allows connecting signals to slots with less parameters.</a:t>
-            </a:r>
-          </a:p>
-        </p:txBody>
-      </p:sp>
-      <p:sp>
-        <p:nvSpPr>
-          <p:cNvPr id="5" name="TextBox 4">
-            <a:extLst>
-              <a:ext uri="{FF2B5EF4-FFF2-40B4-BE49-F238E27FC236}">
-                <a16:creationId xmlns:a16="http://schemas.microsoft.com/office/drawing/2014/main" id="{00BAD9A8-8EC6-4E72-923C-57EC4155D6CC}"/>
-              </a:ext>
-            </a:extLst>
-          </p:cNvPr>
-          <p:cNvSpPr txBox="1"/>
-          <p:nvPr/>
-        </p:nvSpPr>
-        <p:spPr>
-          <a:xfrm>
-            <a:off x="587229" y="192947"/>
-            <a:ext cx="6149131" cy="523220"/>
-          </a:xfrm>
-          <a:prstGeom prst="rect">
-            <a:avLst/>
-          </a:prstGeom>
-          <a:noFill/>
-        </p:spPr>
-        <p:txBody>
-          <a:bodyPr wrap="square" rtlCol="0">
-            <a:spAutoFit/>
-          </a:bodyPr>
-          <a:lstStyle/>
-          <a:p>
-            <a:r>
-              <a:rPr lang="en-IN" sz="2800" b="1" dirty="0"/>
-              <a:t>QT SIGNALS AND SLOTS </a:t>
-            </a:r>
-          </a:p>
-        </p:txBody>
-      </p:sp>
-    </p:spTree>
-    <p:extLst>
-      <p:ext uri="{BB962C8B-B14F-4D97-AF65-F5344CB8AC3E}">
-        <p14:creationId xmlns:p14="http://schemas.microsoft.com/office/powerpoint/2010/main" val="520703350"/>
-      </p:ext>
-    </p:extLst>
-  </p:cSld>
-  <p:clrMapOvr>
-    <a:masterClrMapping/>
-  </p:clrMapOvr>
-</p:sld>
-</file>
-
-<file path=ppt/slides/slide7.xml><?xml version="1.0" encoding="utf-8"?>
-<p:sld xmlns:a="http://schemas.openxmlformats.org/drawingml/2006/main" xmlns:r="http://schemas.openxmlformats.org/officeDocument/2006/relationships" xmlns:p="http://schemas.openxmlformats.org/presentationml/2006/main">
-  <p:cSld>
-    <p:spTree>
-      <p:nvGrpSpPr>
-        <p:cNvPr id="1" name=""/>
-        <p:cNvGrpSpPr/>
-        <p:nvPr/>
-      </p:nvGrpSpPr>
-      <p:grpSpPr>
-        <a:xfrm>
-          <a:off x="0" y="0"/>
-          <a:ext cx="0" cy="0"/>
-          <a:chOff x="0" y="0"/>
-          <a:chExt cx="0" cy="0"/>
-        </a:xfrm>
-      </p:grpSpPr>
-      <p:sp>
-        <p:nvSpPr>
-          <p:cNvPr id="4" name="Rectangle 3">
-            <a:extLst>
-              <a:ext uri="{FF2B5EF4-FFF2-40B4-BE49-F238E27FC236}">
                 <a16:creationId xmlns:a16="http://schemas.microsoft.com/office/drawing/2014/main" id="{347AE07E-A412-4C52-A637-57CC0641FCE8}"/>
               </a:ext>
             </a:extLst>
@@ -15668,11 +16645,15 @@
           </a:bodyPr>
           <a:lstStyle/>
           <a:p>
+            <a:pPr marL="285750" indent="-285750">
+              <a:buFont typeface="Wingdings" panose="05000000000000000000" pitchFamily="2" charset="2"/>
+              <a:buChar char="q"/>
+            </a:pPr>
             <a:r>
               <a:rPr lang="en-IN" dirty="0">
                 <a:latin typeface="Rockwell" panose="02060603020205020403" pitchFamily="18" charset="0"/>
               </a:rPr>
-              <a:t>5) Always check return value of connect method (programmers should never ignore return values):</a:t>
+              <a:t> Always check return value of connect method (programmers should never ignore return values):</a:t>
             </a:r>
           </a:p>
           <a:p>
@@ -15854,11 +16835,15 @@
             </a:endParaRPr>
           </a:p>
           <a:p>
+            <a:pPr marL="285750" indent="-285750">
+              <a:buFont typeface="Wingdings" panose="05000000000000000000" pitchFamily="2" charset="2"/>
+              <a:buChar char="q"/>
+            </a:pPr>
             <a:r>
               <a:rPr lang="en-IN" dirty="0">
                 <a:latin typeface="Rockwell" panose="02060603020205020403" pitchFamily="18" charset="0"/>
               </a:rPr>
-              <a:t>6) You need an event loop for queued connections:</a:t>
+              <a:t> You need an event loop for queued connections:</a:t>
             </a:r>
           </a:p>
           <a:p>
@@ -15897,7 +16882,7 @@
 </p:sld>
 </file>
 
-<file path=ppt/slides/slide8.xml><?xml version="1.0" encoding="utf-8"?>
+<file path=ppt/slides/slide7.xml><?xml version="1.0" encoding="utf-8"?>
 <p:sld xmlns:a="http://schemas.openxmlformats.org/drawingml/2006/main" xmlns:r="http://schemas.openxmlformats.org/officeDocument/2006/relationships" xmlns:p="http://schemas.openxmlformats.org/presentationml/2006/main">
   <p:cSld>
     <p:spTree>
@@ -15941,11 +16926,15 @@
           </a:bodyPr>
           <a:lstStyle/>
           <a:p>
+            <a:pPr marL="285750" indent="-285750">
+              <a:buFont typeface="Wingdings" panose="05000000000000000000" pitchFamily="2" charset="2"/>
+              <a:buChar char="q"/>
+            </a:pPr>
             <a:r>
               <a:rPr lang="en-IN" dirty="0">
                 <a:latin typeface="Rockwell" panose="02060603020205020403" pitchFamily="18" charset="0"/>
               </a:rPr>
-              <a:t>7) You need register custom types for queued connections:</a:t>
+              <a:t>You need register custom types for queued connections:</a:t>
             </a:r>
           </a:p>
           <a:p>
@@ -16067,11 +17056,15 @@
             </a:endParaRPr>
           </a:p>
           <a:p>
+            <a:pPr marL="285750" indent="-285750">
+              <a:buFont typeface="Wingdings" panose="05000000000000000000" pitchFamily="2" charset="2"/>
+              <a:buChar char="q"/>
+            </a:pPr>
             <a:r>
               <a:rPr lang="en-IN" dirty="0">
                 <a:latin typeface="Rockwell" panose="02060603020205020403" pitchFamily="18" charset="0"/>
               </a:rPr>
-              <a:t>8) Prefer new compile time syntax over old run-time checked syntax:</a:t>
+              <a:t>Prefer new compile time syntax over old run-time checked syntax:</a:t>
             </a:r>
           </a:p>
           <a:p>
@@ -16469,7 +17462,7 @@
 </p:sld>
 </file>
 
-<file path=ppt/slides/slide9.xml><?xml version="1.0" encoding="utf-8"?>
+<file path=ppt/slides/slide8.xml><?xml version="1.0" encoding="utf-8"?>
 <p:sld xmlns:a="http://schemas.openxmlformats.org/drawingml/2006/main" xmlns:r="http://schemas.openxmlformats.org/officeDocument/2006/relationships" xmlns:p="http://schemas.openxmlformats.org/presentationml/2006/main">
   <p:cSld>
     <p:spTree>
@@ -16513,11 +17506,15 @@
           </a:bodyPr>
           <a:lstStyle/>
           <a:p>
+            <a:pPr marL="285750" indent="-285750">
+              <a:buFont typeface="Wingdings" panose="05000000000000000000" pitchFamily="2" charset="2"/>
+              <a:buChar char="q"/>
+            </a:pPr>
             <a:r>
               <a:rPr lang="en-IN" dirty="0">
                 <a:latin typeface="Rockwell" panose="02060603020205020403" pitchFamily="18" charset="0"/>
               </a:rPr>
-              <a:t>9) Your classes need a Q_OBJECT macro:</a:t>
+              <a:t>Your classes need a Q_OBJECT macro:</a:t>
             </a:r>
           </a:p>
           <a:p>
@@ -16685,6 +17682,206 @@
     <p:extLst>
       <p:ext uri="{BB962C8B-B14F-4D97-AF65-F5344CB8AC3E}">
         <p14:creationId xmlns:p14="http://schemas.microsoft.com/office/powerpoint/2010/main" val="3327822942"/>
+      </p:ext>
+    </p:extLst>
+  </p:cSld>
+  <p:clrMapOvr>
+    <a:masterClrMapping/>
+  </p:clrMapOvr>
+</p:sld>
+</file>
+
+<file path=ppt/slides/slide9.xml><?xml version="1.0" encoding="utf-8"?>
+<p:sld xmlns:a="http://schemas.openxmlformats.org/drawingml/2006/main" xmlns:r="http://schemas.openxmlformats.org/officeDocument/2006/relationships" xmlns:p="http://schemas.openxmlformats.org/presentationml/2006/main">
+  <p:cSld>
+    <p:spTree>
+      <p:nvGrpSpPr>
+        <p:cNvPr id="1" name=""/>
+        <p:cNvGrpSpPr/>
+        <p:nvPr/>
+      </p:nvGrpSpPr>
+      <p:grpSpPr>
+        <a:xfrm>
+          <a:off x="0" y="0"/>
+          <a:ext cx="0" cy="0"/>
+          <a:chOff x="0" y="0"/>
+          <a:chExt cx="0" cy="0"/>
+        </a:xfrm>
+      </p:grpSpPr>
+      <p:sp>
+        <p:nvSpPr>
+          <p:cNvPr id="4" name="Rectangle 3">
+            <a:extLst>
+              <a:ext uri="{FF2B5EF4-FFF2-40B4-BE49-F238E27FC236}">
+                <a16:creationId xmlns:a16="http://schemas.microsoft.com/office/drawing/2014/main" id="{FF5C1717-0F60-4846-AE1F-2C67779BC68A}"/>
+              </a:ext>
+            </a:extLst>
+          </p:cNvPr>
+          <p:cNvSpPr/>
+          <p:nvPr/>
+        </p:nvSpPr>
+        <p:spPr>
+          <a:xfrm>
+            <a:off x="159391" y="1443841"/>
+            <a:ext cx="11610363" cy="4524315"/>
+          </a:xfrm>
+          <a:prstGeom prst="rect">
+            <a:avLst/>
+          </a:prstGeom>
+        </p:spPr>
+        <p:txBody>
+          <a:bodyPr wrap="square">
+            <a:spAutoFit/>
+          </a:bodyPr>
+          <a:lstStyle/>
+          <a:p>
+            <a:pPr marL="285750" indent="-285750">
+              <a:buFont typeface="Wingdings" panose="05000000000000000000" pitchFamily="2" charset="2"/>
+              <a:buChar char="q"/>
+            </a:pPr>
+            <a:r>
+              <a:rPr lang="en-IN" dirty="0">
+                <a:latin typeface="Rockwell" panose="02060603020205020403" pitchFamily="18" charset="0"/>
+              </a:rPr>
+              <a:t> Your objects must be alive:</a:t>
+            </a:r>
+          </a:p>
+          <a:p>
+            <a:r>
+              <a:rPr lang="en-IN" dirty="0">
+                <a:latin typeface="Rockwell" panose="02060603020205020403" pitchFamily="18" charset="0"/>
+              </a:rPr>
+              <a:t>As soon as either the sender object or the receiver object is destroyed, Qt automatically discards the connection. If the signal isn't emitted: Does the sender object still exist? If the slot isn't called: Does the receiver object still exist?</a:t>
+            </a:r>
+          </a:p>
+          <a:p>
+            <a:r>
+              <a:rPr lang="en-IN" dirty="0">
+                <a:latin typeface="Rockwell" panose="02060603020205020403" pitchFamily="18" charset="0"/>
+              </a:rPr>
+              <a:t>To check the lifetime of both objects use a debugger break point or some </a:t>
+            </a:r>
+            <a:r>
+              <a:rPr lang="en-IN" dirty="0" err="1">
+                <a:latin typeface="Rockwell" panose="02060603020205020403" pitchFamily="18" charset="0"/>
+              </a:rPr>
+              <a:t>qDebug</a:t>
+            </a:r>
+            <a:r>
+              <a:rPr lang="en-IN" dirty="0">
+                <a:latin typeface="Rockwell" panose="02060603020205020403" pitchFamily="18" charset="0"/>
+              </a:rPr>
+              <a:t>() output in the constructors/destructors.</a:t>
+            </a:r>
+          </a:p>
+          <a:p>
+            <a:endParaRPr lang="en-IN" dirty="0">
+              <a:latin typeface="Rockwell" panose="02060603020205020403" pitchFamily="18" charset="0"/>
+            </a:endParaRPr>
+          </a:p>
+          <a:p>
+            <a:pPr marL="285750" indent="-285750">
+              <a:buFont typeface="Wingdings" panose="05000000000000000000" pitchFamily="2" charset="2"/>
+              <a:buChar char="q"/>
+            </a:pPr>
+            <a:r>
+              <a:rPr lang="en-IN" dirty="0">
+                <a:latin typeface="Rockwell" panose="02060603020205020403" pitchFamily="18" charset="0"/>
+              </a:rPr>
+              <a:t> It still does not work:</a:t>
+            </a:r>
+          </a:p>
+          <a:p>
+            <a:r>
+              <a:rPr lang="en-IN" dirty="0">
+                <a:latin typeface="Rockwell" panose="02060603020205020403" pitchFamily="18" charset="0"/>
+              </a:rPr>
+              <a:t>To do a very quick and dirty check of your connection emit the signal by your self using some dummy arguments and see if it is called:</a:t>
+            </a:r>
+          </a:p>
+          <a:p>
+            <a:endParaRPr lang="en-IN" dirty="0">
+              <a:latin typeface="Rockwell" panose="02060603020205020403" pitchFamily="18" charset="0"/>
+            </a:endParaRPr>
+          </a:p>
+          <a:p>
+            <a:r>
+              <a:rPr lang="en-IN" dirty="0">
+                <a:latin typeface="Rockwell" panose="02060603020205020403" pitchFamily="18" charset="0"/>
+              </a:rPr>
+              <a:t>connect(that, SIGNAL(</a:t>
+            </a:r>
+            <a:r>
+              <a:rPr lang="en-IN" dirty="0" err="1">
+                <a:latin typeface="Rockwell" panose="02060603020205020403" pitchFamily="18" charset="0"/>
+              </a:rPr>
+              <a:t>mySignal</a:t>
+            </a:r>
+            <a:r>
+              <a:rPr lang="en-IN" dirty="0">
+                <a:latin typeface="Rockwell" panose="02060603020205020403" pitchFamily="18" charset="0"/>
+              </a:rPr>
+              <a:t>(int)), this, SLOT(</a:t>
+            </a:r>
+            <a:r>
+              <a:rPr lang="en-IN" dirty="0" err="1">
+                <a:latin typeface="Rockwell" panose="02060603020205020403" pitchFamily="18" charset="0"/>
+              </a:rPr>
+              <a:t>mySlot</a:t>
+            </a:r>
+            <a:r>
+              <a:rPr lang="en-IN" dirty="0">
+                <a:latin typeface="Rockwell" panose="02060603020205020403" pitchFamily="18" charset="0"/>
+              </a:rPr>
+              <a:t>(int)));</a:t>
+            </a:r>
+          </a:p>
+          <a:p>
+            <a:r>
+              <a:rPr lang="en-IN" dirty="0">
+                <a:latin typeface="Rockwell" panose="02060603020205020403" pitchFamily="18" charset="0"/>
+              </a:rPr>
+              <a:t>emit that-&gt;</a:t>
+            </a:r>
+            <a:r>
+              <a:rPr lang="en-IN" dirty="0" err="1">
+                <a:latin typeface="Rockwell" panose="02060603020205020403" pitchFamily="18" charset="0"/>
+              </a:rPr>
+              <a:t>mySignal</a:t>
+            </a:r>
+            <a:r>
+              <a:rPr lang="en-IN" dirty="0">
+                <a:latin typeface="Rockwell" panose="02060603020205020403" pitchFamily="18" charset="0"/>
+              </a:rPr>
+              <a:t>(0); // Ugly, don't forget to remove it immediately</a:t>
+            </a:r>
+          </a:p>
+          <a:p>
+            <a:r>
+              <a:rPr lang="en-IN" dirty="0">
+                <a:latin typeface="Rockwell" panose="02060603020205020403" pitchFamily="18" charset="0"/>
+              </a:rPr>
+              <a:t>Finally of course it is possible that the signal simply is not emitted. If you followed the above rules, probably something is wrong in your program's logic. Read the documentation. Use the debugger. And if there is now other way, ask at </a:t>
+            </a:r>
+            <a:r>
+              <a:rPr lang="en-IN" dirty="0" err="1">
+                <a:latin typeface="Rockwell" panose="02060603020205020403" pitchFamily="18" charset="0"/>
+              </a:rPr>
+              <a:t>stackoverflow</a:t>
+            </a:r>
+            <a:r>
+              <a:rPr lang="en-IN" dirty="0">
+                <a:latin typeface="Rockwell" panose="02060603020205020403" pitchFamily="18" charset="0"/>
+              </a:rPr>
+              <a:t>.</a:t>
+            </a:r>
+          </a:p>
+        </p:txBody>
+      </p:sp>
+    </p:spTree>
+    <p:extLst>
+      <p:ext uri="{BB962C8B-B14F-4D97-AF65-F5344CB8AC3E}">
+        <p14:creationId xmlns:p14="http://schemas.microsoft.com/office/powerpoint/2010/main" val="2082363713"/>
       </p:ext>
     </p:extLst>
   </p:cSld>

--- a/learnings.pptx
+++ b/learnings.pptx
@@ -6,20 +6,36 @@
   </p:sldMasterIdLst>
   <p:sldIdLst>
     <p:sldId id="256" r:id="rId2"/>
-    <p:sldId id="261" r:id="rId3"/>
-    <p:sldId id="262" r:id="rId4"/>
-    <p:sldId id="263" r:id="rId5"/>
+    <p:sldId id="277" r:id="rId3"/>
+    <p:sldId id="261" r:id="rId4"/>
+    <p:sldId id="262" r:id="rId5"/>
     <p:sldId id="264" r:id="rId6"/>
-    <p:sldId id="266" r:id="rId7"/>
-    <p:sldId id="267" r:id="rId8"/>
-    <p:sldId id="268" r:id="rId9"/>
-    <p:sldId id="269" r:id="rId10"/>
-    <p:sldId id="272" r:id="rId11"/>
-    <p:sldId id="273" r:id="rId12"/>
-    <p:sldId id="274" r:id="rId13"/>
-    <p:sldId id="275" r:id="rId14"/>
-    <p:sldId id="276" r:id="rId15"/>
-    <p:sldId id="271" r:id="rId16"/>
+    <p:sldId id="263" r:id="rId7"/>
+    <p:sldId id="266" r:id="rId8"/>
+    <p:sldId id="267" r:id="rId9"/>
+    <p:sldId id="268" r:id="rId10"/>
+    <p:sldId id="269" r:id="rId11"/>
+    <p:sldId id="272" r:id="rId12"/>
+    <p:sldId id="273" r:id="rId13"/>
+    <p:sldId id="274" r:id="rId14"/>
+    <p:sldId id="275" r:id="rId15"/>
+    <p:sldId id="276" r:id="rId16"/>
+    <p:sldId id="278" r:id="rId17"/>
+    <p:sldId id="279" r:id="rId18"/>
+    <p:sldId id="282" r:id="rId19"/>
+    <p:sldId id="281" r:id="rId20"/>
+    <p:sldId id="280" r:id="rId21"/>
+    <p:sldId id="283" r:id="rId22"/>
+    <p:sldId id="284" r:id="rId23"/>
+    <p:sldId id="285" r:id="rId24"/>
+    <p:sldId id="286" r:id="rId25"/>
+    <p:sldId id="287" r:id="rId26"/>
+    <p:sldId id="288" r:id="rId27"/>
+    <p:sldId id="289" r:id="rId28"/>
+    <p:sldId id="290" r:id="rId29"/>
+    <p:sldId id="291" r:id="rId30"/>
+    <p:sldId id="292" r:id="rId31"/>
+    <p:sldId id="293" r:id="rId32"/>
   </p:sldIdLst>
   <p:sldSz cx="12192000" cy="6858000"/>
   <p:notesSz cx="6858000" cy="9144000"/>
@@ -2473,7 +2489,7 @@
           <a:p>
             <a:fld id="{3C04E684-10F4-4CC3-A0B9-F03AA7BE37CF}" type="datetimeFigureOut">
               <a:rPr lang="en-US" smtClean="0"/>
-              <a:t>6/24/2020</a:t>
+              <a:t>8/15/2020</a:t>
             </a:fld>
             <a:endParaRPr lang="en-US"/>
           </a:p>
@@ -4963,7 +4979,7 @@
           <a:p>
             <a:fld id="{3C04E684-10F4-4CC3-A0B9-F03AA7BE37CF}" type="datetimeFigureOut">
               <a:rPr lang="en-US" smtClean="0"/>
-              <a:t>6/24/2020</a:t>
+              <a:t>8/15/2020</a:t>
             </a:fld>
             <a:endParaRPr lang="en-US"/>
           </a:p>
@@ -5161,7 +5177,7 @@
           <a:p>
             <a:fld id="{3C04E684-10F4-4CC3-A0B9-F03AA7BE37CF}" type="datetimeFigureOut">
               <a:rPr lang="en-US" smtClean="0"/>
-              <a:t>6/24/2020</a:t>
+              <a:t>8/15/2020</a:t>
             </a:fld>
             <a:endParaRPr lang="en-US"/>
           </a:p>
@@ -5369,7 +5385,7 @@
           <a:p>
             <a:fld id="{3C04E684-10F4-4CC3-A0B9-F03AA7BE37CF}" type="datetimeFigureOut">
               <a:rPr lang="en-US" smtClean="0"/>
-              <a:t>6/24/2020</a:t>
+              <a:t>8/15/2020</a:t>
             </a:fld>
             <a:endParaRPr lang="en-US"/>
           </a:p>
@@ -6106,7 +6122,7 @@
           <a:p>
             <a:fld id="{3C04E684-10F4-4CC3-A0B9-F03AA7BE37CF}" type="datetimeFigureOut">
               <a:rPr lang="en-US" smtClean="0"/>
-              <a:t>6/24/2020</a:t>
+              <a:t>8/15/2020</a:t>
             </a:fld>
             <a:endParaRPr lang="en-US"/>
           </a:p>
@@ -6748,7 +6764,7 @@
           <a:p>
             <a:fld id="{3C04E684-10F4-4CC3-A0B9-F03AA7BE37CF}" type="datetimeFigureOut">
               <a:rPr lang="en-US" smtClean="0"/>
-              <a:t>6/24/2020</a:t>
+              <a:t>8/15/2020</a:t>
             </a:fld>
             <a:endParaRPr lang="en-US"/>
           </a:p>
@@ -7548,7 +7564,7 @@
           <a:p>
             <a:fld id="{3C04E684-10F4-4CC3-A0B9-F03AA7BE37CF}" type="datetimeFigureOut">
               <a:rPr lang="en-US" smtClean="0"/>
-              <a:t>6/24/2020</a:t>
+              <a:t>8/15/2020</a:t>
             </a:fld>
             <a:endParaRPr lang="en-US"/>
           </a:p>
@@ -8499,7 +8515,7 @@
           <a:p>
             <a:fld id="{3C04E684-10F4-4CC3-A0B9-F03AA7BE37CF}" type="datetimeFigureOut">
               <a:rPr lang="en-US" smtClean="0"/>
-              <a:t>6/24/2020</a:t>
+              <a:t>8/15/2020</a:t>
             </a:fld>
             <a:endParaRPr lang="en-US"/>
           </a:p>
@@ -10848,7 +10864,7 @@
           <a:p>
             <a:fld id="{3C04E684-10F4-4CC3-A0B9-F03AA7BE37CF}" type="datetimeFigureOut">
               <a:rPr lang="en-US" smtClean="0"/>
-              <a:t>6/24/2020</a:t>
+              <a:t>8/15/2020</a:t>
             </a:fld>
             <a:endParaRPr lang="en-US"/>
           </a:p>
@@ -10961,7 +10977,7 @@
           <a:p>
             <a:fld id="{3C04E684-10F4-4CC3-A0B9-F03AA7BE37CF}" type="datetimeFigureOut">
               <a:rPr lang="en-US" smtClean="0"/>
-              <a:t>6/24/2020</a:t>
+              <a:t>8/15/2020</a:t>
             </a:fld>
             <a:endParaRPr lang="en-US"/>
           </a:p>
@@ -11468,7 +11484,7 @@
           <a:p>
             <a:fld id="{3C04E684-10F4-4CC3-A0B9-F03AA7BE37CF}" type="datetimeFigureOut">
               <a:rPr lang="en-US" smtClean="0"/>
-              <a:t>6/24/2020</a:t>
+              <a:t>8/15/2020</a:t>
             </a:fld>
             <a:endParaRPr lang="en-US"/>
           </a:p>
@@ -12771,7 +12787,7 @@
           <a:p>
             <a:fld id="{3C04E684-10F4-4CC3-A0B9-F03AA7BE37CF}" type="datetimeFigureOut">
               <a:rPr lang="en-US" smtClean="0"/>
-              <a:t>6/24/2020</a:t>
+              <a:t>8/15/2020</a:t>
             </a:fld>
             <a:endParaRPr lang="en-US"/>
           </a:p>
@@ -13018,7 +13034,7 @@
           <a:p>
             <a:fld id="{3C04E684-10F4-4CC3-A0B9-F03AA7BE37CF}" type="datetimeFigureOut">
               <a:rPr lang="en-US" smtClean="0"/>
-              <a:t>6/24/2020</a:t>
+              <a:t>8/15/2020</a:t>
             </a:fld>
             <a:endParaRPr lang="en-US"/>
           </a:p>
@@ -14078,6 +14094,255 @@
           <a:chExt cx="0" cy="0"/>
         </a:xfrm>
       </p:grpSpPr>
+      <p:sp>
+        <p:nvSpPr>
+          <p:cNvPr id="4" name="Rectangle 3">
+            <a:extLst>
+              <a:ext uri="{FF2B5EF4-FFF2-40B4-BE49-F238E27FC236}">
+                <a16:creationId xmlns:a16="http://schemas.microsoft.com/office/drawing/2014/main" id="{FF5C1717-0F60-4846-AE1F-2C67779BC68A}"/>
+              </a:ext>
+            </a:extLst>
+          </p:cNvPr>
+          <p:cNvSpPr/>
+          <p:nvPr/>
+        </p:nvSpPr>
+        <p:spPr>
+          <a:xfrm>
+            <a:off x="159391" y="1443841"/>
+            <a:ext cx="11610363" cy="4524315"/>
+          </a:xfrm>
+          <a:prstGeom prst="rect">
+            <a:avLst/>
+          </a:prstGeom>
+        </p:spPr>
+        <p:txBody>
+          <a:bodyPr wrap="square">
+            <a:spAutoFit/>
+          </a:bodyPr>
+          <a:lstStyle/>
+          <a:p>
+            <a:pPr marL="285750" indent="-285750">
+              <a:buFont typeface="Wingdings" panose="05000000000000000000" pitchFamily="2" charset="2"/>
+              <a:buChar char="q"/>
+            </a:pPr>
+            <a:r>
+              <a:rPr lang="en-IN" dirty="0">
+                <a:latin typeface="Rockwell" panose="02060603020205020403" pitchFamily="18" charset="0"/>
+              </a:rPr>
+              <a:t> Your objects must be alive:</a:t>
+            </a:r>
+          </a:p>
+          <a:p>
+            <a:r>
+              <a:rPr lang="en-IN" dirty="0">
+                <a:latin typeface="Rockwell" panose="02060603020205020403" pitchFamily="18" charset="0"/>
+              </a:rPr>
+              <a:t>As soon as either the sender object or the receiver object is destroyed, Qt automatically discards the connection. If the signal isn't emitted: Does the sender object still exist? If the slot isn't called: Does the receiver object still exist?</a:t>
+            </a:r>
+          </a:p>
+          <a:p>
+            <a:r>
+              <a:rPr lang="en-IN" dirty="0">
+                <a:latin typeface="Rockwell" panose="02060603020205020403" pitchFamily="18" charset="0"/>
+              </a:rPr>
+              <a:t>To check the lifetime of both objects use a debugger break point or some </a:t>
+            </a:r>
+            <a:r>
+              <a:rPr lang="en-IN" dirty="0" err="1">
+                <a:latin typeface="Rockwell" panose="02060603020205020403" pitchFamily="18" charset="0"/>
+              </a:rPr>
+              <a:t>qDebug</a:t>
+            </a:r>
+            <a:r>
+              <a:rPr lang="en-IN" dirty="0">
+                <a:latin typeface="Rockwell" panose="02060603020205020403" pitchFamily="18" charset="0"/>
+              </a:rPr>
+              <a:t>() output in the constructors/destructors.</a:t>
+            </a:r>
+          </a:p>
+          <a:p>
+            <a:endParaRPr lang="en-IN" dirty="0">
+              <a:latin typeface="Rockwell" panose="02060603020205020403" pitchFamily="18" charset="0"/>
+            </a:endParaRPr>
+          </a:p>
+          <a:p>
+            <a:pPr marL="285750" indent="-285750">
+              <a:buFont typeface="Wingdings" panose="05000000000000000000" pitchFamily="2" charset="2"/>
+              <a:buChar char="q"/>
+            </a:pPr>
+            <a:r>
+              <a:rPr lang="en-IN" dirty="0">
+                <a:latin typeface="Rockwell" panose="02060603020205020403" pitchFamily="18" charset="0"/>
+              </a:rPr>
+              <a:t> It still does not work:</a:t>
+            </a:r>
+          </a:p>
+          <a:p>
+            <a:r>
+              <a:rPr lang="en-IN" dirty="0">
+                <a:latin typeface="Rockwell" panose="02060603020205020403" pitchFamily="18" charset="0"/>
+              </a:rPr>
+              <a:t>To do a very quick and dirty check of your connection emit the signal by your self using some dummy arguments and see if it is called:</a:t>
+            </a:r>
+          </a:p>
+          <a:p>
+            <a:endParaRPr lang="en-IN" dirty="0">
+              <a:latin typeface="Rockwell" panose="02060603020205020403" pitchFamily="18" charset="0"/>
+            </a:endParaRPr>
+          </a:p>
+          <a:p>
+            <a:r>
+              <a:rPr lang="en-IN" dirty="0">
+                <a:latin typeface="Rockwell" panose="02060603020205020403" pitchFamily="18" charset="0"/>
+              </a:rPr>
+              <a:t>connect(that, SIGNAL(</a:t>
+            </a:r>
+            <a:r>
+              <a:rPr lang="en-IN" dirty="0" err="1">
+                <a:latin typeface="Rockwell" panose="02060603020205020403" pitchFamily="18" charset="0"/>
+              </a:rPr>
+              <a:t>mySignal</a:t>
+            </a:r>
+            <a:r>
+              <a:rPr lang="en-IN" dirty="0">
+                <a:latin typeface="Rockwell" panose="02060603020205020403" pitchFamily="18" charset="0"/>
+              </a:rPr>
+              <a:t>(int)), this, SLOT(</a:t>
+            </a:r>
+            <a:r>
+              <a:rPr lang="en-IN" dirty="0" err="1">
+                <a:latin typeface="Rockwell" panose="02060603020205020403" pitchFamily="18" charset="0"/>
+              </a:rPr>
+              <a:t>mySlot</a:t>
+            </a:r>
+            <a:r>
+              <a:rPr lang="en-IN" dirty="0">
+                <a:latin typeface="Rockwell" panose="02060603020205020403" pitchFamily="18" charset="0"/>
+              </a:rPr>
+              <a:t>(int)));</a:t>
+            </a:r>
+          </a:p>
+          <a:p>
+            <a:r>
+              <a:rPr lang="en-IN" dirty="0">
+                <a:latin typeface="Rockwell" panose="02060603020205020403" pitchFamily="18" charset="0"/>
+              </a:rPr>
+              <a:t>emit that-&gt;</a:t>
+            </a:r>
+            <a:r>
+              <a:rPr lang="en-IN" dirty="0" err="1">
+                <a:latin typeface="Rockwell" panose="02060603020205020403" pitchFamily="18" charset="0"/>
+              </a:rPr>
+              <a:t>mySignal</a:t>
+            </a:r>
+            <a:r>
+              <a:rPr lang="en-IN" dirty="0">
+                <a:latin typeface="Rockwell" panose="02060603020205020403" pitchFamily="18" charset="0"/>
+              </a:rPr>
+              <a:t>(0); // Ugly, don't forget to remove it immediately</a:t>
+            </a:r>
+          </a:p>
+          <a:p>
+            <a:r>
+              <a:rPr lang="en-IN" dirty="0">
+                <a:latin typeface="Rockwell" panose="02060603020205020403" pitchFamily="18" charset="0"/>
+              </a:rPr>
+              <a:t>Finally of course it is possible that the signal simply is not emitted. If you followed the above rules, probably something is wrong in your program's logic. Read the documentation. Use the debugger. And if there is now other way, ask at </a:t>
+            </a:r>
+            <a:r>
+              <a:rPr lang="en-IN" dirty="0" err="1">
+                <a:latin typeface="Rockwell" panose="02060603020205020403" pitchFamily="18" charset="0"/>
+              </a:rPr>
+              <a:t>stackoverflow</a:t>
+            </a:r>
+            <a:r>
+              <a:rPr lang="en-IN" dirty="0">
+                <a:latin typeface="Rockwell" panose="02060603020205020403" pitchFamily="18" charset="0"/>
+              </a:rPr>
+              <a:t>.</a:t>
+            </a:r>
+          </a:p>
+        </p:txBody>
+      </p:sp>
+      <p:sp>
+        <p:nvSpPr>
+          <p:cNvPr id="2" name="Rectangle: Rounded Corners 1">
+            <a:extLst>
+              <a:ext uri="{FF2B5EF4-FFF2-40B4-BE49-F238E27FC236}">
+                <a16:creationId xmlns:a16="http://schemas.microsoft.com/office/drawing/2014/main" id="{F6838CBA-BEA5-4A57-838A-35E5FA2C0DD9}"/>
+              </a:ext>
+            </a:extLst>
+          </p:cNvPr>
+          <p:cNvSpPr/>
+          <p:nvPr/>
+        </p:nvSpPr>
+        <p:spPr>
+          <a:xfrm>
+            <a:off x="385893" y="562062"/>
+            <a:ext cx="3179428" cy="520118"/>
+          </a:xfrm>
+          <a:prstGeom prst="roundRect">
+            <a:avLst/>
+          </a:prstGeom>
+        </p:spPr>
+        <p:style>
+          <a:lnRef idx="2">
+            <a:schemeClr val="accent1">
+              <a:shade val="50000"/>
+            </a:schemeClr>
+          </a:lnRef>
+          <a:fillRef idx="1">
+            <a:schemeClr val="accent1"/>
+          </a:fillRef>
+          <a:effectRef idx="0">
+            <a:schemeClr val="accent1"/>
+          </a:effectRef>
+          <a:fontRef idx="minor">
+            <a:schemeClr val="lt1"/>
+          </a:fontRef>
+        </p:style>
+        <p:txBody>
+          <a:bodyPr rtlCol="0" anchor="ctr"/>
+          <a:lstStyle/>
+          <a:p>
+            <a:pPr algn="ctr"/>
+            <a:r>
+              <a:rPr lang="en-IN" dirty="0"/>
+              <a:t>Signals and Slots</a:t>
+            </a:r>
+          </a:p>
+        </p:txBody>
+      </p:sp>
+    </p:spTree>
+    <p:extLst>
+      <p:ext uri="{BB962C8B-B14F-4D97-AF65-F5344CB8AC3E}">
+        <p14:creationId xmlns:p14="http://schemas.microsoft.com/office/powerpoint/2010/main" val="2082363713"/>
+      </p:ext>
+    </p:extLst>
+  </p:cSld>
+  <p:clrMapOvr>
+    <a:masterClrMapping/>
+  </p:clrMapOvr>
+</p:sld>
+</file>
+
+<file path=ppt/slides/slide11.xml><?xml version="1.0" encoding="utf-8"?>
+<p:sld xmlns:a="http://schemas.openxmlformats.org/drawingml/2006/main" xmlns:r="http://schemas.openxmlformats.org/officeDocument/2006/relationships" xmlns:p="http://schemas.openxmlformats.org/presentationml/2006/main">
+  <p:cSld>
+    <p:spTree>
+      <p:nvGrpSpPr>
+        <p:cNvPr id="1" name=""/>
+        <p:cNvGrpSpPr/>
+        <p:nvPr/>
+      </p:nvGrpSpPr>
+      <p:grpSpPr>
+        <a:xfrm>
+          <a:off x="0" y="0"/>
+          <a:ext cx="0" cy="0"/>
+          <a:chOff x="0" y="0"/>
+          <a:chExt cx="0" cy="0"/>
+        </a:xfrm>
+      </p:grpSpPr>
       <p:pic>
         <p:nvPicPr>
           <p:cNvPr id="2" name="Picture 1">
@@ -14100,7 +14365,7 @@
         </p:blipFill>
         <p:spPr>
           <a:xfrm>
-            <a:off x="2850697" y="2257230"/>
+            <a:off x="803783" y="2374676"/>
             <a:ext cx="6229350" cy="4191000"/>
           </a:xfrm>
           <a:prstGeom prst="rect">
@@ -14122,8 +14387,8 @@
         </p:nvSpPr>
         <p:spPr>
           <a:xfrm>
-            <a:off x="2080727" y="774441"/>
-            <a:ext cx="8070979" cy="923330"/>
+            <a:off x="731369" y="1437171"/>
+            <a:ext cx="10729262" cy="646331"/>
           </a:xfrm>
           <a:prstGeom prst="rect">
             <a:avLst/>
@@ -14138,7 +14403,7 @@
           <a:p>
             <a:r>
               <a:rPr lang="en-IN" dirty="0"/>
-              <a:t>When using Visual studio, if clicking on methods, class names doesn’t take you to their definition, then check plugin dialog and uncheck, </a:t>
+              <a:t>When using Visual studio compiler with QT Creator, if clicking on methods, class names doesn’t take you to their definition, then check plugin dialog and uncheck, </a:t>
             </a:r>
             <a:r>
               <a:rPr lang="en-IN" dirty="0" err="1"/>
@@ -14147,6 +14412,63 @@
             <a:r>
               <a:rPr lang="en-IN" dirty="0"/>
               <a:t>.</a:t>
+            </a:r>
+          </a:p>
+        </p:txBody>
+      </p:sp>
+      <p:sp>
+        <p:nvSpPr>
+          <p:cNvPr id="4" name="Rectangle: Rounded Corners 3">
+            <a:extLst>
+              <a:ext uri="{FF2B5EF4-FFF2-40B4-BE49-F238E27FC236}">
+                <a16:creationId xmlns:a16="http://schemas.microsoft.com/office/drawing/2014/main" id="{C755DC65-1146-4D60-A256-C1E02F1B9F66}"/>
+              </a:ext>
+            </a:extLst>
+          </p:cNvPr>
+          <p:cNvSpPr/>
+          <p:nvPr/>
+        </p:nvSpPr>
+        <p:spPr>
+          <a:xfrm>
+            <a:off x="803783" y="679508"/>
+            <a:ext cx="7551652" cy="466489"/>
+          </a:xfrm>
+          <a:prstGeom prst="roundRect">
+            <a:avLst/>
+          </a:prstGeom>
+        </p:spPr>
+        <p:style>
+          <a:lnRef idx="2">
+            <a:schemeClr val="accent1">
+              <a:shade val="50000"/>
+            </a:schemeClr>
+          </a:lnRef>
+          <a:fillRef idx="1">
+            <a:schemeClr val="accent1"/>
+          </a:fillRef>
+          <a:effectRef idx="0">
+            <a:schemeClr val="accent1"/>
+          </a:effectRef>
+          <a:fontRef idx="minor">
+            <a:schemeClr val="lt1"/>
+          </a:fontRef>
+        </p:style>
+        <p:txBody>
+          <a:bodyPr rtlCol="0" anchor="ctr"/>
+          <a:lstStyle/>
+          <a:p>
+            <a:pPr algn="ctr"/>
+            <a:r>
+              <a:rPr lang="en-IN" dirty="0"/>
+              <a:t>QT Creator </a:t>
+            </a:r>
+            <a:r>
+              <a:rPr lang="en-IN" dirty="0" err="1"/>
+              <a:t>intellisense</a:t>
+            </a:r>
+            <a:r>
+              <a:rPr lang="en-IN" dirty="0"/>
+              <a:t> not working ? </a:t>
             </a:r>
           </a:p>
         </p:txBody>
@@ -14164,7 +14486,7 @@
 </p:sld>
 </file>
 
-<file path=ppt/slides/slide11.xml><?xml version="1.0" encoding="utf-8"?>
+<file path=ppt/slides/slide12.xml><?xml version="1.0" encoding="utf-8"?>
 <p:sld xmlns:a="http://schemas.openxmlformats.org/drawingml/2006/main" xmlns:r="http://schemas.openxmlformats.org/officeDocument/2006/relationships" xmlns:p="http://schemas.openxmlformats.org/presentationml/2006/main">
   <p:cSld>
     <p:spTree>
@@ -14219,17 +14541,14 @@
                 <a:spcPts val="0"/>
               </a:spcAft>
             </a:pPr>
-            <a:r>
-              <a:rPr lang="en-IN" sz="3600" kern="1800" spc="-10" dirty="0">
-                <a:solidFill>
-                  <a:srgbClr val="333333"/>
-                </a:solidFill>
-                <a:latin typeface="Rockwell" panose="02060603020205020403" pitchFamily="18" charset="0"/>
-                <a:ea typeface="Times New Roman" panose="02020603050405020304" pitchFamily="18" charset="0"/>
-                <a:cs typeface="Times New Roman" panose="02020603050405020304" pitchFamily="18" charset="0"/>
-              </a:rPr>
-              <a:t>QML Guidelines:</a:t>
-            </a:r>
+            <a:endParaRPr lang="en-IN" sz="3600" kern="1800" spc="-10" dirty="0">
+              <a:solidFill>
+                <a:srgbClr val="333333"/>
+              </a:solidFill>
+              <a:latin typeface="Rockwell" panose="02060603020205020403" pitchFamily="18" charset="0"/>
+              <a:ea typeface="Times New Roman" panose="02020603050405020304" pitchFamily="18" charset="0"/>
+              <a:cs typeface="Times New Roman" panose="02020603050405020304" pitchFamily="18" charset="0"/>
+            </a:endParaRPr>
           </a:p>
           <a:p>
             <a:pPr>
@@ -14951,6 +15270,55 @@
           </a:p>
         </p:txBody>
       </p:sp>
+      <p:sp>
+        <p:nvSpPr>
+          <p:cNvPr id="3" name="Rectangle: Rounded Corners 2">
+            <a:extLst>
+              <a:ext uri="{FF2B5EF4-FFF2-40B4-BE49-F238E27FC236}">
+                <a16:creationId xmlns:a16="http://schemas.microsoft.com/office/drawing/2014/main" id="{7D3D5CCE-1238-4271-A7D8-462A3A6E9ACF}"/>
+              </a:ext>
+            </a:extLst>
+          </p:cNvPr>
+          <p:cNvSpPr/>
+          <p:nvPr/>
+        </p:nvSpPr>
+        <p:spPr>
+          <a:xfrm>
+            <a:off x="662730" y="402672"/>
+            <a:ext cx="6031685" cy="612396"/>
+          </a:xfrm>
+          <a:prstGeom prst="roundRect">
+            <a:avLst/>
+          </a:prstGeom>
+        </p:spPr>
+        <p:style>
+          <a:lnRef idx="2">
+            <a:schemeClr val="accent1">
+              <a:shade val="50000"/>
+            </a:schemeClr>
+          </a:lnRef>
+          <a:fillRef idx="1">
+            <a:schemeClr val="accent1"/>
+          </a:fillRef>
+          <a:effectRef idx="0">
+            <a:schemeClr val="accent1"/>
+          </a:effectRef>
+          <a:fontRef idx="minor">
+            <a:schemeClr val="lt1"/>
+          </a:fontRef>
+        </p:style>
+        <p:txBody>
+          <a:bodyPr rtlCol="0" anchor="ctr"/>
+          <a:lstStyle/>
+          <a:p>
+            <a:pPr algn="ctr"/>
+            <a:r>
+              <a:rPr lang="en-IN" dirty="0"/>
+              <a:t>Important QML Guidelines</a:t>
+            </a:r>
+          </a:p>
+        </p:txBody>
+      </p:sp>
     </p:spTree>
     <p:extLst>
       <p:ext uri="{BB962C8B-B14F-4D97-AF65-F5344CB8AC3E}">
@@ -14964,7 +15332,7 @@
 </p:sld>
 </file>
 
-<file path=ppt/slides/slide12.xml><?xml version="1.0" encoding="utf-8"?>
+<file path=ppt/slides/slide13.xml><?xml version="1.0" encoding="utf-8"?>
 <p:sld xmlns:a="http://schemas.openxmlformats.org/drawingml/2006/main" xmlns:r="http://schemas.openxmlformats.org/officeDocument/2006/relationships" xmlns:p="http://schemas.openxmlformats.org/presentationml/2006/main">
   <p:cSld>
     <p:spTree>
@@ -15479,6 +15847,55 @@
           </a:p>
         </p:txBody>
       </p:sp>
+      <p:sp>
+        <p:nvSpPr>
+          <p:cNvPr id="6" name="Rectangle: Rounded Corners 5">
+            <a:extLst>
+              <a:ext uri="{FF2B5EF4-FFF2-40B4-BE49-F238E27FC236}">
+                <a16:creationId xmlns:a16="http://schemas.microsoft.com/office/drawing/2014/main" id="{9F5D915C-E345-4F48-A6DF-B65AA2E7CDBC}"/>
+              </a:ext>
+            </a:extLst>
+          </p:cNvPr>
+          <p:cNvSpPr/>
+          <p:nvPr/>
+        </p:nvSpPr>
+        <p:spPr>
+          <a:xfrm>
+            <a:off x="662730" y="402672"/>
+            <a:ext cx="6031685" cy="612396"/>
+          </a:xfrm>
+          <a:prstGeom prst="roundRect">
+            <a:avLst/>
+          </a:prstGeom>
+        </p:spPr>
+        <p:style>
+          <a:lnRef idx="2">
+            <a:schemeClr val="accent1">
+              <a:shade val="50000"/>
+            </a:schemeClr>
+          </a:lnRef>
+          <a:fillRef idx="1">
+            <a:schemeClr val="accent1"/>
+          </a:fillRef>
+          <a:effectRef idx="0">
+            <a:schemeClr val="accent1"/>
+          </a:effectRef>
+          <a:fontRef idx="minor">
+            <a:schemeClr val="lt1"/>
+          </a:fontRef>
+        </p:style>
+        <p:txBody>
+          <a:bodyPr rtlCol="0" anchor="ctr"/>
+          <a:lstStyle/>
+          <a:p>
+            <a:pPr algn="ctr"/>
+            <a:r>
+              <a:rPr lang="en-IN" dirty="0"/>
+              <a:t>Important QML Guidelines</a:t>
+            </a:r>
+          </a:p>
+        </p:txBody>
+      </p:sp>
     </p:spTree>
     <p:extLst>
       <p:ext uri="{BB962C8B-B14F-4D97-AF65-F5344CB8AC3E}">
@@ -15492,7 +15909,7 @@
 </p:sld>
 </file>
 
-<file path=ppt/slides/slide13.xml><?xml version="1.0" encoding="utf-8"?>
+<file path=ppt/slides/slide14.xml><?xml version="1.0" encoding="utf-8"?>
 <p:sld xmlns:a="http://schemas.openxmlformats.org/drawingml/2006/main" xmlns:r="http://schemas.openxmlformats.org/officeDocument/2006/relationships" xmlns:p="http://schemas.openxmlformats.org/presentationml/2006/main">
   <p:cSld>
     <p:spTree>
@@ -15558,7 +15975,7 @@
 </p:sld>
 </file>
 
-<file path=ppt/slides/slide14.xml><?xml version="1.0" encoding="utf-8"?>
+<file path=ppt/slides/slide15.xml><?xml version="1.0" encoding="utf-8"?>
 <p:sld xmlns:a="http://schemas.openxmlformats.org/drawingml/2006/main" xmlns:r="http://schemas.openxmlformats.org/officeDocument/2006/relationships" xmlns:p="http://schemas.openxmlformats.org/presentationml/2006/main">
   <p:cSld>
     <p:spTree>
@@ -15703,7 +16120,2620 @@
 </p:sld>
 </file>
 
-<file path=ppt/slides/slide15.xml><?xml version="1.0" encoding="utf-8"?>
+<file path=ppt/slides/slide16.xml><?xml version="1.0" encoding="utf-8"?>
+<p:sld xmlns:a="http://schemas.openxmlformats.org/drawingml/2006/main" xmlns:r="http://schemas.openxmlformats.org/officeDocument/2006/relationships" xmlns:p="http://schemas.openxmlformats.org/presentationml/2006/main">
+  <p:cSld>
+    <p:spTree>
+      <p:nvGrpSpPr>
+        <p:cNvPr id="1" name=""/>
+        <p:cNvGrpSpPr/>
+        <p:nvPr/>
+      </p:nvGrpSpPr>
+      <p:grpSpPr>
+        <a:xfrm>
+          <a:off x="0" y="0"/>
+          <a:ext cx="0" cy="0"/>
+          <a:chOff x="0" y="0"/>
+          <a:chExt cx="0" cy="0"/>
+        </a:xfrm>
+      </p:grpSpPr>
+      <p:sp>
+        <p:nvSpPr>
+          <p:cNvPr id="4" name="TextBox 3">
+            <a:extLst>
+              <a:ext uri="{FF2B5EF4-FFF2-40B4-BE49-F238E27FC236}">
+                <a16:creationId xmlns:a16="http://schemas.microsoft.com/office/drawing/2014/main" id="{0B31437A-F056-48E6-A53D-871DBEE7B4CD}"/>
+              </a:ext>
+            </a:extLst>
+          </p:cNvPr>
+          <p:cNvSpPr txBox="1"/>
+          <p:nvPr/>
+        </p:nvSpPr>
+        <p:spPr>
+          <a:xfrm>
+            <a:off x="5875090" y="2097248"/>
+            <a:ext cx="6000926" cy="1077218"/>
+          </a:xfrm>
+          <a:prstGeom prst="rect">
+            <a:avLst/>
+          </a:prstGeom>
+          <a:noFill/>
+        </p:spPr>
+        <p:txBody>
+          <a:bodyPr wrap="square">
+            <a:spAutoFit/>
+          </a:bodyPr>
+          <a:lstStyle/>
+          <a:p>
+            <a:r>
+              <a:rPr lang="en-IN" sz="1600" dirty="0" err="1"/>
+              <a:t>model.display</a:t>
+            </a:r>
+            <a:r>
+              <a:rPr lang="en-IN" sz="1600" dirty="0"/>
+              <a:t> // </a:t>
+            </a:r>
+            <a:r>
+              <a:rPr lang="en-IN" sz="1600" dirty="0" err="1"/>
+              <a:t>model.data</a:t>
+            </a:r>
+            <a:r>
+              <a:rPr lang="en-IN" sz="1600" dirty="0"/>
+              <a:t>(index, Qt::</a:t>
+            </a:r>
+            <a:r>
+              <a:rPr lang="en-IN" sz="1600" dirty="0" err="1"/>
+              <a:t>DisplayRole</a:t>
+            </a:r>
+            <a:r>
+              <a:rPr lang="en-IN" sz="1600" dirty="0"/>
+              <a:t>) in </a:t>
+            </a:r>
+            <a:r>
+              <a:rPr lang="en-IN" sz="1600" dirty="0" err="1"/>
+              <a:t>c++</a:t>
+            </a:r>
+            <a:endParaRPr lang="en-IN" sz="1600" dirty="0"/>
+          </a:p>
+          <a:p>
+            <a:r>
+              <a:rPr lang="en-IN" sz="1600" dirty="0" err="1"/>
+              <a:t>model.decoration</a:t>
+            </a:r>
+            <a:r>
+              <a:rPr lang="en-IN" sz="1600" dirty="0"/>
+              <a:t> // Qt::</a:t>
+            </a:r>
+            <a:r>
+              <a:rPr lang="en-IN" sz="1600" dirty="0" err="1"/>
+              <a:t>DecorationRole</a:t>
+            </a:r>
+            <a:endParaRPr lang="en-IN" sz="1600" dirty="0"/>
+          </a:p>
+          <a:p>
+            <a:r>
+              <a:rPr lang="en-IN" sz="1600" dirty="0" err="1"/>
+              <a:t>model.edit</a:t>
+            </a:r>
+            <a:r>
+              <a:rPr lang="en-IN" sz="1600" dirty="0"/>
+              <a:t> // Qt::</a:t>
+            </a:r>
+            <a:r>
+              <a:rPr lang="en-IN" sz="1600" dirty="0" err="1"/>
+              <a:t>EditRole</a:t>
+            </a:r>
+            <a:endParaRPr lang="en-IN" sz="1600" dirty="0"/>
+          </a:p>
+          <a:p>
+            <a:r>
+              <a:rPr lang="en-IN" sz="1600" dirty="0" err="1"/>
+              <a:t>model.toolTip</a:t>
+            </a:r>
+            <a:r>
+              <a:rPr lang="en-IN" sz="1600" dirty="0"/>
+              <a:t> // Qt::</a:t>
+            </a:r>
+            <a:r>
+              <a:rPr lang="en-IN" sz="1600" dirty="0" err="1"/>
+              <a:t>ToolTipRole</a:t>
+            </a:r>
+            <a:endParaRPr lang="en-IN" sz="1600" dirty="0"/>
+          </a:p>
+        </p:txBody>
+      </p:sp>
+      <p:sp>
+        <p:nvSpPr>
+          <p:cNvPr id="7" name="TextBox 6">
+            <a:extLst>
+              <a:ext uri="{FF2B5EF4-FFF2-40B4-BE49-F238E27FC236}">
+                <a16:creationId xmlns:a16="http://schemas.microsoft.com/office/drawing/2014/main" id="{C04A7D88-8655-4779-ABDB-7529A5C3882E}"/>
+              </a:ext>
+            </a:extLst>
+          </p:cNvPr>
+          <p:cNvSpPr txBox="1"/>
+          <p:nvPr/>
+        </p:nvSpPr>
+        <p:spPr>
+          <a:xfrm>
+            <a:off x="473277" y="1548567"/>
+            <a:ext cx="5013123" cy="4431983"/>
+          </a:xfrm>
+          <a:prstGeom prst="rect">
+            <a:avLst/>
+          </a:prstGeom>
+          <a:noFill/>
+        </p:spPr>
+        <p:txBody>
+          <a:bodyPr wrap="square">
+            <a:spAutoFit/>
+          </a:bodyPr>
+          <a:lstStyle/>
+          <a:p>
+            <a:r>
+              <a:rPr lang="en-IN" sz="1600" dirty="0" err="1"/>
+              <a:t>ListView</a:t>
+            </a:r>
+            <a:r>
+              <a:rPr lang="en-IN" sz="1600" dirty="0"/>
+              <a:t> {</a:t>
+            </a:r>
+          </a:p>
+          <a:p>
+            <a:r>
+              <a:rPr lang="en-IN" sz="1600" dirty="0"/>
+              <a:t>        </a:t>
+            </a:r>
+            <a:r>
+              <a:rPr lang="en-IN" sz="1600" dirty="0" err="1"/>
+              <a:t>anchors.centerIn</a:t>
+            </a:r>
+            <a:r>
+              <a:rPr lang="en-IN" sz="1600" dirty="0"/>
+              <a:t>: parent</a:t>
+            </a:r>
+          </a:p>
+          <a:p>
+            <a:r>
+              <a:rPr lang="en-IN" sz="1600" dirty="0"/>
+              <a:t>        width: 400</a:t>
+            </a:r>
+          </a:p>
+          <a:p>
+            <a:r>
+              <a:rPr lang="en-IN" sz="1600" dirty="0"/>
+              <a:t>        height: 400</a:t>
+            </a:r>
+          </a:p>
+          <a:p>
+            <a:r>
+              <a:rPr lang="en-IN" sz="1600" dirty="0"/>
+              <a:t>        model: </a:t>
+            </a:r>
+            <a:r>
+              <a:rPr lang="en-IN" sz="1600" dirty="0" err="1"/>
+              <a:t>studentmodel</a:t>
+            </a:r>
+            <a:endParaRPr lang="en-IN" sz="1600" dirty="0"/>
+          </a:p>
+          <a:p>
+            <a:endParaRPr lang="en-IN" sz="1600" dirty="0"/>
+          </a:p>
+          <a:p>
+            <a:r>
+              <a:rPr lang="en-IN" sz="1600" dirty="0"/>
+              <a:t>        delegate: Rectangle {</a:t>
+            </a:r>
+          </a:p>
+          <a:p>
+            <a:r>
+              <a:rPr lang="en-IN" sz="1600" dirty="0"/>
+              <a:t>            width: </a:t>
+            </a:r>
+            <a:r>
+              <a:rPr lang="en-IN" sz="1600" dirty="0" err="1"/>
+              <a:t>parent.width</a:t>
+            </a:r>
+            <a:endParaRPr lang="en-IN" sz="1600" dirty="0"/>
+          </a:p>
+          <a:p>
+            <a:r>
+              <a:rPr lang="en-IN" sz="1600" dirty="0"/>
+              <a:t>            height: 50</a:t>
+            </a:r>
+          </a:p>
+          <a:p>
+            <a:r>
+              <a:rPr lang="en-IN" sz="1600" dirty="0"/>
+              <a:t>            </a:t>
+            </a:r>
+            <a:r>
+              <a:rPr lang="en-IN" sz="1600" dirty="0" err="1"/>
+              <a:t>color</a:t>
+            </a:r>
+            <a:r>
+              <a:rPr lang="en-IN" sz="1600" dirty="0"/>
+              <a:t>: index%2==0?"red":"green"</a:t>
+            </a:r>
+          </a:p>
+          <a:p>
+            <a:r>
+              <a:rPr lang="en-IN" sz="1600" dirty="0"/>
+              <a:t>            Text {</a:t>
+            </a:r>
+          </a:p>
+          <a:p>
+            <a:r>
+              <a:rPr lang="en-IN" sz="1600" dirty="0"/>
+              <a:t>                </a:t>
+            </a:r>
+            <a:r>
+              <a:rPr lang="en-IN" sz="1600" dirty="0" err="1"/>
+              <a:t>anchors.centerIn</a:t>
+            </a:r>
+            <a:r>
+              <a:rPr lang="en-IN" sz="1600" dirty="0"/>
+              <a:t>: parent</a:t>
+            </a:r>
+          </a:p>
+          <a:p>
+            <a:r>
+              <a:rPr lang="en-IN" sz="1600" dirty="0"/>
+              <a:t>                </a:t>
+            </a:r>
+            <a:r>
+              <a:rPr lang="en-IN" sz="1600" dirty="0" err="1"/>
+              <a:t>font.pointSize</a:t>
+            </a:r>
+            <a:r>
+              <a:rPr lang="en-IN" sz="1600" dirty="0"/>
+              <a:t>: 16</a:t>
+            </a:r>
+          </a:p>
+          <a:p>
+            <a:r>
+              <a:rPr lang="en-IN" sz="1600" dirty="0"/>
+              <a:t>                text: </a:t>
+            </a:r>
+            <a:r>
+              <a:rPr lang="en-IN" sz="1600" b="1" dirty="0" err="1"/>
+              <a:t>model.display</a:t>
+            </a:r>
+            <a:endParaRPr lang="en-IN" sz="1600" b="1" dirty="0"/>
+          </a:p>
+          <a:p>
+            <a:r>
+              <a:rPr lang="en-IN" sz="1600" dirty="0"/>
+              <a:t>            }</a:t>
+            </a:r>
+          </a:p>
+          <a:p>
+            <a:r>
+              <a:rPr lang="en-IN" sz="1600" dirty="0"/>
+              <a:t>        }</a:t>
+            </a:r>
+          </a:p>
+          <a:p>
+            <a:r>
+              <a:rPr lang="en-IN" sz="1600" dirty="0"/>
+              <a:t>    }</a:t>
+            </a:r>
+          </a:p>
+        </p:txBody>
+      </p:sp>
+      <p:sp>
+        <p:nvSpPr>
+          <p:cNvPr id="2" name="Rectangle: Rounded Corners 1">
+            <a:extLst>
+              <a:ext uri="{FF2B5EF4-FFF2-40B4-BE49-F238E27FC236}">
+                <a16:creationId xmlns:a16="http://schemas.microsoft.com/office/drawing/2014/main" id="{C20F42D0-AB3A-44AA-9CF5-A690D29604A0}"/>
+              </a:ext>
+            </a:extLst>
+          </p:cNvPr>
+          <p:cNvSpPr/>
+          <p:nvPr/>
+        </p:nvSpPr>
+        <p:spPr>
+          <a:xfrm>
+            <a:off x="473277" y="330662"/>
+            <a:ext cx="5780016" cy="511730"/>
+          </a:xfrm>
+          <a:prstGeom prst="roundRect">
+            <a:avLst/>
+          </a:prstGeom>
+        </p:spPr>
+        <p:style>
+          <a:lnRef idx="2">
+            <a:schemeClr val="accent1">
+              <a:shade val="50000"/>
+            </a:schemeClr>
+          </a:lnRef>
+          <a:fillRef idx="1">
+            <a:schemeClr val="accent1"/>
+          </a:fillRef>
+          <a:effectRef idx="0">
+            <a:schemeClr val="accent1"/>
+          </a:effectRef>
+          <a:fontRef idx="minor">
+            <a:schemeClr val="lt1"/>
+          </a:fontRef>
+        </p:style>
+        <p:txBody>
+          <a:bodyPr rtlCol="0" anchor="ctr"/>
+          <a:lstStyle/>
+          <a:p>
+            <a:r>
+              <a:rPr lang="en-IN" sz="1800" dirty="0">
+                <a:latin typeface="Rockwell" panose="02060603020205020403" pitchFamily="18" charset="0"/>
+              </a:rPr>
+              <a:t>Showing content of </a:t>
+            </a:r>
+            <a:r>
+              <a:rPr lang="en-IN" sz="1800" dirty="0" err="1">
+                <a:latin typeface="Rockwell" panose="02060603020205020403" pitchFamily="18" charset="0"/>
+              </a:rPr>
+              <a:t>AbstractListModel</a:t>
+            </a:r>
+            <a:r>
+              <a:rPr lang="en-IN" sz="1800" dirty="0">
+                <a:latin typeface="Rockwell" panose="02060603020205020403" pitchFamily="18" charset="0"/>
+              </a:rPr>
+              <a:t> without roles. </a:t>
+            </a:r>
+          </a:p>
+        </p:txBody>
+      </p:sp>
+    </p:spTree>
+    <p:extLst>
+      <p:ext uri="{BB962C8B-B14F-4D97-AF65-F5344CB8AC3E}">
+        <p14:creationId xmlns:p14="http://schemas.microsoft.com/office/powerpoint/2010/main" val="73405188"/>
+      </p:ext>
+    </p:extLst>
+  </p:cSld>
+  <p:clrMapOvr>
+    <a:masterClrMapping/>
+  </p:clrMapOvr>
+</p:sld>
+</file>
+
+<file path=ppt/slides/slide17.xml><?xml version="1.0" encoding="utf-8"?>
+<p:sld xmlns:a="http://schemas.openxmlformats.org/drawingml/2006/main" xmlns:r="http://schemas.openxmlformats.org/officeDocument/2006/relationships" xmlns:p="http://schemas.openxmlformats.org/presentationml/2006/main">
+  <p:cSld>
+    <p:spTree>
+      <p:nvGrpSpPr>
+        <p:cNvPr id="1" name=""/>
+        <p:cNvGrpSpPr/>
+        <p:nvPr/>
+      </p:nvGrpSpPr>
+      <p:grpSpPr>
+        <a:xfrm>
+          <a:off x="0" y="0"/>
+          <a:ext cx="0" cy="0"/>
+          <a:chOff x="0" y="0"/>
+          <a:chExt cx="0" cy="0"/>
+        </a:xfrm>
+      </p:grpSpPr>
+      <p:sp>
+        <p:nvSpPr>
+          <p:cNvPr id="4" name="TextBox 3">
+            <a:extLst>
+              <a:ext uri="{FF2B5EF4-FFF2-40B4-BE49-F238E27FC236}">
+                <a16:creationId xmlns:a16="http://schemas.microsoft.com/office/drawing/2014/main" id="{F235EC94-8E2A-496A-AD7F-932EBED8C487}"/>
+              </a:ext>
+            </a:extLst>
+          </p:cNvPr>
+          <p:cNvSpPr txBox="1"/>
+          <p:nvPr/>
+        </p:nvSpPr>
+        <p:spPr>
+          <a:xfrm>
+            <a:off x="419451" y="1071229"/>
+            <a:ext cx="9804632" cy="4924425"/>
+          </a:xfrm>
+          <a:prstGeom prst="rect">
+            <a:avLst/>
+          </a:prstGeom>
+          <a:noFill/>
+        </p:spPr>
+        <p:txBody>
+          <a:bodyPr wrap="square">
+            <a:spAutoFit/>
+          </a:bodyPr>
+          <a:lstStyle/>
+          <a:p>
+            <a:r>
+              <a:rPr lang="en-IN" sz="1600" dirty="0"/>
+              <a:t>property var names: ["Girish","</a:t>
+            </a:r>
+            <a:r>
+              <a:rPr lang="en-IN" sz="1600" dirty="0" err="1"/>
+              <a:t>Ajit</a:t>
+            </a:r>
+            <a:r>
+              <a:rPr lang="en-IN" sz="1600" dirty="0"/>
+              <a:t>","Sachin","</a:t>
+            </a:r>
+            <a:r>
+              <a:rPr lang="en-IN" sz="1600" dirty="0" err="1"/>
+              <a:t>Suhas</a:t>
+            </a:r>
+            <a:r>
+              <a:rPr lang="en-IN" sz="1600" dirty="0"/>
+              <a:t>","</a:t>
+            </a:r>
+            <a:r>
+              <a:rPr lang="en-IN" sz="1600" dirty="0" err="1"/>
+              <a:t>Ramesh","Suresh</a:t>
+            </a:r>
+            <a:r>
+              <a:rPr lang="en-IN" sz="1600" dirty="0"/>
+              <a:t>"];</a:t>
+            </a:r>
+          </a:p>
+          <a:p>
+            <a:endParaRPr lang="en-IN" sz="1600" dirty="0"/>
+          </a:p>
+          <a:p>
+            <a:r>
+              <a:rPr lang="en-IN" sz="1600" dirty="0" err="1"/>
+              <a:t>ListView</a:t>
+            </a:r>
+            <a:r>
+              <a:rPr lang="en-IN" sz="1600" dirty="0"/>
+              <a:t> {</a:t>
+            </a:r>
+          </a:p>
+          <a:p>
+            <a:r>
+              <a:rPr lang="en-IN" sz="1600" dirty="0"/>
+              <a:t>        </a:t>
+            </a:r>
+            <a:r>
+              <a:rPr lang="en-IN" sz="1600" dirty="0" err="1"/>
+              <a:t>anchors.top</a:t>
+            </a:r>
+            <a:r>
+              <a:rPr lang="en-IN" sz="1600" dirty="0"/>
+              <a:t>: b1.bottom</a:t>
+            </a:r>
+          </a:p>
+          <a:p>
+            <a:r>
+              <a:rPr lang="en-IN" sz="1600" dirty="0"/>
+              <a:t>        spacing: 10</a:t>
+            </a:r>
+          </a:p>
+          <a:p>
+            <a:r>
+              <a:rPr lang="en-IN" sz="1600" dirty="0"/>
+              <a:t>        width: 300</a:t>
+            </a:r>
+          </a:p>
+          <a:p>
+            <a:r>
+              <a:rPr lang="en-IN" sz="1600" dirty="0"/>
+              <a:t>        height: 400</a:t>
+            </a:r>
+          </a:p>
+          <a:p>
+            <a:r>
+              <a:rPr lang="en-IN" sz="1600" dirty="0"/>
+              <a:t>        </a:t>
+            </a:r>
+            <a:r>
+              <a:rPr lang="en-IN" sz="1600" b="1" dirty="0"/>
+              <a:t>model: names</a:t>
+            </a:r>
+          </a:p>
+          <a:p>
+            <a:r>
+              <a:rPr lang="en-IN" sz="1600" dirty="0"/>
+              <a:t>        delegate: Rectangle {</a:t>
+            </a:r>
+          </a:p>
+          <a:p>
+            <a:r>
+              <a:rPr lang="en-IN" sz="1600" dirty="0"/>
+              <a:t>            width: </a:t>
+            </a:r>
+            <a:r>
+              <a:rPr lang="en-IN" sz="1600" dirty="0" err="1"/>
+              <a:t>parent.width</a:t>
+            </a:r>
+            <a:endParaRPr lang="en-IN" sz="1600" dirty="0"/>
+          </a:p>
+          <a:p>
+            <a:r>
+              <a:rPr lang="en-IN" sz="1600" dirty="0"/>
+              <a:t>            height: 50</a:t>
+            </a:r>
+          </a:p>
+          <a:p>
+            <a:r>
+              <a:rPr lang="en-IN" sz="1600" dirty="0"/>
+              <a:t>            </a:t>
+            </a:r>
+            <a:r>
+              <a:rPr lang="en-IN" sz="1600" dirty="0" err="1"/>
+              <a:t>color</a:t>
+            </a:r>
+            <a:r>
+              <a:rPr lang="en-IN" sz="1600" dirty="0"/>
+              <a:t>: index%2==0?"green":"lightblue"</a:t>
+            </a:r>
+          </a:p>
+          <a:p>
+            <a:r>
+              <a:rPr lang="en-IN" sz="1600" dirty="0"/>
+              <a:t>            Text {</a:t>
+            </a:r>
+          </a:p>
+          <a:p>
+            <a:r>
+              <a:rPr lang="en-IN" sz="1600" dirty="0"/>
+              <a:t>                </a:t>
+            </a:r>
+            <a:r>
+              <a:rPr lang="en-IN" sz="1600" dirty="0" err="1"/>
+              <a:t>anchors.centerIn</a:t>
+            </a:r>
+            <a:r>
+              <a:rPr lang="en-IN" sz="1600" dirty="0"/>
+              <a:t>: parent</a:t>
+            </a:r>
+          </a:p>
+          <a:p>
+            <a:r>
+              <a:rPr lang="en-IN" sz="1600" dirty="0"/>
+              <a:t>                text: </a:t>
+            </a:r>
+            <a:r>
+              <a:rPr lang="en-IN" sz="1600" b="1" dirty="0" err="1"/>
+              <a:t>model.modelData</a:t>
+            </a:r>
+            <a:endParaRPr lang="en-IN" sz="1600" b="1" dirty="0"/>
+          </a:p>
+          <a:p>
+            <a:r>
+              <a:rPr lang="en-IN" sz="1600" dirty="0"/>
+              <a:t>                </a:t>
+            </a:r>
+            <a:r>
+              <a:rPr lang="en-IN" sz="1600" dirty="0" err="1"/>
+              <a:t>font.pointSize</a:t>
+            </a:r>
+            <a:r>
+              <a:rPr lang="en-IN" sz="1600" dirty="0"/>
+              <a:t>: 20</a:t>
+            </a:r>
+          </a:p>
+          <a:p>
+            <a:r>
+              <a:rPr lang="en-IN" sz="1600" dirty="0"/>
+              <a:t>            }</a:t>
+            </a:r>
+          </a:p>
+          <a:p>
+            <a:r>
+              <a:rPr lang="en-IN" sz="1600" dirty="0"/>
+              <a:t>        }</a:t>
+            </a:r>
+          </a:p>
+          <a:p>
+            <a:r>
+              <a:rPr lang="en-IN" sz="1600" dirty="0"/>
+              <a:t>    }</a:t>
+            </a:r>
+          </a:p>
+        </p:txBody>
+      </p:sp>
+      <p:sp>
+        <p:nvSpPr>
+          <p:cNvPr id="3" name="Rectangle: Rounded Corners 2">
+            <a:extLst>
+              <a:ext uri="{FF2B5EF4-FFF2-40B4-BE49-F238E27FC236}">
+                <a16:creationId xmlns:a16="http://schemas.microsoft.com/office/drawing/2014/main" id="{8CA85930-22DC-4D5F-B384-F47D9A928775}"/>
+              </a:ext>
+            </a:extLst>
+          </p:cNvPr>
+          <p:cNvSpPr/>
+          <p:nvPr/>
+        </p:nvSpPr>
+        <p:spPr>
+          <a:xfrm>
+            <a:off x="562063" y="318781"/>
+            <a:ext cx="4437776" cy="492389"/>
+          </a:xfrm>
+          <a:prstGeom prst="roundRect">
+            <a:avLst/>
+          </a:prstGeom>
+        </p:spPr>
+        <p:style>
+          <a:lnRef idx="2">
+            <a:schemeClr val="accent1">
+              <a:shade val="50000"/>
+            </a:schemeClr>
+          </a:lnRef>
+          <a:fillRef idx="1">
+            <a:schemeClr val="accent1"/>
+          </a:fillRef>
+          <a:effectRef idx="0">
+            <a:schemeClr val="accent1"/>
+          </a:effectRef>
+          <a:fontRef idx="minor">
+            <a:schemeClr val="lt1"/>
+          </a:fontRef>
+        </p:style>
+        <p:txBody>
+          <a:bodyPr rtlCol="0" anchor="ctr"/>
+          <a:lstStyle/>
+          <a:p>
+            <a:r>
+              <a:rPr lang="en-IN" sz="1800">
+                <a:latin typeface="Rockwell" panose="02060603020205020403" pitchFamily="18" charset="0"/>
+              </a:rPr>
+              <a:t>Showing how to use Array in QML </a:t>
+            </a:r>
+            <a:endParaRPr lang="en-IN" sz="1600" b="1" dirty="0"/>
+          </a:p>
+        </p:txBody>
+      </p:sp>
+    </p:spTree>
+    <p:extLst>
+      <p:ext uri="{BB962C8B-B14F-4D97-AF65-F5344CB8AC3E}">
+        <p14:creationId xmlns:p14="http://schemas.microsoft.com/office/powerpoint/2010/main" val="3151074654"/>
+      </p:ext>
+    </p:extLst>
+  </p:cSld>
+  <p:clrMapOvr>
+    <a:masterClrMapping/>
+  </p:clrMapOvr>
+</p:sld>
+</file>
+
+<file path=ppt/slides/slide18.xml><?xml version="1.0" encoding="utf-8"?>
+<p:sld xmlns:a="http://schemas.openxmlformats.org/drawingml/2006/main" xmlns:r="http://schemas.openxmlformats.org/officeDocument/2006/relationships" xmlns:p="http://schemas.openxmlformats.org/presentationml/2006/main">
+  <p:cSld>
+    <p:spTree>
+      <p:nvGrpSpPr>
+        <p:cNvPr id="1" name=""/>
+        <p:cNvGrpSpPr/>
+        <p:nvPr/>
+      </p:nvGrpSpPr>
+      <p:grpSpPr>
+        <a:xfrm>
+          <a:off x="0" y="0"/>
+          <a:ext cx="0" cy="0"/>
+          <a:chOff x="0" y="0"/>
+          <a:chExt cx="0" cy="0"/>
+        </a:xfrm>
+      </p:grpSpPr>
+      <p:sp>
+        <p:nvSpPr>
+          <p:cNvPr id="5" name="TextBox 4">
+            <a:extLst>
+              <a:ext uri="{FF2B5EF4-FFF2-40B4-BE49-F238E27FC236}">
+                <a16:creationId xmlns:a16="http://schemas.microsoft.com/office/drawing/2014/main" id="{86368BA0-CA8B-41FD-BECD-8C170436C0A1}"/>
+              </a:ext>
+            </a:extLst>
+          </p:cNvPr>
+          <p:cNvSpPr txBox="1"/>
+          <p:nvPr/>
+        </p:nvSpPr>
+        <p:spPr>
+          <a:xfrm>
+            <a:off x="411061" y="1140903"/>
+            <a:ext cx="7642370" cy="5262979"/>
+          </a:xfrm>
+          <a:prstGeom prst="rect">
+            <a:avLst/>
+          </a:prstGeom>
+          <a:noFill/>
+        </p:spPr>
+        <p:txBody>
+          <a:bodyPr wrap="square">
+            <a:spAutoFit/>
+          </a:bodyPr>
+          <a:lstStyle/>
+          <a:p>
+            <a:r>
+              <a:rPr lang="en-IN" sz="1600" dirty="0" err="1"/>
+              <a:t>ListView</a:t>
+            </a:r>
+            <a:r>
+              <a:rPr lang="en-IN" sz="1600" dirty="0"/>
+              <a:t> {</a:t>
+            </a:r>
+          </a:p>
+          <a:p>
+            <a:r>
+              <a:rPr lang="en-IN" sz="1600" dirty="0"/>
+              <a:t>        spacing: 10</a:t>
+            </a:r>
+          </a:p>
+          <a:p>
+            <a:r>
+              <a:rPr lang="en-IN" sz="1600" dirty="0"/>
+              <a:t>        width: 400</a:t>
+            </a:r>
+          </a:p>
+          <a:p>
+            <a:r>
+              <a:rPr lang="en-IN" sz="1600" dirty="0"/>
+              <a:t>        height: 400</a:t>
+            </a:r>
+          </a:p>
+          <a:p>
+            <a:r>
+              <a:rPr lang="en-IN" sz="1600" dirty="0"/>
+              <a:t>        model: </a:t>
+            </a:r>
+            <a:r>
+              <a:rPr lang="en-IN" sz="1600" dirty="0" err="1"/>
+              <a:t>ListModel</a:t>
+            </a:r>
+            <a:r>
+              <a:rPr lang="en-IN" sz="1600" dirty="0"/>
+              <a:t> {</a:t>
+            </a:r>
+          </a:p>
+          <a:p>
+            <a:r>
+              <a:rPr lang="en-IN" sz="1600" dirty="0"/>
+              <a:t>            </a:t>
+            </a:r>
+            <a:r>
+              <a:rPr lang="en-IN" sz="1600" dirty="0" err="1"/>
+              <a:t>ListElement</a:t>
+            </a:r>
+            <a:r>
+              <a:rPr lang="en-IN" sz="1600" dirty="0"/>
+              <a:t>{name: </a:t>
+            </a:r>
+            <a:r>
+              <a:rPr lang="en-IN" sz="1600" dirty="0" err="1"/>
+              <a:t>qsTr</a:t>
+            </a:r>
+            <a:r>
+              <a:rPr lang="en-IN" sz="1600" dirty="0"/>
+              <a:t>(“Girish")}</a:t>
+            </a:r>
+          </a:p>
+          <a:p>
+            <a:r>
+              <a:rPr lang="en-IN" sz="1600" dirty="0"/>
+              <a:t>            </a:t>
+            </a:r>
+            <a:r>
+              <a:rPr lang="en-IN" sz="1600" dirty="0" err="1"/>
+              <a:t>ListElement</a:t>
+            </a:r>
+            <a:r>
+              <a:rPr lang="en-IN" sz="1600" dirty="0"/>
+              <a:t>{name: </a:t>
+            </a:r>
+            <a:r>
+              <a:rPr lang="en-IN" sz="1600" dirty="0" err="1"/>
+              <a:t>qsTr</a:t>
+            </a:r>
+            <a:r>
+              <a:rPr lang="en-IN" sz="1600" dirty="0"/>
+              <a:t>(“</a:t>
+            </a:r>
+            <a:r>
+              <a:rPr lang="en-IN" sz="1600" dirty="0" err="1"/>
+              <a:t>Ajit</a:t>
+            </a:r>
+            <a:r>
+              <a:rPr lang="en-IN" sz="1600" dirty="0"/>
+              <a:t>")}</a:t>
+            </a:r>
+          </a:p>
+          <a:p>
+            <a:r>
+              <a:rPr lang="en-IN" sz="1600" dirty="0"/>
+              <a:t>            </a:t>
+            </a:r>
+            <a:r>
+              <a:rPr lang="en-IN" sz="1600" dirty="0" err="1"/>
+              <a:t>ListElement</a:t>
+            </a:r>
+            <a:r>
+              <a:rPr lang="en-IN" sz="1600" dirty="0"/>
+              <a:t>{name: </a:t>
+            </a:r>
+            <a:r>
+              <a:rPr lang="en-IN" sz="1600" dirty="0" err="1"/>
+              <a:t>qsTr</a:t>
+            </a:r>
+            <a:r>
+              <a:rPr lang="en-IN" sz="1600" dirty="0"/>
+              <a:t>(“</a:t>
+            </a:r>
+            <a:r>
+              <a:rPr lang="en-IN" sz="1600" dirty="0" err="1"/>
+              <a:t>Suhas</a:t>
+            </a:r>
+            <a:r>
+              <a:rPr lang="en-IN" sz="1600" dirty="0"/>
+              <a:t>")}</a:t>
+            </a:r>
+          </a:p>
+          <a:p>
+            <a:r>
+              <a:rPr lang="en-IN" sz="1600" dirty="0"/>
+              <a:t>       }</a:t>
+            </a:r>
+          </a:p>
+          <a:p>
+            <a:endParaRPr lang="en-IN" sz="1600" dirty="0"/>
+          </a:p>
+          <a:p>
+            <a:r>
+              <a:rPr lang="en-IN" sz="1600" dirty="0"/>
+              <a:t>        delegate: Rectangle {</a:t>
+            </a:r>
+          </a:p>
+          <a:p>
+            <a:r>
+              <a:rPr lang="en-IN" sz="1600" dirty="0"/>
+              <a:t>            width: 200</a:t>
+            </a:r>
+          </a:p>
+          <a:p>
+            <a:r>
+              <a:rPr lang="en-IN" sz="1600" dirty="0"/>
+              <a:t>            height: 50</a:t>
+            </a:r>
+          </a:p>
+          <a:p>
+            <a:r>
+              <a:rPr lang="en-IN" sz="1600" dirty="0"/>
+              <a:t>            </a:t>
+            </a:r>
+            <a:r>
+              <a:rPr lang="en-IN" sz="1600" dirty="0" err="1"/>
+              <a:t>color</a:t>
+            </a:r>
+            <a:r>
+              <a:rPr lang="en-IN" sz="1600" dirty="0"/>
+              <a:t>: index%2?"lightgreen":"steelblue"</a:t>
+            </a:r>
+          </a:p>
+          <a:p>
+            <a:r>
+              <a:rPr lang="en-IN" sz="1600" dirty="0"/>
+              <a:t>            Text {</a:t>
+            </a:r>
+          </a:p>
+          <a:p>
+            <a:r>
+              <a:rPr lang="en-IN" sz="1600" dirty="0"/>
+              <a:t>                text: </a:t>
+            </a:r>
+            <a:r>
+              <a:rPr lang="en-IN" sz="1600" b="1" dirty="0"/>
+              <a:t>model.name</a:t>
+            </a:r>
+          </a:p>
+          <a:p>
+            <a:r>
+              <a:rPr lang="en-IN" sz="1600" dirty="0"/>
+              <a:t>                </a:t>
+            </a:r>
+            <a:r>
+              <a:rPr lang="en-IN" sz="1600" dirty="0" err="1"/>
+              <a:t>anchors.centerIn</a:t>
+            </a:r>
+            <a:r>
+              <a:rPr lang="en-IN" sz="1600" dirty="0"/>
+              <a:t>: parent</a:t>
+            </a:r>
+          </a:p>
+          <a:p>
+            <a:r>
+              <a:rPr lang="en-IN" sz="1600" dirty="0"/>
+              <a:t>                </a:t>
+            </a:r>
+            <a:r>
+              <a:rPr lang="en-IN" sz="1600" dirty="0" err="1"/>
+              <a:t>font.pointSize</a:t>
+            </a:r>
+            <a:r>
+              <a:rPr lang="en-IN" sz="1600" dirty="0"/>
+              <a:t>: 20</a:t>
+            </a:r>
+          </a:p>
+          <a:p>
+            <a:r>
+              <a:rPr lang="en-IN" sz="1600" dirty="0"/>
+              <a:t>            }</a:t>
+            </a:r>
+          </a:p>
+          <a:p>
+            <a:r>
+              <a:rPr lang="en-IN" sz="1600" dirty="0"/>
+              <a:t>        }</a:t>
+            </a:r>
+          </a:p>
+          <a:p>
+            <a:r>
+              <a:rPr lang="en-IN" sz="1600" dirty="0"/>
+              <a:t>    }</a:t>
+            </a:r>
+          </a:p>
+        </p:txBody>
+      </p:sp>
+      <p:sp>
+        <p:nvSpPr>
+          <p:cNvPr id="6" name="Rectangle: Rounded Corners 5">
+            <a:extLst>
+              <a:ext uri="{FF2B5EF4-FFF2-40B4-BE49-F238E27FC236}">
+                <a16:creationId xmlns:a16="http://schemas.microsoft.com/office/drawing/2014/main" id="{C5C02E05-E9DE-40F5-B924-CDD07C3C525B}"/>
+              </a:ext>
+            </a:extLst>
+          </p:cNvPr>
+          <p:cNvSpPr/>
+          <p:nvPr/>
+        </p:nvSpPr>
+        <p:spPr>
+          <a:xfrm>
+            <a:off x="511728" y="335560"/>
+            <a:ext cx="6694415" cy="536895"/>
+          </a:xfrm>
+          <a:prstGeom prst="roundRect">
+            <a:avLst/>
+          </a:prstGeom>
+        </p:spPr>
+        <p:style>
+          <a:lnRef idx="2">
+            <a:schemeClr val="accent1">
+              <a:shade val="50000"/>
+            </a:schemeClr>
+          </a:lnRef>
+          <a:fillRef idx="1">
+            <a:schemeClr val="accent1"/>
+          </a:fillRef>
+          <a:effectRef idx="0">
+            <a:schemeClr val="accent1"/>
+          </a:effectRef>
+          <a:fontRef idx="minor">
+            <a:schemeClr val="lt1"/>
+          </a:fontRef>
+        </p:style>
+        <p:txBody>
+          <a:bodyPr rtlCol="0" anchor="ctr"/>
+          <a:lstStyle/>
+          <a:p>
+            <a:pPr algn="ctr"/>
+            <a:r>
+              <a:rPr lang="en-IN" dirty="0"/>
+              <a:t>Accessing Model values in </a:t>
+            </a:r>
+            <a:r>
+              <a:rPr lang="en-IN" dirty="0" err="1"/>
+              <a:t>ListView</a:t>
+            </a:r>
+            <a:endParaRPr lang="en-IN" dirty="0"/>
+          </a:p>
+        </p:txBody>
+      </p:sp>
+    </p:spTree>
+    <p:extLst>
+      <p:ext uri="{BB962C8B-B14F-4D97-AF65-F5344CB8AC3E}">
+        <p14:creationId xmlns:p14="http://schemas.microsoft.com/office/powerpoint/2010/main" val="3213026660"/>
+      </p:ext>
+    </p:extLst>
+  </p:cSld>
+  <p:clrMapOvr>
+    <a:masterClrMapping/>
+  </p:clrMapOvr>
+</p:sld>
+</file>
+
+<file path=ppt/slides/slide19.xml><?xml version="1.0" encoding="utf-8"?>
+<p:sld xmlns:a="http://schemas.openxmlformats.org/drawingml/2006/main" xmlns:r="http://schemas.openxmlformats.org/officeDocument/2006/relationships" xmlns:p="http://schemas.openxmlformats.org/presentationml/2006/main">
+  <p:cSld>
+    <p:spTree>
+      <p:nvGrpSpPr>
+        <p:cNvPr id="1" name=""/>
+        <p:cNvGrpSpPr/>
+        <p:nvPr/>
+      </p:nvGrpSpPr>
+      <p:grpSpPr>
+        <a:xfrm>
+          <a:off x="0" y="0"/>
+          <a:ext cx="0" cy="0"/>
+          <a:chOff x="0" y="0"/>
+          <a:chExt cx="0" cy="0"/>
+        </a:xfrm>
+      </p:grpSpPr>
+      <p:sp>
+        <p:nvSpPr>
+          <p:cNvPr id="4" name="TextBox 3">
+            <a:extLst>
+              <a:ext uri="{FF2B5EF4-FFF2-40B4-BE49-F238E27FC236}">
+                <a16:creationId xmlns:a16="http://schemas.microsoft.com/office/drawing/2014/main" id="{093F1FE7-8248-4874-B1F7-6A5432BA25A1}"/>
+              </a:ext>
+            </a:extLst>
+          </p:cNvPr>
+          <p:cNvSpPr txBox="1"/>
+          <p:nvPr/>
+        </p:nvSpPr>
+        <p:spPr>
+          <a:xfrm>
+            <a:off x="580937" y="1265170"/>
+            <a:ext cx="9980802" cy="4154984"/>
+          </a:xfrm>
+          <a:prstGeom prst="rect">
+            <a:avLst/>
+          </a:prstGeom>
+          <a:noFill/>
+        </p:spPr>
+        <p:txBody>
+          <a:bodyPr wrap="square">
+            <a:spAutoFit/>
+          </a:bodyPr>
+          <a:lstStyle/>
+          <a:p>
+            <a:r>
+              <a:rPr lang="en-IN" sz="1600" dirty="0" err="1"/>
+              <a:t>ComboBox</a:t>
+            </a:r>
+            <a:r>
+              <a:rPr lang="en-IN" sz="1600" dirty="0"/>
+              <a:t> {</a:t>
+            </a:r>
+          </a:p>
+          <a:p>
+            <a:r>
+              <a:rPr lang="en-IN" sz="1600" dirty="0"/>
+              <a:t>        width: 200</a:t>
+            </a:r>
+          </a:p>
+          <a:p>
+            <a:r>
+              <a:rPr lang="en-IN" sz="1600" dirty="0"/>
+              <a:t>        height: 100</a:t>
+            </a:r>
+          </a:p>
+          <a:p>
+            <a:r>
+              <a:rPr lang="en-IN" sz="1600" dirty="0"/>
+              <a:t>        //  model: 4</a:t>
+            </a:r>
+          </a:p>
+          <a:p>
+            <a:r>
+              <a:rPr lang="en-IN" sz="1600" dirty="0"/>
+              <a:t>        model: </a:t>
+            </a:r>
+            <a:r>
+              <a:rPr lang="en-IN" sz="1600" dirty="0" err="1"/>
+              <a:t>ListModel</a:t>
+            </a:r>
+            <a:r>
+              <a:rPr lang="en-IN" sz="1600" dirty="0"/>
+              <a:t> {</a:t>
+            </a:r>
+          </a:p>
+          <a:p>
+            <a:r>
+              <a:rPr lang="en-IN" sz="1600" dirty="0"/>
+              <a:t>            </a:t>
+            </a:r>
+            <a:r>
+              <a:rPr lang="en-IN" sz="1600" dirty="0" err="1"/>
+              <a:t>ListElement</a:t>
+            </a:r>
+            <a:r>
+              <a:rPr lang="en-IN" sz="1600" dirty="0"/>
+              <a:t> {name:"1"}</a:t>
+            </a:r>
+          </a:p>
+          <a:p>
+            <a:r>
+              <a:rPr lang="en-IN" sz="1600" dirty="0"/>
+              <a:t>            </a:t>
+            </a:r>
+            <a:r>
+              <a:rPr lang="en-IN" sz="1600" dirty="0" err="1"/>
+              <a:t>ListElement</a:t>
+            </a:r>
+            <a:r>
+              <a:rPr lang="en-IN" sz="1600" dirty="0"/>
+              <a:t> {name:"2"}</a:t>
+            </a:r>
+          </a:p>
+          <a:p>
+            <a:r>
+              <a:rPr lang="en-IN" sz="1600" dirty="0"/>
+              <a:t>            </a:t>
+            </a:r>
+            <a:r>
+              <a:rPr lang="en-IN" sz="1600" dirty="0" err="1"/>
+              <a:t>ListElement</a:t>
+            </a:r>
+            <a:r>
+              <a:rPr lang="en-IN" sz="1600" dirty="0"/>
+              <a:t> {name:"3"}</a:t>
+            </a:r>
+          </a:p>
+          <a:p>
+            <a:r>
+              <a:rPr lang="en-IN" sz="1600" dirty="0"/>
+              <a:t>            </a:t>
+            </a:r>
+            <a:r>
+              <a:rPr lang="en-IN" sz="1600" dirty="0" err="1"/>
+              <a:t>ListElement</a:t>
+            </a:r>
+            <a:r>
+              <a:rPr lang="en-IN" sz="1600" dirty="0"/>
+              <a:t> {name:"4"}</a:t>
+            </a:r>
+          </a:p>
+          <a:p>
+            <a:r>
+              <a:rPr lang="en-IN" sz="1600" dirty="0"/>
+              <a:t>        }</a:t>
+            </a:r>
+          </a:p>
+          <a:p>
+            <a:endParaRPr lang="en-IN" sz="1600" dirty="0"/>
+          </a:p>
+          <a:p>
+            <a:r>
+              <a:rPr lang="en-IN" sz="1600" dirty="0"/>
+              <a:t>      </a:t>
+            </a:r>
+            <a:r>
+              <a:rPr lang="en-IN" sz="1600" dirty="0" err="1"/>
+              <a:t>onCurrentIndexChanged</a:t>
+            </a:r>
+            <a:r>
+              <a:rPr lang="en-IN" sz="1600" dirty="0"/>
+              <a:t>: {</a:t>
+            </a:r>
+          </a:p>
+          <a:p>
+            <a:r>
+              <a:rPr lang="en-IN" sz="1600" dirty="0"/>
+              <a:t>            console.log(currentIndex+1);</a:t>
+            </a:r>
+          </a:p>
+          <a:p>
+            <a:r>
+              <a:rPr lang="en-IN" sz="1600" dirty="0"/>
+              <a:t>            console.log(</a:t>
+            </a:r>
+            <a:r>
+              <a:rPr lang="en-IN" sz="1600" b="1" dirty="0" err="1"/>
+              <a:t>model.get</a:t>
+            </a:r>
+            <a:r>
+              <a:rPr lang="en-IN" sz="1600" b="1" dirty="0"/>
+              <a:t>(</a:t>
+            </a:r>
+            <a:r>
+              <a:rPr lang="en-IN" sz="1600" b="1" dirty="0" err="1"/>
+              <a:t>currentIndex</a:t>
+            </a:r>
+            <a:r>
+              <a:rPr lang="en-IN" sz="1600" b="1" dirty="0"/>
+              <a:t>)["name"]</a:t>
+            </a:r>
+            <a:r>
+              <a:rPr lang="en-IN" sz="1600" dirty="0"/>
+              <a:t>);</a:t>
+            </a:r>
+          </a:p>
+          <a:p>
+            <a:r>
+              <a:rPr lang="en-IN" sz="1600" dirty="0"/>
+              <a:t>        }</a:t>
+            </a:r>
+          </a:p>
+          <a:p>
+            <a:r>
+              <a:rPr lang="en-IN" sz="1600" dirty="0"/>
+              <a:t>    }</a:t>
+            </a:r>
+          </a:p>
+        </p:txBody>
+      </p:sp>
+      <p:sp>
+        <p:nvSpPr>
+          <p:cNvPr id="5" name="Rectangle: Rounded Corners 4">
+            <a:extLst>
+              <a:ext uri="{FF2B5EF4-FFF2-40B4-BE49-F238E27FC236}">
+                <a16:creationId xmlns:a16="http://schemas.microsoft.com/office/drawing/2014/main" id="{95686B10-C50F-40F2-A7BB-48D1ACA1A348}"/>
+              </a:ext>
+            </a:extLst>
+          </p:cNvPr>
+          <p:cNvSpPr/>
+          <p:nvPr/>
+        </p:nvSpPr>
+        <p:spPr>
+          <a:xfrm>
+            <a:off x="520118" y="486561"/>
+            <a:ext cx="8003097" cy="486562"/>
+          </a:xfrm>
+          <a:prstGeom prst="roundRect">
+            <a:avLst/>
+          </a:prstGeom>
+        </p:spPr>
+        <p:style>
+          <a:lnRef idx="2">
+            <a:schemeClr val="accent1">
+              <a:shade val="50000"/>
+            </a:schemeClr>
+          </a:lnRef>
+          <a:fillRef idx="1">
+            <a:schemeClr val="accent1"/>
+          </a:fillRef>
+          <a:effectRef idx="0">
+            <a:schemeClr val="accent1"/>
+          </a:effectRef>
+          <a:fontRef idx="minor">
+            <a:schemeClr val="lt1"/>
+          </a:fontRef>
+        </p:style>
+        <p:txBody>
+          <a:bodyPr rtlCol="0" anchor="ctr"/>
+          <a:lstStyle/>
+          <a:p>
+            <a:pPr algn="ctr"/>
+            <a:r>
+              <a:rPr lang="en-IN" dirty="0"/>
+              <a:t>How to access element of model for given role?</a:t>
+            </a:r>
+          </a:p>
+        </p:txBody>
+      </p:sp>
+    </p:spTree>
+    <p:extLst>
+      <p:ext uri="{BB962C8B-B14F-4D97-AF65-F5344CB8AC3E}">
+        <p14:creationId xmlns:p14="http://schemas.microsoft.com/office/powerpoint/2010/main" val="4175899678"/>
+      </p:ext>
+    </p:extLst>
+  </p:cSld>
+  <p:clrMapOvr>
+    <a:masterClrMapping/>
+  </p:clrMapOvr>
+</p:sld>
+</file>
+
+<file path=ppt/slides/slide2.xml><?xml version="1.0" encoding="utf-8"?>
+<p:sld xmlns:a="http://schemas.openxmlformats.org/drawingml/2006/main" xmlns:r="http://schemas.openxmlformats.org/officeDocument/2006/relationships" xmlns:p="http://schemas.openxmlformats.org/presentationml/2006/main">
+  <p:cSld>
+    <p:spTree>
+      <p:nvGrpSpPr>
+        <p:cNvPr id="1" name=""/>
+        <p:cNvGrpSpPr/>
+        <p:nvPr/>
+      </p:nvGrpSpPr>
+      <p:grpSpPr>
+        <a:xfrm>
+          <a:off x="0" y="0"/>
+          <a:ext cx="0" cy="0"/>
+          <a:chOff x="0" y="0"/>
+          <a:chExt cx="0" cy="0"/>
+        </a:xfrm>
+      </p:grpSpPr>
+      <p:sp>
+        <p:nvSpPr>
+          <p:cNvPr id="5" name="TextBox 4">
+            <a:extLst>
+              <a:ext uri="{FF2B5EF4-FFF2-40B4-BE49-F238E27FC236}">
+                <a16:creationId xmlns:a16="http://schemas.microsoft.com/office/drawing/2014/main" id="{A0094E0E-D056-48F0-98CF-295D991EE612}"/>
+              </a:ext>
+            </a:extLst>
+          </p:cNvPr>
+          <p:cNvSpPr txBox="1"/>
+          <p:nvPr/>
+        </p:nvSpPr>
+        <p:spPr>
+          <a:xfrm>
+            <a:off x="849386" y="1660912"/>
+            <a:ext cx="6094602" cy="369332"/>
+          </a:xfrm>
+          <a:prstGeom prst="rect">
+            <a:avLst/>
+          </a:prstGeom>
+          <a:noFill/>
+        </p:spPr>
+        <p:txBody>
+          <a:bodyPr wrap="square">
+            <a:spAutoFit/>
+          </a:bodyPr>
+          <a:lstStyle/>
+          <a:p>
+            <a:r>
+              <a:rPr lang="en-IN" dirty="0">
+                <a:hlinkClick r:id="rId2"/>
+              </a:rPr>
+              <a:t>https://doc.qt.io/qt-5/qtquick-performance.html</a:t>
+            </a:r>
+            <a:endParaRPr lang="en-IN" dirty="0"/>
+          </a:p>
+        </p:txBody>
+      </p:sp>
+      <p:sp>
+        <p:nvSpPr>
+          <p:cNvPr id="6" name="TextBox 5">
+            <a:extLst>
+              <a:ext uri="{FF2B5EF4-FFF2-40B4-BE49-F238E27FC236}">
+                <a16:creationId xmlns:a16="http://schemas.microsoft.com/office/drawing/2014/main" id="{D2616CFF-D943-4BA0-8A7C-477AB2D8E549}"/>
+              </a:ext>
+            </a:extLst>
+          </p:cNvPr>
+          <p:cNvSpPr txBox="1"/>
+          <p:nvPr/>
+        </p:nvSpPr>
+        <p:spPr>
+          <a:xfrm>
+            <a:off x="849386" y="2369484"/>
+            <a:ext cx="9888522" cy="369332"/>
+          </a:xfrm>
+          <a:prstGeom prst="rect">
+            <a:avLst/>
+          </a:prstGeom>
+          <a:noFill/>
+        </p:spPr>
+        <p:txBody>
+          <a:bodyPr wrap="square">
+            <a:spAutoFit/>
+          </a:bodyPr>
+          <a:lstStyle/>
+          <a:p>
+            <a:r>
+              <a:rPr lang="en-IN" dirty="0">
+                <a:hlinkClick r:id="rId3"/>
+              </a:rPr>
+              <a:t>https://doc.qt.io/qtcreator/creator-qml-performance-monitor.html</a:t>
+            </a:r>
+            <a:endParaRPr lang="en-IN" dirty="0"/>
+          </a:p>
+        </p:txBody>
+      </p:sp>
+      <p:sp>
+        <p:nvSpPr>
+          <p:cNvPr id="7" name="TextBox 6">
+            <a:extLst>
+              <a:ext uri="{FF2B5EF4-FFF2-40B4-BE49-F238E27FC236}">
+                <a16:creationId xmlns:a16="http://schemas.microsoft.com/office/drawing/2014/main" id="{6A443C5F-4298-4347-89AA-F221F6F897ED}"/>
+              </a:ext>
+            </a:extLst>
+          </p:cNvPr>
+          <p:cNvSpPr txBox="1"/>
+          <p:nvPr/>
+        </p:nvSpPr>
+        <p:spPr>
+          <a:xfrm>
+            <a:off x="849385" y="3078056"/>
+            <a:ext cx="8185557" cy="369332"/>
+          </a:xfrm>
+          <a:prstGeom prst="rect">
+            <a:avLst/>
+          </a:prstGeom>
+          <a:noFill/>
+        </p:spPr>
+        <p:txBody>
+          <a:bodyPr wrap="square">
+            <a:spAutoFit/>
+          </a:bodyPr>
+          <a:lstStyle/>
+          <a:p>
+            <a:r>
+              <a:rPr lang="en-IN" dirty="0">
+                <a:hlinkClick r:id="rId4"/>
+              </a:rPr>
+              <a:t>https://doc.qt.io/archives/4.6/model-view-creating-models.html</a:t>
+            </a:r>
+            <a:endParaRPr lang="en-IN" dirty="0"/>
+          </a:p>
+        </p:txBody>
+      </p:sp>
+      <p:sp>
+        <p:nvSpPr>
+          <p:cNvPr id="8" name="TextBox 7">
+            <a:extLst>
+              <a:ext uri="{FF2B5EF4-FFF2-40B4-BE49-F238E27FC236}">
+                <a16:creationId xmlns:a16="http://schemas.microsoft.com/office/drawing/2014/main" id="{EA03F338-0F0E-4196-803B-0349E60D9CFF}"/>
+              </a:ext>
+            </a:extLst>
+          </p:cNvPr>
+          <p:cNvSpPr txBox="1"/>
+          <p:nvPr/>
+        </p:nvSpPr>
+        <p:spPr>
+          <a:xfrm>
+            <a:off x="849385" y="3727689"/>
+            <a:ext cx="7615106" cy="369332"/>
+          </a:xfrm>
+          <a:prstGeom prst="rect">
+            <a:avLst/>
+          </a:prstGeom>
+          <a:noFill/>
+        </p:spPr>
+        <p:txBody>
+          <a:bodyPr wrap="square">
+            <a:spAutoFit/>
+          </a:bodyPr>
+          <a:lstStyle/>
+          <a:p>
+            <a:r>
+              <a:rPr lang="en-IN" dirty="0">
+                <a:hlinkClick r:id="rId5"/>
+              </a:rPr>
+              <a:t>https://doc.qt.io/archives/4.6/model-view-programming.html</a:t>
+            </a:r>
+            <a:endParaRPr lang="en-IN" dirty="0"/>
+          </a:p>
+        </p:txBody>
+      </p:sp>
+      <p:sp>
+        <p:nvSpPr>
+          <p:cNvPr id="2" name="Rectangle: Rounded Corners 1">
+            <a:extLst>
+              <a:ext uri="{FF2B5EF4-FFF2-40B4-BE49-F238E27FC236}">
+                <a16:creationId xmlns:a16="http://schemas.microsoft.com/office/drawing/2014/main" id="{4C29C54C-E94B-478F-ADC2-19E357BD8A17}"/>
+              </a:ext>
+            </a:extLst>
+          </p:cNvPr>
+          <p:cNvSpPr/>
+          <p:nvPr/>
+        </p:nvSpPr>
+        <p:spPr>
+          <a:xfrm>
+            <a:off x="478172" y="587445"/>
+            <a:ext cx="7986319" cy="444400"/>
+          </a:xfrm>
+          <a:prstGeom prst="roundRect">
+            <a:avLst/>
+          </a:prstGeom>
+        </p:spPr>
+        <p:style>
+          <a:lnRef idx="2">
+            <a:schemeClr val="accent1">
+              <a:shade val="50000"/>
+            </a:schemeClr>
+          </a:lnRef>
+          <a:fillRef idx="1">
+            <a:schemeClr val="accent1"/>
+          </a:fillRef>
+          <a:effectRef idx="0">
+            <a:schemeClr val="accent1"/>
+          </a:effectRef>
+          <a:fontRef idx="minor">
+            <a:schemeClr val="lt1"/>
+          </a:fontRef>
+        </p:style>
+        <p:txBody>
+          <a:bodyPr rtlCol="0" anchor="ctr"/>
+          <a:lstStyle/>
+          <a:p>
+            <a:r>
+              <a:rPr lang="en-IN" dirty="0"/>
+              <a:t>Useful Links (Keep reading them whenever got time)</a:t>
+            </a:r>
+          </a:p>
+        </p:txBody>
+      </p:sp>
+    </p:spTree>
+    <p:extLst>
+      <p:ext uri="{BB962C8B-B14F-4D97-AF65-F5344CB8AC3E}">
+        <p14:creationId xmlns:p14="http://schemas.microsoft.com/office/powerpoint/2010/main" val="2618984967"/>
+      </p:ext>
+    </p:extLst>
+  </p:cSld>
+  <p:clrMapOvr>
+    <a:masterClrMapping/>
+  </p:clrMapOvr>
+</p:sld>
+</file>
+
+<file path=ppt/slides/slide20.xml><?xml version="1.0" encoding="utf-8"?>
+<p:sld xmlns:a="http://schemas.openxmlformats.org/drawingml/2006/main" xmlns:r="http://schemas.openxmlformats.org/officeDocument/2006/relationships" xmlns:p="http://schemas.openxmlformats.org/presentationml/2006/main">
+  <p:cSld>
+    <p:spTree>
+      <p:nvGrpSpPr>
+        <p:cNvPr id="1" name=""/>
+        <p:cNvGrpSpPr/>
+        <p:nvPr/>
+      </p:nvGrpSpPr>
+      <p:grpSpPr>
+        <a:xfrm>
+          <a:off x="0" y="0"/>
+          <a:ext cx="0" cy="0"/>
+          <a:chOff x="0" y="0"/>
+          <a:chExt cx="0" cy="0"/>
+        </a:xfrm>
+      </p:grpSpPr>
+      <p:sp>
+        <p:nvSpPr>
+          <p:cNvPr id="4" name="TextBox 3">
+            <a:extLst>
+              <a:ext uri="{FF2B5EF4-FFF2-40B4-BE49-F238E27FC236}">
+                <a16:creationId xmlns:a16="http://schemas.microsoft.com/office/drawing/2014/main" id="{D338EB20-244D-4768-BF67-5A118225EF68}"/>
+              </a:ext>
+            </a:extLst>
+          </p:cNvPr>
+          <p:cNvSpPr txBox="1"/>
+          <p:nvPr/>
+        </p:nvSpPr>
+        <p:spPr>
+          <a:xfrm>
+            <a:off x="312490" y="1652631"/>
+            <a:ext cx="6094602" cy="4431983"/>
+          </a:xfrm>
+          <a:prstGeom prst="rect">
+            <a:avLst/>
+          </a:prstGeom>
+          <a:noFill/>
+        </p:spPr>
+        <p:txBody>
+          <a:bodyPr wrap="square">
+            <a:spAutoFit/>
+          </a:bodyPr>
+          <a:lstStyle/>
+          <a:p>
+            <a:r>
+              <a:rPr lang="en-IN" sz="1600" dirty="0">
+                <a:latin typeface="Rockwell" panose="02060603020205020403" pitchFamily="18" charset="0"/>
+              </a:rPr>
+              <a:t> </a:t>
+            </a:r>
+            <a:r>
+              <a:rPr lang="en-IN" sz="1600" dirty="0" err="1"/>
+              <a:t>MouseArea</a:t>
+            </a:r>
+            <a:r>
+              <a:rPr lang="en-IN" sz="1600" dirty="0"/>
+              <a:t> {</a:t>
+            </a:r>
+          </a:p>
+          <a:p>
+            <a:r>
+              <a:rPr lang="en-IN" sz="1600" dirty="0"/>
+              <a:t>            </a:t>
+            </a:r>
+            <a:r>
+              <a:rPr lang="en-IN" sz="1600" dirty="0" err="1"/>
+              <a:t>anchors.fill</a:t>
+            </a:r>
+            <a:r>
+              <a:rPr lang="en-IN" sz="1600" dirty="0"/>
+              <a:t>: parent</a:t>
+            </a:r>
+          </a:p>
+          <a:p>
+            <a:r>
+              <a:rPr lang="en-IN" sz="1600" dirty="0"/>
+              <a:t>            </a:t>
+            </a:r>
+            <a:r>
+              <a:rPr lang="en-IN" sz="1600" dirty="0" err="1"/>
+              <a:t>acceptedButtons</a:t>
+            </a:r>
+            <a:r>
+              <a:rPr lang="en-IN" sz="1600" dirty="0"/>
+              <a:t>: </a:t>
+            </a:r>
+            <a:r>
+              <a:rPr lang="en-IN" sz="1600" dirty="0" err="1"/>
+              <a:t>Qt.AllButtons</a:t>
+            </a:r>
+            <a:r>
+              <a:rPr lang="en-IN" sz="1600" dirty="0"/>
+              <a:t>;</a:t>
+            </a:r>
+          </a:p>
+          <a:p>
+            <a:r>
+              <a:rPr lang="en-IN" sz="1600" dirty="0"/>
+              <a:t>            </a:t>
+            </a:r>
+            <a:r>
+              <a:rPr lang="en-IN" sz="1600" dirty="0" err="1"/>
+              <a:t>onClicked</a:t>
+            </a:r>
+            <a:r>
+              <a:rPr lang="en-IN" sz="1600" dirty="0"/>
+              <a:t>: {</a:t>
+            </a:r>
+          </a:p>
+          <a:p>
+            <a:r>
+              <a:rPr lang="en-IN" sz="1600" dirty="0"/>
+              <a:t>                console.log("Mouse pressed")</a:t>
+            </a:r>
+          </a:p>
+          <a:p>
+            <a:r>
+              <a:rPr lang="en-IN" sz="1600" dirty="0"/>
+              <a:t>                if (</a:t>
+            </a:r>
+            <a:r>
+              <a:rPr lang="en-IN" sz="1600" dirty="0" err="1"/>
+              <a:t>mouse.button</a:t>
+            </a:r>
+            <a:r>
+              <a:rPr lang="en-IN" sz="1600" dirty="0"/>
+              <a:t> == </a:t>
+            </a:r>
+            <a:r>
+              <a:rPr lang="en-IN" sz="1600" dirty="0" err="1"/>
+              <a:t>Qt.MidButton</a:t>
+            </a:r>
+            <a:r>
+              <a:rPr lang="en-IN" sz="1600" dirty="0"/>
+              <a:t>) {</a:t>
+            </a:r>
+          </a:p>
+          <a:p>
+            <a:r>
+              <a:rPr lang="en-IN" sz="1600" dirty="0"/>
+              <a:t>                    </a:t>
+            </a:r>
+            <a:r>
+              <a:rPr lang="en-IN" sz="1600" dirty="0" err="1"/>
+              <a:t>rect.color</a:t>
+            </a:r>
+            <a:r>
+              <a:rPr lang="en-IN" sz="1600" dirty="0"/>
+              <a:t>="red"</a:t>
+            </a:r>
+          </a:p>
+          <a:p>
+            <a:r>
+              <a:rPr lang="en-IN" sz="1600" dirty="0"/>
+              <a:t>                    console.log("middle button")</a:t>
+            </a:r>
+          </a:p>
+          <a:p>
+            <a:r>
+              <a:rPr lang="en-IN" sz="1600" dirty="0"/>
+              <a:t>                } else if (</a:t>
+            </a:r>
+            <a:r>
+              <a:rPr lang="en-IN" sz="1600" dirty="0" err="1"/>
+              <a:t>mouse.button</a:t>
+            </a:r>
+            <a:r>
+              <a:rPr lang="en-IN" sz="1600" dirty="0"/>
+              <a:t> == </a:t>
+            </a:r>
+            <a:r>
+              <a:rPr lang="en-IN" sz="1600" dirty="0" err="1"/>
+              <a:t>Qt.RightButton</a:t>
+            </a:r>
+            <a:r>
+              <a:rPr lang="en-IN" sz="1600" dirty="0"/>
+              <a:t>) {</a:t>
+            </a:r>
+          </a:p>
+          <a:p>
+            <a:r>
+              <a:rPr lang="en-IN" sz="1600" dirty="0"/>
+              <a:t>                    console.log("right button")</a:t>
+            </a:r>
+          </a:p>
+          <a:p>
+            <a:r>
+              <a:rPr lang="en-IN" sz="1600" dirty="0"/>
+              <a:t>                    </a:t>
+            </a:r>
+            <a:r>
+              <a:rPr lang="en-IN" sz="1600" dirty="0" err="1"/>
+              <a:t>rect.color</a:t>
+            </a:r>
+            <a:r>
+              <a:rPr lang="en-IN" sz="1600" dirty="0"/>
+              <a:t> = "green"</a:t>
+            </a:r>
+          </a:p>
+          <a:p>
+            <a:r>
+              <a:rPr lang="en-IN" sz="1600" dirty="0"/>
+              <a:t>                } else if (</a:t>
+            </a:r>
+            <a:r>
+              <a:rPr lang="en-IN" sz="1600" dirty="0" err="1"/>
+              <a:t>mouse.button</a:t>
+            </a:r>
+            <a:r>
+              <a:rPr lang="en-IN" sz="1600" dirty="0"/>
+              <a:t> == </a:t>
+            </a:r>
+            <a:r>
+              <a:rPr lang="en-IN" sz="1600" dirty="0" err="1"/>
+              <a:t>Qt.LeftButton</a:t>
+            </a:r>
+            <a:r>
+              <a:rPr lang="en-IN" sz="1600" dirty="0"/>
+              <a:t>) {</a:t>
+            </a:r>
+          </a:p>
+          <a:p>
+            <a:r>
+              <a:rPr lang="en-IN" sz="1600" dirty="0"/>
+              <a:t>                    console.log("left button")</a:t>
+            </a:r>
+          </a:p>
+          <a:p>
+            <a:r>
+              <a:rPr lang="en-IN" sz="1600" dirty="0"/>
+              <a:t>                    </a:t>
+            </a:r>
+            <a:r>
+              <a:rPr lang="en-IN" sz="1600" dirty="0" err="1"/>
+              <a:t>rect.color</a:t>
+            </a:r>
+            <a:r>
+              <a:rPr lang="en-IN" sz="1600" dirty="0"/>
+              <a:t> = "blue"</a:t>
+            </a:r>
+          </a:p>
+          <a:p>
+            <a:r>
+              <a:rPr lang="en-IN" sz="1600" dirty="0"/>
+              <a:t>                }</a:t>
+            </a:r>
+          </a:p>
+          <a:p>
+            <a:r>
+              <a:rPr lang="en-IN" sz="1600" dirty="0"/>
+              <a:t>            }</a:t>
+            </a:r>
+          </a:p>
+          <a:p>
+            <a:r>
+              <a:rPr lang="en-IN" sz="1600" dirty="0"/>
+              <a:t>        }</a:t>
+            </a:r>
+          </a:p>
+        </p:txBody>
+      </p:sp>
+      <p:sp>
+        <p:nvSpPr>
+          <p:cNvPr id="6" name="Rectangle: Rounded Corners 5">
+            <a:extLst>
+              <a:ext uri="{FF2B5EF4-FFF2-40B4-BE49-F238E27FC236}">
+                <a16:creationId xmlns:a16="http://schemas.microsoft.com/office/drawing/2014/main" id="{9D2A0C8F-1630-4C91-8125-0FE47FD7E964}"/>
+              </a:ext>
+            </a:extLst>
+          </p:cNvPr>
+          <p:cNvSpPr/>
+          <p:nvPr/>
+        </p:nvSpPr>
+        <p:spPr>
+          <a:xfrm>
+            <a:off x="8405769" y="1451295"/>
+            <a:ext cx="2835479" cy="402672"/>
+          </a:xfrm>
+          <a:prstGeom prst="roundRect">
+            <a:avLst/>
+          </a:prstGeom>
+        </p:spPr>
+        <p:style>
+          <a:lnRef idx="2">
+            <a:schemeClr val="accent1">
+              <a:shade val="50000"/>
+            </a:schemeClr>
+          </a:lnRef>
+          <a:fillRef idx="1">
+            <a:schemeClr val="accent1"/>
+          </a:fillRef>
+          <a:effectRef idx="0">
+            <a:schemeClr val="accent1"/>
+          </a:effectRef>
+          <a:fontRef idx="minor">
+            <a:schemeClr val="lt1"/>
+          </a:fontRef>
+        </p:style>
+        <p:txBody>
+          <a:bodyPr rtlCol="0" anchor="ctr"/>
+          <a:lstStyle/>
+          <a:p>
+            <a:pPr algn="ctr"/>
+            <a:r>
+              <a:rPr lang="en-IN" dirty="0"/>
+              <a:t>This is required* </a:t>
+            </a:r>
+          </a:p>
+        </p:txBody>
+      </p:sp>
+      <p:cxnSp>
+        <p:nvCxnSpPr>
+          <p:cNvPr id="8" name="Straight Arrow Connector 7">
+            <a:extLst>
+              <a:ext uri="{FF2B5EF4-FFF2-40B4-BE49-F238E27FC236}">
+                <a16:creationId xmlns:a16="http://schemas.microsoft.com/office/drawing/2014/main" id="{B90F836A-DE35-49F6-A852-D701FE11CE94}"/>
+              </a:ext>
+            </a:extLst>
+          </p:cNvPr>
+          <p:cNvCxnSpPr>
+            <a:cxnSpLocks/>
+            <a:stCxn id="6" idx="1"/>
+          </p:cNvCxnSpPr>
+          <p:nvPr/>
+        </p:nvCxnSpPr>
+        <p:spPr>
+          <a:xfrm flipH="1">
+            <a:off x="4815281" y="1652631"/>
+            <a:ext cx="3590488" cy="696286"/>
+          </a:xfrm>
+          <a:prstGeom prst="straightConnector1">
+            <a:avLst/>
+          </a:prstGeom>
+          <a:ln>
+            <a:tailEnd type="triangle"/>
+          </a:ln>
+        </p:spPr>
+        <p:style>
+          <a:lnRef idx="1">
+            <a:schemeClr val="accent1"/>
+          </a:lnRef>
+          <a:fillRef idx="0">
+            <a:schemeClr val="accent1"/>
+          </a:fillRef>
+          <a:effectRef idx="0">
+            <a:schemeClr val="accent1"/>
+          </a:effectRef>
+          <a:fontRef idx="minor">
+            <a:schemeClr val="tx1"/>
+          </a:fontRef>
+        </p:style>
+      </p:cxnSp>
+      <p:sp>
+        <p:nvSpPr>
+          <p:cNvPr id="2" name="Rectangle: Rounded Corners 1">
+            <a:extLst>
+              <a:ext uri="{FF2B5EF4-FFF2-40B4-BE49-F238E27FC236}">
+                <a16:creationId xmlns:a16="http://schemas.microsoft.com/office/drawing/2014/main" id="{1F3E8EBE-3A51-43BA-8B3D-6AC3AA960FAD}"/>
+              </a:ext>
+            </a:extLst>
+          </p:cNvPr>
+          <p:cNvSpPr/>
+          <p:nvPr/>
+        </p:nvSpPr>
+        <p:spPr>
+          <a:xfrm>
+            <a:off x="402672" y="553673"/>
+            <a:ext cx="7357145" cy="604008"/>
+          </a:xfrm>
+          <a:prstGeom prst="roundRect">
+            <a:avLst/>
+          </a:prstGeom>
+        </p:spPr>
+        <p:style>
+          <a:lnRef idx="2">
+            <a:schemeClr val="accent1">
+              <a:shade val="50000"/>
+            </a:schemeClr>
+          </a:lnRef>
+          <a:fillRef idx="1">
+            <a:schemeClr val="accent1"/>
+          </a:fillRef>
+          <a:effectRef idx="0">
+            <a:schemeClr val="accent1"/>
+          </a:effectRef>
+          <a:fontRef idx="minor">
+            <a:schemeClr val="lt1"/>
+          </a:fontRef>
+        </p:style>
+        <p:txBody>
+          <a:bodyPr rtlCol="0" anchor="ctr"/>
+          <a:lstStyle/>
+          <a:p>
+            <a:r>
+              <a:rPr lang="en-IN" sz="1800" b="1" dirty="0"/>
+              <a:t>Accept clicks from all mouse buttons(left, middle, right)</a:t>
+            </a:r>
+          </a:p>
+        </p:txBody>
+      </p:sp>
+    </p:spTree>
+    <p:extLst>
+      <p:ext uri="{BB962C8B-B14F-4D97-AF65-F5344CB8AC3E}">
+        <p14:creationId xmlns:p14="http://schemas.microsoft.com/office/powerpoint/2010/main" val="2402070495"/>
+      </p:ext>
+    </p:extLst>
+  </p:cSld>
+  <p:clrMapOvr>
+    <a:masterClrMapping/>
+  </p:clrMapOvr>
+</p:sld>
+</file>
+
+<file path=ppt/slides/slide21.xml><?xml version="1.0" encoding="utf-8"?>
+<p:sld xmlns:a="http://schemas.openxmlformats.org/drawingml/2006/main" xmlns:r="http://schemas.openxmlformats.org/officeDocument/2006/relationships" xmlns:p="http://schemas.openxmlformats.org/presentationml/2006/main">
+  <p:cSld>
+    <p:spTree>
+      <p:nvGrpSpPr>
+        <p:cNvPr id="1" name=""/>
+        <p:cNvGrpSpPr/>
+        <p:nvPr/>
+      </p:nvGrpSpPr>
+      <p:grpSpPr>
+        <a:xfrm>
+          <a:off x="0" y="0"/>
+          <a:ext cx="0" cy="0"/>
+          <a:chOff x="0" y="0"/>
+          <a:chExt cx="0" cy="0"/>
+        </a:xfrm>
+      </p:grpSpPr>
+      <p:sp>
+        <p:nvSpPr>
+          <p:cNvPr id="2" name="Rectangle: Rounded Corners 1">
+            <a:extLst>
+              <a:ext uri="{FF2B5EF4-FFF2-40B4-BE49-F238E27FC236}">
+                <a16:creationId xmlns:a16="http://schemas.microsoft.com/office/drawing/2014/main" id="{2EF0E769-71AA-4C93-8E71-C63CD6B96614}"/>
+              </a:ext>
+            </a:extLst>
+          </p:cNvPr>
+          <p:cNvSpPr/>
+          <p:nvPr/>
+        </p:nvSpPr>
+        <p:spPr>
+          <a:xfrm>
+            <a:off x="922789" y="450377"/>
+            <a:ext cx="8296712" cy="612396"/>
+          </a:xfrm>
+          <a:prstGeom prst="roundRect">
+            <a:avLst/>
+          </a:prstGeom>
+        </p:spPr>
+        <p:style>
+          <a:lnRef idx="2">
+            <a:schemeClr val="accent1">
+              <a:shade val="50000"/>
+            </a:schemeClr>
+          </a:lnRef>
+          <a:fillRef idx="1">
+            <a:schemeClr val="accent1"/>
+          </a:fillRef>
+          <a:effectRef idx="0">
+            <a:schemeClr val="accent1"/>
+          </a:effectRef>
+          <a:fontRef idx="minor">
+            <a:schemeClr val="lt1"/>
+          </a:fontRef>
+        </p:style>
+        <p:txBody>
+          <a:bodyPr rtlCol="0" anchor="ctr"/>
+          <a:lstStyle/>
+          <a:p>
+            <a:pPr algn="ctr"/>
+            <a:r>
+              <a:rPr lang="en-IN" dirty="0"/>
+              <a:t>Creating Deployment folder for QML application</a:t>
+            </a:r>
+          </a:p>
+        </p:txBody>
+      </p:sp>
+      <p:sp>
+        <p:nvSpPr>
+          <p:cNvPr id="3" name="TextBox 2">
+            <a:extLst>
+              <a:ext uri="{FF2B5EF4-FFF2-40B4-BE49-F238E27FC236}">
+                <a16:creationId xmlns:a16="http://schemas.microsoft.com/office/drawing/2014/main" id="{B01F5903-33F0-4934-9059-289802516EA8}"/>
+              </a:ext>
+            </a:extLst>
+          </p:cNvPr>
+          <p:cNvSpPr txBox="1"/>
+          <p:nvPr/>
+        </p:nvSpPr>
+        <p:spPr>
+          <a:xfrm>
+            <a:off x="167780" y="2013358"/>
+            <a:ext cx="12105314" cy="3781869"/>
+          </a:xfrm>
+          <a:prstGeom prst="rect">
+            <a:avLst/>
+          </a:prstGeom>
+          <a:noFill/>
+        </p:spPr>
+        <p:txBody>
+          <a:bodyPr wrap="square" rtlCol="0">
+            <a:spAutoFit/>
+          </a:bodyPr>
+          <a:lstStyle/>
+          <a:p>
+            <a:pPr>
+              <a:lnSpc>
+                <a:spcPct val="150000"/>
+              </a:lnSpc>
+            </a:pPr>
+            <a:r>
+              <a:rPr lang="en-IN" dirty="0">
+                <a:latin typeface="Rockwell" panose="02060603020205020403" pitchFamily="18" charset="0"/>
+              </a:rPr>
+              <a:t>1. Create your application (</a:t>
+            </a:r>
+            <a:r>
+              <a:rPr lang="en-IN" dirty="0" err="1">
+                <a:latin typeface="Rockwell" panose="02060603020205020403" pitchFamily="18" charset="0"/>
+              </a:rPr>
+              <a:t>e.g</a:t>
+            </a:r>
+            <a:r>
+              <a:rPr lang="en-IN" dirty="0">
+                <a:latin typeface="Rockwell" panose="02060603020205020403" pitchFamily="18" charset="0"/>
+              </a:rPr>
+              <a:t> D:\test\q1 )</a:t>
+            </a:r>
+          </a:p>
+          <a:p>
+            <a:pPr>
+              <a:lnSpc>
+                <a:spcPct val="150000"/>
+              </a:lnSpc>
+            </a:pPr>
+            <a:r>
+              <a:rPr lang="en-IN" dirty="0">
+                <a:latin typeface="Rockwell" panose="02060603020205020403" pitchFamily="18" charset="0"/>
+              </a:rPr>
+              <a:t>2. Build your application in debug/release</a:t>
+            </a:r>
+          </a:p>
+          <a:p>
+            <a:pPr>
+              <a:lnSpc>
+                <a:spcPct val="150000"/>
+              </a:lnSpc>
+            </a:pPr>
+            <a:r>
+              <a:rPr lang="en-IN" dirty="0">
+                <a:latin typeface="Rockwell" panose="02060603020205020403" pitchFamily="18" charset="0"/>
+              </a:rPr>
+              <a:t>3. It will create separate build folder (</a:t>
+            </a:r>
+            <a:r>
+              <a:rPr lang="en-IN" dirty="0" err="1">
+                <a:latin typeface="Rockwell" panose="02060603020205020403" pitchFamily="18" charset="0"/>
+              </a:rPr>
+              <a:t>e.g</a:t>
+            </a:r>
+            <a:r>
+              <a:rPr lang="en-IN" dirty="0">
+                <a:latin typeface="Rockwell" panose="02060603020205020403" pitchFamily="18" charset="0"/>
+              </a:rPr>
+              <a:t> D:\test\ .\build-q1-Desktop_Qt_5_14_2_MSVC2017_64bit-Debug</a:t>
+            </a:r>
+          </a:p>
+          <a:p>
+            <a:pPr>
+              <a:lnSpc>
+                <a:spcPct val="150000"/>
+              </a:lnSpc>
+            </a:pPr>
+            <a:r>
+              <a:rPr lang="en-IN" dirty="0">
+                <a:latin typeface="Rockwell" panose="02060603020205020403" pitchFamily="18" charset="0"/>
+              </a:rPr>
+              <a:t>4. Create new folder for deployment (</a:t>
+            </a:r>
+            <a:r>
+              <a:rPr lang="en-IN" dirty="0" err="1">
+                <a:latin typeface="Rockwell" panose="02060603020205020403" pitchFamily="18" charset="0"/>
+              </a:rPr>
+              <a:t>e.g</a:t>
+            </a:r>
+            <a:r>
+              <a:rPr lang="en-IN" dirty="0">
+                <a:latin typeface="Rockwell" panose="02060603020205020403" pitchFamily="18" charset="0"/>
+              </a:rPr>
+              <a:t> D:\test\q1Distribution)</a:t>
+            </a:r>
+          </a:p>
+          <a:p>
+            <a:pPr>
+              <a:lnSpc>
+                <a:spcPct val="150000"/>
+              </a:lnSpc>
+            </a:pPr>
+            <a:r>
+              <a:rPr lang="en-IN" dirty="0">
+                <a:latin typeface="Rockwell" panose="02060603020205020403" pitchFamily="18" charset="0"/>
+              </a:rPr>
+              <a:t>5. Fire following command in parent folder of source and build.</a:t>
+            </a:r>
+          </a:p>
+          <a:p>
+            <a:pPr>
+              <a:lnSpc>
+                <a:spcPct val="150000"/>
+              </a:lnSpc>
+            </a:pPr>
+            <a:r>
+              <a:rPr lang="en-IN" dirty="0">
+                <a:latin typeface="Rockwell" panose="02060603020205020403" pitchFamily="18" charset="0"/>
+              </a:rPr>
+              <a:t>     </a:t>
+            </a:r>
+            <a:r>
+              <a:rPr lang="en-IN" dirty="0" err="1">
+                <a:latin typeface="Rockwell" panose="02060603020205020403" pitchFamily="18" charset="0"/>
+              </a:rPr>
+              <a:t>windeployqt</a:t>
+            </a:r>
+            <a:r>
+              <a:rPr lang="en-IN" dirty="0">
+                <a:latin typeface="Rockwell" panose="02060603020205020403" pitchFamily="18" charset="0"/>
+              </a:rPr>
+              <a:t> &lt;executable path&gt; --</a:t>
+            </a:r>
+            <a:r>
+              <a:rPr lang="en-IN" dirty="0" err="1">
+                <a:latin typeface="Rockwell" panose="02060603020205020403" pitchFamily="18" charset="0"/>
+              </a:rPr>
+              <a:t>dir</a:t>
+            </a:r>
+            <a:r>
+              <a:rPr lang="en-IN" dirty="0">
+                <a:latin typeface="Rockwell" panose="02060603020205020403" pitchFamily="18" charset="0"/>
+              </a:rPr>
+              <a:t> &lt;deployment folder path&gt; --</a:t>
+            </a:r>
+            <a:r>
+              <a:rPr lang="en-IN" dirty="0" err="1">
+                <a:latin typeface="Rockwell" panose="02060603020205020403" pitchFamily="18" charset="0"/>
+              </a:rPr>
+              <a:t>qmldir</a:t>
+            </a:r>
+            <a:r>
+              <a:rPr lang="en-IN" dirty="0">
+                <a:latin typeface="Rockwell" panose="02060603020205020403" pitchFamily="18" charset="0"/>
+              </a:rPr>
+              <a:t> &lt;</a:t>
+            </a:r>
+            <a:r>
+              <a:rPr lang="en-IN" dirty="0" err="1">
+                <a:latin typeface="Rockwell" panose="02060603020205020403" pitchFamily="18" charset="0"/>
+              </a:rPr>
+              <a:t>qmlfiles</a:t>
+            </a:r>
+            <a:r>
+              <a:rPr lang="en-IN" dirty="0">
+                <a:latin typeface="Rockwell" panose="02060603020205020403" pitchFamily="18" charset="0"/>
+              </a:rPr>
+              <a:t> path&gt;</a:t>
+            </a:r>
+          </a:p>
+          <a:p>
+            <a:pPr>
+              <a:lnSpc>
+                <a:spcPct val="150000"/>
+              </a:lnSpc>
+            </a:pPr>
+            <a:r>
+              <a:rPr lang="en-IN" b="1" dirty="0">
+                <a:latin typeface="Rockwell" panose="02060603020205020403" pitchFamily="18" charset="0"/>
+              </a:rPr>
+              <a:t>example</a:t>
+            </a:r>
+            <a:endParaRPr lang="en-IN" dirty="0">
+              <a:latin typeface="Rockwell" panose="02060603020205020403" pitchFamily="18" charset="0"/>
+            </a:endParaRPr>
+          </a:p>
+          <a:p>
+            <a:pPr>
+              <a:lnSpc>
+                <a:spcPct val="150000"/>
+              </a:lnSpc>
+            </a:pPr>
+            <a:r>
+              <a:rPr lang="en-IN" dirty="0">
+                <a:latin typeface="Rockwell" panose="02060603020205020403" pitchFamily="18" charset="0"/>
+              </a:rPr>
+              <a:t>D:\test&gt;windeployqt .\build-q1-Desktop_Qt_5_14_2_MSVC2017_64bit-Debug\debug\q1.exe </a:t>
+            </a:r>
+          </a:p>
+          <a:p>
+            <a:pPr>
+              <a:lnSpc>
+                <a:spcPct val="150000"/>
+              </a:lnSpc>
+            </a:pPr>
+            <a:r>
+              <a:rPr lang="en-IN" dirty="0">
+                <a:latin typeface="Rockwell" panose="02060603020205020403" pitchFamily="18" charset="0"/>
+              </a:rPr>
+              <a:t>--</a:t>
+            </a:r>
+            <a:r>
+              <a:rPr lang="en-IN" dirty="0" err="1">
+                <a:latin typeface="Rockwell" panose="02060603020205020403" pitchFamily="18" charset="0"/>
+              </a:rPr>
+              <a:t>dir</a:t>
+            </a:r>
+            <a:r>
+              <a:rPr lang="en-IN" dirty="0">
+                <a:latin typeface="Rockwell" panose="02060603020205020403" pitchFamily="18" charset="0"/>
+              </a:rPr>
+              <a:t> D:\test\q1Distribution --</a:t>
+            </a:r>
+            <a:r>
+              <a:rPr lang="en-IN" dirty="0" err="1">
+                <a:latin typeface="Rockwell" panose="02060603020205020403" pitchFamily="18" charset="0"/>
+              </a:rPr>
+              <a:t>qmldir</a:t>
+            </a:r>
+            <a:r>
+              <a:rPr lang="en-IN" dirty="0">
+                <a:latin typeface="Rockwell" panose="02060603020205020403" pitchFamily="18" charset="0"/>
+              </a:rPr>
+              <a:t> D:\test\q1</a:t>
+            </a:r>
+          </a:p>
+        </p:txBody>
+      </p:sp>
+    </p:spTree>
+    <p:extLst>
+      <p:ext uri="{BB962C8B-B14F-4D97-AF65-F5344CB8AC3E}">
+        <p14:creationId xmlns:p14="http://schemas.microsoft.com/office/powerpoint/2010/main" val="2004854011"/>
+      </p:ext>
+    </p:extLst>
+  </p:cSld>
+  <p:clrMapOvr>
+    <a:masterClrMapping/>
+  </p:clrMapOvr>
+</p:sld>
+</file>
+
+<file path=ppt/slides/slide22.xml><?xml version="1.0" encoding="utf-8"?>
+<p:sld xmlns:a="http://schemas.openxmlformats.org/drawingml/2006/main" xmlns:r="http://schemas.openxmlformats.org/officeDocument/2006/relationships" xmlns:p="http://schemas.openxmlformats.org/presentationml/2006/main">
+  <p:cSld>
+    <p:spTree>
+      <p:nvGrpSpPr>
+        <p:cNvPr id="1" name=""/>
+        <p:cNvGrpSpPr/>
+        <p:nvPr/>
+      </p:nvGrpSpPr>
+      <p:grpSpPr>
+        <a:xfrm>
+          <a:off x="0" y="0"/>
+          <a:ext cx="0" cy="0"/>
+          <a:chOff x="0" y="0"/>
+          <a:chExt cx="0" cy="0"/>
+        </a:xfrm>
+      </p:grpSpPr>
+      <p:sp>
+        <p:nvSpPr>
+          <p:cNvPr id="3" name="Rectangle: Rounded Corners 2">
+            <a:extLst>
+              <a:ext uri="{FF2B5EF4-FFF2-40B4-BE49-F238E27FC236}">
+                <a16:creationId xmlns:a16="http://schemas.microsoft.com/office/drawing/2014/main" id="{5FA7CD53-ADAB-4C42-8185-4BF4EBE6A751}"/>
+              </a:ext>
+            </a:extLst>
+          </p:cNvPr>
+          <p:cNvSpPr/>
+          <p:nvPr/>
+        </p:nvSpPr>
+        <p:spPr>
+          <a:xfrm>
+            <a:off x="570452" y="494950"/>
+            <a:ext cx="8573548" cy="671120"/>
+          </a:xfrm>
+          <a:prstGeom prst="roundRect">
+            <a:avLst/>
+          </a:prstGeom>
+        </p:spPr>
+        <p:style>
+          <a:lnRef idx="2">
+            <a:schemeClr val="accent1">
+              <a:shade val="50000"/>
+            </a:schemeClr>
+          </a:lnRef>
+          <a:fillRef idx="1">
+            <a:schemeClr val="accent1"/>
+          </a:fillRef>
+          <a:effectRef idx="0">
+            <a:schemeClr val="accent1"/>
+          </a:effectRef>
+          <a:fontRef idx="minor">
+            <a:schemeClr val="lt1"/>
+          </a:fontRef>
+        </p:style>
+        <p:txBody>
+          <a:bodyPr rtlCol="0" anchor="ctr"/>
+          <a:lstStyle/>
+          <a:p>
+            <a:pPr algn="ctr"/>
+            <a:r>
+              <a:rPr lang="en-IN" dirty="0"/>
+              <a:t>Painful error of “Dependent (that clearly exists) does not exist error when building Qt Creator project”</a:t>
+            </a:r>
+          </a:p>
+        </p:txBody>
+      </p:sp>
+      <p:sp>
+        <p:nvSpPr>
+          <p:cNvPr id="5" name="TextBox 4">
+            <a:extLst>
+              <a:ext uri="{FF2B5EF4-FFF2-40B4-BE49-F238E27FC236}">
+                <a16:creationId xmlns:a16="http://schemas.microsoft.com/office/drawing/2014/main" id="{0A48B29A-6F6C-4D65-832D-1BC9C8CB9E51}"/>
+              </a:ext>
+            </a:extLst>
+          </p:cNvPr>
+          <p:cNvSpPr txBox="1"/>
+          <p:nvPr/>
+        </p:nvSpPr>
+        <p:spPr>
+          <a:xfrm>
+            <a:off x="505436" y="2228671"/>
+            <a:ext cx="6094602" cy="1200329"/>
+          </a:xfrm>
+          <a:prstGeom prst="rect">
+            <a:avLst/>
+          </a:prstGeom>
+          <a:noFill/>
+        </p:spPr>
+        <p:txBody>
+          <a:bodyPr wrap="square">
+            <a:spAutoFit/>
+          </a:bodyPr>
+          <a:lstStyle/>
+          <a:p>
+            <a:r>
+              <a:rPr lang="en-IN" dirty="0">
+                <a:latin typeface="Rockwell" panose="02060603020205020403" pitchFamily="18" charset="0"/>
+              </a:rPr>
+              <a:t>Add following line in .pro file which will convert all paths to absolute paths. </a:t>
+            </a:r>
+          </a:p>
+          <a:p>
+            <a:endParaRPr lang="en-IN" dirty="0">
+              <a:latin typeface="Rockwell" panose="02060603020205020403" pitchFamily="18" charset="0"/>
+            </a:endParaRPr>
+          </a:p>
+          <a:p>
+            <a:r>
+              <a:rPr lang="en-IN" dirty="0">
+                <a:latin typeface="Rockwell" panose="02060603020205020403" pitchFamily="18" charset="0"/>
+              </a:rPr>
+              <a:t>QMAKE_PROJECT_DEPTH = 0</a:t>
+            </a:r>
+          </a:p>
+        </p:txBody>
+      </p:sp>
+    </p:spTree>
+    <p:extLst>
+      <p:ext uri="{BB962C8B-B14F-4D97-AF65-F5344CB8AC3E}">
+        <p14:creationId xmlns:p14="http://schemas.microsoft.com/office/powerpoint/2010/main" val="2852913146"/>
+      </p:ext>
+    </p:extLst>
+  </p:cSld>
+  <p:clrMapOvr>
+    <a:masterClrMapping/>
+  </p:clrMapOvr>
+</p:sld>
+</file>
+
+<file path=ppt/slides/slide23.xml><?xml version="1.0" encoding="utf-8"?>
+<p:sld xmlns:a="http://schemas.openxmlformats.org/drawingml/2006/main" xmlns:r="http://schemas.openxmlformats.org/officeDocument/2006/relationships" xmlns:p="http://schemas.openxmlformats.org/presentationml/2006/main">
+  <p:cSld>
+    <p:spTree>
+      <p:nvGrpSpPr>
+        <p:cNvPr id="1" name=""/>
+        <p:cNvGrpSpPr/>
+        <p:nvPr/>
+      </p:nvGrpSpPr>
+      <p:grpSpPr>
+        <a:xfrm>
+          <a:off x="0" y="0"/>
+          <a:ext cx="0" cy="0"/>
+          <a:chOff x="0" y="0"/>
+          <a:chExt cx="0" cy="0"/>
+        </a:xfrm>
+      </p:grpSpPr>
+      <p:sp>
+        <p:nvSpPr>
+          <p:cNvPr id="3" name="TextBox 2">
+            <a:extLst>
+              <a:ext uri="{FF2B5EF4-FFF2-40B4-BE49-F238E27FC236}">
+                <a16:creationId xmlns:a16="http://schemas.microsoft.com/office/drawing/2014/main" id="{D944D6A2-A95C-42A7-95A0-91ADB2EAA650}"/>
+              </a:ext>
+            </a:extLst>
+          </p:cNvPr>
+          <p:cNvSpPr txBox="1"/>
+          <p:nvPr/>
+        </p:nvSpPr>
+        <p:spPr>
+          <a:xfrm>
+            <a:off x="310392" y="1719743"/>
+            <a:ext cx="10947633" cy="2862322"/>
+          </a:xfrm>
+          <a:prstGeom prst="rect">
+            <a:avLst/>
+          </a:prstGeom>
+          <a:noFill/>
+        </p:spPr>
+        <p:txBody>
+          <a:bodyPr wrap="square" rtlCol="0">
+            <a:spAutoFit/>
+          </a:bodyPr>
+          <a:lstStyle/>
+          <a:p>
+            <a:r>
+              <a:rPr lang="en-IN" dirty="0">
+                <a:latin typeface="Rockwell" panose="02060603020205020403" pitchFamily="18" charset="0"/>
+              </a:rPr>
+              <a:t>Simply fire following command inside QT project folder. </a:t>
+            </a:r>
+          </a:p>
+          <a:p>
+            <a:endParaRPr lang="en-IN" dirty="0">
+              <a:latin typeface="Rockwell" panose="02060603020205020403" pitchFamily="18" charset="0"/>
+            </a:endParaRPr>
+          </a:p>
+          <a:p>
+            <a:r>
+              <a:rPr lang="en-IN" b="1" dirty="0" err="1">
+                <a:latin typeface="Rockwell" panose="02060603020205020403" pitchFamily="18" charset="0"/>
+              </a:rPr>
+              <a:t>qmake</a:t>
+            </a:r>
+            <a:r>
+              <a:rPr lang="en-IN" b="1" dirty="0">
+                <a:latin typeface="Rockwell" panose="02060603020205020403" pitchFamily="18" charset="0"/>
+              </a:rPr>
+              <a:t> -</a:t>
+            </a:r>
+            <a:r>
+              <a:rPr lang="en-IN" b="1" dirty="0" err="1">
+                <a:latin typeface="Rockwell" panose="02060603020205020403" pitchFamily="18" charset="0"/>
+              </a:rPr>
+              <a:t>tp</a:t>
+            </a:r>
+            <a:r>
+              <a:rPr lang="en-IN" b="1" dirty="0">
+                <a:latin typeface="Rockwell" panose="02060603020205020403" pitchFamily="18" charset="0"/>
+              </a:rPr>
+              <a:t> </a:t>
+            </a:r>
+            <a:r>
+              <a:rPr lang="en-IN" b="1" dirty="0" err="1">
+                <a:latin typeface="Rockwell" panose="02060603020205020403" pitchFamily="18" charset="0"/>
+              </a:rPr>
+              <a:t>vc</a:t>
+            </a:r>
+            <a:endParaRPr lang="en-IN" b="1" dirty="0">
+              <a:latin typeface="Rockwell" panose="02060603020205020403" pitchFamily="18" charset="0"/>
+            </a:endParaRPr>
+          </a:p>
+          <a:p>
+            <a:endParaRPr lang="en-IN" b="1" dirty="0">
+              <a:latin typeface="Rockwell" panose="02060603020205020403" pitchFamily="18" charset="0"/>
+            </a:endParaRPr>
+          </a:p>
+          <a:p>
+            <a:endParaRPr lang="en-IN" b="1" dirty="0">
+              <a:latin typeface="Rockwell" panose="02060603020205020403" pitchFamily="18" charset="0"/>
+            </a:endParaRPr>
+          </a:p>
+          <a:p>
+            <a:r>
+              <a:rPr lang="en-IN" b="1" dirty="0">
+                <a:latin typeface="Rockwell" panose="02060603020205020403" pitchFamily="18" charset="0"/>
+              </a:rPr>
+              <a:t>Note</a:t>
+            </a:r>
+            <a:r>
+              <a:rPr lang="en-IN" dirty="0">
+                <a:latin typeface="Rockwell" panose="02060603020205020403" pitchFamily="18" charset="0"/>
+              </a:rPr>
+              <a:t> :  your environment variable PATH should store path to </a:t>
+            </a:r>
+          </a:p>
+          <a:p>
+            <a:r>
+              <a:rPr lang="en-IN" dirty="0" err="1">
+                <a:latin typeface="Rockwell" panose="02060603020205020403" pitchFamily="18" charset="0"/>
+              </a:rPr>
+              <a:t>cl.Exe</a:t>
+            </a:r>
+            <a:r>
+              <a:rPr lang="en-IN" dirty="0">
+                <a:latin typeface="Rockwell" panose="02060603020205020403" pitchFamily="18" charset="0"/>
+              </a:rPr>
+              <a:t> of visual studio.  For </a:t>
+            </a:r>
+            <a:r>
+              <a:rPr lang="en-IN" dirty="0" err="1">
+                <a:latin typeface="Rockwell" panose="02060603020205020403" pitchFamily="18" charset="0"/>
+              </a:rPr>
+              <a:t>e.g</a:t>
+            </a:r>
+            <a:r>
+              <a:rPr lang="en-IN" dirty="0">
+                <a:latin typeface="Rockwell" panose="02060603020205020403" pitchFamily="18" charset="0"/>
+              </a:rPr>
+              <a:t> </a:t>
+            </a:r>
+          </a:p>
+          <a:p>
+            <a:r>
+              <a:rPr lang="en-IN" dirty="0">
+                <a:latin typeface="Rockwell" panose="02060603020205020403" pitchFamily="18" charset="0"/>
+              </a:rPr>
+              <a:t>C:\Program Files (x86)\Microsoft Visual Studio\2019\Professional\VC\Tools\MSVC\14.20.27508\bin\Hostx64\x64</a:t>
+            </a:r>
+          </a:p>
+          <a:p>
+            <a:endParaRPr lang="en-IN" b="1" dirty="0">
+              <a:latin typeface="Rockwell" panose="02060603020205020403" pitchFamily="18" charset="0"/>
+            </a:endParaRPr>
+          </a:p>
+        </p:txBody>
+      </p:sp>
+      <p:sp>
+        <p:nvSpPr>
+          <p:cNvPr id="4" name="Rectangle: Rounded Corners 3">
+            <a:extLst>
+              <a:ext uri="{FF2B5EF4-FFF2-40B4-BE49-F238E27FC236}">
+                <a16:creationId xmlns:a16="http://schemas.microsoft.com/office/drawing/2014/main" id="{605AB097-C0BC-42CA-BEF0-BC2B8AF7D36F}"/>
+              </a:ext>
+            </a:extLst>
+          </p:cNvPr>
+          <p:cNvSpPr/>
+          <p:nvPr/>
+        </p:nvSpPr>
+        <p:spPr>
+          <a:xfrm>
+            <a:off x="494950" y="654342"/>
+            <a:ext cx="6870584" cy="486561"/>
+          </a:xfrm>
+          <a:prstGeom prst="roundRect">
+            <a:avLst/>
+          </a:prstGeom>
+        </p:spPr>
+        <p:style>
+          <a:lnRef idx="2">
+            <a:schemeClr val="accent1">
+              <a:shade val="50000"/>
+            </a:schemeClr>
+          </a:lnRef>
+          <a:fillRef idx="1">
+            <a:schemeClr val="accent1"/>
+          </a:fillRef>
+          <a:effectRef idx="0">
+            <a:schemeClr val="accent1"/>
+          </a:effectRef>
+          <a:fontRef idx="minor">
+            <a:schemeClr val="lt1"/>
+          </a:fontRef>
+        </p:style>
+        <p:txBody>
+          <a:bodyPr rtlCol="0" anchor="ctr"/>
+          <a:lstStyle/>
+          <a:p>
+            <a:pPr algn="ctr"/>
+            <a:r>
+              <a:rPr lang="en-IN"/>
+              <a:t>Convert QT project to Visual Studio Project</a:t>
+            </a:r>
+            <a:endParaRPr lang="en-IN" dirty="0"/>
+          </a:p>
+        </p:txBody>
+      </p:sp>
+    </p:spTree>
+    <p:extLst>
+      <p:ext uri="{BB962C8B-B14F-4D97-AF65-F5344CB8AC3E}">
+        <p14:creationId xmlns:p14="http://schemas.microsoft.com/office/powerpoint/2010/main" val="2703201458"/>
+      </p:ext>
+    </p:extLst>
+  </p:cSld>
+  <p:clrMapOvr>
+    <a:masterClrMapping/>
+  </p:clrMapOvr>
+</p:sld>
+</file>
+
+<file path=ppt/slides/slide24.xml><?xml version="1.0" encoding="utf-8"?>
 <p:sld xmlns:a="http://schemas.openxmlformats.org/drawingml/2006/main" xmlns:r="http://schemas.openxmlformats.org/officeDocument/2006/relationships" xmlns:p="http://schemas.openxmlformats.org/presentationml/2006/main">
   <p:cSld>
     <p:spTree>
@@ -15723,7 +18753,7 @@
     </p:spTree>
     <p:extLst>
       <p:ext uri="{BB962C8B-B14F-4D97-AF65-F5344CB8AC3E}">
-        <p14:creationId xmlns:p14="http://schemas.microsoft.com/office/powerpoint/2010/main" val="3454369584"/>
+        <p14:creationId xmlns:p14="http://schemas.microsoft.com/office/powerpoint/2010/main" val="2301521132"/>
       </p:ext>
     </p:extLst>
   </p:cSld>
@@ -15733,7 +18763,157 @@
 </p:sld>
 </file>
 
-<file path=ppt/slides/slide2.xml><?xml version="1.0" encoding="utf-8"?>
+<file path=ppt/slides/slide25.xml><?xml version="1.0" encoding="utf-8"?>
+<p:sld xmlns:a="http://schemas.openxmlformats.org/drawingml/2006/main" xmlns:r="http://schemas.openxmlformats.org/officeDocument/2006/relationships" xmlns:p="http://schemas.openxmlformats.org/presentationml/2006/main">
+  <p:cSld>
+    <p:spTree>
+      <p:nvGrpSpPr>
+        <p:cNvPr id="1" name=""/>
+        <p:cNvGrpSpPr/>
+        <p:nvPr/>
+      </p:nvGrpSpPr>
+      <p:grpSpPr>
+        <a:xfrm>
+          <a:off x="0" y="0"/>
+          <a:ext cx="0" cy="0"/>
+          <a:chOff x="0" y="0"/>
+          <a:chExt cx="0" cy="0"/>
+        </a:xfrm>
+      </p:grpSpPr>
+    </p:spTree>
+    <p:extLst>
+      <p:ext uri="{BB962C8B-B14F-4D97-AF65-F5344CB8AC3E}">
+        <p14:creationId xmlns:p14="http://schemas.microsoft.com/office/powerpoint/2010/main" val="1278780903"/>
+      </p:ext>
+    </p:extLst>
+  </p:cSld>
+  <p:clrMapOvr>
+    <a:masterClrMapping/>
+  </p:clrMapOvr>
+</p:sld>
+</file>
+
+<file path=ppt/slides/slide26.xml><?xml version="1.0" encoding="utf-8"?>
+<p:sld xmlns:a="http://schemas.openxmlformats.org/drawingml/2006/main" xmlns:r="http://schemas.openxmlformats.org/officeDocument/2006/relationships" xmlns:p="http://schemas.openxmlformats.org/presentationml/2006/main">
+  <p:cSld>
+    <p:spTree>
+      <p:nvGrpSpPr>
+        <p:cNvPr id="1" name=""/>
+        <p:cNvGrpSpPr/>
+        <p:nvPr/>
+      </p:nvGrpSpPr>
+      <p:grpSpPr>
+        <a:xfrm>
+          <a:off x="0" y="0"/>
+          <a:ext cx="0" cy="0"/>
+          <a:chOff x="0" y="0"/>
+          <a:chExt cx="0" cy="0"/>
+        </a:xfrm>
+      </p:grpSpPr>
+    </p:spTree>
+    <p:extLst>
+      <p:ext uri="{BB962C8B-B14F-4D97-AF65-F5344CB8AC3E}">
+        <p14:creationId xmlns:p14="http://schemas.microsoft.com/office/powerpoint/2010/main" val="4143760427"/>
+      </p:ext>
+    </p:extLst>
+  </p:cSld>
+  <p:clrMapOvr>
+    <a:masterClrMapping/>
+  </p:clrMapOvr>
+</p:sld>
+</file>
+
+<file path=ppt/slides/slide27.xml><?xml version="1.0" encoding="utf-8"?>
+<p:sld xmlns:a="http://schemas.openxmlformats.org/drawingml/2006/main" xmlns:r="http://schemas.openxmlformats.org/officeDocument/2006/relationships" xmlns:p="http://schemas.openxmlformats.org/presentationml/2006/main">
+  <p:cSld>
+    <p:spTree>
+      <p:nvGrpSpPr>
+        <p:cNvPr id="1" name=""/>
+        <p:cNvGrpSpPr/>
+        <p:nvPr/>
+      </p:nvGrpSpPr>
+      <p:grpSpPr>
+        <a:xfrm>
+          <a:off x="0" y="0"/>
+          <a:ext cx="0" cy="0"/>
+          <a:chOff x="0" y="0"/>
+          <a:chExt cx="0" cy="0"/>
+        </a:xfrm>
+      </p:grpSpPr>
+    </p:spTree>
+    <p:extLst>
+      <p:ext uri="{BB962C8B-B14F-4D97-AF65-F5344CB8AC3E}">
+        <p14:creationId xmlns:p14="http://schemas.microsoft.com/office/powerpoint/2010/main" val="81182724"/>
+      </p:ext>
+    </p:extLst>
+  </p:cSld>
+  <p:clrMapOvr>
+    <a:masterClrMapping/>
+  </p:clrMapOvr>
+</p:sld>
+</file>
+
+<file path=ppt/slides/slide28.xml><?xml version="1.0" encoding="utf-8"?>
+<p:sld xmlns:a="http://schemas.openxmlformats.org/drawingml/2006/main" xmlns:r="http://schemas.openxmlformats.org/officeDocument/2006/relationships" xmlns:p="http://schemas.openxmlformats.org/presentationml/2006/main">
+  <p:cSld>
+    <p:spTree>
+      <p:nvGrpSpPr>
+        <p:cNvPr id="1" name=""/>
+        <p:cNvGrpSpPr/>
+        <p:nvPr/>
+      </p:nvGrpSpPr>
+      <p:grpSpPr>
+        <a:xfrm>
+          <a:off x="0" y="0"/>
+          <a:ext cx="0" cy="0"/>
+          <a:chOff x="0" y="0"/>
+          <a:chExt cx="0" cy="0"/>
+        </a:xfrm>
+      </p:grpSpPr>
+    </p:spTree>
+    <p:extLst>
+      <p:ext uri="{BB962C8B-B14F-4D97-AF65-F5344CB8AC3E}">
+        <p14:creationId xmlns:p14="http://schemas.microsoft.com/office/powerpoint/2010/main" val="4006772550"/>
+      </p:ext>
+    </p:extLst>
+  </p:cSld>
+  <p:clrMapOvr>
+    <a:masterClrMapping/>
+  </p:clrMapOvr>
+</p:sld>
+</file>
+
+<file path=ppt/slides/slide29.xml><?xml version="1.0" encoding="utf-8"?>
+<p:sld xmlns:a="http://schemas.openxmlformats.org/drawingml/2006/main" xmlns:r="http://schemas.openxmlformats.org/officeDocument/2006/relationships" xmlns:p="http://schemas.openxmlformats.org/presentationml/2006/main">
+  <p:cSld>
+    <p:spTree>
+      <p:nvGrpSpPr>
+        <p:cNvPr id="1" name=""/>
+        <p:cNvGrpSpPr/>
+        <p:nvPr/>
+      </p:nvGrpSpPr>
+      <p:grpSpPr>
+        <a:xfrm>
+          <a:off x="0" y="0"/>
+          <a:ext cx="0" cy="0"/>
+          <a:chOff x="0" y="0"/>
+          <a:chExt cx="0" cy="0"/>
+        </a:xfrm>
+      </p:grpSpPr>
+    </p:spTree>
+    <p:extLst>
+      <p:ext uri="{BB962C8B-B14F-4D97-AF65-F5344CB8AC3E}">
+        <p14:creationId xmlns:p14="http://schemas.microsoft.com/office/powerpoint/2010/main" val="3645529026"/>
+      </p:ext>
+    </p:extLst>
+  </p:cSld>
+  <p:clrMapOvr>
+    <a:masterClrMapping/>
+  </p:clrMapOvr>
+</p:sld>
+</file>
+
+<file path=ppt/slides/slide3.xml><?xml version="1.0" encoding="utf-8"?>
 <p:sld xmlns:a="http://schemas.openxmlformats.org/drawingml/2006/main" xmlns:r="http://schemas.openxmlformats.org/officeDocument/2006/relationships" xmlns:p="http://schemas.openxmlformats.org/presentationml/2006/main">
   <p:cSld>
     <p:spTree>
@@ -15808,41 +18988,6 @@
           </a:p>
         </p:txBody>
       </p:sp>
-      <p:sp>
-        <p:nvSpPr>
-          <p:cNvPr id="3" name="TextBox 2">
-            <a:extLst>
-              <a:ext uri="{FF2B5EF4-FFF2-40B4-BE49-F238E27FC236}">
-                <a16:creationId xmlns:a16="http://schemas.microsoft.com/office/drawing/2014/main" id="{5EC6B74A-28EF-48B6-AD5A-4FE46C9DEF9B}"/>
-              </a:ext>
-            </a:extLst>
-          </p:cNvPr>
-          <p:cNvSpPr txBox="1"/>
-          <p:nvPr/>
-        </p:nvSpPr>
-        <p:spPr>
-          <a:xfrm>
-            <a:off x="1363638" y="259716"/>
-            <a:ext cx="7046753" cy="461665"/>
-          </a:xfrm>
-          <a:prstGeom prst="rect">
-            <a:avLst/>
-          </a:prstGeom>
-          <a:noFill/>
-        </p:spPr>
-        <p:txBody>
-          <a:bodyPr wrap="square" rtlCol="0">
-            <a:spAutoFit/>
-          </a:bodyPr>
-          <a:lstStyle/>
-          <a:p>
-            <a:r>
-              <a:rPr lang="en-IN" sz="2400" b="1" dirty="0"/>
-              <a:t>Visual Studio 2019 with Qt Creator as compiler</a:t>
-            </a:r>
-          </a:p>
-        </p:txBody>
-      </p:sp>
       <p:pic>
         <p:nvPicPr>
           <p:cNvPr id="4" name="Picture 3" descr="A screenshot of a computer screen&#10;&#10;Description automatically generated">
@@ -15871,7 +19016,7 @@
         </p:blipFill>
         <p:spPr>
           <a:xfrm>
-            <a:off x="376438" y="1959695"/>
+            <a:off x="527440" y="2001640"/>
             <a:ext cx="8870197" cy="4738873"/>
           </a:xfrm>
           <a:prstGeom prst="rect">
@@ -15879,6 +19024,57 @@
           </a:prstGeom>
         </p:spPr>
       </p:pic>
+      <p:sp>
+        <p:nvSpPr>
+          <p:cNvPr id="5" name="Rectangle: Rounded Corners 4">
+            <a:extLst>
+              <a:ext uri="{FF2B5EF4-FFF2-40B4-BE49-F238E27FC236}">
+                <a16:creationId xmlns:a16="http://schemas.microsoft.com/office/drawing/2014/main" id="{E3B885D3-8649-4B49-AAFB-3E31F6A103A8}"/>
+              </a:ext>
+            </a:extLst>
+          </p:cNvPr>
+          <p:cNvSpPr/>
+          <p:nvPr/>
+        </p:nvSpPr>
+        <p:spPr>
+          <a:xfrm>
+            <a:off x="376438" y="335560"/>
+            <a:ext cx="8390057" cy="444616"/>
+          </a:xfrm>
+          <a:prstGeom prst="roundRect">
+            <a:avLst/>
+          </a:prstGeom>
+        </p:spPr>
+        <p:style>
+          <a:lnRef idx="2">
+            <a:schemeClr val="accent1">
+              <a:shade val="50000"/>
+            </a:schemeClr>
+          </a:lnRef>
+          <a:fillRef idx="1">
+            <a:schemeClr val="accent1"/>
+          </a:fillRef>
+          <a:effectRef idx="0">
+            <a:schemeClr val="accent1"/>
+          </a:effectRef>
+          <a:fontRef idx="minor">
+            <a:schemeClr val="lt1"/>
+          </a:fontRef>
+        </p:style>
+        <p:txBody>
+          <a:bodyPr rtlCol="0" anchor="ctr"/>
+          <a:lstStyle/>
+          <a:p>
+            <a:pPr algn="ctr"/>
+            <a:r>
+              <a:rPr lang="en-IN" dirty="0">
+                <a:latin typeface="Rockwell" panose="02060603020205020403" pitchFamily="18" charset="0"/>
+              </a:rPr>
+              <a:t>Visual Studio 2019 with Qt Creator as compiler</a:t>
+            </a:r>
+          </a:p>
+        </p:txBody>
+      </p:sp>
     </p:spTree>
     <p:extLst>
       <p:ext uri="{BB962C8B-B14F-4D97-AF65-F5344CB8AC3E}">
@@ -15892,7 +19088,7 @@
 </p:sld>
 </file>
 
-<file path=ppt/slides/slide3.xml><?xml version="1.0" encoding="utf-8"?>
+<file path=ppt/slides/slide30.xml><?xml version="1.0" encoding="utf-8"?>
 <p:sld xmlns:a="http://schemas.openxmlformats.org/drawingml/2006/main" xmlns:r="http://schemas.openxmlformats.org/officeDocument/2006/relationships" xmlns:p="http://schemas.openxmlformats.org/presentationml/2006/main">
   <p:cSld>
     <p:spTree>
@@ -15909,172 +19105,40 @@
           <a:chExt cx="0" cy="0"/>
         </a:xfrm>
       </p:grpSpPr>
-      <p:sp>
-        <p:nvSpPr>
-          <p:cNvPr id="2" name="Title 1">
-            <a:extLst>
-              <a:ext uri="{FF2B5EF4-FFF2-40B4-BE49-F238E27FC236}">
-                <a16:creationId xmlns:a16="http://schemas.microsoft.com/office/drawing/2014/main" id="{FD259E58-EE47-45FF-A0D5-41669FB04738}"/>
-              </a:ext>
-            </a:extLst>
-          </p:cNvPr>
-          <p:cNvSpPr>
-            <a:spLocks noGrp="1"/>
-          </p:cNvSpPr>
-          <p:nvPr>
-            <p:ph type="title"/>
-          </p:nvPr>
-        </p:nvSpPr>
-        <p:spPr/>
-        <p:txBody>
-          <a:bodyPr/>
-          <a:lstStyle/>
-          <a:p>
-            <a:r>
-              <a:rPr lang="en-IN" b="1" i="0" dirty="0" err="1">
-                <a:latin typeface="Arial" panose="020B0604020202020204" pitchFamily="34" charset="0"/>
-                <a:cs typeface="Arial" panose="020B0604020202020204" pitchFamily="34" charset="0"/>
-              </a:rPr>
-              <a:t>qDebug</a:t>
-            </a:r>
-            <a:r>
-              <a:rPr lang="en-IN" b="1" i="0" dirty="0">
-                <a:latin typeface="Arial" panose="020B0604020202020204" pitchFamily="34" charset="0"/>
-                <a:cs typeface="Arial" panose="020B0604020202020204" pitchFamily="34" charset="0"/>
-              </a:rPr>
-              <a:t>() vs std::</a:t>
-            </a:r>
-            <a:r>
-              <a:rPr lang="en-IN" b="1" i="0" dirty="0" err="1">
-                <a:latin typeface="Arial" panose="020B0604020202020204" pitchFamily="34" charset="0"/>
-                <a:cs typeface="Arial" panose="020B0604020202020204" pitchFamily="34" charset="0"/>
-              </a:rPr>
-              <a:t>cout</a:t>
-            </a:r>
-            <a:r>
-              <a:rPr lang="en-IN" b="1" i="0" dirty="0">
-                <a:latin typeface="Arial" panose="020B0604020202020204" pitchFamily="34" charset="0"/>
-                <a:cs typeface="Arial" panose="020B0604020202020204" pitchFamily="34" charset="0"/>
-              </a:rPr>
-              <a:t>&lt;&lt;</a:t>
-            </a:r>
-          </a:p>
-        </p:txBody>
-      </p:sp>
-      <p:sp>
-        <p:nvSpPr>
-          <p:cNvPr id="3" name="Content Placeholder 2">
-            <a:extLst>
-              <a:ext uri="{FF2B5EF4-FFF2-40B4-BE49-F238E27FC236}">
-                <a16:creationId xmlns:a16="http://schemas.microsoft.com/office/drawing/2014/main" id="{DC1B3BA7-EC9D-4A7B-B7D7-3BC6CD7C894A}"/>
-              </a:ext>
-            </a:extLst>
-          </p:cNvPr>
-          <p:cNvSpPr>
-            <a:spLocks noGrp="1"/>
-          </p:cNvSpPr>
-          <p:nvPr>
-            <p:ph idx="1"/>
-          </p:nvPr>
-        </p:nvSpPr>
-        <p:spPr/>
-        <p:txBody>
-          <a:bodyPr>
-            <a:normAutofit/>
-          </a:bodyPr>
-          <a:lstStyle/>
-          <a:p>
-            <a:r>
-              <a:rPr lang="en-IN" sz="1800" dirty="0">
-                <a:latin typeface="Rockwell" panose="02060603020205020403" pitchFamily="18" charset="0"/>
-              </a:rPr>
-              <a:t>In Qt project we often use </a:t>
-            </a:r>
-            <a:r>
-              <a:rPr lang="en-IN" sz="1800" dirty="0" err="1">
-                <a:latin typeface="Rockwell" panose="02060603020205020403" pitchFamily="18" charset="0"/>
-              </a:rPr>
-              <a:t>qDebug</a:t>
-            </a:r>
-            <a:r>
-              <a:rPr lang="en-IN" sz="1800" dirty="0">
-                <a:latin typeface="Rockwell" panose="02060603020205020403" pitchFamily="18" charset="0"/>
-              </a:rPr>
-              <a:t>() and rightly so.</a:t>
-            </a:r>
-          </a:p>
-          <a:p>
-            <a:r>
-              <a:rPr lang="en-IN" sz="1800" dirty="0">
-                <a:latin typeface="Rockwell" panose="02060603020205020403" pitchFamily="18" charset="0"/>
-              </a:rPr>
-              <a:t>Std::</a:t>
-            </a:r>
-            <a:r>
-              <a:rPr lang="en-IN" sz="1800" dirty="0" err="1">
-                <a:latin typeface="Rockwell" panose="02060603020205020403" pitchFamily="18" charset="0"/>
-              </a:rPr>
-              <a:t>cout</a:t>
-            </a:r>
-            <a:r>
-              <a:rPr lang="en-IN" sz="1800" dirty="0">
-                <a:latin typeface="Rockwell" panose="02060603020205020403" pitchFamily="18" charset="0"/>
-              </a:rPr>
-              <a:t> &lt;&lt; “message” will send message to output stream but will not actually print on monitor. </a:t>
-            </a:r>
-          </a:p>
-          <a:p>
-            <a:r>
-              <a:rPr lang="en-IN" sz="1800" dirty="0">
-                <a:latin typeface="Rockwell" panose="02060603020205020403" pitchFamily="18" charset="0"/>
-              </a:rPr>
-              <a:t>Std::</a:t>
-            </a:r>
-            <a:r>
-              <a:rPr lang="en-IN" sz="1800" dirty="0" err="1">
-                <a:latin typeface="Rockwell" panose="02060603020205020403" pitchFamily="18" charset="0"/>
-              </a:rPr>
-              <a:t>cout</a:t>
-            </a:r>
-            <a:r>
-              <a:rPr lang="en-IN" sz="1800" dirty="0">
-                <a:latin typeface="Rockwell" panose="02060603020205020403" pitchFamily="18" charset="0"/>
-              </a:rPr>
-              <a:t> &lt;&lt; std::flush is required to print message immediately. Otherwise you will see all messages printed at the end of program. </a:t>
-            </a:r>
-          </a:p>
-          <a:p>
-            <a:r>
-              <a:rPr lang="en-IN" sz="1800" dirty="0" err="1">
-                <a:latin typeface="Rockwell" panose="02060603020205020403" pitchFamily="18" charset="0"/>
-              </a:rPr>
-              <a:t>qDebug</a:t>
-            </a:r>
-            <a:r>
-              <a:rPr lang="en-IN" sz="1800" dirty="0">
-                <a:latin typeface="Rockwell" panose="02060603020205020403" pitchFamily="18" charset="0"/>
-              </a:rPr>
-              <a:t>() on the other hand </a:t>
-            </a:r>
-            <a:r>
-              <a:rPr lang="en-IN" sz="1600" dirty="0">
-                <a:latin typeface="Rockwell" panose="02060603020205020403" pitchFamily="18" charset="0"/>
-              </a:rPr>
-              <a:t>will</a:t>
-            </a:r>
-            <a:r>
-              <a:rPr lang="en-IN" sz="1800" dirty="0">
-                <a:latin typeface="Rockwell" panose="02060603020205020403" pitchFamily="18" charset="0"/>
-              </a:rPr>
-              <a:t> output immediately and will also add newline feed. </a:t>
-            </a:r>
-          </a:p>
-        </p:txBody>
-      </p:sp>
     </p:spTree>
     <p:extLst>
       <p:ext uri="{BB962C8B-B14F-4D97-AF65-F5344CB8AC3E}">
-        <p14:creationId xmlns:p14="http://schemas.microsoft.com/office/powerpoint/2010/main" val="864763492"/>
+        <p14:creationId xmlns:p14="http://schemas.microsoft.com/office/powerpoint/2010/main" val="1179123495"/>
+      </p:ext>
+    </p:extLst>
+  </p:cSld>
+  <p:clrMapOvr>
+    <a:masterClrMapping/>
+  </p:clrMapOvr>
+</p:sld>
+</file>
+
+<file path=ppt/slides/slide31.xml><?xml version="1.0" encoding="utf-8"?>
+<p:sld xmlns:a="http://schemas.openxmlformats.org/drawingml/2006/main" xmlns:r="http://schemas.openxmlformats.org/officeDocument/2006/relationships" xmlns:p="http://schemas.openxmlformats.org/presentationml/2006/main">
+  <p:cSld>
+    <p:spTree>
+      <p:nvGrpSpPr>
+        <p:cNvPr id="1" name=""/>
+        <p:cNvGrpSpPr/>
+        <p:nvPr/>
+      </p:nvGrpSpPr>
+      <p:grpSpPr>
+        <a:xfrm>
+          <a:off x="0" y="0"/>
+          <a:ext cx="0" cy="0"/>
+          <a:chOff x="0" y="0"/>
+          <a:chExt cx="0" cy="0"/>
+        </a:xfrm>
+      </p:grpSpPr>
+    </p:spTree>
+    <p:extLst>
+      <p:ext uri="{BB962C8B-B14F-4D97-AF65-F5344CB8AC3E}">
+        <p14:creationId xmlns:p14="http://schemas.microsoft.com/office/powerpoint/2010/main" val="3343350553"/>
       </p:ext>
     </p:extLst>
   </p:cSld>
@@ -16103,44 +19167,10 @@
       </p:grpSpPr>
       <p:sp>
         <p:nvSpPr>
-          <p:cNvPr id="2" name="Title 1">
-            <a:extLst>
-              <a:ext uri="{FF2B5EF4-FFF2-40B4-BE49-F238E27FC236}">
-                <a16:creationId xmlns:a16="http://schemas.microsoft.com/office/drawing/2014/main" id="{95962035-B2A2-4F02-8201-0213DC3C60DE}"/>
-              </a:ext>
-            </a:extLst>
-          </p:cNvPr>
-          <p:cNvSpPr>
-            <a:spLocks noGrp="1"/>
-          </p:cNvSpPr>
-          <p:nvPr>
-            <p:ph type="title"/>
-          </p:nvPr>
-        </p:nvSpPr>
-        <p:spPr/>
-        <p:txBody>
-          <a:bodyPr>
-            <a:normAutofit/>
-          </a:bodyPr>
-          <a:lstStyle/>
-          <a:p>
-            <a:r>
-              <a:rPr lang="en-IN" sz="3600" dirty="0">
-                <a:latin typeface="Rockwell" panose="02060603020205020403" pitchFamily="18" charset="0"/>
-                <a:ea typeface="+mn-ea"/>
-                <a:cs typeface="+mn-cs"/>
-              </a:rPr>
-              <a:t>Connect using macros vs method address</a:t>
-            </a:r>
-          </a:p>
-        </p:txBody>
-      </p:sp>
-      <p:sp>
-        <p:nvSpPr>
           <p:cNvPr id="3" name="Content Placeholder 2">
             <a:extLst>
               <a:ext uri="{FF2B5EF4-FFF2-40B4-BE49-F238E27FC236}">
-                <a16:creationId xmlns:a16="http://schemas.microsoft.com/office/drawing/2014/main" id="{A03726B3-AC83-4A41-8982-D1B76636B662}"/>
+                <a16:creationId xmlns:a16="http://schemas.microsoft.com/office/drawing/2014/main" id="{DC1B3BA7-EC9D-4A7B-B7D7-3BC6CD7C894A}"/>
               </a:ext>
             </a:extLst>
           </p:cNvPr>
@@ -16151,316 +19181,187 @@
             <p:ph idx="1"/>
           </p:nvPr>
         </p:nvSpPr>
+        <p:spPr/>
+        <p:txBody>
+          <a:bodyPr>
+            <a:normAutofit/>
+          </a:bodyPr>
+          <a:lstStyle/>
+          <a:p>
+            <a:r>
+              <a:rPr lang="en-IN" sz="1800" dirty="0">
+                <a:latin typeface="Rockwell" panose="02060603020205020403" pitchFamily="18" charset="0"/>
+              </a:rPr>
+              <a:t>In Qt project we often use </a:t>
+            </a:r>
+            <a:r>
+              <a:rPr lang="en-IN" sz="1800" dirty="0" err="1">
+                <a:latin typeface="Rockwell" panose="02060603020205020403" pitchFamily="18" charset="0"/>
+              </a:rPr>
+              <a:t>qDebug</a:t>
+            </a:r>
+            <a:r>
+              <a:rPr lang="en-IN" sz="1800" dirty="0">
+                <a:latin typeface="Rockwell" panose="02060603020205020403" pitchFamily="18" charset="0"/>
+              </a:rPr>
+              <a:t>() and rightly so.</a:t>
+            </a:r>
+          </a:p>
+          <a:p>
+            <a:r>
+              <a:rPr lang="en-IN" sz="1800" dirty="0">
+                <a:latin typeface="Rockwell" panose="02060603020205020403" pitchFamily="18" charset="0"/>
+              </a:rPr>
+              <a:t>Std::</a:t>
+            </a:r>
+            <a:r>
+              <a:rPr lang="en-IN" sz="1800" dirty="0" err="1">
+                <a:latin typeface="Rockwell" panose="02060603020205020403" pitchFamily="18" charset="0"/>
+              </a:rPr>
+              <a:t>cout</a:t>
+            </a:r>
+            <a:r>
+              <a:rPr lang="en-IN" sz="1800" dirty="0">
+                <a:latin typeface="Rockwell" panose="02060603020205020403" pitchFamily="18" charset="0"/>
+              </a:rPr>
+              <a:t> &lt;&lt; “message” will send message to output stream but will not actually print on monitor. </a:t>
+            </a:r>
+          </a:p>
+          <a:p>
+            <a:r>
+              <a:rPr lang="en-IN" sz="1800" dirty="0">
+                <a:latin typeface="Rockwell" panose="02060603020205020403" pitchFamily="18" charset="0"/>
+              </a:rPr>
+              <a:t>Std::</a:t>
+            </a:r>
+            <a:r>
+              <a:rPr lang="en-IN" sz="1800" dirty="0" err="1">
+                <a:latin typeface="Rockwell" panose="02060603020205020403" pitchFamily="18" charset="0"/>
+              </a:rPr>
+              <a:t>cout</a:t>
+            </a:r>
+            <a:r>
+              <a:rPr lang="en-IN" sz="1800" dirty="0">
+                <a:latin typeface="Rockwell" panose="02060603020205020403" pitchFamily="18" charset="0"/>
+              </a:rPr>
+              <a:t> &lt;&lt; std::flush is required to print message immediately. Otherwise you will see all messages printed at the end of program. </a:t>
+            </a:r>
+          </a:p>
+          <a:p>
+            <a:r>
+              <a:rPr lang="en-IN" sz="1800" dirty="0" err="1">
+                <a:latin typeface="Rockwell" panose="02060603020205020403" pitchFamily="18" charset="0"/>
+              </a:rPr>
+              <a:t>qDebug</a:t>
+            </a:r>
+            <a:r>
+              <a:rPr lang="en-IN" sz="1800" dirty="0">
+                <a:latin typeface="Rockwell" panose="02060603020205020403" pitchFamily="18" charset="0"/>
+              </a:rPr>
+              <a:t>() on the other hand </a:t>
+            </a:r>
+            <a:r>
+              <a:rPr lang="en-IN" sz="1600" dirty="0">
+                <a:latin typeface="Rockwell" panose="02060603020205020403" pitchFamily="18" charset="0"/>
+              </a:rPr>
+              <a:t>will</a:t>
+            </a:r>
+            <a:r>
+              <a:rPr lang="en-IN" sz="1800" dirty="0">
+                <a:latin typeface="Rockwell" panose="02060603020205020403" pitchFamily="18" charset="0"/>
+              </a:rPr>
+              <a:t> output immediately and will also add newline feed. </a:t>
+            </a:r>
+          </a:p>
+        </p:txBody>
+      </p:sp>
+      <p:sp>
+        <p:nvSpPr>
+          <p:cNvPr id="4" name="Rectangle: Rounded Corners 3">
+            <a:extLst>
+              <a:ext uri="{FF2B5EF4-FFF2-40B4-BE49-F238E27FC236}">
+                <a16:creationId xmlns:a16="http://schemas.microsoft.com/office/drawing/2014/main" id="{6FA57963-FCCC-4D3B-AD79-6D71543AEC65}"/>
+              </a:ext>
+            </a:extLst>
+          </p:cNvPr>
+          <p:cNvSpPr/>
+          <p:nvPr/>
+        </p:nvSpPr>
         <p:spPr>
           <a:xfrm>
-            <a:off x="302004" y="1690687"/>
-            <a:ext cx="11501306" cy="4970171"/>
+            <a:off x="1224094" y="778079"/>
+            <a:ext cx="5788404" cy="587230"/>
           </a:xfrm>
+          <a:prstGeom prst="roundRect">
+            <a:avLst/>
+          </a:prstGeom>
         </p:spPr>
+        <p:style>
+          <a:lnRef idx="2">
+            <a:schemeClr val="accent1">
+              <a:shade val="50000"/>
+            </a:schemeClr>
+          </a:lnRef>
+          <a:fillRef idx="1">
+            <a:schemeClr val="accent1"/>
+          </a:fillRef>
+          <a:effectRef idx="0">
+            <a:schemeClr val="accent1"/>
+          </a:effectRef>
+          <a:fontRef idx="minor">
+            <a:schemeClr val="lt1"/>
+          </a:fontRef>
+        </p:style>
         <p:txBody>
-          <a:bodyPr>
-            <a:normAutofit fontScale="70000" lnSpcReduction="20000"/>
-          </a:bodyPr>
+          <a:bodyPr rtlCol="0" anchor="ctr"/>
           <a:lstStyle/>
           <a:p>
+            <a:pPr algn="ctr"/>
+            <a:r>
+              <a:rPr lang="en-IN" dirty="0" err="1"/>
+              <a:t>qDebug</a:t>
+            </a:r>
             <a:r>
               <a:rPr lang="en-IN" dirty="0"/>
+              <a:t>()</a:t>
+            </a:r>
+            <a:r>
+              <a:rPr lang="en-IN" b="1" i="0" dirty="0">
+                <a:latin typeface="Arial" panose="020B0604020202020204" pitchFamily="34" charset="0"/>
+                <a:cs typeface="Arial" panose="020B0604020202020204" pitchFamily="34" charset="0"/>
+              </a:rPr>
               <a:t> </a:t>
             </a:r>
             <a:r>
-              <a:rPr lang="en-IN" sz="2600" dirty="0">
-                <a:latin typeface="Rockwell" panose="02060603020205020403" pitchFamily="18" charset="0"/>
-              </a:rPr>
-              <a:t>Following are 2 methods to connect signals to slots in QT. </a:t>
-            </a:r>
-          </a:p>
-          <a:p>
-            <a:pPr marL="0" indent="0">
-              <a:buNone/>
-            </a:pPr>
-            <a:r>
-              <a:rPr lang="en-IN" sz="2600" dirty="0">
-                <a:latin typeface="Rockwell" panose="02060603020205020403" pitchFamily="18" charset="0"/>
-              </a:rPr>
-              <a:t>connect(</a:t>
-            </a:r>
-            <a:r>
-              <a:rPr lang="en-IN" sz="2600" dirty="0" err="1">
-                <a:latin typeface="Rockwell" panose="02060603020205020403" pitchFamily="18" charset="0"/>
-              </a:rPr>
-              <a:t>this,&amp;Student</a:t>
-            </a:r>
-            <a:r>
-              <a:rPr lang="en-IN" sz="2600" dirty="0">
-                <a:latin typeface="Rockwell" panose="02060603020205020403" pitchFamily="18" charset="0"/>
-              </a:rPr>
-              <a:t>::</a:t>
-            </a:r>
-            <a:r>
-              <a:rPr lang="en-IN" sz="2600" dirty="0" err="1">
-                <a:latin typeface="Rockwell" panose="02060603020205020403" pitchFamily="18" charset="0"/>
-              </a:rPr>
-              <a:t>mySignal,this,&amp;Student</a:t>
-            </a:r>
-            <a:r>
-              <a:rPr lang="en-IN" sz="2600" dirty="0">
-                <a:latin typeface="Rockwell" panose="02060603020205020403" pitchFamily="18" charset="0"/>
-              </a:rPr>
-              <a:t>::</a:t>
-            </a:r>
-            <a:r>
-              <a:rPr lang="en-IN" sz="2600" dirty="0" err="1">
-                <a:latin typeface="Rockwell" panose="02060603020205020403" pitchFamily="18" charset="0"/>
-              </a:rPr>
-              <a:t>mySlot</a:t>
-            </a:r>
-            <a:r>
-              <a:rPr lang="en-IN" sz="2600" dirty="0">
-                <a:latin typeface="Rockwell" panose="02060603020205020403" pitchFamily="18" charset="0"/>
-              </a:rPr>
-              <a:t>);  // new method</a:t>
-            </a:r>
-          </a:p>
-          <a:p>
-            <a:pPr marL="0" indent="0">
-              <a:buNone/>
-            </a:pPr>
-            <a:r>
-              <a:rPr lang="en-IN" sz="2600" dirty="0">
-                <a:latin typeface="Rockwell" panose="02060603020205020403" pitchFamily="18" charset="0"/>
-              </a:rPr>
-              <a:t>connect(</a:t>
-            </a:r>
-            <a:r>
-              <a:rPr lang="en-IN" sz="2600" dirty="0" err="1">
-                <a:latin typeface="Rockwell" panose="02060603020205020403" pitchFamily="18" charset="0"/>
-              </a:rPr>
-              <a:t>this,SIGNAL</a:t>
-            </a:r>
-            <a:r>
-              <a:rPr lang="en-IN" sz="2600" dirty="0">
-                <a:latin typeface="Rockwell" panose="02060603020205020403" pitchFamily="18" charset="0"/>
-              </a:rPr>
-              <a:t>(</a:t>
-            </a:r>
-            <a:r>
-              <a:rPr lang="en-IN" sz="2600" dirty="0" err="1">
-                <a:latin typeface="Rockwell" panose="02060603020205020403" pitchFamily="18" charset="0"/>
-              </a:rPr>
-              <a:t>mySignal</a:t>
-            </a:r>
-            <a:r>
-              <a:rPr lang="en-IN" sz="2600" dirty="0">
-                <a:latin typeface="Rockwell" panose="02060603020205020403" pitchFamily="18" charset="0"/>
-              </a:rPr>
-              <a:t>()),</a:t>
-            </a:r>
-            <a:r>
-              <a:rPr lang="en-IN" sz="2600" dirty="0" err="1">
-                <a:latin typeface="Rockwell" panose="02060603020205020403" pitchFamily="18" charset="0"/>
-              </a:rPr>
-              <a:t>this,SLOT</a:t>
-            </a:r>
-            <a:r>
-              <a:rPr lang="en-IN" sz="2600" dirty="0">
-                <a:latin typeface="Rockwell" panose="02060603020205020403" pitchFamily="18" charset="0"/>
-              </a:rPr>
-              <a:t>(</a:t>
-            </a:r>
-            <a:r>
-              <a:rPr lang="en-IN" sz="2600" dirty="0" err="1">
-                <a:latin typeface="Rockwell" panose="02060603020205020403" pitchFamily="18" charset="0"/>
-              </a:rPr>
-              <a:t>mySlot</a:t>
-            </a:r>
-            <a:r>
-              <a:rPr lang="en-IN" sz="2600" dirty="0">
-                <a:latin typeface="Rockwell" panose="02060603020205020403" pitchFamily="18" charset="0"/>
-              </a:rPr>
-              <a:t>()));   // Old method   IMP: Read </a:t>
-            </a:r>
-            <a:r>
-              <a:rPr lang="en-IN" sz="2600" dirty="0">
-                <a:latin typeface="Rockwell" panose="02060603020205020403" pitchFamily="18" charset="0"/>
-                <a:hlinkClick r:id="rId2">
-                  <a:extLst>
-                    <a:ext uri="{A12FA001-AC4F-418D-AE19-62706E023703}">
-                      <ahyp:hlinkClr xmlns:ahyp="http://schemas.microsoft.com/office/drawing/2018/hyperlinkcolor" val="tx"/>
-                    </a:ext>
-                  </a:extLst>
-                </a:hlinkClick>
-              </a:rPr>
-              <a:t>https://wiki.qt.io/New_Signal_Slot_Syntax</a:t>
-            </a:r>
-            <a:endParaRPr lang="en-IN" sz="2600" dirty="0">
-              <a:latin typeface="Rockwell" panose="02060603020205020403" pitchFamily="18" charset="0"/>
-            </a:endParaRPr>
-          </a:p>
-          <a:p>
-            <a:pPr marL="0" indent="0">
-              <a:buNone/>
-            </a:pPr>
-            <a:endParaRPr lang="en-IN" sz="2300" dirty="0">
-              <a:latin typeface="Rockwell" panose="02060603020205020403" pitchFamily="18" charset="0"/>
-            </a:endParaRPr>
-          </a:p>
-          <a:p>
-            <a:pPr marL="0" indent="0">
-              <a:buNone/>
-            </a:pPr>
-            <a:r>
-              <a:rPr lang="en-IN" sz="2300" b="1" dirty="0">
-                <a:latin typeface="Rockwell" panose="02060603020205020403" pitchFamily="18" charset="0"/>
-              </a:rPr>
-              <a:t>Pros</a:t>
-            </a:r>
-          </a:p>
-          <a:p>
-            <a:r>
-              <a:rPr lang="en-IN" sz="2600" dirty="0">
-                <a:latin typeface="Rockwell" panose="02060603020205020403" pitchFamily="18" charset="0"/>
-              </a:rPr>
-              <a:t>Compile time check </a:t>
-            </a:r>
-            <a:r>
-              <a:rPr lang="en-IN" sz="2300" dirty="0">
-                <a:latin typeface="Rockwell" panose="02060603020205020403" pitchFamily="18" charset="0"/>
-              </a:rPr>
-              <a:t>of</a:t>
-            </a:r>
-            <a:r>
-              <a:rPr lang="en-IN" sz="2600" dirty="0">
-                <a:latin typeface="Rockwell" panose="02060603020205020403" pitchFamily="18" charset="0"/>
-              </a:rPr>
-              <a:t> the existence of the signals and slot, of the types, or if the Q_OBJECT is missing.</a:t>
-            </a:r>
-          </a:p>
-          <a:p>
-            <a:r>
-              <a:rPr lang="en-IN" sz="2600" dirty="0">
-                <a:latin typeface="Rockwell" panose="02060603020205020403" pitchFamily="18" charset="0"/>
-              </a:rPr>
-              <a:t>Argument can be by typedefs or with different namespace specifier, and it works.</a:t>
-            </a:r>
-          </a:p>
-          <a:p>
-            <a:r>
-              <a:rPr lang="en-IN" sz="2600" dirty="0">
-                <a:latin typeface="Rockwell" panose="02060603020205020403" pitchFamily="18" charset="0"/>
-              </a:rPr>
-              <a:t>Possibility to automatically cast the types if there is implicit conversion (e.g. from </a:t>
-            </a:r>
-            <a:r>
-              <a:rPr lang="en-IN" sz="2600" dirty="0" err="1">
-                <a:latin typeface="Rockwell" panose="02060603020205020403" pitchFamily="18" charset="0"/>
-              </a:rPr>
-              <a:t>QString</a:t>
-            </a:r>
-            <a:r>
-              <a:rPr lang="en-IN" sz="2600" dirty="0">
-                <a:latin typeface="Rockwell" panose="02060603020205020403" pitchFamily="18" charset="0"/>
-              </a:rPr>
-              <a:t> to </a:t>
-            </a:r>
-            <a:r>
-              <a:rPr lang="en-IN" sz="2600" dirty="0" err="1">
-                <a:latin typeface="Rockwell" panose="02060603020205020403" pitchFamily="18" charset="0"/>
-              </a:rPr>
-              <a:t>QVariant</a:t>
-            </a:r>
-            <a:r>
-              <a:rPr lang="en-IN" sz="2600" dirty="0">
-                <a:latin typeface="Rockwell" panose="02060603020205020403" pitchFamily="18" charset="0"/>
-              </a:rPr>
-              <a:t>)</a:t>
-            </a:r>
-          </a:p>
-          <a:p>
-            <a:r>
-              <a:rPr lang="en-IN" sz="2600" dirty="0">
-                <a:latin typeface="Rockwell" panose="02060603020205020403" pitchFamily="18" charset="0"/>
-              </a:rPr>
-              <a:t>It is possible to connect to any member function of </a:t>
-            </a:r>
-            <a:r>
-              <a:rPr lang="en-IN" sz="2600" dirty="0" err="1">
-                <a:latin typeface="Rockwell" panose="02060603020205020403" pitchFamily="18" charset="0"/>
-              </a:rPr>
-              <a:t>QObject</a:t>
-            </a:r>
-            <a:r>
-              <a:rPr lang="en-IN" sz="2600" dirty="0">
-                <a:latin typeface="Rockwell" panose="02060603020205020403" pitchFamily="18" charset="0"/>
-              </a:rPr>
-              <a:t>, not only slots.</a:t>
-            </a:r>
-          </a:p>
-          <a:p>
-            <a:pPr marL="0" indent="0">
-              <a:buNone/>
-            </a:pPr>
-            <a:r>
-              <a:rPr lang="en-IN" sz="2300" b="1" dirty="0">
-                <a:latin typeface="Rockwell" panose="02060603020205020403" pitchFamily="18" charset="0"/>
-              </a:rPr>
-              <a:t>Cons</a:t>
-            </a:r>
-          </a:p>
-          <a:p>
-            <a:r>
-              <a:rPr lang="en-IN" sz="2600" dirty="0">
-                <a:latin typeface="Rockwell" panose="02060603020205020403" pitchFamily="18" charset="0"/>
-              </a:rPr>
-              <a:t>More complicated syntax? (you need to specify the type of your object)</a:t>
-            </a:r>
-          </a:p>
-          <a:p>
-            <a:r>
-              <a:rPr lang="en-IN" sz="2600" dirty="0">
-                <a:latin typeface="Rockwell" panose="02060603020205020403" pitchFamily="18" charset="0"/>
-              </a:rPr>
-              <a:t>Very complicated syntax in cases of overloads? (see </a:t>
-            </a:r>
-            <a:r>
-              <a:rPr lang="en-IN" sz="2600" dirty="0">
-                <a:latin typeface="Rockwell" panose="02060603020205020403" pitchFamily="18" charset="0"/>
-                <a:hlinkClick r:id="rId3">
-                  <a:extLst>
-                    <a:ext uri="{A12FA001-AC4F-418D-AE19-62706E023703}">
-                      <ahyp:hlinkClr xmlns:ahyp="http://schemas.microsoft.com/office/drawing/2018/hyperlinkcolor" val="tx"/>
-                    </a:ext>
-                  </a:extLst>
-                </a:hlinkClick>
-              </a:rPr>
-              <a:t>below</a:t>
-            </a:r>
-            <a:r>
-              <a:rPr lang="en-IN" sz="2600" dirty="0">
-                <a:latin typeface="Rockwell" panose="02060603020205020403" pitchFamily="18" charset="0"/>
-              </a:rPr>
-              <a:t>)</a:t>
-            </a:r>
-          </a:p>
-          <a:p>
-            <a:r>
-              <a:rPr lang="en-IN" sz="2600" dirty="0">
-                <a:latin typeface="Rockwell" panose="02060603020205020403" pitchFamily="18" charset="0"/>
-              </a:rPr>
-              <a:t>Default arguments in slot is not supported anymore.</a:t>
-            </a:r>
-          </a:p>
-          <a:p>
-            <a:pPr marL="0" indent="0">
-              <a:buNone/>
-            </a:pPr>
-            <a:endParaRPr lang="en-IN" sz="2000" dirty="0"/>
+              <a:rPr lang="en-IN" dirty="0"/>
+              <a:t>vs</a:t>
+            </a:r>
+            <a:r>
+              <a:rPr lang="en-IN" b="1" i="0" dirty="0">
+                <a:latin typeface="Arial" panose="020B0604020202020204" pitchFamily="34" charset="0"/>
+                <a:cs typeface="Arial" panose="020B0604020202020204" pitchFamily="34" charset="0"/>
+              </a:rPr>
+              <a:t> </a:t>
+            </a:r>
+            <a:r>
+              <a:rPr lang="en-IN" dirty="0"/>
+              <a:t>std::</a:t>
+            </a:r>
+            <a:r>
+              <a:rPr lang="en-IN" dirty="0" err="1"/>
+              <a:t>cout</a:t>
+            </a:r>
+            <a:r>
+              <a:rPr lang="en-IN" dirty="0"/>
+              <a:t>&lt;&lt;</a:t>
+            </a:r>
           </a:p>
         </p:txBody>
       </p:sp>
     </p:spTree>
     <p:extLst>
       <p:ext uri="{BB962C8B-B14F-4D97-AF65-F5344CB8AC3E}">
-        <p14:creationId xmlns:p14="http://schemas.microsoft.com/office/powerpoint/2010/main" val="3415287469"/>
+        <p14:creationId xmlns:p14="http://schemas.microsoft.com/office/powerpoint/2010/main" val="864763492"/>
       </p:ext>
     </p:extLst>
   </p:cSld>
@@ -16489,40 +19390,6 @@
       </p:grpSpPr>
       <p:sp>
         <p:nvSpPr>
-          <p:cNvPr id="2" name="Title 1">
-            <a:extLst>
-              <a:ext uri="{FF2B5EF4-FFF2-40B4-BE49-F238E27FC236}">
-                <a16:creationId xmlns:a16="http://schemas.microsoft.com/office/drawing/2014/main" id="{DE8E5CAF-E025-4D29-A1D4-89649CE51431}"/>
-              </a:ext>
-            </a:extLst>
-          </p:cNvPr>
-          <p:cNvSpPr>
-            <a:spLocks noGrp="1"/>
-          </p:cNvSpPr>
-          <p:nvPr>
-            <p:ph type="title"/>
-          </p:nvPr>
-        </p:nvSpPr>
-        <p:spPr/>
-        <p:txBody>
-          <a:bodyPr>
-            <a:normAutofit/>
-          </a:bodyPr>
-          <a:lstStyle/>
-          <a:p>
-            <a:r>
-              <a:rPr lang="en-IN" sz="2400" dirty="0">
-                <a:latin typeface="Rockwell" panose="02060603020205020403" pitchFamily="18" charset="0"/>
-                <a:ea typeface="+mn-ea"/>
-                <a:cs typeface="+mn-cs"/>
-              </a:rPr>
-              <a:t>How to check if connection is successful</a:t>
-            </a:r>
-          </a:p>
-        </p:txBody>
-      </p:sp>
-      <p:sp>
-        <p:nvSpPr>
           <p:cNvPr id="3" name="Content Placeholder 2">
             <a:extLst>
               <a:ext uri="{FF2B5EF4-FFF2-40B4-BE49-F238E27FC236}">
@@ -16537,7 +19404,12 @@
             <p:ph idx="1"/>
           </p:nvPr>
         </p:nvSpPr>
-        <p:spPr/>
+        <p:spPr>
+          <a:xfrm>
+            <a:off x="552974" y="1760010"/>
+            <a:ext cx="10515600" cy="4160520"/>
+          </a:xfrm>
+        </p:spPr>
         <p:txBody>
           <a:bodyPr/>
           <a:lstStyle/>
@@ -16584,6 +19456,55 @@
                 <a:latin typeface="Rockwell" panose="02060603020205020403" pitchFamily="18" charset="0"/>
               </a:rPr>
               <a:t>() &lt;&lt; connect() to print. If connection is successful it will print true.</a:t>
+            </a:r>
+          </a:p>
+        </p:txBody>
+      </p:sp>
+      <p:sp>
+        <p:nvSpPr>
+          <p:cNvPr id="4" name="Rectangle: Rounded Corners 3">
+            <a:extLst>
+              <a:ext uri="{FF2B5EF4-FFF2-40B4-BE49-F238E27FC236}">
+                <a16:creationId xmlns:a16="http://schemas.microsoft.com/office/drawing/2014/main" id="{642800E3-EA74-410B-820D-DEB27F9E9127}"/>
+              </a:ext>
+            </a:extLst>
+          </p:cNvPr>
+          <p:cNvSpPr/>
+          <p:nvPr/>
+        </p:nvSpPr>
+        <p:spPr>
+          <a:xfrm>
+            <a:off x="611697" y="685800"/>
+            <a:ext cx="6653169" cy="373616"/>
+          </a:xfrm>
+          <a:prstGeom prst="roundRect">
+            <a:avLst/>
+          </a:prstGeom>
+        </p:spPr>
+        <p:style>
+          <a:lnRef idx="2">
+            <a:schemeClr val="accent1">
+              <a:shade val="50000"/>
+            </a:schemeClr>
+          </a:lnRef>
+          <a:fillRef idx="1">
+            <a:schemeClr val="accent1"/>
+          </a:fillRef>
+          <a:effectRef idx="0">
+            <a:schemeClr val="accent1"/>
+          </a:effectRef>
+          <a:fontRef idx="minor">
+            <a:schemeClr val="lt1"/>
+          </a:fontRef>
+        </p:style>
+        <p:txBody>
+          <a:bodyPr rtlCol="0" anchor="ctr"/>
+          <a:lstStyle/>
+          <a:p>
+            <a:pPr algn="ctr"/>
+            <a:r>
+              <a:rPr lang="en-IN" dirty="0"/>
+              <a:t>How to check if connection is successful ? </a:t>
             </a:r>
           </a:p>
         </p:txBody>
@@ -16602,6 +19523,454 @@
 </file>
 
 <file path=ppt/slides/slide6.xml><?xml version="1.0" encoding="utf-8"?>
+<p:sld xmlns:a="http://schemas.openxmlformats.org/drawingml/2006/main" xmlns:r="http://schemas.openxmlformats.org/officeDocument/2006/relationships" xmlns:p="http://schemas.openxmlformats.org/presentationml/2006/main">
+  <p:cSld>
+    <p:spTree>
+      <p:nvGrpSpPr>
+        <p:cNvPr id="1" name=""/>
+        <p:cNvGrpSpPr/>
+        <p:nvPr/>
+      </p:nvGrpSpPr>
+      <p:grpSpPr>
+        <a:xfrm>
+          <a:off x="0" y="0"/>
+          <a:ext cx="0" cy="0"/>
+          <a:chOff x="0" y="0"/>
+          <a:chExt cx="0" cy="0"/>
+        </a:xfrm>
+      </p:grpSpPr>
+      <p:sp>
+        <p:nvSpPr>
+          <p:cNvPr id="3" name="Content Placeholder 2">
+            <a:extLst>
+              <a:ext uri="{FF2B5EF4-FFF2-40B4-BE49-F238E27FC236}">
+                <a16:creationId xmlns:a16="http://schemas.microsoft.com/office/drawing/2014/main" id="{A03726B3-AC83-4A41-8982-D1B76636B662}"/>
+              </a:ext>
+            </a:extLst>
+          </p:cNvPr>
+          <p:cNvSpPr>
+            <a:spLocks noGrp="1"/>
+          </p:cNvSpPr>
+          <p:nvPr>
+            <p:ph idx="1"/>
+          </p:nvPr>
+        </p:nvSpPr>
+        <p:spPr>
+          <a:xfrm>
+            <a:off x="302004" y="1690687"/>
+            <a:ext cx="11501306" cy="4970171"/>
+          </a:xfrm>
+        </p:spPr>
+        <p:txBody>
+          <a:bodyPr>
+            <a:normAutofit fontScale="70000" lnSpcReduction="20000"/>
+          </a:bodyPr>
+          <a:lstStyle/>
+          <a:p>
+            <a:r>
+              <a:rPr lang="en-IN" dirty="0">
+                <a:latin typeface="Rockwell" panose="02060603020205020403" pitchFamily="18" charset="0"/>
+              </a:rPr>
+              <a:t> </a:t>
+            </a:r>
+            <a:r>
+              <a:rPr lang="en-IN" sz="2600" dirty="0">
+                <a:latin typeface="Rockwell" panose="02060603020205020403" pitchFamily="18" charset="0"/>
+              </a:rPr>
+              <a:t>Following are 2 methods to connect signals to slots in QT. </a:t>
+            </a:r>
+          </a:p>
+          <a:p>
+            <a:pPr marL="0" indent="0">
+              <a:buNone/>
+            </a:pPr>
+            <a:r>
+              <a:rPr lang="en-IN" sz="2600" dirty="0">
+                <a:latin typeface="Rockwell" panose="02060603020205020403" pitchFamily="18" charset="0"/>
+              </a:rPr>
+              <a:t>connect(this, &amp;Student::</a:t>
+            </a:r>
+            <a:r>
+              <a:rPr lang="en-IN" sz="2600" dirty="0" err="1">
+                <a:latin typeface="Rockwell" panose="02060603020205020403" pitchFamily="18" charset="0"/>
+              </a:rPr>
+              <a:t>mySignal</a:t>
+            </a:r>
+            <a:r>
+              <a:rPr lang="en-IN" sz="2600" dirty="0">
+                <a:latin typeface="Rockwell" panose="02060603020205020403" pitchFamily="18" charset="0"/>
+              </a:rPr>
+              <a:t>, this, &amp;Student::</a:t>
+            </a:r>
+            <a:r>
+              <a:rPr lang="en-IN" sz="2600" dirty="0" err="1">
+                <a:latin typeface="Rockwell" panose="02060603020205020403" pitchFamily="18" charset="0"/>
+              </a:rPr>
+              <a:t>mySlot</a:t>
+            </a:r>
+            <a:r>
+              <a:rPr lang="en-IN" sz="2600" dirty="0">
+                <a:latin typeface="Rockwell" panose="02060603020205020403" pitchFamily="18" charset="0"/>
+              </a:rPr>
+              <a:t>);  // new method</a:t>
+            </a:r>
+          </a:p>
+          <a:p>
+            <a:pPr marL="0" indent="0">
+              <a:buNone/>
+            </a:pPr>
+            <a:r>
+              <a:rPr lang="en-IN" sz="2600" dirty="0">
+                <a:latin typeface="Rockwell" panose="02060603020205020403" pitchFamily="18" charset="0"/>
+              </a:rPr>
+              <a:t>connect(this, SIGNAL(</a:t>
+            </a:r>
+            <a:r>
+              <a:rPr lang="en-IN" sz="2600" dirty="0" err="1">
+                <a:latin typeface="Rockwell" panose="02060603020205020403" pitchFamily="18" charset="0"/>
+              </a:rPr>
+              <a:t>mySignal</a:t>
+            </a:r>
+            <a:r>
+              <a:rPr lang="en-IN" sz="2600" dirty="0">
+                <a:latin typeface="Rockwell" panose="02060603020205020403" pitchFamily="18" charset="0"/>
+              </a:rPr>
+              <a:t>()), this, SLOT(</a:t>
+            </a:r>
+            <a:r>
+              <a:rPr lang="en-IN" sz="2600" dirty="0" err="1">
+                <a:latin typeface="Rockwell" panose="02060603020205020403" pitchFamily="18" charset="0"/>
+              </a:rPr>
+              <a:t>mySlot</a:t>
+            </a:r>
+            <a:r>
+              <a:rPr lang="en-IN" sz="2600" dirty="0">
+                <a:latin typeface="Rockwell" panose="02060603020205020403" pitchFamily="18" charset="0"/>
+              </a:rPr>
+              <a:t>()));   // Old method   </a:t>
+            </a:r>
+          </a:p>
+          <a:p>
+            <a:pPr marL="0" indent="0">
+              <a:buNone/>
+            </a:pPr>
+            <a:r>
+              <a:rPr lang="en-IN" sz="2600" b="1" dirty="0">
+                <a:latin typeface="Rockwell" panose="02060603020205020403" pitchFamily="18" charset="0"/>
+              </a:rPr>
+              <a:t>IMP</a:t>
+            </a:r>
+            <a:r>
+              <a:rPr lang="en-IN" sz="2600" dirty="0">
+                <a:latin typeface="Rockwell" panose="02060603020205020403" pitchFamily="18" charset="0"/>
+              </a:rPr>
+              <a:t>: Read </a:t>
+            </a:r>
+            <a:r>
+              <a:rPr lang="en-IN" sz="2600" dirty="0">
+                <a:latin typeface="Rockwell" panose="02060603020205020403" pitchFamily="18" charset="0"/>
+                <a:hlinkClick r:id="rId2">
+                  <a:extLst>
+                    <a:ext uri="{A12FA001-AC4F-418D-AE19-62706E023703}">
+                      <ahyp:hlinkClr xmlns:ahyp="http://schemas.microsoft.com/office/drawing/2018/hyperlinkcolor" val="tx"/>
+                    </a:ext>
+                  </a:extLst>
+                </a:hlinkClick>
+              </a:rPr>
+              <a:t>https://wiki.qt.io/New_Signal_Slot_Syntax</a:t>
+            </a:r>
+            <a:endParaRPr lang="en-IN" sz="2600" dirty="0">
+              <a:latin typeface="Rockwell" panose="02060603020205020403" pitchFamily="18" charset="0"/>
+            </a:endParaRPr>
+          </a:p>
+          <a:p>
+            <a:pPr marL="0" indent="0">
+              <a:buNone/>
+            </a:pPr>
+            <a:endParaRPr lang="en-IN" sz="2600" dirty="0">
+              <a:solidFill>
+                <a:schemeClr val="lt1"/>
+              </a:solidFill>
+            </a:endParaRPr>
+          </a:p>
+          <a:p>
+            <a:pPr marL="0" indent="0">
+              <a:buNone/>
+            </a:pPr>
+            <a:r>
+              <a:rPr lang="en-IN" sz="2300" b="1" dirty="0">
+                <a:latin typeface="Rockwell" panose="02060603020205020403" pitchFamily="18" charset="0"/>
+              </a:rPr>
+              <a:t>Pros</a:t>
+            </a:r>
+          </a:p>
+          <a:p>
+            <a:r>
+              <a:rPr lang="en-IN" sz="2600" dirty="0">
+                <a:latin typeface="Rockwell" panose="02060603020205020403" pitchFamily="18" charset="0"/>
+              </a:rPr>
+              <a:t>Compile time check </a:t>
+            </a:r>
+            <a:r>
+              <a:rPr lang="en-IN" sz="2300" dirty="0">
+                <a:latin typeface="Rockwell" panose="02060603020205020403" pitchFamily="18" charset="0"/>
+              </a:rPr>
+              <a:t>of</a:t>
+            </a:r>
+            <a:r>
+              <a:rPr lang="en-IN" sz="2600" dirty="0">
+                <a:latin typeface="Rockwell" panose="02060603020205020403" pitchFamily="18" charset="0"/>
+              </a:rPr>
+              <a:t> the existence of the signals and slot, of the types, or if the Q_OBJECT is missing.</a:t>
+            </a:r>
+          </a:p>
+          <a:p>
+            <a:r>
+              <a:rPr lang="en-IN" sz="2600" dirty="0">
+                <a:latin typeface="Rockwell" panose="02060603020205020403" pitchFamily="18" charset="0"/>
+              </a:rPr>
+              <a:t>Argument can be by typedefs or with different namespace specifier, and it works.</a:t>
+            </a:r>
+          </a:p>
+          <a:p>
+            <a:r>
+              <a:rPr lang="en-IN" sz="2600" dirty="0">
+                <a:latin typeface="Rockwell" panose="02060603020205020403" pitchFamily="18" charset="0"/>
+              </a:rPr>
+              <a:t>Possibility to automatically cast the types if there is implicit conversion (e.g. from </a:t>
+            </a:r>
+            <a:r>
+              <a:rPr lang="en-IN" sz="2600" dirty="0" err="1">
+                <a:latin typeface="Rockwell" panose="02060603020205020403" pitchFamily="18" charset="0"/>
+              </a:rPr>
+              <a:t>QString</a:t>
+            </a:r>
+            <a:r>
+              <a:rPr lang="en-IN" sz="2600" dirty="0">
+                <a:latin typeface="Rockwell" panose="02060603020205020403" pitchFamily="18" charset="0"/>
+              </a:rPr>
+              <a:t> to </a:t>
+            </a:r>
+            <a:r>
+              <a:rPr lang="en-IN" sz="2600" dirty="0" err="1">
+                <a:latin typeface="Rockwell" panose="02060603020205020403" pitchFamily="18" charset="0"/>
+              </a:rPr>
+              <a:t>QVariant</a:t>
+            </a:r>
+            <a:r>
+              <a:rPr lang="en-IN" sz="2600" dirty="0">
+                <a:latin typeface="Rockwell" panose="02060603020205020403" pitchFamily="18" charset="0"/>
+              </a:rPr>
+              <a:t>)</a:t>
+            </a:r>
+          </a:p>
+          <a:p>
+            <a:r>
+              <a:rPr lang="en-IN" sz="2600" dirty="0">
+                <a:latin typeface="Rockwell" panose="02060603020205020403" pitchFamily="18" charset="0"/>
+              </a:rPr>
+              <a:t>It is possible to connect to any member function of </a:t>
+            </a:r>
+            <a:r>
+              <a:rPr lang="en-IN" sz="2600" dirty="0" err="1">
+                <a:latin typeface="Rockwell" panose="02060603020205020403" pitchFamily="18" charset="0"/>
+              </a:rPr>
+              <a:t>QObject</a:t>
+            </a:r>
+            <a:r>
+              <a:rPr lang="en-IN" sz="2600" dirty="0">
+                <a:latin typeface="Rockwell" panose="02060603020205020403" pitchFamily="18" charset="0"/>
+              </a:rPr>
+              <a:t>, not only slots.</a:t>
+            </a:r>
+          </a:p>
+          <a:p>
+            <a:pPr marL="0" indent="0">
+              <a:buNone/>
+            </a:pPr>
+            <a:r>
+              <a:rPr lang="en-IN" sz="2300" b="1" dirty="0">
+                <a:latin typeface="Rockwell" panose="02060603020205020403" pitchFamily="18" charset="0"/>
+              </a:rPr>
+              <a:t>Cons</a:t>
+            </a:r>
+          </a:p>
+          <a:p>
+            <a:r>
+              <a:rPr lang="en-IN" sz="2600" dirty="0">
+                <a:latin typeface="Rockwell" panose="02060603020205020403" pitchFamily="18" charset="0"/>
+              </a:rPr>
+              <a:t>More complicated syntax? (you need to specify the type of your object)</a:t>
+            </a:r>
+          </a:p>
+          <a:p>
+            <a:r>
+              <a:rPr lang="en-IN" sz="2600" dirty="0">
+                <a:latin typeface="Rockwell" panose="02060603020205020403" pitchFamily="18" charset="0"/>
+              </a:rPr>
+              <a:t>Very complicated syntax in cases of overloads? (see </a:t>
+            </a:r>
+            <a:r>
+              <a:rPr lang="en-IN" sz="2600" dirty="0">
+                <a:latin typeface="Rockwell" panose="02060603020205020403" pitchFamily="18" charset="0"/>
+                <a:hlinkClick r:id="rId3">
+                  <a:extLst>
+                    <a:ext uri="{A12FA001-AC4F-418D-AE19-62706E023703}">
+                      <ahyp:hlinkClr xmlns:ahyp="http://schemas.microsoft.com/office/drawing/2018/hyperlinkcolor" val="tx"/>
+                    </a:ext>
+                  </a:extLst>
+                </a:hlinkClick>
+              </a:rPr>
+              <a:t>below</a:t>
+            </a:r>
+            <a:r>
+              <a:rPr lang="en-IN" sz="2600" dirty="0">
+                <a:latin typeface="Rockwell" panose="02060603020205020403" pitchFamily="18" charset="0"/>
+              </a:rPr>
+              <a:t>)</a:t>
+            </a:r>
+          </a:p>
+          <a:p>
+            <a:r>
+              <a:rPr lang="en-IN" sz="2600" dirty="0">
+                <a:latin typeface="Rockwell" panose="02060603020205020403" pitchFamily="18" charset="0"/>
+              </a:rPr>
+              <a:t>Default arguments in slot is not supported anymore.</a:t>
+            </a:r>
+          </a:p>
+          <a:p>
+            <a:pPr marL="0" indent="0">
+              <a:buNone/>
+            </a:pPr>
+            <a:endParaRPr lang="en-IN" sz="2000" dirty="0">
+              <a:latin typeface="Rockwell" panose="02060603020205020403" pitchFamily="18" charset="0"/>
+            </a:endParaRPr>
+          </a:p>
+        </p:txBody>
+      </p:sp>
+      <p:sp>
+        <p:nvSpPr>
+          <p:cNvPr id="4" name="Rectangle: Rounded Corners 3">
+            <a:extLst>
+              <a:ext uri="{FF2B5EF4-FFF2-40B4-BE49-F238E27FC236}">
+                <a16:creationId xmlns:a16="http://schemas.microsoft.com/office/drawing/2014/main" id="{86D1065C-8B22-4B45-BC57-78D77890C9AA}"/>
+              </a:ext>
+            </a:extLst>
+          </p:cNvPr>
+          <p:cNvSpPr/>
+          <p:nvPr/>
+        </p:nvSpPr>
+        <p:spPr>
+          <a:xfrm>
+            <a:off x="511728" y="612396"/>
+            <a:ext cx="7592037" cy="612397"/>
+          </a:xfrm>
+          <a:prstGeom prst="roundRect">
+            <a:avLst/>
+          </a:prstGeom>
+        </p:spPr>
+        <p:style>
+          <a:lnRef idx="2">
+            <a:schemeClr val="accent1">
+              <a:shade val="50000"/>
+            </a:schemeClr>
+          </a:lnRef>
+          <a:fillRef idx="1">
+            <a:schemeClr val="accent1"/>
+          </a:fillRef>
+          <a:effectRef idx="0">
+            <a:schemeClr val="accent1"/>
+          </a:effectRef>
+          <a:fontRef idx="minor">
+            <a:schemeClr val="lt1"/>
+          </a:fontRef>
+        </p:style>
+        <p:txBody>
+          <a:bodyPr rtlCol="0" anchor="ctr"/>
+          <a:lstStyle/>
+          <a:p>
+            <a:pPr algn="ctr"/>
+            <a:r>
+              <a:rPr lang="en-IN" dirty="0"/>
+              <a:t>Connect</a:t>
+            </a:r>
+            <a:r>
+              <a:rPr lang="en-IN" sz="1800" dirty="0">
+                <a:latin typeface="Rockwell" panose="02060603020205020403" pitchFamily="18" charset="0"/>
+                <a:ea typeface="+mn-ea"/>
+                <a:cs typeface="+mn-cs"/>
+              </a:rPr>
+              <a:t> </a:t>
+            </a:r>
+            <a:r>
+              <a:rPr lang="en-IN" dirty="0"/>
+              <a:t>using</a:t>
+            </a:r>
+            <a:r>
+              <a:rPr lang="en-IN" sz="1800" dirty="0">
+                <a:latin typeface="Rockwell" panose="02060603020205020403" pitchFamily="18" charset="0"/>
+                <a:ea typeface="+mn-ea"/>
+                <a:cs typeface="+mn-cs"/>
+              </a:rPr>
+              <a:t> </a:t>
+            </a:r>
+            <a:r>
+              <a:rPr lang="en-IN" dirty="0"/>
+              <a:t>macros</a:t>
+            </a:r>
+            <a:r>
+              <a:rPr lang="en-IN" sz="1800" dirty="0">
+                <a:latin typeface="Rockwell" panose="02060603020205020403" pitchFamily="18" charset="0"/>
+                <a:ea typeface="+mn-ea"/>
+                <a:cs typeface="+mn-cs"/>
+              </a:rPr>
+              <a:t> </a:t>
+            </a:r>
+            <a:r>
+              <a:rPr lang="en-IN" dirty="0"/>
+              <a:t>vs</a:t>
+            </a:r>
+            <a:r>
+              <a:rPr lang="en-IN" sz="1800" dirty="0">
+                <a:latin typeface="Rockwell" panose="02060603020205020403" pitchFamily="18" charset="0"/>
+                <a:ea typeface="+mn-ea"/>
+                <a:cs typeface="+mn-cs"/>
+              </a:rPr>
+              <a:t> </a:t>
+            </a:r>
+            <a:r>
+              <a:rPr lang="en-IN" dirty="0"/>
+              <a:t>method</a:t>
+            </a:r>
+            <a:r>
+              <a:rPr lang="en-IN" sz="1800" dirty="0">
+                <a:latin typeface="Rockwell" panose="02060603020205020403" pitchFamily="18" charset="0"/>
+                <a:ea typeface="+mn-ea"/>
+                <a:cs typeface="+mn-cs"/>
+              </a:rPr>
+              <a:t> </a:t>
+            </a:r>
+            <a:r>
+              <a:rPr lang="en-IN" dirty="0"/>
+              <a:t>address</a:t>
+            </a:r>
+          </a:p>
+        </p:txBody>
+      </p:sp>
+    </p:spTree>
+    <p:extLst>
+      <p:ext uri="{BB962C8B-B14F-4D97-AF65-F5344CB8AC3E}">
+        <p14:creationId xmlns:p14="http://schemas.microsoft.com/office/powerpoint/2010/main" val="3415287469"/>
+      </p:ext>
+    </p:extLst>
+  </p:cSld>
+  <p:clrMapOvr>
+    <a:masterClrMapping/>
+  </p:clrMapOvr>
+</p:sld>
+</file>
+
+<file path=ppt/slides/slide7.xml><?xml version="1.0" encoding="utf-8"?>
 <p:sld xmlns:a="http://schemas.openxmlformats.org/drawingml/2006/main" xmlns:r="http://schemas.openxmlformats.org/officeDocument/2006/relationships" xmlns:p="http://schemas.openxmlformats.org/presentationml/2006/main">
   <p:cSld>
     <p:spTree>
@@ -16882,7 +20251,7 @@
 </p:sld>
 </file>
 
-<file path=ppt/slides/slide7.xml><?xml version="1.0" encoding="utf-8"?>
+<file path=ppt/slides/slide8.xml><?xml version="1.0" encoding="utf-8"?>
 <p:sld xmlns:a="http://schemas.openxmlformats.org/drawingml/2006/main" xmlns:r="http://schemas.openxmlformats.org/officeDocument/2006/relationships" xmlns:p="http://schemas.openxmlformats.org/presentationml/2006/main">
   <p:cSld>
     <p:spTree>
@@ -16913,8 +20282,8 @@
         </p:nvSpPr>
         <p:spPr>
           <a:xfrm>
-            <a:off x="55927" y="553673"/>
-            <a:ext cx="12080146" cy="5632311"/>
+            <a:off x="151001" y="1410408"/>
+            <a:ext cx="12080146" cy="5355312"/>
           </a:xfrm>
           <a:prstGeom prst="rect">
             <a:avLst/>
@@ -16938,11 +20307,6 @@
             </a:r>
           </a:p>
           <a:p>
-            <a:endParaRPr lang="en-IN" dirty="0">
-              <a:latin typeface="Rockwell" panose="02060603020205020403" pitchFamily="18" charset="0"/>
-            </a:endParaRPr>
-          </a:p>
-          <a:p>
             <a:r>
               <a:rPr lang="en-IN" dirty="0">
                 <a:latin typeface="Rockwell" panose="02060603020205020403" pitchFamily="18" charset="0"/>
@@ -17449,42 +20813,12 @@
           </a:p>
         </p:txBody>
       </p:sp>
-    </p:spTree>
-    <p:extLst>
-      <p:ext uri="{BB962C8B-B14F-4D97-AF65-F5344CB8AC3E}">
-        <p14:creationId xmlns:p14="http://schemas.microsoft.com/office/powerpoint/2010/main" val="1873787322"/>
-      </p:ext>
-    </p:extLst>
-  </p:cSld>
-  <p:clrMapOvr>
-    <a:masterClrMapping/>
-  </p:clrMapOvr>
-</p:sld>
-</file>
-
-<file path=ppt/slides/slide8.xml><?xml version="1.0" encoding="utf-8"?>
-<p:sld xmlns:a="http://schemas.openxmlformats.org/drawingml/2006/main" xmlns:r="http://schemas.openxmlformats.org/officeDocument/2006/relationships" xmlns:p="http://schemas.openxmlformats.org/presentationml/2006/main">
-  <p:cSld>
-    <p:spTree>
-      <p:nvGrpSpPr>
-        <p:cNvPr id="1" name=""/>
-        <p:cNvGrpSpPr/>
-        <p:nvPr/>
-      </p:nvGrpSpPr>
-      <p:grpSpPr>
-        <a:xfrm>
-          <a:off x="0" y="0"/>
-          <a:ext cx="0" cy="0"/>
-          <a:chOff x="0" y="0"/>
-          <a:chExt cx="0" cy="0"/>
-        </a:xfrm>
-      </p:grpSpPr>
       <p:sp>
         <p:nvSpPr>
-          <p:cNvPr id="4" name="Rectangle 3">
+          <p:cNvPr id="2" name="Rectangle: Rounded Corners 1">
             <a:extLst>
               <a:ext uri="{FF2B5EF4-FFF2-40B4-BE49-F238E27FC236}">
-                <a16:creationId xmlns:a16="http://schemas.microsoft.com/office/drawing/2014/main" id="{F7A50E8C-E7C5-4E70-B959-E6823C11F0F8}"/>
+                <a16:creationId xmlns:a16="http://schemas.microsoft.com/office/drawing/2014/main" id="{D2E77790-CD52-4CE3-920E-A5C56B42068E}"/>
               </a:ext>
             </a:extLst>
           </p:cNvPr>
@@ -17493,195 +20827,45 @@
         </p:nvSpPr>
         <p:spPr>
           <a:xfrm>
-            <a:off x="223706" y="765366"/>
-            <a:ext cx="11744587" cy="4801314"/>
+            <a:off x="260058" y="511728"/>
+            <a:ext cx="3179428" cy="520118"/>
           </a:xfrm>
-          <a:prstGeom prst="rect">
+          <a:prstGeom prst="roundRect">
             <a:avLst/>
           </a:prstGeom>
         </p:spPr>
+        <p:style>
+          <a:lnRef idx="2">
+            <a:schemeClr val="accent1">
+              <a:shade val="50000"/>
+            </a:schemeClr>
+          </a:lnRef>
+          <a:fillRef idx="1">
+            <a:schemeClr val="accent1"/>
+          </a:fillRef>
+          <a:effectRef idx="0">
+            <a:schemeClr val="accent1"/>
+          </a:effectRef>
+          <a:fontRef idx="minor">
+            <a:schemeClr val="lt1"/>
+          </a:fontRef>
+        </p:style>
         <p:txBody>
-          <a:bodyPr wrap="square">
-            <a:spAutoFit/>
-          </a:bodyPr>
+          <a:bodyPr rtlCol="0" anchor="ctr"/>
           <a:lstStyle/>
           <a:p>
-            <a:pPr marL="285750" indent="-285750">
-              <a:buFont typeface="Wingdings" panose="05000000000000000000" pitchFamily="2" charset="2"/>
-              <a:buChar char="q"/>
-            </a:pPr>
-            <a:r>
-              <a:rPr lang="en-IN" dirty="0">
-                <a:latin typeface="Rockwell" panose="02060603020205020403" pitchFamily="18" charset="0"/>
-              </a:rPr>
-              <a:t>Your classes need a Q_OBJECT macro:</a:t>
-            </a:r>
-          </a:p>
-          <a:p>
-            <a:r>
-              <a:rPr lang="en-IN" dirty="0">
-                <a:latin typeface="Rockwell" panose="02060603020205020403" pitchFamily="18" charset="0"/>
-              </a:rPr>
-              <a:t>In classes where you are using "signals" and "slots" specifications you need to add a Q_OBJECT macro like this:</a:t>
-            </a:r>
-          </a:p>
-          <a:p>
-            <a:r>
-              <a:rPr lang="en-IN" dirty="0">
-                <a:latin typeface="Rockwell" panose="02060603020205020403" pitchFamily="18" charset="0"/>
-              </a:rPr>
-              <a:t>class </a:t>
-            </a:r>
-            <a:r>
-              <a:rPr lang="en-IN" dirty="0" err="1">
-                <a:latin typeface="Rockwell" panose="02060603020205020403" pitchFamily="18" charset="0"/>
-              </a:rPr>
-              <a:t>SomeClass</a:t>
-            </a:r>
-            <a:endParaRPr lang="en-IN" dirty="0">
-              <a:latin typeface="Rockwell" panose="02060603020205020403" pitchFamily="18" charset="0"/>
-            </a:endParaRPr>
-          </a:p>
-          <a:p>
-            <a:r>
-              <a:rPr lang="en-IN" dirty="0">
-                <a:latin typeface="Rockwell" panose="02060603020205020403" pitchFamily="18" charset="0"/>
-              </a:rPr>
-              <a:t>{</a:t>
-            </a:r>
-          </a:p>
-          <a:p>
-            <a:r>
-              <a:rPr lang="en-IN" dirty="0">
-                <a:latin typeface="Rockwell" panose="02060603020205020403" pitchFamily="18" charset="0"/>
-              </a:rPr>
-              <a:t>   Q_OBJECT</a:t>
-            </a:r>
-          </a:p>
-          <a:p>
-            <a:r>
-              <a:rPr lang="en-IN" dirty="0">
-                <a:latin typeface="Rockwell" panose="02060603020205020403" pitchFamily="18" charset="0"/>
-              </a:rPr>
-              <a:t>signals:</a:t>
-            </a:r>
-          </a:p>
-          <a:p>
-            <a:r>
-              <a:rPr lang="en-IN" dirty="0">
-                <a:latin typeface="Rockwell" panose="02060603020205020403" pitchFamily="18" charset="0"/>
-              </a:rPr>
-              <a:t>   void </a:t>
-            </a:r>
-            <a:r>
-              <a:rPr lang="en-IN" dirty="0" err="1">
-                <a:latin typeface="Rockwell" panose="02060603020205020403" pitchFamily="18" charset="0"/>
-              </a:rPr>
-              <a:t>MySignal</a:t>
-            </a:r>
-            <a:r>
-              <a:rPr lang="en-IN" dirty="0">
-                <a:latin typeface="Rockwell" panose="02060603020205020403" pitchFamily="18" charset="0"/>
-              </a:rPr>
-              <a:t>(int x);</a:t>
-            </a:r>
-          </a:p>
-          <a:p>
-            <a:r>
-              <a:rPr lang="en-IN" dirty="0">
-                <a:latin typeface="Rockwell" panose="02060603020205020403" pitchFamily="18" charset="0"/>
-              </a:rPr>
-              <a:t>};</a:t>
-            </a:r>
-          </a:p>
-          <a:p>
-            <a:r>
-              <a:rPr lang="en-IN" dirty="0">
-                <a:latin typeface="Rockwell" panose="02060603020205020403" pitchFamily="18" charset="0"/>
-              </a:rPr>
-              <a:t>class </a:t>
-            </a:r>
-            <a:r>
-              <a:rPr lang="en-IN" dirty="0" err="1">
-                <a:latin typeface="Rockwell" panose="02060603020205020403" pitchFamily="18" charset="0"/>
-              </a:rPr>
-              <a:t>SomeMoreClass</a:t>
-            </a:r>
-            <a:endParaRPr lang="en-IN" dirty="0">
-              <a:latin typeface="Rockwell" panose="02060603020205020403" pitchFamily="18" charset="0"/>
-            </a:endParaRPr>
-          </a:p>
-          <a:p>
-            <a:r>
-              <a:rPr lang="en-IN" dirty="0">
-                <a:latin typeface="Rockwell" panose="02060603020205020403" pitchFamily="18" charset="0"/>
-              </a:rPr>
-              <a:t>{</a:t>
-            </a:r>
-          </a:p>
-          <a:p>
-            <a:r>
-              <a:rPr lang="en-IN" dirty="0">
-                <a:latin typeface="Rockwell" panose="02060603020205020403" pitchFamily="18" charset="0"/>
-              </a:rPr>
-              <a:t>   Q_OBJECT</a:t>
-            </a:r>
-          </a:p>
-          <a:p>
-            <a:r>
-              <a:rPr lang="en-IN" dirty="0">
-                <a:latin typeface="Rockwell" panose="02060603020205020403" pitchFamily="18" charset="0"/>
-              </a:rPr>
-              <a:t>public slots:</a:t>
-            </a:r>
-          </a:p>
-          <a:p>
-            <a:r>
-              <a:rPr lang="en-IN" dirty="0">
-                <a:latin typeface="Rockwell" panose="02060603020205020403" pitchFamily="18" charset="0"/>
-              </a:rPr>
-              <a:t>   void </a:t>
-            </a:r>
-            <a:r>
-              <a:rPr lang="en-IN" dirty="0" err="1">
-                <a:latin typeface="Rockwell" panose="02060603020205020403" pitchFamily="18" charset="0"/>
-              </a:rPr>
-              <a:t>MySlot</a:t>
-            </a:r>
-            <a:r>
-              <a:rPr lang="en-IN" dirty="0">
-                <a:latin typeface="Rockwell" panose="02060603020205020403" pitchFamily="18" charset="0"/>
-              </a:rPr>
-              <a:t>(int x);</a:t>
-            </a:r>
-          </a:p>
-          <a:p>
-            <a:r>
-              <a:rPr lang="en-IN" dirty="0">
-                <a:latin typeface="Rockwell" panose="02060603020205020403" pitchFamily="18" charset="0"/>
-              </a:rPr>
-              <a:t>};</a:t>
-            </a:r>
-          </a:p>
-          <a:p>
-            <a:r>
-              <a:rPr lang="en-IN" dirty="0">
-                <a:latin typeface="Rockwell" panose="02060603020205020403" pitchFamily="18" charset="0"/>
-              </a:rPr>
-              <a:t>This macro adds necessary meta information to the class.</a:t>
-            </a:r>
-          </a:p>
-          <a:p>
-            <a:endParaRPr lang="en-IN" dirty="0">
-              <a:latin typeface="Rockwell" panose="02060603020205020403" pitchFamily="18" charset="0"/>
-            </a:endParaRPr>
+            <a:pPr algn="ctr"/>
+            <a:r>
+              <a:rPr lang="en-IN" dirty="0"/>
+              <a:t>Signals and Slots</a:t>
+            </a:r>
           </a:p>
         </p:txBody>
       </p:sp>
     </p:spTree>
     <p:extLst>
       <p:ext uri="{BB962C8B-B14F-4D97-AF65-F5344CB8AC3E}">
-        <p14:creationId xmlns:p14="http://schemas.microsoft.com/office/powerpoint/2010/main" val="3327822942"/>
+        <p14:creationId xmlns:p14="http://schemas.microsoft.com/office/powerpoint/2010/main" val="1873787322"/>
       </p:ext>
     </p:extLst>
   </p:cSld>
@@ -17713,7 +20897,7 @@
           <p:cNvPr id="4" name="Rectangle 3">
             <a:extLst>
               <a:ext uri="{FF2B5EF4-FFF2-40B4-BE49-F238E27FC236}">
-                <a16:creationId xmlns:a16="http://schemas.microsoft.com/office/drawing/2014/main" id="{FF5C1717-0F60-4846-AE1F-2C67779BC68A}"/>
+                <a16:creationId xmlns:a16="http://schemas.microsoft.com/office/drawing/2014/main" id="{F7A50E8C-E7C5-4E70-B959-E6823C11F0F8}"/>
               </a:ext>
             </a:extLst>
           </p:cNvPr>
@@ -17722,8 +20906,8 @@
         </p:nvSpPr>
         <p:spPr>
           <a:xfrm>
-            <a:off x="159391" y="1443841"/>
-            <a:ext cx="11610363" cy="4524315"/>
+            <a:off x="223706" y="1520375"/>
+            <a:ext cx="11744587" cy="4801314"/>
           </a:xfrm>
           <a:prstGeom prst="rect">
             <a:avLst/>
@@ -17743,7 +20927,7 @@
               <a:rPr lang="en-IN" dirty="0">
                 <a:latin typeface="Rockwell" panose="02060603020205020403" pitchFamily="18" charset="0"/>
               </a:rPr>
-              <a:t> Your objects must be alive:</a:t>
+              <a:t>Your classes need a Q_OBJECT macro:</a:t>
             </a:r>
           </a:p>
           <a:p>
@@ -17751,7 +20935,7 @@
               <a:rPr lang="en-IN" dirty="0">
                 <a:latin typeface="Rockwell" panose="02060603020205020403" pitchFamily="18" charset="0"/>
               </a:rPr>
-              <a:t>As soon as either the sender object or the receiver object is destroyed, Qt automatically discards the connection. If the signal isn't emitted: Does the sender object still exist? If the slot isn't called: Does the receiver object still exist?</a:t>
+              <a:t>In classes where you are using "signals" and "slots" specifications you need to add a Q_OBJECT macro like this:</a:t>
             </a:r>
           </a:p>
           <a:p>
@@ -17759,36 +20943,24 @@
               <a:rPr lang="en-IN" dirty="0">
                 <a:latin typeface="Rockwell" panose="02060603020205020403" pitchFamily="18" charset="0"/>
               </a:rPr>
-              <a:t>To check the lifetime of both objects use a debugger break point or some </a:t>
+              <a:t>class </a:t>
             </a:r>
             <a:r>
               <a:rPr lang="en-IN" dirty="0" err="1">
                 <a:latin typeface="Rockwell" panose="02060603020205020403" pitchFamily="18" charset="0"/>
               </a:rPr>
-              <a:t>qDebug</a:t>
-            </a:r>
-            <a:r>
-              <a:rPr lang="en-IN" dirty="0">
-                <a:latin typeface="Rockwell" panose="02060603020205020403" pitchFamily="18" charset="0"/>
-              </a:rPr>
-              <a:t>() output in the constructors/destructors.</a:t>
-            </a:r>
-          </a:p>
-          <a:p>
+              <a:t>SomeClass</a:t>
+            </a:r>
             <a:endParaRPr lang="en-IN" dirty="0">
               <a:latin typeface="Rockwell" panose="02060603020205020403" pitchFamily="18" charset="0"/>
             </a:endParaRPr>
           </a:p>
           <a:p>
-            <a:pPr marL="285750" indent="-285750">
-              <a:buFont typeface="Wingdings" panose="05000000000000000000" pitchFamily="2" charset="2"/>
-              <a:buChar char="q"/>
-            </a:pPr>
             <a:r>
               <a:rPr lang="en-IN" dirty="0">
                 <a:latin typeface="Rockwell" panose="02060603020205020403" pitchFamily="18" charset="0"/>
               </a:rPr>
-              <a:t> It still does not work:</a:t>
+              <a:t>{</a:t>
             </a:r>
           </a:p>
           <a:p>
@@ -17796,10 +20968,58 @@
               <a:rPr lang="en-IN" dirty="0">
                 <a:latin typeface="Rockwell" panose="02060603020205020403" pitchFamily="18" charset="0"/>
               </a:rPr>
-              <a:t>To do a very quick and dirty check of your connection emit the signal by your self using some dummy arguments and see if it is called:</a:t>
-            </a:r>
-          </a:p>
-          <a:p>
+              <a:t>   Q_OBJECT</a:t>
+            </a:r>
+          </a:p>
+          <a:p>
+            <a:r>
+              <a:rPr lang="en-IN" dirty="0">
+                <a:latin typeface="Rockwell" panose="02060603020205020403" pitchFamily="18" charset="0"/>
+              </a:rPr>
+              <a:t>signals:</a:t>
+            </a:r>
+          </a:p>
+          <a:p>
+            <a:r>
+              <a:rPr lang="en-IN" dirty="0">
+                <a:latin typeface="Rockwell" panose="02060603020205020403" pitchFamily="18" charset="0"/>
+              </a:rPr>
+              <a:t>   void </a:t>
+            </a:r>
+            <a:r>
+              <a:rPr lang="en-IN" dirty="0" err="1">
+                <a:latin typeface="Rockwell" panose="02060603020205020403" pitchFamily="18" charset="0"/>
+              </a:rPr>
+              <a:t>MySignal</a:t>
+            </a:r>
+            <a:r>
+              <a:rPr lang="en-IN" dirty="0">
+                <a:latin typeface="Rockwell" panose="02060603020205020403" pitchFamily="18" charset="0"/>
+              </a:rPr>
+              <a:t>(int x);</a:t>
+            </a:r>
+          </a:p>
+          <a:p>
+            <a:r>
+              <a:rPr lang="en-IN" dirty="0">
+                <a:latin typeface="Rockwell" panose="02060603020205020403" pitchFamily="18" charset="0"/>
+              </a:rPr>
+              <a:t>};</a:t>
+            </a:r>
+          </a:p>
+          <a:p>
+            <a:r>
+              <a:rPr lang="en-IN" dirty="0">
+                <a:latin typeface="Rockwell" panose="02060603020205020403" pitchFamily="18" charset="0"/>
+              </a:rPr>
+              <a:t>class </a:t>
+            </a:r>
+            <a:r>
+              <a:rPr lang="en-IN" dirty="0" err="1">
+                <a:latin typeface="Rockwell" panose="02060603020205020403" pitchFamily="18" charset="0"/>
+              </a:rPr>
+              <a:t>SomeMoreClass</a:t>
+            </a:r>
             <a:endParaRPr lang="en-IN" dirty="0">
               <a:latin typeface="Rockwell" panose="02060603020205020403" pitchFamily="18" charset="0"/>
             </a:endParaRPr>
@@ -17809,31 +21029,51 @@
               <a:rPr lang="en-IN" dirty="0">
                 <a:latin typeface="Rockwell" panose="02060603020205020403" pitchFamily="18" charset="0"/>
               </a:rPr>
-              <a:t>connect(that, SIGNAL(</a:t>
+              <a:t>{</a:t>
+            </a:r>
+          </a:p>
+          <a:p>
+            <a:r>
+              <a:rPr lang="en-IN" dirty="0">
+                <a:latin typeface="Rockwell" panose="02060603020205020403" pitchFamily="18" charset="0"/>
+              </a:rPr>
+              <a:t>   Q_OBJECT</a:t>
+            </a:r>
+          </a:p>
+          <a:p>
+            <a:r>
+              <a:rPr lang="en-IN" dirty="0">
+                <a:latin typeface="Rockwell" panose="02060603020205020403" pitchFamily="18" charset="0"/>
+              </a:rPr>
+              <a:t>public slots:</a:t>
+            </a:r>
+          </a:p>
+          <a:p>
+            <a:r>
+              <a:rPr lang="en-IN" dirty="0">
+                <a:latin typeface="Rockwell" panose="02060603020205020403" pitchFamily="18" charset="0"/>
+              </a:rPr>
+              <a:t>   void </a:t>
             </a:r>
             <a:r>
               <a:rPr lang="en-IN" dirty="0" err="1">
                 <a:latin typeface="Rockwell" panose="02060603020205020403" pitchFamily="18" charset="0"/>
               </a:rPr>
-              <a:t>mySignal</a:t>
+              <a:t>MySlot</a:t>
             </a:r>
             <a:r>
               <a:rPr lang="en-IN" dirty="0">
                 <a:latin typeface="Rockwell" panose="02060603020205020403" pitchFamily="18" charset="0"/>
               </a:rPr>
-              <a:t>(int)), this, SLOT(</a:t>
-            </a:r>
-            <a:r>
-              <a:rPr lang="en-IN" dirty="0" err="1">
-                <a:latin typeface="Rockwell" panose="02060603020205020403" pitchFamily="18" charset="0"/>
-              </a:rPr>
-              <a:t>mySlot</a:t>
-            </a:r>
+              <a:t>(int x);</a:t>
+            </a:r>
+          </a:p>
+          <a:p>
             <a:r>
               <a:rPr lang="en-IN" dirty="0">
                 <a:latin typeface="Rockwell" panose="02060603020205020403" pitchFamily="18" charset="0"/>
               </a:rPr>
-              <a:t>(int)));</a:t>
+              <a:t>};</a:t>
             </a:r>
           </a:p>
           <a:p>
@@ -17841,39 +21081,61 @@
               <a:rPr lang="en-IN" dirty="0">
                 <a:latin typeface="Rockwell" panose="02060603020205020403" pitchFamily="18" charset="0"/>
               </a:rPr>
-              <a:t>emit that-&gt;</a:t>
-            </a:r>
-            <a:r>
-              <a:rPr lang="en-IN" dirty="0" err="1">
-                <a:latin typeface="Rockwell" panose="02060603020205020403" pitchFamily="18" charset="0"/>
-              </a:rPr>
-              <a:t>mySignal</a:t>
-            </a:r>
-            <a:r>
-              <a:rPr lang="en-IN" dirty="0">
-                <a:latin typeface="Rockwell" panose="02060603020205020403" pitchFamily="18" charset="0"/>
-              </a:rPr>
-              <a:t>(0); // Ugly, don't forget to remove it immediately</a:t>
-            </a:r>
-          </a:p>
-          <a:p>
-            <a:r>
-              <a:rPr lang="en-IN" dirty="0">
-                <a:latin typeface="Rockwell" panose="02060603020205020403" pitchFamily="18" charset="0"/>
-              </a:rPr>
-              <a:t>Finally of course it is possible that the signal simply is not emitted. If you followed the above rules, probably something is wrong in your program's logic. Read the documentation. Use the debugger. And if there is now other way, ask at </a:t>
-            </a:r>
-            <a:r>
-              <a:rPr lang="en-IN" dirty="0" err="1">
-                <a:latin typeface="Rockwell" panose="02060603020205020403" pitchFamily="18" charset="0"/>
-              </a:rPr>
-              <a:t>stackoverflow</a:t>
-            </a:r>
-            <a:r>
-              <a:rPr lang="en-IN" dirty="0">
-                <a:latin typeface="Rockwell" panose="02060603020205020403" pitchFamily="18" charset="0"/>
-              </a:rPr>
-              <a:t>.</a:t>
+              <a:t>This macro adds necessary meta information to the class.</a:t>
+            </a:r>
+          </a:p>
+          <a:p>
+            <a:endParaRPr lang="en-IN" dirty="0">
+              <a:latin typeface="Rockwell" panose="02060603020205020403" pitchFamily="18" charset="0"/>
+            </a:endParaRPr>
+          </a:p>
+        </p:txBody>
+      </p:sp>
+      <p:sp>
+        <p:nvSpPr>
+          <p:cNvPr id="6" name="Rectangle: Rounded Corners 5">
+            <a:extLst>
+              <a:ext uri="{FF2B5EF4-FFF2-40B4-BE49-F238E27FC236}">
+                <a16:creationId xmlns:a16="http://schemas.microsoft.com/office/drawing/2014/main" id="{18AAC392-6FB8-4E27-A082-BCAECC943B33}"/>
+              </a:ext>
+            </a:extLst>
+          </p:cNvPr>
+          <p:cNvSpPr/>
+          <p:nvPr/>
+        </p:nvSpPr>
+        <p:spPr>
+          <a:xfrm>
+            <a:off x="385893" y="562062"/>
+            <a:ext cx="3179428" cy="520118"/>
+          </a:xfrm>
+          <a:prstGeom prst="roundRect">
+            <a:avLst/>
+          </a:prstGeom>
+        </p:spPr>
+        <p:style>
+          <a:lnRef idx="2">
+            <a:schemeClr val="accent1">
+              <a:shade val="50000"/>
+            </a:schemeClr>
+          </a:lnRef>
+          <a:fillRef idx="1">
+            <a:schemeClr val="accent1"/>
+          </a:fillRef>
+          <a:effectRef idx="0">
+            <a:schemeClr val="accent1"/>
+          </a:effectRef>
+          <a:fontRef idx="minor">
+            <a:schemeClr val="lt1"/>
+          </a:fontRef>
+        </p:style>
+        <p:txBody>
+          <a:bodyPr rtlCol="0" anchor="ctr"/>
+          <a:lstStyle/>
+          <a:p>
+            <a:pPr algn="ctr"/>
+            <a:r>
+              <a:rPr lang="en-IN" dirty="0"/>
+              <a:t>Signals and Slots</a:t>
             </a:r>
           </a:p>
         </p:txBody>
@@ -17881,7 +21143,7 @@
     </p:spTree>
     <p:extLst>
       <p:ext uri="{BB962C8B-B14F-4D97-AF65-F5344CB8AC3E}">
-        <p14:creationId xmlns:p14="http://schemas.microsoft.com/office/powerpoint/2010/main" val="2082363713"/>
+        <p14:creationId xmlns:p14="http://schemas.microsoft.com/office/powerpoint/2010/main" val="3327822942"/>
       </p:ext>
     </p:extLst>
   </p:cSld>

--- a/learnings.pptx
+++ b/learnings.pptx
@@ -2489,7 +2489,7 @@
           <a:p>
             <a:fld id="{3C04E684-10F4-4CC3-A0B9-F03AA7BE37CF}" type="datetimeFigureOut">
               <a:rPr lang="en-US" smtClean="0"/>
-              <a:t>8/15/2020</a:t>
+              <a:t>8/30/2020</a:t>
             </a:fld>
             <a:endParaRPr lang="en-US"/>
           </a:p>
@@ -4979,7 +4979,7 @@
           <a:p>
             <a:fld id="{3C04E684-10F4-4CC3-A0B9-F03AA7BE37CF}" type="datetimeFigureOut">
               <a:rPr lang="en-US" smtClean="0"/>
-              <a:t>8/15/2020</a:t>
+              <a:t>8/30/2020</a:t>
             </a:fld>
             <a:endParaRPr lang="en-US"/>
           </a:p>
@@ -5177,7 +5177,7 @@
           <a:p>
             <a:fld id="{3C04E684-10F4-4CC3-A0B9-F03AA7BE37CF}" type="datetimeFigureOut">
               <a:rPr lang="en-US" smtClean="0"/>
-              <a:t>8/15/2020</a:t>
+              <a:t>8/30/2020</a:t>
             </a:fld>
             <a:endParaRPr lang="en-US"/>
           </a:p>
@@ -5385,7 +5385,7 @@
           <a:p>
             <a:fld id="{3C04E684-10F4-4CC3-A0B9-F03AA7BE37CF}" type="datetimeFigureOut">
               <a:rPr lang="en-US" smtClean="0"/>
-              <a:t>8/15/2020</a:t>
+              <a:t>8/30/2020</a:t>
             </a:fld>
             <a:endParaRPr lang="en-US"/>
           </a:p>
@@ -6122,7 +6122,7 @@
           <a:p>
             <a:fld id="{3C04E684-10F4-4CC3-A0B9-F03AA7BE37CF}" type="datetimeFigureOut">
               <a:rPr lang="en-US" smtClean="0"/>
-              <a:t>8/15/2020</a:t>
+              <a:t>8/30/2020</a:t>
             </a:fld>
             <a:endParaRPr lang="en-US"/>
           </a:p>
@@ -6764,7 +6764,7 @@
           <a:p>
             <a:fld id="{3C04E684-10F4-4CC3-A0B9-F03AA7BE37CF}" type="datetimeFigureOut">
               <a:rPr lang="en-US" smtClean="0"/>
-              <a:t>8/15/2020</a:t>
+              <a:t>8/30/2020</a:t>
             </a:fld>
             <a:endParaRPr lang="en-US"/>
           </a:p>
@@ -7564,7 +7564,7 @@
           <a:p>
             <a:fld id="{3C04E684-10F4-4CC3-A0B9-F03AA7BE37CF}" type="datetimeFigureOut">
               <a:rPr lang="en-US" smtClean="0"/>
-              <a:t>8/15/2020</a:t>
+              <a:t>8/30/2020</a:t>
             </a:fld>
             <a:endParaRPr lang="en-US"/>
           </a:p>
@@ -8515,7 +8515,7 @@
           <a:p>
             <a:fld id="{3C04E684-10F4-4CC3-A0B9-F03AA7BE37CF}" type="datetimeFigureOut">
               <a:rPr lang="en-US" smtClean="0"/>
-              <a:t>8/15/2020</a:t>
+              <a:t>8/30/2020</a:t>
             </a:fld>
             <a:endParaRPr lang="en-US"/>
           </a:p>
@@ -10864,7 +10864,7 @@
           <a:p>
             <a:fld id="{3C04E684-10F4-4CC3-A0B9-F03AA7BE37CF}" type="datetimeFigureOut">
               <a:rPr lang="en-US" smtClean="0"/>
-              <a:t>8/15/2020</a:t>
+              <a:t>8/30/2020</a:t>
             </a:fld>
             <a:endParaRPr lang="en-US"/>
           </a:p>
@@ -10977,7 +10977,7 @@
           <a:p>
             <a:fld id="{3C04E684-10F4-4CC3-A0B9-F03AA7BE37CF}" type="datetimeFigureOut">
               <a:rPr lang="en-US" smtClean="0"/>
-              <a:t>8/15/2020</a:t>
+              <a:t>8/30/2020</a:t>
             </a:fld>
             <a:endParaRPr lang="en-US"/>
           </a:p>
@@ -11484,7 +11484,7 @@
           <a:p>
             <a:fld id="{3C04E684-10F4-4CC3-A0B9-F03AA7BE37CF}" type="datetimeFigureOut">
               <a:rPr lang="en-US" smtClean="0"/>
-              <a:t>8/15/2020</a:t>
+              <a:t>8/30/2020</a:t>
             </a:fld>
             <a:endParaRPr lang="en-US"/>
           </a:p>
@@ -12787,7 +12787,7 @@
           <a:p>
             <a:fld id="{3C04E684-10F4-4CC3-A0B9-F03AA7BE37CF}" type="datetimeFigureOut">
               <a:rPr lang="en-US" smtClean="0"/>
-              <a:t>8/15/2020</a:t>
+              <a:t>8/30/2020</a:t>
             </a:fld>
             <a:endParaRPr lang="en-US"/>
           </a:p>
@@ -13034,7 +13034,7 @@
           <a:p>
             <a:fld id="{3C04E684-10F4-4CC3-A0B9-F03AA7BE37CF}" type="datetimeFigureOut">
               <a:rPr lang="en-US" smtClean="0"/>
-              <a:t>8/15/2020</a:t>
+              <a:t>8/30/2020</a:t>
             </a:fld>
             <a:endParaRPr lang="en-US"/>
           </a:p>
@@ -17108,7 +17108,7 @@
             <a:pPr algn="ctr"/>
             <a:r>
               <a:rPr lang="en-IN" dirty="0"/>
-              <a:t>Accessing Model values in </a:t>
+              <a:t>Accessing Model values of QML model  in </a:t>
             </a:r>
             <a:r>
               <a:rPr lang="en-IN" dirty="0" err="1"/>
@@ -18109,7 +18109,7 @@
             <a:pPr algn="ctr"/>
             <a:r>
               <a:rPr lang="en-IN" dirty="0"/>
-              <a:t>Creating Deployment folder for QML application</a:t>
+              <a:t>Steps for Creating Deployment folder for QML application</a:t>
             </a:r>
           </a:p>
         </p:txBody>
@@ -18713,10 +18713,9 @@
           <a:p>
             <a:pPr algn="ctr"/>
             <a:r>
-              <a:rPr lang="en-IN"/>
-              <a:t>Convert QT project to Visual Studio Project</a:t>
-            </a:r>
-            <a:endParaRPr lang="en-IN" dirty="0"/>
+              <a:rPr lang="en-IN" dirty="0"/>
+              <a:t>How to Convert QT project(.pro) to Visual Studio Project</a:t>
+            </a:r>
           </a:p>
         </p:txBody>
       </p:sp>
@@ -18750,6 +18749,399 @@
           <a:chExt cx="0" cy="0"/>
         </a:xfrm>
       </p:grpSpPr>
+      <p:sp>
+        <p:nvSpPr>
+          <p:cNvPr id="4" name="TextBox 3">
+            <a:extLst>
+              <a:ext uri="{FF2B5EF4-FFF2-40B4-BE49-F238E27FC236}">
+                <a16:creationId xmlns:a16="http://schemas.microsoft.com/office/drawing/2014/main" id="{2716C203-1CC0-4D6E-976A-EA1CE36D2E90}"/>
+              </a:ext>
+            </a:extLst>
+          </p:cNvPr>
+          <p:cNvSpPr txBox="1"/>
+          <p:nvPr/>
+        </p:nvSpPr>
+        <p:spPr>
+          <a:xfrm>
+            <a:off x="6495176" y="612844"/>
+            <a:ext cx="6094602" cy="5632311"/>
+          </a:xfrm>
+          <a:prstGeom prst="rect">
+            <a:avLst/>
+          </a:prstGeom>
+          <a:noFill/>
+        </p:spPr>
+        <p:txBody>
+          <a:bodyPr wrap="square">
+            <a:spAutoFit/>
+          </a:bodyPr>
+          <a:lstStyle/>
+          <a:p>
+            <a:endParaRPr lang="en-IN" sz="1200" dirty="0"/>
+          </a:p>
+          <a:p>
+            <a:r>
+              <a:rPr lang="en-IN" sz="1200" dirty="0"/>
+              <a:t>    Dialog {</a:t>
+            </a:r>
+          </a:p>
+          <a:p>
+            <a:r>
+              <a:rPr lang="en-IN" sz="1200" dirty="0"/>
+              <a:t>        id: d1</a:t>
+            </a:r>
+          </a:p>
+          <a:p>
+            <a:endParaRPr lang="en-IN" sz="1200" dirty="0"/>
+          </a:p>
+          <a:p>
+            <a:r>
+              <a:rPr lang="en-IN" sz="1200" dirty="0"/>
+              <a:t>        </a:t>
+            </a:r>
+            <a:r>
+              <a:rPr lang="en-IN" sz="1200" dirty="0" err="1"/>
+              <a:t>onVisibleChanged</a:t>
+            </a:r>
+            <a:r>
+              <a:rPr lang="en-IN" sz="1200" dirty="0"/>
+              <a:t>:  {</a:t>
+            </a:r>
+          </a:p>
+          <a:p>
+            <a:r>
+              <a:rPr lang="en-IN" sz="1200" dirty="0"/>
+              <a:t>            </a:t>
+            </a:r>
+            <a:r>
+              <a:rPr lang="en-IN" sz="1200" dirty="0" err="1"/>
+              <a:t>textitem.setMyFocus</a:t>
+            </a:r>
+            <a:r>
+              <a:rPr lang="en-IN" sz="1200" dirty="0"/>
+              <a:t>();</a:t>
+            </a:r>
+          </a:p>
+          <a:p>
+            <a:r>
+              <a:rPr lang="en-IN" sz="1200" dirty="0"/>
+              <a:t>        }</a:t>
+            </a:r>
+          </a:p>
+          <a:p>
+            <a:endParaRPr lang="en-IN" sz="1200" dirty="0"/>
+          </a:p>
+          <a:p>
+            <a:r>
+              <a:rPr lang="en-IN" sz="1200" dirty="0"/>
+              <a:t>        property alias </a:t>
+            </a:r>
+            <a:r>
+              <a:rPr lang="en-IN" sz="1200" dirty="0" err="1"/>
+              <a:t>textitem</a:t>
+            </a:r>
+            <a:r>
+              <a:rPr lang="en-IN" sz="1200" dirty="0"/>
+              <a:t>: </a:t>
+            </a:r>
+            <a:r>
+              <a:rPr lang="en-IN" sz="1200" dirty="0" err="1"/>
+              <a:t>myloader.item</a:t>
+            </a:r>
+            <a:endParaRPr lang="en-IN" sz="1200" dirty="0"/>
+          </a:p>
+          <a:p>
+            <a:r>
+              <a:rPr lang="en-IN" sz="1200" dirty="0"/>
+              <a:t>        Loader {</a:t>
+            </a:r>
+          </a:p>
+          <a:p>
+            <a:r>
+              <a:rPr lang="en-IN" sz="1200" dirty="0"/>
+              <a:t>            id: </a:t>
+            </a:r>
+            <a:r>
+              <a:rPr lang="en-IN" sz="1200" dirty="0" err="1"/>
+              <a:t>myloader</a:t>
+            </a:r>
+            <a:endParaRPr lang="en-IN" sz="1200" dirty="0"/>
+          </a:p>
+          <a:p>
+            <a:endParaRPr lang="en-IN" sz="1200" dirty="0"/>
+          </a:p>
+          <a:p>
+            <a:r>
+              <a:rPr lang="en-IN" sz="1200" dirty="0"/>
+              <a:t>            </a:t>
+            </a:r>
+            <a:r>
+              <a:rPr lang="en-IN" sz="1200" dirty="0" err="1"/>
+              <a:t>anchors.fill</a:t>
+            </a:r>
+            <a:r>
+              <a:rPr lang="en-IN" sz="1200" dirty="0"/>
+              <a:t>: parent</a:t>
+            </a:r>
+          </a:p>
+          <a:p>
+            <a:r>
+              <a:rPr lang="en-IN" sz="1200" dirty="0"/>
+              <a:t>            </a:t>
+            </a:r>
+            <a:r>
+              <a:rPr lang="en-IN" sz="1200" dirty="0" err="1"/>
+              <a:t>sourceComponent</a:t>
+            </a:r>
+            <a:r>
+              <a:rPr lang="en-IN" sz="1200" dirty="0"/>
+              <a:t>: Column {</a:t>
+            </a:r>
+          </a:p>
+          <a:p>
+            <a:r>
+              <a:rPr lang="en-IN" sz="1200" dirty="0"/>
+              <a:t>                function </a:t>
+            </a:r>
+            <a:r>
+              <a:rPr lang="en-IN" sz="1200" dirty="0" err="1"/>
+              <a:t>setMyFocus</a:t>
+            </a:r>
+            <a:r>
+              <a:rPr lang="en-IN" sz="1200" dirty="0"/>
+              <a:t>() {</a:t>
+            </a:r>
+          </a:p>
+          <a:p>
+            <a:r>
+              <a:rPr lang="en-IN" sz="1200" dirty="0"/>
+              <a:t>                    </a:t>
+            </a:r>
+            <a:r>
+              <a:rPr lang="en-IN" sz="1200" dirty="0" err="1"/>
+              <a:t>mytext.forceActiveFocus</a:t>
+            </a:r>
+            <a:r>
+              <a:rPr lang="en-IN" sz="1200" dirty="0"/>
+              <a:t>();</a:t>
+            </a:r>
+          </a:p>
+          <a:p>
+            <a:r>
+              <a:rPr lang="en-IN" sz="1200" dirty="0"/>
+              <a:t>                }</a:t>
+            </a:r>
+          </a:p>
+          <a:p>
+            <a:endParaRPr lang="en-IN" sz="1200" dirty="0"/>
+          </a:p>
+          <a:p>
+            <a:r>
+              <a:rPr lang="en-IN" sz="1200" dirty="0"/>
+              <a:t>                Rectangle {</a:t>
+            </a:r>
+          </a:p>
+          <a:p>
+            <a:r>
+              <a:rPr lang="en-IN" sz="1200" dirty="0"/>
+              <a:t>                    width: 200</a:t>
+            </a:r>
+          </a:p>
+          <a:p>
+            <a:r>
+              <a:rPr lang="en-IN" sz="1200" dirty="0"/>
+              <a:t>                    height: 200</a:t>
+            </a:r>
+          </a:p>
+          <a:p>
+            <a:r>
+              <a:rPr lang="en-IN" sz="1200" dirty="0"/>
+              <a:t>                    </a:t>
+            </a:r>
+            <a:r>
+              <a:rPr lang="en-IN" sz="1200" dirty="0" err="1"/>
+              <a:t>color</a:t>
+            </a:r>
+            <a:r>
+              <a:rPr lang="en-IN" sz="1200" dirty="0"/>
+              <a:t>: "red"</a:t>
+            </a:r>
+          </a:p>
+          <a:p>
+            <a:r>
+              <a:rPr lang="en-IN" sz="1200" dirty="0"/>
+              <a:t>                    </a:t>
+            </a:r>
+            <a:r>
+              <a:rPr lang="en-IN" sz="1200" dirty="0" err="1"/>
+              <a:t>TextField</a:t>
+            </a:r>
+            <a:r>
+              <a:rPr lang="en-IN" sz="1200" dirty="0"/>
+              <a:t> {</a:t>
+            </a:r>
+          </a:p>
+          <a:p>
+            <a:r>
+              <a:rPr lang="en-IN" sz="1200" dirty="0"/>
+              <a:t>                        id: </a:t>
+            </a:r>
+            <a:r>
+              <a:rPr lang="en-IN" sz="1200" dirty="0" err="1"/>
+              <a:t>mytext</a:t>
+            </a:r>
+            <a:endParaRPr lang="en-IN" sz="1200" dirty="0"/>
+          </a:p>
+          <a:p>
+            <a:r>
+              <a:rPr lang="en-IN" sz="1200" dirty="0"/>
+              <a:t>                        </a:t>
+            </a:r>
+            <a:r>
+              <a:rPr lang="en-IN" sz="1200" dirty="0" err="1"/>
+              <a:t>anchors.centerIn</a:t>
+            </a:r>
+            <a:r>
+              <a:rPr lang="en-IN" sz="1200" dirty="0"/>
+              <a:t>: parent</a:t>
+            </a:r>
+          </a:p>
+          <a:p>
+            <a:r>
+              <a:rPr lang="en-IN" sz="1200" dirty="0"/>
+              <a:t>                    }</a:t>
+            </a:r>
+          </a:p>
+          <a:p>
+            <a:r>
+              <a:rPr lang="en-IN" sz="1200" dirty="0"/>
+              <a:t>                }</a:t>
+            </a:r>
+          </a:p>
+          <a:p>
+            <a:r>
+              <a:rPr lang="en-IN" sz="1200" dirty="0"/>
+              <a:t>            }</a:t>
+            </a:r>
+          </a:p>
+          <a:p>
+            <a:r>
+              <a:rPr lang="en-IN" sz="1200" dirty="0"/>
+              <a:t>        }</a:t>
+            </a:r>
+          </a:p>
+          <a:p>
+            <a:r>
+              <a:rPr lang="en-IN" sz="1200" dirty="0"/>
+              <a:t>    }</a:t>
+            </a:r>
+          </a:p>
+        </p:txBody>
+      </p:sp>
+      <p:sp>
+        <p:nvSpPr>
+          <p:cNvPr id="5" name="Rectangle: Rounded Corners 4">
+            <a:extLst>
+              <a:ext uri="{FF2B5EF4-FFF2-40B4-BE49-F238E27FC236}">
+                <a16:creationId xmlns:a16="http://schemas.microsoft.com/office/drawing/2014/main" id="{62DC719D-9D50-4758-8DFD-F4E824F13EF2}"/>
+              </a:ext>
+            </a:extLst>
+          </p:cNvPr>
+          <p:cNvSpPr/>
+          <p:nvPr/>
+        </p:nvSpPr>
+        <p:spPr>
+          <a:xfrm>
+            <a:off x="780176" y="771787"/>
+            <a:ext cx="5637402" cy="645952"/>
+          </a:xfrm>
+          <a:prstGeom prst="roundRect">
+            <a:avLst/>
+          </a:prstGeom>
+        </p:spPr>
+        <p:style>
+          <a:lnRef idx="2">
+            <a:schemeClr val="accent1">
+              <a:shade val="50000"/>
+            </a:schemeClr>
+          </a:lnRef>
+          <a:fillRef idx="1">
+            <a:schemeClr val="accent1"/>
+          </a:fillRef>
+          <a:effectRef idx="0">
+            <a:schemeClr val="accent1"/>
+          </a:effectRef>
+          <a:fontRef idx="minor">
+            <a:schemeClr val="lt1"/>
+          </a:fontRef>
+        </p:style>
+        <p:txBody>
+          <a:bodyPr rtlCol="0" anchor="ctr"/>
+          <a:lstStyle/>
+          <a:p>
+            <a:pPr algn="ctr"/>
+            <a:r>
+              <a:rPr lang="en-IN" dirty="0"/>
+              <a:t>Setting attributes on items inside loader object</a:t>
+            </a:r>
+          </a:p>
+        </p:txBody>
+      </p:sp>
+      <p:sp>
+        <p:nvSpPr>
+          <p:cNvPr id="6" name="TextBox 5">
+            <a:extLst>
+              <a:ext uri="{FF2B5EF4-FFF2-40B4-BE49-F238E27FC236}">
+                <a16:creationId xmlns:a16="http://schemas.microsoft.com/office/drawing/2014/main" id="{5DFD992A-A513-401B-9052-CF918773ADEF}"/>
+              </a:ext>
+            </a:extLst>
+          </p:cNvPr>
+          <p:cNvSpPr txBox="1"/>
+          <p:nvPr/>
+        </p:nvSpPr>
+        <p:spPr>
+          <a:xfrm>
+            <a:off x="545284" y="1912690"/>
+            <a:ext cx="5301843" cy="2031325"/>
+          </a:xfrm>
+          <a:prstGeom prst="rect">
+            <a:avLst/>
+          </a:prstGeom>
+          <a:noFill/>
+        </p:spPr>
+        <p:txBody>
+          <a:bodyPr wrap="square" rtlCol="0">
+            <a:spAutoFit/>
+          </a:bodyPr>
+          <a:lstStyle/>
+          <a:p>
+            <a:r>
+              <a:rPr lang="en-IN" dirty="0"/>
+              <a:t>In this example we are setting focus on the textbox which is part of dynamically loaded component inside loader.</a:t>
+            </a:r>
+          </a:p>
+          <a:p>
+            <a:endParaRPr lang="en-IN" dirty="0"/>
+          </a:p>
+          <a:p>
+            <a:r>
+              <a:rPr lang="en-IN" dirty="0"/>
+              <a:t>Idea is to create alias for loader component. </a:t>
+            </a:r>
+          </a:p>
+          <a:p>
+            <a:r>
+              <a:rPr lang="en-IN" dirty="0"/>
+              <a:t>And using the alias we can update property </a:t>
+            </a:r>
+            <a:r>
+              <a:rPr lang="en-IN"/>
+              <a:t>of component.</a:t>
+            </a:r>
+            <a:endParaRPr lang="en-IN" dirty="0"/>
+          </a:p>
+        </p:txBody>
+      </p:sp>
     </p:spTree>
     <p:extLst>
       <p:ext uri="{BB962C8B-B14F-4D97-AF65-F5344CB8AC3E}">

--- a/learnings.pptx
+++ b/learnings.pptx
@@ -2489,7 +2489,7 @@
           <a:p>
             <a:fld id="{3C04E684-10F4-4CC3-A0B9-F03AA7BE37CF}" type="datetimeFigureOut">
               <a:rPr lang="en-US" smtClean="0"/>
-              <a:t>8/30/2020</a:t>
+              <a:t>9/15/2020</a:t>
             </a:fld>
             <a:endParaRPr lang="en-US"/>
           </a:p>
@@ -4979,7 +4979,7 @@
           <a:p>
             <a:fld id="{3C04E684-10F4-4CC3-A0B9-F03AA7BE37CF}" type="datetimeFigureOut">
               <a:rPr lang="en-US" smtClean="0"/>
-              <a:t>8/30/2020</a:t>
+              <a:t>9/15/2020</a:t>
             </a:fld>
             <a:endParaRPr lang="en-US"/>
           </a:p>
@@ -5177,7 +5177,7 @@
           <a:p>
             <a:fld id="{3C04E684-10F4-4CC3-A0B9-F03AA7BE37CF}" type="datetimeFigureOut">
               <a:rPr lang="en-US" smtClean="0"/>
-              <a:t>8/30/2020</a:t>
+              <a:t>9/15/2020</a:t>
             </a:fld>
             <a:endParaRPr lang="en-US"/>
           </a:p>
@@ -5385,7 +5385,7 @@
           <a:p>
             <a:fld id="{3C04E684-10F4-4CC3-A0B9-F03AA7BE37CF}" type="datetimeFigureOut">
               <a:rPr lang="en-US" smtClean="0"/>
-              <a:t>8/30/2020</a:t>
+              <a:t>9/15/2020</a:t>
             </a:fld>
             <a:endParaRPr lang="en-US"/>
           </a:p>
@@ -6122,7 +6122,7 @@
           <a:p>
             <a:fld id="{3C04E684-10F4-4CC3-A0B9-F03AA7BE37CF}" type="datetimeFigureOut">
               <a:rPr lang="en-US" smtClean="0"/>
-              <a:t>8/30/2020</a:t>
+              <a:t>9/15/2020</a:t>
             </a:fld>
             <a:endParaRPr lang="en-US"/>
           </a:p>
@@ -6764,7 +6764,7 @@
           <a:p>
             <a:fld id="{3C04E684-10F4-4CC3-A0B9-F03AA7BE37CF}" type="datetimeFigureOut">
               <a:rPr lang="en-US" smtClean="0"/>
-              <a:t>8/30/2020</a:t>
+              <a:t>9/15/2020</a:t>
             </a:fld>
             <a:endParaRPr lang="en-US"/>
           </a:p>
@@ -7564,7 +7564,7 @@
           <a:p>
             <a:fld id="{3C04E684-10F4-4CC3-A0B9-F03AA7BE37CF}" type="datetimeFigureOut">
               <a:rPr lang="en-US" smtClean="0"/>
-              <a:t>8/30/2020</a:t>
+              <a:t>9/15/2020</a:t>
             </a:fld>
             <a:endParaRPr lang="en-US"/>
           </a:p>
@@ -8515,7 +8515,7 @@
           <a:p>
             <a:fld id="{3C04E684-10F4-4CC3-A0B9-F03AA7BE37CF}" type="datetimeFigureOut">
               <a:rPr lang="en-US" smtClean="0"/>
-              <a:t>8/30/2020</a:t>
+              <a:t>9/15/2020</a:t>
             </a:fld>
             <a:endParaRPr lang="en-US"/>
           </a:p>
@@ -10864,7 +10864,7 @@
           <a:p>
             <a:fld id="{3C04E684-10F4-4CC3-A0B9-F03AA7BE37CF}" type="datetimeFigureOut">
               <a:rPr lang="en-US" smtClean="0"/>
-              <a:t>8/30/2020</a:t>
+              <a:t>9/15/2020</a:t>
             </a:fld>
             <a:endParaRPr lang="en-US"/>
           </a:p>
@@ -10977,7 +10977,7 @@
           <a:p>
             <a:fld id="{3C04E684-10F4-4CC3-A0B9-F03AA7BE37CF}" type="datetimeFigureOut">
               <a:rPr lang="en-US" smtClean="0"/>
-              <a:t>8/30/2020</a:t>
+              <a:t>9/15/2020</a:t>
             </a:fld>
             <a:endParaRPr lang="en-US"/>
           </a:p>
@@ -11484,7 +11484,7 @@
           <a:p>
             <a:fld id="{3C04E684-10F4-4CC3-A0B9-F03AA7BE37CF}" type="datetimeFigureOut">
               <a:rPr lang="en-US" smtClean="0"/>
-              <a:t>8/30/2020</a:t>
+              <a:t>9/15/2020</a:t>
             </a:fld>
             <a:endParaRPr lang="en-US"/>
           </a:p>
@@ -12787,7 +12787,7 @@
           <a:p>
             <a:fld id="{3C04E684-10F4-4CC3-A0B9-F03AA7BE37CF}" type="datetimeFigureOut">
               <a:rPr lang="en-US" smtClean="0"/>
-              <a:t>8/30/2020</a:t>
+              <a:t>9/15/2020</a:t>
             </a:fld>
             <a:endParaRPr lang="en-US"/>
           </a:p>
@@ -13034,7 +13034,7 @@
           <a:p>
             <a:fld id="{3C04E684-10F4-4CC3-A0B9-F03AA7BE37CF}" type="datetimeFigureOut">
               <a:rPr lang="en-US" smtClean="0"/>
-              <a:t>8/30/2020</a:t>
+              <a:t>9/15/2020</a:t>
             </a:fld>
             <a:endParaRPr lang="en-US"/>
           </a:p>
@@ -18236,10 +18236,16 @@
               </a:lnSpc>
             </a:pPr>
             <a:r>
+              <a:rPr lang="en-IN">
+                <a:latin typeface="Rockwell" panose="02060603020205020403" pitchFamily="18" charset="0"/>
+              </a:rPr>
+              <a:t>5. </a:t>
+            </a:r>
+            <a:r>
               <a:rPr lang="en-IN" dirty="0">
                 <a:latin typeface="Rockwell" panose="02060603020205020403" pitchFamily="18" charset="0"/>
               </a:rPr>
-              <a:t>5. Fire following command in parent folder of source and build.</a:t>
+              <a:t>Fire following command in parent folder of source and build.</a:t>
             </a:r>
           </a:p>
           <a:p>

--- a/learnings.pptx
+++ b/learnings.pptx
@@ -2489,7 +2489,7 @@
           <a:p>
             <a:fld id="{3C04E684-10F4-4CC3-A0B9-F03AA7BE37CF}" type="datetimeFigureOut">
               <a:rPr lang="en-US" smtClean="0"/>
-              <a:t>9/15/2020</a:t>
+              <a:t>10/26/2020</a:t>
             </a:fld>
             <a:endParaRPr lang="en-US"/>
           </a:p>
@@ -4979,7 +4979,7 @@
           <a:p>
             <a:fld id="{3C04E684-10F4-4CC3-A0B9-F03AA7BE37CF}" type="datetimeFigureOut">
               <a:rPr lang="en-US" smtClean="0"/>
-              <a:t>9/15/2020</a:t>
+              <a:t>10/26/2020</a:t>
             </a:fld>
             <a:endParaRPr lang="en-US"/>
           </a:p>
@@ -5177,7 +5177,7 @@
           <a:p>
             <a:fld id="{3C04E684-10F4-4CC3-A0B9-F03AA7BE37CF}" type="datetimeFigureOut">
               <a:rPr lang="en-US" smtClean="0"/>
-              <a:t>9/15/2020</a:t>
+              <a:t>10/26/2020</a:t>
             </a:fld>
             <a:endParaRPr lang="en-US"/>
           </a:p>
@@ -5385,7 +5385,7 @@
           <a:p>
             <a:fld id="{3C04E684-10F4-4CC3-A0B9-F03AA7BE37CF}" type="datetimeFigureOut">
               <a:rPr lang="en-US" smtClean="0"/>
-              <a:t>9/15/2020</a:t>
+              <a:t>10/26/2020</a:t>
             </a:fld>
             <a:endParaRPr lang="en-US"/>
           </a:p>
@@ -6122,7 +6122,7 @@
           <a:p>
             <a:fld id="{3C04E684-10F4-4CC3-A0B9-F03AA7BE37CF}" type="datetimeFigureOut">
               <a:rPr lang="en-US" smtClean="0"/>
-              <a:t>9/15/2020</a:t>
+              <a:t>10/26/2020</a:t>
             </a:fld>
             <a:endParaRPr lang="en-US"/>
           </a:p>
@@ -6764,7 +6764,7 @@
           <a:p>
             <a:fld id="{3C04E684-10F4-4CC3-A0B9-F03AA7BE37CF}" type="datetimeFigureOut">
               <a:rPr lang="en-US" smtClean="0"/>
-              <a:t>9/15/2020</a:t>
+              <a:t>10/26/2020</a:t>
             </a:fld>
             <a:endParaRPr lang="en-US"/>
           </a:p>
@@ -7564,7 +7564,7 @@
           <a:p>
             <a:fld id="{3C04E684-10F4-4CC3-A0B9-F03AA7BE37CF}" type="datetimeFigureOut">
               <a:rPr lang="en-US" smtClean="0"/>
-              <a:t>9/15/2020</a:t>
+              <a:t>10/26/2020</a:t>
             </a:fld>
             <a:endParaRPr lang="en-US"/>
           </a:p>
@@ -8515,7 +8515,7 @@
           <a:p>
             <a:fld id="{3C04E684-10F4-4CC3-A0B9-F03AA7BE37CF}" type="datetimeFigureOut">
               <a:rPr lang="en-US" smtClean="0"/>
-              <a:t>9/15/2020</a:t>
+              <a:t>10/26/2020</a:t>
             </a:fld>
             <a:endParaRPr lang="en-US"/>
           </a:p>
@@ -10864,7 +10864,7 @@
           <a:p>
             <a:fld id="{3C04E684-10F4-4CC3-A0B9-F03AA7BE37CF}" type="datetimeFigureOut">
               <a:rPr lang="en-US" smtClean="0"/>
-              <a:t>9/15/2020</a:t>
+              <a:t>10/26/2020</a:t>
             </a:fld>
             <a:endParaRPr lang="en-US"/>
           </a:p>
@@ -10977,7 +10977,7 @@
           <a:p>
             <a:fld id="{3C04E684-10F4-4CC3-A0B9-F03AA7BE37CF}" type="datetimeFigureOut">
               <a:rPr lang="en-US" smtClean="0"/>
-              <a:t>9/15/2020</a:t>
+              <a:t>10/26/2020</a:t>
             </a:fld>
             <a:endParaRPr lang="en-US"/>
           </a:p>
@@ -11484,7 +11484,7 @@
           <a:p>
             <a:fld id="{3C04E684-10F4-4CC3-A0B9-F03AA7BE37CF}" type="datetimeFigureOut">
               <a:rPr lang="en-US" smtClean="0"/>
-              <a:t>9/15/2020</a:t>
+              <a:t>10/26/2020</a:t>
             </a:fld>
             <a:endParaRPr lang="en-US"/>
           </a:p>
@@ -12787,7 +12787,7 @@
           <a:p>
             <a:fld id="{3C04E684-10F4-4CC3-A0B9-F03AA7BE37CF}" type="datetimeFigureOut">
               <a:rPr lang="en-US" smtClean="0"/>
-              <a:t>9/15/2020</a:t>
+              <a:t>10/26/2020</a:t>
             </a:fld>
             <a:endParaRPr lang="en-US"/>
           </a:p>
@@ -13034,7 +13034,7 @@
           <a:p>
             <a:fld id="{3C04E684-10F4-4CC3-A0B9-F03AA7BE37CF}" type="datetimeFigureOut">
               <a:rPr lang="en-US" smtClean="0"/>
-              <a:t>9/15/2020</a:t>
+              <a:t>10/26/2020</a:t>
             </a:fld>
             <a:endParaRPr lang="en-US"/>
           </a:p>
@@ -19178,6 +19178,194 @@
           <a:chExt cx="0" cy="0"/>
         </a:xfrm>
       </p:grpSpPr>
+      <p:sp>
+        <p:nvSpPr>
+          <p:cNvPr id="4" name="TextBox 3">
+            <a:extLst>
+              <a:ext uri="{FF2B5EF4-FFF2-40B4-BE49-F238E27FC236}">
+                <a16:creationId xmlns:a16="http://schemas.microsoft.com/office/drawing/2014/main" id="{2C93D01C-AF48-4113-83D3-1FF56D904379}"/>
+              </a:ext>
+            </a:extLst>
+          </p:cNvPr>
+          <p:cNvSpPr txBox="1"/>
+          <p:nvPr/>
+        </p:nvSpPr>
+        <p:spPr>
+          <a:xfrm>
+            <a:off x="3047300" y="1584438"/>
+            <a:ext cx="8772787" cy="2862322"/>
+          </a:xfrm>
+          <a:prstGeom prst="rect">
+            <a:avLst/>
+          </a:prstGeom>
+          <a:noFill/>
+        </p:spPr>
+        <p:txBody>
+          <a:bodyPr wrap="square">
+            <a:spAutoFit/>
+          </a:bodyPr>
+          <a:lstStyle/>
+          <a:p>
+            <a:r>
+              <a:rPr lang="en-IN" dirty="0"/>
+              <a:t>Button {</a:t>
+            </a:r>
+          </a:p>
+          <a:p>
+            <a:r>
+              <a:rPr lang="en-IN" dirty="0"/>
+              <a:t>    id: _button</a:t>
+            </a:r>
+          </a:p>
+          <a:p>
+            <a:r>
+              <a:rPr lang="en-IN" dirty="0"/>
+              <a:t>    text: "Button"</a:t>
+            </a:r>
+          </a:p>
+          <a:p>
+            <a:endParaRPr lang="en-IN" dirty="0"/>
+          </a:p>
+          <a:p>
+            <a:r>
+              <a:rPr lang="en-IN" dirty="0"/>
+              <a:t>    function activate() { </a:t>
+            </a:r>
+            <a:r>
+              <a:rPr lang="en-IN" dirty="0" err="1"/>
+              <a:t>console.debug</a:t>
+            </a:r>
+            <a:r>
+              <a:rPr lang="en-IN" dirty="0"/>
+              <a:t>("Button activated"); }</a:t>
+            </a:r>
+          </a:p>
+          <a:p>
+            <a:endParaRPr lang="en-IN" dirty="0"/>
+          </a:p>
+          <a:p>
+            <a:r>
+              <a:rPr lang="en-IN" dirty="0"/>
+              <a:t>    </a:t>
+            </a:r>
+            <a:r>
+              <a:rPr lang="en-IN" dirty="0" err="1"/>
+              <a:t>onClicked</a:t>
+            </a:r>
+            <a:r>
+              <a:rPr lang="en-IN" dirty="0"/>
+              <a:t>: _</a:t>
+            </a:r>
+            <a:r>
+              <a:rPr lang="en-IN" dirty="0" err="1"/>
+              <a:t>button.activate</a:t>
+            </a:r>
+            <a:r>
+              <a:rPr lang="en-IN" dirty="0"/>
+              <a:t>()</a:t>
+            </a:r>
+          </a:p>
+          <a:p>
+            <a:r>
+              <a:rPr lang="en-IN" dirty="0"/>
+              <a:t>    </a:t>
+            </a:r>
+            <a:r>
+              <a:rPr lang="en-IN" dirty="0" err="1"/>
+              <a:t>Keys.onReturnPressed</a:t>
+            </a:r>
+            <a:r>
+              <a:rPr lang="en-IN" dirty="0"/>
+              <a:t>: _</a:t>
+            </a:r>
+            <a:r>
+              <a:rPr lang="en-IN" dirty="0" err="1"/>
+              <a:t>button.activate</a:t>
+            </a:r>
+            <a:r>
+              <a:rPr lang="en-IN" dirty="0"/>
+              <a:t>() // Enter key</a:t>
+            </a:r>
+          </a:p>
+          <a:p>
+            <a:r>
+              <a:rPr lang="en-IN" dirty="0"/>
+              <a:t>    </a:t>
+            </a:r>
+            <a:r>
+              <a:rPr lang="en-IN" dirty="0" err="1"/>
+              <a:t>Keys.onEnterPressed</a:t>
+            </a:r>
+            <a:r>
+              <a:rPr lang="en-IN" dirty="0"/>
+              <a:t>: _</a:t>
+            </a:r>
+            <a:r>
+              <a:rPr lang="en-IN" dirty="0" err="1"/>
+              <a:t>button.activate</a:t>
+            </a:r>
+            <a:r>
+              <a:rPr lang="en-IN" dirty="0"/>
+              <a:t>() // Numpad enter key</a:t>
+            </a:r>
+          </a:p>
+          <a:p>
+            <a:r>
+              <a:rPr lang="en-IN" dirty="0"/>
+              <a:t>}</a:t>
+            </a:r>
+          </a:p>
+        </p:txBody>
+      </p:sp>
+      <p:sp>
+        <p:nvSpPr>
+          <p:cNvPr id="5" name="Rectangle: Rounded Corners 4">
+            <a:extLst>
+              <a:ext uri="{FF2B5EF4-FFF2-40B4-BE49-F238E27FC236}">
+                <a16:creationId xmlns:a16="http://schemas.microsoft.com/office/drawing/2014/main" id="{83008E45-67CF-46EE-855F-516BA773CACF}"/>
+              </a:ext>
+            </a:extLst>
+          </p:cNvPr>
+          <p:cNvSpPr/>
+          <p:nvPr/>
+        </p:nvSpPr>
+        <p:spPr>
+          <a:xfrm>
+            <a:off x="2407640" y="436228"/>
+            <a:ext cx="8772787" cy="763398"/>
+          </a:xfrm>
+          <a:prstGeom prst="roundRect">
+            <a:avLst/>
+          </a:prstGeom>
+        </p:spPr>
+        <p:style>
+          <a:lnRef idx="2">
+            <a:schemeClr val="accent1">
+              <a:shade val="50000"/>
+            </a:schemeClr>
+          </a:lnRef>
+          <a:fillRef idx="1">
+            <a:schemeClr val="accent1"/>
+          </a:fillRef>
+          <a:effectRef idx="0">
+            <a:schemeClr val="accent1"/>
+          </a:effectRef>
+          <a:fontRef idx="minor">
+            <a:schemeClr val="lt1"/>
+          </a:fontRef>
+        </p:style>
+        <p:txBody>
+          <a:bodyPr rtlCol="0" anchor="ctr"/>
+          <a:lstStyle/>
+          <a:p>
+            <a:pPr algn="ctr"/>
+            <a:r>
+              <a:rPr lang="en-IN"/>
+              <a:t>How to trigger a button click when the enter key is pressed in QML</a:t>
+            </a:r>
+          </a:p>
+        </p:txBody>
+      </p:sp>
     </p:spTree>
     <p:extLst>
       <p:ext uri="{BB962C8B-B14F-4D97-AF65-F5344CB8AC3E}">

--- a/learnings.pptx
+++ b/learnings.pptx
@@ -2489,7 +2489,7 @@
           <a:p>
             <a:fld id="{3C04E684-10F4-4CC3-A0B9-F03AA7BE37CF}" type="datetimeFigureOut">
               <a:rPr lang="en-US" smtClean="0"/>
-              <a:t>10/26/2020</a:t>
+              <a:t>5/17/2021</a:t>
             </a:fld>
             <a:endParaRPr lang="en-US"/>
           </a:p>
@@ -4979,7 +4979,7 @@
           <a:p>
             <a:fld id="{3C04E684-10F4-4CC3-A0B9-F03AA7BE37CF}" type="datetimeFigureOut">
               <a:rPr lang="en-US" smtClean="0"/>
-              <a:t>10/26/2020</a:t>
+              <a:t>5/17/2021</a:t>
             </a:fld>
             <a:endParaRPr lang="en-US"/>
           </a:p>
@@ -5177,7 +5177,7 @@
           <a:p>
             <a:fld id="{3C04E684-10F4-4CC3-A0B9-F03AA7BE37CF}" type="datetimeFigureOut">
               <a:rPr lang="en-US" smtClean="0"/>
-              <a:t>10/26/2020</a:t>
+              <a:t>5/17/2021</a:t>
             </a:fld>
             <a:endParaRPr lang="en-US"/>
           </a:p>
@@ -5385,7 +5385,7 @@
           <a:p>
             <a:fld id="{3C04E684-10F4-4CC3-A0B9-F03AA7BE37CF}" type="datetimeFigureOut">
               <a:rPr lang="en-US" smtClean="0"/>
-              <a:t>10/26/2020</a:t>
+              <a:t>5/17/2021</a:t>
             </a:fld>
             <a:endParaRPr lang="en-US"/>
           </a:p>
@@ -6122,7 +6122,7 @@
           <a:p>
             <a:fld id="{3C04E684-10F4-4CC3-A0B9-F03AA7BE37CF}" type="datetimeFigureOut">
               <a:rPr lang="en-US" smtClean="0"/>
-              <a:t>10/26/2020</a:t>
+              <a:t>5/17/2021</a:t>
             </a:fld>
             <a:endParaRPr lang="en-US"/>
           </a:p>
@@ -6764,7 +6764,7 @@
           <a:p>
             <a:fld id="{3C04E684-10F4-4CC3-A0B9-F03AA7BE37CF}" type="datetimeFigureOut">
               <a:rPr lang="en-US" smtClean="0"/>
-              <a:t>10/26/2020</a:t>
+              <a:t>5/17/2021</a:t>
             </a:fld>
             <a:endParaRPr lang="en-US"/>
           </a:p>
@@ -7564,7 +7564,7 @@
           <a:p>
             <a:fld id="{3C04E684-10F4-4CC3-A0B9-F03AA7BE37CF}" type="datetimeFigureOut">
               <a:rPr lang="en-US" smtClean="0"/>
-              <a:t>10/26/2020</a:t>
+              <a:t>5/17/2021</a:t>
             </a:fld>
             <a:endParaRPr lang="en-US"/>
           </a:p>
@@ -8515,7 +8515,7 @@
           <a:p>
             <a:fld id="{3C04E684-10F4-4CC3-A0B9-F03AA7BE37CF}" type="datetimeFigureOut">
               <a:rPr lang="en-US" smtClean="0"/>
-              <a:t>10/26/2020</a:t>
+              <a:t>5/17/2021</a:t>
             </a:fld>
             <a:endParaRPr lang="en-US"/>
           </a:p>
@@ -10864,7 +10864,7 @@
           <a:p>
             <a:fld id="{3C04E684-10F4-4CC3-A0B9-F03AA7BE37CF}" type="datetimeFigureOut">
               <a:rPr lang="en-US" smtClean="0"/>
-              <a:t>10/26/2020</a:t>
+              <a:t>5/17/2021</a:t>
             </a:fld>
             <a:endParaRPr lang="en-US"/>
           </a:p>
@@ -10977,7 +10977,7 @@
           <a:p>
             <a:fld id="{3C04E684-10F4-4CC3-A0B9-F03AA7BE37CF}" type="datetimeFigureOut">
               <a:rPr lang="en-US" smtClean="0"/>
-              <a:t>10/26/2020</a:t>
+              <a:t>5/17/2021</a:t>
             </a:fld>
             <a:endParaRPr lang="en-US"/>
           </a:p>
@@ -11484,7 +11484,7 @@
           <a:p>
             <a:fld id="{3C04E684-10F4-4CC3-A0B9-F03AA7BE37CF}" type="datetimeFigureOut">
               <a:rPr lang="en-US" smtClean="0"/>
-              <a:t>10/26/2020</a:t>
+              <a:t>5/17/2021</a:t>
             </a:fld>
             <a:endParaRPr lang="en-US"/>
           </a:p>
@@ -12787,7 +12787,7 @@
           <a:p>
             <a:fld id="{3C04E684-10F4-4CC3-A0B9-F03AA7BE37CF}" type="datetimeFigureOut">
               <a:rPr lang="en-US" smtClean="0"/>
-              <a:t>10/26/2020</a:t>
+              <a:t>5/17/2021</a:t>
             </a:fld>
             <a:endParaRPr lang="en-US"/>
           </a:p>
@@ -13034,7 +13034,7 @@
           <a:p>
             <a:fld id="{3C04E684-10F4-4CC3-A0B9-F03AA7BE37CF}" type="datetimeFigureOut">
               <a:rPr lang="en-US" smtClean="0"/>
-              <a:t>10/26/2020</a:t>
+              <a:t>5/17/2021</a:t>
             </a:fld>
             <a:endParaRPr lang="en-US"/>
           </a:p>
@@ -18725,6 +18725,42 @@
           </a:p>
         </p:txBody>
       </p:sp>
+      <p:pic>
+        <p:nvPicPr>
+          <p:cNvPr id="5" name="Picture 4" descr="A black and white logo&#10;&#10;Description automatically generated with medium confidence">
+            <a:extLst>
+              <a:ext uri="{FF2B5EF4-FFF2-40B4-BE49-F238E27FC236}">
+                <a16:creationId xmlns:a16="http://schemas.microsoft.com/office/drawing/2014/main" id="{71325A47-0A2E-4C71-BD26-8286F90E58A1}"/>
+              </a:ext>
+            </a:extLst>
+          </p:cNvPr>
+          <p:cNvPicPr>
+            <a:picLocks noChangeAspect="1"/>
+          </p:cNvPicPr>
+          <p:nvPr/>
+        </p:nvPicPr>
+        <p:blipFill>
+          <a:blip r:embed="rId2">
+            <a:extLst>
+              <a:ext uri="{28A0092B-C50C-407E-A947-70E740481C1C}">
+                <a14:useLocalDpi xmlns:a14="http://schemas.microsoft.com/office/drawing/2010/main" val="0"/>
+              </a:ext>
+            </a:extLst>
+          </a:blip>
+          <a:stretch>
+            <a:fillRect/>
+          </a:stretch>
+        </p:blipFill>
+        <p:spPr>
+          <a:xfrm>
+            <a:off x="7139419" y="1267421"/>
+            <a:ext cx="4611068" cy="1883483"/>
+          </a:xfrm>
+          <a:prstGeom prst="rect">
+            <a:avLst/>
+          </a:prstGeom>
+        </p:spPr>
+      </p:pic>
     </p:spTree>
     <p:extLst>
       <p:ext uri="{BB962C8B-B14F-4D97-AF65-F5344CB8AC3E}">
@@ -19396,6 +19432,252 @@
           <a:chExt cx="0" cy="0"/>
         </a:xfrm>
       </p:grpSpPr>
+      <p:sp>
+        <p:nvSpPr>
+          <p:cNvPr id="2" name="TextBox 1">
+            <a:extLst>
+              <a:ext uri="{FF2B5EF4-FFF2-40B4-BE49-F238E27FC236}">
+                <a16:creationId xmlns:a16="http://schemas.microsoft.com/office/drawing/2014/main" id="{F2EF418D-E484-4291-89C9-89BDA4D53633}"/>
+              </a:ext>
+            </a:extLst>
+          </p:cNvPr>
+          <p:cNvSpPr txBox="1"/>
+          <p:nvPr/>
+        </p:nvSpPr>
+        <p:spPr>
+          <a:xfrm>
+            <a:off x="648000" y="2232000"/>
+            <a:ext cx="8784000" cy="1152000"/>
+          </a:xfrm>
+          <a:prstGeom prst="rect">
+            <a:avLst/>
+          </a:prstGeom>
+          <a:noFill/>
+          <a:ln>
+            <a:noFill/>
+          </a:ln>
+        </p:spPr>
+        <p:txBody>
+          <a:bodyPr vert="horz" wrap="none" lIns="90000" tIns="45000" rIns="90000" bIns="45000" anchorCtr="0" compatLnSpc="0"/>
+          <a:lstStyle/>
+          <a:p>
+            <a:pPr marL="0" marR="0" lvl="0" indent="0" rtl="0" hangingPunct="0">
+              <a:lnSpc>
+                <a:spcPct val="100000"/>
+              </a:lnSpc>
+              <a:spcBef>
+                <a:spcPts val="0"/>
+              </a:spcBef>
+              <a:spcAft>
+                <a:spcPts val="0"/>
+              </a:spcAft>
+              <a:buNone/>
+              <a:tabLst/>
+            </a:pPr>
+            <a:r>
+              <a:rPr lang="en-IN" sz="1800" b="0" i="0" u="none" strike="noStrike" kern="1200" cap="none">
+                <a:ln>
+                  <a:noFill/>
+                </a:ln>
+                <a:latin typeface="Liberation Sans" pitchFamily="18"/>
+                <a:ea typeface="Segoe UI" pitchFamily="2"/>
+                <a:cs typeface="Tahoma" pitchFamily="2"/>
+              </a:rPr>
+              <a:t> // Create a progress dialog.</a:t>
+            </a:r>
+          </a:p>
+          <a:p>
+            <a:pPr marL="0" marR="0" lvl="0" indent="0" rtl="0" hangingPunct="0">
+              <a:lnSpc>
+                <a:spcPct val="100000"/>
+              </a:lnSpc>
+              <a:spcBef>
+                <a:spcPts val="0"/>
+              </a:spcBef>
+              <a:spcAft>
+                <a:spcPts val="0"/>
+              </a:spcAft>
+              <a:buNone/>
+              <a:tabLst/>
+            </a:pPr>
+            <a:r>
+              <a:rPr lang="en-IN" sz="1800" b="0" i="0" u="none" strike="noStrike" kern="1200" cap="none">
+                <a:ln>
+                  <a:noFill/>
+                </a:ln>
+                <a:latin typeface="Liberation Sans" pitchFamily="18"/>
+                <a:ea typeface="Segoe UI" pitchFamily="2"/>
+                <a:cs typeface="Tahoma" pitchFamily="2"/>
+              </a:rPr>
+              <a:t>    QProgressDialog dialog;</a:t>
+            </a:r>
+          </a:p>
+          <a:p>
+            <a:pPr marL="0" marR="0" lvl="0" indent="0" rtl="0" hangingPunct="0">
+              <a:lnSpc>
+                <a:spcPct val="100000"/>
+              </a:lnSpc>
+              <a:spcBef>
+                <a:spcPts val="0"/>
+              </a:spcBef>
+              <a:spcAft>
+                <a:spcPts val="0"/>
+              </a:spcAft>
+              <a:buNone/>
+              <a:tabLst/>
+            </a:pPr>
+            <a:r>
+              <a:rPr lang="en-IN" sz="1800" b="0" i="0" u="none" strike="noStrike" kern="1200" cap="none">
+                <a:ln>
+                  <a:noFill/>
+                </a:ln>
+                <a:latin typeface="Liberation Sans" pitchFamily="18"/>
+                <a:ea typeface="Segoe UI" pitchFamily="2"/>
+                <a:cs typeface="Tahoma" pitchFamily="2"/>
+              </a:rPr>
+              <a:t>    dialog.setLabelText(QString("Progressing using %1 thread(s)...").arg(QThread::idealThreadCount()));</a:t>
+            </a:r>
+          </a:p>
+        </p:txBody>
+      </p:sp>
+      <p:sp>
+        <p:nvSpPr>
+          <p:cNvPr id="3" name="Title 2">
+            <a:extLst>
+              <a:ext uri="{FF2B5EF4-FFF2-40B4-BE49-F238E27FC236}">
+                <a16:creationId xmlns:a16="http://schemas.microsoft.com/office/drawing/2014/main" id="{76B936F5-89C2-4FB2-A155-217A52C18966}"/>
+              </a:ext>
+            </a:extLst>
+          </p:cNvPr>
+          <p:cNvSpPr txBox="1">
+            <a:spLocks/>
+          </p:cNvSpPr>
+          <p:nvPr/>
+        </p:nvSpPr>
+        <p:spPr>
+          <a:xfrm>
+            <a:off x="503999" y="301320"/>
+            <a:ext cx="9071640" cy="1262160"/>
+          </a:xfrm>
+          <a:prstGeom prst="rect">
+            <a:avLst/>
+          </a:prstGeom>
+        </p:spPr>
+        <p:txBody>
+          <a:bodyPr vert="horz" lIns="91440" tIns="45720" rIns="91440" bIns="45720" rtlCol="0" anchor="ctr">
+            <a:normAutofit/>
+          </a:bodyPr>
+          <a:lstStyle>
+            <a:lvl1pPr algn="l" defTabSz="914400" rtl="0" eaLnBrk="1" latinLnBrk="0" hangingPunct="1">
+              <a:lnSpc>
+                <a:spcPct val="90000"/>
+              </a:lnSpc>
+              <a:spcBef>
+                <a:spcPct val="0"/>
+              </a:spcBef>
+              <a:buNone/>
+              <a:defRPr sz="4400" i="1" kern="1200">
+                <a:solidFill>
+                  <a:schemeClr val="tx1"/>
+                </a:solidFill>
+                <a:latin typeface="+mj-lt"/>
+                <a:ea typeface="+mj-ea"/>
+                <a:cs typeface="+mj-cs"/>
+              </a:defRPr>
+            </a:lvl1pPr>
+          </a:lstStyle>
+          <a:p>
+            <a:r>
+              <a:rPr lang="en-IN">
+                <a:cs typeface="Tahoma" pitchFamily="2"/>
+              </a:rPr>
+              <a:t>Use dynamic string in message</a:t>
+            </a:r>
+            <a:endParaRPr lang="en-IN" dirty="0">
+              <a:cs typeface="Tahoma" pitchFamily="2"/>
+            </a:endParaRPr>
+          </a:p>
+        </p:txBody>
+      </p:sp>
+      <p:sp>
+        <p:nvSpPr>
+          <p:cNvPr id="4" name="TextBox 3">
+            <a:extLst>
+              <a:ext uri="{FF2B5EF4-FFF2-40B4-BE49-F238E27FC236}">
+                <a16:creationId xmlns:a16="http://schemas.microsoft.com/office/drawing/2014/main" id="{CF51285C-39A8-4404-9492-5000F4726906}"/>
+              </a:ext>
+            </a:extLst>
+          </p:cNvPr>
+          <p:cNvSpPr txBox="1"/>
+          <p:nvPr/>
+        </p:nvSpPr>
+        <p:spPr>
+          <a:xfrm>
+            <a:off x="258480" y="3499920"/>
+            <a:ext cx="9655200" cy="602640"/>
+          </a:xfrm>
+          <a:prstGeom prst="rect">
+            <a:avLst/>
+          </a:prstGeom>
+          <a:noFill/>
+          <a:ln>
+            <a:noFill/>
+          </a:ln>
+        </p:spPr>
+        <p:txBody>
+          <a:bodyPr vert="horz" wrap="none" lIns="90000" tIns="45000" rIns="90000" bIns="45000" anchorCtr="0" compatLnSpc="0"/>
+          <a:lstStyle/>
+          <a:p>
+            <a:pPr marL="0" marR="0" lvl="0" indent="0" rtl="0" hangingPunct="0">
+              <a:lnSpc>
+                <a:spcPct val="100000"/>
+              </a:lnSpc>
+              <a:spcBef>
+                <a:spcPts val="0"/>
+              </a:spcBef>
+              <a:spcAft>
+                <a:spcPts val="0"/>
+              </a:spcAft>
+              <a:buNone/>
+              <a:tabLst/>
+            </a:pPr>
+            <a:endParaRPr lang="en-IN" sz="1800" b="0" i="0" u="none" strike="noStrike" kern="1200" cap="none">
+              <a:ln>
+                <a:noFill/>
+              </a:ln>
+              <a:latin typeface="Liberation Sans" pitchFamily="18"/>
+              <a:ea typeface="Segoe UI" pitchFamily="2"/>
+              <a:cs typeface="Tahoma" pitchFamily="2"/>
+            </a:endParaRPr>
+          </a:p>
+          <a:p>
+            <a:pPr marL="0" marR="0" lvl="0" indent="0" rtl="0" hangingPunct="0">
+              <a:lnSpc>
+                <a:spcPct val="100000"/>
+              </a:lnSpc>
+              <a:spcBef>
+                <a:spcPts val="0"/>
+              </a:spcBef>
+              <a:spcAft>
+                <a:spcPts val="0"/>
+              </a:spcAft>
+              <a:buNone/>
+              <a:tabLst/>
+            </a:pPr>
+            <a:r>
+              <a:rPr lang="en-IN" sz="1800" b="0" i="0" u="none" strike="noStrike" kern="1200" cap="none">
+                <a:ln>
+                  <a:noFill/>
+                </a:ln>
+                <a:latin typeface="Liberation Sans" pitchFamily="18"/>
+                <a:ea typeface="Segoe UI" pitchFamily="2"/>
+                <a:cs typeface="Tahoma" pitchFamily="2"/>
+              </a:rPr>
+              <a:t>    ui-&gt;label-&gt;setText(QString("Progressing at %1 percentage..").arg(QString::number(value)));</a:t>
+            </a:r>
+          </a:p>
+        </p:txBody>
+      </p:sp>
     </p:spTree>
     <p:extLst>
       <p:ext uri="{BB962C8B-B14F-4D97-AF65-F5344CB8AC3E}">
@@ -19426,6 +19708,219 @@
           <a:chExt cx="0" cy="0"/>
         </a:xfrm>
       </p:grpSpPr>
+      <p:sp>
+        <p:nvSpPr>
+          <p:cNvPr id="2" name="TextBox 1">
+            <a:extLst>
+              <a:ext uri="{FF2B5EF4-FFF2-40B4-BE49-F238E27FC236}">
+                <a16:creationId xmlns:a16="http://schemas.microsoft.com/office/drawing/2014/main" id="{EDC35B4C-4FDB-4C03-B773-81B8A6823896}"/>
+              </a:ext>
+            </a:extLst>
+          </p:cNvPr>
+          <p:cNvSpPr txBox="1"/>
+          <p:nvPr/>
+        </p:nvSpPr>
+        <p:spPr>
+          <a:xfrm>
+            <a:off x="648000" y="2232000"/>
+            <a:ext cx="7992000" cy="1177560"/>
+          </a:xfrm>
+          <a:prstGeom prst="rect">
+            <a:avLst/>
+          </a:prstGeom>
+          <a:noFill/>
+          <a:ln>
+            <a:noFill/>
+          </a:ln>
+        </p:spPr>
+        <p:txBody>
+          <a:bodyPr vert="horz" wrap="none" lIns="90000" tIns="45000" rIns="90000" bIns="45000" anchorCtr="0" compatLnSpc="0"/>
+          <a:lstStyle/>
+          <a:p>
+            <a:pPr marL="0" marR="0" lvl="0" indent="0" rtl="0" hangingPunct="0">
+              <a:lnSpc>
+                <a:spcPct val="100000"/>
+              </a:lnSpc>
+              <a:spcBef>
+                <a:spcPts val="0"/>
+              </a:spcBef>
+              <a:spcAft>
+                <a:spcPts val="0"/>
+              </a:spcAft>
+              <a:buNone/>
+              <a:tabLst/>
+            </a:pPr>
+            <a:r>
+              <a:rPr lang="en-IN" sz="1600" b="0" i="0" u="none" strike="noStrike" kern="1200" cap="none">
+                <a:ln>
+                  <a:noFill/>
+                </a:ln>
+                <a:latin typeface="Liberation Sans" pitchFamily="18"/>
+                <a:ea typeface="Segoe UI" pitchFamily="2"/>
+                <a:cs typeface="Tahoma" pitchFamily="2"/>
+              </a:rPr>
+              <a:t>#include &lt;QTextStream&gt;</a:t>
+            </a:r>
+          </a:p>
+          <a:p>
+            <a:pPr marL="0" marR="0" lvl="0" indent="0" rtl="0" hangingPunct="0">
+              <a:lnSpc>
+                <a:spcPct val="100000"/>
+              </a:lnSpc>
+              <a:spcBef>
+                <a:spcPts val="0"/>
+              </a:spcBef>
+              <a:spcAft>
+                <a:spcPts val="0"/>
+              </a:spcAft>
+              <a:buNone/>
+              <a:tabLst/>
+            </a:pPr>
+            <a:endParaRPr lang="en-IN" sz="1300" b="0" i="0" u="none" strike="noStrike" kern="1200" cap="none">
+              <a:ln>
+                <a:noFill/>
+              </a:ln>
+              <a:latin typeface="Liberation Sans" pitchFamily="18"/>
+              <a:ea typeface="Segoe UI" pitchFamily="2"/>
+              <a:cs typeface="Tahoma" pitchFamily="2"/>
+            </a:endParaRPr>
+          </a:p>
+          <a:p>
+            <a:pPr marL="0" marR="0" lvl="0" indent="0" rtl="0" hangingPunct="0">
+              <a:lnSpc>
+                <a:spcPct val="100000"/>
+              </a:lnSpc>
+              <a:spcBef>
+                <a:spcPts val="0"/>
+              </a:spcBef>
+              <a:spcAft>
+                <a:spcPts val="0"/>
+              </a:spcAft>
+              <a:buNone/>
+              <a:tabLst/>
+            </a:pPr>
+            <a:r>
+              <a:rPr lang="en-IN" sz="1600" b="0" i="0" u="none" strike="noStrike" kern="1200" cap="none">
+                <a:ln>
+                  <a:noFill/>
+                </a:ln>
+                <a:latin typeface="Liberation Sans" pitchFamily="18"/>
+                <a:ea typeface="Segoe UI" pitchFamily="2"/>
+                <a:cs typeface="Tahoma" pitchFamily="2"/>
+              </a:rPr>
+              <a:t>QTextStream out(stdout);</a:t>
+            </a:r>
+          </a:p>
+          <a:p>
+            <a:pPr marL="0" marR="0" lvl="0" indent="0" rtl="0" hangingPunct="0">
+              <a:lnSpc>
+                <a:spcPct val="100000"/>
+              </a:lnSpc>
+              <a:spcBef>
+                <a:spcPts val="0"/>
+              </a:spcBef>
+              <a:spcAft>
+                <a:spcPts val="0"/>
+              </a:spcAft>
+              <a:buNone/>
+              <a:tabLst/>
+            </a:pPr>
+            <a:r>
+              <a:rPr lang="en-IN" sz="1600" b="0" i="0" u="none" strike="noStrike" kern="1200" cap="none">
+                <a:ln>
+                  <a:noFill/>
+                </a:ln>
+                <a:latin typeface="Liberation Sans" pitchFamily="18"/>
+                <a:ea typeface="Segoe UI" pitchFamily="2"/>
+                <a:cs typeface="Tahoma" pitchFamily="2"/>
+              </a:rPr>
+              <a:t>foreach(QString a, strings)</a:t>
+            </a:r>
+          </a:p>
+          <a:p>
+            <a:pPr marL="0" marR="0" lvl="0" indent="0" rtl="0" hangingPunct="0">
+              <a:lnSpc>
+                <a:spcPct val="100000"/>
+              </a:lnSpc>
+              <a:spcBef>
+                <a:spcPts val="0"/>
+              </a:spcBef>
+              <a:spcAft>
+                <a:spcPts val="0"/>
+              </a:spcAft>
+              <a:buNone/>
+              <a:tabLst/>
+            </a:pPr>
+            <a:r>
+              <a:rPr lang="en-IN" sz="1600" b="0" i="0" u="none" strike="noStrike" kern="1200" cap="none">
+                <a:ln>
+                  <a:noFill/>
+                </a:ln>
+                <a:latin typeface="Liberation Sans" pitchFamily="18"/>
+                <a:ea typeface="Segoe UI" pitchFamily="2"/>
+                <a:cs typeface="Tahoma" pitchFamily="2"/>
+              </a:rPr>
+              <a:t>    out &lt;&lt; a &lt;&lt; endl;</a:t>
+            </a:r>
+          </a:p>
+        </p:txBody>
+      </p:sp>
+      <p:sp>
+        <p:nvSpPr>
+          <p:cNvPr id="3" name="Title 2">
+            <a:extLst>
+              <a:ext uri="{FF2B5EF4-FFF2-40B4-BE49-F238E27FC236}">
+                <a16:creationId xmlns:a16="http://schemas.microsoft.com/office/drawing/2014/main" id="{68C6219C-3267-463B-9EFA-7FF0B0A17E87}"/>
+              </a:ext>
+            </a:extLst>
+          </p:cNvPr>
+          <p:cNvSpPr txBox="1">
+            <a:spLocks/>
+          </p:cNvSpPr>
+          <p:nvPr/>
+        </p:nvSpPr>
+        <p:spPr>
+          <a:xfrm>
+            <a:off x="503999" y="301320"/>
+            <a:ext cx="9071640" cy="1262160"/>
+          </a:xfrm>
+          <a:prstGeom prst="rect">
+            <a:avLst/>
+          </a:prstGeom>
+        </p:spPr>
+        <p:txBody>
+          <a:bodyPr vert="horz" lIns="91440" tIns="45720" rIns="91440" bIns="45720" rtlCol="0" anchor="ctr">
+            <a:normAutofit/>
+          </a:bodyPr>
+          <a:lstStyle>
+            <a:lvl1pPr algn="l" defTabSz="914400" rtl="0" eaLnBrk="1" latinLnBrk="0" hangingPunct="1">
+              <a:lnSpc>
+                <a:spcPct val="90000"/>
+              </a:lnSpc>
+              <a:spcBef>
+                <a:spcPct val="0"/>
+              </a:spcBef>
+              <a:buNone/>
+              <a:defRPr sz="4400" i="1" kern="1200">
+                <a:solidFill>
+                  <a:schemeClr val="tx1"/>
+                </a:solidFill>
+                <a:latin typeface="+mj-lt"/>
+                <a:ea typeface="+mj-ea"/>
+                <a:cs typeface="+mj-cs"/>
+              </a:defRPr>
+            </a:lvl1pPr>
+          </a:lstStyle>
+          <a:p>
+            <a:r>
+              <a:rPr lang="en-IN">
+                <a:cs typeface="Tahoma" pitchFamily="2"/>
+              </a:rPr>
+              <a:t>print to console when using Qt?</a:t>
+            </a:r>
+          </a:p>
+        </p:txBody>
+      </p:sp>
     </p:spTree>
     <p:extLst>
       <p:ext uri="{BB962C8B-B14F-4D97-AF65-F5344CB8AC3E}">
@@ -19456,6 +19951,513 @@
           <a:chExt cx="0" cy="0"/>
         </a:xfrm>
       </p:grpSpPr>
+      <p:sp>
+        <p:nvSpPr>
+          <p:cNvPr id="2" name="Title 1">
+            <a:extLst>
+              <a:ext uri="{FF2B5EF4-FFF2-40B4-BE49-F238E27FC236}">
+                <a16:creationId xmlns:a16="http://schemas.microsoft.com/office/drawing/2014/main" id="{40AA608A-1397-4936-99C6-272CCE8588CB}"/>
+              </a:ext>
+            </a:extLst>
+          </p:cNvPr>
+          <p:cNvSpPr txBox="1">
+            <a:spLocks/>
+          </p:cNvSpPr>
+          <p:nvPr/>
+        </p:nvSpPr>
+        <p:spPr>
+          <a:xfrm>
+            <a:off x="503999" y="301320"/>
+            <a:ext cx="9071640" cy="1262160"/>
+          </a:xfrm>
+          <a:prstGeom prst="rect">
+            <a:avLst/>
+          </a:prstGeom>
+        </p:spPr>
+        <p:txBody>
+          <a:bodyPr vert="horz" lIns="91440" tIns="45720" rIns="91440" bIns="45720" rtlCol="0" anchor="ctr">
+            <a:normAutofit lnSpcReduction="10000"/>
+          </a:bodyPr>
+          <a:lstStyle>
+            <a:lvl1pPr algn="l" defTabSz="914400" rtl="0" eaLnBrk="1" latinLnBrk="0" hangingPunct="1">
+              <a:lnSpc>
+                <a:spcPct val="90000"/>
+              </a:lnSpc>
+              <a:spcBef>
+                <a:spcPct val="0"/>
+              </a:spcBef>
+              <a:buNone/>
+              <a:defRPr sz="4400" i="1" kern="1200">
+                <a:solidFill>
+                  <a:schemeClr val="tx1"/>
+                </a:solidFill>
+                <a:latin typeface="+mj-lt"/>
+                <a:ea typeface="+mj-ea"/>
+                <a:cs typeface="+mj-cs"/>
+              </a:defRPr>
+            </a:lvl1pPr>
+          </a:lstStyle>
+          <a:p>
+            <a:r>
+              <a:rPr lang="en-IN">
+                <a:cs typeface="Tahoma" pitchFamily="2"/>
+              </a:rPr>
+              <a:t>set color of text and background of a QLabel?</a:t>
+            </a:r>
+          </a:p>
+        </p:txBody>
+      </p:sp>
+      <p:sp>
+        <p:nvSpPr>
+          <p:cNvPr id="3" name="TextBox 2">
+            <a:extLst>
+              <a:ext uri="{FF2B5EF4-FFF2-40B4-BE49-F238E27FC236}">
+                <a16:creationId xmlns:a16="http://schemas.microsoft.com/office/drawing/2014/main" id="{5457CBF5-C3B7-4B03-BCF6-BF89C10FF25E}"/>
+              </a:ext>
+            </a:extLst>
+          </p:cNvPr>
+          <p:cNvSpPr txBox="1"/>
+          <p:nvPr/>
+        </p:nvSpPr>
+        <p:spPr>
+          <a:xfrm>
+            <a:off x="576000" y="2365560"/>
+            <a:ext cx="5650200" cy="1882440"/>
+          </a:xfrm>
+          <a:prstGeom prst="rect">
+            <a:avLst/>
+          </a:prstGeom>
+          <a:noFill/>
+          <a:ln>
+            <a:noFill/>
+          </a:ln>
+        </p:spPr>
+        <p:txBody>
+          <a:bodyPr vert="horz" wrap="none" lIns="90000" tIns="45000" rIns="90000" bIns="45000" anchorCtr="0" compatLnSpc="0"/>
+          <a:lstStyle/>
+          <a:p>
+            <a:pPr marL="0" marR="0" lvl="0" indent="0" rtl="0" hangingPunct="0">
+              <a:lnSpc>
+                <a:spcPct val="100000"/>
+              </a:lnSpc>
+              <a:spcBef>
+                <a:spcPts val="0"/>
+              </a:spcBef>
+              <a:spcAft>
+                <a:spcPts val="0"/>
+              </a:spcAft>
+              <a:buNone/>
+              <a:tabLst/>
+            </a:pPr>
+            <a:r>
+              <a:rPr lang="en-IN" sz="1800" b="0" i="0" u="none" strike="noStrike" kern="1200" cap="none" dirty="0" err="1">
+                <a:ln>
+                  <a:noFill/>
+                </a:ln>
+                <a:latin typeface="Liberation Sans" pitchFamily="18"/>
+                <a:ea typeface="Segoe UI" pitchFamily="2"/>
+                <a:cs typeface="Tahoma" pitchFamily="2"/>
+              </a:rPr>
+              <a:t>QPalette</a:t>
+            </a:r>
+            <a:r>
+              <a:rPr lang="en-IN" sz="1800" b="0" i="0" u="none" strike="noStrike" kern="1200" cap="none" dirty="0">
+                <a:ln>
+                  <a:noFill/>
+                </a:ln>
+                <a:latin typeface="Liberation Sans" pitchFamily="18"/>
+                <a:ea typeface="Segoe UI" pitchFamily="2"/>
+                <a:cs typeface="Tahoma" pitchFamily="2"/>
+              </a:rPr>
+              <a:t> </a:t>
+            </a:r>
+            <a:r>
+              <a:rPr lang="en-IN" sz="1800" b="0" i="0" u="none" strike="noStrike" kern="1200" cap="none" dirty="0" err="1">
+                <a:ln>
+                  <a:noFill/>
+                </a:ln>
+                <a:latin typeface="Liberation Sans" pitchFamily="18"/>
+                <a:ea typeface="Segoe UI" pitchFamily="2"/>
+                <a:cs typeface="Tahoma" pitchFamily="2"/>
+              </a:rPr>
+              <a:t>test_pallete</a:t>
+            </a:r>
+            <a:r>
+              <a:rPr lang="en-IN" sz="1800" b="0" i="0" u="none" strike="noStrike" kern="1200" cap="none" dirty="0">
+                <a:ln>
+                  <a:noFill/>
+                </a:ln>
+                <a:latin typeface="Liberation Sans" pitchFamily="18"/>
+                <a:ea typeface="Segoe UI" pitchFamily="2"/>
+                <a:cs typeface="Tahoma" pitchFamily="2"/>
+              </a:rPr>
+              <a:t>;</a:t>
+            </a:r>
+          </a:p>
+          <a:p>
+            <a:pPr marL="0" marR="0" lvl="0" indent="0" rtl="0" hangingPunct="0">
+              <a:lnSpc>
+                <a:spcPct val="100000"/>
+              </a:lnSpc>
+              <a:spcBef>
+                <a:spcPts val="0"/>
+              </a:spcBef>
+              <a:spcAft>
+                <a:spcPts val="0"/>
+              </a:spcAft>
+              <a:buNone/>
+              <a:tabLst/>
+            </a:pPr>
+            <a:r>
+              <a:rPr lang="en-IN" sz="1800" b="0" i="0" u="none" strike="noStrike" kern="1200" cap="none" dirty="0" err="1">
+                <a:ln>
+                  <a:noFill/>
+                </a:ln>
+                <a:latin typeface="Liberation Sans" pitchFamily="18"/>
+                <a:ea typeface="Segoe UI" pitchFamily="2"/>
+                <a:cs typeface="Tahoma" pitchFamily="2"/>
+              </a:rPr>
+              <a:t>test_pallete.setColor</a:t>
+            </a:r>
+            <a:r>
+              <a:rPr lang="en-IN" sz="1800" b="0" i="0" u="none" strike="noStrike" kern="1200" cap="none" dirty="0">
+                <a:ln>
+                  <a:noFill/>
+                </a:ln>
+                <a:latin typeface="Liberation Sans" pitchFamily="18"/>
+                <a:ea typeface="Segoe UI" pitchFamily="2"/>
+                <a:cs typeface="Tahoma" pitchFamily="2"/>
+              </a:rPr>
+              <a:t>(</a:t>
+            </a:r>
+            <a:r>
+              <a:rPr lang="en-IN" sz="1800" b="0" i="0" u="none" strike="noStrike" kern="1200" cap="none" dirty="0" err="1">
+                <a:ln>
+                  <a:noFill/>
+                </a:ln>
+                <a:latin typeface="Liberation Sans" pitchFamily="18"/>
+                <a:ea typeface="Segoe UI" pitchFamily="2"/>
+                <a:cs typeface="Tahoma" pitchFamily="2"/>
+              </a:rPr>
+              <a:t>QPalette</a:t>
+            </a:r>
+            <a:r>
+              <a:rPr lang="en-IN" sz="1800" b="0" i="0" u="none" strike="noStrike" kern="1200" cap="none" dirty="0">
+                <a:ln>
+                  <a:noFill/>
+                </a:ln>
+                <a:latin typeface="Liberation Sans" pitchFamily="18"/>
+                <a:ea typeface="Segoe UI" pitchFamily="2"/>
+                <a:cs typeface="Tahoma" pitchFamily="2"/>
+              </a:rPr>
+              <a:t>::Window, Qt::white);</a:t>
+            </a:r>
+          </a:p>
+          <a:p>
+            <a:pPr marL="0" marR="0" lvl="0" indent="0" rtl="0" hangingPunct="0">
+              <a:lnSpc>
+                <a:spcPct val="100000"/>
+              </a:lnSpc>
+              <a:spcBef>
+                <a:spcPts val="0"/>
+              </a:spcBef>
+              <a:spcAft>
+                <a:spcPts val="0"/>
+              </a:spcAft>
+              <a:buNone/>
+              <a:tabLst/>
+            </a:pPr>
+            <a:r>
+              <a:rPr lang="en-IN" sz="1800" b="0" i="0" u="none" strike="noStrike" kern="1200" cap="none" dirty="0" err="1">
+                <a:ln>
+                  <a:noFill/>
+                </a:ln>
+                <a:latin typeface="Liberation Sans" pitchFamily="18"/>
+                <a:ea typeface="Segoe UI" pitchFamily="2"/>
+                <a:cs typeface="Tahoma" pitchFamily="2"/>
+              </a:rPr>
+              <a:t>test_pallete.setColor</a:t>
+            </a:r>
+            <a:r>
+              <a:rPr lang="en-IN" sz="1800" b="0" i="0" u="none" strike="noStrike" kern="1200" cap="none" dirty="0">
+                <a:ln>
+                  <a:noFill/>
+                </a:ln>
+                <a:latin typeface="Liberation Sans" pitchFamily="18"/>
+                <a:ea typeface="Segoe UI" pitchFamily="2"/>
+                <a:cs typeface="Tahoma" pitchFamily="2"/>
+              </a:rPr>
+              <a:t>(</a:t>
+            </a:r>
+            <a:r>
+              <a:rPr lang="en-IN" sz="1800" b="0" i="0" u="none" strike="noStrike" kern="1200" cap="none" dirty="0" err="1">
+                <a:ln>
+                  <a:noFill/>
+                </a:ln>
+                <a:latin typeface="Liberation Sans" pitchFamily="18"/>
+                <a:ea typeface="Segoe UI" pitchFamily="2"/>
+                <a:cs typeface="Tahoma" pitchFamily="2"/>
+              </a:rPr>
+              <a:t>QPalette</a:t>
+            </a:r>
+            <a:r>
+              <a:rPr lang="en-IN" sz="1800" b="0" i="0" u="none" strike="noStrike" kern="1200" cap="none" dirty="0">
+                <a:ln>
+                  <a:noFill/>
+                </a:ln>
+                <a:latin typeface="Liberation Sans" pitchFamily="18"/>
+                <a:ea typeface="Segoe UI" pitchFamily="2"/>
+                <a:cs typeface="Tahoma" pitchFamily="2"/>
+              </a:rPr>
+              <a:t>::</a:t>
+            </a:r>
+            <a:r>
+              <a:rPr lang="en-IN" sz="1800" b="0" i="0" u="none" strike="noStrike" kern="1200" cap="none" dirty="0" err="1">
+                <a:ln>
+                  <a:noFill/>
+                </a:ln>
+                <a:latin typeface="Liberation Sans" pitchFamily="18"/>
+                <a:ea typeface="Segoe UI" pitchFamily="2"/>
+                <a:cs typeface="Tahoma" pitchFamily="2"/>
+              </a:rPr>
+              <a:t>WindowText</a:t>
+            </a:r>
+            <a:r>
+              <a:rPr lang="en-IN" sz="1800" b="0" i="0" u="none" strike="noStrike" kern="1200" cap="none" dirty="0">
+                <a:ln>
+                  <a:noFill/>
+                </a:ln>
+                <a:latin typeface="Liberation Sans" pitchFamily="18"/>
+                <a:ea typeface="Segoe UI" pitchFamily="2"/>
+                <a:cs typeface="Tahoma" pitchFamily="2"/>
+              </a:rPr>
+              <a:t>, Qt::blue);</a:t>
+            </a:r>
+          </a:p>
+          <a:p>
+            <a:pPr marL="0" marR="0" lvl="0" indent="0" rtl="0" hangingPunct="0">
+              <a:lnSpc>
+                <a:spcPct val="100000"/>
+              </a:lnSpc>
+              <a:spcBef>
+                <a:spcPts val="0"/>
+              </a:spcBef>
+              <a:spcAft>
+                <a:spcPts val="0"/>
+              </a:spcAft>
+              <a:buNone/>
+              <a:tabLst/>
+            </a:pPr>
+            <a:endParaRPr lang="en-IN" sz="1800" b="0" i="0" u="none" strike="noStrike" kern="1200" cap="none" dirty="0">
+              <a:ln>
+                <a:noFill/>
+              </a:ln>
+              <a:latin typeface="Liberation Sans" pitchFamily="18"/>
+              <a:ea typeface="Segoe UI" pitchFamily="2"/>
+              <a:cs typeface="Tahoma" pitchFamily="2"/>
+            </a:endParaRPr>
+          </a:p>
+          <a:p>
+            <a:pPr marL="0" marR="0" lvl="0" indent="0" rtl="0" hangingPunct="0">
+              <a:lnSpc>
+                <a:spcPct val="100000"/>
+              </a:lnSpc>
+              <a:spcBef>
+                <a:spcPts val="0"/>
+              </a:spcBef>
+              <a:spcAft>
+                <a:spcPts val="0"/>
+              </a:spcAft>
+              <a:buNone/>
+              <a:tabLst/>
+            </a:pPr>
+            <a:r>
+              <a:rPr lang="en-IN" sz="1800" b="0" i="0" u="none" strike="noStrike" kern="1200" cap="none" dirty="0" err="1">
+                <a:ln>
+                  <a:noFill/>
+                </a:ln>
+                <a:latin typeface="Liberation Sans" pitchFamily="18"/>
+                <a:ea typeface="Segoe UI" pitchFamily="2"/>
+                <a:cs typeface="Tahoma" pitchFamily="2"/>
+              </a:rPr>
+              <a:t>test_label</a:t>
+            </a:r>
+            <a:r>
+              <a:rPr lang="en-IN" sz="1800" b="0" i="0" u="none" strike="noStrike" kern="1200" cap="none" dirty="0">
+                <a:ln>
+                  <a:noFill/>
+                </a:ln>
+                <a:latin typeface="Liberation Sans" pitchFamily="18"/>
+                <a:ea typeface="Segoe UI" pitchFamily="2"/>
+                <a:cs typeface="Tahoma" pitchFamily="2"/>
+              </a:rPr>
+              <a:t>-&gt;</a:t>
+            </a:r>
+            <a:r>
+              <a:rPr lang="en-IN" sz="1800" b="0" i="0" u="none" strike="noStrike" kern="1200" cap="none" dirty="0" err="1">
+                <a:ln>
+                  <a:noFill/>
+                </a:ln>
+                <a:latin typeface="Liberation Sans" pitchFamily="18"/>
+                <a:ea typeface="Segoe UI" pitchFamily="2"/>
+                <a:cs typeface="Tahoma" pitchFamily="2"/>
+              </a:rPr>
+              <a:t>setAutoFillBackground</a:t>
+            </a:r>
+            <a:r>
+              <a:rPr lang="en-IN" sz="1800" b="0" i="0" u="none" strike="noStrike" kern="1200" cap="none" dirty="0">
+                <a:ln>
+                  <a:noFill/>
+                </a:ln>
+                <a:latin typeface="Liberation Sans" pitchFamily="18"/>
+                <a:ea typeface="Segoe UI" pitchFamily="2"/>
+                <a:cs typeface="Tahoma" pitchFamily="2"/>
+              </a:rPr>
+              <a:t>(true);</a:t>
+            </a:r>
+          </a:p>
+          <a:p>
+            <a:pPr marL="0" marR="0" lvl="0" indent="0" rtl="0" hangingPunct="0">
+              <a:lnSpc>
+                <a:spcPct val="100000"/>
+              </a:lnSpc>
+              <a:spcBef>
+                <a:spcPts val="0"/>
+              </a:spcBef>
+              <a:spcAft>
+                <a:spcPts val="0"/>
+              </a:spcAft>
+              <a:buNone/>
+              <a:tabLst/>
+            </a:pPr>
+            <a:r>
+              <a:rPr lang="en-IN" sz="1800" b="0" i="0" u="none" strike="noStrike" kern="1200" cap="none" dirty="0" err="1">
+                <a:ln>
+                  <a:noFill/>
+                </a:ln>
+                <a:latin typeface="Liberation Sans" pitchFamily="18"/>
+                <a:ea typeface="Segoe UI" pitchFamily="2"/>
+                <a:cs typeface="Tahoma" pitchFamily="2"/>
+              </a:rPr>
+              <a:t>test_label</a:t>
+            </a:r>
+            <a:r>
+              <a:rPr lang="en-IN" sz="1800" b="0" i="0" u="none" strike="noStrike" kern="1200" cap="none" dirty="0">
+                <a:ln>
+                  <a:noFill/>
+                </a:ln>
+                <a:latin typeface="Liberation Sans" pitchFamily="18"/>
+                <a:ea typeface="Segoe UI" pitchFamily="2"/>
+                <a:cs typeface="Tahoma" pitchFamily="2"/>
+              </a:rPr>
+              <a:t>-&gt;</a:t>
+            </a:r>
+            <a:r>
+              <a:rPr lang="en-IN" sz="1800" b="0" i="0" u="none" strike="noStrike" kern="1200" cap="none" dirty="0" err="1">
+                <a:ln>
+                  <a:noFill/>
+                </a:ln>
+                <a:latin typeface="Liberation Sans" pitchFamily="18"/>
+                <a:ea typeface="Segoe UI" pitchFamily="2"/>
+                <a:cs typeface="Tahoma" pitchFamily="2"/>
+              </a:rPr>
+              <a:t>setPalette</a:t>
+            </a:r>
+            <a:r>
+              <a:rPr lang="en-IN" sz="1800" b="0" i="0" u="none" strike="noStrike" kern="1200" cap="none" dirty="0">
+                <a:ln>
+                  <a:noFill/>
+                </a:ln>
+                <a:latin typeface="Liberation Sans" pitchFamily="18"/>
+                <a:ea typeface="Segoe UI" pitchFamily="2"/>
+                <a:cs typeface="Tahoma" pitchFamily="2"/>
+              </a:rPr>
+              <a:t>(</a:t>
+            </a:r>
+            <a:r>
+              <a:rPr lang="en-IN" sz="1800" b="0" i="0" u="none" strike="noStrike" kern="1200" cap="none" dirty="0" err="1">
+                <a:ln>
+                  <a:noFill/>
+                </a:ln>
+                <a:latin typeface="Liberation Sans" pitchFamily="18"/>
+                <a:ea typeface="Segoe UI" pitchFamily="2"/>
+                <a:cs typeface="Tahoma" pitchFamily="2"/>
+              </a:rPr>
+              <a:t>test_pallete</a:t>
+            </a:r>
+            <a:r>
+              <a:rPr lang="en-IN" sz="1800" b="0" i="0" u="none" strike="noStrike" kern="1200" cap="none" dirty="0">
+                <a:ln>
+                  <a:noFill/>
+                </a:ln>
+                <a:latin typeface="Liberation Sans" pitchFamily="18"/>
+                <a:ea typeface="Segoe UI" pitchFamily="2"/>
+                <a:cs typeface="Tahoma" pitchFamily="2"/>
+              </a:rPr>
+              <a:t>);</a:t>
+            </a:r>
+          </a:p>
+          <a:p>
+            <a:pPr marL="0" marR="0" lvl="0" indent="0" rtl="0" hangingPunct="0">
+              <a:lnSpc>
+                <a:spcPct val="100000"/>
+              </a:lnSpc>
+              <a:spcBef>
+                <a:spcPts val="0"/>
+              </a:spcBef>
+              <a:spcAft>
+                <a:spcPts val="0"/>
+              </a:spcAft>
+              <a:buNone/>
+              <a:tabLst/>
+            </a:pPr>
+            <a:r>
+              <a:rPr lang="en-IN" sz="1800" b="0" i="0" u="none" strike="noStrike" kern="1200" cap="none" dirty="0" err="1">
+                <a:ln>
+                  <a:noFill/>
+                </a:ln>
+                <a:latin typeface="Liberation Sans" pitchFamily="18"/>
+                <a:ea typeface="Segoe UI" pitchFamily="2"/>
+                <a:cs typeface="Tahoma" pitchFamily="2"/>
+              </a:rPr>
+              <a:t>test_label</a:t>
+            </a:r>
+            <a:r>
+              <a:rPr lang="en-IN" sz="1800" b="0" i="0" u="none" strike="noStrike" kern="1200" cap="none" dirty="0">
+                <a:ln>
+                  <a:noFill/>
+                </a:ln>
+                <a:latin typeface="Liberation Sans" pitchFamily="18"/>
+                <a:ea typeface="Segoe UI" pitchFamily="2"/>
+                <a:cs typeface="Tahoma" pitchFamily="2"/>
+              </a:rPr>
+              <a:t>-&gt;</a:t>
+            </a:r>
+            <a:r>
+              <a:rPr lang="en-IN" sz="1800" b="0" i="0" u="none" strike="noStrike" kern="1200" cap="none" dirty="0" err="1">
+                <a:ln>
+                  <a:noFill/>
+                </a:ln>
+                <a:latin typeface="Liberation Sans" pitchFamily="18"/>
+                <a:ea typeface="Segoe UI" pitchFamily="2"/>
+                <a:cs typeface="Tahoma" pitchFamily="2"/>
+              </a:rPr>
+              <a:t>setText</a:t>
+            </a:r>
+            <a:r>
+              <a:rPr lang="en-IN" sz="1800" b="0" i="0" u="none" strike="noStrike" kern="1200" cap="none" dirty="0">
+                <a:ln>
+                  <a:noFill/>
+                </a:ln>
+                <a:latin typeface="Liberation Sans" pitchFamily="18"/>
+                <a:ea typeface="Segoe UI" pitchFamily="2"/>
+                <a:cs typeface="Tahoma" pitchFamily="2"/>
+              </a:rPr>
+              <a:t>("Hello World");</a:t>
+            </a:r>
+          </a:p>
+        </p:txBody>
+      </p:sp>
     </p:spTree>
     <p:extLst>
       <p:ext uri="{BB962C8B-B14F-4D97-AF65-F5344CB8AC3E}">
@@ -19486,6 +20488,310 @@
           <a:chExt cx="0" cy="0"/>
         </a:xfrm>
       </p:grpSpPr>
+      <p:sp>
+        <p:nvSpPr>
+          <p:cNvPr id="2" name="Title 1">
+            <a:extLst>
+              <a:ext uri="{FF2B5EF4-FFF2-40B4-BE49-F238E27FC236}">
+                <a16:creationId xmlns:a16="http://schemas.microsoft.com/office/drawing/2014/main" id="{D0CDCC9B-C338-432B-A3E4-F71A2FE1DEB2}"/>
+              </a:ext>
+            </a:extLst>
+          </p:cNvPr>
+          <p:cNvSpPr txBox="1">
+            <a:spLocks/>
+          </p:cNvSpPr>
+          <p:nvPr/>
+        </p:nvSpPr>
+        <p:spPr>
+          <a:xfrm>
+            <a:off x="503999" y="301320"/>
+            <a:ext cx="17405984" cy="1262160"/>
+          </a:xfrm>
+          <a:prstGeom prst="rect">
+            <a:avLst/>
+          </a:prstGeom>
+        </p:spPr>
+        <p:txBody>
+          <a:bodyPr vert="horz" lIns="91440" tIns="45720" rIns="91440" bIns="45720" rtlCol="0" anchor="ctr">
+            <a:normAutofit/>
+          </a:bodyPr>
+          <a:lstStyle>
+            <a:lvl1pPr algn="l" defTabSz="914400" rtl="0" eaLnBrk="1" latinLnBrk="0" hangingPunct="1">
+              <a:lnSpc>
+                <a:spcPct val="90000"/>
+              </a:lnSpc>
+              <a:spcBef>
+                <a:spcPct val="0"/>
+              </a:spcBef>
+              <a:buNone/>
+              <a:defRPr sz="4400" i="1" kern="1200">
+                <a:solidFill>
+                  <a:schemeClr val="tx1"/>
+                </a:solidFill>
+                <a:latin typeface="+mj-lt"/>
+                <a:ea typeface="+mj-ea"/>
+                <a:cs typeface="+mj-cs"/>
+              </a:defRPr>
+            </a:lvl1pPr>
+          </a:lstStyle>
+          <a:p>
+            <a:r>
+              <a:rPr lang="en-IN">
+                <a:cs typeface="Tahoma" pitchFamily="2"/>
+              </a:rPr>
+              <a:t>MultiThreading in QT</a:t>
+            </a:r>
+          </a:p>
+        </p:txBody>
+      </p:sp>
+      <p:sp>
+        <p:nvSpPr>
+          <p:cNvPr id="3" name="TextBox 2">
+            <a:extLst>
+              <a:ext uri="{FF2B5EF4-FFF2-40B4-BE49-F238E27FC236}">
+                <a16:creationId xmlns:a16="http://schemas.microsoft.com/office/drawing/2014/main" id="{D008AEBD-6076-4E83-9727-B43F4DC4EB44}"/>
+              </a:ext>
+            </a:extLst>
+          </p:cNvPr>
+          <p:cNvSpPr txBox="1"/>
+          <p:nvPr/>
+        </p:nvSpPr>
+        <p:spPr>
+          <a:xfrm>
+            <a:off x="575999" y="2365560"/>
+            <a:ext cx="10841181" cy="2138040"/>
+          </a:xfrm>
+          <a:prstGeom prst="rect">
+            <a:avLst/>
+          </a:prstGeom>
+          <a:noFill/>
+          <a:ln>
+            <a:noFill/>
+          </a:ln>
+        </p:spPr>
+        <p:txBody>
+          <a:bodyPr vert="horz" wrap="none" lIns="90000" tIns="45000" rIns="90000" bIns="45000" anchorCtr="0" compatLnSpc="0"/>
+          <a:lstStyle/>
+          <a:p>
+            <a:pPr marL="0" marR="0" lvl="0" indent="0" rtl="0" hangingPunct="0">
+              <a:lnSpc>
+                <a:spcPct val="100000"/>
+              </a:lnSpc>
+              <a:spcBef>
+                <a:spcPts val="0"/>
+              </a:spcBef>
+              <a:spcAft>
+                <a:spcPts val="0"/>
+              </a:spcAft>
+              <a:buNone/>
+              <a:tabLst/>
+            </a:pPr>
+            <a:r>
+              <a:rPr lang="en-IN" sz="1800" b="0" i="0" u="none" strike="noStrike" kern="1200" cap="none" dirty="0">
+                <a:ln>
+                  <a:noFill/>
+                </a:ln>
+                <a:latin typeface="Liberation Sans" pitchFamily="18"/>
+                <a:ea typeface="Segoe UI" pitchFamily="2"/>
+                <a:cs typeface="Tahoma" pitchFamily="2"/>
+              </a:rPr>
+              <a:t>1. Derive your thread class from </a:t>
+            </a:r>
+            <a:r>
+              <a:rPr lang="en-IN" sz="1800" b="0" i="0" u="none" strike="noStrike" kern="1200" cap="none" dirty="0" err="1">
+                <a:ln>
+                  <a:noFill/>
+                </a:ln>
+                <a:latin typeface="Liberation Sans" pitchFamily="18"/>
+                <a:ea typeface="Segoe UI" pitchFamily="2"/>
+                <a:cs typeface="Tahoma" pitchFamily="2"/>
+              </a:rPr>
+              <a:t>Qthread</a:t>
+            </a:r>
+            <a:r>
+              <a:rPr lang="en-IN" sz="1800" b="0" i="0" u="none" strike="noStrike" kern="1200" cap="none" dirty="0">
+                <a:ln>
+                  <a:noFill/>
+                </a:ln>
+                <a:latin typeface="Liberation Sans" pitchFamily="18"/>
+                <a:ea typeface="Segoe UI" pitchFamily="2"/>
+                <a:cs typeface="Tahoma" pitchFamily="2"/>
+              </a:rPr>
+              <a:t> and override run() method.</a:t>
+            </a:r>
+          </a:p>
+          <a:p>
+            <a:pPr marL="0" marR="0" lvl="0" indent="0" rtl="0" hangingPunct="0">
+              <a:lnSpc>
+                <a:spcPct val="100000"/>
+              </a:lnSpc>
+              <a:spcBef>
+                <a:spcPts val="0"/>
+              </a:spcBef>
+              <a:spcAft>
+                <a:spcPts val="0"/>
+              </a:spcAft>
+              <a:buNone/>
+              <a:tabLst/>
+            </a:pPr>
+            <a:r>
+              <a:rPr lang="en-IN" sz="1800" b="0" i="0" u="none" strike="noStrike" kern="1200" cap="none" dirty="0">
+                <a:ln>
+                  <a:noFill/>
+                </a:ln>
+                <a:latin typeface="Liberation Sans" pitchFamily="18"/>
+                <a:ea typeface="Segoe UI" pitchFamily="2"/>
+                <a:cs typeface="Tahoma" pitchFamily="2"/>
+              </a:rPr>
+              <a:t>2. Using thread pool. Derive your class from </a:t>
+            </a:r>
+            <a:r>
+              <a:rPr lang="en-IN" sz="1800" b="0" i="0" u="none" strike="noStrike" kern="1200" cap="none" dirty="0" err="1">
+                <a:ln>
+                  <a:noFill/>
+                </a:ln>
+                <a:latin typeface="Liberation Sans" pitchFamily="18"/>
+                <a:ea typeface="Segoe UI" pitchFamily="2"/>
+                <a:cs typeface="Tahoma" pitchFamily="2"/>
+              </a:rPr>
+              <a:t>Qrunnable</a:t>
+            </a:r>
+            <a:r>
+              <a:rPr lang="en-IN" sz="1800" b="0" i="0" u="none" strike="noStrike" kern="1200" cap="none" dirty="0">
+                <a:ln>
+                  <a:noFill/>
+                </a:ln>
+                <a:latin typeface="Liberation Sans" pitchFamily="18"/>
+                <a:ea typeface="Segoe UI" pitchFamily="2"/>
+                <a:cs typeface="Tahoma" pitchFamily="2"/>
+              </a:rPr>
+              <a:t>. Then use </a:t>
+            </a:r>
+            <a:r>
+              <a:rPr lang="en-IN" sz="1800" b="0" i="0" u="none" strike="noStrike" kern="1200" cap="none" dirty="0" err="1">
+                <a:ln>
+                  <a:noFill/>
+                </a:ln>
+                <a:latin typeface="Liberation Sans" pitchFamily="18"/>
+                <a:ea typeface="Segoe UI" pitchFamily="2"/>
+                <a:cs typeface="Tahoma" pitchFamily="2"/>
+              </a:rPr>
+              <a:t>threadpool</a:t>
+            </a:r>
+            <a:r>
+              <a:rPr lang="en-IN" sz="1800" b="0" i="0" u="none" strike="noStrike" kern="1200" cap="none" dirty="0">
+                <a:ln>
+                  <a:noFill/>
+                </a:ln>
+                <a:latin typeface="Liberation Sans" pitchFamily="18"/>
+                <a:ea typeface="Segoe UI" pitchFamily="2"/>
+                <a:cs typeface="Tahoma" pitchFamily="2"/>
+              </a:rPr>
+              <a:t> instance and </a:t>
+            </a:r>
+          </a:p>
+          <a:p>
+            <a:pPr marL="0" marR="0" lvl="0" indent="0" rtl="0" hangingPunct="0">
+              <a:lnSpc>
+                <a:spcPct val="100000"/>
+              </a:lnSpc>
+              <a:spcBef>
+                <a:spcPts val="0"/>
+              </a:spcBef>
+              <a:spcAft>
+                <a:spcPts val="0"/>
+              </a:spcAft>
+              <a:buNone/>
+              <a:tabLst/>
+            </a:pPr>
+            <a:r>
+              <a:rPr lang="en-IN" sz="1800" b="0" i="0" u="none" strike="noStrike" kern="1200" cap="none" dirty="0">
+                <a:ln>
+                  <a:noFill/>
+                </a:ln>
+                <a:latin typeface="Liberation Sans" pitchFamily="18"/>
+                <a:ea typeface="Segoe UI" pitchFamily="2"/>
+                <a:cs typeface="Tahoma" pitchFamily="2"/>
+              </a:rPr>
+              <a:t>pass your class object to start() method to run your run() method in multithreading.</a:t>
+            </a:r>
+          </a:p>
+          <a:p>
+            <a:pPr marL="0" marR="0" lvl="0" indent="0" rtl="0" hangingPunct="0">
+              <a:lnSpc>
+                <a:spcPct val="100000"/>
+              </a:lnSpc>
+              <a:spcBef>
+                <a:spcPts val="0"/>
+              </a:spcBef>
+              <a:spcAft>
+                <a:spcPts val="0"/>
+              </a:spcAft>
+              <a:buNone/>
+              <a:tabLst/>
+            </a:pPr>
+            <a:r>
+              <a:rPr lang="en-IN" sz="1800" b="0" i="0" u="none" strike="noStrike" kern="1200" cap="none" dirty="0">
+                <a:ln>
+                  <a:noFill/>
+                </a:ln>
+                <a:latin typeface="Liberation Sans" pitchFamily="18"/>
+                <a:ea typeface="Segoe UI" pitchFamily="2"/>
+                <a:cs typeface="Tahoma" pitchFamily="2"/>
+              </a:rPr>
+              <a:t>3. Using </a:t>
+            </a:r>
+            <a:r>
+              <a:rPr lang="en-IN" sz="1800" b="0" i="0" u="none" strike="noStrike" kern="1200" cap="none" dirty="0" err="1">
+                <a:ln>
+                  <a:noFill/>
+                </a:ln>
+                <a:latin typeface="Liberation Sans" pitchFamily="18"/>
+                <a:ea typeface="Segoe UI" pitchFamily="2"/>
+                <a:cs typeface="Tahoma" pitchFamily="2"/>
+              </a:rPr>
+              <a:t>QtConcurrent</a:t>
+            </a:r>
+            <a:r>
+              <a:rPr lang="en-IN" sz="1800" b="0" i="0" u="none" strike="noStrike" kern="1200" cap="none" dirty="0">
+                <a:ln>
+                  <a:noFill/>
+                </a:ln>
+                <a:latin typeface="Liberation Sans" pitchFamily="18"/>
+                <a:ea typeface="Segoe UI" pitchFamily="2"/>
+                <a:cs typeface="Tahoma" pitchFamily="2"/>
+              </a:rPr>
+              <a:t>() method.</a:t>
+            </a:r>
+          </a:p>
+          <a:p>
+            <a:pPr marL="0" marR="0" lvl="0" indent="0" rtl="0" hangingPunct="0">
+              <a:lnSpc>
+                <a:spcPct val="100000"/>
+              </a:lnSpc>
+              <a:spcBef>
+                <a:spcPts val="0"/>
+              </a:spcBef>
+              <a:spcAft>
+                <a:spcPts val="0"/>
+              </a:spcAft>
+              <a:buNone/>
+              <a:tabLst/>
+            </a:pPr>
+            <a:r>
+              <a:rPr lang="en-IN" sz="1800" b="0" i="0" u="none" strike="noStrike" kern="1200" cap="none" dirty="0">
+                <a:ln>
+                  <a:noFill/>
+                </a:ln>
+                <a:latin typeface="Liberation Sans" pitchFamily="18"/>
+                <a:ea typeface="Segoe UI" pitchFamily="2"/>
+                <a:cs typeface="Tahoma" pitchFamily="2"/>
+              </a:rPr>
+              <a:t>	</a:t>
+            </a:r>
+          </a:p>
+        </p:txBody>
+      </p:sp>
     </p:spTree>
     <p:extLst>
       <p:ext uri="{BB962C8B-B14F-4D97-AF65-F5344CB8AC3E}">

--- a/learnings.pptx
+++ b/learnings.pptx
@@ -26,16 +26,17 @@
     <p:sldId id="281" r:id="rId20"/>
     <p:sldId id="280" r:id="rId21"/>
     <p:sldId id="283" r:id="rId22"/>
-    <p:sldId id="284" r:id="rId23"/>
-    <p:sldId id="285" r:id="rId24"/>
-    <p:sldId id="286" r:id="rId25"/>
-    <p:sldId id="287" r:id="rId26"/>
-    <p:sldId id="288" r:id="rId27"/>
-    <p:sldId id="289" r:id="rId28"/>
-    <p:sldId id="290" r:id="rId29"/>
-    <p:sldId id="291" r:id="rId30"/>
-    <p:sldId id="292" r:id="rId31"/>
-    <p:sldId id="293" r:id="rId32"/>
+    <p:sldId id="295" r:id="rId23"/>
+    <p:sldId id="294" r:id="rId24"/>
+    <p:sldId id="285" r:id="rId25"/>
+    <p:sldId id="286" r:id="rId26"/>
+    <p:sldId id="287" r:id="rId27"/>
+    <p:sldId id="288" r:id="rId28"/>
+    <p:sldId id="289" r:id="rId29"/>
+    <p:sldId id="290" r:id="rId30"/>
+    <p:sldId id="291" r:id="rId31"/>
+    <p:sldId id="292" r:id="rId32"/>
+    <p:sldId id="293" r:id="rId33"/>
   </p:sldIdLst>
   <p:sldSz cx="12192000" cy="6858000"/>
   <p:notesSz cx="6858000" cy="9144000"/>
@@ -2489,7 +2490,7 @@
           <a:p>
             <a:fld id="{3C04E684-10F4-4CC3-A0B9-F03AA7BE37CF}" type="datetimeFigureOut">
               <a:rPr lang="en-US" smtClean="0"/>
-              <a:t>5/17/2021</a:t>
+              <a:t>6/4/2021</a:t>
             </a:fld>
             <a:endParaRPr lang="en-US"/>
           </a:p>
@@ -4979,7 +4980,7 @@
           <a:p>
             <a:fld id="{3C04E684-10F4-4CC3-A0B9-F03AA7BE37CF}" type="datetimeFigureOut">
               <a:rPr lang="en-US" smtClean="0"/>
-              <a:t>5/17/2021</a:t>
+              <a:t>6/4/2021</a:t>
             </a:fld>
             <a:endParaRPr lang="en-US"/>
           </a:p>
@@ -5177,7 +5178,7 @@
           <a:p>
             <a:fld id="{3C04E684-10F4-4CC3-A0B9-F03AA7BE37CF}" type="datetimeFigureOut">
               <a:rPr lang="en-US" smtClean="0"/>
-              <a:t>5/17/2021</a:t>
+              <a:t>6/4/2021</a:t>
             </a:fld>
             <a:endParaRPr lang="en-US"/>
           </a:p>
@@ -5385,7 +5386,7 @@
           <a:p>
             <a:fld id="{3C04E684-10F4-4CC3-A0B9-F03AA7BE37CF}" type="datetimeFigureOut">
               <a:rPr lang="en-US" smtClean="0"/>
-              <a:t>5/17/2021</a:t>
+              <a:t>6/4/2021</a:t>
             </a:fld>
             <a:endParaRPr lang="en-US"/>
           </a:p>
@@ -6122,7 +6123,7 @@
           <a:p>
             <a:fld id="{3C04E684-10F4-4CC3-A0B9-F03AA7BE37CF}" type="datetimeFigureOut">
               <a:rPr lang="en-US" smtClean="0"/>
-              <a:t>5/17/2021</a:t>
+              <a:t>6/4/2021</a:t>
             </a:fld>
             <a:endParaRPr lang="en-US"/>
           </a:p>
@@ -6764,7 +6765,7 @@
           <a:p>
             <a:fld id="{3C04E684-10F4-4CC3-A0B9-F03AA7BE37CF}" type="datetimeFigureOut">
               <a:rPr lang="en-US" smtClean="0"/>
-              <a:t>5/17/2021</a:t>
+              <a:t>6/4/2021</a:t>
             </a:fld>
             <a:endParaRPr lang="en-US"/>
           </a:p>
@@ -7564,7 +7565,7 @@
           <a:p>
             <a:fld id="{3C04E684-10F4-4CC3-A0B9-F03AA7BE37CF}" type="datetimeFigureOut">
               <a:rPr lang="en-US" smtClean="0"/>
-              <a:t>5/17/2021</a:t>
+              <a:t>6/4/2021</a:t>
             </a:fld>
             <a:endParaRPr lang="en-US"/>
           </a:p>
@@ -8515,7 +8516,7 @@
           <a:p>
             <a:fld id="{3C04E684-10F4-4CC3-A0B9-F03AA7BE37CF}" type="datetimeFigureOut">
               <a:rPr lang="en-US" smtClean="0"/>
-              <a:t>5/17/2021</a:t>
+              <a:t>6/4/2021</a:t>
             </a:fld>
             <a:endParaRPr lang="en-US"/>
           </a:p>
@@ -10864,7 +10865,7 @@
           <a:p>
             <a:fld id="{3C04E684-10F4-4CC3-A0B9-F03AA7BE37CF}" type="datetimeFigureOut">
               <a:rPr lang="en-US" smtClean="0"/>
-              <a:t>5/17/2021</a:t>
+              <a:t>6/4/2021</a:t>
             </a:fld>
             <a:endParaRPr lang="en-US"/>
           </a:p>
@@ -10977,7 +10978,7 @@
           <a:p>
             <a:fld id="{3C04E684-10F4-4CC3-A0B9-F03AA7BE37CF}" type="datetimeFigureOut">
               <a:rPr lang="en-US" smtClean="0"/>
-              <a:t>5/17/2021</a:t>
+              <a:t>6/4/2021</a:t>
             </a:fld>
             <a:endParaRPr lang="en-US"/>
           </a:p>
@@ -11484,7 +11485,7 @@
           <a:p>
             <a:fld id="{3C04E684-10F4-4CC3-A0B9-F03AA7BE37CF}" type="datetimeFigureOut">
               <a:rPr lang="en-US" smtClean="0"/>
-              <a:t>5/17/2021</a:t>
+              <a:t>6/4/2021</a:t>
             </a:fld>
             <a:endParaRPr lang="en-US"/>
           </a:p>
@@ -12787,7 +12788,7 @@
           <a:p>
             <a:fld id="{3C04E684-10F4-4CC3-A0B9-F03AA7BE37CF}" type="datetimeFigureOut">
               <a:rPr lang="en-US" smtClean="0"/>
-              <a:t>5/17/2021</a:t>
+              <a:t>6/4/2021</a:t>
             </a:fld>
             <a:endParaRPr lang="en-US"/>
           </a:p>
@@ -13034,7 +13035,7 @@
           <a:p>
             <a:fld id="{3C04E684-10F4-4CC3-A0B9-F03AA7BE37CF}" type="datetimeFigureOut">
               <a:rPr lang="en-US" smtClean="0"/>
-              <a:t>5/17/2021</a:t>
+              <a:t>6/4/2021</a:t>
             </a:fld>
             <a:endParaRPr lang="en-US"/>
           </a:p>
@@ -16006,7 +16007,7 @@
         </p:nvSpPr>
         <p:spPr>
           <a:xfrm>
-            <a:off x="1392571" y="2684477"/>
+            <a:off x="343948" y="2910980"/>
             <a:ext cx="10008067" cy="2155971"/>
           </a:xfrm>
           <a:prstGeom prst="roundRect">
@@ -16072,8 +16073,8 @@
         </p:nvSpPr>
         <p:spPr>
           <a:xfrm>
-            <a:off x="3078759" y="671119"/>
-            <a:ext cx="8053431" cy="671120"/>
+            <a:off x="343948" y="578840"/>
+            <a:ext cx="6115575" cy="671120"/>
           </a:xfrm>
           <a:prstGeom prst="roundRect">
             <a:avLst/>
@@ -18407,6 +18408,129 @@
           <a:chExt cx="0" cy="0"/>
         </a:xfrm>
       </p:grpSpPr>
+      <p:pic>
+        <p:nvPicPr>
+          <p:cNvPr id="4" name="Picture 3" descr="Table&#10;&#10;Description automatically generated">
+            <a:extLst>
+              <a:ext uri="{FF2B5EF4-FFF2-40B4-BE49-F238E27FC236}">
+                <a16:creationId xmlns:a16="http://schemas.microsoft.com/office/drawing/2014/main" id="{42AB0484-907C-45C2-B029-B979698DC96B}"/>
+              </a:ext>
+            </a:extLst>
+          </p:cNvPr>
+          <p:cNvPicPr>
+            <a:picLocks noChangeAspect="1"/>
+          </p:cNvPicPr>
+          <p:nvPr/>
+        </p:nvPicPr>
+        <p:blipFill>
+          <a:blip r:embed="rId2">
+            <a:extLst>
+              <a:ext uri="{28A0092B-C50C-407E-A947-70E740481C1C}">
+                <a14:useLocalDpi xmlns:a14="http://schemas.microsoft.com/office/drawing/2010/main" val="0"/>
+              </a:ext>
+            </a:extLst>
+          </a:blip>
+          <a:stretch>
+            <a:fillRect/>
+          </a:stretch>
+        </p:blipFill>
+        <p:spPr>
+          <a:xfrm>
+            <a:off x="1734203" y="2667524"/>
+            <a:ext cx="6961905" cy="4190476"/>
+          </a:xfrm>
+          <a:prstGeom prst="rect">
+            <a:avLst/>
+          </a:prstGeom>
+        </p:spPr>
+      </p:pic>
+      <p:sp>
+        <p:nvSpPr>
+          <p:cNvPr id="6" name="Rectangle: Rounded Corners 5">
+            <a:extLst>
+              <a:ext uri="{FF2B5EF4-FFF2-40B4-BE49-F238E27FC236}">
+                <a16:creationId xmlns:a16="http://schemas.microsoft.com/office/drawing/2014/main" id="{D79AA524-2811-4B8A-8D6D-6CE54B199223}"/>
+              </a:ext>
+            </a:extLst>
+          </p:cNvPr>
+          <p:cNvSpPr/>
+          <p:nvPr/>
+        </p:nvSpPr>
+        <p:spPr>
+          <a:xfrm>
+            <a:off x="922789" y="450377"/>
+            <a:ext cx="8296712" cy="612396"/>
+          </a:xfrm>
+          <a:prstGeom prst="roundRect">
+            <a:avLst/>
+          </a:prstGeom>
+        </p:spPr>
+        <p:style>
+          <a:lnRef idx="2">
+            <a:schemeClr val="accent1">
+              <a:shade val="50000"/>
+            </a:schemeClr>
+          </a:lnRef>
+          <a:fillRef idx="1">
+            <a:schemeClr val="accent1"/>
+          </a:fillRef>
+          <a:effectRef idx="0">
+            <a:schemeClr val="accent1"/>
+          </a:effectRef>
+          <a:fontRef idx="minor">
+            <a:schemeClr val="lt1"/>
+          </a:fontRef>
+        </p:style>
+        <p:txBody>
+          <a:bodyPr rtlCol="0" anchor="ctr"/>
+          <a:lstStyle/>
+          <a:p>
+            <a:pPr algn="ctr"/>
+            <a:r>
+              <a:rPr lang="en-IN" dirty="0"/>
+              <a:t>Required </a:t>
+            </a:r>
+            <a:r>
+              <a:rPr lang="en-IN" dirty="0" err="1"/>
+              <a:t>dlls</a:t>
+            </a:r>
+            <a:r>
+              <a:rPr lang="en-IN" dirty="0"/>
+              <a:t> for deployment folder to work </a:t>
+            </a:r>
+          </a:p>
+        </p:txBody>
+      </p:sp>
+    </p:spTree>
+    <p:extLst>
+      <p:ext uri="{BB962C8B-B14F-4D97-AF65-F5344CB8AC3E}">
+        <p14:creationId xmlns:p14="http://schemas.microsoft.com/office/powerpoint/2010/main" val="3210539834"/>
+      </p:ext>
+    </p:extLst>
+  </p:cSld>
+  <p:clrMapOvr>
+    <a:masterClrMapping/>
+  </p:clrMapOvr>
+</p:sld>
+</file>
+
+<file path=ppt/slides/slide23.xml><?xml version="1.0" encoding="utf-8"?>
+<p:sld xmlns:a="http://schemas.openxmlformats.org/drawingml/2006/main" xmlns:r="http://schemas.openxmlformats.org/officeDocument/2006/relationships" xmlns:p="http://schemas.openxmlformats.org/presentationml/2006/main">
+  <p:cSld>
+    <p:spTree>
+      <p:nvGrpSpPr>
+        <p:cNvPr id="1" name=""/>
+        <p:cNvGrpSpPr/>
+        <p:nvPr/>
+      </p:nvGrpSpPr>
+      <p:grpSpPr>
+        <a:xfrm>
+          <a:off x="0" y="0"/>
+          <a:ext cx="0" cy="0"/>
+          <a:chOff x="0" y="0"/>
+          <a:chExt cx="0" cy="0"/>
+        </a:xfrm>
+      </p:grpSpPr>
       <p:sp>
         <p:nvSpPr>
           <p:cNvPr id="3" name="Rectangle: Rounded Corners 2">
@@ -18509,7 +18633,7 @@
     </p:spTree>
     <p:extLst>
       <p:ext uri="{BB962C8B-B14F-4D97-AF65-F5344CB8AC3E}">
-        <p14:creationId xmlns:p14="http://schemas.microsoft.com/office/powerpoint/2010/main" val="2852913146"/>
+        <p14:creationId xmlns:p14="http://schemas.microsoft.com/office/powerpoint/2010/main" val="2953360898"/>
       </p:ext>
     </p:extLst>
   </p:cSld>
@@ -18519,7 +18643,7 @@
 </p:sld>
 </file>
 
-<file path=ppt/slides/slide23.xml><?xml version="1.0" encoding="utf-8"?>
+<file path=ppt/slides/slide24.xml><?xml version="1.0" encoding="utf-8"?>
 <p:sld xmlns:a="http://schemas.openxmlformats.org/drawingml/2006/main" xmlns:r="http://schemas.openxmlformats.org/officeDocument/2006/relationships" xmlns:p="http://schemas.openxmlformats.org/presentationml/2006/main">
   <p:cSld>
     <p:spTree>
@@ -18774,7 +18898,7 @@
 </p:sld>
 </file>
 
-<file path=ppt/slides/slide24.xml><?xml version="1.0" encoding="utf-8"?>
+<file path=ppt/slides/slide25.xml><?xml version="1.0" encoding="utf-8"?>
 <p:sld xmlns:a="http://schemas.openxmlformats.org/drawingml/2006/main" xmlns:r="http://schemas.openxmlformats.org/officeDocument/2006/relationships" xmlns:p="http://schemas.openxmlformats.org/presentationml/2006/main">
   <p:cSld>
     <p:spTree>
@@ -19197,7 +19321,7 @@
 </p:sld>
 </file>
 
-<file path=ppt/slides/slide25.xml><?xml version="1.0" encoding="utf-8"?>
+<file path=ppt/slides/slide26.xml><?xml version="1.0" encoding="utf-8"?>
 <p:sld xmlns:a="http://schemas.openxmlformats.org/drawingml/2006/main" xmlns:r="http://schemas.openxmlformats.org/officeDocument/2006/relationships" xmlns:p="http://schemas.openxmlformats.org/presentationml/2006/main">
   <p:cSld>
     <p:spTree>
@@ -19367,7 +19491,7 @@
         </p:nvSpPr>
         <p:spPr>
           <a:xfrm>
-            <a:off x="2407640" y="436228"/>
+            <a:off x="343948" y="394284"/>
             <a:ext cx="8772787" cy="763398"/>
           </a:xfrm>
           <a:prstGeom prst="roundRect">
@@ -19396,7 +19520,7 @@
           <a:p>
             <a:pPr algn="ctr"/>
             <a:r>
-              <a:rPr lang="en-IN"/>
+              <a:rPr lang="en-IN" dirty="0"/>
               <a:t>How to trigger a button click when the enter key is pressed in QML</a:t>
             </a:r>
           </a:p>
@@ -19415,7 +19539,7 @@
 </p:sld>
 </file>
 
-<file path=ppt/slides/slide26.xml><?xml version="1.0" encoding="utf-8"?>
+<file path=ppt/slides/slide27.xml><?xml version="1.0" encoding="utf-8"?>
 <p:sld xmlns:a="http://schemas.openxmlformats.org/drawingml/2006/main" xmlns:r="http://schemas.openxmlformats.org/officeDocument/2006/relationships" xmlns:p="http://schemas.openxmlformats.org/presentationml/2006/main">
   <p:cSld>
     <p:spTree>
@@ -19475,7 +19599,7 @@
               <a:tabLst/>
             </a:pPr>
             <a:r>
-              <a:rPr lang="en-IN" sz="1800" b="0" i="0" u="none" strike="noStrike" kern="1200" cap="none">
+              <a:rPr lang="en-IN" sz="1800" b="0" i="0" u="none" strike="noStrike" kern="1200" cap="none" dirty="0">
                 <a:ln>
                   <a:noFill/>
                 </a:ln>
@@ -19501,7 +19625,7 @@
               <a:tabLst/>
             </a:pPr>
             <a:r>
-              <a:rPr lang="en-IN" sz="1800" b="0" i="0" u="none" strike="noStrike" kern="1200" cap="none">
+              <a:rPr lang="en-IN" sz="1800" b="0" i="0" u="none" strike="noStrike" kern="1200" cap="none" dirty="0">
                 <a:ln>
                   <a:noFill/>
                 </a:ln>
@@ -19509,7 +19633,29 @@
                 <a:ea typeface="Segoe UI" pitchFamily="2"/>
                 <a:cs typeface="Tahoma" pitchFamily="2"/>
               </a:rPr>
-              <a:t>    QProgressDialog dialog;</a:t>
+              <a:t>    </a:t>
+            </a:r>
+            <a:r>
+              <a:rPr lang="en-IN" sz="1800" b="0" i="0" u="none" strike="noStrike" kern="1200" cap="none" dirty="0" err="1">
+                <a:ln>
+                  <a:noFill/>
+                </a:ln>
+                <a:latin typeface="Liberation Sans" pitchFamily="18"/>
+                <a:ea typeface="Segoe UI" pitchFamily="2"/>
+                <a:cs typeface="Tahoma" pitchFamily="2"/>
+              </a:rPr>
+              <a:t>QProgressDialog</a:t>
+            </a:r>
+            <a:r>
+              <a:rPr lang="en-IN" sz="1800" b="0" i="0" u="none" strike="noStrike" kern="1200" cap="none" dirty="0">
+                <a:ln>
+                  <a:noFill/>
+                </a:ln>
+                <a:latin typeface="Liberation Sans" pitchFamily="18"/>
+                <a:ea typeface="Segoe UI" pitchFamily="2"/>
+                <a:cs typeface="Tahoma" pitchFamily="2"/>
+              </a:rPr>
+              <a:t> dialog;</a:t>
             </a:r>
           </a:p>
           <a:p>
@@ -19527,7 +19673,7 @@
               <a:tabLst/>
             </a:pPr>
             <a:r>
-              <a:rPr lang="en-IN" sz="1800" b="0" i="0" u="none" strike="noStrike" kern="1200" cap="none">
+              <a:rPr lang="en-IN" sz="1800" b="0" i="0" u="none" strike="noStrike" kern="1200" cap="none" dirty="0">
                 <a:ln>
                   <a:noFill/>
                 </a:ln>
@@ -19535,67 +19681,118 @@
                 <a:ea typeface="Segoe UI" pitchFamily="2"/>
                 <a:cs typeface="Tahoma" pitchFamily="2"/>
               </a:rPr>
-              <a:t>    dialog.setLabelText(QString("Progressing using %1 thread(s)...").arg(QThread::idealThreadCount()));</a:t>
-            </a:r>
-          </a:p>
-        </p:txBody>
-      </p:sp>
-      <p:sp>
-        <p:nvSpPr>
-          <p:cNvPr id="3" name="Title 2">
-            <a:extLst>
-              <a:ext uri="{FF2B5EF4-FFF2-40B4-BE49-F238E27FC236}">
-                <a16:creationId xmlns:a16="http://schemas.microsoft.com/office/drawing/2014/main" id="{76B936F5-89C2-4FB2-A155-217A52C18966}"/>
-              </a:ext>
-            </a:extLst>
-          </p:cNvPr>
-          <p:cNvSpPr txBox="1">
-            <a:spLocks/>
-          </p:cNvSpPr>
-          <p:nvPr/>
-        </p:nvSpPr>
-        <p:spPr>
-          <a:xfrm>
-            <a:off x="503999" y="301320"/>
-            <a:ext cx="9071640" cy="1262160"/>
-          </a:xfrm>
-          <a:prstGeom prst="rect">
-            <a:avLst/>
-          </a:prstGeom>
-        </p:spPr>
-        <p:txBody>
-          <a:bodyPr vert="horz" lIns="91440" tIns="45720" rIns="91440" bIns="45720" rtlCol="0" anchor="ctr">
-            <a:normAutofit/>
-          </a:bodyPr>
-          <a:lstStyle>
-            <a:lvl1pPr algn="l" defTabSz="914400" rtl="0" eaLnBrk="1" latinLnBrk="0" hangingPunct="1">
-              <a:lnSpc>
-                <a:spcPct val="90000"/>
-              </a:lnSpc>
-              <a:spcBef>
-                <a:spcPct val="0"/>
-              </a:spcBef>
-              <a:buNone/>
-              <a:defRPr sz="4400" i="1" kern="1200">
-                <a:solidFill>
-                  <a:schemeClr val="tx1"/>
-                </a:solidFill>
-                <a:latin typeface="+mj-lt"/>
-                <a:ea typeface="+mj-ea"/>
-                <a:cs typeface="+mj-cs"/>
-              </a:defRPr>
-            </a:lvl1pPr>
-          </a:lstStyle>
-          <a:p>
-            <a:r>
-              <a:rPr lang="en-IN">
+              <a:t>    </a:t>
+            </a:r>
+            <a:r>
+              <a:rPr lang="en-IN" sz="1800" b="0" i="0" u="none" strike="noStrike" kern="1200" cap="none" dirty="0" err="1">
+                <a:ln>
+                  <a:noFill/>
+                </a:ln>
+                <a:latin typeface="Liberation Sans" pitchFamily="18"/>
+                <a:ea typeface="Segoe UI" pitchFamily="2"/>
                 <a:cs typeface="Tahoma" pitchFamily="2"/>
               </a:rPr>
-              <a:t>Use dynamic string in message</a:t>
-            </a:r>
-            <a:endParaRPr lang="en-IN" dirty="0">
-              <a:cs typeface="Tahoma" pitchFamily="2"/>
-            </a:endParaRPr>
+              <a:t>dialog.setLabelText</a:t>
+            </a:r>
+            <a:r>
+              <a:rPr lang="en-IN" sz="1800" b="0" i="0" u="none" strike="noStrike" kern="1200" cap="none" dirty="0">
+                <a:ln>
+                  <a:noFill/>
+                </a:ln>
+                <a:latin typeface="Liberation Sans" pitchFamily="18"/>
+                <a:ea typeface="Segoe UI" pitchFamily="2"/>
+                <a:cs typeface="Tahoma" pitchFamily="2"/>
+              </a:rPr>
+              <a:t>(</a:t>
+            </a:r>
+            <a:r>
+              <a:rPr lang="en-IN" sz="1800" b="0" i="0" u="none" strike="noStrike" kern="1200" cap="none" dirty="0" err="1">
+                <a:ln>
+                  <a:noFill/>
+                </a:ln>
+                <a:latin typeface="Liberation Sans" pitchFamily="18"/>
+                <a:ea typeface="Segoe UI" pitchFamily="2"/>
+                <a:cs typeface="Tahoma" pitchFamily="2"/>
+              </a:rPr>
+              <a:t>QString</a:t>
+            </a:r>
+            <a:r>
+              <a:rPr lang="en-IN" sz="1800" b="0" i="0" u="none" strike="noStrike" kern="1200" cap="none" dirty="0">
+                <a:ln>
+                  <a:noFill/>
+                </a:ln>
+                <a:latin typeface="Liberation Sans" pitchFamily="18"/>
+                <a:ea typeface="Segoe UI" pitchFamily="2"/>
+                <a:cs typeface="Tahoma" pitchFamily="2"/>
+              </a:rPr>
+              <a:t>("Progressing using %1 thread(s)...").</a:t>
+            </a:r>
+            <a:r>
+              <a:rPr lang="en-IN" sz="1800" b="0" i="0" u="none" strike="noStrike" kern="1200" cap="none" dirty="0" err="1">
+                <a:ln>
+                  <a:noFill/>
+                </a:ln>
+                <a:latin typeface="Liberation Sans" pitchFamily="18"/>
+                <a:ea typeface="Segoe UI" pitchFamily="2"/>
+                <a:cs typeface="Tahoma" pitchFamily="2"/>
+              </a:rPr>
+              <a:t>arg</a:t>
+            </a:r>
+            <a:r>
+              <a:rPr lang="en-IN" sz="1800" b="0" i="0" u="none" strike="noStrike" kern="1200" cap="none" dirty="0">
+                <a:ln>
+                  <a:noFill/>
+                </a:ln>
+                <a:latin typeface="Liberation Sans" pitchFamily="18"/>
+                <a:ea typeface="Segoe UI" pitchFamily="2"/>
+                <a:cs typeface="Tahoma" pitchFamily="2"/>
+              </a:rPr>
+              <a:t>(</a:t>
+            </a:r>
+            <a:r>
+              <a:rPr lang="en-IN" sz="1800" b="0" i="0" u="none" strike="noStrike" kern="1200" cap="none" dirty="0" err="1">
+                <a:ln>
+                  <a:noFill/>
+                </a:ln>
+                <a:latin typeface="Liberation Sans" pitchFamily="18"/>
+                <a:ea typeface="Segoe UI" pitchFamily="2"/>
+                <a:cs typeface="Tahoma" pitchFamily="2"/>
+              </a:rPr>
+              <a:t>QThread</a:t>
+            </a:r>
+            <a:r>
+              <a:rPr lang="en-IN" sz="1800" b="0" i="0" u="none" strike="noStrike" kern="1200" cap="none" dirty="0">
+                <a:ln>
+                  <a:noFill/>
+                </a:ln>
+                <a:latin typeface="Liberation Sans" pitchFamily="18"/>
+                <a:ea typeface="Segoe UI" pitchFamily="2"/>
+                <a:cs typeface="Tahoma" pitchFamily="2"/>
+              </a:rPr>
+              <a:t>::</a:t>
+            </a:r>
+            <a:r>
+              <a:rPr lang="en-IN" sz="1800" b="0" i="0" u="none" strike="noStrike" kern="1200" cap="none" dirty="0" err="1">
+                <a:ln>
+                  <a:noFill/>
+                </a:ln>
+                <a:latin typeface="Liberation Sans" pitchFamily="18"/>
+                <a:ea typeface="Segoe UI" pitchFamily="2"/>
+                <a:cs typeface="Tahoma" pitchFamily="2"/>
+              </a:rPr>
+              <a:t>idealThreadCount</a:t>
+            </a:r>
+            <a:r>
+              <a:rPr lang="en-IN" sz="1800" b="0" i="0" u="none" strike="noStrike" kern="1200" cap="none" dirty="0">
+                <a:ln>
+                  <a:noFill/>
+                </a:ln>
+                <a:latin typeface="Liberation Sans" pitchFamily="18"/>
+                <a:ea typeface="Segoe UI" pitchFamily="2"/>
+                <a:cs typeface="Tahoma" pitchFamily="2"/>
+              </a:rPr>
+              <a:t>()));</a:t>
+            </a:r>
           </a:p>
         </p:txBody>
       </p:sp>
@@ -19678,6 +19875,56 @@
           </a:p>
         </p:txBody>
       </p:sp>
+      <p:sp>
+        <p:nvSpPr>
+          <p:cNvPr id="5" name="Rectangle: Rounded Corners 4">
+            <a:extLst>
+              <a:ext uri="{FF2B5EF4-FFF2-40B4-BE49-F238E27FC236}">
+                <a16:creationId xmlns:a16="http://schemas.microsoft.com/office/drawing/2014/main" id="{DCB73D28-2568-462A-9822-B1268B37EC53}"/>
+              </a:ext>
+            </a:extLst>
+          </p:cNvPr>
+          <p:cNvSpPr/>
+          <p:nvPr/>
+        </p:nvSpPr>
+        <p:spPr>
+          <a:xfrm>
+            <a:off x="699686" y="562063"/>
+            <a:ext cx="3964593" cy="763398"/>
+          </a:xfrm>
+          <a:prstGeom prst="roundRect">
+            <a:avLst/>
+          </a:prstGeom>
+        </p:spPr>
+        <p:style>
+          <a:lnRef idx="2">
+            <a:schemeClr val="accent1">
+              <a:shade val="50000"/>
+            </a:schemeClr>
+          </a:lnRef>
+          <a:fillRef idx="1">
+            <a:schemeClr val="accent1"/>
+          </a:fillRef>
+          <a:effectRef idx="0">
+            <a:schemeClr val="accent1"/>
+          </a:effectRef>
+          <a:fontRef idx="minor">
+            <a:schemeClr val="lt1"/>
+          </a:fontRef>
+        </p:style>
+        <p:txBody>
+          <a:bodyPr rtlCol="0" anchor="ctr"/>
+          <a:lstStyle/>
+          <a:p>
+            <a:r>
+              <a:rPr lang="en-IN" sz="1800" i="0" dirty="0">
+                <a:cs typeface="Tahoma" pitchFamily="2"/>
+              </a:rPr>
+              <a:t>Use dynamic string in message</a:t>
+            </a:r>
+          </a:p>
+        </p:txBody>
+      </p:sp>
     </p:spTree>
     <p:extLst>
       <p:ext uri="{BB962C8B-B14F-4D97-AF65-F5344CB8AC3E}">
@@ -19691,7 +19938,7 @@
 </p:sld>
 </file>
 
-<file path=ppt/slides/slide27.xml><?xml version="1.0" encoding="utf-8"?>
+<file path=ppt/slides/slide28.xml><?xml version="1.0" encoding="utf-8"?>
 <p:sld xmlns:a="http://schemas.openxmlformats.org/drawingml/2006/main" xmlns:r="http://schemas.openxmlformats.org/officeDocument/2006/relationships" xmlns:p="http://schemas.openxmlformats.org/presentationml/2006/main">
   <p:cSld>
     <p:spTree>
@@ -19912,8 +20159,55 @@
             </a:lvl1pPr>
           </a:lstStyle>
           <a:p>
-            <a:r>
-              <a:rPr lang="en-IN">
+            <a:endParaRPr lang="en-IN" sz="3600" i="0" dirty="0">
+              <a:cs typeface="Tahoma" pitchFamily="2"/>
+            </a:endParaRPr>
+          </a:p>
+        </p:txBody>
+      </p:sp>
+      <p:sp>
+        <p:nvSpPr>
+          <p:cNvPr id="6" name="Rectangle: Rounded Corners 5">
+            <a:extLst>
+              <a:ext uri="{FF2B5EF4-FFF2-40B4-BE49-F238E27FC236}">
+                <a16:creationId xmlns:a16="http://schemas.microsoft.com/office/drawing/2014/main" id="{A5CA824A-C1DA-4781-9929-553925830432}"/>
+              </a:ext>
+            </a:extLst>
+          </p:cNvPr>
+          <p:cNvSpPr/>
+          <p:nvPr/>
+        </p:nvSpPr>
+        <p:spPr>
+          <a:xfrm>
+            <a:off x="648000" y="800082"/>
+            <a:ext cx="3964593" cy="763398"/>
+          </a:xfrm>
+          <a:prstGeom prst="roundRect">
+            <a:avLst/>
+          </a:prstGeom>
+        </p:spPr>
+        <p:style>
+          <a:lnRef idx="2">
+            <a:schemeClr val="accent1">
+              <a:shade val="50000"/>
+            </a:schemeClr>
+          </a:lnRef>
+          <a:fillRef idx="1">
+            <a:schemeClr val="accent1"/>
+          </a:fillRef>
+          <a:effectRef idx="0">
+            <a:schemeClr val="accent1"/>
+          </a:effectRef>
+          <a:fontRef idx="minor">
+            <a:schemeClr val="lt1"/>
+          </a:fontRef>
+        </p:style>
+        <p:txBody>
+          <a:bodyPr rtlCol="0" anchor="ctr"/>
+          <a:lstStyle/>
+          <a:p>
+            <a:r>
+              <a:rPr lang="en-IN" sz="1800" i="0" dirty="0">
                 <a:cs typeface="Tahoma" pitchFamily="2"/>
               </a:rPr>
               <a:t>print to console when using Qt?</a:t>
@@ -19934,7 +20228,7 @@
 </p:sld>
 </file>
 
-<file path=ppt/slides/slide28.xml><?xml version="1.0" encoding="utf-8"?>
+<file path=ppt/slides/slide29.xml><?xml version="1.0" encoding="utf-8"?>
 <p:sld xmlns:a="http://schemas.openxmlformats.org/drawingml/2006/main" xmlns:r="http://schemas.openxmlformats.org/officeDocument/2006/relationships" xmlns:p="http://schemas.openxmlformats.org/presentationml/2006/main">
   <p:cSld>
     <p:spTree>
@@ -19951,62 +20245,6 @@
           <a:chExt cx="0" cy="0"/>
         </a:xfrm>
       </p:grpSpPr>
-      <p:sp>
-        <p:nvSpPr>
-          <p:cNvPr id="2" name="Title 1">
-            <a:extLst>
-              <a:ext uri="{FF2B5EF4-FFF2-40B4-BE49-F238E27FC236}">
-                <a16:creationId xmlns:a16="http://schemas.microsoft.com/office/drawing/2014/main" id="{40AA608A-1397-4936-99C6-272CCE8588CB}"/>
-              </a:ext>
-            </a:extLst>
-          </p:cNvPr>
-          <p:cNvSpPr txBox="1">
-            <a:spLocks/>
-          </p:cNvSpPr>
-          <p:nvPr/>
-        </p:nvSpPr>
-        <p:spPr>
-          <a:xfrm>
-            <a:off x="503999" y="301320"/>
-            <a:ext cx="9071640" cy="1262160"/>
-          </a:xfrm>
-          <a:prstGeom prst="rect">
-            <a:avLst/>
-          </a:prstGeom>
-        </p:spPr>
-        <p:txBody>
-          <a:bodyPr vert="horz" lIns="91440" tIns="45720" rIns="91440" bIns="45720" rtlCol="0" anchor="ctr">
-            <a:normAutofit lnSpcReduction="10000"/>
-          </a:bodyPr>
-          <a:lstStyle>
-            <a:lvl1pPr algn="l" defTabSz="914400" rtl="0" eaLnBrk="1" latinLnBrk="0" hangingPunct="1">
-              <a:lnSpc>
-                <a:spcPct val="90000"/>
-              </a:lnSpc>
-              <a:spcBef>
-                <a:spcPct val="0"/>
-              </a:spcBef>
-              <a:buNone/>
-              <a:defRPr sz="4400" i="1" kern="1200">
-                <a:solidFill>
-                  <a:schemeClr val="tx1"/>
-                </a:solidFill>
-                <a:latin typeface="+mj-lt"/>
-                <a:ea typeface="+mj-ea"/>
-                <a:cs typeface="+mj-cs"/>
-              </a:defRPr>
-            </a:lvl1pPr>
-          </a:lstStyle>
-          <a:p>
-            <a:r>
-              <a:rPr lang="en-IN">
-                <a:cs typeface="Tahoma" pitchFamily="2"/>
-              </a:rPr>
-              <a:t>set color of text and background of a QLabel?</a:t>
-            </a:r>
-          </a:p>
-        </p:txBody>
-      </p:sp>
       <p:sp>
         <p:nvSpPr>
           <p:cNvPr id="3" name="TextBox 2">
@@ -20458,336 +20696,76 @@
           </a:p>
         </p:txBody>
       </p:sp>
-    </p:spTree>
-    <p:extLst>
-      <p:ext uri="{BB962C8B-B14F-4D97-AF65-F5344CB8AC3E}">
-        <p14:creationId xmlns:p14="http://schemas.microsoft.com/office/powerpoint/2010/main" val="4006772550"/>
-      </p:ext>
-    </p:extLst>
-  </p:cSld>
-  <p:clrMapOvr>
-    <a:masterClrMapping/>
-  </p:clrMapOvr>
-</p:sld>
-</file>
-
-<file path=ppt/slides/slide29.xml><?xml version="1.0" encoding="utf-8"?>
-<p:sld xmlns:a="http://schemas.openxmlformats.org/drawingml/2006/main" xmlns:r="http://schemas.openxmlformats.org/officeDocument/2006/relationships" xmlns:p="http://schemas.openxmlformats.org/presentationml/2006/main">
-  <p:cSld>
-    <p:spTree>
-      <p:nvGrpSpPr>
-        <p:cNvPr id="1" name=""/>
-        <p:cNvGrpSpPr/>
-        <p:nvPr/>
-      </p:nvGrpSpPr>
-      <p:grpSpPr>
-        <a:xfrm>
-          <a:off x="0" y="0"/>
-          <a:ext cx="0" cy="0"/>
-          <a:chOff x="0" y="0"/>
-          <a:chExt cx="0" cy="0"/>
-        </a:xfrm>
-      </p:grpSpPr>
       <p:sp>
         <p:nvSpPr>
-          <p:cNvPr id="2" name="Title 1">
+          <p:cNvPr id="6" name="Rectangle: Rounded Corners 5">
             <a:extLst>
               <a:ext uri="{FF2B5EF4-FFF2-40B4-BE49-F238E27FC236}">
-                <a16:creationId xmlns:a16="http://schemas.microsoft.com/office/drawing/2014/main" id="{D0CDCC9B-C338-432B-A3E4-F71A2FE1DEB2}"/>
+                <a16:creationId xmlns:a16="http://schemas.microsoft.com/office/drawing/2014/main" id="{F0D4FAEC-1658-4AEA-B7E7-5ECD7501E74D}"/>
               </a:ext>
             </a:extLst>
           </p:cNvPr>
-          <p:cNvSpPr txBox="1">
-            <a:spLocks/>
-          </p:cNvSpPr>
+          <p:cNvSpPr/>
           <p:nvPr/>
         </p:nvSpPr>
         <p:spPr>
           <a:xfrm>
-            <a:off x="503999" y="301320"/>
-            <a:ext cx="17405984" cy="1262160"/>
+            <a:off x="576000" y="774915"/>
+            <a:ext cx="5736022" cy="763398"/>
           </a:xfrm>
-          <a:prstGeom prst="rect">
+          <a:prstGeom prst="roundRect">
             <a:avLst/>
           </a:prstGeom>
         </p:spPr>
+        <p:style>
+          <a:lnRef idx="2">
+            <a:schemeClr val="accent1">
+              <a:shade val="50000"/>
+            </a:schemeClr>
+          </a:lnRef>
+          <a:fillRef idx="1">
+            <a:schemeClr val="accent1"/>
+          </a:fillRef>
+          <a:effectRef idx="0">
+            <a:schemeClr val="accent1"/>
+          </a:effectRef>
+          <a:fontRef idx="minor">
+            <a:schemeClr val="lt1"/>
+          </a:fontRef>
+        </p:style>
         <p:txBody>
-          <a:bodyPr vert="horz" lIns="91440" tIns="45720" rIns="91440" bIns="45720" rtlCol="0" anchor="ctr">
-            <a:normAutofit/>
-          </a:bodyPr>
-          <a:lstStyle>
-            <a:lvl1pPr algn="l" defTabSz="914400" rtl="0" eaLnBrk="1" latinLnBrk="0" hangingPunct="1">
-              <a:lnSpc>
-                <a:spcPct val="90000"/>
-              </a:lnSpc>
-              <a:spcBef>
-                <a:spcPct val="0"/>
-              </a:spcBef>
-              <a:buNone/>
-              <a:defRPr sz="4400" i="1" kern="1200">
-                <a:solidFill>
-                  <a:schemeClr val="tx1"/>
-                </a:solidFill>
-                <a:latin typeface="+mj-lt"/>
-                <a:ea typeface="+mj-ea"/>
-                <a:cs typeface="+mj-cs"/>
-              </a:defRPr>
-            </a:lvl1pPr>
-          </a:lstStyle>
-          <a:p>
-            <a:r>
-              <a:rPr lang="en-IN">
+          <a:bodyPr rtlCol="0" anchor="ctr"/>
+          <a:lstStyle/>
+          <a:p>
+            <a:r>
+              <a:rPr lang="en-IN" sz="1800" i="0" dirty="0">
                 <a:cs typeface="Tahoma" pitchFamily="2"/>
               </a:rPr>
-              <a:t>MultiThreading in QT</a:t>
-            </a:r>
-          </a:p>
-        </p:txBody>
-      </p:sp>
-      <p:sp>
-        <p:nvSpPr>
-          <p:cNvPr id="3" name="TextBox 2">
-            <a:extLst>
-              <a:ext uri="{FF2B5EF4-FFF2-40B4-BE49-F238E27FC236}">
-                <a16:creationId xmlns:a16="http://schemas.microsoft.com/office/drawing/2014/main" id="{D008AEBD-6076-4E83-9727-B43F4DC4EB44}"/>
-              </a:ext>
-            </a:extLst>
-          </p:cNvPr>
-          <p:cNvSpPr txBox="1"/>
-          <p:nvPr/>
-        </p:nvSpPr>
-        <p:spPr>
-          <a:xfrm>
-            <a:off x="575999" y="2365560"/>
-            <a:ext cx="10841181" cy="2138040"/>
-          </a:xfrm>
-          <a:prstGeom prst="rect">
-            <a:avLst/>
-          </a:prstGeom>
-          <a:noFill/>
-          <a:ln>
-            <a:noFill/>
-          </a:ln>
-        </p:spPr>
-        <p:txBody>
-          <a:bodyPr vert="horz" wrap="none" lIns="90000" tIns="45000" rIns="90000" bIns="45000" anchorCtr="0" compatLnSpc="0"/>
-          <a:lstStyle/>
-          <a:p>
-            <a:pPr marL="0" marR="0" lvl="0" indent="0" rtl="0" hangingPunct="0">
-              <a:lnSpc>
-                <a:spcPct val="100000"/>
-              </a:lnSpc>
-              <a:spcBef>
-                <a:spcPts val="0"/>
-              </a:spcBef>
-              <a:spcAft>
-                <a:spcPts val="0"/>
-              </a:spcAft>
-              <a:buNone/>
-              <a:tabLst/>
-            </a:pPr>
-            <a:r>
-              <a:rPr lang="en-IN" sz="1800" b="0" i="0" u="none" strike="noStrike" kern="1200" cap="none" dirty="0">
-                <a:ln>
-                  <a:noFill/>
-                </a:ln>
-                <a:latin typeface="Liberation Sans" pitchFamily="18"/>
-                <a:ea typeface="Segoe UI" pitchFamily="2"/>
+              <a:t>set </a:t>
+            </a:r>
+            <a:r>
+              <a:rPr lang="en-IN" sz="1800" i="0" dirty="0" err="1">
                 <a:cs typeface="Tahoma" pitchFamily="2"/>
               </a:rPr>
-              <a:t>1. Derive your thread class from </a:t>
-            </a:r>
-            <a:r>
-              <a:rPr lang="en-IN" sz="1800" b="0" i="0" u="none" strike="noStrike" kern="1200" cap="none" dirty="0" err="1">
-                <a:ln>
-                  <a:noFill/>
-                </a:ln>
-                <a:latin typeface="Liberation Sans" pitchFamily="18"/>
-                <a:ea typeface="Segoe UI" pitchFamily="2"/>
+              <a:t>color</a:t>
+            </a:r>
+            <a:r>
+              <a:rPr lang="en-IN" sz="1800" i="0" dirty="0">
                 <a:cs typeface="Tahoma" pitchFamily="2"/>
               </a:rPr>
-              <a:t>Qthread</a:t>
-            </a:r>
-            <a:r>
-              <a:rPr lang="en-IN" sz="1800" b="0" i="0" u="none" strike="noStrike" kern="1200" cap="none" dirty="0">
-                <a:ln>
-                  <a:noFill/>
-                </a:ln>
-                <a:latin typeface="Liberation Sans" pitchFamily="18"/>
-                <a:ea typeface="Segoe UI" pitchFamily="2"/>
+              <a:t> of text and background of a </a:t>
+            </a:r>
+            <a:r>
+              <a:rPr lang="en-IN" sz="1800" i="0" dirty="0" err="1">
                 <a:cs typeface="Tahoma" pitchFamily="2"/>
               </a:rPr>
-              <a:t> and override run() method.</a:t>
-            </a:r>
-          </a:p>
-          <a:p>
-            <a:pPr marL="0" marR="0" lvl="0" indent="0" rtl="0" hangingPunct="0">
-              <a:lnSpc>
-                <a:spcPct val="100000"/>
-              </a:lnSpc>
-              <a:spcBef>
-                <a:spcPts val="0"/>
-              </a:spcBef>
-              <a:spcAft>
-                <a:spcPts val="0"/>
-              </a:spcAft>
-              <a:buNone/>
-              <a:tabLst/>
-            </a:pPr>
-            <a:r>
-              <a:rPr lang="en-IN" sz="1800" b="0" i="0" u="none" strike="noStrike" kern="1200" cap="none" dirty="0">
-                <a:ln>
-                  <a:noFill/>
-                </a:ln>
-                <a:latin typeface="Liberation Sans" pitchFamily="18"/>
-                <a:ea typeface="Segoe UI" pitchFamily="2"/>
+              <a:t>QLabel</a:t>
+            </a:r>
+            <a:r>
+              <a:rPr lang="en-IN" sz="1800" i="0" dirty="0">
                 <a:cs typeface="Tahoma" pitchFamily="2"/>
               </a:rPr>
-              <a:t>2. Using thread pool. Derive your class from </a:t>
-            </a:r>
-            <a:r>
-              <a:rPr lang="en-IN" sz="1800" b="0" i="0" u="none" strike="noStrike" kern="1200" cap="none" dirty="0" err="1">
-                <a:ln>
-                  <a:noFill/>
-                </a:ln>
-                <a:latin typeface="Liberation Sans" pitchFamily="18"/>
-                <a:ea typeface="Segoe UI" pitchFamily="2"/>
-                <a:cs typeface="Tahoma" pitchFamily="2"/>
-              </a:rPr>
-              <a:t>Qrunnable</a:t>
-            </a:r>
-            <a:r>
-              <a:rPr lang="en-IN" sz="1800" b="0" i="0" u="none" strike="noStrike" kern="1200" cap="none" dirty="0">
-                <a:ln>
-                  <a:noFill/>
-                </a:ln>
-                <a:latin typeface="Liberation Sans" pitchFamily="18"/>
-                <a:ea typeface="Segoe UI" pitchFamily="2"/>
-                <a:cs typeface="Tahoma" pitchFamily="2"/>
-              </a:rPr>
-              <a:t>. Then use </a:t>
-            </a:r>
-            <a:r>
-              <a:rPr lang="en-IN" sz="1800" b="0" i="0" u="none" strike="noStrike" kern="1200" cap="none" dirty="0" err="1">
-                <a:ln>
-                  <a:noFill/>
-                </a:ln>
-                <a:latin typeface="Liberation Sans" pitchFamily="18"/>
-                <a:ea typeface="Segoe UI" pitchFamily="2"/>
-                <a:cs typeface="Tahoma" pitchFamily="2"/>
-              </a:rPr>
-              <a:t>threadpool</a:t>
-            </a:r>
-            <a:r>
-              <a:rPr lang="en-IN" sz="1800" b="0" i="0" u="none" strike="noStrike" kern="1200" cap="none" dirty="0">
-                <a:ln>
-                  <a:noFill/>
-                </a:ln>
-                <a:latin typeface="Liberation Sans" pitchFamily="18"/>
-                <a:ea typeface="Segoe UI" pitchFamily="2"/>
-                <a:cs typeface="Tahoma" pitchFamily="2"/>
-              </a:rPr>
-              <a:t> instance and </a:t>
-            </a:r>
-          </a:p>
-          <a:p>
-            <a:pPr marL="0" marR="0" lvl="0" indent="0" rtl="0" hangingPunct="0">
-              <a:lnSpc>
-                <a:spcPct val="100000"/>
-              </a:lnSpc>
-              <a:spcBef>
-                <a:spcPts val="0"/>
-              </a:spcBef>
-              <a:spcAft>
-                <a:spcPts val="0"/>
-              </a:spcAft>
-              <a:buNone/>
-              <a:tabLst/>
-            </a:pPr>
-            <a:r>
-              <a:rPr lang="en-IN" sz="1800" b="0" i="0" u="none" strike="noStrike" kern="1200" cap="none" dirty="0">
-                <a:ln>
-                  <a:noFill/>
-                </a:ln>
-                <a:latin typeface="Liberation Sans" pitchFamily="18"/>
-                <a:ea typeface="Segoe UI" pitchFamily="2"/>
-                <a:cs typeface="Tahoma" pitchFamily="2"/>
-              </a:rPr>
-              <a:t>pass your class object to start() method to run your run() method in multithreading.</a:t>
-            </a:r>
-          </a:p>
-          <a:p>
-            <a:pPr marL="0" marR="0" lvl="0" indent="0" rtl="0" hangingPunct="0">
-              <a:lnSpc>
-                <a:spcPct val="100000"/>
-              </a:lnSpc>
-              <a:spcBef>
-                <a:spcPts val="0"/>
-              </a:spcBef>
-              <a:spcAft>
-                <a:spcPts val="0"/>
-              </a:spcAft>
-              <a:buNone/>
-              <a:tabLst/>
-            </a:pPr>
-            <a:r>
-              <a:rPr lang="en-IN" sz="1800" b="0" i="0" u="none" strike="noStrike" kern="1200" cap="none" dirty="0">
-                <a:ln>
-                  <a:noFill/>
-                </a:ln>
-                <a:latin typeface="Liberation Sans" pitchFamily="18"/>
-                <a:ea typeface="Segoe UI" pitchFamily="2"/>
-                <a:cs typeface="Tahoma" pitchFamily="2"/>
-              </a:rPr>
-              <a:t>3. Using </a:t>
-            </a:r>
-            <a:r>
-              <a:rPr lang="en-IN" sz="1800" b="0" i="0" u="none" strike="noStrike" kern="1200" cap="none" dirty="0" err="1">
-                <a:ln>
-                  <a:noFill/>
-                </a:ln>
-                <a:latin typeface="Liberation Sans" pitchFamily="18"/>
-                <a:ea typeface="Segoe UI" pitchFamily="2"/>
-                <a:cs typeface="Tahoma" pitchFamily="2"/>
-              </a:rPr>
-              <a:t>QtConcurrent</a:t>
-            </a:r>
-            <a:r>
-              <a:rPr lang="en-IN" sz="1800" b="0" i="0" u="none" strike="noStrike" kern="1200" cap="none" dirty="0">
-                <a:ln>
-                  <a:noFill/>
-                </a:ln>
-                <a:latin typeface="Liberation Sans" pitchFamily="18"/>
-                <a:ea typeface="Segoe UI" pitchFamily="2"/>
-                <a:cs typeface="Tahoma" pitchFamily="2"/>
-              </a:rPr>
-              <a:t>() method.</a:t>
-            </a:r>
-          </a:p>
-          <a:p>
-            <a:pPr marL="0" marR="0" lvl="0" indent="0" rtl="0" hangingPunct="0">
-              <a:lnSpc>
-                <a:spcPct val="100000"/>
-              </a:lnSpc>
-              <a:spcBef>
-                <a:spcPts val="0"/>
-              </a:spcBef>
-              <a:spcAft>
-                <a:spcPts val="0"/>
-              </a:spcAft>
-              <a:buNone/>
-              <a:tabLst/>
-            </a:pPr>
-            <a:r>
-              <a:rPr lang="en-IN" sz="1800" b="0" i="0" u="none" strike="noStrike" kern="1200" cap="none" dirty="0">
-                <a:ln>
-                  <a:noFill/>
-                </a:ln>
-                <a:latin typeface="Liberation Sans" pitchFamily="18"/>
-                <a:ea typeface="Segoe UI" pitchFamily="2"/>
-                <a:cs typeface="Tahoma" pitchFamily="2"/>
-              </a:rPr>
-              <a:t>	</a:t>
+              <a:t>?</a:t>
             </a:r>
           </a:p>
         </p:txBody>
@@ -20795,7 +20773,7 @@
     </p:spTree>
     <p:extLst>
       <p:ext uri="{BB962C8B-B14F-4D97-AF65-F5344CB8AC3E}">
-        <p14:creationId xmlns:p14="http://schemas.microsoft.com/office/powerpoint/2010/main" val="3645529026"/>
+        <p14:creationId xmlns:p14="http://schemas.microsoft.com/office/powerpoint/2010/main" val="4006772550"/>
       </p:ext>
     </p:extLst>
   </p:cSld>
@@ -20997,10 +20975,314 @@
           <a:chExt cx="0" cy="0"/>
         </a:xfrm>
       </p:grpSpPr>
+      <p:sp>
+        <p:nvSpPr>
+          <p:cNvPr id="3" name="TextBox 2">
+            <a:extLst>
+              <a:ext uri="{FF2B5EF4-FFF2-40B4-BE49-F238E27FC236}">
+                <a16:creationId xmlns:a16="http://schemas.microsoft.com/office/drawing/2014/main" id="{D008AEBD-6076-4E83-9727-B43F4DC4EB44}"/>
+              </a:ext>
+            </a:extLst>
+          </p:cNvPr>
+          <p:cNvSpPr txBox="1"/>
+          <p:nvPr/>
+        </p:nvSpPr>
+        <p:spPr>
+          <a:xfrm>
+            <a:off x="575999" y="2365560"/>
+            <a:ext cx="10841181" cy="2138040"/>
+          </a:xfrm>
+          <a:prstGeom prst="rect">
+            <a:avLst/>
+          </a:prstGeom>
+          <a:noFill/>
+          <a:ln>
+            <a:noFill/>
+          </a:ln>
+        </p:spPr>
+        <p:txBody>
+          <a:bodyPr vert="horz" wrap="none" lIns="90000" tIns="45000" rIns="90000" bIns="45000" anchorCtr="0" compatLnSpc="0"/>
+          <a:lstStyle/>
+          <a:p>
+            <a:pPr marL="0" marR="0" lvl="0" indent="0" rtl="0" hangingPunct="0">
+              <a:lnSpc>
+                <a:spcPct val="100000"/>
+              </a:lnSpc>
+              <a:spcBef>
+                <a:spcPts val="0"/>
+              </a:spcBef>
+              <a:spcAft>
+                <a:spcPts val="0"/>
+              </a:spcAft>
+              <a:buNone/>
+              <a:tabLst/>
+            </a:pPr>
+            <a:r>
+              <a:rPr lang="en-IN" sz="1800" b="0" i="0" u="none" strike="noStrike" kern="1200" cap="none" dirty="0">
+                <a:ln>
+                  <a:noFill/>
+                </a:ln>
+                <a:latin typeface="Liberation Sans" pitchFamily="18"/>
+                <a:ea typeface="Segoe UI" pitchFamily="2"/>
+                <a:cs typeface="Tahoma" pitchFamily="2"/>
+              </a:rPr>
+              <a:t>1. Derive your thread class from </a:t>
+            </a:r>
+            <a:r>
+              <a:rPr lang="en-IN" sz="1800" b="0" i="0" u="none" strike="noStrike" kern="1200" cap="none" dirty="0" err="1">
+                <a:ln>
+                  <a:noFill/>
+                </a:ln>
+                <a:latin typeface="Liberation Sans" pitchFamily="18"/>
+                <a:ea typeface="Segoe UI" pitchFamily="2"/>
+                <a:cs typeface="Tahoma" pitchFamily="2"/>
+              </a:rPr>
+              <a:t>Qthread</a:t>
+            </a:r>
+            <a:r>
+              <a:rPr lang="en-IN" sz="1800" b="0" i="0" u="none" strike="noStrike" kern="1200" cap="none" dirty="0">
+                <a:ln>
+                  <a:noFill/>
+                </a:ln>
+                <a:latin typeface="Liberation Sans" pitchFamily="18"/>
+                <a:ea typeface="Segoe UI" pitchFamily="2"/>
+                <a:cs typeface="Tahoma" pitchFamily="2"/>
+              </a:rPr>
+              <a:t> and override run() method.</a:t>
+            </a:r>
+          </a:p>
+          <a:p>
+            <a:pPr marL="0" marR="0" lvl="0" indent="0" rtl="0" hangingPunct="0">
+              <a:lnSpc>
+                <a:spcPct val="100000"/>
+              </a:lnSpc>
+              <a:spcBef>
+                <a:spcPts val="0"/>
+              </a:spcBef>
+              <a:spcAft>
+                <a:spcPts val="0"/>
+              </a:spcAft>
+              <a:buNone/>
+              <a:tabLst/>
+            </a:pPr>
+            <a:r>
+              <a:rPr lang="en-IN" sz="1800" b="0" i="0" u="none" strike="noStrike" kern="1200" cap="none" dirty="0">
+                <a:ln>
+                  <a:noFill/>
+                </a:ln>
+                <a:latin typeface="Liberation Sans" pitchFamily="18"/>
+                <a:ea typeface="Segoe UI" pitchFamily="2"/>
+                <a:cs typeface="Tahoma" pitchFamily="2"/>
+              </a:rPr>
+              <a:t>2. Using thread pool. Derive your class from </a:t>
+            </a:r>
+            <a:r>
+              <a:rPr lang="en-IN" sz="1800" b="0" i="0" u="none" strike="noStrike" kern="1200" cap="none" dirty="0" err="1">
+                <a:ln>
+                  <a:noFill/>
+                </a:ln>
+                <a:latin typeface="Liberation Sans" pitchFamily="18"/>
+                <a:ea typeface="Segoe UI" pitchFamily="2"/>
+                <a:cs typeface="Tahoma" pitchFamily="2"/>
+              </a:rPr>
+              <a:t>Qrunnable</a:t>
+            </a:r>
+            <a:r>
+              <a:rPr lang="en-IN" sz="1800" b="0" i="0" u="none" strike="noStrike" kern="1200" cap="none" dirty="0">
+                <a:ln>
+                  <a:noFill/>
+                </a:ln>
+                <a:latin typeface="Liberation Sans" pitchFamily="18"/>
+                <a:ea typeface="Segoe UI" pitchFamily="2"/>
+                <a:cs typeface="Tahoma" pitchFamily="2"/>
+              </a:rPr>
+              <a:t>. Then use </a:t>
+            </a:r>
+            <a:r>
+              <a:rPr lang="en-IN" sz="1800" b="0" i="0" u="none" strike="noStrike" kern="1200" cap="none" dirty="0" err="1">
+                <a:ln>
+                  <a:noFill/>
+                </a:ln>
+                <a:latin typeface="Liberation Sans" pitchFamily="18"/>
+                <a:ea typeface="Segoe UI" pitchFamily="2"/>
+                <a:cs typeface="Tahoma" pitchFamily="2"/>
+              </a:rPr>
+              <a:t>threadpool</a:t>
+            </a:r>
+            <a:r>
+              <a:rPr lang="en-IN" sz="1800" b="0" i="0" u="none" strike="noStrike" kern="1200" cap="none" dirty="0">
+                <a:ln>
+                  <a:noFill/>
+                </a:ln>
+                <a:latin typeface="Liberation Sans" pitchFamily="18"/>
+                <a:ea typeface="Segoe UI" pitchFamily="2"/>
+                <a:cs typeface="Tahoma" pitchFamily="2"/>
+              </a:rPr>
+              <a:t> instance and </a:t>
+            </a:r>
+          </a:p>
+          <a:p>
+            <a:pPr marL="0" marR="0" lvl="0" indent="0" rtl="0" hangingPunct="0">
+              <a:lnSpc>
+                <a:spcPct val="100000"/>
+              </a:lnSpc>
+              <a:spcBef>
+                <a:spcPts val="0"/>
+              </a:spcBef>
+              <a:spcAft>
+                <a:spcPts val="0"/>
+              </a:spcAft>
+              <a:buNone/>
+              <a:tabLst/>
+            </a:pPr>
+            <a:r>
+              <a:rPr lang="en-IN" sz="1800" b="0" i="0" u="none" strike="noStrike" kern="1200" cap="none" dirty="0">
+                <a:ln>
+                  <a:noFill/>
+                </a:ln>
+                <a:latin typeface="Liberation Sans" pitchFamily="18"/>
+                <a:ea typeface="Segoe UI" pitchFamily="2"/>
+                <a:cs typeface="Tahoma" pitchFamily="2"/>
+              </a:rPr>
+              <a:t>pass your class object to start() method to run your run() method in multithreading.</a:t>
+            </a:r>
+          </a:p>
+          <a:p>
+            <a:pPr marL="0" marR="0" lvl="0" indent="0" rtl="0" hangingPunct="0">
+              <a:lnSpc>
+                <a:spcPct val="100000"/>
+              </a:lnSpc>
+              <a:spcBef>
+                <a:spcPts val="0"/>
+              </a:spcBef>
+              <a:spcAft>
+                <a:spcPts val="0"/>
+              </a:spcAft>
+              <a:buNone/>
+              <a:tabLst/>
+            </a:pPr>
+            <a:r>
+              <a:rPr lang="en-IN" sz="1800" b="0" i="0" u="none" strike="noStrike" kern="1200" cap="none" dirty="0">
+                <a:ln>
+                  <a:noFill/>
+                </a:ln>
+                <a:latin typeface="Liberation Sans" pitchFamily="18"/>
+                <a:ea typeface="Segoe UI" pitchFamily="2"/>
+                <a:cs typeface="Tahoma" pitchFamily="2"/>
+              </a:rPr>
+              <a:t>3. Using </a:t>
+            </a:r>
+            <a:r>
+              <a:rPr lang="en-IN" sz="1800" b="0" i="0" u="none" strike="noStrike" kern="1200" cap="none" dirty="0" err="1">
+                <a:ln>
+                  <a:noFill/>
+                </a:ln>
+                <a:latin typeface="Liberation Sans" pitchFamily="18"/>
+                <a:ea typeface="Segoe UI" pitchFamily="2"/>
+                <a:cs typeface="Tahoma" pitchFamily="2"/>
+              </a:rPr>
+              <a:t>QtConcurrent</a:t>
+            </a:r>
+            <a:r>
+              <a:rPr lang="en-IN" sz="1800" b="0" i="0" u="none" strike="noStrike" kern="1200" cap="none" dirty="0">
+                <a:ln>
+                  <a:noFill/>
+                </a:ln>
+                <a:latin typeface="Liberation Sans" pitchFamily="18"/>
+                <a:ea typeface="Segoe UI" pitchFamily="2"/>
+                <a:cs typeface="Tahoma" pitchFamily="2"/>
+              </a:rPr>
+              <a:t>() method.</a:t>
+            </a:r>
+          </a:p>
+          <a:p>
+            <a:pPr marL="0" marR="0" lvl="0" indent="0" rtl="0" hangingPunct="0">
+              <a:lnSpc>
+                <a:spcPct val="100000"/>
+              </a:lnSpc>
+              <a:spcBef>
+                <a:spcPts val="0"/>
+              </a:spcBef>
+              <a:spcAft>
+                <a:spcPts val="0"/>
+              </a:spcAft>
+              <a:buNone/>
+              <a:tabLst/>
+            </a:pPr>
+            <a:r>
+              <a:rPr lang="en-IN" sz="1800" b="0" i="0" u="none" strike="noStrike" kern="1200" cap="none" dirty="0">
+                <a:ln>
+                  <a:noFill/>
+                </a:ln>
+                <a:latin typeface="Liberation Sans" pitchFamily="18"/>
+                <a:ea typeface="Segoe UI" pitchFamily="2"/>
+                <a:cs typeface="Tahoma" pitchFamily="2"/>
+              </a:rPr>
+              <a:t>	</a:t>
+            </a:r>
+          </a:p>
+        </p:txBody>
+      </p:sp>
+      <p:sp>
+        <p:nvSpPr>
+          <p:cNvPr id="4" name="Rectangle: Rounded Corners 3">
+            <a:extLst>
+              <a:ext uri="{FF2B5EF4-FFF2-40B4-BE49-F238E27FC236}">
+                <a16:creationId xmlns:a16="http://schemas.microsoft.com/office/drawing/2014/main" id="{CF1BAE53-EFFA-4A0F-9120-84E2B110B315}"/>
+              </a:ext>
+            </a:extLst>
+          </p:cNvPr>
+          <p:cNvSpPr/>
+          <p:nvPr/>
+        </p:nvSpPr>
+        <p:spPr>
+          <a:xfrm>
+            <a:off x="575999" y="594512"/>
+            <a:ext cx="5736022" cy="763398"/>
+          </a:xfrm>
+          <a:prstGeom prst="roundRect">
+            <a:avLst/>
+          </a:prstGeom>
+        </p:spPr>
+        <p:style>
+          <a:lnRef idx="2">
+            <a:schemeClr val="accent1">
+              <a:shade val="50000"/>
+            </a:schemeClr>
+          </a:lnRef>
+          <a:fillRef idx="1">
+            <a:schemeClr val="accent1"/>
+          </a:fillRef>
+          <a:effectRef idx="0">
+            <a:schemeClr val="accent1"/>
+          </a:effectRef>
+          <a:fontRef idx="minor">
+            <a:schemeClr val="lt1"/>
+          </a:fontRef>
+        </p:style>
+        <p:txBody>
+          <a:bodyPr rtlCol="0" anchor="ctr"/>
+          <a:lstStyle/>
+          <a:p>
+            <a:r>
+              <a:rPr lang="en-IN" sz="1800" i="0" dirty="0" err="1">
+                <a:cs typeface="Tahoma" pitchFamily="2"/>
+              </a:rPr>
+              <a:t>MultiThreading</a:t>
+            </a:r>
+            <a:r>
+              <a:rPr lang="en-IN" sz="1800" i="0" dirty="0">
+                <a:cs typeface="Tahoma" pitchFamily="2"/>
+              </a:rPr>
+              <a:t> in QT</a:t>
+            </a:r>
+          </a:p>
+        </p:txBody>
+      </p:sp>
     </p:spTree>
     <p:extLst>
       <p:ext uri="{BB962C8B-B14F-4D97-AF65-F5344CB8AC3E}">
-        <p14:creationId xmlns:p14="http://schemas.microsoft.com/office/powerpoint/2010/main" val="1179123495"/>
+        <p14:creationId xmlns:p14="http://schemas.microsoft.com/office/powerpoint/2010/main" val="3645529026"/>
       </p:ext>
     </p:extLst>
   </p:cSld>
@@ -21027,6 +21309,840 @@
           <a:chExt cx="0" cy="0"/>
         </a:xfrm>
       </p:grpSpPr>
+      <p:sp>
+        <p:nvSpPr>
+          <p:cNvPr id="3" name="TextBox 2">
+            <a:extLst>
+              <a:ext uri="{FF2B5EF4-FFF2-40B4-BE49-F238E27FC236}">
+                <a16:creationId xmlns:a16="http://schemas.microsoft.com/office/drawing/2014/main" id="{9E9E4083-9162-42B4-B4C5-161AEE361382}"/>
+              </a:ext>
+            </a:extLst>
+          </p:cNvPr>
+          <p:cNvSpPr txBox="1"/>
+          <p:nvPr/>
+        </p:nvSpPr>
+        <p:spPr>
+          <a:xfrm>
+            <a:off x="503999" y="1989546"/>
+            <a:ext cx="10841181" cy="4060876"/>
+          </a:xfrm>
+          <a:prstGeom prst="rect">
+            <a:avLst/>
+          </a:prstGeom>
+          <a:noFill/>
+          <a:ln>
+            <a:noFill/>
+          </a:ln>
+        </p:spPr>
+        <p:txBody>
+          <a:bodyPr vert="horz" wrap="none" lIns="90000" tIns="45000" rIns="90000" bIns="45000" anchorCtr="0" compatLnSpc="0"/>
+          <a:lstStyle/>
+          <a:p>
+            <a:pPr marL="0" marR="0" lvl="0" indent="0" rtl="0" hangingPunct="0">
+              <a:lnSpc>
+                <a:spcPct val="100000"/>
+              </a:lnSpc>
+              <a:spcBef>
+                <a:spcPts val="0"/>
+              </a:spcBef>
+              <a:spcAft>
+                <a:spcPts val="0"/>
+              </a:spcAft>
+              <a:buNone/>
+              <a:tabLst/>
+            </a:pPr>
+            <a:r>
+              <a:rPr lang="en-US" dirty="0">
+                <a:latin typeface="Liberation Sans" pitchFamily="18"/>
+                <a:ea typeface="Segoe UI" pitchFamily="2"/>
+                <a:cs typeface="Tahoma" pitchFamily="2"/>
+              </a:rPr>
+              <a:t>I</a:t>
+            </a:r>
+            <a:r>
+              <a:rPr lang="en-IN" dirty="0">
+                <a:latin typeface="Liberation Sans" pitchFamily="18"/>
+                <a:ea typeface="Segoe UI" pitchFamily="2"/>
+                <a:cs typeface="Tahoma" pitchFamily="2"/>
+              </a:rPr>
+              <a:t>f you are working on multiple qt creator projects then </a:t>
+            </a:r>
+            <a:r>
+              <a:rPr lang="en-IN" dirty="0" err="1">
+                <a:latin typeface="Liberation Sans" pitchFamily="18"/>
+                <a:ea typeface="Segoe UI" pitchFamily="2"/>
+                <a:cs typeface="Tahoma" pitchFamily="2"/>
+              </a:rPr>
+              <a:t>qDebug</a:t>
+            </a:r>
+            <a:r>
+              <a:rPr lang="en-IN" dirty="0">
+                <a:latin typeface="Liberation Sans" pitchFamily="18"/>
+                <a:ea typeface="Segoe UI" pitchFamily="2"/>
+                <a:cs typeface="Tahoma" pitchFamily="2"/>
+              </a:rPr>
+              <a:t>() stops working. In such cases you can use </a:t>
+            </a:r>
+          </a:p>
+          <a:p>
+            <a:pPr marL="0" marR="0" lvl="0" indent="0" rtl="0" hangingPunct="0">
+              <a:lnSpc>
+                <a:spcPct val="100000"/>
+              </a:lnSpc>
+              <a:spcBef>
+                <a:spcPts val="0"/>
+              </a:spcBef>
+              <a:spcAft>
+                <a:spcPts val="0"/>
+              </a:spcAft>
+              <a:buNone/>
+              <a:tabLst/>
+            </a:pPr>
+            <a:r>
+              <a:rPr lang="en-IN" dirty="0">
+                <a:latin typeface="Liberation Sans" pitchFamily="18"/>
+                <a:ea typeface="Segoe UI" pitchFamily="2"/>
+                <a:cs typeface="Tahoma" pitchFamily="2"/>
+              </a:rPr>
+              <a:t>Following functions. Add them in header and include that header. </a:t>
+            </a:r>
+          </a:p>
+          <a:p>
+            <a:pPr marL="0" marR="0" lvl="0" indent="0" rtl="0" hangingPunct="0">
+              <a:lnSpc>
+                <a:spcPct val="100000"/>
+              </a:lnSpc>
+              <a:spcBef>
+                <a:spcPts val="0"/>
+              </a:spcBef>
+              <a:spcAft>
+                <a:spcPts val="0"/>
+              </a:spcAft>
+              <a:buNone/>
+              <a:tabLst/>
+            </a:pPr>
+            <a:endParaRPr lang="en-IN" dirty="0">
+              <a:latin typeface="Liberation Sans" pitchFamily="18"/>
+              <a:ea typeface="Segoe UI" pitchFamily="2"/>
+              <a:cs typeface="Tahoma" pitchFamily="2"/>
+            </a:endParaRPr>
+          </a:p>
+          <a:p>
+            <a:pPr marL="0" marR="0" lvl="0" indent="0" rtl="0" hangingPunct="0">
+              <a:lnSpc>
+                <a:spcPct val="100000"/>
+              </a:lnSpc>
+              <a:spcBef>
+                <a:spcPts val="0"/>
+              </a:spcBef>
+              <a:spcAft>
+                <a:spcPts val="0"/>
+              </a:spcAft>
+              <a:buNone/>
+              <a:tabLst/>
+            </a:pPr>
+            <a:r>
+              <a:rPr lang="en-IN" dirty="0" err="1">
+                <a:latin typeface="Liberation Sans" pitchFamily="18"/>
+                <a:ea typeface="Segoe UI" pitchFamily="2"/>
+                <a:cs typeface="Tahoma" pitchFamily="2"/>
+              </a:rPr>
+              <a:t>QTextStream</a:t>
+            </a:r>
+            <a:r>
+              <a:rPr lang="en-IN" dirty="0">
+                <a:latin typeface="Liberation Sans" pitchFamily="18"/>
+                <a:ea typeface="Segoe UI" pitchFamily="2"/>
+                <a:cs typeface="Tahoma" pitchFamily="2"/>
+              </a:rPr>
+              <a:t>&amp; </a:t>
+            </a:r>
+            <a:r>
+              <a:rPr lang="en-IN" dirty="0" err="1">
+                <a:latin typeface="Liberation Sans" pitchFamily="18"/>
+                <a:ea typeface="Segoe UI" pitchFamily="2"/>
+                <a:cs typeface="Tahoma" pitchFamily="2"/>
+              </a:rPr>
+              <a:t>qStdOut</a:t>
+            </a:r>
+            <a:r>
+              <a:rPr lang="en-IN" dirty="0">
+                <a:latin typeface="Liberation Sans" pitchFamily="18"/>
+                <a:ea typeface="Segoe UI" pitchFamily="2"/>
+                <a:cs typeface="Tahoma" pitchFamily="2"/>
+              </a:rPr>
+              <a:t>()</a:t>
+            </a:r>
+          </a:p>
+          <a:p>
+            <a:pPr marL="0" marR="0" lvl="0" indent="0" rtl="0" hangingPunct="0">
+              <a:lnSpc>
+                <a:spcPct val="100000"/>
+              </a:lnSpc>
+              <a:spcBef>
+                <a:spcPts val="0"/>
+              </a:spcBef>
+              <a:spcAft>
+                <a:spcPts val="0"/>
+              </a:spcAft>
+              <a:buNone/>
+              <a:tabLst/>
+            </a:pPr>
+            <a:r>
+              <a:rPr lang="en-IN" dirty="0">
+                <a:latin typeface="Liberation Sans" pitchFamily="18"/>
+                <a:ea typeface="Segoe UI" pitchFamily="2"/>
+                <a:cs typeface="Tahoma" pitchFamily="2"/>
+              </a:rPr>
+              <a:t>{</a:t>
+            </a:r>
+          </a:p>
+          <a:p>
+            <a:pPr marL="0" marR="0" lvl="0" indent="0" rtl="0" hangingPunct="0">
+              <a:lnSpc>
+                <a:spcPct val="100000"/>
+              </a:lnSpc>
+              <a:spcBef>
+                <a:spcPts val="0"/>
+              </a:spcBef>
+              <a:spcAft>
+                <a:spcPts val="0"/>
+              </a:spcAft>
+              <a:buNone/>
+              <a:tabLst/>
+            </a:pPr>
+            <a:r>
+              <a:rPr lang="en-IN" dirty="0">
+                <a:latin typeface="Liberation Sans" pitchFamily="18"/>
+                <a:ea typeface="Segoe UI" pitchFamily="2"/>
+                <a:cs typeface="Tahoma" pitchFamily="2"/>
+              </a:rPr>
+              <a:t>    static </a:t>
+            </a:r>
+            <a:r>
+              <a:rPr lang="en-IN" dirty="0" err="1">
+                <a:latin typeface="Liberation Sans" pitchFamily="18"/>
+                <a:ea typeface="Segoe UI" pitchFamily="2"/>
+                <a:cs typeface="Tahoma" pitchFamily="2"/>
+              </a:rPr>
+              <a:t>QTextStream</a:t>
+            </a:r>
+            <a:r>
+              <a:rPr lang="en-IN" dirty="0">
+                <a:latin typeface="Liberation Sans" pitchFamily="18"/>
+                <a:ea typeface="Segoe UI" pitchFamily="2"/>
+                <a:cs typeface="Tahoma" pitchFamily="2"/>
+              </a:rPr>
+              <a:t> </a:t>
+            </a:r>
+            <a:r>
+              <a:rPr lang="en-IN" dirty="0" err="1">
+                <a:latin typeface="Liberation Sans" pitchFamily="18"/>
+                <a:ea typeface="Segoe UI" pitchFamily="2"/>
+                <a:cs typeface="Tahoma" pitchFamily="2"/>
+              </a:rPr>
+              <a:t>ts</a:t>
+            </a:r>
+            <a:r>
+              <a:rPr lang="en-IN" dirty="0">
+                <a:latin typeface="Liberation Sans" pitchFamily="18"/>
+                <a:ea typeface="Segoe UI" pitchFamily="2"/>
+                <a:cs typeface="Tahoma" pitchFamily="2"/>
+              </a:rPr>
+              <a:t>( </a:t>
+            </a:r>
+            <a:r>
+              <a:rPr lang="en-IN" dirty="0" err="1">
+                <a:latin typeface="Liberation Sans" pitchFamily="18"/>
+                <a:ea typeface="Segoe UI" pitchFamily="2"/>
+                <a:cs typeface="Tahoma" pitchFamily="2"/>
+              </a:rPr>
+              <a:t>stdout</a:t>
+            </a:r>
+            <a:r>
+              <a:rPr lang="en-IN" dirty="0">
+                <a:latin typeface="Liberation Sans" pitchFamily="18"/>
+                <a:ea typeface="Segoe UI" pitchFamily="2"/>
+                <a:cs typeface="Tahoma" pitchFamily="2"/>
+              </a:rPr>
+              <a:t> );</a:t>
+            </a:r>
+          </a:p>
+          <a:p>
+            <a:pPr marL="0" marR="0" lvl="0" indent="0" rtl="0" hangingPunct="0">
+              <a:lnSpc>
+                <a:spcPct val="100000"/>
+              </a:lnSpc>
+              <a:spcBef>
+                <a:spcPts val="0"/>
+              </a:spcBef>
+              <a:spcAft>
+                <a:spcPts val="0"/>
+              </a:spcAft>
+              <a:buNone/>
+              <a:tabLst/>
+            </a:pPr>
+            <a:r>
+              <a:rPr lang="en-IN" dirty="0">
+                <a:latin typeface="Liberation Sans" pitchFamily="18"/>
+                <a:ea typeface="Segoe UI" pitchFamily="2"/>
+                <a:cs typeface="Tahoma" pitchFamily="2"/>
+              </a:rPr>
+              <a:t>    return </a:t>
+            </a:r>
+            <a:r>
+              <a:rPr lang="en-IN" dirty="0" err="1">
+                <a:latin typeface="Liberation Sans" pitchFamily="18"/>
+                <a:ea typeface="Segoe UI" pitchFamily="2"/>
+                <a:cs typeface="Tahoma" pitchFamily="2"/>
+              </a:rPr>
+              <a:t>ts</a:t>
+            </a:r>
+            <a:r>
+              <a:rPr lang="en-IN" dirty="0">
+                <a:latin typeface="Liberation Sans" pitchFamily="18"/>
+                <a:ea typeface="Segoe UI" pitchFamily="2"/>
+                <a:cs typeface="Tahoma" pitchFamily="2"/>
+              </a:rPr>
+              <a:t>;</a:t>
+            </a:r>
+          </a:p>
+          <a:p>
+            <a:pPr marL="0" marR="0" lvl="0" indent="0" rtl="0" hangingPunct="0">
+              <a:lnSpc>
+                <a:spcPct val="100000"/>
+              </a:lnSpc>
+              <a:spcBef>
+                <a:spcPts val="0"/>
+              </a:spcBef>
+              <a:spcAft>
+                <a:spcPts val="0"/>
+              </a:spcAft>
+              <a:buNone/>
+              <a:tabLst/>
+            </a:pPr>
+            <a:r>
+              <a:rPr lang="en-IN" dirty="0">
+                <a:latin typeface="Liberation Sans" pitchFamily="18"/>
+                <a:ea typeface="Segoe UI" pitchFamily="2"/>
+                <a:cs typeface="Tahoma" pitchFamily="2"/>
+              </a:rPr>
+              <a:t>}</a:t>
+            </a:r>
+          </a:p>
+          <a:p>
+            <a:pPr marL="0" marR="0" lvl="0" indent="0" rtl="0" hangingPunct="0">
+              <a:lnSpc>
+                <a:spcPct val="100000"/>
+              </a:lnSpc>
+              <a:spcBef>
+                <a:spcPts val="0"/>
+              </a:spcBef>
+              <a:spcAft>
+                <a:spcPts val="0"/>
+              </a:spcAft>
+              <a:buNone/>
+              <a:tabLst/>
+            </a:pPr>
+            <a:endParaRPr lang="en-IN" dirty="0">
+              <a:latin typeface="Liberation Sans" pitchFamily="18"/>
+              <a:ea typeface="Segoe UI" pitchFamily="2"/>
+              <a:cs typeface="Tahoma" pitchFamily="2"/>
+            </a:endParaRPr>
+          </a:p>
+          <a:p>
+            <a:pPr marL="0" marR="0" lvl="0" indent="0" rtl="0" hangingPunct="0">
+              <a:lnSpc>
+                <a:spcPct val="100000"/>
+              </a:lnSpc>
+              <a:spcBef>
+                <a:spcPts val="0"/>
+              </a:spcBef>
+              <a:spcAft>
+                <a:spcPts val="0"/>
+              </a:spcAft>
+              <a:buNone/>
+              <a:tabLst/>
+            </a:pPr>
+            <a:r>
+              <a:rPr lang="en-IN" dirty="0">
+                <a:latin typeface="Liberation Sans" pitchFamily="18"/>
+                <a:ea typeface="Segoe UI" pitchFamily="2"/>
+                <a:cs typeface="Tahoma" pitchFamily="2"/>
+              </a:rPr>
+              <a:t>void log(</a:t>
+            </a:r>
+            <a:r>
+              <a:rPr lang="en-IN" dirty="0" err="1">
+                <a:latin typeface="Liberation Sans" pitchFamily="18"/>
+                <a:ea typeface="Segoe UI" pitchFamily="2"/>
+                <a:cs typeface="Tahoma" pitchFamily="2"/>
+              </a:rPr>
+              <a:t>QString</a:t>
+            </a:r>
+            <a:r>
+              <a:rPr lang="en-IN" dirty="0">
+                <a:latin typeface="Liberation Sans" pitchFamily="18"/>
+                <a:ea typeface="Segoe UI" pitchFamily="2"/>
+                <a:cs typeface="Tahoma" pitchFamily="2"/>
+              </a:rPr>
+              <a:t> </a:t>
+            </a:r>
+            <a:r>
+              <a:rPr lang="en-IN" dirty="0" err="1">
+                <a:latin typeface="Liberation Sans" pitchFamily="18"/>
+                <a:ea typeface="Segoe UI" pitchFamily="2"/>
+                <a:cs typeface="Tahoma" pitchFamily="2"/>
+              </a:rPr>
+              <a:t>msg</a:t>
+            </a:r>
+            <a:r>
+              <a:rPr lang="en-IN" dirty="0">
+                <a:latin typeface="Liberation Sans" pitchFamily="18"/>
+                <a:ea typeface="Segoe UI" pitchFamily="2"/>
+                <a:cs typeface="Tahoma" pitchFamily="2"/>
+              </a:rPr>
+              <a:t>) {</a:t>
+            </a:r>
+          </a:p>
+          <a:p>
+            <a:pPr marL="0" marR="0" lvl="0" indent="0" rtl="0" hangingPunct="0">
+              <a:lnSpc>
+                <a:spcPct val="100000"/>
+              </a:lnSpc>
+              <a:spcBef>
+                <a:spcPts val="0"/>
+              </a:spcBef>
+              <a:spcAft>
+                <a:spcPts val="0"/>
+              </a:spcAft>
+              <a:buNone/>
+              <a:tabLst/>
+            </a:pPr>
+            <a:r>
+              <a:rPr lang="en-IN" dirty="0">
+                <a:latin typeface="Liberation Sans" pitchFamily="18"/>
+                <a:ea typeface="Segoe UI" pitchFamily="2"/>
+                <a:cs typeface="Tahoma" pitchFamily="2"/>
+              </a:rPr>
+              <a:t>    </a:t>
+            </a:r>
+            <a:r>
+              <a:rPr lang="en-IN" dirty="0" err="1">
+                <a:latin typeface="Liberation Sans" pitchFamily="18"/>
+                <a:ea typeface="Segoe UI" pitchFamily="2"/>
+                <a:cs typeface="Tahoma" pitchFamily="2"/>
+              </a:rPr>
+              <a:t>qStdOut</a:t>
+            </a:r>
+            <a:r>
+              <a:rPr lang="en-IN" dirty="0">
+                <a:latin typeface="Liberation Sans" pitchFamily="18"/>
+                <a:ea typeface="Segoe UI" pitchFamily="2"/>
+                <a:cs typeface="Tahoma" pitchFamily="2"/>
+              </a:rPr>
+              <a:t>() &lt;&lt; </a:t>
+            </a:r>
+            <a:r>
+              <a:rPr lang="en-IN" dirty="0" err="1">
+                <a:latin typeface="Liberation Sans" pitchFamily="18"/>
+                <a:ea typeface="Segoe UI" pitchFamily="2"/>
+                <a:cs typeface="Tahoma" pitchFamily="2"/>
+              </a:rPr>
+              <a:t>msg</a:t>
+            </a:r>
+            <a:r>
+              <a:rPr lang="en-IN" dirty="0">
+                <a:latin typeface="Liberation Sans" pitchFamily="18"/>
+                <a:ea typeface="Segoe UI" pitchFamily="2"/>
+                <a:cs typeface="Tahoma" pitchFamily="2"/>
+              </a:rPr>
+              <a:t> &lt;&lt; flush;</a:t>
+            </a:r>
+          </a:p>
+          <a:p>
+            <a:pPr marL="0" marR="0" lvl="0" indent="0" rtl="0" hangingPunct="0">
+              <a:lnSpc>
+                <a:spcPct val="100000"/>
+              </a:lnSpc>
+              <a:spcBef>
+                <a:spcPts val="0"/>
+              </a:spcBef>
+              <a:spcAft>
+                <a:spcPts val="0"/>
+              </a:spcAft>
+              <a:buNone/>
+              <a:tabLst/>
+            </a:pPr>
+            <a:r>
+              <a:rPr lang="en-IN" dirty="0">
+                <a:latin typeface="Liberation Sans" pitchFamily="18"/>
+                <a:ea typeface="Segoe UI" pitchFamily="2"/>
+                <a:cs typeface="Tahoma" pitchFamily="2"/>
+              </a:rPr>
+              <a:t>}</a:t>
+            </a:r>
+          </a:p>
+          <a:p>
+            <a:pPr marL="0" marR="0" lvl="0" indent="0" rtl="0" hangingPunct="0">
+              <a:lnSpc>
+                <a:spcPct val="100000"/>
+              </a:lnSpc>
+              <a:spcBef>
+                <a:spcPts val="0"/>
+              </a:spcBef>
+              <a:spcAft>
+                <a:spcPts val="0"/>
+              </a:spcAft>
+              <a:buNone/>
+              <a:tabLst/>
+            </a:pPr>
+            <a:endParaRPr lang="en-IN" dirty="0">
+              <a:latin typeface="Liberation Sans" pitchFamily="18"/>
+              <a:ea typeface="Segoe UI" pitchFamily="2"/>
+              <a:cs typeface="Tahoma" pitchFamily="2"/>
+            </a:endParaRPr>
+          </a:p>
+          <a:p>
+            <a:pPr marL="0" marR="0" lvl="0" indent="0" rtl="0" hangingPunct="0">
+              <a:lnSpc>
+                <a:spcPct val="100000"/>
+              </a:lnSpc>
+              <a:spcBef>
+                <a:spcPts val="0"/>
+              </a:spcBef>
+              <a:spcAft>
+                <a:spcPts val="0"/>
+              </a:spcAft>
+              <a:buNone/>
+              <a:tabLst/>
+            </a:pPr>
+            <a:endParaRPr lang="en-IN" dirty="0">
+              <a:latin typeface="Liberation Sans" pitchFamily="18"/>
+              <a:ea typeface="Segoe UI" pitchFamily="2"/>
+              <a:cs typeface="Tahoma" pitchFamily="2"/>
+            </a:endParaRPr>
+          </a:p>
+          <a:p>
+            <a:pPr marL="0" marR="0" lvl="0" indent="0" rtl="0" hangingPunct="0">
+              <a:lnSpc>
+                <a:spcPct val="100000"/>
+              </a:lnSpc>
+              <a:spcBef>
+                <a:spcPts val="0"/>
+              </a:spcBef>
+              <a:spcAft>
+                <a:spcPts val="0"/>
+              </a:spcAft>
+              <a:buNone/>
+              <a:tabLst/>
+            </a:pPr>
+            <a:endParaRPr lang="en-IN" sz="1800" b="0" i="0" u="none" strike="noStrike" kern="1200" cap="none" dirty="0">
+              <a:ln>
+                <a:noFill/>
+              </a:ln>
+              <a:latin typeface="Liberation Sans" pitchFamily="18"/>
+              <a:ea typeface="Segoe UI" pitchFamily="2"/>
+              <a:cs typeface="Tahoma" pitchFamily="2"/>
+            </a:endParaRPr>
+          </a:p>
+          <a:p>
+            <a:pPr marL="0" marR="0" lvl="0" indent="0" rtl="0" hangingPunct="0">
+              <a:lnSpc>
+                <a:spcPct val="100000"/>
+              </a:lnSpc>
+              <a:spcBef>
+                <a:spcPts val="0"/>
+              </a:spcBef>
+              <a:spcAft>
+                <a:spcPts val="0"/>
+              </a:spcAft>
+              <a:buNone/>
+              <a:tabLst/>
+            </a:pPr>
+            <a:endParaRPr lang="en-IN" sz="1800" b="0" i="0" u="none" strike="noStrike" kern="1200" cap="none" dirty="0">
+              <a:ln>
+                <a:noFill/>
+              </a:ln>
+              <a:latin typeface="Liberation Sans" pitchFamily="18"/>
+              <a:ea typeface="Segoe UI" pitchFamily="2"/>
+              <a:cs typeface="Tahoma" pitchFamily="2"/>
+            </a:endParaRPr>
+          </a:p>
+        </p:txBody>
+      </p:sp>
+      <p:sp>
+        <p:nvSpPr>
+          <p:cNvPr id="6" name="Rectangle: Rounded Corners 5">
+            <a:extLst>
+              <a:ext uri="{FF2B5EF4-FFF2-40B4-BE49-F238E27FC236}">
+                <a16:creationId xmlns:a16="http://schemas.microsoft.com/office/drawing/2014/main" id="{B67376BC-B438-4E58-884E-632AE46469CC}"/>
+              </a:ext>
+            </a:extLst>
+          </p:cNvPr>
+          <p:cNvSpPr/>
+          <p:nvPr/>
+        </p:nvSpPr>
+        <p:spPr>
+          <a:xfrm>
+            <a:off x="593545" y="689252"/>
+            <a:ext cx="5736022" cy="763398"/>
+          </a:xfrm>
+          <a:prstGeom prst="roundRect">
+            <a:avLst/>
+          </a:prstGeom>
+        </p:spPr>
+        <p:style>
+          <a:lnRef idx="2">
+            <a:schemeClr val="accent1">
+              <a:shade val="50000"/>
+            </a:schemeClr>
+          </a:lnRef>
+          <a:fillRef idx="1">
+            <a:schemeClr val="accent1"/>
+          </a:fillRef>
+          <a:effectRef idx="0">
+            <a:schemeClr val="accent1"/>
+          </a:effectRef>
+          <a:fontRef idx="minor">
+            <a:schemeClr val="lt1"/>
+          </a:fontRef>
+        </p:style>
+        <p:txBody>
+          <a:bodyPr rtlCol="0" anchor="ctr"/>
+          <a:lstStyle/>
+          <a:p>
+            <a:r>
+              <a:rPr lang="en-IN" i="0" dirty="0">
+                <a:cs typeface="Tahoma" pitchFamily="2"/>
+              </a:rPr>
+              <a:t>Std output in QT Creator  for debugging</a:t>
+            </a:r>
+          </a:p>
+        </p:txBody>
+      </p:sp>
+    </p:spTree>
+    <p:extLst>
+      <p:ext uri="{BB962C8B-B14F-4D97-AF65-F5344CB8AC3E}">
+        <p14:creationId xmlns:p14="http://schemas.microsoft.com/office/powerpoint/2010/main" val="1179123495"/>
+      </p:ext>
+    </p:extLst>
+  </p:cSld>
+  <p:clrMapOvr>
+    <a:masterClrMapping/>
+  </p:clrMapOvr>
+</p:sld>
+</file>
+
+<file path=ppt/slides/slide32.xml><?xml version="1.0" encoding="utf-8"?>
+<p:sld xmlns:a="http://schemas.openxmlformats.org/drawingml/2006/main" xmlns:r="http://schemas.openxmlformats.org/officeDocument/2006/relationships" xmlns:p="http://schemas.openxmlformats.org/presentationml/2006/main">
+  <p:cSld>
+    <p:spTree>
+      <p:nvGrpSpPr>
+        <p:cNvPr id="1" name=""/>
+        <p:cNvGrpSpPr/>
+        <p:nvPr/>
+      </p:nvGrpSpPr>
+      <p:grpSpPr>
+        <a:xfrm>
+          <a:off x="0" y="0"/>
+          <a:ext cx="0" cy="0"/>
+          <a:chOff x="0" y="0"/>
+          <a:chExt cx="0" cy="0"/>
+        </a:xfrm>
+      </p:grpSpPr>
+      <p:sp>
+        <p:nvSpPr>
+          <p:cNvPr id="2" name="Rectangle 1">
+            <a:extLst>
+              <a:ext uri="{FF2B5EF4-FFF2-40B4-BE49-F238E27FC236}">
+                <a16:creationId xmlns:a16="http://schemas.microsoft.com/office/drawing/2014/main" id="{C9751728-1C63-4D6B-9651-EF9A892EC63A}"/>
+              </a:ext>
+            </a:extLst>
+          </p:cNvPr>
+          <p:cNvSpPr/>
+          <p:nvPr/>
+        </p:nvSpPr>
+        <p:spPr>
+          <a:xfrm>
+            <a:off x="1921079" y="738231"/>
+            <a:ext cx="7902429" cy="721453"/>
+          </a:xfrm>
+          <a:prstGeom prst="rect">
+            <a:avLst/>
+          </a:prstGeom>
+        </p:spPr>
+        <p:style>
+          <a:lnRef idx="2">
+            <a:schemeClr val="accent1">
+              <a:shade val="50000"/>
+            </a:schemeClr>
+          </a:lnRef>
+          <a:fillRef idx="1">
+            <a:schemeClr val="accent1"/>
+          </a:fillRef>
+          <a:effectRef idx="0">
+            <a:schemeClr val="accent1"/>
+          </a:effectRef>
+          <a:fontRef idx="minor">
+            <a:schemeClr val="lt1"/>
+          </a:fontRef>
+        </p:style>
+        <p:txBody>
+          <a:bodyPr rtlCol="0" anchor="ctr"/>
+          <a:lstStyle/>
+          <a:p>
+            <a:pPr algn="ctr"/>
+            <a:r>
+              <a:rPr lang="en-US" dirty="0"/>
+              <a:t>Calling a function on Timer</a:t>
+            </a:r>
+            <a:endParaRPr lang="en-IN" dirty="0"/>
+          </a:p>
+        </p:txBody>
+      </p:sp>
+      <p:sp>
+        <p:nvSpPr>
+          <p:cNvPr id="3" name="TextBox 2">
+            <a:extLst>
+              <a:ext uri="{FF2B5EF4-FFF2-40B4-BE49-F238E27FC236}">
+                <a16:creationId xmlns:a16="http://schemas.microsoft.com/office/drawing/2014/main" id="{D61793F0-5D87-43B4-A77C-21F1190B158A}"/>
+              </a:ext>
+            </a:extLst>
+          </p:cNvPr>
+          <p:cNvSpPr txBox="1"/>
+          <p:nvPr/>
+        </p:nvSpPr>
+        <p:spPr>
+          <a:xfrm>
+            <a:off x="1342239" y="1971413"/>
+            <a:ext cx="9068499" cy="4524315"/>
+          </a:xfrm>
+          <a:prstGeom prst="rect">
+            <a:avLst/>
+          </a:prstGeom>
+          <a:noFill/>
+        </p:spPr>
+        <p:txBody>
+          <a:bodyPr wrap="square" rtlCol="0">
+            <a:spAutoFit/>
+          </a:bodyPr>
+          <a:lstStyle/>
+          <a:p>
+            <a:r>
+              <a:rPr lang="en-US" dirty="0"/>
+              <a:t>When we call some function on a timer as follows</a:t>
+            </a:r>
+          </a:p>
+          <a:p>
+            <a:endParaRPr lang="en-US" dirty="0"/>
+          </a:p>
+          <a:p>
+            <a:r>
+              <a:rPr lang="en-US" dirty="0" err="1"/>
+              <a:t>QTimer</a:t>
+            </a:r>
+            <a:r>
+              <a:rPr lang="en-US" dirty="0"/>
+              <a:t>* t1 = new </a:t>
+            </a:r>
+            <a:r>
+              <a:rPr lang="en-US" dirty="0" err="1"/>
+              <a:t>QTimer</a:t>
+            </a:r>
+            <a:r>
+              <a:rPr lang="en-US" dirty="0"/>
+              <a:t>(this);</a:t>
+            </a:r>
+          </a:p>
+          <a:p>
+            <a:r>
+              <a:rPr lang="en-US" dirty="0"/>
+              <a:t>    t1-&gt;</a:t>
+            </a:r>
+            <a:r>
+              <a:rPr lang="en-US" dirty="0" err="1"/>
+              <a:t>setInterval</a:t>
+            </a:r>
+            <a:r>
+              <a:rPr lang="en-US" dirty="0"/>
+              <a:t>(1000);</a:t>
+            </a:r>
+          </a:p>
+          <a:p>
+            <a:r>
+              <a:rPr lang="en-US" dirty="0"/>
+              <a:t>    connect(t1,&amp;QTimer::</a:t>
+            </a:r>
+            <a:r>
+              <a:rPr lang="en-US" dirty="0" err="1"/>
+              <a:t>timeout,this,&amp;Student</a:t>
+            </a:r>
+            <a:r>
+              <a:rPr lang="en-US" dirty="0"/>
+              <a:t>::func1);</a:t>
+            </a:r>
+          </a:p>
+          <a:p>
+            <a:r>
+              <a:rPr lang="en-US" dirty="0"/>
+              <a:t>    t1-&gt;start();</a:t>
+            </a:r>
+          </a:p>
+          <a:p>
+            <a:endParaRPr lang="en-US" dirty="0"/>
+          </a:p>
+          <a:p>
+            <a:r>
+              <a:rPr lang="en-US" dirty="0"/>
+              <a:t>It uses different thread from main thread. BUT very importantly </a:t>
+            </a:r>
+          </a:p>
+          <a:p>
+            <a:r>
+              <a:rPr lang="en-US" dirty="0"/>
+              <a:t>Every call is done on the same thread.</a:t>
+            </a:r>
+          </a:p>
+          <a:p>
+            <a:endParaRPr lang="en-US" dirty="0"/>
+          </a:p>
+          <a:p>
+            <a:r>
+              <a:rPr lang="en-US" dirty="0"/>
+              <a:t>Hence Even if your interval is set to 1000 </a:t>
+            </a:r>
+            <a:r>
+              <a:rPr lang="en-US" dirty="0" err="1"/>
+              <a:t>ms</a:t>
+            </a:r>
+            <a:r>
+              <a:rPr lang="en-US" dirty="0"/>
+              <a:t> it will not call function second time if first call is not done. This is very important to remember and crucial point. </a:t>
+            </a:r>
+          </a:p>
+          <a:p>
+            <a:r>
+              <a:rPr lang="en-US" dirty="0"/>
+              <a:t>This way you can call a function as fast as possible , say every 1 </a:t>
+            </a:r>
+            <a:r>
+              <a:rPr lang="en-US" dirty="0" err="1"/>
+              <a:t>ms</a:t>
+            </a:r>
+            <a:r>
+              <a:rPr lang="en-US" dirty="0"/>
+              <a:t> and don’t worry about the calls being pushed in the stack. </a:t>
+            </a:r>
+          </a:p>
+          <a:p>
+            <a:endParaRPr lang="en-US" dirty="0"/>
+          </a:p>
+          <a:p>
+            <a:endParaRPr lang="en-US" dirty="0"/>
+          </a:p>
+        </p:txBody>
+      </p:sp>
     </p:spTree>
     <p:extLst>
       <p:ext uri="{BB962C8B-B14F-4D97-AF65-F5344CB8AC3E}">

--- a/learnings.pptx
+++ b/learnings.pptx
@@ -37,6 +37,15 @@
     <p:sldId id="291" r:id="rId31"/>
     <p:sldId id="292" r:id="rId32"/>
     <p:sldId id="293" r:id="rId33"/>
+    <p:sldId id="296" r:id="rId34"/>
+    <p:sldId id="297" r:id="rId35"/>
+    <p:sldId id="299" r:id="rId36"/>
+    <p:sldId id="300" r:id="rId37"/>
+    <p:sldId id="301" r:id="rId38"/>
+    <p:sldId id="302" r:id="rId39"/>
+    <p:sldId id="303" r:id="rId40"/>
+    <p:sldId id="304" r:id="rId41"/>
+    <p:sldId id="305" r:id="rId42"/>
   </p:sldIdLst>
   <p:sldSz cx="12192000" cy="6858000"/>
   <p:notesSz cx="6858000" cy="9144000"/>
@@ -2490,7 +2499,7 @@
           <a:p>
             <a:fld id="{3C04E684-10F4-4CC3-A0B9-F03AA7BE37CF}" type="datetimeFigureOut">
               <a:rPr lang="en-US" smtClean="0"/>
-              <a:t>6/4/2021</a:t>
+              <a:t>8/27/2021</a:t>
             </a:fld>
             <a:endParaRPr lang="en-US"/>
           </a:p>
@@ -4980,7 +4989,7 @@
           <a:p>
             <a:fld id="{3C04E684-10F4-4CC3-A0B9-F03AA7BE37CF}" type="datetimeFigureOut">
               <a:rPr lang="en-US" smtClean="0"/>
-              <a:t>6/4/2021</a:t>
+              <a:t>8/27/2021</a:t>
             </a:fld>
             <a:endParaRPr lang="en-US"/>
           </a:p>
@@ -5178,7 +5187,7 @@
           <a:p>
             <a:fld id="{3C04E684-10F4-4CC3-A0B9-F03AA7BE37CF}" type="datetimeFigureOut">
               <a:rPr lang="en-US" smtClean="0"/>
-              <a:t>6/4/2021</a:t>
+              <a:t>8/27/2021</a:t>
             </a:fld>
             <a:endParaRPr lang="en-US"/>
           </a:p>
@@ -5386,7 +5395,7 @@
           <a:p>
             <a:fld id="{3C04E684-10F4-4CC3-A0B9-F03AA7BE37CF}" type="datetimeFigureOut">
               <a:rPr lang="en-US" smtClean="0"/>
-              <a:t>6/4/2021</a:t>
+              <a:t>8/27/2021</a:t>
             </a:fld>
             <a:endParaRPr lang="en-US"/>
           </a:p>
@@ -6123,7 +6132,7 @@
           <a:p>
             <a:fld id="{3C04E684-10F4-4CC3-A0B9-F03AA7BE37CF}" type="datetimeFigureOut">
               <a:rPr lang="en-US" smtClean="0"/>
-              <a:t>6/4/2021</a:t>
+              <a:t>8/27/2021</a:t>
             </a:fld>
             <a:endParaRPr lang="en-US"/>
           </a:p>
@@ -6765,7 +6774,7 @@
           <a:p>
             <a:fld id="{3C04E684-10F4-4CC3-A0B9-F03AA7BE37CF}" type="datetimeFigureOut">
               <a:rPr lang="en-US" smtClean="0"/>
-              <a:t>6/4/2021</a:t>
+              <a:t>8/27/2021</a:t>
             </a:fld>
             <a:endParaRPr lang="en-US"/>
           </a:p>
@@ -7565,7 +7574,7 @@
           <a:p>
             <a:fld id="{3C04E684-10F4-4CC3-A0B9-F03AA7BE37CF}" type="datetimeFigureOut">
               <a:rPr lang="en-US" smtClean="0"/>
-              <a:t>6/4/2021</a:t>
+              <a:t>8/27/2021</a:t>
             </a:fld>
             <a:endParaRPr lang="en-US"/>
           </a:p>
@@ -8516,7 +8525,7 @@
           <a:p>
             <a:fld id="{3C04E684-10F4-4CC3-A0B9-F03AA7BE37CF}" type="datetimeFigureOut">
               <a:rPr lang="en-US" smtClean="0"/>
-              <a:t>6/4/2021</a:t>
+              <a:t>8/27/2021</a:t>
             </a:fld>
             <a:endParaRPr lang="en-US"/>
           </a:p>
@@ -10865,7 +10874,7 @@
           <a:p>
             <a:fld id="{3C04E684-10F4-4CC3-A0B9-F03AA7BE37CF}" type="datetimeFigureOut">
               <a:rPr lang="en-US" smtClean="0"/>
-              <a:t>6/4/2021</a:t>
+              <a:t>8/27/2021</a:t>
             </a:fld>
             <a:endParaRPr lang="en-US"/>
           </a:p>
@@ -10978,7 +10987,7 @@
           <a:p>
             <a:fld id="{3C04E684-10F4-4CC3-A0B9-F03AA7BE37CF}" type="datetimeFigureOut">
               <a:rPr lang="en-US" smtClean="0"/>
-              <a:t>6/4/2021</a:t>
+              <a:t>8/27/2021</a:t>
             </a:fld>
             <a:endParaRPr lang="en-US"/>
           </a:p>
@@ -11485,7 +11494,7 @@
           <a:p>
             <a:fld id="{3C04E684-10F4-4CC3-A0B9-F03AA7BE37CF}" type="datetimeFigureOut">
               <a:rPr lang="en-US" smtClean="0"/>
-              <a:t>6/4/2021</a:t>
+              <a:t>8/27/2021</a:t>
             </a:fld>
             <a:endParaRPr lang="en-US"/>
           </a:p>
@@ -12788,7 +12797,7 @@
           <a:p>
             <a:fld id="{3C04E684-10F4-4CC3-A0B9-F03AA7BE37CF}" type="datetimeFigureOut">
               <a:rPr lang="en-US" smtClean="0"/>
-              <a:t>6/4/2021</a:t>
+              <a:t>8/27/2021</a:t>
             </a:fld>
             <a:endParaRPr lang="en-US"/>
           </a:p>
@@ -13035,7 +13044,7 @@
           <a:p>
             <a:fld id="{3C04E684-10F4-4CC3-A0B9-F03AA7BE37CF}" type="datetimeFigureOut">
               <a:rPr lang="en-US" smtClean="0"/>
-              <a:t>6/4/2021</a:t>
+              <a:t>8/27/2021</a:t>
             </a:fld>
             <a:endParaRPr lang="en-US"/>
           </a:p>
@@ -18130,7 +18139,7 @@
         <p:spPr>
           <a:xfrm>
             <a:off x="167780" y="2013358"/>
-            <a:ext cx="12105314" cy="3781869"/>
+            <a:ext cx="12105314" cy="5028364"/>
           </a:xfrm>
           <a:prstGeom prst="rect">
             <a:avLst/>
@@ -18237,16 +18246,10 @@
               </a:lnSpc>
             </a:pPr>
             <a:r>
-              <a:rPr lang="en-IN">
-                <a:latin typeface="Rockwell" panose="02060603020205020403" pitchFamily="18" charset="0"/>
-              </a:rPr>
-              <a:t>5. </a:t>
-            </a:r>
-            <a:r>
               <a:rPr lang="en-IN" dirty="0">
                 <a:latin typeface="Rockwell" panose="02060603020205020403" pitchFamily="18" charset="0"/>
               </a:rPr>
-              <a:t>Fire following command in parent folder of source and build.</a:t>
+              <a:t>5. Fire following command in parent folder of source and build.</a:t>
             </a:r>
           </a:p>
           <a:p>
@@ -18333,7 +18336,7 @@
               </a:lnSpc>
             </a:pPr>
             <a:r>
-              <a:rPr lang="en-IN" dirty="0">
+              <a:rPr lang="en-IN" sz="1600" dirty="0">
                 <a:latin typeface="Rockwell" panose="02060603020205020403" pitchFamily="18" charset="0"/>
               </a:rPr>
               <a:t>D:\test&gt;windeployqt .\build-q1-Desktop_Qt_5_14_2_MSVC2017_64bit-Debug\debug\q1.exe </a:t>
@@ -18346,34 +18349,87 @@
               </a:lnSpc>
             </a:pPr>
             <a:r>
-              <a:rPr lang="en-IN" dirty="0">
+              <a:rPr lang="en-IN" sz="1600" dirty="0">
                 <a:latin typeface="Rockwell" panose="02060603020205020403" pitchFamily="18" charset="0"/>
               </a:rPr>
               <a:t>--</a:t>
             </a:r>
             <a:r>
-              <a:rPr lang="en-IN" dirty="0" err="1">
+              <a:rPr lang="en-IN" sz="1600" dirty="0" err="1">
                 <a:latin typeface="Rockwell" panose="02060603020205020403" pitchFamily="18" charset="0"/>
               </a:rPr>
               <a:t>dir</a:t>
             </a:r>
             <a:r>
-              <a:rPr lang="en-IN" dirty="0">
+              <a:rPr lang="en-IN" sz="1600" dirty="0">
                 <a:latin typeface="Rockwell" panose="02060603020205020403" pitchFamily="18" charset="0"/>
               </a:rPr>
               <a:t> D:\test\q1Distribution --</a:t>
             </a:r>
             <a:r>
-              <a:rPr lang="en-IN" dirty="0" err="1">
+              <a:rPr lang="en-IN" sz="1600" dirty="0" err="1">
                 <a:latin typeface="Rockwell" panose="02060603020205020403" pitchFamily="18" charset="0"/>
               </a:rPr>
               <a:t>qmldir</a:t>
             </a:r>
             <a:r>
-              <a:rPr lang="en-IN" dirty="0">
+              <a:rPr lang="en-IN" sz="1600" dirty="0">
                 <a:latin typeface="Rockwell" panose="02060603020205020403" pitchFamily="18" charset="0"/>
               </a:rPr>
               <a:t> D:\test\q1</a:t>
+            </a:r>
+          </a:p>
+          <a:p>
+            <a:pPr>
+              <a:lnSpc>
+                <a:spcPct val="150000"/>
+              </a:lnSpc>
+            </a:pPr>
+            <a:endParaRPr lang="en-IN" dirty="0">
+              <a:latin typeface="Rockwell" panose="02060603020205020403" pitchFamily="18" charset="0"/>
+            </a:endParaRPr>
+          </a:p>
+          <a:p>
+            <a:pPr>
+              <a:lnSpc>
+                <a:spcPct val="150000"/>
+              </a:lnSpc>
+            </a:pPr>
+            <a:r>
+              <a:rPr lang="en-IN" sz="1600" dirty="0" err="1">
+                <a:latin typeface="Rockwell" panose="02060603020205020403" pitchFamily="18" charset="0"/>
+              </a:rPr>
+              <a:t>windeployqt</a:t>
+            </a:r>
+            <a:r>
+              <a:rPr lang="en-IN" sz="1600" dirty="0">
+                <a:latin typeface="Rockwell" panose="02060603020205020403" pitchFamily="18" charset="0"/>
+              </a:rPr>
+              <a:t> ./build-ecgSimulatorUI-Desktop_Qt_5_14_2_MSVC2017_64bit-Release\release\ecgSimulatorUI.exe --</a:t>
+            </a:r>
+            <a:r>
+              <a:rPr lang="en-IN" sz="1600" dirty="0" err="1">
+                <a:latin typeface="Rockwell" panose="02060603020205020403" pitchFamily="18" charset="0"/>
+              </a:rPr>
+              <a:t>dir</a:t>
+            </a:r>
+            <a:r>
+              <a:rPr lang="en-IN" sz="1600" dirty="0">
+                <a:latin typeface="Rockwell" panose="02060603020205020403" pitchFamily="18" charset="0"/>
+              </a:rPr>
+              <a:t> D:\test\ECGSimulatorUI --</a:t>
+            </a:r>
+            <a:r>
+              <a:rPr lang="en-IN" sz="1600" dirty="0" err="1">
+                <a:latin typeface="Rockwell" panose="02060603020205020403" pitchFamily="18" charset="0"/>
+              </a:rPr>
+              <a:t>qmldir</a:t>
+            </a:r>
+            <a:r>
+              <a:rPr lang="en-IN" sz="1600" dirty="0">
+                <a:latin typeface="Rockwell" panose="02060603020205020403" pitchFamily="18" charset="0"/>
+              </a:rPr>
+              <a:t> D:\ConsoleDevelopment\Tools\ecgSimulatorUI</a:t>
             </a:r>
           </a:p>
         </p:txBody>
@@ -22156,6 +22212,813 @@
 </p:sld>
 </file>
 
+<file path=ppt/slides/slide33.xml><?xml version="1.0" encoding="utf-8"?>
+<p:sld xmlns:a="http://schemas.openxmlformats.org/drawingml/2006/main" xmlns:r="http://schemas.openxmlformats.org/officeDocument/2006/relationships" xmlns:p="http://schemas.openxmlformats.org/presentationml/2006/main">
+  <p:cSld>
+    <p:spTree>
+      <p:nvGrpSpPr>
+        <p:cNvPr id="1" name=""/>
+        <p:cNvGrpSpPr/>
+        <p:nvPr/>
+      </p:nvGrpSpPr>
+      <p:grpSpPr>
+        <a:xfrm>
+          <a:off x="0" y="0"/>
+          <a:ext cx="0" cy="0"/>
+          <a:chOff x="0" y="0"/>
+          <a:chExt cx="0" cy="0"/>
+        </a:xfrm>
+      </p:grpSpPr>
+      <p:sp>
+        <p:nvSpPr>
+          <p:cNvPr id="2" name="Title 1">
+            <a:extLst>
+              <a:ext uri="{FF2B5EF4-FFF2-40B4-BE49-F238E27FC236}">
+                <a16:creationId xmlns:a16="http://schemas.microsoft.com/office/drawing/2014/main" id="{5B4CC751-5A5E-4802-A06B-E66581CA850A}"/>
+              </a:ext>
+            </a:extLst>
+          </p:cNvPr>
+          <p:cNvSpPr>
+            <a:spLocks noGrp="1"/>
+          </p:cNvSpPr>
+          <p:nvPr>
+            <p:ph type="ctrTitle"/>
+          </p:nvPr>
+        </p:nvSpPr>
+        <p:spPr>
+          <a:xfrm>
+            <a:off x="736974" y="249531"/>
+            <a:ext cx="5705856" cy="996696"/>
+          </a:xfrm>
+        </p:spPr>
+        <p:txBody>
+          <a:bodyPr>
+            <a:normAutofit fontScale="90000"/>
+          </a:bodyPr>
+          <a:lstStyle/>
+          <a:p>
+            <a:r>
+              <a:rPr lang="en-US" i="0" dirty="0"/>
+              <a:t>Q_OBJECT </a:t>
+            </a:r>
+            <a:r>
+              <a:rPr lang="en-US" dirty="0"/>
+              <a:t>macro</a:t>
+            </a:r>
+            <a:endParaRPr lang="en-IN" dirty="0"/>
+          </a:p>
+        </p:txBody>
+      </p:sp>
+      <p:sp>
+        <p:nvSpPr>
+          <p:cNvPr id="5" name="Rectangle 4">
+            <a:extLst>
+              <a:ext uri="{FF2B5EF4-FFF2-40B4-BE49-F238E27FC236}">
+                <a16:creationId xmlns:a16="http://schemas.microsoft.com/office/drawing/2014/main" id="{6CC6D317-3788-4F71-9FB1-8849A266F5B8}"/>
+              </a:ext>
+            </a:extLst>
+          </p:cNvPr>
+          <p:cNvSpPr/>
+          <p:nvPr/>
+        </p:nvSpPr>
+        <p:spPr>
+          <a:xfrm>
+            <a:off x="822121" y="1954635"/>
+            <a:ext cx="9001387" cy="1474365"/>
+          </a:xfrm>
+          <a:prstGeom prst="rect">
+            <a:avLst/>
+          </a:prstGeom>
+        </p:spPr>
+        <p:style>
+          <a:lnRef idx="2">
+            <a:schemeClr val="accent1">
+              <a:shade val="50000"/>
+            </a:schemeClr>
+          </a:lnRef>
+          <a:fillRef idx="1">
+            <a:schemeClr val="accent1"/>
+          </a:fillRef>
+          <a:effectRef idx="0">
+            <a:schemeClr val="accent1"/>
+          </a:effectRef>
+          <a:fontRef idx="minor">
+            <a:schemeClr val="lt1"/>
+          </a:fontRef>
+        </p:style>
+        <p:txBody>
+          <a:bodyPr rtlCol="0" anchor="ctr"/>
+          <a:lstStyle/>
+          <a:p>
+            <a:r>
+              <a:rPr lang="en-US" sz="1800" dirty="0"/>
+              <a:t>Q_OBJECT macro is important. </a:t>
+            </a:r>
+          </a:p>
+          <a:p>
+            <a:r>
+              <a:rPr lang="en-US" sz="1800" dirty="0"/>
+              <a:t>This Creates test file test_moc.cpp</a:t>
+            </a:r>
+          </a:p>
+          <a:p>
+            <a:endParaRPr lang="en-US" sz="1800" dirty="0"/>
+          </a:p>
+          <a:p>
+            <a:r>
+              <a:rPr lang="en-US" sz="1800" dirty="0"/>
+              <a:t>Without this file SIGNALS and SLOTS will not work</a:t>
+            </a:r>
+            <a:endParaRPr lang="en-IN" sz="1800" dirty="0"/>
+          </a:p>
+        </p:txBody>
+      </p:sp>
+      <p:sp>
+        <p:nvSpPr>
+          <p:cNvPr id="6" name="Rectangle 5">
+            <a:extLst>
+              <a:ext uri="{FF2B5EF4-FFF2-40B4-BE49-F238E27FC236}">
+                <a16:creationId xmlns:a16="http://schemas.microsoft.com/office/drawing/2014/main" id="{CDC01340-7A20-454D-9573-FA68B0F0AD19}"/>
+              </a:ext>
+            </a:extLst>
+          </p:cNvPr>
+          <p:cNvSpPr/>
+          <p:nvPr/>
+        </p:nvSpPr>
+        <p:spPr>
+          <a:xfrm>
+            <a:off x="822121" y="3976382"/>
+            <a:ext cx="9001387" cy="1040235"/>
+          </a:xfrm>
+          <a:prstGeom prst="rect">
+            <a:avLst/>
+          </a:prstGeom>
+        </p:spPr>
+        <p:style>
+          <a:lnRef idx="2">
+            <a:schemeClr val="accent1">
+              <a:shade val="50000"/>
+            </a:schemeClr>
+          </a:lnRef>
+          <a:fillRef idx="1">
+            <a:schemeClr val="accent1"/>
+          </a:fillRef>
+          <a:effectRef idx="0">
+            <a:schemeClr val="accent1"/>
+          </a:effectRef>
+          <a:fontRef idx="minor">
+            <a:schemeClr val="lt1"/>
+          </a:fontRef>
+        </p:style>
+        <p:txBody>
+          <a:bodyPr rtlCol="0" anchor="ctr"/>
+          <a:lstStyle/>
+          <a:p>
+            <a:pPr algn="ctr"/>
+            <a:r>
+              <a:rPr lang="en-US" dirty="0" err="1"/>
+              <a:t>Qobject</a:t>
+            </a:r>
+            <a:r>
+              <a:rPr lang="en-US" dirty="0"/>
+              <a:t> cannot be copied. It disables the copy operation. You must send </a:t>
+            </a:r>
+            <a:r>
+              <a:rPr lang="en-US" dirty="0" err="1"/>
+              <a:t>Qobject</a:t>
+            </a:r>
+            <a:r>
+              <a:rPr lang="en-US" dirty="0"/>
+              <a:t> by pointer </a:t>
+            </a:r>
+            <a:r>
+              <a:rPr lang="en-US"/>
+              <a:t>or reference. </a:t>
+            </a:r>
+            <a:endParaRPr lang="en-IN"/>
+          </a:p>
+        </p:txBody>
+      </p:sp>
+    </p:spTree>
+    <p:extLst>
+      <p:ext uri="{BB962C8B-B14F-4D97-AF65-F5344CB8AC3E}">
+        <p14:creationId xmlns:p14="http://schemas.microsoft.com/office/powerpoint/2010/main" val="3926225237"/>
+      </p:ext>
+    </p:extLst>
+  </p:cSld>
+  <p:clrMapOvr>
+    <a:masterClrMapping/>
+  </p:clrMapOvr>
+</p:sld>
+</file>
+
+<file path=ppt/slides/slide34.xml><?xml version="1.0" encoding="utf-8"?>
+<p:sld xmlns:a="http://schemas.openxmlformats.org/drawingml/2006/main" xmlns:r="http://schemas.openxmlformats.org/officeDocument/2006/relationships" xmlns:p="http://schemas.openxmlformats.org/presentationml/2006/main">
+  <p:cSld>
+    <p:spTree>
+      <p:nvGrpSpPr>
+        <p:cNvPr id="1" name=""/>
+        <p:cNvGrpSpPr/>
+        <p:nvPr/>
+      </p:nvGrpSpPr>
+      <p:grpSpPr>
+        <a:xfrm>
+          <a:off x="0" y="0"/>
+          <a:ext cx="0" cy="0"/>
+          <a:chOff x="0" y="0"/>
+          <a:chExt cx="0" cy="0"/>
+        </a:xfrm>
+      </p:grpSpPr>
+      <p:sp>
+        <p:nvSpPr>
+          <p:cNvPr id="4" name="Rectangle 3">
+            <a:extLst>
+              <a:ext uri="{FF2B5EF4-FFF2-40B4-BE49-F238E27FC236}">
+                <a16:creationId xmlns:a16="http://schemas.microsoft.com/office/drawing/2014/main" id="{41606AF7-11E0-4FC2-B220-5F31B575070D}"/>
+              </a:ext>
+            </a:extLst>
+          </p:cNvPr>
+          <p:cNvSpPr/>
+          <p:nvPr/>
+        </p:nvSpPr>
+        <p:spPr>
+          <a:xfrm>
+            <a:off x="545284" y="394283"/>
+            <a:ext cx="8699384" cy="578840"/>
+          </a:xfrm>
+          <a:prstGeom prst="rect">
+            <a:avLst/>
+          </a:prstGeom>
+        </p:spPr>
+        <p:style>
+          <a:lnRef idx="2">
+            <a:schemeClr val="accent1">
+              <a:shade val="50000"/>
+            </a:schemeClr>
+          </a:lnRef>
+          <a:fillRef idx="1">
+            <a:schemeClr val="accent1"/>
+          </a:fillRef>
+          <a:effectRef idx="0">
+            <a:schemeClr val="accent1"/>
+          </a:effectRef>
+          <a:fontRef idx="minor">
+            <a:schemeClr val="lt1"/>
+          </a:fontRef>
+        </p:style>
+        <p:txBody>
+          <a:bodyPr rtlCol="0" anchor="ctr"/>
+          <a:lstStyle/>
+          <a:p>
+            <a:pPr algn="ctr"/>
+            <a:r>
+              <a:rPr lang="en-US" dirty="0"/>
+              <a:t>Signal and slots </a:t>
+            </a:r>
+            <a:endParaRPr lang="en-IN" dirty="0"/>
+          </a:p>
+        </p:txBody>
+      </p:sp>
+      <p:sp>
+        <p:nvSpPr>
+          <p:cNvPr id="5" name="TextBox 4">
+            <a:extLst>
+              <a:ext uri="{FF2B5EF4-FFF2-40B4-BE49-F238E27FC236}">
+                <a16:creationId xmlns:a16="http://schemas.microsoft.com/office/drawing/2014/main" id="{731EFC22-5E1C-4134-96D0-085DCE3EC24A}"/>
+              </a:ext>
+            </a:extLst>
+          </p:cNvPr>
+          <p:cNvSpPr txBox="1"/>
+          <p:nvPr/>
+        </p:nvSpPr>
+        <p:spPr>
+          <a:xfrm>
+            <a:off x="780176" y="1627464"/>
+            <a:ext cx="9672507" cy="3693319"/>
+          </a:xfrm>
+          <a:prstGeom prst="rect">
+            <a:avLst/>
+          </a:prstGeom>
+          <a:noFill/>
+        </p:spPr>
+        <p:txBody>
+          <a:bodyPr wrap="square" rtlCol="0">
+            <a:spAutoFit/>
+          </a:bodyPr>
+          <a:lstStyle/>
+          <a:p>
+            <a:r>
+              <a:rPr lang="en-US" dirty="0"/>
+              <a:t>Do not write implementation for signals.</a:t>
+            </a:r>
+          </a:p>
+          <a:p>
+            <a:endParaRPr lang="en-US" dirty="0"/>
+          </a:p>
+          <a:p>
+            <a:r>
+              <a:rPr lang="en-US" dirty="0"/>
+              <a:t>Always public</a:t>
+            </a:r>
+          </a:p>
+          <a:p>
+            <a:r>
+              <a:rPr lang="en-US" dirty="0"/>
+              <a:t>Always defined</a:t>
+            </a:r>
+          </a:p>
+          <a:p>
+            <a:r>
+              <a:rPr lang="en-US" dirty="0"/>
+              <a:t>But Never implemented </a:t>
+            </a:r>
+          </a:p>
+          <a:p>
+            <a:endParaRPr lang="en-US" dirty="0"/>
+          </a:p>
+          <a:p>
+            <a:r>
+              <a:rPr lang="en-US" dirty="0"/>
+              <a:t>SLOT</a:t>
+            </a:r>
+          </a:p>
+          <a:p>
+            <a:endParaRPr lang="en-US" dirty="0"/>
+          </a:p>
+          <a:p>
+            <a:r>
+              <a:rPr lang="en-US" dirty="0"/>
+              <a:t>Can be public private or protected</a:t>
+            </a:r>
+          </a:p>
+          <a:p>
+            <a:r>
+              <a:rPr lang="en-US" dirty="0"/>
+              <a:t>Always defined and implemented</a:t>
+            </a:r>
+          </a:p>
+          <a:p>
+            <a:r>
+              <a:rPr lang="en-US" dirty="0"/>
+              <a:t>Should match the signature of the signal</a:t>
+            </a:r>
+          </a:p>
+          <a:p>
+            <a:r>
+              <a:rPr lang="en-US" dirty="0"/>
+              <a:t>You can call a slot like a normal function</a:t>
+            </a:r>
+          </a:p>
+          <a:p>
+            <a:endParaRPr lang="en-IN" dirty="0"/>
+          </a:p>
+        </p:txBody>
+      </p:sp>
+    </p:spTree>
+    <p:extLst>
+      <p:ext uri="{BB962C8B-B14F-4D97-AF65-F5344CB8AC3E}">
+        <p14:creationId xmlns:p14="http://schemas.microsoft.com/office/powerpoint/2010/main" val="3061761618"/>
+      </p:ext>
+    </p:extLst>
+  </p:cSld>
+  <p:clrMapOvr>
+    <a:masterClrMapping/>
+  </p:clrMapOvr>
+</p:sld>
+</file>
+
+<file path=ppt/slides/slide35.xml><?xml version="1.0" encoding="utf-8"?>
+<p:sld xmlns:a="http://schemas.openxmlformats.org/drawingml/2006/main" xmlns:r="http://schemas.openxmlformats.org/officeDocument/2006/relationships" xmlns:p="http://schemas.openxmlformats.org/presentationml/2006/main">
+  <p:cSld>
+    <p:spTree>
+      <p:nvGrpSpPr>
+        <p:cNvPr id="1" name=""/>
+        <p:cNvGrpSpPr/>
+        <p:nvPr/>
+      </p:nvGrpSpPr>
+      <p:grpSpPr>
+        <a:xfrm>
+          <a:off x="0" y="0"/>
+          <a:ext cx="0" cy="0"/>
+          <a:chOff x="0" y="0"/>
+          <a:chExt cx="0" cy="0"/>
+        </a:xfrm>
+      </p:grpSpPr>
+      <p:sp>
+        <p:nvSpPr>
+          <p:cNvPr id="3" name="TextBox 2">
+            <a:extLst>
+              <a:ext uri="{FF2B5EF4-FFF2-40B4-BE49-F238E27FC236}">
+                <a16:creationId xmlns:a16="http://schemas.microsoft.com/office/drawing/2014/main" id="{4735789F-16B8-463E-9CE4-75B3F2C7D128}"/>
+              </a:ext>
+            </a:extLst>
+          </p:cNvPr>
+          <p:cNvSpPr txBox="1"/>
+          <p:nvPr/>
+        </p:nvSpPr>
+        <p:spPr>
+          <a:xfrm>
+            <a:off x="1409350" y="3274495"/>
+            <a:ext cx="8313490" cy="1200329"/>
+          </a:xfrm>
+          <a:prstGeom prst="rect">
+            <a:avLst/>
+          </a:prstGeom>
+          <a:noFill/>
+        </p:spPr>
+        <p:txBody>
+          <a:bodyPr wrap="square" rtlCol="0">
+            <a:spAutoFit/>
+          </a:bodyPr>
+          <a:lstStyle/>
+          <a:p>
+            <a:r>
+              <a:rPr lang="en-US" b="0" i="0" dirty="0">
+                <a:solidFill>
+                  <a:srgbClr val="202124"/>
+                </a:solidFill>
+                <a:effectLst/>
+                <a:latin typeface="arial" panose="020B0604020202020204" pitchFamily="34" charset="0"/>
+              </a:rPr>
+              <a:t>Qt's </a:t>
+            </a:r>
+            <a:r>
+              <a:rPr lang="en-US" b="0" i="0" dirty="0" err="1">
+                <a:solidFill>
+                  <a:srgbClr val="202124"/>
+                </a:solidFill>
+                <a:effectLst/>
+                <a:latin typeface="arial" panose="020B0604020202020204" pitchFamily="34" charset="0"/>
+              </a:rPr>
+              <a:t>qFuzzyCompare</a:t>
+            </a:r>
+            <a:r>
+              <a:rPr lang="en-US" b="0" i="0" dirty="0">
+                <a:solidFill>
+                  <a:srgbClr val="202124"/>
+                </a:solidFill>
+                <a:effectLst/>
+                <a:latin typeface="arial" panose="020B0604020202020204" pitchFamily="34" charset="0"/>
+              </a:rPr>
+              <a:t> function is </a:t>
+            </a:r>
+            <a:r>
+              <a:rPr lang="en-US" b="1" i="0" dirty="0">
+                <a:solidFill>
+                  <a:srgbClr val="202124"/>
+                </a:solidFill>
+                <a:effectLst/>
+                <a:latin typeface="arial" panose="020B0604020202020204" pitchFamily="34" charset="0"/>
+              </a:rPr>
+              <a:t>useful for approximate comparison of two float or double values</a:t>
+            </a:r>
+            <a:r>
+              <a:rPr lang="en-US" b="0" i="0" dirty="0">
+                <a:solidFill>
+                  <a:srgbClr val="202124"/>
+                </a:solidFill>
+                <a:effectLst/>
+                <a:latin typeface="arial" panose="020B0604020202020204" pitchFamily="34" charset="0"/>
+              </a:rPr>
+              <a:t>. ... In this case, only if p1 and p2 are exactly equal the function will detect that and return true, but otherwise, if values are only approximately equal, it will return false</a:t>
+            </a:r>
+            <a:endParaRPr lang="en-IN" dirty="0"/>
+          </a:p>
+        </p:txBody>
+      </p:sp>
+      <p:sp>
+        <p:nvSpPr>
+          <p:cNvPr id="4" name="Rectangle 3">
+            <a:extLst>
+              <a:ext uri="{FF2B5EF4-FFF2-40B4-BE49-F238E27FC236}">
+                <a16:creationId xmlns:a16="http://schemas.microsoft.com/office/drawing/2014/main" id="{9BEFBBB5-C949-41EC-AF3F-9BBAE1A004C6}"/>
+              </a:ext>
+            </a:extLst>
+          </p:cNvPr>
+          <p:cNvSpPr/>
+          <p:nvPr/>
+        </p:nvSpPr>
+        <p:spPr>
+          <a:xfrm>
+            <a:off x="838899" y="352338"/>
+            <a:ext cx="8254767" cy="536895"/>
+          </a:xfrm>
+          <a:prstGeom prst="rect">
+            <a:avLst/>
+          </a:prstGeom>
+        </p:spPr>
+        <p:style>
+          <a:lnRef idx="2">
+            <a:schemeClr val="accent1">
+              <a:shade val="50000"/>
+            </a:schemeClr>
+          </a:lnRef>
+          <a:fillRef idx="1">
+            <a:schemeClr val="accent1"/>
+          </a:fillRef>
+          <a:effectRef idx="0">
+            <a:schemeClr val="accent1"/>
+          </a:effectRef>
+          <a:fontRef idx="minor">
+            <a:schemeClr val="lt1"/>
+          </a:fontRef>
+        </p:style>
+        <p:txBody>
+          <a:bodyPr rtlCol="0" anchor="ctr"/>
+          <a:lstStyle/>
+          <a:p>
+            <a:pPr algn="ctr"/>
+            <a:r>
+              <a:rPr lang="en-US" dirty="0"/>
+              <a:t>Fuzzy compare in QT</a:t>
+            </a:r>
+            <a:endParaRPr lang="en-IN" dirty="0"/>
+          </a:p>
+        </p:txBody>
+      </p:sp>
+    </p:spTree>
+    <p:extLst>
+      <p:ext uri="{BB962C8B-B14F-4D97-AF65-F5344CB8AC3E}">
+        <p14:creationId xmlns:p14="http://schemas.microsoft.com/office/powerpoint/2010/main" val="3554564206"/>
+      </p:ext>
+    </p:extLst>
+  </p:cSld>
+  <p:clrMapOvr>
+    <a:masterClrMapping/>
+  </p:clrMapOvr>
+</p:sld>
+</file>
+
+<file path=ppt/slides/slide36.xml><?xml version="1.0" encoding="utf-8"?>
+<p:sld xmlns:a="http://schemas.openxmlformats.org/drawingml/2006/main" xmlns:r="http://schemas.openxmlformats.org/officeDocument/2006/relationships" xmlns:p="http://schemas.openxmlformats.org/presentationml/2006/main">
+  <p:cSld>
+    <p:spTree>
+      <p:nvGrpSpPr>
+        <p:cNvPr id="1" name=""/>
+        <p:cNvGrpSpPr/>
+        <p:nvPr/>
+      </p:nvGrpSpPr>
+      <p:grpSpPr>
+        <a:xfrm>
+          <a:off x="0" y="0"/>
+          <a:ext cx="0" cy="0"/>
+          <a:chOff x="0" y="0"/>
+          <a:chExt cx="0" cy="0"/>
+        </a:xfrm>
+      </p:grpSpPr>
+    </p:spTree>
+    <p:extLst>
+      <p:ext uri="{BB962C8B-B14F-4D97-AF65-F5344CB8AC3E}">
+        <p14:creationId xmlns:p14="http://schemas.microsoft.com/office/powerpoint/2010/main" val="678188220"/>
+      </p:ext>
+    </p:extLst>
+  </p:cSld>
+  <p:clrMapOvr>
+    <a:masterClrMapping/>
+  </p:clrMapOvr>
+</p:sld>
+</file>
+
+<file path=ppt/slides/slide37.xml><?xml version="1.0" encoding="utf-8"?>
+<p:sld xmlns:a="http://schemas.openxmlformats.org/drawingml/2006/main" xmlns:r="http://schemas.openxmlformats.org/officeDocument/2006/relationships" xmlns:p="http://schemas.openxmlformats.org/presentationml/2006/main">
+  <p:cSld>
+    <p:spTree>
+      <p:nvGrpSpPr>
+        <p:cNvPr id="1" name=""/>
+        <p:cNvGrpSpPr/>
+        <p:nvPr/>
+      </p:nvGrpSpPr>
+      <p:grpSpPr>
+        <a:xfrm>
+          <a:off x="0" y="0"/>
+          <a:ext cx="0" cy="0"/>
+          <a:chOff x="0" y="0"/>
+          <a:chExt cx="0" cy="0"/>
+        </a:xfrm>
+      </p:grpSpPr>
+      <p:sp>
+        <p:nvSpPr>
+          <p:cNvPr id="2" name="Title 1">
+            <a:extLst>
+              <a:ext uri="{FF2B5EF4-FFF2-40B4-BE49-F238E27FC236}">
+                <a16:creationId xmlns:a16="http://schemas.microsoft.com/office/drawing/2014/main" id="{5B4CC751-5A5E-4802-A06B-E66581CA850A}"/>
+              </a:ext>
+            </a:extLst>
+          </p:cNvPr>
+          <p:cNvSpPr>
+            <a:spLocks noGrp="1"/>
+          </p:cNvSpPr>
+          <p:nvPr>
+            <p:ph type="ctrTitle"/>
+          </p:nvPr>
+        </p:nvSpPr>
+        <p:spPr/>
+        <p:txBody>
+          <a:bodyPr/>
+          <a:lstStyle/>
+          <a:p>
+            <a:endParaRPr lang="en-IN"/>
+          </a:p>
+        </p:txBody>
+      </p:sp>
+      <p:sp>
+        <p:nvSpPr>
+          <p:cNvPr id="3" name="Subtitle 2">
+            <a:extLst>
+              <a:ext uri="{FF2B5EF4-FFF2-40B4-BE49-F238E27FC236}">
+                <a16:creationId xmlns:a16="http://schemas.microsoft.com/office/drawing/2014/main" id="{A55648A5-9962-4469-85B2-198B386791C6}"/>
+              </a:ext>
+            </a:extLst>
+          </p:cNvPr>
+          <p:cNvSpPr>
+            <a:spLocks noGrp="1"/>
+          </p:cNvSpPr>
+          <p:nvPr>
+            <p:ph type="subTitle" idx="1"/>
+          </p:nvPr>
+        </p:nvSpPr>
+        <p:spPr/>
+        <p:txBody>
+          <a:bodyPr/>
+          <a:lstStyle/>
+          <a:p>
+            <a:endParaRPr lang="en-IN"/>
+          </a:p>
+        </p:txBody>
+      </p:sp>
+    </p:spTree>
+    <p:extLst>
+      <p:ext uri="{BB962C8B-B14F-4D97-AF65-F5344CB8AC3E}">
+        <p14:creationId xmlns:p14="http://schemas.microsoft.com/office/powerpoint/2010/main" val="247597253"/>
+      </p:ext>
+    </p:extLst>
+  </p:cSld>
+  <p:clrMapOvr>
+    <a:masterClrMapping/>
+  </p:clrMapOvr>
+</p:sld>
+</file>
+
+<file path=ppt/slides/slide38.xml><?xml version="1.0" encoding="utf-8"?>
+<p:sld xmlns:a="http://schemas.openxmlformats.org/drawingml/2006/main" xmlns:r="http://schemas.openxmlformats.org/officeDocument/2006/relationships" xmlns:p="http://schemas.openxmlformats.org/presentationml/2006/main">
+  <p:cSld>
+    <p:spTree>
+      <p:nvGrpSpPr>
+        <p:cNvPr id="1" name=""/>
+        <p:cNvGrpSpPr/>
+        <p:nvPr/>
+      </p:nvGrpSpPr>
+      <p:grpSpPr>
+        <a:xfrm>
+          <a:off x="0" y="0"/>
+          <a:ext cx="0" cy="0"/>
+          <a:chOff x="0" y="0"/>
+          <a:chExt cx="0" cy="0"/>
+        </a:xfrm>
+      </p:grpSpPr>
+      <p:sp>
+        <p:nvSpPr>
+          <p:cNvPr id="2" name="Title 1">
+            <a:extLst>
+              <a:ext uri="{FF2B5EF4-FFF2-40B4-BE49-F238E27FC236}">
+                <a16:creationId xmlns:a16="http://schemas.microsoft.com/office/drawing/2014/main" id="{5B4CC751-5A5E-4802-A06B-E66581CA850A}"/>
+              </a:ext>
+            </a:extLst>
+          </p:cNvPr>
+          <p:cNvSpPr>
+            <a:spLocks noGrp="1"/>
+          </p:cNvSpPr>
+          <p:nvPr>
+            <p:ph type="ctrTitle"/>
+          </p:nvPr>
+        </p:nvSpPr>
+        <p:spPr/>
+        <p:txBody>
+          <a:bodyPr/>
+          <a:lstStyle/>
+          <a:p>
+            <a:endParaRPr lang="en-IN"/>
+          </a:p>
+        </p:txBody>
+      </p:sp>
+      <p:sp>
+        <p:nvSpPr>
+          <p:cNvPr id="3" name="Subtitle 2">
+            <a:extLst>
+              <a:ext uri="{FF2B5EF4-FFF2-40B4-BE49-F238E27FC236}">
+                <a16:creationId xmlns:a16="http://schemas.microsoft.com/office/drawing/2014/main" id="{A55648A5-9962-4469-85B2-198B386791C6}"/>
+              </a:ext>
+            </a:extLst>
+          </p:cNvPr>
+          <p:cNvSpPr>
+            <a:spLocks noGrp="1"/>
+          </p:cNvSpPr>
+          <p:nvPr>
+            <p:ph type="subTitle" idx="1"/>
+          </p:nvPr>
+        </p:nvSpPr>
+        <p:spPr/>
+        <p:txBody>
+          <a:bodyPr/>
+          <a:lstStyle/>
+          <a:p>
+            <a:endParaRPr lang="en-IN"/>
+          </a:p>
+        </p:txBody>
+      </p:sp>
+    </p:spTree>
+    <p:extLst>
+      <p:ext uri="{BB962C8B-B14F-4D97-AF65-F5344CB8AC3E}">
+        <p14:creationId xmlns:p14="http://schemas.microsoft.com/office/powerpoint/2010/main" val="2961891478"/>
+      </p:ext>
+    </p:extLst>
+  </p:cSld>
+  <p:clrMapOvr>
+    <a:masterClrMapping/>
+  </p:clrMapOvr>
+</p:sld>
+</file>
+
+<file path=ppt/slides/slide39.xml><?xml version="1.0" encoding="utf-8"?>
+<p:sld xmlns:a="http://schemas.openxmlformats.org/drawingml/2006/main" xmlns:r="http://schemas.openxmlformats.org/officeDocument/2006/relationships" xmlns:p="http://schemas.openxmlformats.org/presentationml/2006/main">
+  <p:cSld>
+    <p:spTree>
+      <p:nvGrpSpPr>
+        <p:cNvPr id="1" name=""/>
+        <p:cNvGrpSpPr/>
+        <p:nvPr/>
+      </p:nvGrpSpPr>
+      <p:grpSpPr>
+        <a:xfrm>
+          <a:off x="0" y="0"/>
+          <a:ext cx="0" cy="0"/>
+          <a:chOff x="0" y="0"/>
+          <a:chExt cx="0" cy="0"/>
+        </a:xfrm>
+      </p:grpSpPr>
+      <p:sp>
+        <p:nvSpPr>
+          <p:cNvPr id="2" name="Title 1">
+            <a:extLst>
+              <a:ext uri="{FF2B5EF4-FFF2-40B4-BE49-F238E27FC236}">
+                <a16:creationId xmlns:a16="http://schemas.microsoft.com/office/drawing/2014/main" id="{5B4CC751-5A5E-4802-A06B-E66581CA850A}"/>
+              </a:ext>
+            </a:extLst>
+          </p:cNvPr>
+          <p:cNvSpPr>
+            <a:spLocks noGrp="1"/>
+          </p:cNvSpPr>
+          <p:nvPr>
+            <p:ph type="ctrTitle"/>
+          </p:nvPr>
+        </p:nvSpPr>
+        <p:spPr/>
+        <p:txBody>
+          <a:bodyPr/>
+          <a:lstStyle/>
+          <a:p>
+            <a:endParaRPr lang="en-IN"/>
+          </a:p>
+        </p:txBody>
+      </p:sp>
+      <p:sp>
+        <p:nvSpPr>
+          <p:cNvPr id="3" name="Subtitle 2">
+            <a:extLst>
+              <a:ext uri="{FF2B5EF4-FFF2-40B4-BE49-F238E27FC236}">
+                <a16:creationId xmlns:a16="http://schemas.microsoft.com/office/drawing/2014/main" id="{A55648A5-9962-4469-85B2-198B386791C6}"/>
+              </a:ext>
+            </a:extLst>
+          </p:cNvPr>
+          <p:cNvSpPr>
+            <a:spLocks noGrp="1"/>
+          </p:cNvSpPr>
+          <p:nvPr>
+            <p:ph type="subTitle" idx="1"/>
+          </p:nvPr>
+        </p:nvSpPr>
+        <p:spPr/>
+        <p:txBody>
+          <a:bodyPr/>
+          <a:lstStyle/>
+          <a:p>
+            <a:endParaRPr lang="en-IN"/>
+          </a:p>
+        </p:txBody>
+      </p:sp>
+    </p:spTree>
+    <p:extLst>
+      <p:ext uri="{BB962C8B-B14F-4D97-AF65-F5344CB8AC3E}">
+        <p14:creationId xmlns:p14="http://schemas.microsoft.com/office/powerpoint/2010/main" val="883919235"/>
+      </p:ext>
+    </p:extLst>
+  </p:cSld>
+  <p:clrMapOvr>
+    <a:masterClrMapping/>
+  </p:clrMapOvr>
+</p:sld>
+</file>
+
 <file path=ppt/slides/slide4.xml><?xml version="1.0" encoding="utf-8"?>
 <p:sld xmlns:a="http://schemas.openxmlformats.org/drawingml/2006/main" xmlns:r="http://schemas.openxmlformats.org/officeDocument/2006/relationships" xmlns:p="http://schemas.openxmlformats.org/presentationml/2006/main">
   <p:cSld>
@@ -22370,6 +23233,166 @@
     <p:extLst>
       <p:ext uri="{BB962C8B-B14F-4D97-AF65-F5344CB8AC3E}">
         <p14:creationId xmlns:p14="http://schemas.microsoft.com/office/powerpoint/2010/main" val="864763492"/>
+      </p:ext>
+    </p:extLst>
+  </p:cSld>
+  <p:clrMapOvr>
+    <a:masterClrMapping/>
+  </p:clrMapOvr>
+</p:sld>
+</file>
+
+<file path=ppt/slides/slide40.xml><?xml version="1.0" encoding="utf-8"?>
+<p:sld xmlns:a="http://schemas.openxmlformats.org/drawingml/2006/main" xmlns:r="http://schemas.openxmlformats.org/officeDocument/2006/relationships" xmlns:p="http://schemas.openxmlformats.org/presentationml/2006/main">
+  <p:cSld>
+    <p:spTree>
+      <p:nvGrpSpPr>
+        <p:cNvPr id="1" name=""/>
+        <p:cNvGrpSpPr/>
+        <p:nvPr/>
+      </p:nvGrpSpPr>
+      <p:grpSpPr>
+        <a:xfrm>
+          <a:off x="0" y="0"/>
+          <a:ext cx="0" cy="0"/>
+          <a:chOff x="0" y="0"/>
+          <a:chExt cx="0" cy="0"/>
+        </a:xfrm>
+      </p:grpSpPr>
+      <p:sp>
+        <p:nvSpPr>
+          <p:cNvPr id="2" name="Title 1">
+            <a:extLst>
+              <a:ext uri="{FF2B5EF4-FFF2-40B4-BE49-F238E27FC236}">
+                <a16:creationId xmlns:a16="http://schemas.microsoft.com/office/drawing/2014/main" id="{5B4CC751-5A5E-4802-A06B-E66581CA850A}"/>
+              </a:ext>
+            </a:extLst>
+          </p:cNvPr>
+          <p:cNvSpPr>
+            <a:spLocks noGrp="1"/>
+          </p:cNvSpPr>
+          <p:nvPr>
+            <p:ph type="ctrTitle"/>
+          </p:nvPr>
+        </p:nvSpPr>
+        <p:spPr/>
+        <p:txBody>
+          <a:bodyPr/>
+          <a:lstStyle/>
+          <a:p>
+            <a:endParaRPr lang="en-IN"/>
+          </a:p>
+        </p:txBody>
+      </p:sp>
+      <p:sp>
+        <p:nvSpPr>
+          <p:cNvPr id="3" name="Subtitle 2">
+            <a:extLst>
+              <a:ext uri="{FF2B5EF4-FFF2-40B4-BE49-F238E27FC236}">
+                <a16:creationId xmlns:a16="http://schemas.microsoft.com/office/drawing/2014/main" id="{A55648A5-9962-4469-85B2-198B386791C6}"/>
+              </a:ext>
+            </a:extLst>
+          </p:cNvPr>
+          <p:cNvSpPr>
+            <a:spLocks noGrp="1"/>
+          </p:cNvSpPr>
+          <p:nvPr>
+            <p:ph type="subTitle" idx="1"/>
+          </p:nvPr>
+        </p:nvSpPr>
+        <p:spPr/>
+        <p:txBody>
+          <a:bodyPr/>
+          <a:lstStyle/>
+          <a:p>
+            <a:endParaRPr lang="en-IN"/>
+          </a:p>
+        </p:txBody>
+      </p:sp>
+    </p:spTree>
+    <p:extLst>
+      <p:ext uri="{BB962C8B-B14F-4D97-AF65-F5344CB8AC3E}">
+        <p14:creationId xmlns:p14="http://schemas.microsoft.com/office/powerpoint/2010/main" val="737649413"/>
+      </p:ext>
+    </p:extLst>
+  </p:cSld>
+  <p:clrMapOvr>
+    <a:masterClrMapping/>
+  </p:clrMapOvr>
+</p:sld>
+</file>
+
+<file path=ppt/slides/slide41.xml><?xml version="1.0" encoding="utf-8"?>
+<p:sld xmlns:a="http://schemas.openxmlformats.org/drawingml/2006/main" xmlns:r="http://schemas.openxmlformats.org/officeDocument/2006/relationships" xmlns:p="http://schemas.openxmlformats.org/presentationml/2006/main">
+  <p:cSld>
+    <p:spTree>
+      <p:nvGrpSpPr>
+        <p:cNvPr id="1" name=""/>
+        <p:cNvGrpSpPr/>
+        <p:nvPr/>
+      </p:nvGrpSpPr>
+      <p:grpSpPr>
+        <a:xfrm>
+          <a:off x="0" y="0"/>
+          <a:ext cx="0" cy="0"/>
+          <a:chOff x="0" y="0"/>
+          <a:chExt cx="0" cy="0"/>
+        </a:xfrm>
+      </p:grpSpPr>
+      <p:sp>
+        <p:nvSpPr>
+          <p:cNvPr id="2" name="Title 1">
+            <a:extLst>
+              <a:ext uri="{FF2B5EF4-FFF2-40B4-BE49-F238E27FC236}">
+                <a16:creationId xmlns:a16="http://schemas.microsoft.com/office/drawing/2014/main" id="{5B4CC751-5A5E-4802-A06B-E66581CA850A}"/>
+              </a:ext>
+            </a:extLst>
+          </p:cNvPr>
+          <p:cNvSpPr>
+            <a:spLocks noGrp="1"/>
+          </p:cNvSpPr>
+          <p:nvPr>
+            <p:ph type="ctrTitle"/>
+          </p:nvPr>
+        </p:nvSpPr>
+        <p:spPr/>
+        <p:txBody>
+          <a:bodyPr/>
+          <a:lstStyle/>
+          <a:p>
+            <a:endParaRPr lang="en-IN"/>
+          </a:p>
+        </p:txBody>
+      </p:sp>
+      <p:sp>
+        <p:nvSpPr>
+          <p:cNvPr id="3" name="Subtitle 2">
+            <a:extLst>
+              <a:ext uri="{FF2B5EF4-FFF2-40B4-BE49-F238E27FC236}">
+                <a16:creationId xmlns:a16="http://schemas.microsoft.com/office/drawing/2014/main" id="{A55648A5-9962-4469-85B2-198B386791C6}"/>
+              </a:ext>
+            </a:extLst>
+          </p:cNvPr>
+          <p:cNvSpPr>
+            <a:spLocks noGrp="1"/>
+          </p:cNvSpPr>
+          <p:nvPr>
+            <p:ph type="subTitle" idx="1"/>
+          </p:nvPr>
+        </p:nvSpPr>
+        <p:spPr/>
+        <p:txBody>
+          <a:bodyPr/>
+          <a:lstStyle/>
+          <a:p>
+            <a:endParaRPr lang="en-IN"/>
+          </a:p>
+        </p:txBody>
+      </p:sp>
+    </p:spTree>
+    <p:extLst>
+      <p:ext uri="{BB962C8B-B14F-4D97-AF65-F5344CB8AC3E}">
+        <p14:creationId xmlns:p14="http://schemas.microsoft.com/office/powerpoint/2010/main" val="611071372"/>
       </p:ext>
     </p:extLst>
   </p:cSld>

--- a/learnings.pptx
+++ b/learnings.pptx
@@ -2499,7 +2499,7 @@
           <a:p>
             <a:fld id="{3C04E684-10F4-4CC3-A0B9-F03AA7BE37CF}" type="datetimeFigureOut">
               <a:rPr lang="en-US" smtClean="0"/>
-              <a:t>8/27/2021</a:t>
+              <a:t>9/29/2021</a:t>
             </a:fld>
             <a:endParaRPr lang="en-US"/>
           </a:p>
@@ -4989,7 +4989,7 @@
           <a:p>
             <a:fld id="{3C04E684-10F4-4CC3-A0B9-F03AA7BE37CF}" type="datetimeFigureOut">
               <a:rPr lang="en-US" smtClean="0"/>
-              <a:t>8/27/2021</a:t>
+              <a:t>9/29/2021</a:t>
             </a:fld>
             <a:endParaRPr lang="en-US"/>
           </a:p>
@@ -5187,7 +5187,7 @@
           <a:p>
             <a:fld id="{3C04E684-10F4-4CC3-A0B9-F03AA7BE37CF}" type="datetimeFigureOut">
               <a:rPr lang="en-US" smtClean="0"/>
-              <a:t>8/27/2021</a:t>
+              <a:t>9/29/2021</a:t>
             </a:fld>
             <a:endParaRPr lang="en-US"/>
           </a:p>
@@ -5395,7 +5395,7 @@
           <a:p>
             <a:fld id="{3C04E684-10F4-4CC3-A0B9-F03AA7BE37CF}" type="datetimeFigureOut">
               <a:rPr lang="en-US" smtClean="0"/>
-              <a:t>8/27/2021</a:t>
+              <a:t>9/29/2021</a:t>
             </a:fld>
             <a:endParaRPr lang="en-US"/>
           </a:p>
@@ -6132,7 +6132,7 @@
           <a:p>
             <a:fld id="{3C04E684-10F4-4CC3-A0B9-F03AA7BE37CF}" type="datetimeFigureOut">
               <a:rPr lang="en-US" smtClean="0"/>
-              <a:t>8/27/2021</a:t>
+              <a:t>9/29/2021</a:t>
             </a:fld>
             <a:endParaRPr lang="en-US"/>
           </a:p>
@@ -6774,7 +6774,7 @@
           <a:p>
             <a:fld id="{3C04E684-10F4-4CC3-A0B9-F03AA7BE37CF}" type="datetimeFigureOut">
               <a:rPr lang="en-US" smtClean="0"/>
-              <a:t>8/27/2021</a:t>
+              <a:t>9/29/2021</a:t>
             </a:fld>
             <a:endParaRPr lang="en-US"/>
           </a:p>
@@ -7574,7 +7574,7 @@
           <a:p>
             <a:fld id="{3C04E684-10F4-4CC3-A0B9-F03AA7BE37CF}" type="datetimeFigureOut">
               <a:rPr lang="en-US" smtClean="0"/>
-              <a:t>8/27/2021</a:t>
+              <a:t>9/29/2021</a:t>
             </a:fld>
             <a:endParaRPr lang="en-US"/>
           </a:p>
@@ -8525,7 +8525,7 @@
           <a:p>
             <a:fld id="{3C04E684-10F4-4CC3-A0B9-F03AA7BE37CF}" type="datetimeFigureOut">
               <a:rPr lang="en-US" smtClean="0"/>
-              <a:t>8/27/2021</a:t>
+              <a:t>9/29/2021</a:t>
             </a:fld>
             <a:endParaRPr lang="en-US"/>
           </a:p>
@@ -10874,7 +10874,7 @@
           <a:p>
             <a:fld id="{3C04E684-10F4-4CC3-A0B9-F03AA7BE37CF}" type="datetimeFigureOut">
               <a:rPr lang="en-US" smtClean="0"/>
-              <a:t>8/27/2021</a:t>
+              <a:t>9/29/2021</a:t>
             </a:fld>
             <a:endParaRPr lang="en-US"/>
           </a:p>
@@ -10987,7 +10987,7 @@
           <a:p>
             <a:fld id="{3C04E684-10F4-4CC3-A0B9-F03AA7BE37CF}" type="datetimeFigureOut">
               <a:rPr lang="en-US" smtClean="0"/>
-              <a:t>8/27/2021</a:t>
+              <a:t>9/29/2021</a:t>
             </a:fld>
             <a:endParaRPr lang="en-US"/>
           </a:p>
@@ -11494,7 +11494,7 @@
           <a:p>
             <a:fld id="{3C04E684-10F4-4CC3-A0B9-F03AA7BE37CF}" type="datetimeFigureOut">
               <a:rPr lang="en-US" smtClean="0"/>
-              <a:t>8/27/2021</a:t>
+              <a:t>9/29/2021</a:t>
             </a:fld>
             <a:endParaRPr lang="en-US"/>
           </a:p>
@@ -12797,7 +12797,7 @@
           <a:p>
             <a:fld id="{3C04E684-10F4-4CC3-A0B9-F03AA7BE37CF}" type="datetimeFigureOut">
               <a:rPr lang="en-US" smtClean="0"/>
-              <a:t>8/27/2021</a:t>
+              <a:t>9/29/2021</a:t>
             </a:fld>
             <a:endParaRPr lang="en-US"/>
           </a:p>
@@ -13044,7 +13044,7 @@
           <a:p>
             <a:fld id="{3C04E684-10F4-4CC3-A0B9-F03AA7BE37CF}" type="datetimeFigureOut">
               <a:rPr lang="en-US" smtClean="0"/>
-              <a:t>8/27/2021</a:t>
+              <a:t>9/29/2021</a:t>
             </a:fld>
             <a:endParaRPr lang="en-US"/>
           </a:p>
@@ -22766,6 +22766,158 @@
           <a:chExt cx="0" cy="0"/>
         </a:xfrm>
       </p:grpSpPr>
+      <p:sp>
+        <p:nvSpPr>
+          <p:cNvPr id="2" name="Rectangle 1">
+            <a:extLst>
+              <a:ext uri="{FF2B5EF4-FFF2-40B4-BE49-F238E27FC236}">
+                <a16:creationId xmlns:a16="http://schemas.microsoft.com/office/drawing/2014/main" id="{34DA4654-F6AA-40B1-916C-B92E04281D1E}"/>
+              </a:ext>
+            </a:extLst>
+          </p:cNvPr>
+          <p:cNvSpPr/>
+          <p:nvPr/>
+        </p:nvSpPr>
+        <p:spPr>
+          <a:xfrm>
+            <a:off x="1182848" y="511728"/>
+            <a:ext cx="7734649" cy="654342"/>
+          </a:xfrm>
+          <a:prstGeom prst="rect">
+            <a:avLst/>
+          </a:prstGeom>
+        </p:spPr>
+        <p:style>
+          <a:lnRef idx="2">
+            <a:schemeClr val="accent1">
+              <a:shade val="50000"/>
+            </a:schemeClr>
+          </a:lnRef>
+          <a:fillRef idx="1">
+            <a:schemeClr val="accent1"/>
+          </a:fillRef>
+          <a:effectRef idx="0">
+            <a:schemeClr val="accent1"/>
+          </a:effectRef>
+          <a:fontRef idx="minor">
+            <a:schemeClr val="lt1"/>
+          </a:fontRef>
+        </p:style>
+        <p:txBody>
+          <a:bodyPr rtlCol="0" anchor="ctr"/>
+          <a:lstStyle/>
+          <a:p>
+            <a:pPr algn="ctr"/>
+            <a:r>
+              <a:rPr lang="en-US" dirty="0"/>
+              <a:t>Using sender of the signal in slot() method</a:t>
+            </a:r>
+            <a:endParaRPr lang="en-IN" dirty="0"/>
+          </a:p>
+        </p:txBody>
+      </p:sp>
+      <p:sp>
+        <p:nvSpPr>
+          <p:cNvPr id="3" name="TextBox 2">
+            <a:extLst>
+              <a:ext uri="{FF2B5EF4-FFF2-40B4-BE49-F238E27FC236}">
+                <a16:creationId xmlns:a16="http://schemas.microsoft.com/office/drawing/2014/main" id="{DB57BA5F-FA01-4FA8-83FF-73FD0D534792}"/>
+              </a:ext>
+            </a:extLst>
+          </p:cNvPr>
+          <p:cNvSpPr txBox="1"/>
+          <p:nvPr/>
+        </p:nvSpPr>
+        <p:spPr>
+          <a:xfrm>
+            <a:off x="805343" y="1702965"/>
+            <a:ext cx="10503017" cy="2585323"/>
+          </a:xfrm>
+          <a:prstGeom prst="rect">
+            <a:avLst/>
+          </a:prstGeom>
+          <a:noFill/>
+        </p:spPr>
+        <p:txBody>
+          <a:bodyPr wrap="square" rtlCol="0">
+            <a:spAutoFit/>
+          </a:bodyPr>
+          <a:lstStyle/>
+          <a:p>
+            <a:r>
+              <a:rPr lang="en-US" dirty="0"/>
+              <a:t>Void Server::</a:t>
+            </a:r>
+            <a:r>
+              <a:rPr lang="en-US" dirty="0" err="1"/>
+              <a:t>onConnected</a:t>
+            </a:r>
+            <a:r>
+              <a:rPr lang="en-US" dirty="0"/>
+              <a:t>() {</a:t>
+            </a:r>
+            <a:br>
+              <a:rPr lang="en-US" dirty="0"/>
+            </a:br>
+            <a:r>
+              <a:rPr lang="en-US" dirty="0" err="1"/>
+              <a:t>QTCPSocket</a:t>
+            </a:r>
+            <a:r>
+              <a:rPr lang="en-US" dirty="0"/>
+              <a:t>* socket = </a:t>
+            </a:r>
+            <a:r>
+              <a:rPr lang="en-US" dirty="0" err="1"/>
+              <a:t>qobject_cast</a:t>
+            </a:r>
+            <a:r>
+              <a:rPr lang="en-US" dirty="0"/>
+              <a:t>&lt;</a:t>
+            </a:r>
+            <a:r>
+              <a:rPr lang="en-US" dirty="0" err="1"/>
+              <a:t>QTcpSocket</a:t>
+            </a:r>
+            <a:r>
+              <a:rPr lang="en-US" dirty="0"/>
+              <a:t>*&gt;(sender());</a:t>
+            </a:r>
+          </a:p>
+          <a:p>
+            <a:endParaRPr lang="en-US" dirty="0"/>
+          </a:p>
+          <a:p>
+            <a:endParaRPr lang="en-US" dirty="0"/>
+          </a:p>
+          <a:p>
+            <a:r>
+              <a:rPr lang="en-US" dirty="0"/>
+              <a:t>// In above way we can get the pointer to the sender from </a:t>
+            </a:r>
+            <a:r>
+              <a:rPr lang="en-US"/>
+              <a:t>the slot </a:t>
+            </a:r>
+            <a:endParaRPr lang="en-US" dirty="0"/>
+          </a:p>
+          <a:p>
+            <a:endParaRPr lang="en-US" dirty="0"/>
+          </a:p>
+          <a:p>
+            <a:endParaRPr lang="en-US" dirty="0"/>
+          </a:p>
+          <a:p>
+            <a:r>
+              <a:rPr lang="en-US" dirty="0"/>
+              <a:t>}</a:t>
+            </a:r>
+          </a:p>
+          <a:p>
+            <a:endParaRPr lang="en-IN" dirty="0"/>
+          </a:p>
+        </p:txBody>
+      </p:sp>
     </p:spTree>
     <p:extLst>
       <p:ext uri="{BB962C8B-B14F-4D97-AF65-F5344CB8AC3E}">

--- a/learnings.pptx
+++ b/learnings.pptx
@@ -26,26 +26,27 @@
     <p:sldId id="281" r:id="rId20"/>
     <p:sldId id="280" r:id="rId21"/>
     <p:sldId id="283" r:id="rId22"/>
-    <p:sldId id="295" r:id="rId23"/>
-    <p:sldId id="294" r:id="rId24"/>
-    <p:sldId id="285" r:id="rId25"/>
-    <p:sldId id="286" r:id="rId26"/>
-    <p:sldId id="287" r:id="rId27"/>
-    <p:sldId id="288" r:id="rId28"/>
-    <p:sldId id="289" r:id="rId29"/>
-    <p:sldId id="290" r:id="rId30"/>
-    <p:sldId id="291" r:id="rId31"/>
-    <p:sldId id="292" r:id="rId32"/>
-    <p:sldId id="293" r:id="rId33"/>
-    <p:sldId id="296" r:id="rId34"/>
-    <p:sldId id="297" r:id="rId35"/>
-    <p:sldId id="299" r:id="rId36"/>
-    <p:sldId id="300" r:id="rId37"/>
-    <p:sldId id="301" r:id="rId38"/>
-    <p:sldId id="302" r:id="rId39"/>
-    <p:sldId id="303" r:id="rId40"/>
-    <p:sldId id="304" r:id="rId41"/>
-    <p:sldId id="305" r:id="rId42"/>
+    <p:sldId id="306" r:id="rId23"/>
+    <p:sldId id="295" r:id="rId24"/>
+    <p:sldId id="294" r:id="rId25"/>
+    <p:sldId id="285" r:id="rId26"/>
+    <p:sldId id="286" r:id="rId27"/>
+    <p:sldId id="287" r:id="rId28"/>
+    <p:sldId id="288" r:id="rId29"/>
+    <p:sldId id="289" r:id="rId30"/>
+    <p:sldId id="290" r:id="rId31"/>
+    <p:sldId id="291" r:id="rId32"/>
+    <p:sldId id="292" r:id="rId33"/>
+    <p:sldId id="293" r:id="rId34"/>
+    <p:sldId id="296" r:id="rId35"/>
+    <p:sldId id="297" r:id="rId36"/>
+    <p:sldId id="299" r:id="rId37"/>
+    <p:sldId id="300" r:id="rId38"/>
+    <p:sldId id="301" r:id="rId39"/>
+    <p:sldId id="302" r:id="rId40"/>
+    <p:sldId id="303" r:id="rId41"/>
+    <p:sldId id="304" r:id="rId42"/>
+    <p:sldId id="305" r:id="rId43"/>
   </p:sldIdLst>
   <p:sldSz cx="12192000" cy="6858000"/>
   <p:notesSz cx="6858000" cy="9144000"/>
@@ -2499,7 +2500,7 @@
           <a:p>
             <a:fld id="{3C04E684-10F4-4CC3-A0B9-F03AA7BE37CF}" type="datetimeFigureOut">
               <a:rPr lang="en-US" smtClean="0"/>
-              <a:t>9/29/2021</a:t>
+              <a:t>10/13/2021</a:t>
             </a:fld>
             <a:endParaRPr lang="en-US"/>
           </a:p>
@@ -4989,7 +4990,7 @@
           <a:p>
             <a:fld id="{3C04E684-10F4-4CC3-A0B9-F03AA7BE37CF}" type="datetimeFigureOut">
               <a:rPr lang="en-US" smtClean="0"/>
-              <a:t>9/29/2021</a:t>
+              <a:t>10/13/2021</a:t>
             </a:fld>
             <a:endParaRPr lang="en-US"/>
           </a:p>
@@ -5187,7 +5188,7 @@
           <a:p>
             <a:fld id="{3C04E684-10F4-4CC3-A0B9-F03AA7BE37CF}" type="datetimeFigureOut">
               <a:rPr lang="en-US" smtClean="0"/>
-              <a:t>9/29/2021</a:t>
+              <a:t>10/13/2021</a:t>
             </a:fld>
             <a:endParaRPr lang="en-US"/>
           </a:p>
@@ -5395,7 +5396,7 @@
           <a:p>
             <a:fld id="{3C04E684-10F4-4CC3-A0B9-F03AA7BE37CF}" type="datetimeFigureOut">
               <a:rPr lang="en-US" smtClean="0"/>
-              <a:t>9/29/2021</a:t>
+              <a:t>10/13/2021</a:t>
             </a:fld>
             <a:endParaRPr lang="en-US"/>
           </a:p>
@@ -6132,7 +6133,7 @@
           <a:p>
             <a:fld id="{3C04E684-10F4-4CC3-A0B9-F03AA7BE37CF}" type="datetimeFigureOut">
               <a:rPr lang="en-US" smtClean="0"/>
-              <a:t>9/29/2021</a:t>
+              <a:t>10/13/2021</a:t>
             </a:fld>
             <a:endParaRPr lang="en-US"/>
           </a:p>
@@ -6774,7 +6775,7 @@
           <a:p>
             <a:fld id="{3C04E684-10F4-4CC3-A0B9-F03AA7BE37CF}" type="datetimeFigureOut">
               <a:rPr lang="en-US" smtClean="0"/>
-              <a:t>9/29/2021</a:t>
+              <a:t>10/13/2021</a:t>
             </a:fld>
             <a:endParaRPr lang="en-US"/>
           </a:p>
@@ -7574,7 +7575,7 @@
           <a:p>
             <a:fld id="{3C04E684-10F4-4CC3-A0B9-F03AA7BE37CF}" type="datetimeFigureOut">
               <a:rPr lang="en-US" smtClean="0"/>
-              <a:t>9/29/2021</a:t>
+              <a:t>10/13/2021</a:t>
             </a:fld>
             <a:endParaRPr lang="en-US"/>
           </a:p>
@@ -8525,7 +8526,7 @@
           <a:p>
             <a:fld id="{3C04E684-10F4-4CC3-A0B9-F03AA7BE37CF}" type="datetimeFigureOut">
               <a:rPr lang="en-US" smtClean="0"/>
-              <a:t>9/29/2021</a:t>
+              <a:t>10/13/2021</a:t>
             </a:fld>
             <a:endParaRPr lang="en-US"/>
           </a:p>
@@ -10874,7 +10875,7 @@
           <a:p>
             <a:fld id="{3C04E684-10F4-4CC3-A0B9-F03AA7BE37CF}" type="datetimeFigureOut">
               <a:rPr lang="en-US" smtClean="0"/>
-              <a:t>9/29/2021</a:t>
+              <a:t>10/13/2021</a:t>
             </a:fld>
             <a:endParaRPr lang="en-US"/>
           </a:p>
@@ -10987,7 +10988,7 @@
           <a:p>
             <a:fld id="{3C04E684-10F4-4CC3-A0B9-F03AA7BE37CF}" type="datetimeFigureOut">
               <a:rPr lang="en-US" smtClean="0"/>
-              <a:t>9/29/2021</a:t>
+              <a:t>10/13/2021</a:t>
             </a:fld>
             <a:endParaRPr lang="en-US"/>
           </a:p>
@@ -11494,7 +11495,7 @@
           <a:p>
             <a:fld id="{3C04E684-10F4-4CC3-A0B9-F03AA7BE37CF}" type="datetimeFigureOut">
               <a:rPr lang="en-US" smtClean="0"/>
-              <a:t>9/29/2021</a:t>
+              <a:t>10/13/2021</a:t>
             </a:fld>
             <a:endParaRPr lang="en-US"/>
           </a:p>
@@ -12797,7 +12798,7 @@
           <a:p>
             <a:fld id="{3C04E684-10F4-4CC3-A0B9-F03AA7BE37CF}" type="datetimeFigureOut">
               <a:rPr lang="en-US" smtClean="0"/>
-              <a:t>9/29/2021</a:t>
+              <a:t>10/13/2021</a:t>
             </a:fld>
             <a:endParaRPr lang="en-US"/>
           </a:p>
@@ -13044,7 +13045,7 @@
           <a:p>
             <a:fld id="{3C04E684-10F4-4CC3-A0B9-F03AA7BE37CF}" type="datetimeFigureOut">
               <a:rPr lang="en-US" smtClean="0"/>
-              <a:t>9/29/2021</a:t>
+              <a:t>10/13/2021</a:t>
             </a:fld>
             <a:endParaRPr lang="en-US"/>
           </a:p>
@@ -18464,6 +18465,89 @@
           <a:chExt cx="0" cy="0"/>
         </a:xfrm>
       </p:grpSpPr>
+      <p:sp>
+        <p:nvSpPr>
+          <p:cNvPr id="3" name="Content Placeholder 2">
+            <a:extLst>
+              <a:ext uri="{FF2B5EF4-FFF2-40B4-BE49-F238E27FC236}">
+                <a16:creationId xmlns:a16="http://schemas.microsoft.com/office/drawing/2014/main" id="{CE27866C-DFF4-49EA-822B-6683FDF967AD}"/>
+              </a:ext>
+            </a:extLst>
+          </p:cNvPr>
+          <p:cNvSpPr>
+            <a:spLocks noGrp="1"/>
+          </p:cNvSpPr>
+          <p:nvPr>
+            <p:ph idx="1"/>
+          </p:nvPr>
+        </p:nvSpPr>
+        <p:spPr/>
+        <p:txBody>
+          <a:bodyPr>
+            <a:normAutofit/>
+          </a:bodyPr>
+          <a:lstStyle/>
+          <a:p>
+            <a:r>
+              <a:rPr lang="en-IN" sz="1800" dirty="0" err="1"/>
+              <a:t>windeployqt</a:t>
+            </a:r>
+            <a:r>
+              <a:rPr lang="en-IN" sz="1800" dirty="0"/>
+              <a:t> ./build-ecgSimulator-Desktop_Qt_5_14_2_MSVC2017_64bit-Release\release\ecgSimulator.exe --</a:t>
+            </a:r>
+            <a:r>
+              <a:rPr lang="en-IN" sz="1800" dirty="0" err="1"/>
+              <a:t>dir</a:t>
+            </a:r>
+            <a:r>
+              <a:rPr lang="en-IN" sz="1800" dirty="0"/>
+              <a:t> D:\test\ECGSimulatorCmd --</a:t>
+            </a:r>
+            <a:r>
+              <a:rPr lang="en-IN" sz="1800" dirty="0" err="1"/>
+              <a:t>qmldir</a:t>
+            </a:r>
+            <a:r>
+              <a:rPr lang="en-IN" sz="1800" dirty="0"/>
+              <a:t> D:\ConsoleDevelopment\Tools\ecgSimulator</a:t>
+            </a:r>
+          </a:p>
+          <a:p>
+            <a:endParaRPr lang="en-IN" sz="1800" dirty="0"/>
+          </a:p>
+        </p:txBody>
+      </p:sp>
+    </p:spTree>
+    <p:extLst>
+      <p:ext uri="{BB962C8B-B14F-4D97-AF65-F5344CB8AC3E}">
+        <p14:creationId xmlns:p14="http://schemas.microsoft.com/office/powerpoint/2010/main" val="951260975"/>
+      </p:ext>
+    </p:extLst>
+  </p:cSld>
+  <p:clrMapOvr>
+    <a:masterClrMapping/>
+  </p:clrMapOvr>
+</p:sld>
+</file>
+
+<file path=ppt/slides/slide23.xml><?xml version="1.0" encoding="utf-8"?>
+<p:sld xmlns:a="http://schemas.openxmlformats.org/drawingml/2006/main" xmlns:r="http://schemas.openxmlformats.org/officeDocument/2006/relationships" xmlns:p="http://schemas.openxmlformats.org/presentationml/2006/main">
+  <p:cSld>
+    <p:spTree>
+      <p:nvGrpSpPr>
+        <p:cNvPr id="1" name=""/>
+        <p:cNvGrpSpPr/>
+        <p:nvPr/>
+      </p:nvGrpSpPr>
+      <p:grpSpPr>
+        <a:xfrm>
+          <a:off x="0" y="0"/>
+          <a:ext cx="0" cy="0"/>
+          <a:chOff x="0" y="0"/>
+          <a:chExt cx="0" cy="0"/>
+        </a:xfrm>
+      </p:grpSpPr>
       <p:pic>
         <p:nvPicPr>
           <p:cNvPr id="4" name="Picture 3" descr="Table&#10;&#10;Description automatically generated">
@@ -18570,7 +18654,7 @@
 </p:sld>
 </file>
 
-<file path=ppt/slides/slide23.xml><?xml version="1.0" encoding="utf-8"?>
+<file path=ppt/slides/slide24.xml><?xml version="1.0" encoding="utf-8"?>
 <p:sld xmlns:a="http://schemas.openxmlformats.org/drawingml/2006/main" xmlns:r="http://schemas.openxmlformats.org/officeDocument/2006/relationships" xmlns:p="http://schemas.openxmlformats.org/presentationml/2006/main">
   <p:cSld>
     <p:spTree>
@@ -18699,7 +18783,7 @@
 </p:sld>
 </file>
 
-<file path=ppt/slides/slide24.xml><?xml version="1.0" encoding="utf-8"?>
+<file path=ppt/slides/slide25.xml><?xml version="1.0" encoding="utf-8"?>
 <p:sld xmlns:a="http://schemas.openxmlformats.org/drawingml/2006/main" xmlns:r="http://schemas.openxmlformats.org/officeDocument/2006/relationships" xmlns:p="http://schemas.openxmlformats.org/presentationml/2006/main">
   <p:cSld>
     <p:spTree>
@@ -18954,7 +19038,7 @@
 </p:sld>
 </file>
 
-<file path=ppt/slides/slide25.xml><?xml version="1.0" encoding="utf-8"?>
+<file path=ppt/slides/slide26.xml><?xml version="1.0" encoding="utf-8"?>
 <p:sld xmlns:a="http://schemas.openxmlformats.org/drawingml/2006/main" xmlns:r="http://schemas.openxmlformats.org/officeDocument/2006/relationships" xmlns:p="http://schemas.openxmlformats.org/presentationml/2006/main">
   <p:cSld>
     <p:spTree>
@@ -19377,7 +19461,7 @@
 </p:sld>
 </file>
 
-<file path=ppt/slides/slide26.xml><?xml version="1.0" encoding="utf-8"?>
+<file path=ppt/slides/slide27.xml><?xml version="1.0" encoding="utf-8"?>
 <p:sld xmlns:a="http://schemas.openxmlformats.org/drawingml/2006/main" xmlns:r="http://schemas.openxmlformats.org/officeDocument/2006/relationships" xmlns:p="http://schemas.openxmlformats.org/presentationml/2006/main">
   <p:cSld>
     <p:spTree>
@@ -19595,7 +19679,7 @@
 </p:sld>
 </file>
 
-<file path=ppt/slides/slide27.xml><?xml version="1.0" encoding="utf-8"?>
+<file path=ppt/slides/slide28.xml><?xml version="1.0" encoding="utf-8"?>
 <p:sld xmlns:a="http://schemas.openxmlformats.org/drawingml/2006/main" xmlns:r="http://schemas.openxmlformats.org/officeDocument/2006/relationships" xmlns:p="http://schemas.openxmlformats.org/presentationml/2006/main">
   <p:cSld>
     <p:spTree>
@@ -19994,7 +20078,7 @@
 </p:sld>
 </file>
 
-<file path=ppt/slides/slide28.xml><?xml version="1.0" encoding="utf-8"?>
+<file path=ppt/slides/slide29.xml><?xml version="1.0" encoding="utf-8"?>
 <p:sld xmlns:a="http://schemas.openxmlformats.org/drawingml/2006/main" xmlns:r="http://schemas.openxmlformats.org/officeDocument/2006/relationships" xmlns:p="http://schemas.openxmlformats.org/presentationml/2006/main">
   <p:cSld>
     <p:spTree>
@@ -20275,561 +20359,6 @@
     <p:extLst>
       <p:ext uri="{BB962C8B-B14F-4D97-AF65-F5344CB8AC3E}">
         <p14:creationId xmlns:p14="http://schemas.microsoft.com/office/powerpoint/2010/main" val="81182724"/>
-      </p:ext>
-    </p:extLst>
-  </p:cSld>
-  <p:clrMapOvr>
-    <a:masterClrMapping/>
-  </p:clrMapOvr>
-</p:sld>
-</file>
-
-<file path=ppt/slides/slide29.xml><?xml version="1.0" encoding="utf-8"?>
-<p:sld xmlns:a="http://schemas.openxmlformats.org/drawingml/2006/main" xmlns:r="http://schemas.openxmlformats.org/officeDocument/2006/relationships" xmlns:p="http://schemas.openxmlformats.org/presentationml/2006/main">
-  <p:cSld>
-    <p:spTree>
-      <p:nvGrpSpPr>
-        <p:cNvPr id="1" name=""/>
-        <p:cNvGrpSpPr/>
-        <p:nvPr/>
-      </p:nvGrpSpPr>
-      <p:grpSpPr>
-        <a:xfrm>
-          <a:off x="0" y="0"/>
-          <a:ext cx="0" cy="0"/>
-          <a:chOff x="0" y="0"/>
-          <a:chExt cx="0" cy="0"/>
-        </a:xfrm>
-      </p:grpSpPr>
-      <p:sp>
-        <p:nvSpPr>
-          <p:cNvPr id="3" name="TextBox 2">
-            <a:extLst>
-              <a:ext uri="{FF2B5EF4-FFF2-40B4-BE49-F238E27FC236}">
-                <a16:creationId xmlns:a16="http://schemas.microsoft.com/office/drawing/2014/main" id="{5457CBF5-C3B7-4B03-BCF6-BF89C10FF25E}"/>
-              </a:ext>
-            </a:extLst>
-          </p:cNvPr>
-          <p:cNvSpPr txBox="1"/>
-          <p:nvPr/>
-        </p:nvSpPr>
-        <p:spPr>
-          <a:xfrm>
-            <a:off x="576000" y="2365560"/>
-            <a:ext cx="5650200" cy="1882440"/>
-          </a:xfrm>
-          <a:prstGeom prst="rect">
-            <a:avLst/>
-          </a:prstGeom>
-          <a:noFill/>
-          <a:ln>
-            <a:noFill/>
-          </a:ln>
-        </p:spPr>
-        <p:txBody>
-          <a:bodyPr vert="horz" wrap="none" lIns="90000" tIns="45000" rIns="90000" bIns="45000" anchorCtr="0" compatLnSpc="0"/>
-          <a:lstStyle/>
-          <a:p>
-            <a:pPr marL="0" marR="0" lvl="0" indent="0" rtl="0" hangingPunct="0">
-              <a:lnSpc>
-                <a:spcPct val="100000"/>
-              </a:lnSpc>
-              <a:spcBef>
-                <a:spcPts val="0"/>
-              </a:spcBef>
-              <a:spcAft>
-                <a:spcPts val="0"/>
-              </a:spcAft>
-              <a:buNone/>
-              <a:tabLst/>
-            </a:pPr>
-            <a:r>
-              <a:rPr lang="en-IN" sz="1800" b="0" i="0" u="none" strike="noStrike" kern="1200" cap="none" dirty="0" err="1">
-                <a:ln>
-                  <a:noFill/>
-                </a:ln>
-                <a:latin typeface="Liberation Sans" pitchFamily="18"/>
-                <a:ea typeface="Segoe UI" pitchFamily="2"/>
-                <a:cs typeface="Tahoma" pitchFamily="2"/>
-              </a:rPr>
-              <a:t>QPalette</a:t>
-            </a:r>
-            <a:r>
-              <a:rPr lang="en-IN" sz="1800" b="0" i="0" u="none" strike="noStrike" kern="1200" cap="none" dirty="0">
-                <a:ln>
-                  <a:noFill/>
-                </a:ln>
-                <a:latin typeface="Liberation Sans" pitchFamily="18"/>
-                <a:ea typeface="Segoe UI" pitchFamily="2"/>
-                <a:cs typeface="Tahoma" pitchFamily="2"/>
-              </a:rPr>
-              <a:t> </a:t>
-            </a:r>
-            <a:r>
-              <a:rPr lang="en-IN" sz="1800" b="0" i="0" u="none" strike="noStrike" kern="1200" cap="none" dirty="0" err="1">
-                <a:ln>
-                  <a:noFill/>
-                </a:ln>
-                <a:latin typeface="Liberation Sans" pitchFamily="18"/>
-                <a:ea typeface="Segoe UI" pitchFamily="2"/>
-                <a:cs typeface="Tahoma" pitchFamily="2"/>
-              </a:rPr>
-              <a:t>test_pallete</a:t>
-            </a:r>
-            <a:r>
-              <a:rPr lang="en-IN" sz="1800" b="0" i="0" u="none" strike="noStrike" kern="1200" cap="none" dirty="0">
-                <a:ln>
-                  <a:noFill/>
-                </a:ln>
-                <a:latin typeface="Liberation Sans" pitchFamily="18"/>
-                <a:ea typeface="Segoe UI" pitchFamily="2"/>
-                <a:cs typeface="Tahoma" pitchFamily="2"/>
-              </a:rPr>
-              <a:t>;</a:t>
-            </a:r>
-          </a:p>
-          <a:p>
-            <a:pPr marL="0" marR="0" lvl="0" indent="0" rtl="0" hangingPunct="0">
-              <a:lnSpc>
-                <a:spcPct val="100000"/>
-              </a:lnSpc>
-              <a:spcBef>
-                <a:spcPts val="0"/>
-              </a:spcBef>
-              <a:spcAft>
-                <a:spcPts val="0"/>
-              </a:spcAft>
-              <a:buNone/>
-              <a:tabLst/>
-            </a:pPr>
-            <a:r>
-              <a:rPr lang="en-IN" sz="1800" b="0" i="0" u="none" strike="noStrike" kern="1200" cap="none" dirty="0" err="1">
-                <a:ln>
-                  <a:noFill/>
-                </a:ln>
-                <a:latin typeface="Liberation Sans" pitchFamily="18"/>
-                <a:ea typeface="Segoe UI" pitchFamily="2"/>
-                <a:cs typeface="Tahoma" pitchFamily="2"/>
-              </a:rPr>
-              <a:t>test_pallete.setColor</a:t>
-            </a:r>
-            <a:r>
-              <a:rPr lang="en-IN" sz="1800" b="0" i="0" u="none" strike="noStrike" kern="1200" cap="none" dirty="0">
-                <a:ln>
-                  <a:noFill/>
-                </a:ln>
-                <a:latin typeface="Liberation Sans" pitchFamily="18"/>
-                <a:ea typeface="Segoe UI" pitchFamily="2"/>
-                <a:cs typeface="Tahoma" pitchFamily="2"/>
-              </a:rPr>
-              <a:t>(</a:t>
-            </a:r>
-            <a:r>
-              <a:rPr lang="en-IN" sz="1800" b="0" i="0" u="none" strike="noStrike" kern="1200" cap="none" dirty="0" err="1">
-                <a:ln>
-                  <a:noFill/>
-                </a:ln>
-                <a:latin typeface="Liberation Sans" pitchFamily="18"/>
-                <a:ea typeface="Segoe UI" pitchFamily="2"/>
-                <a:cs typeface="Tahoma" pitchFamily="2"/>
-              </a:rPr>
-              <a:t>QPalette</a:t>
-            </a:r>
-            <a:r>
-              <a:rPr lang="en-IN" sz="1800" b="0" i="0" u="none" strike="noStrike" kern="1200" cap="none" dirty="0">
-                <a:ln>
-                  <a:noFill/>
-                </a:ln>
-                <a:latin typeface="Liberation Sans" pitchFamily="18"/>
-                <a:ea typeface="Segoe UI" pitchFamily="2"/>
-                <a:cs typeface="Tahoma" pitchFamily="2"/>
-              </a:rPr>
-              <a:t>::Window, Qt::white);</a:t>
-            </a:r>
-          </a:p>
-          <a:p>
-            <a:pPr marL="0" marR="0" lvl="0" indent="0" rtl="0" hangingPunct="0">
-              <a:lnSpc>
-                <a:spcPct val="100000"/>
-              </a:lnSpc>
-              <a:spcBef>
-                <a:spcPts val="0"/>
-              </a:spcBef>
-              <a:spcAft>
-                <a:spcPts val="0"/>
-              </a:spcAft>
-              <a:buNone/>
-              <a:tabLst/>
-            </a:pPr>
-            <a:r>
-              <a:rPr lang="en-IN" sz="1800" b="0" i="0" u="none" strike="noStrike" kern="1200" cap="none" dirty="0" err="1">
-                <a:ln>
-                  <a:noFill/>
-                </a:ln>
-                <a:latin typeface="Liberation Sans" pitchFamily="18"/>
-                <a:ea typeface="Segoe UI" pitchFamily="2"/>
-                <a:cs typeface="Tahoma" pitchFamily="2"/>
-              </a:rPr>
-              <a:t>test_pallete.setColor</a:t>
-            </a:r>
-            <a:r>
-              <a:rPr lang="en-IN" sz="1800" b="0" i="0" u="none" strike="noStrike" kern="1200" cap="none" dirty="0">
-                <a:ln>
-                  <a:noFill/>
-                </a:ln>
-                <a:latin typeface="Liberation Sans" pitchFamily="18"/>
-                <a:ea typeface="Segoe UI" pitchFamily="2"/>
-                <a:cs typeface="Tahoma" pitchFamily="2"/>
-              </a:rPr>
-              <a:t>(</a:t>
-            </a:r>
-            <a:r>
-              <a:rPr lang="en-IN" sz="1800" b="0" i="0" u="none" strike="noStrike" kern="1200" cap="none" dirty="0" err="1">
-                <a:ln>
-                  <a:noFill/>
-                </a:ln>
-                <a:latin typeface="Liberation Sans" pitchFamily="18"/>
-                <a:ea typeface="Segoe UI" pitchFamily="2"/>
-                <a:cs typeface="Tahoma" pitchFamily="2"/>
-              </a:rPr>
-              <a:t>QPalette</a:t>
-            </a:r>
-            <a:r>
-              <a:rPr lang="en-IN" sz="1800" b="0" i="0" u="none" strike="noStrike" kern="1200" cap="none" dirty="0">
-                <a:ln>
-                  <a:noFill/>
-                </a:ln>
-                <a:latin typeface="Liberation Sans" pitchFamily="18"/>
-                <a:ea typeface="Segoe UI" pitchFamily="2"/>
-                <a:cs typeface="Tahoma" pitchFamily="2"/>
-              </a:rPr>
-              <a:t>::</a:t>
-            </a:r>
-            <a:r>
-              <a:rPr lang="en-IN" sz="1800" b="0" i="0" u="none" strike="noStrike" kern="1200" cap="none" dirty="0" err="1">
-                <a:ln>
-                  <a:noFill/>
-                </a:ln>
-                <a:latin typeface="Liberation Sans" pitchFamily="18"/>
-                <a:ea typeface="Segoe UI" pitchFamily="2"/>
-                <a:cs typeface="Tahoma" pitchFamily="2"/>
-              </a:rPr>
-              <a:t>WindowText</a:t>
-            </a:r>
-            <a:r>
-              <a:rPr lang="en-IN" sz="1800" b="0" i="0" u="none" strike="noStrike" kern="1200" cap="none" dirty="0">
-                <a:ln>
-                  <a:noFill/>
-                </a:ln>
-                <a:latin typeface="Liberation Sans" pitchFamily="18"/>
-                <a:ea typeface="Segoe UI" pitchFamily="2"/>
-                <a:cs typeface="Tahoma" pitchFamily="2"/>
-              </a:rPr>
-              <a:t>, Qt::blue);</a:t>
-            </a:r>
-          </a:p>
-          <a:p>
-            <a:pPr marL="0" marR="0" lvl="0" indent="0" rtl="0" hangingPunct="0">
-              <a:lnSpc>
-                <a:spcPct val="100000"/>
-              </a:lnSpc>
-              <a:spcBef>
-                <a:spcPts val="0"/>
-              </a:spcBef>
-              <a:spcAft>
-                <a:spcPts val="0"/>
-              </a:spcAft>
-              <a:buNone/>
-              <a:tabLst/>
-            </a:pPr>
-            <a:endParaRPr lang="en-IN" sz="1800" b="0" i="0" u="none" strike="noStrike" kern="1200" cap="none" dirty="0">
-              <a:ln>
-                <a:noFill/>
-              </a:ln>
-              <a:latin typeface="Liberation Sans" pitchFamily="18"/>
-              <a:ea typeface="Segoe UI" pitchFamily="2"/>
-              <a:cs typeface="Tahoma" pitchFamily="2"/>
-            </a:endParaRPr>
-          </a:p>
-          <a:p>
-            <a:pPr marL="0" marR="0" lvl="0" indent="0" rtl="0" hangingPunct="0">
-              <a:lnSpc>
-                <a:spcPct val="100000"/>
-              </a:lnSpc>
-              <a:spcBef>
-                <a:spcPts val="0"/>
-              </a:spcBef>
-              <a:spcAft>
-                <a:spcPts val="0"/>
-              </a:spcAft>
-              <a:buNone/>
-              <a:tabLst/>
-            </a:pPr>
-            <a:r>
-              <a:rPr lang="en-IN" sz="1800" b="0" i="0" u="none" strike="noStrike" kern="1200" cap="none" dirty="0" err="1">
-                <a:ln>
-                  <a:noFill/>
-                </a:ln>
-                <a:latin typeface="Liberation Sans" pitchFamily="18"/>
-                <a:ea typeface="Segoe UI" pitchFamily="2"/>
-                <a:cs typeface="Tahoma" pitchFamily="2"/>
-              </a:rPr>
-              <a:t>test_label</a:t>
-            </a:r>
-            <a:r>
-              <a:rPr lang="en-IN" sz="1800" b="0" i="0" u="none" strike="noStrike" kern="1200" cap="none" dirty="0">
-                <a:ln>
-                  <a:noFill/>
-                </a:ln>
-                <a:latin typeface="Liberation Sans" pitchFamily="18"/>
-                <a:ea typeface="Segoe UI" pitchFamily="2"/>
-                <a:cs typeface="Tahoma" pitchFamily="2"/>
-              </a:rPr>
-              <a:t>-&gt;</a:t>
-            </a:r>
-            <a:r>
-              <a:rPr lang="en-IN" sz="1800" b="0" i="0" u="none" strike="noStrike" kern="1200" cap="none" dirty="0" err="1">
-                <a:ln>
-                  <a:noFill/>
-                </a:ln>
-                <a:latin typeface="Liberation Sans" pitchFamily="18"/>
-                <a:ea typeface="Segoe UI" pitchFamily="2"/>
-                <a:cs typeface="Tahoma" pitchFamily="2"/>
-              </a:rPr>
-              <a:t>setAutoFillBackground</a:t>
-            </a:r>
-            <a:r>
-              <a:rPr lang="en-IN" sz="1800" b="0" i="0" u="none" strike="noStrike" kern="1200" cap="none" dirty="0">
-                <a:ln>
-                  <a:noFill/>
-                </a:ln>
-                <a:latin typeface="Liberation Sans" pitchFamily="18"/>
-                <a:ea typeface="Segoe UI" pitchFamily="2"/>
-                <a:cs typeface="Tahoma" pitchFamily="2"/>
-              </a:rPr>
-              <a:t>(true);</a:t>
-            </a:r>
-          </a:p>
-          <a:p>
-            <a:pPr marL="0" marR="0" lvl="0" indent="0" rtl="0" hangingPunct="0">
-              <a:lnSpc>
-                <a:spcPct val="100000"/>
-              </a:lnSpc>
-              <a:spcBef>
-                <a:spcPts val="0"/>
-              </a:spcBef>
-              <a:spcAft>
-                <a:spcPts val="0"/>
-              </a:spcAft>
-              <a:buNone/>
-              <a:tabLst/>
-            </a:pPr>
-            <a:r>
-              <a:rPr lang="en-IN" sz="1800" b="0" i="0" u="none" strike="noStrike" kern="1200" cap="none" dirty="0" err="1">
-                <a:ln>
-                  <a:noFill/>
-                </a:ln>
-                <a:latin typeface="Liberation Sans" pitchFamily="18"/>
-                <a:ea typeface="Segoe UI" pitchFamily="2"/>
-                <a:cs typeface="Tahoma" pitchFamily="2"/>
-              </a:rPr>
-              <a:t>test_label</a:t>
-            </a:r>
-            <a:r>
-              <a:rPr lang="en-IN" sz="1800" b="0" i="0" u="none" strike="noStrike" kern="1200" cap="none" dirty="0">
-                <a:ln>
-                  <a:noFill/>
-                </a:ln>
-                <a:latin typeface="Liberation Sans" pitchFamily="18"/>
-                <a:ea typeface="Segoe UI" pitchFamily="2"/>
-                <a:cs typeface="Tahoma" pitchFamily="2"/>
-              </a:rPr>
-              <a:t>-&gt;</a:t>
-            </a:r>
-            <a:r>
-              <a:rPr lang="en-IN" sz="1800" b="0" i="0" u="none" strike="noStrike" kern="1200" cap="none" dirty="0" err="1">
-                <a:ln>
-                  <a:noFill/>
-                </a:ln>
-                <a:latin typeface="Liberation Sans" pitchFamily="18"/>
-                <a:ea typeface="Segoe UI" pitchFamily="2"/>
-                <a:cs typeface="Tahoma" pitchFamily="2"/>
-              </a:rPr>
-              <a:t>setPalette</a:t>
-            </a:r>
-            <a:r>
-              <a:rPr lang="en-IN" sz="1800" b="0" i="0" u="none" strike="noStrike" kern="1200" cap="none" dirty="0">
-                <a:ln>
-                  <a:noFill/>
-                </a:ln>
-                <a:latin typeface="Liberation Sans" pitchFamily="18"/>
-                <a:ea typeface="Segoe UI" pitchFamily="2"/>
-                <a:cs typeface="Tahoma" pitchFamily="2"/>
-              </a:rPr>
-              <a:t>(</a:t>
-            </a:r>
-            <a:r>
-              <a:rPr lang="en-IN" sz="1800" b="0" i="0" u="none" strike="noStrike" kern="1200" cap="none" dirty="0" err="1">
-                <a:ln>
-                  <a:noFill/>
-                </a:ln>
-                <a:latin typeface="Liberation Sans" pitchFamily="18"/>
-                <a:ea typeface="Segoe UI" pitchFamily="2"/>
-                <a:cs typeface="Tahoma" pitchFamily="2"/>
-              </a:rPr>
-              <a:t>test_pallete</a:t>
-            </a:r>
-            <a:r>
-              <a:rPr lang="en-IN" sz="1800" b="0" i="0" u="none" strike="noStrike" kern="1200" cap="none" dirty="0">
-                <a:ln>
-                  <a:noFill/>
-                </a:ln>
-                <a:latin typeface="Liberation Sans" pitchFamily="18"/>
-                <a:ea typeface="Segoe UI" pitchFamily="2"/>
-                <a:cs typeface="Tahoma" pitchFamily="2"/>
-              </a:rPr>
-              <a:t>);</a:t>
-            </a:r>
-          </a:p>
-          <a:p>
-            <a:pPr marL="0" marR="0" lvl="0" indent="0" rtl="0" hangingPunct="0">
-              <a:lnSpc>
-                <a:spcPct val="100000"/>
-              </a:lnSpc>
-              <a:spcBef>
-                <a:spcPts val="0"/>
-              </a:spcBef>
-              <a:spcAft>
-                <a:spcPts val="0"/>
-              </a:spcAft>
-              <a:buNone/>
-              <a:tabLst/>
-            </a:pPr>
-            <a:r>
-              <a:rPr lang="en-IN" sz="1800" b="0" i="0" u="none" strike="noStrike" kern="1200" cap="none" dirty="0" err="1">
-                <a:ln>
-                  <a:noFill/>
-                </a:ln>
-                <a:latin typeface="Liberation Sans" pitchFamily="18"/>
-                <a:ea typeface="Segoe UI" pitchFamily="2"/>
-                <a:cs typeface="Tahoma" pitchFamily="2"/>
-              </a:rPr>
-              <a:t>test_label</a:t>
-            </a:r>
-            <a:r>
-              <a:rPr lang="en-IN" sz="1800" b="0" i="0" u="none" strike="noStrike" kern="1200" cap="none" dirty="0">
-                <a:ln>
-                  <a:noFill/>
-                </a:ln>
-                <a:latin typeface="Liberation Sans" pitchFamily="18"/>
-                <a:ea typeface="Segoe UI" pitchFamily="2"/>
-                <a:cs typeface="Tahoma" pitchFamily="2"/>
-              </a:rPr>
-              <a:t>-&gt;</a:t>
-            </a:r>
-            <a:r>
-              <a:rPr lang="en-IN" sz="1800" b="0" i="0" u="none" strike="noStrike" kern="1200" cap="none" dirty="0" err="1">
-                <a:ln>
-                  <a:noFill/>
-                </a:ln>
-                <a:latin typeface="Liberation Sans" pitchFamily="18"/>
-                <a:ea typeface="Segoe UI" pitchFamily="2"/>
-                <a:cs typeface="Tahoma" pitchFamily="2"/>
-              </a:rPr>
-              <a:t>setText</a:t>
-            </a:r>
-            <a:r>
-              <a:rPr lang="en-IN" sz="1800" b="0" i="0" u="none" strike="noStrike" kern="1200" cap="none" dirty="0">
-                <a:ln>
-                  <a:noFill/>
-                </a:ln>
-                <a:latin typeface="Liberation Sans" pitchFamily="18"/>
-                <a:ea typeface="Segoe UI" pitchFamily="2"/>
-                <a:cs typeface="Tahoma" pitchFamily="2"/>
-              </a:rPr>
-              <a:t>("Hello World");</a:t>
-            </a:r>
-          </a:p>
-        </p:txBody>
-      </p:sp>
-      <p:sp>
-        <p:nvSpPr>
-          <p:cNvPr id="6" name="Rectangle: Rounded Corners 5">
-            <a:extLst>
-              <a:ext uri="{FF2B5EF4-FFF2-40B4-BE49-F238E27FC236}">
-                <a16:creationId xmlns:a16="http://schemas.microsoft.com/office/drawing/2014/main" id="{F0D4FAEC-1658-4AEA-B7E7-5ECD7501E74D}"/>
-              </a:ext>
-            </a:extLst>
-          </p:cNvPr>
-          <p:cNvSpPr/>
-          <p:nvPr/>
-        </p:nvSpPr>
-        <p:spPr>
-          <a:xfrm>
-            <a:off x="576000" y="774915"/>
-            <a:ext cx="5736022" cy="763398"/>
-          </a:xfrm>
-          <a:prstGeom prst="roundRect">
-            <a:avLst/>
-          </a:prstGeom>
-        </p:spPr>
-        <p:style>
-          <a:lnRef idx="2">
-            <a:schemeClr val="accent1">
-              <a:shade val="50000"/>
-            </a:schemeClr>
-          </a:lnRef>
-          <a:fillRef idx="1">
-            <a:schemeClr val="accent1"/>
-          </a:fillRef>
-          <a:effectRef idx="0">
-            <a:schemeClr val="accent1"/>
-          </a:effectRef>
-          <a:fontRef idx="minor">
-            <a:schemeClr val="lt1"/>
-          </a:fontRef>
-        </p:style>
-        <p:txBody>
-          <a:bodyPr rtlCol="0" anchor="ctr"/>
-          <a:lstStyle/>
-          <a:p>
-            <a:r>
-              <a:rPr lang="en-IN" sz="1800" i="0" dirty="0">
-                <a:cs typeface="Tahoma" pitchFamily="2"/>
-              </a:rPr>
-              <a:t>set </a:t>
-            </a:r>
-            <a:r>
-              <a:rPr lang="en-IN" sz="1800" i="0" dirty="0" err="1">
-                <a:cs typeface="Tahoma" pitchFamily="2"/>
-              </a:rPr>
-              <a:t>color</a:t>
-            </a:r>
-            <a:r>
-              <a:rPr lang="en-IN" sz="1800" i="0" dirty="0">
-                <a:cs typeface="Tahoma" pitchFamily="2"/>
-              </a:rPr>
-              <a:t> of text and background of a </a:t>
-            </a:r>
-            <a:r>
-              <a:rPr lang="en-IN" sz="1800" i="0" dirty="0" err="1">
-                <a:cs typeface="Tahoma" pitchFamily="2"/>
-              </a:rPr>
-              <a:t>QLabel</a:t>
-            </a:r>
-            <a:r>
-              <a:rPr lang="en-IN" sz="1800" i="0" dirty="0">
-                <a:cs typeface="Tahoma" pitchFamily="2"/>
-              </a:rPr>
-              <a:t>?</a:t>
-            </a:r>
-          </a:p>
-        </p:txBody>
-      </p:sp>
-    </p:spTree>
-    <p:extLst>
-      <p:ext uri="{BB962C8B-B14F-4D97-AF65-F5344CB8AC3E}">
-        <p14:creationId xmlns:p14="http://schemas.microsoft.com/office/powerpoint/2010/main" val="4006772550"/>
       </p:ext>
     </p:extLst>
   </p:cSld>
@@ -21036,6 +20565,561 @@
           <p:cNvPr id="3" name="TextBox 2">
             <a:extLst>
               <a:ext uri="{FF2B5EF4-FFF2-40B4-BE49-F238E27FC236}">
+                <a16:creationId xmlns:a16="http://schemas.microsoft.com/office/drawing/2014/main" id="{5457CBF5-C3B7-4B03-BCF6-BF89C10FF25E}"/>
+              </a:ext>
+            </a:extLst>
+          </p:cNvPr>
+          <p:cNvSpPr txBox="1"/>
+          <p:nvPr/>
+        </p:nvSpPr>
+        <p:spPr>
+          <a:xfrm>
+            <a:off x="576000" y="2365560"/>
+            <a:ext cx="5650200" cy="1882440"/>
+          </a:xfrm>
+          <a:prstGeom prst="rect">
+            <a:avLst/>
+          </a:prstGeom>
+          <a:noFill/>
+          <a:ln>
+            <a:noFill/>
+          </a:ln>
+        </p:spPr>
+        <p:txBody>
+          <a:bodyPr vert="horz" wrap="none" lIns="90000" tIns="45000" rIns="90000" bIns="45000" anchorCtr="0" compatLnSpc="0"/>
+          <a:lstStyle/>
+          <a:p>
+            <a:pPr marL="0" marR="0" lvl="0" indent="0" rtl="0" hangingPunct="0">
+              <a:lnSpc>
+                <a:spcPct val="100000"/>
+              </a:lnSpc>
+              <a:spcBef>
+                <a:spcPts val="0"/>
+              </a:spcBef>
+              <a:spcAft>
+                <a:spcPts val="0"/>
+              </a:spcAft>
+              <a:buNone/>
+              <a:tabLst/>
+            </a:pPr>
+            <a:r>
+              <a:rPr lang="en-IN" sz="1800" b="0" i="0" u="none" strike="noStrike" kern="1200" cap="none" dirty="0" err="1">
+                <a:ln>
+                  <a:noFill/>
+                </a:ln>
+                <a:latin typeface="Liberation Sans" pitchFamily="18"/>
+                <a:ea typeface="Segoe UI" pitchFamily="2"/>
+                <a:cs typeface="Tahoma" pitchFamily="2"/>
+              </a:rPr>
+              <a:t>QPalette</a:t>
+            </a:r>
+            <a:r>
+              <a:rPr lang="en-IN" sz="1800" b="0" i="0" u="none" strike="noStrike" kern="1200" cap="none" dirty="0">
+                <a:ln>
+                  <a:noFill/>
+                </a:ln>
+                <a:latin typeface="Liberation Sans" pitchFamily="18"/>
+                <a:ea typeface="Segoe UI" pitchFamily="2"/>
+                <a:cs typeface="Tahoma" pitchFamily="2"/>
+              </a:rPr>
+              <a:t> </a:t>
+            </a:r>
+            <a:r>
+              <a:rPr lang="en-IN" sz="1800" b="0" i="0" u="none" strike="noStrike" kern="1200" cap="none" dirty="0" err="1">
+                <a:ln>
+                  <a:noFill/>
+                </a:ln>
+                <a:latin typeface="Liberation Sans" pitchFamily="18"/>
+                <a:ea typeface="Segoe UI" pitchFamily="2"/>
+                <a:cs typeface="Tahoma" pitchFamily="2"/>
+              </a:rPr>
+              <a:t>test_pallete</a:t>
+            </a:r>
+            <a:r>
+              <a:rPr lang="en-IN" sz="1800" b="0" i="0" u="none" strike="noStrike" kern="1200" cap="none" dirty="0">
+                <a:ln>
+                  <a:noFill/>
+                </a:ln>
+                <a:latin typeface="Liberation Sans" pitchFamily="18"/>
+                <a:ea typeface="Segoe UI" pitchFamily="2"/>
+                <a:cs typeface="Tahoma" pitchFamily="2"/>
+              </a:rPr>
+              <a:t>;</a:t>
+            </a:r>
+          </a:p>
+          <a:p>
+            <a:pPr marL="0" marR="0" lvl="0" indent="0" rtl="0" hangingPunct="0">
+              <a:lnSpc>
+                <a:spcPct val="100000"/>
+              </a:lnSpc>
+              <a:spcBef>
+                <a:spcPts val="0"/>
+              </a:spcBef>
+              <a:spcAft>
+                <a:spcPts val="0"/>
+              </a:spcAft>
+              <a:buNone/>
+              <a:tabLst/>
+            </a:pPr>
+            <a:r>
+              <a:rPr lang="en-IN" sz="1800" b="0" i="0" u="none" strike="noStrike" kern="1200" cap="none" dirty="0" err="1">
+                <a:ln>
+                  <a:noFill/>
+                </a:ln>
+                <a:latin typeface="Liberation Sans" pitchFamily="18"/>
+                <a:ea typeface="Segoe UI" pitchFamily="2"/>
+                <a:cs typeface="Tahoma" pitchFamily="2"/>
+              </a:rPr>
+              <a:t>test_pallete.setColor</a:t>
+            </a:r>
+            <a:r>
+              <a:rPr lang="en-IN" sz="1800" b="0" i="0" u="none" strike="noStrike" kern="1200" cap="none" dirty="0">
+                <a:ln>
+                  <a:noFill/>
+                </a:ln>
+                <a:latin typeface="Liberation Sans" pitchFamily="18"/>
+                <a:ea typeface="Segoe UI" pitchFamily="2"/>
+                <a:cs typeface="Tahoma" pitchFamily="2"/>
+              </a:rPr>
+              <a:t>(</a:t>
+            </a:r>
+            <a:r>
+              <a:rPr lang="en-IN" sz="1800" b="0" i="0" u="none" strike="noStrike" kern="1200" cap="none" dirty="0" err="1">
+                <a:ln>
+                  <a:noFill/>
+                </a:ln>
+                <a:latin typeface="Liberation Sans" pitchFamily="18"/>
+                <a:ea typeface="Segoe UI" pitchFamily="2"/>
+                <a:cs typeface="Tahoma" pitchFamily="2"/>
+              </a:rPr>
+              <a:t>QPalette</a:t>
+            </a:r>
+            <a:r>
+              <a:rPr lang="en-IN" sz="1800" b="0" i="0" u="none" strike="noStrike" kern="1200" cap="none" dirty="0">
+                <a:ln>
+                  <a:noFill/>
+                </a:ln>
+                <a:latin typeface="Liberation Sans" pitchFamily="18"/>
+                <a:ea typeface="Segoe UI" pitchFamily="2"/>
+                <a:cs typeface="Tahoma" pitchFamily="2"/>
+              </a:rPr>
+              <a:t>::Window, Qt::white);</a:t>
+            </a:r>
+          </a:p>
+          <a:p>
+            <a:pPr marL="0" marR="0" lvl="0" indent="0" rtl="0" hangingPunct="0">
+              <a:lnSpc>
+                <a:spcPct val="100000"/>
+              </a:lnSpc>
+              <a:spcBef>
+                <a:spcPts val="0"/>
+              </a:spcBef>
+              <a:spcAft>
+                <a:spcPts val="0"/>
+              </a:spcAft>
+              <a:buNone/>
+              <a:tabLst/>
+            </a:pPr>
+            <a:r>
+              <a:rPr lang="en-IN" sz="1800" b="0" i="0" u="none" strike="noStrike" kern="1200" cap="none" dirty="0" err="1">
+                <a:ln>
+                  <a:noFill/>
+                </a:ln>
+                <a:latin typeface="Liberation Sans" pitchFamily="18"/>
+                <a:ea typeface="Segoe UI" pitchFamily="2"/>
+                <a:cs typeface="Tahoma" pitchFamily="2"/>
+              </a:rPr>
+              <a:t>test_pallete.setColor</a:t>
+            </a:r>
+            <a:r>
+              <a:rPr lang="en-IN" sz="1800" b="0" i="0" u="none" strike="noStrike" kern="1200" cap="none" dirty="0">
+                <a:ln>
+                  <a:noFill/>
+                </a:ln>
+                <a:latin typeface="Liberation Sans" pitchFamily="18"/>
+                <a:ea typeface="Segoe UI" pitchFamily="2"/>
+                <a:cs typeface="Tahoma" pitchFamily="2"/>
+              </a:rPr>
+              <a:t>(</a:t>
+            </a:r>
+            <a:r>
+              <a:rPr lang="en-IN" sz="1800" b="0" i="0" u="none" strike="noStrike" kern="1200" cap="none" dirty="0" err="1">
+                <a:ln>
+                  <a:noFill/>
+                </a:ln>
+                <a:latin typeface="Liberation Sans" pitchFamily="18"/>
+                <a:ea typeface="Segoe UI" pitchFamily="2"/>
+                <a:cs typeface="Tahoma" pitchFamily="2"/>
+              </a:rPr>
+              <a:t>QPalette</a:t>
+            </a:r>
+            <a:r>
+              <a:rPr lang="en-IN" sz="1800" b="0" i="0" u="none" strike="noStrike" kern="1200" cap="none" dirty="0">
+                <a:ln>
+                  <a:noFill/>
+                </a:ln>
+                <a:latin typeface="Liberation Sans" pitchFamily="18"/>
+                <a:ea typeface="Segoe UI" pitchFamily="2"/>
+                <a:cs typeface="Tahoma" pitchFamily="2"/>
+              </a:rPr>
+              <a:t>::</a:t>
+            </a:r>
+            <a:r>
+              <a:rPr lang="en-IN" sz="1800" b="0" i="0" u="none" strike="noStrike" kern="1200" cap="none" dirty="0" err="1">
+                <a:ln>
+                  <a:noFill/>
+                </a:ln>
+                <a:latin typeface="Liberation Sans" pitchFamily="18"/>
+                <a:ea typeface="Segoe UI" pitchFamily="2"/>
+                <a:cs typeface="Tahoma" pitchFamily="2"/>
+              </a:rPr>
+              <a:t>WindowText</a:t>
+            </a:r>
+            <a:r>
+              <a:rPr lang="en-IN" sz="1800" b="0" i="0" u="none" strike="noStrike" kern="1200" cap="none" dirty="0">
+                <a:ln>
+                  <a:noFill/>
+                </a:ln>
+                <a:latin typeface="Liberation Sans" pitchFamily="18"/>
+                <a:ea typeface="Segoe UI" pitchFamily="2"/>
+                <a:cs typeface="Tahoma" pitchFamily="2"/>
+              </a:rPr>
+              <a:t>, Qt::blue);</a:t>
+            </a:r>
+          </a:p>
+          <a:p>
+            <a:pPr marL="0" marR="0" lvl="0" indent="0" rtl="0" hangingPunct="0">
+              <a:lnSpc>
+                <a:spcPct val="100000"/>
+              </a:lnSpc>
+              <a:spcBef>
+                <a:spcPts val="0"/>
+              </a:spcBef>
+              <a:spcAft>
+                <a:spcPts val="0"/>
+              </a:spcAft>
+              <a:buNone/>
+              <a:tabLst/>
+            </a:pPr>
+            <a:endParaRPr lang="en-IN" sz="1800" b="0" i="0" u="none" strike="noStrike" kern="1200" cap="none" dirty="0">
+              <a:ln>
+                <a:noFill/>
+              </a:ln>
+              <a:latin typeface="Liberation Sans" pitchFamily="18"/>
+              <a:ea typeface="Segoe UI" pitchFamily="2"/>
+              <a:cs typeface="Tahoma" pitchFamily="2"/>
+            </a:endParaRPr>
+          </a:p>
+          <a:p>
+            <a:pPr marL="0" marR="0" lvl="0" indent="0" rtl="0" hangingPunct="0">
+              <a:lnSpc>
+                <a:spcPct val="100000"/>
+              </a:lnSpc>
+              <a:spcBef>
+                <a:spcPts val="0"/>
+              </a:spcBef>
+              <a:spcAft>
+                <a:spcPts val="0"/>
+              </a:spcAft>
+              <a:buNone/>
+              <a:tabLst/>
+            </a:pPr>
+            <a:r>
+              <a:rPr lang="en-IN" sz="1800" b="0" i="0" u="none" strike="noStrike" kern="1200" cap="none" dirty="0" err="1">
+                <a:ln>
+                  <a:noFill/>
+                </a:ln>
+                <a:latin typeface="Liberation Sans" pitchFamily="18"/>
+                <a:ea typeface="Segoe UI" pitchFamily="2"/>
+                <a:cs typeface="Tahoma" pitchFamily="2"/>
+              </a:rPr>
+              <a:t>test_label</a:t>
+            </a:r>
+            <a:r>
+              <a:rPr lang="en-IN" sz="1800" b="0" i="0" u="none" strike="noStrike" kern="1200" cap="none" dirty="0">
+                <a:ln>
+                  <a:noFill/>
+                </a:ln>
+                <a:latin typeface="Liberation Sans" pitchFamily="18"/>
+                <a:ea typeface="Segoe UI" pitchFamily="2"/>
+                <a:cs typeface="Tahoma" pitchFamily="2"/>
+              </a:rPr>
+              <a:t>-&gt;</a:t>
+            </a:r>
+            <a:r>
+              <a:rPr lang="en-IN" sz="1800" b="0" i="0" u="none" strike="noStrike" kern="1200" cap="none" dirty="0" err="1">
+                <a:ln>
+                  <a:noFill/>
+                </a:ln>
+                <a:latin typeface="Liberation Sans" pitchFamily="18"/>
+                <a:ea typeface="Segoe UI" pitchFamily="2"/>
+                <a:cs typeface="Tahoma" pitchFamily="2"/>
+              </a:rPr>
+              <a:t>setAutoFillBackground</a:t>
+            </a:r>
+            <a:r>
+              <a:rPr lang="en-IN" sz="1800" b="0" i="0" u="none" strike="noStrike" kern="1200" cap="none" dirty="0">
+                <a:ln>
+                  <a:noFill/>
+                </a:ln>
+                <a:latin typeface="Liberation Sans" pitchFamily="18"/>
+                <a:ea typeface="Segoe UI" pitchFamily="2"/>
+                <a:cs typeface="Tahoma" pitchFamily="2"/>
+              </a:rPr>
+              <a:t>(true);</a:t>
+            </a:r>
+          </a:p>
+          <a:p>
+            <a:pPr marL="0" marR="0" lvl="0" indent="0" rtl="0" hangingPunct="0">
+              <a:lnSpc>
+                <a:spcPct val="100000"/>
+              </a:lnSpc>
+              <a:spcBef>
+                <a:spcPts val="0"/>
+              </a:spcBef>
+              <a:spcAft>
+                <a:spcPts val="0"/>
+              </a:spcAft>
+              <a:buNone/>
+              <a:tabLst/>
+            </a:pPr>
+            <a:r>
+              <a:rPr lang="en-IN" sz="1800" b="0" i="0" u="none" strike="noStrike" kern="1200" cap="none" dirty="0" err="1">
+                <a:ln>
+                  <a:noFill/>
+                </a:ln>
+                <a:latin typeface="Liberation Sans" pitchFamily="18"/>
+                <a:ea typeface="Segoe UI" pitchFamily="2"/>
+                <a:cs typeface="Tahoma" pitchFamily="2"/>
+              </a:rPr>
+              <a:t>test_label</a:t>
+            </a:r>
+            <a:r>
+              <a:rPr lang="en-IN" sz="1800" b="0" i="0" u="none" strike="noStrike" kern="1200" cap="none" dirty="0">
+                <a:ln>
+                  <a:noFill/>
+                </a:ln>
+                <a:latin typeface="Liberation Sans" pitchFamily="18"/>
+                <a:ea typeface="Segoe UI" pitchFamily="2"/>
+                <a:cs typeface="Tahoma" pitchFamily="2"/>
+              </a:rPr>
+              <a:t>-&gt;</a:t>
+            </a:r>
+            <a:r>
+              <a:rPr lang="en-IN" sz="1800" b="0" i="0" u="none" strike="noStrike" kern="1200" cap="none" dirty="0" err="1">
+                <a:ln>
+                  <a:noFill/>
+                </a:ln>
+                <a:latin typeface="Liberation Sans" pitchFamily="18"/>
+                <a:ea typeface="Segoe UI" pitchFamily="2"/>
+                <a:cs typeface="Tahoma" pitchFamily="2"/>
+              </a:rPr>
+              <a:t>setPalette</a:t>
+            </a:r>
+            <a:r>
+              <a:rPr lang="en-IN" sz="1800" b="0" i="0" u="none" strike="noStrike" kern="1200" cap="none" dirty="0">
+                <a:ln>
+                  <a:noFill/>
+                </a:ln>
+                <a:latin typeface="Liberation Sans" pitchFamily="18"/>
+                <a:ea typeface="Segoe UI" pitchFamily="2"/>
+                <a:cs typeface="Tahoma" pitchFamily="2"/>
+              </a:rPr>
+              <a:t>(</a:t>
+            </a:r>
+            <a:r>
+              <a:rPr lang="en-IN" sz="1800" b="0" i="0" u="none" strike="noStrike" kern="1200" cap="none" dirty="0" err="1">
+                <a:ln>
+                  <a:noFill/>
+                </a:ln>
+                <a:latin typeface="Liberation Sans" pitchFamily="18"/>
+                <a:ea typeface="Segoe UI" pitchFamily="2"/>
+                <a:cs typeface="Tahoma" pitchFamily="2"/>
+              </a:rPr>
+              <a:t>test_pallete</a:t>
+            </a:r>
+            <a:r>
+              <a:rPr lang="en-IN" sz="1800" b="0" i="0" u="none" strike="noStrike" kern="1200" cap="none" dirty="0">
+                <a:ln>
+                  <a:noFill/>
+                </a:ln>
+                <a:latin typeface="Liberation Sans" pitchFamily="18"/>
+                <a:ea typeface="Segoe UI" pitchFamily="2"/>
+                <a:cs typeface="Tahoma" pitchFamily="2"/>
+              </a:rPr>
+              <a:t>);</a:t>
+            </a:r>
+          </a:p>
+          <a:p>
+            <a:pPr marL="0" marR="0" lvl="0" indent="0" rtl="0" hangingPunct="0">
+              <a:lnSpc>
+                <a:spcPct val="100000"/>
+              </a:lnSpc>
+              <a:spcBef>
+                <a:spcPts val="0"/>
+              </a:spcBef>
+              <a:spcAft>
+                <a:spcPts val="0"/>
+              </a:spcAft>
+              <a:buNone/>
+              <a:tabLst/>
+            </a:pPr>
+            <a:r>
+              <a:rPr lang="en-IN" sz="1800" b="0" i="0" u="none" strike="noStrike" kern="1200" cap="none" dirty="0" err="1">
+                <a:ln>
+                  <a:noFill/>
+                </a:ln>
+                <a:latin typeface="Liberation Sans" pitchFamily="18"/>
+                <a:ea typeface="Segoe UI" pitchFamily="2"/>
+                <a:cs typeface="Tahoma" pitchFamily="2"/>
+              </a:rPr>
+              <a:t>test_label</a:t>
+            </a:r>
+            <a:r>
+              <a:rPr lang="en-IN" sz="1800" b="0" i="0" u="none" strike="noStrike" kern="1200" cap="none" dirty="0">
+                <a:ln>
+                  <a:noFill/>
+                </a:ln>
+                <a:latin typeface="Liberation Sans" pitchFamily="18"/>
+                <a:ea typeface="Segoe UI" pitchFamily="2"/>
+                <a:cs typeface="Tahoma" pitchFamily="2"/>
+              </a:rPr>
+              <a:t>-&gt;</a:t>
+            </a:r>
+            <a:r>
+              <a:rPr lang="en-IN" sz="1800" b="0" i="0" u="none" strike="noStrike" kern="1200" cap="none" dirty="0" err="1">
+                <a:ln>
+                  <a:noFill/>
+                </a:ln>
+                <a:latin typeface="Liberation Sans" pitchFamily="18"/>
+                <a:ea typeface="Segoe UI" pitchFamily="2"/>
+                <a:cs typeface="Tahoma" pitchFamily="2"/>
+              </a:rPr>
+              <a:t>setText</a:t>
+            </a:r>
+            <a:r>
+              <a:rPr lang="en-IN" sz="1800" b="0" i="0" u="none" strike="noStrike" kern="1200" cap="none" dirty="0">
+                <a:ln>
+                  <a:noFill/>
+                </a:ln>
+                <a:latin typeface="Liberation Sans" pitchFamily="18"/>
+                <a:ea typeface="Segoe UI" pitchFamily="2"/>
+                <a:cs typeface="Tahoma" pitchFamily="2"/>
+              </a:rPr>
+              <a:t>("Hello World");</a:t>
+            </a:r>
+          </a:p>
+        </p:txBody>
+      </p:sp>
+      <p:sp>
+        <p:nvSpPr>
+          <p:cNvPr id="6" name="Rectangle: Rounded Corners 5">
+            <a:extLst>
+              <a:ext uri="{FF2B5EF4-FFF2-40B4-BE49-F238E27FC236}">
+                <a16:creationId xmlns:a16="http://schemas.microsoft.com/office/drawing/2014/main" id="{F0D4FAEC-1658-4AEA-B7E7-5ECD7501E74D}"/>
+              </a:ext>
+            </a:extLst>
+          </p:cNvPr>
+          <p:cNvSpPr/>
+          <p:nvPr/>
+        </p:nvSpPr>
+        <p:spPr>
+          <a:xfrm>
+            <a:off x="576000" y="774915"/>
+            <a:ext cx="5736022" cy="763398"/>
+          </a:xfrm>
+          <a:prstGeom prst="roundRect">
+            <a:avLst/>
+          </a:prstGeom>
+        </p:spPr>
+        <p:style>
+          <a:lnRef idx="2">
+            <a:schemeClr val="accent1">
+              <a:shade val="50000"/>
+            </a:schemeClr>
+          </a:lnRef>
+          <a:fillRef idx="1">
+            <a:schemeClr val="accent1"/>
+          </a:fillRef>
+          <a:effectRef idx="0">
+            <a:schemeClr val="accent1"/>
+          </a:effectRef>
+          <a:fontRef idx="minor">
+            <a:schemeClr val="lt1"/>
+          </a:fontRef>
+        </p:style>
+        <p:txBody>
+          <a:bodyPr rtlCol="0" anchor="ctr"/>
+          <a:lstStyle/>
+          <a:p>
+            <a:r>
+              <a:rPr lang="en-IN" sz="1800" i="0" dirty="0">
+                <a:cs typeface="Tahoma" pitchFamily="2"/>
+              </a:rPr>
+              <a:t>set </a:t>
+            </a:r>
+            <a:r>
+              <a:rPr lang="en-IN" sz="1800" i="0" dirty="0" err="1">
+                <a:cs typeface="Tahoma" pitchFamily="2"/>
+              </a:rPr>
+              <a:t>color</a:t>
+            </a:r>
+            <a:r>
+              <a:rPr lang="en-IN" sz="1800" i="0" dirty="0">
+                <a:cs typeface="Tahoma" pitchFamily="2"/>
+              </a:rPr>
+              <a:t> of text and background of a </a:t>
+            </a:r>
+            <a:r>
+              <a:rPr lang="en-IN" sz="1800" i="0" dirty="0" err="1">
+                <a:cs typeface="Tahoma" pitchFamily="2"/>
+              </a:rPr>
+              <a:t>QLabel</a:t>
+            </a:r>
+            <a:r>
+              <a:rPr lang="en-IN" sz="1800" i="0" dirty="0">
+                <a:cs typeface="Tahoma" pitchFamily="2"/>
+              </a:rPr>
+              <a:t>?</a:t>
+            </a:r>
+          </a:p>
+        </p:txBody>
+      </p:sp>
+    </p:spTree>
+    <p:extLst>
+      <p:ext uri="{BB962C8B-B14F-4D97-AF65-F5344CB8AC3E}">
+        <p14:creationId xmlns:p14="http://schemas.microsoft.com/office/powerpoint/2010/main" val="4006772550"/>
+      </p:ext>
+    </p:extLst>
+  </p:cSld>
+  <p:clrMapOvr>
+    <a:masterClrMapping/>
+  </p:clrMapOvr>
+</p:sld>
+</file>
+
+<file path=ppt/slides/slide31.xml><?xml version="1.0" encoding="utf-8"?>
+<p:sld xmlns:a="http://schemas.openxmlformats.org/drawingml/2006/main" xmlns:r="http://schemas.openxmlformats.org/officeDocument/2006/relationships" xmlns:p="http://schemas.openxmlformats.org/presentationml/2006/main">
+  <p:cSld>
+    <p:spTree>
+      <p:nvGrpSpPr>
+        <p:cNvPr id="1" name=""/>
+        <p:cNvGrpSpPr/>
+        <p:nvPr/>
+      </p:nvGrpSpPr>
+      <p:grpSpPr>
+        <a:xfrm>
+          <a:off x="0" y="0"/>
+          <a:ext cx="0" cy="0"/>
+          <a:chOff x="0" y="0"/>
+          <a:chExt cx="0" cy="0"/>
+        </a:xfrm>
+      </p:grpSpPr>
+      <p:sp>
+        <p:nvSpPr>
+          <p:cNvPr id="3" name="TextBox 2">
+            <a:extLst>
+              <a:ext uri="{FF2B5EF4-FFF2-40B4-BE49-F238E27FC236}">
                 <a16:creationId xmlns:a16="http://schemas.microsoft.com/office/drawing/2014/main" id="{D008AEBD-6076-4E83-9727-B43F4DC4EB44}"/>
               </a:ext>
             </a:extLst>
@@ -21348,7 +21432,7 @@
 </p:sld>
 </file>
 
-<file path=ppt/slides/slide31.xml><?xml version="1.0" encoding="utf-8"?>
+<file path=ppt/slides/slide32.xml><?xml version="1.0" encoding="utf-8"?>
 <p:sld xmlns:a="http://schemas.openxmlformats.org/drawingml/2006/main" xmlns:r="http://schemas.openxmlformats.org/officeDocument/2006/relationships" xmlns:p="http://schemas.openxmlformats.org/presentationml/2006/main">
   <p:cSld>
     <p:spTree>
@@ -21990,7 +22074,7 @@
 </p:sld>
 </file>
 
-<file path=ppt/slides/slide32.xml><?xml version="1.0" encoding="utf-8"?>
+<file path=ppt/slides/slide33.xml><?xml version="1.0" encoding="utf-8"?>
 <p:sld xmlns:a="http://schemas.openxmlformats.org/drawingml/2006/main" xmlns:r="http://schemas.openxmlformats.org/officeDocument/2006/relationships" xmlns:p="http://schemas.openxmlformats.org/presentationml/2006/main">
   <p:cSld>
     <p:spTree>
@@ -22212,7 +22296,7 @@
 </p:sld>
 </file>
 
-<file path=ppt/slides/slide33.xml><?xml version="1.0" encoding="utf-8"?>
+<file path=ppt/slides/slide34.xml><?xml version="1.0" encoding="utf-8"?>
 <p:sld xmlns:a="http://schemas.openxmlformats.org/drawingml/2006/main" xmlns:r="http://schemas.openxmlformats.org/officeDocument/2006/relationships" xmlns:p="http://schemas.openxmlformats.org/presentationml/2006/main">
   <p:cSld>
     <p:spTree>
@@ -22412,7 +22496,7 @@
 </p:sld>
 </file>
 
-<file path=ppt/slides/slide34.xml><?xml version="1.0" encoding="utf-8"?>
+<file path=ppt/slides/slide35.xml><?xml version="1.0" encoding="utf-8"?>
 <p:sld xmlns:a="http://schemas.openxmlformats.org/drawingml/2006/main" xmlns:r="http://schemas.openxmlformats.org/officeDocument/2006/relationships" xmlns:p="http://schemas.openxmlformats.org/presentationml/2006/main">
   <p:cSld>
     <p:spTree>
@@ -22587,7 +22671,7 @@
 </p:sld>
 </file>
 
-<file path=ppt/slides/slide35.xml><?xml version="1.0" encoding="utf-8"?>
+<file path=ppt/slides/slide36.xml><?xml version="1.0" encoding="utf-8"?>
 <p:sld xmlns:a="http://schemas.openxmlformats.org/drawingml/2006/main" xmlns:r="http://schemas.openxmlformats.org/officeDocument/2006/relationships" xmlns:p="http://schemas.openxmlformats.org/presentationml/2006/main">
   <p:cSld>
     <p:spTree>
@@ -22749,7 +22833,7 @@
 </p:sld>
 </file>
 
-<file path=ppt/slides/slide36.xml><?xml version="1.0" encoding="utf-8"?>
+<file path=ppt/slides/slide37.xml><?xml version="1.0" encoding="utf-8"?>
 <p:sld xmlns:a="http://schemas.openxmlformats.org/drawingml/2006/main" xmlns:r="http://schemas.openxmlformats.org/officeDocument/2006/relationships" xmlns:p="http://schemas.openxmlformats.org/presentationml/2006/main">
   <p:cSld>
     <p:spTree>
@@ -22931,86 +23015,6 @@
 </p:sld>
 </file>
 
-<file path=ppt/slides/slide37.xml><?xml version="1.0" encoding="utf-8"?>
-<p:sld xmlns:a="http://schemas.openxmlformats.org/drawingml/2006/main" xmlns:r="http://schemas.openxmlformats.org/officeDocument/2006/relationships" xmlns:p="http://schemas.openxmlformats.org/presentationml/2006/main">
-  <p:cSld>
-    <p:spTree>
-      <p:nvGrpSpPr>
-        <p:cNvPr id="1" name=""/>
-        <p:cNvGrpSpPr/>
-        <p:nvPr/>
-      </p:nvGrpSpPr>
-      <p:grpSpPr>
-        <a:xfrm>
-          <a:off x="0" y="0"/>
-          <a:ext cx="0" cy="0"/>
-          <a:chOff x="0" y="0"/>
-          <a:chExt cx="0" cy="0"/>
-        </a:xfrm>
-      </p:grpSpPr>
-      <p:sp>
-        <p:nvSpPr>
-          <p:cNvPr id="2" name="Title 1">
-            <a:extLst>
-              <a:ext uri="{FF2B5EF4-FFF2-40B4-BE49-F238E27FC236}">
-                <a16:creationId xmlns:a16="http://schemas.microsoft.com/office/drawing/2014/main" id="{5B4CC751-5A5E-4802-A06B-E66581CA850A}"/>
-              </a:ext>
-            </a:extLst>
-          </p:cNvPr>
-          <p:cNvSpPr>
-            <a:spLocks noGrp="1"/>
-          </p:cNvSpPr>
-          <p:nvPr>
-            <p:ph type="ctrTitle"/>
-          </p:nvPr>
-        </p:nvSpPr>
-        <p:spPr/>
-        <p:txBody>
-          <a:bodyPr/>
-          <a:lstStyle/>
-          <a:p>
-            <a:endParaRPr lang="en-IN"/>
-          </a:p>
-        </p:txBody>
-      </p:sp>
-      <p:sp>
-        <p:nvSpPr>
-          <p:cNvPr id="3" name="Subtitle 2">
-            <a:extLst>
-              <a:ext uri="{FF2B5EF4-FFF2-40B4-BE49-F238E27FC236}">
-                <a16:creationId xmlns:a16="http://schemas.microsoft.com/office/drawing/2014/main" id="{A55648A5-9962-4469-85B2-198B386791C6}"/>
-              </a:ext>
-            </a:extLst>
-          </p:cNvPr>
-          <p:cNvSpPr>
-            <a:spLocks noGrp="1"/>
-          </p:cNvSpPr>
-          <p:nvPr>
-            <p:ph type="subTitle" idx="1"/>
-          </p:nvPr>
-        </p:nvSpPr>
-        <p:spPr/>
-        <p:txBody>
-          <a:bodyPr/>
-          <a:lstStyle/>
-          <a:p>
-            <a:endParaRPr lang="en-IN"/>
-          </a:p>
-        </p:txBody>
-      </p:sp>
-    </p:spTree>
-    <p:extLst>
-      <p:ext uri="{BB962C8B-B14F-4D97-AF65-F5344CB8AC3E}">
-        <p14:creationId xmlns:p14="http://schemas.microsoft.com/office/powerpoint/2010/main" val="247597253"/>
-      </p:ext>
-    </p:extLst>
-  </p:cSld>
-  <p:clrMapOvr>
-    <a:masterClrMapping/>
-  </p:clrMapOvr>
-</p:sld>
-</file>
-
 <file path=ppt/slides/slide38.xml><?xml version="1.0" encoding="utf-8"?>
 <p:sld xmlns:a="http://schemas.openxmlformats.org/drawingml/2006/main" xmlns:r="http://schemas.openxmlformats.org/officeDocument/2006/relationships" xmlns:p="http://schemas.openxmlformats.org/presentationml/2006/main">
   <p:cSld>
@@ -23081,7 +23085,7 @@
     </p:spTree>
     <p:extLst>
       <p:ext uri="{BB962C8B-B14F-4D97-AF65-F5344CB8AC3E}">
-        <p14:creationId xmlns:p14="http://schemas.microsoft.com/office/powerpoint/2010/main" val="2961891478"/>
+        <p14:creationId xmlns:p14="http://schemas.microsoft.com/office/powerpoint/2010/main" val="247597253"/>
       </p:ext>
     </p:extLst>
   </p:cSld>
@@ -23161,7 +23165,7 @@
     </p:spTree>
     <p:extLst>
       <p:ext uri="{BB962C8B-B14F-4D97-AF65-F5344CB8AC3E}">
-        <p14:creationId xmlns:p14="http://schemas.microsoft.com/office/powerpoint/2010/main" val="883919235"/>
+        <p14:creationId xmlns:p14="http://schemas.microsoft.com/office/powerpoint/2010/main" val="2961891478"/>
       </p:ext>
     </p:extLst>
   </p:cSld>
@@ -23464,6 +23468,86 @@
     </p:spTree>
     <p:extLst>
       <p:ext uri="{BB962C8B-B14F-4D97-AF65-F5344CB8AC3E}">
+        <p14:creationId xmlns:p14="http://schemas.microsoft.com/office/powerpoint/2010/main" val="883919235"/>
+      </p:ext>
+    </p:extLst>
+  </p:cSld>
+  <p:clrMapOvr>
+    <a:masterClrMapping/>
+  </p:clrMapOvr>
+</p:sld>
+</file>
+
+<file path=ppt/slides/slide41.xml><?xml version="1.0" encoding="utf-8"?>
+<p:sld xmlns:a="http://schemas.openxmlformats.org/drawingml/2006/main" xmlns:r="http://schemas.openxmlformats.org/officeDocument/2006/relationships" xmlns:p="http://schemas.openxmlformats.org/presentationml/2006/main">
+  <p:cSld>
+    <p:spTree>
+      <p:nvGrpSpPr>
+        <p:cNvPr id="1" name=""/>
+        <p:cNvGrpSpPr/>
+        <p:nvPr/>
+      </p:nvGrpSpPr>
+      <p:grpSpPr>
+        <a:xfrm>
+          <a:off x="0" y="0"/>
+          <a:ext cx="0" cy="0"/>
+          <a:chOff x="0" y="0"/>
+          <a:chExt cx="0" cy="0"/>
+        </a:xfrm>
+      </p:grpSpPr>
+      <p:sp>
+        <p:nvSpPr>
+          <p:cNvPr id="2" name="Title 1">
+            <a:extLst>
+              <a:ext uri="{FF2B5EF4-FFF2-40B4-BE49-F238E27FC236}">
+                <a16:creationId xmlns:a16="http://schemas.microsoft.com/office/drawing/2014/main" id="{5B4CC751-5A5E-4802-A06B-E66581CA850A}"/>
+              </a:ext>
+            </a:extLst>
+          </p:cNvPr>
+          <p:cNvSpPr>
+            <a:spLocks noGrp="1"/>
+          </p:cNvSpPr>
+          <p:nvPr>
+            <p:ph type="ctrTitle"/>
+          </p:nvPr>
+        </p:nvSpPr>
+        <p:spPr/>
+        <p:txBody>
+          <a:bodyPr/>
+          <a:lstStyle/>
+          <a:p>
+            <a:endParaRPr lang="en-IN"/>
+          </a:p>
+        </p:txBody>
+      </p:sp>
+      <p:sp>
+        <p:nvSpPr>
+          <p:cNvPr id="3" name="Subtitle 2">
+            <a:extLst>
+              <a:ext uri="{FF2B5EF4-FFF2-40B4-BE49-F238E27FC236}">
+                <a16:creationId xmlns:a16="http://schemas.microsoft.com/office/drawing/2014/main" id="{A55648A5-9962-4469-85B2-198B386791C6}"/>
+              </a:ext>
+            </a:extLst>
+          </p:cNvPr>
+          <p:cNvSpPr>
+            <a:spLocks noGrp="1"/>
+          </p:cNvSpPr>
+          <p:nvPr>
+            <p:ph type="subTitle" idx="1"/>
+          </p:nvPr>
+        </p:nvSpPr>
+        <p:spPr/>
+        <p:txBody>
+          <a:bodyPr/>
+          <a:lstStyle/>
+          <a:p>
+            <a:endParaRPr lang="en-IN"/>
+          </a:p>
+        </p:txBody>
+      </p:sp>
+    </p:spTree>
+    <p:extLst>
+      <p:ext uri="{BB962C8B-B14F-4D97-AF65-F5344CB8AC3E}">
         <p14:creationId xmlns:p14="http://schemas.microsoft.com/office/powerpoint/2010/main" val="737649413"/>
       </p:ext>
     </p:extLst>
@@ -23474,7 +23558,7 @@
 </p:sld>
 </file>
 
-<file path=ppt/slides/slide41.xml><?xml version="1.0" encoding="utf-8"?>
+<file path=ppt/slides/slide42.xml><?xml version="1.0" encoding="utf-8"?>
 <p:sld xmlns:a="http://schemas.openxmlformats.org/drawingml/2006/main" xmlns:r="http://schemas.openxmlformats.org/officeDocument/2006/relationships" xmlns:p="http://schemas.openxmlformats.org/presentationml/2006/main">
   <p:cSld>
     <p:spTree>
